--- a/DeckUpdate/SamplePPT.pptx
+++ b/DeckUpdate/SamplePPT.pptx
@@ -11,6 +11,7 @@
     <p:sldId id="259" r:id="rId5"/>
     <p:sldId id="260" r:id="rId6"/>
     <p:sldId id="261" r:id="rId7"/>
+    <p:sldId id="262" r:id="rId8"/>
   </p:sldIdLst>
   <p:sldSz cx="9144000" cy="6858000" type="screen4x3"/>
   <p:notesSz cx="6858000" cy="9144000"/>
@@ -360,7 +361,7 @@
           <a:p>
             <a:fld id="{10302D39-B686-2742-A69B-CE6D46FC9A4E}" type="datetime4">
               <a:rPr lang="en-US" smtClean="0"/>
-              <a:t>December 12, 2020</a:t>
+              <a:t>December 13, 2020</a:t>
             </a:fld>
             <a:endParaRPr lang="en-US" dirty="0"/>
           </a:p>
@@ -482,356 +483,6 @@
 </p:sldLayout>
 </file>
 
-<file path=ppt/slideLayouts/slideLayout10.xml><?xml version="1.0" encoding="utf-8"?>
-<p:sldLayout xmlns:a="http://schemas.openxmlformats.org/drawingml/2006/main" xmlns:r="http://schemas.openxmlformats.org/officeDocument/2006/relationships" xmlns:p="http://schemas.openxmlformats.org/presentationml/2006/main" type="vertTx" preserve="1">
-  <p:cSld name="Title and Vertical Text">
-    <p:spTree>
-      <p:nvGrpSpPr>
-        <p:cNvPr id="1" name=""/>
-        <p:cNvGrpSpPr/>
-        <p:nvPr/>
-      </p:nvGrpSpPr>
-      <p:grpSpPr>
-        <a:xfrm>
-          <a:off x="0" y="0"/>
-          <a:ext cx="0" cy="0"/>
-          <a:chOff x="0" y="0"/>
-          <a:chExt cx="0" cy="0"/>
-        </a:xfrm>
-      </p:grpSpPr>
-      <p:sp>
-        <p:nvSpPr>
-          <p:cNvPr id="2" name="Title 1"/>
-          <p:cNvSpPr>
-            <a:spLocks noGrp="1"/>
-          </p:cNvSpPr>
-          <p:nvPr>
-            <p:ph type="title"/>
-          </p:nvPr>
-        </p:nvSpPr>
-        <p:spPr/>
-        <p:txBody>
-          <a:bodyPr/>
-          <a:lstStyle/>
-          <a:p>
-            <a:r>
-              <a:rPr lang="en-US" smtClean="0"/>
-              <a:t>Click to edit Master title style</a:t>
-            </a:r>
-            <a:endParaRPr lang="en-US"/>
-          </a:p>
-        </p:txBody>
-      </p:sp>
-      <p:sp>
-        <p:nvSpPr>
-          <p:cNvPr id="3" name="Vertical Text Placeholder 2"/>
-          <p:cNvSpPr>
-            <a:spLocks noGrp="1"/>
-          </p:cNvSpPr>
-          <p:nvPr>
-            <p:ph type="body" orient="vert" idx="1"/>
-          </p:nvPr>
-        </p:nvSpPr>
-        <p:spPr/>
-        <p:txBody>
-          <a:bodyPr vert="eaVert"/>
-          <a:lstStyle/>
-          <a:p>
-            <a:pPr lvl="0"/>
-            <a:r>
-              <a:rPr lang="en-US" smtClean="0"/>
-              <a:t>Click to edit Master text styles</a:t>
-            </a:r>
-          </a:p>
-          <a:p>
-            <a:pPr lvl="1"/>
-            <a:r>
-              <a:rPr lang="en-US" smtClean="0"/>
-              <a:t>Second level</a:t>
-            </a:r>
-          </a:p>
-          <a:p>
-            <a:pPr lvl="2"/>
-            <a:r>
-              <a:rPr lang="en-US" smtClean="0"/>
-              <a:t>Third level</a:t>
-            </a:r>
-          </a:p>
-          <a:p>
-            <a:pPr lvl="3"/>
-            <a:r>
-              <a:rPr lang="en-US" smtClean="0"/>
-              <a:t>Fourth level</a:t>
-            </a:r>
-          </a:p>
-          <a:p>
-            <a:pPr lvl="4"/>
-            <a:r>
-              <a:rPr lang="en-US" smtClean="0"/>
-              <a:t>Fifth level</a:t>
-            </a:r>
-            <a:endParaRPr lang="en-US"/>
-          </a:p>
-        </p:txBody>
-      </p:sp>
-      <p:sp>
-        <p:nvSpPr>
-          <p:cNvPr id="4" name="Date Placeholder 3"/>
-          <p:cNvSpPr>
-            <a:spLocks noGrp="1"/>
-          </p:cNvSpPr>
-          <p:nvPr>
-            <p:ph type="dt" sz="half" idx="10"/>
-          </p:nvPr>
-        </p:nvSpPr>
-        <p:spPr/>
-        <p:txBody>
-          <a:bodyPr/>
-          <a:lstStyle/>
-          <a:p>
-            <a:fld id="{241EB5C9-1307-BA42-ABA2-0BC069CD8E7F}" type="datetimeFigureOut">
-              <a:rPr lang="en-US" smtClean="0"/>
-              <a:t>4/5/2019</a:t>
-            </a:fld>
-            <a:endParaRPr lang="en-US"/>
-          </a:p>
-        </p:txBody>
-      </p:sp>
-      <p:sp>
-        <p:nvSpPr>
-          <p:cNvPr id="5" name="Footer Placeholder 4"/>
-          <p:cNvSpPr>
-            <a:spLocks noGrp="1"/>
-          </p:cNvSpPr>
-          <p:nvPr>
-            <p:ph type="ftr" sz="quarter" idx="11"/>
-          </p:nvPr>
-        </p:nvSpPr>
-        <p:spPr/>
-        <p:txBody>
-          <a:bodyPr/>
-          <a:lstStyle/>
-          <a:p>
-            <a:endParaRPr lang="en-US"/>
-          </a:p>
-        </p:txBody>
-      </p:sp>
-      <p:sp>
-        <p:nvSpPr>
-          <p:cNvPr id="6" name="Slide Number Placeholder 5"/>
-          <p:cNvSpPr>
-            <a:spLocks noGrp="1"/>
-          </p:cNvSpPr>
-          <p:nvPr>
-            <p:ph type="sldNum" sz="quarter" idx="12"/>
-          </p:nvPr>
-        </p:nvSpPr>
-        <p:spPr/>
-        <p:txBody>
-          <a:bodyPr/>
-          <a:lstStyle/>
-          <a:p>
-            <a:fld id="{C5EF2332-01BF-834F-8236-50238282D533}" type="slidenum">
-              <a:rPr lang="en-US" smtClean="0"/>
-              <a:t>‹#›</a:t>
-            </a:fld>
-            <a:endParaRPr lang="en-US"/>
-          </a:p>
-        </p:txBody>
-      </p:sp>
-    </p:spTree>
-    <p:extLst>
-      <p:ext uri="{BB962C8B-B14F-4D97-AF65-F5344CB8AC3E}">
-        <p14:creationId xmlns:p14="http://schemas.microsoft.com/office/powerpoint/2010/main" val="313914798"/>
-      </p:ext>
-    </p:extLst>
-  </p:cSld>
-  <p:clrMapOvr>
-    <a:masterClrMapping/>
-  </p:clrMapOvr>
-</p:sldLayout>
-</file>
-
-<file path=ppt/slideLayouts/slideLayout11.xml><?xml version="1.0" encoding="utf-8"?>
-<p:sldLayout xmlns:a="http://schemas.openxmlformats.org/drawingml/2006/main" xmlns:r="http://schemas.openxmlformats.org/officeDocument/2006/relationships" xmlns:p="http://schemas.openxmlformats.org/presentationml/2006/main" type="vertTitleAndTx" preserve="1">
-  <p:cSld name="Vertical Title and Text">
-    <p:spTree>
-      <p:nvGrpSpPr>
-        <p:cNvPr id="1" name=""/>
-        <p:cNvGrpSpPr/>
-        <p:nvPr/>
-      </p:nvGrpSpPr>
-      <p:grpSpPr>
-        <a:xfrm>
-          <a:off x="0" y="0"/>
-          <a:ext cx="0" cy="0"/>
-          <a:chOff x="0" y="0"/>
-          <a:chExt cx="0" cy="0"/>
-        </a:xfrm>
-      </p:grpSpPr>
-      <p:sp>
-        <p:nvSpPr>
-          <p:cNvPr id="2" name="Vertical Title 1"/>
-          <p:cNvSpPr>
-            <a:spLocks noGrp="1"/>
-          </p:cNvSpPr>
-          <p:nvPr>
-            <p:ph type="title" orient="vert"/>
-          </p:nvPr>
-        </p:nvSpPr>
-        <p:spPr>
-          <a:xfrm>
-            <a:off x="6629400" y="274638"/>
-            <a:ext cx="2057400" cy="5851525"/>
-          </a:xfrm>
-        </p:spPr>
-        <p:txBody>
-          <a:bodyPr vert="eaVert"/>
-          <a:lstStyle/>
-          <a:p>
-            <a:r>
-              <a:rPr lang="en-US" smtClean="0"/>
-              <a:t>Click to edit Master title style</a:t>
-            </a:r>
-            <a:endParaRPr lang="en-US"/>
-          </a:p>
-        </p:txBody>
-      </p:sp>
-      <p:sp>
-        <p:nvSpPr>
-          <p:cNvPr id="3" name="Vertical Text Placeholder 2"/>
-          <p:cNvSpPr>
-            <a:spLocks noGrp="1"/>
-          </p:cNvSpPr>
-          <p:nvPr>
-            <p:ph type="body" orient="vert" idx="1"/>
-          </p:nvPr>
-        </p:nvSpPr>
-        <p:spPr>
-          <a:xfrm>
-            <a:off x="457200" y="274638"/>
-            <a:ext cx="6019800" cy="5851525"/>
-          </a:xfrm>
-        </p:spPr>
-        <p:txBody>
-          <a:bodyPr vert="eaVert"/>
-          <a:lstStyle/>
-          <a:p>
-            <a:pPr lvl="0"/>
-            <a:r>
-              <a:rPr lang="en-US" smtClean="0"/>
-              <a:t>Click to edit Master text styles</a:t>
-            </a:r>
-          </a:p>
-          <a:p>
-            <a:pPr lvl="1"/>
-            <a:r>
-              <a:rPr lang="en-US" smtClean="0"/>
-              <a:t>Second level</a:t>
-            </a:r>
-          </a:p>
-          <a:p>
-            <a:pPr lvl="2"/>
-            <a:r>
-              <a:rPr lang="en-US" smtClean="0"/>
-              <a:t>Third level</a:t>
-            </a:r>
-          </a:p>
-          <a:p>
-            <a:pPr lvl="3"/>
-            <a:r>
-              <a:rPr lang="en-US" smtClean="0"/>
-              <a:t>Fourth level</a:t>
-            </a:r>
-          </a:p>
-          <a:p>
-            <a:pPr lvl="4"/>
-            <a:r>
-              <a:rPr lang="en-US" smtClean="0"/>
-              <a:t>Fifth level</a:t>
-            </a:r>
-            <a:endParaRPr lang="en-US"/>
-          </a:p>
-        </p:txBody>
-      </p:sp>
-      <p:sp>
-        <p:nvSpPr>
-          <p:cNvPr id="4" name="Date Placeholder 3"/>
-          <p:cNvSpPr>
-            <a:spLocks noGrp="1"/>
-          </p:cNvSpPr>
-          <p:nvPr>
-            <p:ph type="dt" sz="half" idx="10"/>
-          </p:nvPr>
-        </p:nvSpPr>
-        <p:spPr/>
-        <p:txBody>
-          <a:bodyPr/>
-          <a:lstStyle/>
-          <a:p>
-            <a:fld id="{241EB5C9-1307-BA42-ABA2-0BC069CD8E7F}" type="datetimeFigureOut">
-              <a:rPr lang="en-US" smtClean="0"/>
-              <a:t>4/5/2019</a:t>
-            </a:fld>
-            <a:endParaRPr lang="en-US"/>
-          </a:p>
-        </p:txBody>
-      </p:sp>
-      <p:sp>
-        <p:nvSpPr>
-          <p:cNvPr id="5" name="Footer Placeholder 4"/>
-          <p:cNvSpPr>
-            <a:spLocks noGrp="1"/>
-          </p:cNvSpPr>
-          <p:nvPr>
-            <p:ph type="ftr" sz="quarter" idx="11"/>
-          </p:nvPr>
-        </p:nvSpPr>
-        <p:spPr/>
-        <p:txBody>
-          <a:bodyPr/>
-          <a:lstStyle/>
-          <a:p>
-            <a:endParaRPr lang="en-US"/>
-          </a:p>
-        </p:txBody>
-      </p:sp>
-      <p:sp>
-        <p:nvSpPr>
-          <p:cNvPr id="6" name="Slide Number Placeholder 5"/>
-          <p:cNvSpPr>
-            <a:spLocks noGrp="1"/>
-          </p:cNvSpPr>
-          <p:nvPr>
-            <p:ph type="sldNum" sz="quarter" idx="12"/>
-          </p:nvPr>
-        </p:nvSpPr>
-        <p:spPr/>
-        <p:txBody>
-          <a:bodyPr/>
-          <a:lstStyle/>
-          <a:p>
-            <a:fld id="{C5EF2332-01BF-834F-8236-50238282D533}" type="slidenum">
-              <a:rPr lang="en-US" smtClean="0"/>
-              <a:t>‹#›</a:t>
-            </a:fld>
-            <a:endParaRPr lang="en-US"/>
-          </a:p>
-        </p:txBody>
-      </p:sp>
-    </p:spTree>
-    <p:extLst>
-      <p:ext uri="{BB962C8B-B14F-4D97-AF65-F5344CB8AC3E}">
-        <p14:creationId xmlns:p14="http://schemas.microsoft.com/office/powerpoint/2010/main" val="2581529045"/>
-      </p:ext>
-    </p:extLst>
-  </p:cSld>
-  <p:clrMapOvr>
-    <a:masterClrMapping/>
-  </p:clrMapOvr>
-</p:sldLayout>
-</file>
-
 <file path=ppt/slideLayouts/slideLayout2.xml><?xml version="1.0" encoding="utf-8"?>
 <p:sldLayout xmlns:a="http://schemas.openxmlformats.org/drawingml/2006/main" xmlns:r="http://schemas.openxmlformats.org/officeDocument/2006/relationships" xmlns:p="http://schemas.openxmlformats.org/presentationml/2006/main" preserve="1" userDrawn="1">
   <p:cSld name="Content (Text &amp; Graph)">
@@ -1031,7 +682,7 @@
           <a:p>
             <a:fld id="{585AD263-A788-3145-8D38-AEBC1D444AEE}" type="datetime4">
               <a:rPr lang="en-US" smtClean="0"/>
-              <a:t>December 12, 2020</a:t>
+              <a:t>December 13, 2020</a:t>
             </a:fld>
             <a:endParaRPr lang="en-US" dirty="0"/>
           </a:p>
@@ -1321,7 +972,7 @@
           <a:p>
             <a:fld id="{B606C5D1-9323-1B45-8355-7D55EA8EE66A}" type="datetime4">
               <a:rPr lang="en-US" smtClean="0"/>
-              <a:t>December 12, 2020</a:t>
+              <a:t>December 13, 2020</a:t>
             </a:fld>
             <a:endParaRPr lang="en-US" dirty="0"/>
           </a:p>
@@ -1569,7 +1220,7 @@
           <a:p>
             <a:fld id="{A4108F21-3CFE-3045-9ABB-E1E1413BA1A1}" type="datetime4">
               <a:rPr lang="en-US" smtClean="0"/>
-              <a:t>December 12, 2020</a:t>
+              <a:t>December 13, 2020</a:t>
             </a:fld>
             <a:endParaRPr lang="en-US" dirty="0"/>
           </a:p>
@@ -1801,1171 +1452,6 @@
   </p:cSld>
   <p:clrMapOvr>
     <a:overrideClrMapping bg1="dk1" tx1="lt1" bg2="dk2" tx2="lt2" accent1="accent1" accent2="accent2" accent3="accent3" accent4="accent4" accent5="accent5" accent6="accent6" hlink="hlink" folHlink="folHlink"/>
-  </p:clrMapOvr>
-</p:sldLayout>
-</file>
-
-<file path=ppt/slideLayouts/slideLayout5.xml><?xml version="1.0" encoding="utf-8"?>
-<p:sldLayout xmlns:a="http://schemas.openxmlformats.org/drawingml/2006/main" xmlns:r="http://schemas.openxmlformats.org/officeDocument/2006/relationships" xmlns:p="http://schemas.openxmlformats.org/presentationml/2006/main" type="twoTxTwoObj" preserve="1">
-  <p:cSld name="Comparison">
-    <p:spTree>
-      <p:nvGrpSpPr>
-        <p:cNvPr id="1" name=""/>
-        <p:cNvGrpSpPr/>
-        <p:nvPr/>
-      </p:nvGrpSpPr>
-      <p:grpSpPr>
-        <a:xfrm>
-          <a:off x="0" y="0"/>
-          <a:ext cx="0" cy="0"/>
-          <a:chOff x="0" y="0"/>
-          <a:chExt cx="0" cy="0"/>
-        </a:xfrm>
-      </p:grpSpPr>
-      <p:sp>
-        <p:nvSpPr>
-          <p:cNvPr id="2" name="Title 1"/>
-          <p:cNvSpPr>
-            <a:spLocks noGrp="1"/>
-          </p:cNvSpPr>
-          <p:nvPr>
-            <p:ph type="title"/>
-          </p:nvPr>
-        </p:nvSpPr>
-        <p:spPr/>
-        <p:txBody>
-          <a:bodyPr/>
-          <a:lstStyle>
-            <a:lvl1pPr>
-              <a:defRPr/>
-            </a:lvl1pPr>
-          </a:lstStyle>
-          <a:p>
-            <a:r>
-              <a:rPr lang="en-US" smtClean="0"/>
-              <a:t>Click to edit Master title style</a:t>
-            </a:r>
-            <a:endParaRPr lang="en-US"/>
-          </a:p>
-        </p:txBody>
-      </p:sp>
-      <p:sp>
-        <p:nvSpPr>
-          <p:cNvPr id="3" name="Text Placeholder 2"/>
-          <p:cNvSpPr>
-            <a:spLocks noGrp="1"/>
-          </p:cNvSpPr>
-          <p:nvPr>
-            <p:ph type="body" idx="1"/>
-          </p:nvPr>
-        </p:nvSpPr>
-        <p:spPr>
-          <a:xfrm>
-            <a:off x="457200" y="1535113"/>
-            <a:ext cx="4040188" cy="639762"/>
-          </a:xfrm>
-        </p:spPr>
-        <p:txBody>
-          <a:bodyPr anchor="b"/>
-          <a:lstStyle>
-            <a:lvl1pPr marL="0" indent="0">
-              <a:buNone/>
-              <a:defRPr sz="2400" b="1"/>
-            </a:lvl1pPr>
-            <a:lvl2pPr marL="457200" indent="0">
-              <a:buNone/>
-              <a:defRPr sz="2000" b="1"/>
-            </a:lvl2pPr>
-            <a:lvl3pPr marL="914400" indent="0">
-              <a:buNone/>
-              <a:defRPr sz="1800" b="1"/>
-            </a:lvl3pPr>
-            <a:lvl4pPr marL="1371600" indent="0">
-              <a:buNone/>
-              <a:defRPr sz="1600" b="1"/>
-            </a:lvl4pPr>
-            <a:lvl5pPr marL="1828800" indent="0">
-              <a:buNone/>
-              <a:defRPr sz="1600" b="1"/>
-            </a:lvl5pPr>
-            <a:lvl6pPr marL="2286000" indent="0">
-              <a:buNone/>
-              <a:defRPr sz="1600" b="1"/>
-            </a:lvl6pPr>
-            <a:lvl7pPr marL="2743200" indent="0">
-              <a:buNone/>
-              <a:defRPr sz="1600" b="1"/>
-            </a:lvl7pPr>
-            <a:lvl8pPr marL="3200400" indent="0">
-              <a:buNone/>
-              <a:defRPr sz="1600" b="1"/>
-            </a:lvl8pPr>
-            <a:lvl9pPr marL="3657600" indent="0">
-              <a:buNone/>
-              <a:defRPr sz="1600" b="1"/>
-            </a:lvl9pPr>
-          </a:lstStyle>
-          <a:p>
-            <a:pPr lvl="0"/>
-            <a:r>
-              <a:rPr lang="en-US" smtClean="0"/>
-              <a:t>Click to edit Master text styles</a:t>
-            </a:r>
-          </a:p>
-        </p:txBody>
-      </p:sp>
-      <p:sp>
-        <p:nvSpPr>
-          <p:cNvPr id="4" name="Content Placeholder 3"/>
-          <p:cNvSpPr>
-            <a:spLocks noGrp="1"/>
-          </p:cNvSpPr>
-          <p:nvPr>
-            <p:ph sz="half" idx="2"/>
-          </p:nvPr>
-        </p:nvSpPr>
-        <p:spPr>
-          <a:xfrm>
-            <a:off x="457200" y="2174875"/>
-            <a:ext cx="4040188" cy="3951288"/>
-          </a:xfrm>
-        </p:spPr>
-        <p:txBody>
-          <a:bodyPr/>
-          <a:lstStyle>
-            <a:lvl1pPr>
-              <a:defRPr sz="2400"/>
-            </a:lvl1pPr>
-            <a:lvl2pPr>
-              <a:defRPr sz="2000"/>
-            </a:lvl2pPr>
-            <a:lvl3pPr>
-              <a:defRPr sz="1800"/>
-            </a:lvl3pPr>
-            <a:lvl4pPr>
-              <a:defRPr sz="1600"/>
-            </a:lvl4pPr>
-            <a:lvl5pPr>
-              <a:defRPr sz="1600"/>
-            </a:lvl5pPr>
-            <a:lvl6pPr>
-              <a:defRPr sz="1600"/>
-            </a:lvl6pPr>
-            <a:lvl7pPr>
-              <a:defRPr sz="1600"/>
-            </a:lvl7pPr>
-            <a:lvl8pPr>
-              <a:defRPr sz="1600"/>
-            </a:lvl8pPr>
-            <a:lvl9pPr>
-              <a:defRPr sz="1600"/>
-            </a:lvl9pPr>
-          </a:lstStyle>
-          <a:p>
-            <a:pPr lvl="0"/>
-            <a:r>
-              <a:rPr lang="en-US" smtClean="0"/>
-              <a:t>Click to edit Master text styles</a:t>
-            </a:r>
-          </a:p>
-          <a:p>
-            <a:pPr lvl="1"/>
-            <a:r>
-              <a:rPr lang="en-US" smtClean="0"/>
-              <a:t>Second level</a:t>
-            </a:r>
-          </a:p>
-          <a:p>
-            <a:pPr lvl="2"/>
-            <a:r>
-              <a:rPr lang="en-US" smtClean="0"/>
-              <a:t>Third level</a:t>
-            </a:r>
-          </a:p>
-          <a:p>
-            <a:pPr lvl="3"/>
-            <a:r>
-              <a:rPr lang="en-US" smtClean="0"/>
-              <a:t>Fourth level</a:t>
-            </a:r>
-          </a:p>
-          <a:p>
-            <a:pPr lvl="4"/>
-            <a:r>
-              <a:rPr lang="en-US" smtClean="0"/>
-              <a:t>Fifth level</a:t>
-            </a:r>
-            <a:endParaRPr lang="en-US"/>
-          </a:p>
-        </p:txBody>
-      </p:sp>
-      <p:sp>
-        <p:nvSpPr>
-          <p:cNvPr id="5" name="Text Placeholder 4"/>
-          <p:cNvSpPr>
-            <a:spLocks noGrp="1"/>
-          </p:cNvSpPr>
-          <p:nvPr>
-            <p:ph type="body" sz="quarter" idx="3"/>
-          </p:nvPr>
-        </p:nvSpPr>
-        <p:spPr>
-          <a:xfrm>
-            <a:off x="4645025" y="1535113"/>
-            <a:ext cx="4041775" cy="639762"/>
-          </a:xfrm>
-        </p:spPr>
-        <p:txBody>
-          <a:bodyPr anchor="b"/>
-          <a:lstStyle>
-            <a:lvl1pPr marL="0" indent="0">
-              <a:buNone/>
-              <a:defRPr sz="2400" b="1"/>
-            </a:lvl1pPr>
-            <a:lvl2pPr marL="457200" indent="0">
-              <a:buNone/>
-              <a:defRPr sz="2000" b="1"/>
-            </a:lvl2pPr>
-            <a:lvl3pPr marL="914400" indent="0">
-              <a:buNone/>
-              <a:defRPr sz="1800" b="1"/>
-            </a:lvl3pPr>
-            <a:lvl4pPr marL="1371600" indent="0">
-              <a:buNone/>
-              <a:defRPr sz="1600" b="1"/>
-            </a:lvl4pPr>
-            <a:lvl5pPr marL="1828800" indent="0">
-              <a:buNone/>
-              <a:defRPr sz="1600" b="1"/>
-            </a:lvl5pPr>
-            <a:lvl6pPr marL="2286000" indent="0">
-              <a:buNone/>
-              <a:defRPr sz="1600" b="1"/>
-            </a:lvl6pPr>
-            <a:lvl7pPr marL="2743200" indent="0">
-              <a:buNone/>
-              <a:defRPr sz="1600" b="1"/>
-            </a:lvl7pPr>
-            <a:lvl8pPr marL="3200400" indent="0">
-              <a:buNone/>
-              <a:defRPr sz="1600" b="1"/>
-            </a:lvl8pPr>
-            <a:lvl9pPr marL="3657600" indent="0">
-              <a:buNone/>
-              <a:defRPr sz="1600" b="1"/>
-            </a:lvl9pPr>
-          </a:lstStyle>
-          <a:p>
-            <a:pPr lvl="0"/>
-            <a:r>
-              <a:rPr lang="en-US" smtClean="0"/>
-              <a:t>Click to edit Master text styles</a:t>
-            </a:r>
-          </a:p>
-        </p:txBody>
-      </p:sp>
-      <p:sp>
-        <p:nvSpPr>
-          <p:cNvPr id="6" name="Content Placeholder 5"/>
-          <p:cNvSpPr>
-            <a:spLocks noGrp="1"/>
-          </p:cNvSpPr>
-          <p:nvPr>
-            <p:ph sz="quarter" idx="4"/>
-          </p:nvPr>
-        </p:nvSpPr>
-        <p:spPr>
-          <a:xfrm>
-            <a:off x="4645025" y="2174875"/>
-            <a:ext cx="4041775" cy="3951288"/>
-          </a:xfrm>
-        </p:spPr>
-        <p:txBody>
-          <a:bodyPr/>
-          <a:lstStyle>
-            <a:lvl1pPr>
-              <a:defRPr sz="2400"/>
-            </a:lvl1pPr>
-            <a:lvl2pPr>
-              <a:defRPr sz="2000"/>
-            </a:lvl2pPr>
-            <a:lvl3pPr>
-              <a:defRPr sz="1800"/>
-            </a:lvl3pPr>
-            <a:lvl4pPr>
-              <a:defRPr sz="1600"/>
-            </a:lvl4pPr>
-            <a:lvl5pPr>
-              <a:defRPr sz="1600"/>
-            </a:lvl5pPr>
-            <a:lvl6pPr>
-              <a:defRPr sz="1600"/>
-            </a:lvl6pPr>
-            <a:lvl7pPr>
-              <a:defRPr sz="1600"/>
-            </a:lvl7pPr>
-            <a:lvl8pPr>
-              <a:defRPr sz="1600"/>
-            </a:lvl8pPr>
-            <a:lvl9pPr>
-              <a:defRPr sz="1600"/>
-            </a:lvl9pPr>
-          </a:lstStyle>
-          <a:p>
-            <a:pPr lvl="0"/>
-            <a:r>
-              <a:rPr lang="en-US" smtClean="0"/>
-              <a:t>Click to edit Master text styles</a:t>
-            </a:r>
-          </a:p>
-          <a:p>
-            <a:pPr lvl="1"/>
-            <a:r>
-              <a:rPr lang="en-US" smtClean="0"/>
-              <a:t>Second level</a:t>
-            </a:r>
-          </a:p>
-          <a:p>
-            <a:pPr lvl="2"/>
-            <a:r>
-              <a:rPr lang="en-US" smtClean="0"/>
-              <a:t>Third level</a:t>
-            </a:r>
-          </a:p>
-          <a:p>
-            <a:pPr lvl="3"/>
-            <a:r>
-              <a:rPr lang="en-US" smtClean="0"/>
-              <a:t>Fourth level</a:t>
-            </a:r>
-          </a:p>
-          <a:p>
-            <a:pPr lvl="4"/>
-            <a:r>
-              <a:rPr lang="en-US" smtClean="0"/>
-              <a:t>Fifth level</a:t>
-            </a:r>
-            <a:endParaRPr lang="en-US"/>
-          </a:p>
-        </p:txBody>
-      </p:sp>
-      <p:sp>
-        <p:nvSpPr>
-          <p:cNvPr id="7" name="Date Placeholder 6"/>
-          <p:cNvSpPr>
-            <a:spLocks noGrp="1"/>
-          </p:cNvSpPr>
-          <p:nvPr>
-            <p:ph type="dt" sz="half" idx="10"/>
-          </p:nvPr>
-        </p:nvSpPr>
-        <p:spPr/>
-        <p:txBody>
-          <a:bodyPr/>
-          <a:lstStyle/>
-          <a:p>
-            <a:fld id="{241EB5C9-1307-BA42-ABA2-0BC069CD8E7F}" type="datetimeFigureOut">
-              <a:rPr lang="en-US" smtClean="0"/>
-              <a:t>4/5/2019</a:t>
-            </a:fld>
-            <a:endParaRPr lang="en-US"/>
-          </a:p>
-        </p:txBody>
-      </p:sp>
-      <p:sp>
-        <p:nvSpPr>
-          <p:cNvPr id="8" name="Footer Placeholder 7"/>
-          <p:cNvSpPr>
-            <a:spLocks noGrp="1"/>
-          </p:cNvSpPr>
-          <p:nvPr>
-            <p:ph type="ftr" sz="quarter" idx="11"/>
-          </p:nvPr>
-        </p:nvSpPr>
-        <p:spPr/>
-        <p:txBody>
-          <a:bodyPr/>
-          <a:lstStyle/>
-          <a:p>
-            <a:endParaRPr lang="en-US"/>
-          </a:p>
-        </p:txBody>
-      </p:sp>
-      <p:sp>
-        <p:nvSpPr>
-          <p:cNvPr id="9" name="Slide Number Placeholder 8"/>
-          <p:cNvSpPr>
-            <a:spLocks noGrp="1"/>
-          </p:cNvSpPr>
-          <p:nvPr>
-            <p:ph type="sldNum" sz="quarter" idx="12"/>
-          </p:nvPr>
-        </p:nvSpPr>
-        <p:spPr/>
-        <p:txBody>
-          <a:bodyPr/>
-          <a:lstStyle/>
-          <a:p>
-            <a:fld id="{C5EF2332-01BF-834F-8236-50238282D533}" type="slidenum">
-              <a:rPr lang="en-US" smtClean="0"/>
-              <a:t>‹#›</a:t>
-            </a:fld>
-            <a:endParaRPr lang="en-US"/>
-          </a:p>
-        </p:txBody>
-      </p:sp>
-    </p:spTree>
-    <p:extLst>
-      <p:ext uri="{BB962C8B-B14F-4D97-AF65-F5344CB8AC3E}">
-        <p14:creationId xmlns:p14="http://schemas.microsoft.com/office/powerpoint/2010/main" val="2535793967"/>
-      </p:ext>
-    </p:extLst>
-  </p:cSld>
-  <p:clrMapOvr>
-    <a:masterClrMapping/>
-  </p:clrMapOvr>
-</p:sldLayout>
-</file>
-
-<file path=ppt/slideLayouts/slideLayout6.xml><?xml version="1.0" encoding="utf-8"?>
-<p:sldLayout xmlns:a="http://schemas.openxmlformats.org/drawingml/2006/main" xmlns:r="http://schemas.openxmlformats.org/officeDocument/2006/relationships" xmlns:p="http://schemas.openxmlformats.org/presentationml/2006/main" type="titleOnly" preserve="1">
-  <p:cSld name="Title Only">
-    <p:spTree>
-      <p:nvGrpSpPr>
-        <p:cNvPr id="1" name=""/>
-        <p:cNvGrpSpPr/>
-        <p:nvPr/>
-      </p:nvGrpSpPr>
-      <p:grpSpPr>
-        <a:xfrm>
-          <a:off x="0" y="0"/>
-          <a:ext cx="0" cy="0"/>
-          <a:chOff x="0" y="0"/>
-          <a:chExt cx="0" cy="0"/>
-        </a:xfrm>
-      </p:grpSpPr>
-      <p:sp>
-        <p:nvSpPr>
-          <p:cNvPr id="2" name="Title 1"/>
-          <p:cNvSpPr>
-            <a:spLocks noGrp="1"/>
-          </p:cNvSpPr>
-          <p:nvPr>
-            <p:ph type="title"/>
-          </p:nvPr>
-        </p:nvSpPr>
-        <p:spPr/>
-        <p:txBody>
-          <a:bodyPr/>
-          <a:lstStyle/>
-          <a:p>
-            <a:r>
-              <a:rPr lang="en-US" smtClean="0"/>
-              <a:t>Click to edit Master title style</a:t>
-            </a:r>
-            <a:endParaRPr lang="en-US"/>
-          </a:p>
-        </p:txBody>
-      </p:sp>
-      <p:sp>
-        <p:nvSpPr>
-          <p:cNvPr id="3" name="Date Placeholder 2"/>
-          <p:cNvSpPr>
-            <a:spLocks noGrp="1"/>
-          </p:cNvSpPr>
-          <p:nvPr>
-            <p:ph type="dt" sz="half" idx="10"/>
-          </p:nvPr>
-        </p:nvSpPr>
-        <p:spPr/>
-        <p:txBody>
-          <a:bodyPr/>
-          <a:lstStyle/>
-          <a:p>
-            <a:fld id="{241EB5C9-1307-BA42-ABA2-0BC069CD8E7F}" type="datetimeFigureOut">
-              <a:rPr lang="en-US" smtClean="0"/>
-              <a:t>4/5/2019</a:t>
-            </a:fld>
-            <a:endParaRPr lang="en-US"/>
-          </a:p>
-        </p:txBody>
-      </p:sp>
-      <p:sp>
-        <p:nvSpPr>
-          <p:cNvPr id="4" name="Footer Placeholder 3"/>
-          <p:cNvSpPr>
-            <a:spLocks noGrp="1"/>
-          </p:cNvSpPr>
-          <p:nvPr>
-            <p:ph type="ftr" sz="quarter" idx="11"/>
-          </p:nvPr>
-        </p:nvSpPr>
-        <p:spPr/>
-        <p:txBody>
-          <a:bodyPr/>
-          <a:lstStyle/>
-          <a:p>
-            <a:endParaRPr lang="en-US"/>
-          </a:p>
-        </p:txBody>
-      </p:sp>
-      <p:sp>
-        <p:nvSpPr>
-          <p:cNvPr id="5" name="Slide Number Placeholder 4"/>
-          <p:cNvSpPr>
-            <a:spLocks noGrp="1"/>
-          </p:cNvSpPr>
-          <p:nvPr>
-            <p:ph type="sldNum" sz="quarter" idx="12"/>
-          </p:nvPr>
-        </p:nvSpPr>
-        <p:spPr/>
-        <p:txBody>
-          <a:bodyPr/>
-          <a:lstStyle/>
-          <a:p>
-            <a:fld id="{C5EF2332-01BF-834F-8236-50238282D533}" type="slidenum">
-              <a:rPr lang="en-US" smtClean="0"/>
-              <a:t>‹#›</a:t>
-            </a:fld>
-            <a:endParaRPr lang="en-US"/>
-          </a:p>
-        </p:txBody>
-      </p:sp>
-    </p:spTree>
-    <p:extLst>
-      <p:ext uri="{BB962C8B-B14F-4D97-AF65-F5344CB8AC3E}">
-        <p14:creationId xmlns:p14="http://schemas.microsoft.com/office/powerpoint/2010/main" val="3472721253"/>
-      </p:ext>
-    </p:extLst>
-  </p:cSld>
-  <p:clrMapOvr>
-    <a:masterClrMapping/>
-  </p:clrMapOvr>
-</p:sldLayout>
-</file>
-
-<file path=ppt/slideLayouts/slideLayout7.xml><?xml version="1.0" encoding="utf-8"?>
-<p:sldLayout xmlns:a="http://schemas.openxmlformats.org/drawingml/2006/main" xmlns:r="http://schemas.openxmlformats.org/officeDocument/2006/relationships" xmlns:p="http://schemas.openxmlformats.org/presentationml/2006/main" type="blank" preserve="1">
-  <p:cSld name="Blank">
-    <p:spTree>
-      <p:nvGrpSpPr>
-        <p:cNvPr id="1" name=""/>
-        <p:cNvGrpSpPr/>
-        <p:nvPr/>
-      </p:nvGrpSpPr>
-      <p:grpSpPr>
-        <a:xfrm>
-          <a:off x="0" y="0"/>
-          <a:ext cx="0" cy="0"/>
-          <a:chOff x="0" y="0"/>
-          <a:chExt cx="0" cy="0"/>
-        </a:xfrm>
-      </p:grpSpPr>
-      <p:sp>
-        <p:nvSpPr>
-          <p:cNvPr id="2" name="Date Placeholder 1"/>
-          <p:cNvSpPr>
-            <a:spLocks noGrp="1"/>
-          </p:cNvSpPr>
-          <p:nvPr>
-            <p:ph type="dt" sz="half" idx="10"/>
-          </p:nvPr>
-        </p:nvSpPr>
-        <p:spPr/>
-        <p:txBody>
-          <a:bodyPr/>
-          <a:lstStyle/>
-          <a:p>
-            <a:fld id="{241EB5C9-1307-BA42-ABA2-0BC069CD8E7F}" type="datetimeFigureOut">
-              <a:rPr lang="en-US" smtClean="0"/>
-              <a:t>4/5/2019</a:t>
-            </a:fld>
-            <a:endParaRPr lang="en-US"/>
-          </a:p>
-        </p:txBody>
-      </p:sp>
-      <p:sp>
-        <p:nvSpPr>
-          <p:cNvPr id="3" name="Footer Placeholder 2"/>
-          <p:cNvSpPr>
-            <a:spLocks noGrp="1"/>
-          </p:cNvSpPr>
-          <p:nvPr>
-            <p:ph type="ftr" sz="quarter" idx="11"/>
-          </p:nvPr>
-        </p:nvSpPr>
-        <p:spPr/>
-        <p:txBody>
-          <a:bodyPr/>
-          <a:lstStyle/>
-          <a:p>
-            <a:endParaRPr lang="en-US"/>
-          </a:p>
-        </p:txBody>
-      </p:sp>
-      <p:sp>
-        <p:nvSpPr>
-          <p:cNvPr id="4" name="Slide Number Placeholder 3"/>
-          <p:cNvSpPr>
-            <a:spLocks noGrp="1"/>
-          </p:cNvSpPr>
-          <p:nvPr>
-            <p:ph type="sldNum" sz="quarter" idx="12"/>
-          </p:nvPr>
-        </p:nvSpPr>
-        <p:spPr/>
-        <p:txBody>
-          <a:bodyPr/>
-          <a:lstStyle/>
-          <a:p>
-            <a:fld id="{C5EF2332-01BF-834F-8236-50238282D533}" type="slidenum">
-              <a:rPr lang="en-US" smtClean="0"/>
-              <a:t>‹#›</a:t>
-            </a:fld>
-            <a:endParaRPr lang="en-US"/>
-          </a:p>
-        </p:txBody>
-      </p:sp>
-    </p:spTree>
-    <p:extLst>
-      <p:ext uri="{BB962C8B-B14F-4D97-AF65-F5344CB8AC3E}">
-        <p14:creationId xmlns:p14="http://schemas.microsoft.com/office/powerpoint/2010/main" val="2130901097"/>
-      </p:ext>
-    </p:extLst>
-  </p:cSld>
-  <p:clrMapOvr>
-    <a:masterClrMapping/>
-  </p:clrMapOvr>
-</p:sldLayout>
-</file>
-
-<file path=ppt/slideLayouts/slideLayout8.xml><?xml version="1.0" encoding="utf-8"?>
-<p:sldLayout xmlns:a="http://schemas.openxmlformats.org/drawingml/2006/main" xmlns:r="http://schemas.openxmlformats.org/officeDocument/2006/relationships" xmlns:p="http://schemas.openxmlformats.org/presentationml/2006/main" type="objTx" preserve="1">
-  <p:cSld name="Content with Caption">
-    <p:spTree>
-      <p:nvGrpSpPr>
-        <p:cNvPr id="1" name=""/>
-        <p:cNvGrpSpPr/>
-        <p:nvPr/>
-      </p:nvGrpSpPr>
-      <p:grpSpPr>
-        <a:xfrm>
-          <a:off x="0" y="0"/>
-          <a:ext cx="0" cy="0"/>
-          <a:chOff x="0" y="0"/>
-          <a:chExt cx="0" cy="0"/>
-        </a:xfrm>
-      </p:grpSpPr>
-      <p:sp>
-        <p:nvSpPr>
-          <p:cNvPr id="2" name="Title 1"/>
-          <p:cNvSpPr>
-            <a:spLocks noGrp="1"/>
-          </p:cNvSpPr>
-          <p:nvPr>
-            <p:ph type="title"/>
-          </p:nvPr>
-        </p:nvSpPr>
-        <p:spPr>
-          <a:xfrm>
-            <a:off x="457200" y="273050"/>
-            <a:ext cx="3008313" cy="1162050"/>
-          </a:xfrm>
-        </p:spPr>
-        <p:txBody>
-          <a:bodyPr anchor="b"/>
-          <a:lstStyle>
-            <a:lvl1pPr algn="l">
-              <a:defRPr sz="2000" b="1"/>
-            </a:lvl1pPr>
-          </a:lstStyle>
-          <a:p>
-            <a:r>
-              <a:rPr lang="en-US" smtClean="0"/>
-              <a:t>Click to edit Master title style</a:t>
-            </a:r>
-            <a:endParaRPr lang="en-US"/>
-          </a:p>
-        </p:txBody>
-      </p:sp>
-      <p:sp>
-        <p:nvSpPr>
-          <p:cNvPr id="3" name="Content Placeholder 2"/>
-          <p:cNvSpPr>
-            <a:spLocks noGrp="1"/>
-          </p:cNvSpPr>
-          <p:nvPr>
-            <p:ph idx="1"/>
-          </p:nvPr>
-        </p:nvSpPr>
-        <p:spPr>
-          <a:xfrm>
-            <a:off x="3575050" y="273050"/>
-            <a:ext cx="5111750" cy="5853113"/>
-          </a:xfrm>
-        </p:spPr>
-        <p:txBody>
-          <a:bodyPr/>
-          <a:lstStyle>
-            <a:lvl1pPr>
-              <a:defRPr sz="3200"/>
-            </a:lvl1pPr>
-            <a:lvl2pPr>
-              <a:defRPr sz="2800"/>
-            </a:lvl2pPr>
-            <a:lvl3pPr>
-              <a:defRPr sz="2400"/>
-            </a:lvl3pPr>
-            <a:lvl4pPr>
-              <a:defRPr sz="2000"/>
-            </a:lvl4pPr>
-            <a:lvl5pPr>
-              <a:defRPr sz="2000"/>
-            </a:lvl5pPr>
-            <a:lvl6pPr>
-              <a:defRPr sz="2000"/>
-            </a:lvl6pPr>
-            <a:lvl7pPr>
-              <a:defRPr sz="2000"/>
-            </a:lvl7pPr>
-            <a:lvl8pPr>
-              <a:defRPr sz="2000"/>
-            </a:lvl8pPr>
-            <a:lvl9pPr>
-              <a:defRPr sz="2000"/>
-            </a:lvl9pPr>
-          </a:lstStyle>
-          <a:p>
-            <a:pPr lvl="0"/>
-            <a:r>
-              <a:rPr lang="en-US" smtClean="0"/>
-              <a:t>Click to edit Master text styles</a:t>
-            </a:r>
-          </a:p>
-          <a:p>
-            <a:pPr lvl="1"/>
-            <a:r>
-              <a:rPr lang="en-US" smtClean="0"/>
-              <a:t>Second level</a:t>
-            </a:r>
-          </a:p>
-          <a:p>
-            <a:pPr lvl="2"/>
-            <a:r>
-              <a:rPr lang="en-US" smtClean="0"/>
-              <a:t>Third level</a:t>
-            </a:r>
-          </a:p>
-          <a:p>
-            <a:pPr lvl="3"/>
-            <a:r>
-              <a:rPr lang="en-US" smtClean="0"/>
-              <a:t>Fourth level</a:t>
-            </a:r>
-          </a:p>
-          <a:p>
-            <a:pPr lvl="4"/>
-            <a:r>
-              <a:rPr lang="en-US" smtClean="0"/>
-              <a:t>Fifth level</a:t>
-            </a:r>
-            <a:endParaRPr lang="en-US"/>
-          </a:p>
-        </p:txBody>
-      </p:sp>
-      <p:sp>
-        <p:nvSpPr>
-          <p:cNvPr id="4" name="Text Placeholder 3"/>
-          <p:cNvSpPr>
-            <a:spLocks noGrp="1"/>
-          </p:cNvSpPr>
-          <p:nvPr>
-            <p:ph type="body" sz="half" idx="2"/>
-          </p:nvPr>
-        </p:nvSpPr>
-        <p:spPr>
-          <a:xfrm>
-            <a:off x="457200" y="1435100"/>
-            <a:ext cx="3008313" cy="4691063"/>
-          </a:xfrm>
-        </p:spPr>
-        <p:txBody>
-          <a:bodyPr/>
-          <a:lstStyle>
-            <a:lvl1pPr marL="0" indent="0">
-              <a:buNone/>
-              <a:defRPr sz="1400"/>
-            </a:lvl1pPr>
-            <a:lvl2pPr marL="457200" indent="0">
-              <a:buNone/>
-              <a:defRPr sz="1200"/>
-            </a:lvl2pPr>
-            <a:lvl3pPr marL="914400" indent="0">
-              <a:buNone/>
-              <a:defRPr sz="1000"/>
-            </a:lvl3pPr>
-            <a:lvl4pPr marL="1371600" indent="0">
-              <a:buNone/>
-              <a:defRPr sz="900"/>
-            </a:lvl4pPr>
-            <a:lvl5pPr marL="1828800" indent="0">
-              <a:buNone/>
-              <a:defRPr sz="900"/>
-            </a:lvl5pPr>
-            <a:lvl6pPr marL="2286000" indent="0">
-              <a:buNone/>
-              <a:defRPr sz="900"/>
-            </a:lvl6pPr>
-            <a:lvl7pPr marL="2743200" indent="0">
-              <a:buNone/>
-              <a:defRPr sz="900"/>
-            </a:lvl7pPr>
-            <a:lvl8pPr marL="3200400" indent="0">
-              <a:buNone/>
-              <a:defRPr sz="900"/>
-            </a:lvl8pPr>
-            <a:lvl9pPr marL="3657600" indent="0">
-              <a:buNone/>
-              <a:defRPr sz="900"/>
-            </a:lvl9pPr>
-          </a:lstStyle>
-          <a:p>
-            <a:pPr lvl="0"/>
-            <a:r>
-              <a:rPr lang="en-US" smtClean="0"/>
-              <a:t>Click to edit Master text styles</a:t>
-            </a:r>
-          </a:p>
-        </p:txBody>
-      </p:sp>
-      <p:sp>
-        <p:nvSpPr>
-          <p:cNvPr id="5" name="Date Placeholder 4"/>
-          <p:cNvSpPr>
-            <a:spLocks noGrp="1"/>
-          </p:cNvSpPr>
-          <p:nvPr>
-            <p:ph type="dt" sz="half" idx="10"/>
-          </p:nvPr>
-        </p:nvSpPr>
-        <p:spPr/>
-        <p:txBody>
-          <a:bodyPr/>
-          <a:lstStyle/>
-          <a:p>
-            <a:fld id="{241EB5C9-1307-BA42-ABA2-0BC069CD8E7F}" type="datetimeFigureOut">
-              <a:rPr lang="en-US" smtClean="0"/>
-              <a:t>4/5/2019</a:t>
-            </a:fld>
-            <a:endParaRPr lang="en-US"/>
-          </a:p>
-        </p:txBody>
-      </p:sp>
-      <p:sp>
-        <p:nvSpPr>
-          <p:cNvPr id="6" name="Footer Placeholder 5"/>
-          <p:cNvSpPr>
-            <a:spLocks noGrp="1"/>
-          </p:cNvSpPr>
-          <p:nvPr>
-            <p:ph type="ftr" sz="quarter" idx="11"/>
-          </p:nvPr>
-        </p:nvSpPr>
-        <p:spPr/>
-        <p:txBody>
-          <a:bodyPr/>
-          <a:lstStyle/>
-          <a:p>
-            <a:endParaRPr lang="en-US"/>
-          </a:p>
-        </p:txBody>
-      </p:sp>
-      <p:sp>
-        <p:nvSpPr>
-          <p:cNvPr id="7" name="Slide Number Placeholder 6"/>
-          <p:cNvSpPr>
-            <a:spLocks noGrp="1"/>
-          </p:cNvSpPr>
-          <p:nvPr>
-            <p:ph type="sldNum" sz="quarter" idx="12"/>
-          </p:nvPr>
-        </p:nvSpPr>
-        <p:spPr/>
-        <p:txBody>
-          <a:bodyPr/>
-          <a:lstStyle/>
-          <a:p>
-            <a:fld id="{C5EF2332-01BF-834F-8236-50238282D533}" type="slidenum">
-              <a:rPr lang="en-US" smtClean="0"/>
-              <a:t>‹#›</a:t>
-            </a:fld>
-            <a:endParaRPr lang="en-US"/>
-          </a:p>
-        </p:txBody>
-      </p:sp>
-    </p:spTree>
-    <p:extLst>
-      <p:ext uri="{BB962C8B-B14F-4D97-AF65-F5344CB8AC3E}">
-        <p14:creationId xmlns:p14="http://schemas.microsoft.com/office/powerpoint/2010/main" val="3540895647"/>
-      </p:ext>
-    </p:extLst>
-  </p:cSld>
-  <p:clrMapOvr>
-    <a:masterClrMapping/>
-  </p:clrMapOvr>
-</p:sldLayout>
-</file>
-
-<file path=ppt/slideLayouts/slideLayout9.xml><?xml version="1.0" encoding="utf-8"?>
-<p:sldLayout xmlns:a="http://schemas.openxmlformats.org/drawingml/2006/main" xmlns:r="http://schemas.openxmlformats.org/officeDocument/2006/relationships" xmlns:p="http://schemas.openxmlformats.org/presentationml/2006/main" type="picTx" preserve="1">
-  <p:cSld name="Picture with Caption">
-    <p:spTree>
-      <p:nvGrpSpPr>
-        <p:cNvPr id="1" name=""/>
-        <p:cNvGrpSpPr/>
-        <p:nvPr/>
-      </p:nvGrpSpPr>
-      <p:grpSpPr>
-        <a:xfrm>
-          <a:off x="0" y="0"/>
-          <a:ext cx="0" cy="0"/>
-          <a:chOff x="0" y="0"/>
-          <a:chExt cx="0" cy="0"/>
-        </a:xfrm>
-      </p:grpSpPr>
-      <p:sp>
-        <p:nvSpPr>
-          <p:cNvPr id="2" name="Title 1"/>
-          <p:cNvSpPr>
-            <a:spLocks noGrp="1"/>
-          </p:cNvSpPr>
-          <p:nvPr>
-            <p:ph type="title"/>
-          </p:nvPr>
-        </p:nvSpPr>
-        <p:spPr>
-          <a:xfrm>
-            <a:off x="1792288" y="4800600"/>
-            <a:ext cx="5486400" cy="566738"/>
-          </a:xfrm>
-        </p:spPr>
-        <p:txBody>
-          <a:bodyPr anchor="b"/>
-          <a:lstStyle>
-            <a:lvl1pPr algn="l">
-              <a:defRPr sz="2000" b="1"/>
-            </a:lvl1pPr>
-          </a:lstStyle>
-          <a:p>
-            <a:r>
-              <a:rPr lang="en-US" smtClean="0"/>
-              <a:t>Click to edit Master title style</a:t>
-            </a:r>
-            <a:endParaRPr lang="en-US"/>
-          </a:p>
-        </p:txBody>
-      </p:sp>
-      <p:sp>
-        <p:nvSpPr>
-          <p:cNvPr id="3" name="Picture Placeholder 2"/>
-          <p:cNvSpPr>
-            <a:spLocks noGrp="1"/>
-          </p:cNvSpPr>
-          <p:nvPr>
-            <p:ph type="pic" idx="1"/>
-          </p:nvPr>
-        </p:nvSpPr>
-        <p:spPr>
-          <a:xfrm>
-            <a:off x="1792288" y="612775"/>
-            <a:ext cx="5486400" cy="4114800"/>
-          </a:xfrm>
-        </p:spPr>
-        <p:txBody>
-          <a:bodyPr/>
-          <a:lstStyle>
-            <a:lvl1pPr marL="0" indent="0">
-              <a:buNone/>
-              <a:defRPr sz="3200"/>
-            </a:lvl1pPr>
-            <a:lvl2pPr marL="457200" indent="0">
-              <a:buNone/>
-              <a:defRPr sz="2800"/>
-            </a:lvl2pPr>
-            <a:lvl3pPr marL="914400" indent="0">
-              <a:buNone/>
-              <a:defRPr sz="2400"/>
-            </a:lvl3pPr>
-            <a:lvl4pPr marL="1371600" indent="0">
-              <a:buNone/>
-              <a:defRPr sz="2000"/>
-            </a:lvl4pPr>
-            <a:lvl5pPr marL="1828800" indent="0">
-              <a:buNone/>
-              <a:defRPr sz="2000"/>
-            </a:lvl5pPr>
-            <a:lvl6pPr marL="2286000" indent="0">
-              <a:buNone/>
-              <a:defRPr sz="2000"/>
-            </a:lvl6pPr>
-            <a:lvl7pPr marL="2743200" indent="0">
-              <a:buNone/>
-              <a:defRPr sz="2000"/>
-            </a:lvl7pPr>
-            <a:lvl8pPr marL="3200400" indent="0">
-              <a:buNone/>
-              <a:defRPr sz="2000"/>
-            </a:lvl8pPr>
-            <a:lvl9pPr marL="3657600" indent="0">
-              <a:buNone/>
-              <a:defRPr sz="2000"/>
-            </a:lvl9pPr>
-          </a:lstStyle>
-          <a:p>
-            <a:endParaRPr lang="en-US"/>
-          </a:p>
-        </p:txBody>
-      </p:sp>
-      <p:sp>
-        <p:nvSpPr>
-          <p:cNvPr id="4" name="Text Placeholder 3"/>
-          <p:cNvSpPr>
-            <a:spLocks noGrp="1"/>
-          </p:cNvSpPr>
-          <p:nvPr>
-            <p:ph type="body" sz="half" idx="2"/>
-          </p:nvPr>
-        </p:nvSpPr>
-        <p:spPr>
-          <a:xfrm>
-            <a:off x="1792288" y="5367338"/>
-            <a:ext cx="5486400" cy="804862"/>
-          </a:xfrm>
-        </p:spPr>
-        <p:txBody>
-          <a:bodyPr/>
-          <a:lstStyle>
-            <a:lvl1pPr marL="0" indent="0">
-              <a:buNone/>
-              <a:defRPr sz="1400"/>
-            </a:lvl1pPr>
-            <a:lvl2pPr marL="457200" indent="0">
-              <a:buNone/>
-              <a:defRPr sz="1200"/>
-            </a:lvl2pPr>
-            <a:lvl3pPr marL="914400" indent="0">
-              <a:buNone/>
-              <a:defRPr sz="1000"/>
-            </a:lvl3pPr>
-            <a:lvl4pPr marL="1371600" indent="0">
-              <a:buNone/>
-              <a:defRPr sz="900"/>
-            </a:lvl4pPr>
-            <a:lvl5pPr marL="1828800" indent="0">
-              <a:buNone/>
-              <a:defRPr sz="900"/>
-            </a:lvl5pPr>
-            <a:lvl6pPr marL="2286000" indent="0">
-              <a:buNone/>
-              <a:defRPr sz="900"/>
-            </a:lvl6pPr>
-            <a:lvl7pPr marL="2743200" indent="0">
-              <a:buNone/>
-              <a:defRPr sz="900"/>
-            </a:lvl7pPr>
-            <a:lvl8pPr marL="3200400" indent="0">
-              <a:buNone/>
-              <a:defRPr sz="900"/>
-            </a:lvl8pPr>
-            <a:lvl9pPr marL="3657600" indent="0">
-              <a:buNone/>
-              <a:defRPr sz="900"/>
-            </a:lvl9pPr>
-          </a:lstStyle>
-          <a:p>
-            <a:pPr lvl="0"/>
-            <a:r>
-              <a:rPr lang="en-US" smtClean="0"/>
-              <a:t>Click to edit Master text styles</a:t>
-            </a:r>
-          </a:p>
-        </p:txBody>
-      </p:sp>
-      <p:sp>
-        <p:nvSpPr>
-          <p:cNvPr id="5" name="Date Placeholder 4"/>
-          <p:cNvSpPr>
-            <a:spLocks noGrp="1"/>
-          </p:cNvSpPr>
-          <p:nvPr>
-            <p:ph type="dt" sz="half" idx="10"/>
-          </p:nvPr>
-        </p:nvSpPr>
-        <p:spPr/>
-        <p:txBody>
-          <a:bodyPr/>
-          <a:lstStyle/>
-          <a:p>
-            <a:fld id="{241EB5C9-1307-BA42-ABA2-0BC069CD8E7F}" type="datetimeFigureOut">
-              <a:rPr lang="en-US" smtClean="0"/>
-              <a:t>4/5/2019</a:t>
-            </a:fld>
-            <a:endParaRPr lang="en-US"/>
-          </a:p>
-        </p:txBody>
-      </p:sp>
-      <p:sp>
-        <p:nvSpPr>
-          <p:cNvPr id="6" name="Footer Placeholder 5"/>
-          <p:cNvSpPr>
-            <a:spLocks noGrp="1"/>
-          </p:cNvSpPr>
-          <p:nvPr>
-            <p:ph type="ftr" sz="quarter" idx="11"/>
-          </p:nvPr>
-        </p:nvSpPr>
-        <p:spPr/>
-        <p:txBody>
-          <a:bodyPr/>
-          <a:lstStyle/>
-          <a:p>
-            <a:endParaRPr lang="en-US"/>
-          </a:p>
-        </p:txBody>
-      </p:sp>
-      <p:sp>
-        <p:nvSpPr>
-          <p:cNvPr id="7" name="Slide Number Placeholder 6"/>
-          <p:cNvSpPr>
-            <a:spLocks noGrp="1"/>
-          </p:cNvSpPr>
-          <p:nvPr>
-            <p:ph type="sldNum" sz="quarter" idx="12"/>
-          </p:nvPr>
-        </p:nvSpPr>
-        <p:spPr/>
-        <p:txBody>
-          <a:bodyPr/>
-          <a:lstStyle/>
-          <a:p>
-            <a:fld id="{C5EF2332-01BF-834F-8236-50238282D533}" type="slidenum">
-              <a:rPr lang="en-US" smtClean="0"/>
-              <a:t>‹#›</a:t>
-            </a:fld>
-            <a:endParaRPr lang="en-US"/>
-          </a:p>
-        </p:txBody>
-      </p:sp>
-    </p:spTree>
-    <p:extLst>
-      <p:ext uri="{BB962C8B-B14F-4D97-AF65-F5344CB8AC3E}">
-        <p14:creationId xmlns:p14="http://schemas.microsoft.com/office/powerpoint/2010/main" val="3566899855"/>
-      </p:ext>
-    </p:extLst>
-  </p:cSld>
-  <p:clrMapOvr>
-    <a:masterClrMapping/>
   </p:clrMapOvr>
 </p:sldLayout>
 </file>
@@ -3182,7 +1668,7 @@
           <a:p>
             <a:fld id="{5EF76A7A-0506-6C4D-8382-BFC753915B9A}" type="datetime4">
               <a:rPr lang="en-US" smtClean="0"/>
-              <a:t>December 12, 2020</a:t>
+              <a:t>December 13, 2020</a:t>
             </a:fld>
             <a:endParaRPr lang="en-US" dirty="0"/>
           </a:p>
@@ -3636,28 +2122,11 @@
           <a:bodyPr/>
           <a:lstStyle/>
           <a:p>
-            <a:pPr lvl="0" marL="0" indent="0">
+            <a:pPr marL="0" lvl="0" indent="0">
               <a:buNone/>
             </a:pPr>
             <a:r>
-              <a:rPr/>
-              <a:t>SamplePPT</a:t>
-            </a:r>
-            <a:r>
-              <a:rPr/>
-              <a:t> </a:t>
-            </a:r>
-            <a:r>
-              <a:rPr/>
-              <a:t>(PERSI</a:t>
-            </a:r>
-            <a:r>
-              <a:rPr/>
-              <a:t> </a:t>
-            </a:r>
-            <a:r>
-              <a:rPr/>
-              <a:t>graphs)</a:t>
+              <a:t>SamplePPT (PERSI graphs)</a:t>
             </a:r>
           </a:p>
         </p:txBody>
@@ -3682,46 +2151,13 @@
           <a:bodyPr/>
           <a:lstStyle/>
           <a:p>
-            <a:pPr lvl="0" marL="0" indent="0">
+            <a:pPr marL="0" lvl="0" indent="0">
               <a:buNone/>
             </a:pPr>
             <a:br/>
             <a:br/>
             <a:r>
-              <a:rPr/>
-              <a:t>Anil,</a:t>
-            </a:r>
-            <a:r>
-              <a:rPr/>
-              <a:t> </a:t>
-            </a:r>
-            <a:r>
-              <a:rPr/>
-              <a:t>Swaroop,</a:t>
-            </a:r>
-            <a:r>
-              <a:rPr/>
-              <a:t> </a:t>
-            </a:r>
-            <a:r>
-              <a:rPr/>
-              <a:t>Jen</a:t>
-            </a:r>
-            <a:r>
-              <a:rPr/>
-              <a:t> </a:t>
-            </a:r>
-            <a:r>
-              <a:rPr/>
-              <a:t>&amp;</a:t>
-            </a:r>
-            <a:r>
-              <a:rPr/>
-              <a:t> </a:t>
-            </a:r>
-            <a:r>
-              <a:rPr/>
-              <a:t>Jordan</a:t>
+              <a:t>Anil, Swaroop, Jen &amp; Jordan</a:t>
             </a:r>
           </a:p>
         </p:txBody>
@@ -3741,11 +2177,10 @@
           <a:bodyPr/>
           <a:lstStyle/>
           <a:p>
-            <a:pPr lvl="0" marL="0" indent="0">
+            <a:pPr marL="0" lvl="0" indent="0">
               <a:buNone/>
             </a:pPr>
             <a:r>
-              <a:rPr/>
               <a:t>12/12/2020</a:t>
             </a:r>
           </a:p>
@@ -3753,6 +2188,9 @@
       </p:sp>
     </p:spTree>
   </p:cSld>
+  <p:clrMapOvr>
+    <a:masterClrMapping/>
+  </p:clrMapOvr>
 </p:sld>
 </file>
 
@@ -3796,83 +2234,18 @@
           <a:bodyPr/>
           <a:lstStyle/>
           <a:p>
-            <a:pPr lvl="0" marL="0" indent="0">
+            <a:pPr marL="0" lvl="0" indent="0">
               <a:buNone/>
             </a:pPr>
             <a:r>
-              <a:rPr/>
-              <a:t>A</a:t>
-            </a:r>
-            <a:r>
-              <a:rPr/>
-              <a:t> </a:t>
-            </a:r>
-            <a:r>
-              <a:rPr/>
-              <a:t>History</a:t>
-            </a:r>
-            <a:r>
-              <a:rPr/>
-              <a:t> </a:t>
-            </a:r>
-            <a:r>
-              <a:rPr/>
-              <a:t>of</a:t>
-            </a:r>
-            <a:r>
-              <a:rPr/>
-              <a:t> </a:t>
-            </a:r>
-            <a:r>
-              <a:rPr/>
-              <a:t>Weakening</a:t>
-            </a:r>
-            <a:r>
-              <a:rPr/>
-              <a:t> </a:t>
-            </a:r>
-            <a:r>
-              <a:rPr/>
-              <a:t>Solvency</a:t>
-            </a:r>
-            <a:r>
-              <a:rPr/>
-              <a:t> </a:t>
-            </a:r>
-            <a:r>
-              <a:rPr/>
-              <a:t>(2001-2019)</a:t>
-            </a:r>
-            <a:r>
-              <a:rPr/>
-              <a:t> </a:t>
-            </a:r>
-            <a:r>
-              <a:rPr/>
-              <a:t>w/</a:t>
-            </a:r>
-            <a:r>
-              <a:rPr/>
-              <a:t> </a:t>
-            </a:r>
-            <a:r>
-              <a:rPr/>
-              <a:t>R</a:t>
-            </a:r>
-            <a:r>
-              <a:rPr/>
-              <a:t> </a:t>
-            </a:r>
-            <a:r>
-              <a:rPr/>
-              <a:t>(debtPlot())</a:t>
+              <a:t>A History of Weakening Solvency (2001-2019) w/ R (areaPlot())</a:t>
             </a:r>
           </a:p>
         </p:txBody>
       </p:sp>
       <p:pic>
         <p:nvPicPr>
-          <p:cNvPr descr="SamplePPT_files/figure-pptx/debt-1.png" id="0" name="Picture 1"/>
+          <p:cNvPr id="3" name="Picture 1" descr="SamplePPT_files/figure-pptx/debt-1.png"/>
           <p:cNvPicPr>
             <a:picLocks noGrp="1" noChangeAspect="1"/>
           </p:cNvPicPr>
@@ -3902,6 +2275,9 @@
       </p:pic>
     </p:spTree>
   </p:cSld>
+  <p:clrMapOvr>
+    <a:masterClrMapping/>
+  </p:clrMapOvr>
 </p:sld>
 </file>
 
@@ -3945,83 +2321,18 @@
           <a:bodyPr/>
           <a:lstStyle/>
           <a:p>
-            <a:pPr lvl="0" marL="0" indent="0">
+            <a:pPr marL="0" lvl="0" indent="0">
               <a:buNone/>
             </a:pPr>
             <a:r>
-              <a:rPr/>
-              <a:t>A</a:t>
-            </a:r>
-            <a:r>
-              <a:rPr/>
-              <a:t> </a:t>
-            </a:r>
-            <a:r>
-              <a:rPr/>
-              <a:t>History</a:t>
-            </a:r>
-            <a:r>
-              <a:rPr/>
-              <a:t> </a:t>
-            </a:r>
-            <a:r>
-              <a:rPr/>
-              <a:t>of</a:t>
-            </a:r>
-            <a:r>
-              <a:rPr/>
-              <a:t> </a:t>
-            </a:r>
-            <a:r>
-              <a:rPr/>
-              <a:t>Investment</a:t>
-            </a:r>
-            <a:r>
-              <a:rPr/>
-              <a:t> </a:t>
-            </a:r>
-            <a:r>
-              <a:rPr/>
-              <a:t>Returns</a:t>
-            </a:r>
-            <a:r>
-              <a:rPr/>
-              <a:t> </a:t>
-            </a:r>
-            <a:r>
-              <a:rPr/>
-              <a:t>(2001-2019)</a:t>
-            </a:r>
-            <a:r>
-              <a:rPr/>
-              <a:t> </a:t>
-            </a:r>
-            <a:r>
-              <a:rPr/>
-              <a:t>w/</a:t>
-            </a:r>
-            <a:r>
-              <a:rPr/>
-              <a:t> </a:t>
-            </a:r>
-            <a:r>
-              <a:rPr/>
-              <a:t>R</a:t>
-            </a:r>
-            <a:r>
-              <a:rPr/>
-              <a:t> </a:t>
-            </a:r>
-            <a:r>
-              <a:rPr/>
-              <a:t>(linePlot())</a:t>
+              <a:t>A History of Investment Returns (2001-2019) w/ R (linePlot())</a:t>
             </a:r>
           </a:p>
         </p:txBody>
       </p:sp>
       <p:pic>
         <p:nvPicPr>
-          <p:cNvPr descr="SamplePPT_files/figure-pptx/graph-1.png" id="0" name="Picture 1"/>
+          <p:cNvPr id="3" name="Picture 1" descr="SamplePPT_files/figure-pptx/graph-1.png"/>
           <p:cNvPicPr>
             <a:picLocks noGrp="1" noChangeAspect="1"/>
           </p:cNvPicPr>
@@ -4051,6 +2362,9 @@
       </p:pic>
     </p:spTree>
   </p:cSld>
+  <p:clrMapOvr>
+    <a:masterClrMapping/>
+  </p:clrMapOvr>
 </p:sld>
 </file>
 
@@ -4094,51 +2408,27 @@
           <a:bodyPr/>
           <a:lstStyle/>
           <a:p>
-            <a:pPr lvl="0" marL="0" indent="0">
+            <a:pPr marL="0" lvl="0" indent="0">
               <a:buNone/>
             </a:pPr>
             <a:r>
-              <a:rPr/>
-              <a:t>Asset</a:t>
-            </a:r>
-            <a:r>
-              <a:rPr/>
-              <a:t> </a:t>
-            </a:r>
-            <a:r>
-              <a:rPr/>
-              <a:t>Allocation</a:t>
-            </a:r>
-            <a:r>
-              <a:rPr/>
-              <a:t> </a:t>
-            </a:r>
-            <a:r>
-              <a:rPr/>
-              <a:t>w/</a:t>
-            </a:r>
-            <a:r>
-              <a:rPr/>
-              <a:t> </a:t>
-            </a:r>
-            <a:r>
-              <a:rPr/>
-              <a:t>R</a:t>
-            </a:r>
-            <a:r>
-              <a:rPr/>
-              <a:t> </a:t>
-            </a:r>
-            <a:r>
-              <a:rPr/>
-              <a:t>(custom)</a:t>
+              <a:rPr dirty="0"/>
+              <a:t>S&amp;P500 vs. Funded Ratio (2001-2019) w/ R (</a:t>
+            </a:r>
+            <a:r>
+              <a:rPr dirty="0" err="1"/>
+              <a:t>areaPlot</a:t>
+            </a:r>
+            <a:r>
+              <a:rPr dirty="0"/>
+              <a:t>())</a:t>
             </a:r>
           </a:p>
         </p:txBody>
       </p:sp>
       <p:pic>
         <p:nvPicPr>
-          <p:cNvPr descr="SamplePPT_files/figure-pptx/assets-1.png" id="0" name="Picture 1"/>
+          <p:cNvPr id="3" name="Picture 1" descr="SamplePPT_files/figure-pptx/sp500-1.png"/>
           <p:cNvPicPr>
             <a:picLocks noGrp="1" noChangeAspect="1"/>
           </p:cNvPicPr>
@@ -4168,6 +2458,9 @@
       </p:pic>
     </p:spTree>
   </p:cSld>
+  <p:clrMapOvr>
+    <a:masterClrMapping/>
+  </p:clrMapOvr>
 </p:sld>
 </file>
 
@@ -4211,59 +2504,18 @@
           <a:bodyPr/>
           <a:lstStyle/>
           <a:p>
-            <a:pPr lvl="0" marL="0" indent="0">
+            <a:pPr marL="0" lvl="0" indent="0">
               <a:buNone/>
             </a:pPr>
             <a:r>
-              <a:rPr/>
-              <a:t>Negative</a:t>
-            </a:r>
-            <a:r>
-              <a:rPr/>
-              <a:t> </a:t>
-            </a:r>
-            <a:r>
-              <a:rPr/>
-              <a:t>Amortization</a:t>
-            </a:r>
-            <a:r>
-              <a:rPr/>
-              <a:t> </a:t>
-            </a:r>
-            <a:r>
-              <a:rPr/>
-              <a:t>Growth</a:t>
-            </a:r>
-            <a:r>
-              <a:rPr/>
-              <a:t> </a:t>
-            </a:r>
-            <a:r>
-              <a:rPr/>
-              <a:t>w/</a:t>
-            </a:r>
-            <a:r>
-              <a:rPr/>
-              <a:t> </a:t>
-            </a:r>
-            <a:r>
-              <a:rPr/>
-              <a:t>R</a:t>
-            </a:r>
-            <a:r>
-              <a:rPr/>
-              <a:t> </a:t>
-            </a:r>
-            <a:r>
-              <a:rPr/>
-              <a:t>(custom)</a:t>
+              <a:t>Asset Allocation w/ R (custom)</a:t>
             </a:r>
           </a:p>
         </p:txBody>
       </p:sp>
       <p:pic>
         <p:nvPicPr>
-          <p:cNvPr descr="SamplePPT_files/figure-pptx/neg.amo-1.png" id="0" name="Picture 1"/>
+          <p:cNvPr id="3" name="Picture 1" descr="SamplePPT_files/figure-pptx/assets-1.png"/>
           <p:cNvPicPr>
             <a:picLocks noGrp="1" noChangeAspect="1"/>
           </p:cNvPicPr>
@@ -4293,6 +2545,9 @@
       </p:pic>
     </p:spTree>
   </p:cSld>
+  <p:clrMapOvr>
+    <a:masterClrMapping/>
+  </p:clrMapOvr>
 </p:sld>
 </file>
 
@@ -4336,11 +2591,97 @@
           <a:bodyPr/>
           <a:lstStyle/>
           <a:p>
-            <a:pPr lvl="0" marL="0" indent="0">
+            <a:pPr marL="0" lvl="0" indent="0">
               <a:buNone/>
             </a:pPr>
             <a:r>
-              <a:rPr/>
+              <a:t>Negative Amortization Growth w/ R (custom)</a:t>
+            </a:r>
+          </a:p>
+        </p:txBody>
+      </p:sp>
+      <p:pic>
+        <p:nvPicPr>
+          <p:cNvPr id="3" name="Picture 1" descr="SamplePPT_files/figure-pptx/neg.amo-1.png"/>
+          <p:cNvPicPr>
+            <a:picLocks noGrp="1" noChangeAspect="1"/>
+          </p:cNvPicPr>
+          <p:nvPr/>
+        </p:nvPicPr>
+        <p:blipFill>
+          <a:blip r:embed="rId2"/>
+          <a:stretch>
+            <a:fillRect/>
+          </a:stretch>
+        </p:blipFill>
+        <p:spPr bwMode="auto">
+          <a:xfrm>
+            <a:off x="673100" y="1600200"/>
+            <a:ext cx="7797800" cy="4876800"/>
+          </a:xfrm>
+          <a:prstGeom prst="rect">
+            <a:avLst/>
+          </a:prstGeom>
+          <a:noFill/>
+          <a:ln w="9525">
+            <a:noFill/>
+            <a:headEnd/>
+            <a:tailEnd/>
+          </a:ln>
+        </p:spPr>
+      </p:pic>
+    </p:spTree>
+  </p:cSld>
+  <p:clrMapOvr>
+    <a:masterClrMapping/>
+  </p:clrMapOvr>
+</p:sld>
+</file>
+
+<file path=ppt/slides/slide7.xml><?xml version="1.0" encoding="utf-8"?>
+<p:sld xmlns:a="http://schemas.openxmlformats.org/drawingml/2006/main" xmlns:r="http://schemas.openxmlformats.org/officeDocument/2006/relationships" xmlns:p="http://schemas.openxmlformats.org/presentationml/2006/main">
+  <p:cSld>
+    <p:spTree>
+      <p:nvGrpSpPr>
+        <p:cNvPr id="1" name=""/>
+        <p:cNvGrpSpPr/>
+        <p:nvPr/>
+      </p:nvGrpSpPr>
+      <p:grpSpPr>
+        <a:xfrm>
+          <a:off x="0" y="0"/>
+          <a:ext cx="0" cy="0"/>
+          <a:chOff x="0" y="0"/>
+          <a:chExt cx="0" cy="0"/>
+        </a:xfrm>
+      </p:grpSpPr>
+      <p:sp>
+        <p:nvSpPr>
+          <p:cNvPr id="2" name="Title 1"/>
+          <p:cNvSpPr>
+            <a:spLocks noGrp="1"/>
+          </p:cNvSpPr>
+          <p:nvPr>
+            <p:ph type="title" hasCustomPrompt="1"/>
+          </p:nvPr>
+        </p:nvSpPr>
+        <p:spPr>
+          <a:xfrm>
+            <a:off x="457200" y="533400"/>
+            <a:ext cx="7864475" cy="990600"/>
+          </a:xfrm>
+          <a:prstGeom prst="rect">
+            <a:avLst/>
+          </a:prstGeom>
+        </p:spPr>
+        <p:txBody>
+          <a:bodyPr/>
+          <a:lstStyle/>
+          <a:p>
+            <a:pPr marL="0" lvl="0" indent="0">
+              <a:buNone/>
+            </a:pPr>
+            <a:r>
               <a:t>References</a:t>
             </a:r>
           </a:p>
@@ -4391,6 +2732,9 @@
       </p:sp>
     </p:spTree>
   </p:cSld>
+  <p:clrMapOvr>
+    <a:masterClrMapping/>
+  </p:clrMapOvr>
 </p:sld>
 </file>
 

--- a/DeckUpdate/SamplePPT.pptx
+++ b/DeckUpdate/SamplePPT.pptx
@@ -361,7 +361,7 @@
           <a:p>
             <a:fld id="{10302D39-B686-2742-A69B-CE6D46FC9A4E}" type="datetime4">
               <a:rPr lang="en-US" smtClean="0"/>
-              <a:t>December 13, 2020</a:t>
+              <a:t>December 12, 2020</a:t>
             </a:fld>
             <a:endParaRPr lang="en-US" dirty="0"/>
           </a:p>
@@ -476,6 +476,356 @@
         </p:spPr>
       </p:pic>
     </p:spTree>
+  </p:cSld>
+  <p:clrMapOvr>
+    <a:masterClrMapping/>
+  </p:clrMapOvr>
+</p:sldLayout>
+</file>
+
+<file path=ppt/slideLayouts/slideLayout10.xml><?xml version="1.0" encoding="utf-8"?>
+<p:sldLayout xmlns:a="http://schemas.openxmlformats.org/drawingml/2006/main" xmlns:r="http://schemas.openxmlformats.org/officeDocument/2006/relationships" xmlns:p="http://schemas.openxmlformats.org/presentationml/2006/main" type="vertTx" preserve="1">
+  <p:cSld name="Title and Vertical Text">
+    <p:spTree>
+      <p:nvGrpSpPr>
+        <p:cNvPr id="1" name=""/>
+        <p:cNvGrpSpPr/>
+        <p:nvPr/>
+      </p:nvGrpSpPr>
+      <p:grpSpPr>
+        <a:xfrm>
+          <a:off x="0" y="0"/>
+          <a:ext cx="0" cy="0"/>
+          <a:chOff x="0" y="0"/>
+          <a:chExt cx="0" cy="0"/>
+        </a:xfrm>
+      </p:grpSpPr>
+      <p:sp>
+        <p:nvSpPr>
+          <p:cNvPr id="2" name="Title 1"/>
+          <p:cNvSpPr>
+            <a:spLocks noGrp="1"/>
+          </p:cNvSpPr>
+          <p:nvPr>
+            <p:ph type="title"/>
+          </p:nvPr>
+        </p:nvSpPr>
+        <p:spPr/>
+        <p:txBody>
+          <a:bodyPr/>
+          <a:lstStyle/>
+          <a:p>
+            <a:r>
+              <a:rPr lang="en-US" smtClean="0"/>
+              <a:t>Click to edit Master title style</a:t>
+            </a:r>
+            <a:endParaRPr lang="en-US"/>
+          </a:p>
+        </p:txBody>
+      </p:sp>
+      <p:sp>
+        <p:nvSpPr>
+          <p:cNvPr id="3" name="Vertical Text Placeholder 2"/>
+          <p:cNvSpPr>
+            <a:spLocks noGrp="1"/>
+          </p:cNvSpPr>
+          <p:nvPr>
+            <p:ph type="body" orient="vert" idx="1"/>
+          </p:nvPr>
+        </p:nvSpPr>
+        <p:spPr/>
+        <p:txBody>
+          <a:bodyPr vert="eaVert"/>
+          <a:lstStyle/>
+          <a:p>
+            <a:pPr lvl="0"/>
+            <a:r>
+              <a:rPr lang="en-US" smtClean="0"/>
+              <a:t>Click to edit Master text styles</a:t>
+            </a:r>
+          </a:p>
+          <a:p>
+            <a:pPr lvl="1"/>
+            <a:r>
+              <a:rPr lang="en-US" smtClean="0"/>
+              <a:t>Second level</a:t>
+            </a:r>
+          </a:p>
+          <a:p>
+            <a:pPr lvl="2"/>
+            <a:r>
+              <a:rPr lang="en-US" smtClean="0"/>
+              <a:t>Third level</a:t>
+            </a:r>
+          </a:p>
+          <a:p>
+            <a:pPr lvl="3"/>
+            <a:r>
+              <a:rPr lang="en-US" smtClean="0"/>
+              <a:t>Fourth level</a:t>
+            </a:r>
+          </a:p>
+          <a:p>
+            <a:pPr lvl="4"/>
+            <a:r>
+              <a:rPr lang="en-US" smtClean="0"/>
+              <a:t>Fifth level</a:t>
+            </a:r>
+            <a:endParaRPr lang="en-US"/>
+          </a:p>
+        </p:txBody>
+      </p:sp>
+      <p:sp>
+        <p:nvSpPr>
+          <p:cNvPr id="4" name="Date Placeholder 3"/>
+          <p:cNvSpPr>
+            <a:spLocks noGrp="1"/>
+          </p:cNvSpPr>
+          <p:nvPr>
+            <p:ph type="dt" sz="half" idx="10"/>
+          </p:nvPr>
+        </p:nvSpPr>
+        <p:spPr/>
+        <p:txBody>
+          <a:bodyPr/>
+          <a:lstStyle/>
+          <a:p>
+            <a:fld id="{241EB5C9-1307-BA42-ABA2-0BC069CD8E7F}" type="datetimeFigureOut">
+              <a:rPr lang="en-US" smtClean="0"/>
+              <a:t>4/5/2019</a:t>
+            </a:fld>
+            <a:endParaRPr lang="en-US"/>
+          </a:p>
+        </p:txBody>
+      </p:sp>
+      <p:sp>
+        <p:nvSpPr>
+          <p:cNvPr id="5" name="Footer Placeholder 4"/>
+          <p:cNvSpPr>
+            <a:spLocks noGrp="1"/>
+          </p:cNvSpPr>
+          <p:nvPr>
+            <p:ph type="ftr" sz="quarter" idx="11"/>
+          </p:nvPr>
+        </p:nvSpPr>
+        <p:spPr/>
+        <p:txBody>
+          <a:bodyPr/>
+          <a:lstStyle/>
+          <a:p>
+            <a:endParaRPr lang="en-US"/>
+          </a:p>
+        </p:txBody>
+      </p:sp>
+      <p:sp>
+        <p:nvSpPr>
+          <p:cNvPr id="6" name="Slide Number Placeholder 5"/>
+          <p:cNvSpPr>
+            <a:spLocks noGrp="1"/>
+          </p:cNvSpPr>
+          <p:nvPr>
+            <p:ph type="sldNum" sz="quarter" idx="12"/>
+          </p:nvPr>
+        </p:nvSpPr>
+        <p:spPr/>
+        <p:txBody>
+          <a:bodyPr/>
+          <a:lstStyle/>
+          <a:p>
+            <a:fld id="{C5EF2332-01BF-834F-8236-50238282D533}" type="slidenum">
+              <a:rPr lang="en-US" smtClean="0"/>
+              <a:t>‹#›</a:t>
+            </a:fld>
+            <a:endParaRPr lang="en-US"/>
+          </a:p>
+        </p:txBody>
+      </p:sp>
+    </p:spTree>
+    <p:extLst>
+      <p:ext uri="{BB962C8B-B14F-4D97-AF65-F5344CB8AC3E}">
+        <p14:creationId xmlns:p14="http://schemas.microsoft.com/office/powerpoint/2010/main" val="313914798"/>
+      </p:ext>
+    </p:extLst>
+  </p:cSld>
+  <p:clrMapOvr>
+    <a:masterClrMapping/>
+  </p:clrMapOvr>
+</p:sldLayout>
+</file>
+
+<file path=ppt/slideLayouts/slideLayout11.xml><?xml version="1.0" encoding="utf-8"?>
+<p:sldLayout xmlns:a="http://schemas.openxmlformats.org/drawingml/2006/main" xmlns:r="http://schemas.openxmlformats.org/officeDocument/2006/relationships" xmlns:p="http://schemas.openxmlformats.org/presentationml/2006/main" type="vertTitleAndTx" preserve="1">
+  <p:cSld name="Vertical Title and Text">
+    <p:spTree>
+      <p:nvGrpSpPr>
+        <p:cNvPr id="1" name=""/>
+        <p:cNvGrpSpPr/>
+        <p:nvPr/>
+      </p:nvGrpSpPr>
+      <p:grpSpPr>
+        <a:xfrm>
+          <a:off x="0" y="0"/>
+          <a:ext cx="0" cy="0"/>
+          <a:chOff x="0" y="0"/>
+          <a:chExt cx="0" cy="0"/>
+        </a:xfrm>
+      </p:grpSpPr>
+      <p:sp>
+        <p:nvSpPr>
+          <p:cNvPr id="2" name="Vertical Title 1"/>
+          <p:cNvSpPr>
+            <a:spLocks noGrp="1"/>
+          </p:cNvSpPr>
+          <p:nvPr>
+            <p:ph type="title" orient="vert"/>
+          </p:nvPr>
+        </p:nvSpPr>
+        <p:spPr>
+          <a:xfrm>
+            <a:off x="6629400" y="274638"/>
+            <a:ext cx="2057400" cy="5851525"/>
+          </a:xfrm>
+        </p:spPr>
+        <p:txBody>
+          <a:bodyPr vert="eaVert"/>
+          <a:lstStyle/>
+          <a:p>
+            <a:r>
+              <a:rPr lang="en-US" smtClean="0"/>
+              <a:t>Click to edit Master title style</a:t>
+            </a:r>
+            <a:endParaRPr lang="en-US"/>
+          </a:p>
+        </p:txBody>
+      </p:sp>
+      <p:sp>
+        <p:nvSpPr>
+          <p:cNvPr id="3" name="Vertical Text Placeholder 2"/>
+          <p:cNvSpPr>
+            <a:spLocks noGrp="1"/>
+          </p:cNvSpPr>
+          <p:nvPr>
+            <p:ph type="body" orient="vert" idx="1"/>
+          </p:nvPr>
+        </p:nvSpPr>
+        <p:spPr>
+          <a:xfrm>
+            <a:off x="457200" y="274638"/>
+            <a:ext cx="6019800" cy="5851525"/>
+          </a:xfrm>
+        </p:spPr>
+        <p:txBody>
+          <a:bodyPr vert="eaVert"/>
+          <a:lstStyle/>
+          <a:p>
+            <a:pPr lvl="0"/>
+            <a:r>
+              <a:rPr lang="en-US" smtClean="0"/>
+              <a:t>Click to edit Master text styles</a:t>
+            </a:r>
+          </a:p>
+          <a:p>
+            <a:pPr lvl="1"/>
+            <a:r>
+              <a:rPr lang="en-US" smtClean="0"/>
+              <a:t>Second level</a:t>
+            </a:r>
+          </a:p>
+          <a:p>
+            <a:pPr lvl="2"/>
+            <a:r>
+              <a:rPr lang="en-US" smtClean="0"/>
+              <a:t>Third level</a:t>
+            </a:r>
+          </a:p>
+          <a:p>
+            <a:pPr lvl="3"/>
+            <a:r>
+              <a:rPr lang="en-US" smtClean="0"/>
+              <a:t>Fourth level</a:t>
+            </a:r>
+          </a:p>
+          <a:p>
+            <a:pPr lvl="4"/>
+            <a:r>
+              <a:rPr lang="en-US" smtClean="0"/>
+              <a:t>Fifth level</a:t>
+            </a:r>
+            <a:endParaRPr lang="en-US"/>
+          </a:p>
+        </p:txBody>
+      </p:sp>
+      <p:sp>
+        <p:nvSpPr>
+          <p:cNvPr id="4" name="Date Placeholder 3"/>
+          <p:cNvSpPr>
+            <a:spLocks noGrp="1"/>
+          </p:cNvSpPr>
+          <p:nvPr>
+            <p:ph type="dt" sz="half" idx="10"/>
+          </p:nvPr>
+        </p:nvSpPr>
+        <p:spPr/>
+        <p:txBody>
+          <a:bodyPr/>
+          <a:lstStyle/>
+          <a:p>
+            <a:fld id="{241EB5C9-1307-BA42-ABA2-0BC069CD8E7F}" type="datetimeFigureOut">
+              <a:rPr lang="en-US" smtClean="0"/>
+              <a:t>4/5/2019</a:t>
+            </a:fld>
+            <a:endParaRPr lang="en-US"/>
+          </a:p>
+        </p:txBody>
+      </p:sp>
+      <p:sp>
+        <p:nvSpPr>
+          <p:cNvPr id="5" name="Footer Placeholder 4"/>
+          <p:cNvSpPr>
+            <a:spLocks noGrp="1"/>
+          </p:cNvSpPr>
+          <p:nvPr>
+            <p:ph type="ftr" sz="quarter" idx="11"/>
+          </p:nvPr>
+        </p:nvSpPr>
+        <p:spPr/>
+        <p:txBody>
+          <a:bodyPr/>
+          <a:lstStyle/>
+          <a:p>
+            <a:endParaRPr lang="en-US"/>
+          </a:p>
+        </p:txBody>
+      </p:sp>
+      <p:sp>
+        <p:nvSpPr>
+          <p:cNvPr id="6" name="Slide Number Placeholder 5"/>
+          <p:cNvSpPr>
+            <a:spLocks noGrp="1"/>
+          </p:cNvSpPr>
+          <p:nvPr>
+            <p:ph type="sldNum" sz="quarter" idx="12"/>
+          </p:nvPr>
+        </p:nvSpPr>
+        <p:spPr/>
+        <p:txBody>
+          <a:bodyPr/>
+          <a:lstStyle/>
+          <a:p>
+            <a:fld id="{C5EF2332-01BF-834F-8236-50238282D533}" type="slidenum">
+              <a:rPr lang="en-US" smtClean="0"/>
+              <a:t>‹#›</a:t>
+            </a:fld>
+            <a:endParaRPr lang="en-US"/>
+          </a:p>
+        </p:txBody>
+      </p:sp>
+    </p:spTree>
+    <p:extLst>
+      <p:ext uri="{BB962C8B-B14F-4D97-AF65-F5344CB8AC3E}">
+        <p14:creationId xmlns:p14="http://schemas.microsoft.com/office/powerpoint/2010/main" val="2581529045"/>
+      </p:ext>
+    </p:extLst>
   </p:cSld>
   <p:clrMapOvr>
     <a:masterClrMapping/>
@@ -682,7 +1032,7 @@
           <a:p>
             <a:fld id="{585AD263-A788-3145-8D38-AEBC1D444AEE}" type="datetime4">
               <a:rPr lang="en-US" smtClean="0"/>
-              <a:t>December 13, 2020</a:t>
+              <a:t>December 12, 2020</a:t>
             </a:fld>
             <a:endParaRPr lang="en-US" dirty="0"/>
           </a:p>
@@ -972,7 +1322,7 @@
           <a:p>
             <a:fld id="{B606C5D1-9323-1B45-8355-7D55EA8EE66A}" type="datetime4">
               <a:rPr lang="en-US" smtClean="0"/>
-              <a:t>December 13, 2020</a:t>
+              <a:t>December 12, 2020</a:t>
             </a:fld>
             <a:endParaRPr lang="en-US" dirty="0"/>
           </a:p>
@@ -1220,7 +1570,7 @@
           <a:p>
             <a:fld id="{A4108F21-3CFE-3045-9ABB-E1E1413BA1A1}" type="datetime4">
               <a:rPr lang="en-US" smtClean="0"/>
-              <a:t>December 13, 2020</a:t>
+              <a:t>December 12, 2020</a:t>
             </a:fld>
             <a:endParaRPr lang="en-US" dirty="0"/>
           </a:p>
@@ -1456,6 +1806,1171 @@
 </p:sldLayout>
 </file>
 
+<file path=ppt/slideLayouts/slideLayout5.xml><?xml version="1.0" encoding="utf-8"?>
+<p:sldLayout xmlns:a="http://schemas.openxmlformats.org/drawingml/2006/main" xmlns:r="http://schemas.openxmlformats.org/officeDocument/2006/relationships" xmlns:p="http://schemas.openxmlformats.org/presentationml/2006/main" type="twoTxTwoObj" preserve="1">
+  <p:cSld name="Comparison">
+    <p:spTree>
+      <p:nvGrpSpPr>
+        <p:cNvPr id="1" name=""/>
+        <p:cNvGrpSpPr/>
+        <p:nvPr/>
+      </p:nvGrpSpPr>
+      <p:grpSpPr>
+        <a:xfrm>
+          <a:off x="0" y="0"/>
+          <a:ext cx="0" cy="0"/>
+          <a:chOff x="0" y="0"/>
+          <a:chExt cx="0" cy="0"/>
+        </a:xfrm>
+      </p:grpSpPr>
+      <p:sp>
+        <p:nvSpPr>
+          <p:cNvPr id="2" name="Title 1"/>
+          <p:cNvSpPr>
+            <a:spLocks noGrp="1"/>
+          </p:cNvSpPr>
+          <p:nvPr>
+            <p:ph type="title"/>
+          </p:nvPr>
+        </p:nvSpPr>
+        <p:spPr/>
+        <p:txBody>
+          <a:bodyPr/>
+          <a:lstStyle>
+            <a:lvl1pPr>
+              <a:defRPr/>
+            </a:lvl1pPr>
+          </a:lstStyle>
+          <a:p>
+            <a:r>
+              <a:rPr lang="en-US" smtClean="0"/>
+              <a:t>Click to edit Master title style</a:t>
+            </a:r>
+            <a:endParaRPr lang="en-US"/>
+          </a:p>
+        </p:txBody>
+      </p:sp>
+      <p:sp>
+        <p:nvSpPr>
+          <p:cNvPr id="3" name="Text Placeholder 2"/>
+          <p:cNvSpPr>
+            <a:spLocks noGrp="1"/>
+          </p:cNvSpPr>
+          <p:nvPr>
+            <p:ph type="body" idx="1"/>
+          </p:nvPr>
+        </p:nvSpPr>
+        <p:spPr>
+          <a:xfrm>
+            <a:off x="457200" y="1535113"/>
+            <a:ext cx="4040188" cy="639762"/>
+          </a:xfrm>
+        </p:spPr>
+        <p:txBody>
+          <a:bodyPr anchor="b"/>
+          <a:lstStyle>
+            <a:lvl1pPr marL="0" indent="0">
+              <a:buNone/>
+              <a:defRPr sz="2400" b="1"/>
+            </a:lvl1pPr>
+            <a:lvl2pPr marL="457200" indent="0">
+              <a:buNone/>
+              <a:defRPr sz="2000" b="1"/>
+            </a:lvl2pPr>
+            <a:lvl3pPr marL="914400" indent="0">
+              <a:buNone/>
+              <a:defRPr sz="1800" b="1"/>
+            </a:lvl3pPr>
+            <a:lvl4pPr marL="1371600" indent="0">
+              <a:buNone/>
+              <a:defRPr sz="1600" b="1"/>
+            </a:lvl4pPr>
+            <a:lvl5pPr marL="1828800" indent="0">
+              <a:buNone/>
+              <a:defRPr sz="1600" b="1"/>
+            </a:lvl5pPr>
+            <a:lvl6pPr marL="2286000" indent="0">
+              <a:buNone/>
+              <a:defRPr sz="1600" b="1"/>
+            </a:lvl6pPr>
+            <a:lvl7pPr marL="2743200" indent="0">
+              <a:buNone/>
+              <a:defRPr sz="1600" b="1"/>
+            </a:lvl7pPr>
+            <a:lvl8pPr marL="3200400" indent="0">
+              <a:buNone/>
+              <a:defRPr sz="1600" b="1"/>
+            </a:lvl8pPr>
+            <a:lvl9pPr marL="3657600" indent="0">
+              <a:buNone/>
+              <a:defRPr sz="1600" b="1"/>
+            </a:lvl9pPr>
+          </a:lstStyle>
+          <a:p>
+            <a:pPr lvl="0"/>
+            <a:r>
+              <a:rPr lang="en-US" smtClean="0"/>
+              <a:t>Click to edit Master text styles</a:t>
+            </a:r>
+          </a:p>
+        </p:txBody>
+      </p:sp>
+      <p:sp>
+        <p:nvSpPr>
+          <p:cNvPr id="4" name="Content Placeholder 3"/>
+          <p:cNvSpPr>
+            <a:spLocks noGrp="1"/>
+          </p:cNvSpPr>
+          <p:nvPr>
+            <p:ph sz="half" idx="2"/>
+          </p:nvPr>
+        </p:nvSpPr>
+        <p:spPr>
+          <a:xfrm>
+            <a:off x="457200" y="2174875"/>
+            <a:ext cx="4040188" cy="3951288"/>
+          </a:xfrm>
+        </p:spPr>
+        <p:txBody>
+          <a:bodyPr/>
+          <a:lstStyle>
+            <a:lvl1pPr>
+              <a:defRPr sz="2400"/>
+            </a:lvl1pPr>
+            <a:lvl2pPr>
+              <a:defRPr sz="2000"/>
+            </a:lvl2pPr>
+            <a:lvl3pPr>
+              <a:defRPr sz="1800"/>
+            </a:lvl3pPr>
+            <a:lvl4pPr>
+              <a:defRPr sz="1600"/>
+            </a:lvl4pPr>
+            <a:lvl5pPr>
+              <a:defRPr sz="1600"/>
+            </a:lvl5pPr>
+            <a:lvl6pPr>
+              <a:defRPr sz="1600"/>
+            </a:lvl6pPr>
+            <a:lvl7pPr>
+              <a:defRPr sz="1600"/>
+            </a:lvl7pPr>
+            <a:lvl8pPr>
+              <a:defRPr sz="1600"/>
+            </a:lvl8pPr>
+            <a:lvl9pPr>
+              <a:defRPr sz="1600"/>
+            </a:lvl9pPr>
+          </a:lstStyle>
+          <a:p>
+            <a:pPr lvl="0"/>
+            <a:r>
+              <a:rPr lang="en-US" smtClean="0"/>
+              <a:t>Click to edit Master text styles</a:t>
+            </a:r>
+          </a:p>
+          <a:p>
+            <a:pPr lvl="1"/>
+            <a:r>
+              <a:rPr lang="en-US" smtClean="0"/>
+              <a:t>Second level</a:t>
+            </a:r>
+          </a:p>
+          <a:p>
+            <a:pPr lvl="2"/>
+            <a:r>
+              <a:rPr lang="en-US" smtClean="0"/>
+              <a:t>Third level</a:t>
+            </a:r>
+          </a:p>
+          <a:p>
+            <a:pPr lvl="3"/>
+            <a:r>
+              <a:rPr lang="en-US" smtClean="0"/>
+              <a:t>Fourth level</a:t>
+            </a:r>
+          </a:p>
+          <a:p>
+            <a:pPr lvl="4"/>
+            <a:r>
+              <a:rPr lang="en-US" smtClean="0"/>
+              <a:t>Fifth level</a:t>
+            </a:r>
+            <a:endParaRPr lang="en-US"/>
+          </a:p>
+        </p:txBody>
+      </p:sp>
+      <p:sp>
+        <p:nvSpPr>
+          <p:cNvPr id="5" name="Text Placeholder 4"/>
+          <p:cNvSpPr>
+            <a:spLocks noGrp="1"/>
+          </p:cNvSpPr>
+          <p:nvPr>
+            <p:ph type="body" sz="quarter" idx="3"/>
+          </p:nvPr>
+        </p:nvSpPr>
+        <p:spPr>
+          <a:xfrm>
+            <a:off x="4645025" y="1535113"/>
+            <a:ext cx="4041775" cy="639762"/>
+          </a:xfrm>
+        </p:spPr>
+        <p:txBody>
+          <a:bodyPr anchor="b"/>
+          <a:lstStyle>
+            <a:lvl1pPr marL="0" indent="0">
+              <a:buNone/>
+              <a:defRPr sz="2400" b="1"/>
+            </a:lvl1pPr>
+            <a:lvl2pPr marL="457200" indent="0">
+              <a:buNone/>
+              <a:defRPr sz="2000" b="1"/>
+            </a:lvl2pPr>
+            <a:lvl3pPr marL="914400" indent="0">
+              <a:buNone/>
+              <a:defRPr sz="1800" b="1"/>
+            </a:lvl3pPr>
+            <a:lvl4pPr marL="1371600" indent="0">
+              <a:buNone/>
+              <a:defRPr sz="1600" b="1"/>
+            </a:lvl4pPr>
+            <a:lvl5pPr marL="1828800" indent="0">
+              <a:buNone/>
+              <a:defRPr sz="1600" b="1"/>
+            </a:lvl5pPr>
+            <a:lvl6pPr marL="2286000" indent="0">
+              <a:buNone/>
+              <a:defRPr sz="1600" b="1"/>
+            </a:lvl6pPr>
+            <a:lvl7pPr marL="2743200" indent="0">
+              <a:buNone/>
+              <a:defRPr sz="1600" b="1"/>
+            </a:lvl7pPr>
+            <a:lvl8pPr marL="3200400" indent="0">
+              <a:buNone/>
+              <a:defRPr sz="1600" b="1"/>
+            </a:lvl8pPr>
+            <a:lvl9pPr marL="3657600" indent="0">
+              <a:buNone/>
+              <a:defRPr sz="1600" b="1"/>
+            </a:lvl9pPr>
+          </a:lstStyle>
+          <a:p>
+            <a:pPr lvl="0"/>
+            <a:r>
+              <a:rPr lang="en-US" smtClean="0"/>
+              <a:t>Click to edit Master text styles</a:t>
+            </a:r>
+          </a:p>
+        </p:txBody>
+      </p:sp>
+      <p:sp>
+        <p:nvSpPr>
+          <p:cNvPr id="6" name="Content Placeholder 5"/>
+          <p:cNvSpPr>
+            <a:spLocks noGrp="1"/>
+          </p:cNvSpPr>
+          <p:nvPr>
+            <p:ph sz="quarter" idx="4"/>
+          </p:nvPr>
+        </p:nvSpPr>
+        <p:spPr>
+          <a:xfrm>
+            <a:off x="4645025" y="2174875"/>
+            <a:ext cx="4041775" cy="3951288"/>
+          </a:xfrm>
+        </p:spPr>
+        <p:txBody>
+          <a:bodyPr/>
+          <a:lstStyle>
+            <a:lvl1pPr>
+              <a:defRPr sz="2400"/>
+            </a:lvl1pPr>
+            <a:lvl2pPr>
+              <a:defRPr sz="2000"/>
+            </a:lvl2pPr>
+            <a:lvl3pPr>
+              <a:defRPr sz="1800"/>
+            </a:lvl3pPr>
+            <a:lvl4pPr>
+              <a:defRPr sz="1600"/>
+            </a:lvl4pPr>
+            <a:lvl5pPr>
+              <a:defRPr sz="1600"/>
+            </a:lvl5pPr>
+            <a:lvl6pPr>
+              <a:defRPr sz="1600"/>
+            </a:lvl6pPr>
+            <a:lvl7pPr>
+              <a:defRPr sz="1600"/>
+            </a:lvl7pPr>
+            <a:lvl8pPr>
+              <a:defRPr sz="1600"/>
+            </a:lvl8pPr>
+            <a:lvl9pPr>
+              <a:defRPr sz="1600"/>
+            </a:lvl9pPr>
+          </a:lstStyle>
+          <a:p>
+            <a:pPr lvl="0"/>
+            <a:r>
+              <a:rPr lang="en-US" smtClean="0"/>
+              <a:t>Click to edit Master text styles</a:t>
+            </a:r>
+          </a:p>
+          <a:p>
+            <a:pPr lvl="1"/>
+            <a:r>
+              <a:rPr lang="en-US" smtClean="0"/>
+              <a:t>Second level</a:t>
+            </a:r>
+          </a:p>
+          <a:p>
+            <a:pPr lvl="2"/>
+            <a:r>
+              <a:rPr lang="en-US" smtClean="0"/>
+              <a:t>Third level</a:t>
+            </a:r>
+          </a:p>
+          <a:p>
+            <a:pPr lvl="3"/>
+            <a:r>
+              <a:rPr lang="en-US" smtClean="0"/>
+              <a:t>Fourth level</a:t>
+            </a:r>
+          </a:p>
+          <a:p>
+            <a:pPr lvl="4"/>
+            <a:r>
+              <a:rPr lang="en-US" smtClean="0"/>
+              <a:t>Fifth level</a:t>
+            </a:r>
+            <a:endParaRPr lang="en-US"/>
+          </a:p>
+        </p:txBody>
+      </p:sp>
+      <p:sp>
+        <p:nvSpPr>
+          <p:cNvPr id="7" name="Date Placeholder 6"/>
+          <p:cNvSpPr>
+            <a:spLocks noGrp="1"/>
+          </p:cNvSpPr>
+          <p:nvPr>
+            <p:ph type="dt" sz="half" idx="10"/>
+          </p:nvPr>
+        </p:nvSpPr>
+        <p:spPr/>
+        <p:txBody>
+          <a:bodyPr/>
+          <a:lstStyle/>
+          <a:p>
+            <a:fld id="{241EB5C9-1307-BA42-ABA2-0BC069CD8E7F}" type="datetimeFigureOut">
+              <a:rPr lang="en-US" smtClean="0"/>
+              <a:t>4/5/2019</a:t>
+            </a:fld>
+            <a:endParaRPr lang="en-US"/>
+          </a:p>
+        </p:txBody>
+      </p:sp>
+      <p:sp>
+        <p:nvSpPr>
+          <p:cNvPr id="8" name="Footer Placeholder 7"/>
+          <p:cNvSpPr>
+            <a:spLocks noGrp="1"/>
+          </p:cNvSpPr>
+          <p:nvPr>
+            <p:ph type="ftr" sz="quarter" idx="11"/>
+          </p:nvPr>
+        </p:nvSpPr>
+        <p:spPr/>
+        <p:txBody>
+          <a:bodyPr/>
+          <a:lstStyle/>
+          <a:p>
+            <a:endParaRPr lang="en-US"/>
+          </a:p>
+        </p:txBody>
+      </p:sp>
+      <p:sp>
+        <p:nvSpPr>
+          <p:cNvPr id="9" name="Slide Number Placeholder 8"/>
+          <p:cNvSpPr>
+            <a:spLocks noGrp="1"/>
+          </p:cNvSpPr>
+          <p:nvPr>
+            <p:ph type="sldNum" sz="quarter" idx="12"/>
+          </p:nvPr>
+        </p:nvSpPr>
+        <p:spPr/>
+        <p:txBody>
+          <a:bodyPr/>
+          <a:lstStyle/>
+          <a:p>
+            <a:fld id="{C5EF2332-01BF-834F-8236-50238282D533}" type="slidenum">
+              <a:rPr lang="en-US" smtClean="0"/>
+              <a:t>‹#›</a:t>
+            </a:fld>
+            <a:endParaRPr lang="en-US"/>
+          </a:p>
+        </p:txBody>
+      </p:sp>
+    </p:spTree>
+    <p:extLst>
+      <p:ext uri="{BB962C8B-B14F-4D97-AF65-F5344CB8AC3E}">
+        <p14:creationId xmlns:p14="http://schemas.microsoft.com/office/powerpoint/2010/main" val="2535793967"/>
+      </p:ext>
+    </p:extLst>
+  </p:cSld>
+  <p:clrMapOvr>
+    <a:masterClrMapping/>
+  </p:clrMapOvr>
+</p:sldLayout>
+</file>
+
+<file path=ppt/slideLayouts/slideLayout6.xml><?xml version="1.0" encoding="utf-8"?>
+<p:sldLayout xmlns:a="http://schemas.openxmlformats.org/drawingml/2006/main" xmlns:r="http://schemas.openxmlformats.org/officeDocument/2006/relationships" xmlns:p="http://schemas.openxmlformats.org/presentationml/2006/main" type="titleOnly" preserve="1">
+  <p:cSld name="Title Only">
+    <p:spTree>
+      <p:nvGrpSpPr>
+        <p:cNvPr id="1" name=""/>
+        <p:cNvGrpSpPr/>
+        <p:nvPr/>
+      </p:nvGrpSpPr>
+      <p:grpSpPr>
+        <a:xfrm>
+          <a:off x="0" y="0"/>
+          <a:ext cx="0" cy="0"/>
+          <a:chOff x="0" y="0"/>
+          <a:chExt cx="0" cy="0"/>
+        </a:xfrm>
+      </p:grpSpPr>
+      <p:sp>
+        <p:nvSpPr>
+          <p:cNvPr id="2" name="Title 1"/>
+          <p:cNvSpPr>
+            <a:spLocks noGrp="1"/>
+          </p:cNvSpPr>
+          <p:nvPr>
+            <p:ph type="title"/>
+          </p:nvPr>
+        </p:nvSpPr>
+        <p:spPr/>
+        <p:txBody>
+          <a:bodyPr/>
+          <a:lstStyle/>
+          <a:p>
+            <a:r>
+              <a:rPr lang="en-US" smtClean="0"/>
+              <a:t>Click to edit Master title style</a:t>
+            </a:r>
+            <a:endParaRPr lang="en-US"/>
+          </a:p>
+        </p:txBody>
+      </p:sp>
+      <p:sp>
+        <p:nvSpPr>
+          <p:cNvPr id="3" name="Date Placeholder 2"/>
+          <p:cNvSpPr>
+            <a:spLocks noGrp="1"/>
+          </p:cNvSpPr>
+          <p:nvPr>
+            <p:ph type="dt" sz="half" idx="10"/>
+          </p:nvPr>
+        </p:nvSpPr>
+        <p:spPr/>
+        <p:txBody>
+          <a:bodyPr/>
+          <a:lstStyle/>
+          <a:p>
+            <a:fld id="{241EB5C9-1307-BA42-ABA2-0BC069CD8E7F}" type="datetimeFigureOut">
+              <a:rPr lang="en-US" smtClean="0"/>
+              <a:t>4/5/2019</a:t>
+            </a:fld>
+            <a:endParaRPr lang="en-US"/>
+          </a:p>
+        </p:txBody>
+      </p:sp>
+      <p:sp>
+        <p:nvSpPr>
+          <p:cNvPr id="4" name="Footer Placeholder 3"/>
+          <p:cNvSpPr>
+            <a:spLocks noGrp="1"/>
+          </p:cNvSpPr>
+          <p:nvPr>
+            <p:ph type="ftr" sz="quarter" idx="11"/>
+          </p:nvPr>
+        </p:nvSpPr>
+        <p:spPr/>
+        <p:txBody>
+          <a:bodyPr/>
+          <a:lstStyle/>
+          <a:p>
+            <a:endParaRPr lang="en-US"/>
+          </a:p>
+        </p:txBody>
+      </p:sp>
+      <p:sp>
+        <p:nvSpPr>
+          <p:cNvPr id="5" name="Slide Number Placeholder 4"/>
+          <p:cNvSpPr>
+            <a:spLocks noGrp="1"/>
+          </p:cNvSpPr>
+          <p:nvPr>
+            <p:ph type="sldNum" sz="quarter" idx="12"/>
+          </p:nvPr>
+        </p:nvSpPr>
+        <p:spPr/>
+        <p:txBody>
+          <a:bodyPr/>
+          <a:lstStyle/>
+          <a:p>
+            <a:fld id="{C5EF2332-01BF-834F-8236-50238282D533}" type="slidenum">
+              <a:rPr lang="en-US" smtClean="0"/>
+              <a:t>‹#›</a:t>
+            </a:fld>
+            <a:endParaRPr lang="en-US"/>
+          </a:p>
+        </p:txBody>
+      </p:sp>
+    </p:spTree>
+    <p:extLst>
+      <p:ext uri="{BB962C8B-B14F-4D97-AF65-F5344CB8AC3E}">
+        <p14:creationId xmlns:p14="http://schemas.microsoft.com/office/powerpoint/2010/main" val="3472721253"/>
+      </p:ext>
+    </p:extLst>
+  </p:cSld>
+  <p:clrMapOvr>
+    <a:masterClrMapping/>
+  </p:clrMapOvr>
+</p:sldLayout>
+</file>
+
+<file path=ppt/slideLayouts/slideLayout7.xml><?xml version="1.0" encoding="utf-8"?>
+<p:sldLayout xmlns:a="http://schemas.openxmlformats.org/drawingml/2006/main" xmlns:r="http://schemas.openxmlformats.org/officeDocument/2006/relationships" xmlns:p="http://schemas.openxmlformats.org/presentationml/2006/main" type="blank" preserve="1">
+  <p:cSld name="Blank">
+    <p:spTree>
+      <p:nvGrpSpPr>
+        <p:cNvPr id="1" name=""/>
+        <p:cNvGrpSpPr/>
+        <p:nvPr/>
+      </p:nvGrpSpPr>
+      <p:grpSpPr>
+        <a:xfrm>
+          <a:off x="0" y="0"/>
+          <a:ext cx="0" cy="0"/>
+          <a:chOff x="0" y="0"/>
+          <a:chExt cx="0" cy="0"/>
+        </a:xfrm>
+      </p:grpSpPr>
+      <p:sp>
+        <p:nvSpPr>
+          <p:cNvPr id="2" name="Date Placeholder 1"/>
+          <p:cNvSpPr>
+            <a:spLocks noGrp="1"/>
+          </p:cNvSpPr>
+          <p:nvPr>
+            <p:ph type="dt" sz="half" idx="10"/>
+          </p:nvPr>
+        </p:nvSpPr>
+        <p:spPr/>
+        <p:txBody>
+          <a:bodyPr/>
+          <a:lstStyle/>
+          <a:p>
+            <a:fld id="{241EB5C9-1307-BA42-ABA2-0BC069CD8E7F}" type="datetimeFigureOut">
+              <a:rPr lang="en-US" smtClean="0"/>
+              <a:t>4/5/2019</a:t>
+            </a:fld>
+            <a:endParaRPr lang="en-US"/>
+          </a:p>
+        </p:txBody>
+      </p:sp>
+      <p:sp>
+        <p:nvSpPr>
+          <p:cNvPr id="3" name="Footer Placeholder 2"/>
+          <p:cNvSpPr>
+            <a:spLocks noGrp="1"/>
+          </p:cNvSpPr>
+          <p:nvPr>
+            <p:ph type="ftr" sz="quarter" idx="11"/>
+          </p:nvPr>
+        </p:nvSpPr>
+        <p:spPr/>
+        <p:txBody>
+          <a:bodyPr/>
+          <a:lstStyle/>
+          <a:p>
+            <a:endParaRPr lang="en-US"/>
+          </a:p>
+        </p:txBody>
+      </p:sp>
+      <p:sp>
+        <p:nvSpPr>
+          <p:cNvPr id="4" name="Slide Number Placeholder 3"/>
+          <p:cNvSpPr>
+            <a:spLocks noGrp="1"/>
+          </p:cNvSpPr>
+          <p:nvPr>
+            <p:ph type="sldNum" sz="quarter" idx="12"/>
+          </p:nvPr>
+        </p:nvSpPr>
+        <p:spPr/>
+        <p:txBody>
+          <a:bodyPr/>
+          <a:lstStyle/>
+          <a:p>
+            <a:fld id="{C5EF2332-01BF-834F-8236-50238282D533}" type="slidenum">
+              <a:rPr lang="en-US" smtClean="0"/>
+              <a:t>‹#›</a:t>
+            </a:fld>
+            <a:endParaRPr lang="en-US"/>
+          </a:p>
+        </p:txBody>
+      </p:sp>
+    </p:spTree>
+    <p:extLst>
+      <p:ext uri="{BB962C8B-B14F-4D97-AF65-F5344CB8AC3E}">
+        <p14:creationId xmlns:p14="http://schemas.microsoft.com/office/powerpoint/2010/main" val="2130901097"/>
+      </p:ext>
+    </p:extLst>
+  </p:cSld>
+  <p:clrMapOvr>
+    <a:masterClrMapping/>
+  </p:clrMapOvr>
+</p:sldLayout>
+</file>
+
+<file path=ppt/slideLayouts/slideLayout8.xml><?xml version="1.0" encoding="utf-8"?>
+<p:sldLayout xmlns:a="http://schemas.openxmlformats.org/drawingml/2006/main" xmlns:r="http://schemas.openxmlformats.org/officeDocument/2006/relationships" xmlns:p="http://schemas.openxmlformats.org/presentationml/2006/main" type="objTx" preserve="1">
+  <p:cSld name="Content with Caption">
+    <p:spTree>
+      <p:nvGrpSpPr>
+        <p:cNvPr id="1" name=""/>
+        <p:cNvGrpSpPr/>
+        <p:nvPr/>
+      </p:nvGrpSpPr>
+      <p:grpSpPr>
+        <a:xfrm>
+          <a:off x="0" y="0"/>
+          <a:ext cx="0" cy="0"/>
+          <a:chOff x="0" y="0"/>
+          <a:chExt cx="0" cy="0"/>
+        </a:xfrm>
+      </p:grpSpPr>
+      <p:sp>
+        <p:nvSpPr>
+          <p:cNvPr id="2" name="Title 1"/>
+          <p:cNvSpPr>
+            <a:spLocks noGrp="1"/>
+          </p:cNvSpPr>
+          <p:nvPr>
+            <p:ph type="title"/>
+          </p:nvPr>
+        </p:nvSpPr>
+        <p:spPr>
+          <a:xfrm>
+            <a:off x="457200" y="273050"/>
+            <a:ext cx="3008313" cy="1162050"/>
+          </a:xfrm>
+        </p:spPr>
+        <p:txBody>
+          <a:bodyPr anchor="b"/>
+          <a:lstStyle>
+            <a:lvl1pPr algn="l">
+              <a:defRPr sz="2000" b="1"/>
+            </a:lvl1pPr>
+          </a:lstStyle>
+          <a:p>
+            <a:r>
+              <a:rPr lang="en-US" smtClean="0"/>
+              <a:t>Click to edit Master title style</a:t>
+            </a:r>
+            <a:endParaRPr lang="en-US"/>
+          </a:p>
+        </p:txBody>
+      </p:sp>
+      <p:sp>
+        <p:nvSpPr>
+          <p:cNvPr id="3" name="Content Placeholder 2"/>
+          <p:cNvSpPr>
+            <a:spLocks noGrp="1"/>
+          </p:cNvSpPr>
+          <p:nvPr>
+            <p:ph idx="1"/>
+          </p:nvPr>
+        </p:nvSpPr>
+        <p:spPr>
+          <a:xfrm>
+            <a:off x="3575050" y="273050"/>
+            <a:ext cx="5111750" cy="5853113"/>
+          </a:xfrm>
+        </p:spPr>
+        <p:txBody>
+          <a:bodyPr/>
+          <a:lstStyle>
+            <a:lvl1pPr>
+              <a:defRPr sz="3200"/>
+            </a:lvl1pPr>
+            <a:lvl2pPr>
+              <a:defRPr sz="2800"/>
+            </a:lvl2pPr>
+            <a:lvl3pPr>
+              <a:defRPr sz="2400"/>
+            </a:lvl3pPr>
+            <a:lvl4pPr>
+              <a:defRPr sz="2000"/>
+            </a:lvl4pPr>
+            <a:lvl5pPr>
+              <a:defRPr sz="2000"/>
+            </a:lvl5pPr>
+            <a:lvl6pPr>
+              <a:defRPr sz="2000"/>
+            </a:lvl6pPr>
+            <a:lvl7pPr>
+              <a:defRPr sz="2000"/>
+            </a:lvl7pPr>
+            <a:lvl8pPr>
+              <a:defRPr sz="2000"/>
+            </a:lvl8pPr>
+            <a:lvl9pPr>
+              <a:defRPr sz="2000"/>
+            </a:lvl9pPr>
+          </a:lstStyle>
+          <a:p>
+            <a:pPr lvl="0"/>
+            <a:r>
+              <a:rPr lang="en-US" smtClean="0"/>
+              <a:t>Click to edit Master text styles</a:t>
+            </a:r>
+          </a:p>
+          <a:p>
+            <a:pPr lvl="1"/>
+            <a:r>
+              <a:rPr lang="en-US" smtClean="0"/>
+              <a:t>Second level</a:t>
+            </a:r>
+          </a:p>
+          <a:p>
+            <a:pPr lvl="2"/>
+            <a:r>
+              <a:rPr lang="en-US" smtClean="0"/>
+              <a:t>Third level</a:t>
+            </a:r>
+          </a:p>
+          <a:p>
+            <a:pPr lvl="3"/>
+            <a:r>
+              <a:rPr lang="en-US" smtClean="0"/>
+              <a:t>Fourth level</a:t>
+            </a:r>
+          </a:p>
+          <a:p>
+            <a:pPr lvl="4"/>
+            <a:r>
+              <a:rPr lang="en-US" smtClean="0"/>
+              <a:t>Fifth level</a:t>
+            </a:r>
+            <a:endParaRPr lang="en-US"/>
+          </a:p>
+        </p:txBody>
+      </p:sp>
+      <p:sp>
+        <p:nvSpPr>
+          <p:cNvPr id="4" name="Text Placeholder 3"/>
+          <p:cNvSpPr>
+            <a:spLocks noGrp="1"/>
+          </p:cNvSpPr>
+          <p:nvPr>
+            <p:ph type="body" sz="half" idx="2"/>
+          </p:nvPr>
+        </p:nvSpPr>
+        <p:spPr>
+          <a:xfrm>
+            <a:off x="457200" y="1435100"/>
+            <a:ext cx="3008313" cy="4691063"/>
+          </a:xfrm>
+        </p:spPr>
+        <p:txBody>
+          <a:bodyPr/>
+          <a:lstStyle>
+            <a:lvl1pPr marL="0" indent="0">
+              <a:buNone/>
+              <a:defRPr sz="1400"/>
+            </a:lvl1pPr>
+            <a:lvl2pPr marL="457200" indent="0">
+              <a:buNone/>
+              <a:defRPr sz="1200"/>
+            </a:lvl2pPr>
+            <a:lvl3pPr marL="914400" indent="0">
+              <a:buNone/>
+              <a:defRPr sz="1000"/>
+            </a:lvl3pPr>
+            <a:lvl4pPr marL="1371600" indent="0">
+              <a:buNone/>
+              <a:defRPr sz="900"/>
+            </a:lvl4pPr>
+            <a:lvl5pPr marL="1828800" indent="0">
+              <a:buNone/>
+              <a:defRPr sz="900"/>
+            </a:lvl5pPr>
+            <a:lvl6pPr marL="2286000" indent="0">
+              <a:buNone/>
+              <a:defRPr sz="900"/>
+            </a:lvl6pPr>
+            <a:lvl7pPr marL="2743200" indent="0">
+              <a:buNone/>
+              <a:defRPr sz="900"/>
+            </a:lvl7pPr>
+            <a:lvl8pPr marL="3200400" indent="0">
+              <a:buNone/>
+              <a:defRPr sz="900"/>
+            </a:lvl8pPr>
+            <a:lvl9pPr marL="3657600" indent="0">
+              <a:buNone/>
+              <a:defRPr sz="900"/>
+            </a:lvl9pPr>
+          </a:lstStyle>
+          <a:p>
+            <a:pPr lvl="0"/>
+            <a:r>
+              <a:rPr lang="en-US" smtClean="0"/>
+              <a:t>Click to edit Master text styles</a:t>
+            </a:r>
+          </a:p>
+        </p:txBody>
+      </p:sp>
+      <p:sp>
+        <p:nvSpPr>
+          <p:cNvPr id="5" name="Date Placeholder 4"/>
+          <p:cNvSpPr>
+            <a:spLocks noGrp="1"/>
+          </p:cNvSpPr>
+          <p:nvPr>
+            <p:ph type="dt" sz="half" idx="10"/>
+          </p:nvPr>
+        </p:nvSpPr>
+        <p:spPr/>
+        <p:txBody>
+          <a:bodyPr/>
+          <a:lstStyle/>
+          <a:p>
+            <a:fld id="{241EB5C9-1307-BA42-ABA2-0BC069CD8E7F}" type="datetimeFigureOut">
+              <a:rPr lang="en-US" smtClean="0"/>
+              <a:t>4/5/2019</a:t>
+            </a:fld>
+            <a:endParaRPr lang="en-US"/>
+          </a:p>
+        </p:txBody>
+      </p:sp>
+      <p:sp>
+        <p:nvSpPr>
+          <p:cNvPr id="6" name="Footer Placeholder 5"/>
+          <p:cNvSpPr>
+            <a:spLocks noGrp="1"/>
+          </p:cNvSpPr>
+          <p:nvPr>
+            <p:ph type="ftr" sz="quarter" idx="11"/>
+          </p:nvPr>
+        </p:nvSpPr>
+        <p:spPr/>
+        <p:txBody>
+          <a:bodyPr/>
+          <a:lstStyle/>
+          <a:p>
+            <a:endParaRPr lang="en-US"/>
+          </a:p>
+        </p:txBody>
+      </p:sp>
+      <p:sp>
+        <p:nvSpPr>
+          <p:cNvPr id="7" name="Slide Number Placeholder 6"/>
+          <p:cNvSpPr>
+            <a:spLocks noGrp="1"/>
+          </p:cNvSpPr>
+          <p:nvPr>
+            <p:ph type="sldNum" sz="quarter" idx="12"/>
+          </p:nvPr>
+        </p:nvSpPr>
+        <p:spPr/>
+        <p:txBody>
+          <a:bodyPr/>
+          <a:lstStyle/>
+          <a:p>
+            <a:fld id="{C5EF2332-01BF-834F-8236-50238282D533}" type="slidenum">
+              <a:rPr lang="en-US" smtClean="0"/>
+              <a:t>‹#›</a:t>
+            </a:fld>
+            <a:endParaRPr lang="en-US"/>
+          </a:p>
+        </p:txBody>
+      </p:sp>
+    </p:spTree>
+    <p:extLst>
+      <p:ext uri="{BB962C8B-B14F-4D97-AF65-F5344CB8AC3E}">
+        <p14:creationId xmlns:p14="http://schemas.microsoft.com/office/powerpoint/2010/main" val="3540895647"/>
+      </p:ext>
+    </p:extLst>
+  </p:cSld>
+  <p:clrMapOvr>
+    <a:masterClrMapping/>
+  </p:clrMapOvr>
+</p:sldLayout>
+</file>
+
+<file path=ppt/slideLayouts/slideLayout9.xml><?xml version="1.0" encoding="utf-8"?>
+<p:sldLayout xmlns:a="http://schemas.openxmlformats.org/drawingml/2006/main" xmlns:r="http://schemas.openxmlformats.org/officeDocument/2006/relationships" xmlns:p="http://schemas.openxmlformats.org/presentationml/2006/main" type="picTx" preserve="1">
+  <p:cSld name="Picture with Caption">
+    <p:spTree>
+      <p:nvGrpSpPr>
+        <p:cNvPr id="1" name=""/>
+        <p:cNvGrpSpPr/>
+        <p:nvPr/>
+      </p:nvGrpSpPr>
+      <p:grpSpPr>
+        <a:xfrm>
+          <a:off x="0" y="0"/>
+          <a:ext cx="0" cy="0"/>
+          <a:chOff x="0" y="0"/>
+          <a:chExt cx="0" cy="0"/>
+        </a:xfrm>
+      </p:grpSpPr>
+      <p:sp>
+        <p:nvSpPr>
+          <p:cNvPr id="2" name="Title 1"/>
+          <p:cNvSpPr>
+            <a:spLocks noGrp="1"/>
+          </p:cNvSpPr>
+          <p:nvPr>
+            <p:ph type="title"/>
+          </p:nvPr>
+        </p:nvSpPr>
+        <p:spPr>
+          <a:xfrm>
+            <a:off x="1792288" y="4800600"/>
+            <a:ext cx="5486400" cy="566738"/>
+          </a:xfrm>
+        </p:spPr>
+        <p:txBody>
+          <a:bodyPr anchor="b"/>
+          <a:lstStyle>
+            <a:lvl1pPr algn="l">
+              <a:defRPr sz="2000" b="1"/>
+            </a:lvl1pPr>
+          </a:lstStyle>
+          <a:p>
+            <a:r>
+              <a:rPr lang="en-US" smtClean="0"/>
+              <a:t>Click to edit Master title style</a:t>
+            </a:r>
+            <a:endParaRPr lang="en-US"/>
+          </a:p>
+        </p:txBody>
+      </p:sp>
+      <p:sp>
+        <p:nvSpPr>
+          <p:cNvPr id="3" name="Picture Placeholder 2"/>
+          <p:cNvSpPr>
+            <a:spLocks noGrp="1"/>
+          </p:cNvSpPr>
+          <p:nvPr>
+            <p:ph type="pic" idx="1"/>
+          </p:nvPr>
+        </p:nvSpPr>
+        <p:spPr>
+          <a:xfrm>
+            <a:off x="1792288" y="612775"/>
+            <a:ext cx="5486400" cy="4114800"/>
+          </a:xfrm>
+        </p:spPr>
+        <p:txBody>
+          <a:bodyPr/>
+          <a:lstStyle>
+            <a:lvl1pPr marL="0" indent="0">
+              <a:buNone/>
+              <a:defRPr sz="3200"/>
+            </a:lvl1pPr>
+            <a:lvl2pPr marL="457200" indent="0">
+              <a:buNone/>
+              <a:defRPr sz="2800"/>
+            </a:lvl2pPr>
+            <a:lvl3pPr marL="914400" indent="0">
+              <a:buNone/>
+              <a:defRPr sz="2400"/>
+            </a:lvl3pPr>
+            <a:lvl4pPr marL="1371600" indent="0">
+              <a:buNone/>
+              <a:defRPr sz="2000"/>
+            </a:lvl4pPr>
+            <a:lvl5pPr marL="1828800" indent="0">
+              <a:buNone/>
+              <a:defRPr sz="2000"/>
+            </a:lvl5pPr>
+            <a:lvl6pPr marL="2286000" indent="0">
+              <a:buNone/>
+              <a:defRPr sz="2000"/>
+            </a:lvl6pPr>
+            <a:lvl7pPr marL="2743200" indent="0">
+              <a:buNone/>
+              <a:defRPr sz="2000"/>
+            </a:lvl7pPr>
+            <a:lvl8pPr marL="3200400" indent="0">
+              <a:buNone/>
+              <a:defRPr sz="2000"/>
+            </a:lvl8pPr>
+            <a:lvl9pPr marL="3657600" indent="0">
+              <a:buNone/>
+              <a:defRPr sz="2000"/>
+            </a:lvl9pPr>
+          </a:lstStyle>
+          <a:p>
+            <a:endParaRPr lang="en-US"/>
+          </a:p>
+        </p:txBody>
+      </p:sp>
+      <p:sp>
+        <p:nvSpPr>
+          <p:cNvPr id="4" name="Text Placeholder 3"/>
+          <p:cNvSpPr>
+            <a:spLocks noGrp="1"/>
+          </p:cNvSpPr>
+          <p:nvPr>
+            <p:ph type="body" sz="half" idx="2"/>
+          </p:nvPr>
+        </p:nvSpPr>
+        <p:spPr>
+          <a:xfrm>
+            <a:off x="1792288" y="5367338"/>
+            <a:ext cx="5486400" cy="804862"/>
+          </a:xfrm>
+        </p:spPr>
+        <p:txBody>
+          <a:bodyPr/>
+          <a:lstStyle>
+            <a:lvl1pPr marL="0" indent="0">
+              <a:buNone/>
+              <a:defRPr sz="1400"/>
+            </a:lvl1pPr>
+            <a:lvl2pPr marL="457200" indent="0">
+              <a:buNone/>
+              <a:defRPr sz="1200"/>
+            </a:lvl2pPr>
+            <a:lvl3pPr marL="914400" indent="0">
+              <a:buNone/>
+              <a:defRPr sz="1000"/>
+            </a:lvl3pPr>
+            <a:lvl4pPr marL="1371600" indent="0">
+              <a:buNone/>
+              <a:defRPr sz="900"/>
+            </a:lvl4pPr>
+            <a:lvl5pPr marL="1828800" indent="0">
+              <a:buNone/>
+              <a:defRPr sz="900"/>
+            </a:lvl5pPr>
+            <a:lvl6pPr marL="2286000" indent="0">
+              <a:buNone/>
+              <a:defRPr sz="900"/>
+            </a:lvl6pPr>
+            <a:lvl7pPr marL="2743200" indent="0">
+              <a:buNone/>
+              <a:defRPr sz="900"/>
+            </a:lvl7pPr>
+            <a:lvl8pPr marL="3200400" indent="0">
+              <a:buNone/>
+              <a:defRPr sz="900"/>
+            </a:lvl8pPr>
+            <a:lvl9pPr marL="3657600" indent="0">
+              <a:buNone/>
+              <a:defRPr sz="900"/>
+            </a:lvl9pPr>
+          </a:lstStyle>
+          <a:p>
+            <a:pPr lvl="0"/>
+            <a:r>
+              <a:rPr lang="en-US" smtClean="0"/>
+              <a:t>Click to edit Master text styles</a:t>
+            </a:r>
+          </a:p>
+        </p:txBody>
+      </p:sp>
+      <p:sp>
+        <p:nvSpPr>
+          <p:cNvPr id="5" name="Date Placeholder 4"/>
+          <p:cNvSpPr>
+            <a:spLocks noGrp="1"/>
+          </p:cNvSpPr>
+          <p:nvPr>
+            <p:ph type="dt" sz="half" idx="10"/>
+          </p:nvPr>
+        </p:nvSpPr>
+        <p:spPr/>
+        <p:txBody>
+          <a:bodyPr/>
+          <a:lstStyle/>
+          <a:p>
+            <a:fld id="{241EB5C9-1307-BA42-ABA2-0BC069CD8E7F}" type="datetimeFigureOut">
+              <a:rPr lang="en-US" smtClean="0"/>
+              <a:t>4/5/2019</a:t>
+            </a:fld>
+            <a:endParaRPr lang="en-US"/>
+          </a:p>
+        </p:txBody>
+      </p:sp>
+      <p:sp>
+        <p:nvSpPr>
+          <p:cNvPr id="6" name="Footer Placeholder 5"/>
+          <p:cNvSpPr>
+            <a:spLocks noGrp="1"/>
+          </p:cNvSpPr>
+          <p:nvPr>
+            <p:ph type="ftr" sz="quarter" idx="11"/>
+          </p:nvPr>
+        </p:nvSpPr>
+        <p:spPr/>
+        <p:txBody>
+          <a:bodyPr/>
+          <a:lstStyle/>
+          <a:p>
+            <a:endParaRPr lang="en-US"/>
+          </a:p>
+        </p:txBody>
+      </p:sp>
+      <p:sp>
+        <p:nvSpPr>
+          <p:cNvPr id="7" name="Slide Number Placeholder 6"/>
+          <p:cNvSpPr>
+            <a:spLocks noGrp="1"/>
+          </p:cNvSpPr>
+          <p:nvPr>
+            <p:ph type="sldNum" sz="quarter" idx="12"/>
+          </p:nvPr>
+        </p:nvSpPr>
+        <p:spPr/>
+        <p:txBody>
+          <a:bodyPr/>
+          <a:lstStyle/>
+          <a:p>
+            <a:fld id="{C5EF2332-01BF-834F-8236-50238282D533}" type="slidenum">
+              <a:rPr lang="en-US" smtClean="0"/>
+              <a:t>‹#›</a:t>
+            </a:fld>
+            <a:endParaRPr lang="en-US"/>
+          </a:p>
+        </p:txBody>
+      </p:sp>
+    </p:spTree>
+    <p:extLst>
+      <p:ext uri="{BB962C8B-B14F-4D97-AF65-F5344CB8AC3E}">
+        <p14:creationId xmlns:p14="http://schemas.microsoft.com/office/powerpoint/2010/main" val="3566899855"/>
+      </p:ext>
+    </p:extLst>
+  </p:cSld>
+  <p:clrMapOvr>
+    <a:masterClrMapping/>
+  </p:clrMapOvr>
+</p:sldLayout>
+</file>
+
 <file path=ppt/slideMasters/slideMaster1.xml><?xml version="1.0" encoding="utf-8"?>
 <p:sldMaster xmlns:a="http://schemas.openxmlformats.org/drawingml/2006/main" xmlns:r="http://schemas.openxmlformats.org/officeDocument/2006/relationships" xmlns:p="http://schemas.openxmlformats.org/presentationml/2006/main">
   <p:cSld>
@@ -1668,7 +3183,7 @@
           <a:p>
             <a:fld id="{5EF76A7A-0506-6C4D-8382-BFC753915B9A}" type="datetime4">
               <a:rPr lang="en-US" smtClean="0"/>
-              <a:t>December 13, 2020</a:t>
+              <a:t>December 12, 2020</a:t>
             </a:fld>
             <a:endParaRPr lang="en-US" dirty="0"/>
           </a:p>
@@ -2122,11 +3637,28 @@
           <a:bodyPr/>
           <a:lstStyle/>
           <a:p>
-            <a:pPr marL="0" lvl="0" indent="0">
+            <a:pPr lvl="0" marL="0" indent="0">
               <a:buNone/>
             </a:pPr>
             <a:r>
-              <a:t>SamplePPT (PERSI graphs)</a:t>
+              <a:rPr/>
+              <a:t>SamplePPT</a:t>
+            </a:r>
+            <a:r>
+              <a:rPr/>
+              <a:t> </a:t>
+            </a:r>
+            <a:r>
+              <a:rPr/>
+              <a:t>(PERSI</a:t>
+            </a:r>
+            <a:r>
+              <a:rPr/>
+              <a:t> </a:t>
+            </a:r>
+            <a:r>
+              <a:rPr/>
+              <a:t>graphs)</a:t>
             </a:r>
           </a:p>
         </p:txBody>
@@ -2151,13 +3683,46 @@
           <a:bodyPr/>
           <a:lstStyle/>
           <a:p>
-            <a:pPr marL="0" lvl="0" indent="0">
+            <a:pPr lvl="0" marL="0" indent="0">
               <a:buNone/>
             </a:pPr>
             <a:br/>
             <a:br/>
             <a:r>
-              <a:t>Anil, Swaroop, Jen &amp; Jordan</a:t>
+              <a:rPr/>
+              <a:t>Anil,</a:t>
+            </a:r>
+            <a:r>
+              <a:rPr/>
+              <a:t> </a:t>
+            </a:r>
+            <a:r>
+              <a:rPr/>
+              <a:t>Swaroop,</a:t>
+            </a:r>
+            <a:r>
+              <a:rPr/>
+              <a:t> </a:t>
+            </a:r>
+            <a:r>
+              <a:rPr/>
+              <a:t>Jen</a:t>
+            </a:r>
+            <a:r>
+              <a:rPr/>
+              <a:t> </a:t>
+            </a:r>
+            <a:r>
+              <a:rPr/>
+              <a:t>&amp;</a:t>
+            </a:r>
+            <a:r>
+              <a:rPr/>
+              <a:t> </a:t>
+            </a:r>
+            <a:r>
+              <a:rPr/>
+              <a:t>Jordan</a:t>
             </a:r>
           </a:p>
         </p:txBody>
@@ -2177,10 +3742,11 @@
           <a:bodyPr/>
           <a:lstStyle/>
           <a:p>
-            <a:pPr marL="0" lvl="0" indent="0">
+            <a:pPr lvl="0" marL="0" indent="0">
               <a:buNone/>
             </a:pPr>
             <a:r>
+              <a:rPr/>
               <a:t>12/12/2020</a:t>
             </a:r>
           </a:p>
@@ -2188,9 +3754,6 @@
       </p:sp>
     </p:spTree>
   </p:cSld>
-  <p:clrMapOvr>
-    <a:masterClrMapping/>
-  </p:clrMapOvr>
 </p:sld>
 </file>
 
@@ -2234,18 +3797,83 @@
           <a:bodyPr/>
           <a:lstStyle/>
           <a:p>
-            <a:pPr marL="0" lvl="0" indent="0">
+            <a:pPr lvl="0" marL="0" indent="0">
               <a:buNone/>
             </a:pPr>
             <a:r>
-              <a:t>A History of Weakening Solvency (2001-2019) w/ R (areaPlot())</a:t>
+              <a:rPr/>
+              <a:t>A</a:t>
+            </a:r>
+            <a:r>
+              <a:rPr/>
+              <a:t> </a:t>
+            </a:r>
+            <a:r>
+              <a:rPr/>
+              <a:t>History</a:t>
+            </a:r>
+            <a:r>
+              <a:rPr/>
+              <a:t> </a:t>
+            </a:r>
+            <a:r>
+              <a:rPr/>
+              <a:t>of</a:t>
+            </a:r>
+            <a:r>
+              <a:rPr/>
+              <a:t> </a:t>
+            </a:r>
+            <a:r>
+              <a:rPr/>
+              <a:t>Weakening</a:t>
+            </a:r>
+            <a:r>
+              <a:rPr/>
+              <a:t> </a:t>
+            </a:r>
+            <a:r>
+              <a:rPr/>
+              <a:t>Solvency</a:t>
+            </a:r>
+            <a:r>
+              <a:rPr/>
+              <a:t> </a:t>
+            </a:r>
+            <a:r>
+              <a:rPr/>
+              <a:t>(2001-2019)</a:t>
+            </a:r>
+            <a:r>
+              <a:rPr/>
+              <a:t> </a:t>
+            </a:r>
+            <a:r>
+              <a:rPr/>
+              <a:t>w/</a:t>
+            </a:r>
+            <a:r>
+              <a:rPr/>
+              <a:t> </a:t>
+            </a:r>
+            <a:r>
+              <a:rPr/>
+              <a:t>R</a:t>
+            </a:r>
+            <a:r>
+              <a:rPr/>
+              <a:t> </a:t>
+            </a:r>
+            <a:r>
+              <a:rPr/>
+              <a:t>(areaPlot())</a:t>
             </a:r>
           </a:p>
         </p:txBody>
       </p:sp>
       <p:pic>
         <p:nvPicPr>
-          <p:cNvPr id="3" name="Picture 1" descr="SamplePPT_files/figure-pptx/debt-1.png"/>
+          <p:cNvPr descr="SamplePPT_files/figure-pptx/debt-1.png" id="0" name="Picture 1"/>
           <p:cNvPicPr>
             <a:picLocks noGrp="1" noChangeAspect="1"/>
           </p:cNvPicPr>
@@ -2275,9 +3903,6 @@
       </p:pic>
     </p:spTree>
   </p:cSld>
-  <p:clrMapOvr>
-    <a:masterClrMapping/>
-  </p:clrMapOvr>
 </p:sld>
 </file>
 
@@ -2321,18 +3946,83 @@
           <a:bodyPr/>
           <a:lstStyle/>
           <a:p>
-            <a:pPr marL="0" lvl="0" indent="0">
+            <a:pPr lvl="0" marL="0" indent="0">
               <a:buNone/>
             </a:pPr>
             <a:r>
-              <a:t>A History of Investment Returns (2001-2019) w/ R (linePlot())</a:t>
+              <a:rPr/>
+              <a:t>A</a:t>
+            </a:r>
+            <a:r>
+              <a:rPr/>
+              <a:t> </a:t>
+            </a:r>
+            <a:r>
+              <a:rPr/>
+              <a:t>History</a:t>
+            </a:r>
+            <a:r>
+              <a:rPr/>
+              <a:t> </a:t>
+            </a:r>
+            <a:r>
+              <a:rPr/>
+              <a:t>of</a:t>
+            </a:r>
+            <a:r>
+              <a:rPr/>
+              <a:t> </a:t>
+            </a:r>
+            <a:r>
+              <a:rPr/>
+              <a:t>Investment</a:t>
+            </a:r>
+            <a:r>
+              <a:rPr/>
+              <a:t> </a:t>
+            </a:r>
+            <a:r>
+              <a:rPr/>
+              <a:t>Returns</a:t>
+            </a:r>
+            <a:r>
+              <a:rPr/>
+              <a:t> </a:t>
+            </a:r>
+            <a:r>
+              <a:rPr/>
+              <a:t>(2001-2019)</a:t>
+            </a:r>
+            <a:r>
+              <a:rPr/>
+              <a:t> </a:t>
+            </a:r>
+            <a:r>
+              <a:rPr/>
+              <a:t>w/</a:t>
+            </a:r>
+            <a:r>
+              <a:rPr/>
+              <a:t> </a:t>
+            </a:r>
+            <a:r>
+              <a:rPr/>
+              <a:t>R</a:t>
+            </a:r>
+            <a:r>
+              <a:rPr/>
+              <a:t> </a:t>
+            </a:r>
+            <a:r>
+              <a:rPr/>
+              <a:t>(linePlot())</a:t>
             </a:r>
           </a:p>
         </p:txBody>
       </p:sp>
       <p:pic>
         <p:nvPicPr>
-          <p:cNvPr id="3" name="Picture 1" descr="SamplePPT_files/figure-pptx/graph-1.png"/>
+          <p:cNvPr descr="SamplePPT_files/figure-pptx/graph-1.png" id="0" name="Picture 1"/>
           <p:cNvPicPr>
             <a:picLocks noGrp="1" noChangeAspect="1"/>
           </p:cNvPicPr>
@@ -2362,9 +4052,6 @@
       </p:pic>
     </p:spTree>
   </p:cSld>
-  <p:clrMapOvr>
-    <a:masterClrMapping/>
-  </p:clrMapOvr>
 </p:sld>
 </file>
 
@@ -2408,27 +4095,67 @@
           <a:bodyPr/>
           <a:lstStyle/>
           <a:p>
-            <a:pPr marL="0" lvl="0" indent="0">
+            <a:pPr lvl="0" marL="0" indent="0">
               <a:buNone/>
             </a:pPr>
             <a:r>
-              <a:rPr dirty="0"/>
-              <a:t>S&amp;P500 vs. Funded Ratio (2001-2019) w/ R (</a:t>
-            </a:r>
-            <a:r>
-              <a:rPr dirty="0" err="1"/>
-              <a:t>areaPlot</a:t>
-            </a:r>
-            <a:r>
-              <a:rPr dirty="0"/>
-              <a:t>())</a:t>
+              <a:rPr/>
+              <a:t>S&amp;P500</a:t>
+            </a:r>
+            <a:r>
+              <a:rPr/>
+              <a:t> </a:t>
+            </a:r>
+            <a:r>
+              <a:rPr/>
+              <a:t>vs. Funded</a:t>
+            </a:r>
+            <a:r>
+              <a:rPr/>
+              <a:t> </a:t>
+            </a:r>
+            <a:r>
+              <a:rPr/>
+              <a:t>Ratio</a:t>
+            </a:r>
+            <a:r>
+              <a:rPr/>
+              <a:t> </a:t>
+            </a:r>
+            <a:r>
+              <a:rPr/>
+              <a:t>(2001-2019)</a:t>
+            </a:r>
+            <a:r>
+              <a:rPr/>
+              <a:t> </a:t>
+            </a:r>
+            <a:r>
+              <a:rPr/>
+              <a:t>w/</a:t>
+            </a:r>
+            <a:r>
+              <a:rPr/>
+              <a:t> </a:t>
+            </a:r>
+            <a:r>
+              <a:rPr/>
+              <a:t>R</a:t>
+            </a:r>
+            <a:r>
+              <a:rPr/>
+              <a:t> </a:t>
+            </a:r>
+            <a:r>
+              <a:rPr/>
+              <a:t>(areaPlot())</a:t>
             </a:r>
           </a:p>
         </p:txBody>
       </p:sp>
       <p:pic>
         <p:nvPicPr>
-          <p:cNvPr id="3" name="Picture 1" descr="SamplePPT_files/figure-pptx/sp500-1.png"/>
+          <p:cNvPr descr="SamplePPT_files/figure-pptx/sp500-1.png" id="0" name="Picture 1"/>
           <p:cNvPicPr>
             <a:picLocks noGrp="1" noChangeAspect="1"/>
           </p:cNvPicPr>
@@ -2458,9 +4185,6 @@
       </p:pic>
     </p:spTree>
   </p:cSld>
-  <p:clrMapOvr>
-    <a:masterClrMapping/>
-  </p:clrMapOvr>
 </p:sld>
 </file>
 
@@ -2504,18 +4228,51 @@
           <a:bodyPr/>
           <a:lstStyle/>
           <a:p>
-            <a:pPr marL="0" lvl="0" indent="0">
+            <a:pPr lvl="0" marL="0" indent="0">
               <a:buNone/>
             </a:pPr>
             <a:r>
-              <a:t>Asset Allocation w/ R (custom)</a:t>
+              <a:rPr/>
+              <a:t>Asset</a:t>
+            </a:r>
+            <a:r>
+              <a:rPr/>
+              <a:t> </a:t>
+            </a:r>
+            <a:r>
+              <a:rPr/>
+              <a:t>Allocation</a:t>
+            </a:r>
+            <a:r>
+              <a:rPr/>
+              <a:t> </a:t>
+            </a:r>
+            <a:r>
+              <a:rPr/>
+              <a:t>w/</a:t>
+            </a:r>
+            <a:r>
+              <a:rPr/>
+              <a:t> </a:t>
+            </a:r>
+            <a:r>
+              <a:rPr/>
+              <a:t>R</a:t>
+            </a:r>
+            <a:r>
+              <a:rPr/>
+              <a:t> </a:t>
+            </a:r>
+            <a:r>
+              <a:rPr/>
+              <a:t>(custom)</a:t>
             </a:r>
           </a:p>
         </p:txBody>
       </p:sp>
       <p:pic>
         <p:nvPicPr>
-          <p:cNvPr id="3" name="Picture 1" descr="SamplePPT_files/figure-pptx/assets-1.png"/>
+          <p:cNvPr descr="SamplePPT_files/figure-pptx/assets-1.png" id="0" name="Picture 1"/>
           <p:cNvPicPr>
             <a:picLocks noGrp="1" noChangeAspect="1"/>
           </p:cNvPicPr>
@@ -2545,9 +4302,6 @@
       </p:pic>
     </p:spTree>
   </p:cSld>
-  <p:clrMapOvr>
-    <a:masterClrMapping/>
-  </p:clrMapOvr>
 </p:sld>
 </file>
 
@@ -2591,18 +4345,59 @@
           <a:bodyPr/>
           <a:lstStyle/>
           <a:p>
-            <a:pPr marL="0" lvl="0" indent="0">
+            <a:pPr lvl="0" marL="0" indent="0">
               <a:buNone/>
             </a:pPr>
             <a:r>
-              <a:t>Negative Amortization Growth w/ R (custom)</a:t>
+              <a:rPr/>
+              <a:t>Negative</a:t>
+            </a:r>
+            <a:r>
+              <a:rPr/>
+              <a:t> </a:t>
+            </a:r>
+            <a:r>
+              <a:rPr/>
+              <a:t>Amortization</a:t>
+            </a:r>
+            <a:r>
+              <a:rPr/>
+              <a:t> </a:t>
+            </a:r>
+            <a:r>
+              <a:rPr/>
+              <a:t>Growth</a:t>
+            </a:r>
+            <a:r>
+              <a:rPr/>
+              <a:t> </a:t>
+            </a:r>
+            <a:r>
+              <a:rPr/>
+              <a:t>w/</a:t>
+            </a:r>
+            <a:r>
+              <a:rPr/>
+              <a:t> </a:t>
+            </a:r>
+            <a:r>
+              <a:rPr/>
+              <a:t>R</a:t>
+            </a:r>
+            <a:r>
+              <a:rPr/>
+              <a:t> </a:t>
+            </a:r>
+            <a:r>
+              <a:rPr/>
+              <a:t>(custom)</a:t>
             </a:r>
           </a:p>
         </p:txBody>
       </p:sp>
       <p:pic>
         <p:nvPicPr>
-          <p:cNvPr id="3" name="Picture 1" descr="SamplePPT_files/figure-pptx/neg.amo-1.png"/>
+          <p:cNvPr descr="SamplePPT_files/figure-pptx/neg.amo-1.png" id="0" name="Picture 1"/>
           <p:cNvPicPr>
             <a:picLocks noGrp="1" noChangeAspect="1"/>
           </p:cNvPicPr>
@@ -2632,9 +4427,6 @@
       </p:pic>
     </p:spTree>
   </p:cSld>
-  <p:clrMapOvr>
-    <a:masterClrMapping/>
-  </p:clrMapOvr>
 </p:sld>
 </file>
 
@@ -2678,10 +4470,11 @@
           <a:bodyPr/>
           <a:lstStyle/>
           <a:p>
-            <a:pPr marL="0" lvl="0" indent="0">
+            <a:pPr lvl="0" marL="0" indent="0">
               <a:buNone/>
             </a:pPr>
             <a:r>
+              <a:rPr/>
               <a:t>References</a:t>
             </a:r>
           </a:p>
@@ -2732,9 +4525,6 @@
       </p:sp>
     </p:spTree>
   </p:cSld>
-  <p:clrMapOvr>
-    <a:masterClrMapping/>
-  </p:clrMapOvr>
 </p:sld>
 </file>
 

--- a/DeckUpdate/SamplePPT.pptx
+++ b/DeckUpdate/SamplePPT.pptx
@@ -361,7 +361,7 @@
           <a:p>
             <a:fld id="{10302D39-B686-2742-A69B-CE6D46FC9A4E}" type="datetime4">
               <a:rPr lang="en-US" smtClean="0"/>
-              <a:t>December 12, 2020</a:t>
+              <a:t>December 19, 2020</a:t>
             </a:fld>
             <a:endParaRPr lang="en-US" dirty="0"/>
           </a:p>
@@ -483,356 +483,6 @@
 </p:sldLayout>
 </file>
 
-<file path=ppt/slideLayouts/slideLayout10.xml><?xml version="1.0" encoding="utf-8"?>
-<p:sldLayout xmlns:a="http://schemas.openxmlformats.org/drawingml/2006/main" xmlns:r="http://schemas.openxmlformats.org/officeDocument/2006/relationships" xmlns:p="http://schemas.openxmlformats.org/presentationml/2006/main" type="vertTx" preserve="1">
-  <p:cSld name="Title and Vertical Text">
-    <p:spTree>
-      <p:nvGrpSpPr>
-        <p:cNvPr id="1" name=""/>
-        <p:cNvGrpSpPr/>
-        <p:nvPr/>
-      </p:nvGrpSpPr>
-      <p:grpSpPr>
-        <a:xfrm>
-          <a:off x="0" y="0"/>
-          <a:ext cx="0" cy="0"/>
-          <a:chOff x="0" y="0"/>
-          <a:chExt cx="0" cy="0"/>
-        </a:xfrm>
-      </p:grpSpPr>
-      <p:sp>
-        <p:nvSpPr>
-          <p:cNvPr id="2" name="Title 1"/>
-          <p:cNvSpPr>
-            <a:spLocks noGrp="1"/>
-          </p:cNvSpPr>
-          <p:nvPr>
-            <p:ph type="title"/>
-          </p:nvPr>
-        </p:nvSpPr>
-        <p:spPr/>
-        <p:txBody>
-          <a:bodyPr/>
-          <a:lstStyle/>
-          <a:p>
-            <a:r>
-              <a:rPr lang="en-US" smtClean="0"/>
-              <a:t>Click to edit Master title style</a:t>
-            </a:r>
-            <a:endParaRPr lang="en-US"/>
-          </a:p>
-        </p:txBody>
-      </p:sp>
-      <p:sp>
-        <p:nvSpPr>
-          <p:cNvPr id="3" name="Vertical Text Placeholder 2"/>
-          <p:cNvSpPr>
-            <a:spLocks noGrp="1"/>
-          </p:cNvSpPr>
-          <p:nvPr>
-            <p:ph type="body" orient="vert" idx="1"/>
-          </p:nvPr>
-        </p:nvSpPr>
-        <p:spPr/>
-        <p:txBody>
-          <a:bodyPr vert="eaVert"/>
-          <a:lstStyle/>
-          <a:p>
-            <a:pPr lvl="0"/>
-            <a:r>
-              <a:rPr lang="en-US" smtClean="0"/>
-              <a:t>Click to edit Master text styles</a:t>
-            </a:r>
-          </a:p>
-          <a:p>
-            <a:pPr lvl="1"/>
-            <a:r>
-              <a:rPr lang="en-US" smtClean="0"/>
-              <a:t>Second level</a:t>
-            </a:r>
-          </a:p>
-          <a:p>
-            <a:pPr lvl="2"/>
-            <a:r>
-              <a:rPr lang="en-US" smtClean="0"/>
-              <a:t>Third level</a:t>
-            </a:r>
-          </a:p>
-          <a:p>
-            <a:pPr lvl="3"/>
-            <a:r>
-              <a:rPr lang="en-US" smtClean="0"/>
-              <a:t>Fourth level</a:t>
-            </a:r>
-          </a:p>
-          <a:p>
-            <a:pPr lvl="4"/>
-            <a:r>
-              <a:rPr lang="en-US" smtClean="0"/>
-              <a:t>Fifth level</a:t>
-            </a:r>
-            <a:endParaRPr lang="en-US"/>
-          </a:p>
-        </p:txBody>
-      </p:sp>
-      <p:sp>
-        <p:nvSpPr>
-          <p:cNvPr id="4" name="Date Placeholder 3"/>
-          <p:cNvSpPr>
-            <a:spLocks noGrp="1"/>
-          </p:cNvSpPr>
-          <p:nvPr>
-            <p:ph type="dt" sz="half" idx="10"/>
-          </p:nvPr>
-        </p:nvSpPr>
-        <p:spPr/>
-        <p:txBody>
-          <a:bodyPr/>
-          <a:lstStyle/>
-          <a:p>
-            <a:fld id="{241EB5C9-1307-BA42-ABA2-0BC069CD8E7F}" type="datetimeFigureOut">
-              <a:rPr lang="en-US" smtClean="0"/>
-              <a:t>4/5/2019</a:t>
-            </a:fld>
-            <a:endParaRPr lang="en-US"/>
-          </a:p>
-        </p:txBody>
-      </p:sp>
-      <p:sp>
-        <p:nvSpPr>
-          <p:cNvPr id="5" name="Footer Placeholder 4"/>
-          <p:cNvSpPr>
-            <a:spLocks noGrp="1"/>
-          </p:cNvSpPr>
-          <p:nvPr>
-            <p:ph type="ftr" sz="quarter" idx="11"/>
-          </p:nvPr>
-        </p:nvSpPr>
-        <p:spPr/>
-        <p:txBody>
-          <a:bodyPr/>
-          <a:lstStyle/>
-          <a:p>
-            <a:endParaRPr lang="en-US"/>
-          </a:p>
-        </p:txBody>
-      </p:sp>
-      <p:sp>
-        <p:nvSpPr>
-          <p:cNvPr id="6" name="Slide Number Placeholder 5"/>
-          <p:cNvSpPr>
-            <a:spLocks noGrp="1"/>
-          </p:cNvSpPr>
-          <p:nvPr>
-            <p:ph type="sldNum" sz="quarter" idx="12"/>
-          </p:nvPr>
-        </p:nvSpPr>
-        <p:spPr/>
-        <p:txBody>
-          <a:bodyPr/>
-          <a:lstStyle/>
-          <a:p>
-            <a:fld id="{C5EF2332-01BF-834F-8236-50238282D533}" type="slidenum">
-              <a:rPr lang="en-US" smtClean="0"/>
-              <a:t>‹#›</a:t>
-            </a:fld>
-            <a:endParaRPr lang="en-US"/>
-          </a:p>
-        </p:txBody>
-      </p:sp>
-    </p:spTree>
-    <p:extLst>
-      <p:ext uri="{BB962C8B-B14F-4D97-AF65-F5344CB8AC3E}">
-        <p14:creationId xmlns:p14="http://schemas.microsoft.com/office/powerpoint/2010/main" val="313914798"/>
-      </p:ext>
-    </p:extLst>
-  </p:cSld>
-  <p:clrMapOvr>
-    <a:masterClrMapping/>
-  </p:clrMapOvr>
-</p:sldLayout>
-</file>
-
-<file path=ppt/slideLayouts/slideLayout11.xml><?xml version="1.0" encoding="utf-8"?>
-<p:sldLayout xmlns:a="http://schemas.openxmlformats.org/drawingml/2006/main" xmlns:r="http://schemas.openxmlformats.org/officeDocument/2006/relationships" xmlns:p="http://schemas.openxmlformats.org/presentationml/2006/main" type="vertTitleAndTx" preserve="1">
-  <p:cSld name="Vertical Title and Text">
-    <p:spTree>
-      <p:nvGrpSpPr>
-        <p:cNvPr id="1" name=""/>
-        <p:cNvGrpSpPr/>
-        <p:nvPr/>
-      </p:nvGrpSpPr>
-      <p:grpSpPr>
-        <a:xfrm>
-          <a:off x="0" y="0"/>
-          <a:ext cx="0" cy="0"/>
-          <a:chOff x="0" y="0"/>
-          <a:chExt cx="0" cy="0"/>
-        </a:xfrm>
-      </p:grpSpPr>
-      <p:sp>
-        <p:nvSpPr>
-          <p:cNvPr id="2" name="Vertical Title 1"/>
-          <p:cNvSpPr>
-            <a:spLocks noGrp="1"/>
-          </p:cNvSpPr>
-          <p:nvPr>
-            <p:ph type="title" orient="vert"/>
-          </p:nvPr>
-        </p:nvSpPr>
-        <p:spPr>
-          <a:xfrm>
-            <a:off x="6629400" y="274638"/>
-            <a:ext cx="2057400" cy="5851525"/>
-          </a:xfrm>
-        </p:spPr>
-        <p:txBody>
-          <a:bodyPr vert="eaVert"/>
-          <a:lstStyle/>
-          <a:p>
-            <a:r>
-              <a:rPr lang="en-US" smtClean="0"/>
-              <a:t>Click to edit Master title style</a:t>
-            </a:r>
-            <a:endParaRPr lang="en-US"/>
-          </a:p>
-        </p:txBody>
-      </p:sp>
-      <p:sp>
-        <p:nvSpPr>
-          <p:cNvPr id="3" name="Vertical Text Placeholder 2"/>
-          <p:cNvSpPr>
-            <a:spLocks noGrp="1"/>
-          </p:cNvSpPr>
-          <p:nvPr>
-            <p:ph type="body" orient="vert" idx="1"/>
-          </p:nvPr>
-        </p:nvSpPr>
-        <p:spPr>
-          <a:xfrm>
-            <a:off x="457200" y="274638"/>
-            <a:ext cx="6019800" cy="5851525"/>
-          </a:xfrm>
-        </p:spPr>
-        <p:txBody>
-          <a:bodyPr vert="eaVert"/>
-          <a:lstStyle/>
-          <a:p>
-            <a:pPr lvl="0"/>
-            <a:r>
-              <a:rPr lang="en-US" smtClean="0"/>
-              <a:t>Click to edit Master text styles</a:t>
-            </a:r>
-          </a:p>
-          <a:p>
-            <a:pPr lvl="1"/>
-            <a:r>
-              <a:rPr lang="en-US" smtClean="0"/>
-              <a:t>Second level</a:t>
-            </a:r>
-          </a:p>
-          <a:p>
-            <a:pPr lvl="2"/>
-            <a:r>
-              <a:rPr lang="en-US" smtClean="0"/>
-              <a:t>Third level</a:t>
-            </a:r>
-          </a:p>
-          <a:p>
-            <a:pPr lvl="3"/>
-            <a:r>
-              <a:rPr lang="en-US" smtClean="0"/>
-              <a:t>Fourth level</a:t>
-            </a:r>
-          </a:p>
-          <a:p>
-            <a:pPr lvl="4"/>
-            <a:r>
-              <a:rPr lang="en-US" smtClean="0"/>
-              <a:t>Fifth level</a:t>
-            </a:r>
-            <a:endParaRPr lang="en-US"/>
-          </a:p>
-        </p:txBody>
-      </p:sp>
-      <p:sp>
-        <p:nvSpPr>
-          <p:cNvPr id="4" name="Date Placeholder 3"/>
-          <p:cNvSpPr>
-            <a:spLocks noGrp="1"/>
-          </p:cNvSpPr>
-          <p:nvPr>
-            <p:ph type="dt" sz="half" idx="10"/>
-          </p:nvPr>
-        </p:nvSpPr>
-        <p:spPr/>
-        <p:txBody>
-          <a:bodyPr/>
-          <a:lstStyle/>
-          <a:p>
-            <a:fld id="{241EB5C9-1307-BA42-ABA2-0BC069CD8E7F}" type="datetimeFigureOut">
-              <a:rPr lang="en-US" smtClean="0"/>
-              <a:t>4/5/2019</a:t>
-            </a:fld>
-            <a:endParaRPr lang="en-US"/>
-          </a:p>
-        </p:txBody>
-      </p:sp>
-      <p:sp>
-        <p:nvSpPr>
-          <p:cNvPr id="5" name="Footer Placeholder 4"/>
-          <p:cNvSpPr>
-            <a:spLocks noGrp="1"/>
-          </p:cNvSpPr>
-          <p:nvPr>
-            <p:ph type="ftr" sz="quarter" idx="11"/>
-          </p:nvPr>
-        </p:nvSpPr>
-        <p:spPr/>
-        <p:txBody>
-          <a:bodyPr/>
-          <a:lstStyle/>
-          <a:p>
-            <a:endParaRPr lang="en-US"/>
-          </a:p>
-        </p:txBody>
-      </p:sp>
-      <p:sp>
-        <p:nvSpPr>
-          <p:cNvPr id="6" name="Slide Number Placeholder 5"/>
-          <p:cNvSpPr>
-            <a:spLocks noGrp="1"/>
-          </p:cNvSpPr>
-          <p:nvPr>
-            <p:ph type="sldNum" sz="quarter" idx="12"/>
-          </p:nvPr>
-        </p:nvSpPr>
-        <p:spPr/>
-        <p:txBody>
-          <a:bodyPr/>
-          <a:lstStyle/>
-          <a:p>
-            <a:fld id="{C5EF2332-01BF-834F-8236-50238282D533}" type="slidenum">
-              <a:rPr lang="en-US" smtClean="0"/>
-              <a:t>‹#›</a:t>
-            </a:fld>
-            <a:endParaRPr lang="en-US"/>
-          </a:p>
-        </p:txBody>
-      </p:sp>
-    </p:spTree>
-    <p:extLst>
-      <p:ext uri="{BB962C8B-B14F-4D97-AF65-F5344CB8AC3E}">
-        <p14:creationId xmlns:p14="http://schemas.microsoft.com/office/powerpoint/2010/main" val="2581529045"/>
-      </p:ext>
-    </p:extLst>
-  </p:cSld>
-  <p:clrMapOvr>
-    <a:masterClrMapping/>
-  </p:clrMapOvr>
-</p:sldLayout>
-</file>
-
 <file path=ppt/slideLayouts/slideLayout2.xml><?xml version="1.0" encoding="utf-8"?>
 <p:sldLayout xmlns:a="http://schemas.openxmlformats.org/drawingml/2006/main" xmlns:r="http://schemas.openxmlformats.org/officeDocument/2006/relationships" xmlns:p="http://schemas.openxmlformats.org/presentationml/2006/main" preserve="1" userDrawn="1">
   <p:cSld name="Content (Text &amp; Graph)">
@@ -1032,7 +682,7 @@
           <a:p>
             <a:fld id="{585AD263-A788-3145-8D38-AEBC1D444AEE}" type="datetime4">
               <a:rPr lang="en-US" smtClean="0"/>
-              <a:t>December 12, 2020</a:t>
+              <a:t>December 19, 2020</a:t>
             </a:fld>
             <a:endParaRPr lang="en-US" dirty="0"/>
           </a:p>
@@ -1322,7 +972,7 @@
           <a:p>
             <a:fld id="{B606C5D1-9323-1B45-8355-7D55EA8EE66A}" type="datetime4">
               <a:rPr lang="en-US" smtClean="0"/>
-              <a:t>December 12, 2020</a:t>
+              <a:t>December 19, 2020</a:t>
             </a:fld>
             <a:endParaRPr lang="en-US" dirty="0"/>
           </a:p>
@@ -1570,7 +1220,7 @@
           <a:p>
             <a:fld id="{A4108F21-3CFE-3045-9ABB-E1E1413BA1A1}" type="datetime4">
               <a:rPr lang="en-US" smtClean="0"/>
-              <a:t>December 12, 2020</a:t>
+              <a:t>December 19, 2020</a:t>
             </a:fld>
             <a:endParaRPr lang="en-US" dirty="0"/>
           </a:p>
@@ -1802,1171 +1452,6 @@
   </p:cSld>
   <p:clrMapOvr>
     <a:overrideClrMapping bg1="dk1" tx1="lt1" bg2="dk2" tx2="lt2" accent1="accent1" accent2="accent2" accent3="accent3" accent4="accent4" accent5="accent5" accent6="accent6" hlink="hlink" folHlink="folHlink"/>
-  </p:clrMapOvr>
-</p:sldLayout>
-</file>
-
-<file path=ppt/slideLayouts/slideLayout5.xml><?xml version="1.0" encoding="utf-8"?>
-<p:sldLayout xmlns:a="http://schemas.openxmlformats.org/drawingml/2006/main" xmlns:r="http://schemas.openxmlformats.org/officeDocument/2006/relationships" xmlns:p="http://schemas.openxmlformats.org/presentationml/2006/main" type="twoTxTwoObj" preserve="1">
-  <p:cSld name="Comparison">
-    <p:spTree>
-      <p:nvGrpSpPr>
-        <p:cNvPr id="1" name=""/>
-        <p:cNvGrpSpPr/>
-        <p:nvPr/>
-      </p:nvGrpSpPr>
-      <p:grpSpPr>
-        <a:xfrm>
-          <a:off x="0" y="0"/>
-          <a:ext cx="0" cy="0"/>
-          <a:chOff x="0" y="0"/>
-          <a:chExt cx="0" cy="0"/>
-        </a:xfrm>
-      </p:grpSpPr>
-      <p:sp>
-        <p:nvSpPr>
-          <p:cNvPr id="2" name="Title 1"/>
-          <p:cNvSpPr>
-            <a:spLocks noGrp="1"/>
-          </p:cNvSpPr>
-          <p:nvPr>
-            <p:ph type="title"/>
-          </p:nvPr>
-        </p:nvSpPr>
-        <p:spPr/>
-        <p:txBody>
-          <a:bodyPr/>
-          <a:lstStyle>
-            <a:lvl1pPr>
-              <a:defRPr/>
-            </a:lvl1pPr>
-          </a:lstStyle>
-          <a:p>
-            <a:r>
-              <a:rPr lang="en-US" smtClean="0"/>
-              <a:t>Click to edit Master title style</a:t>
-            </a:r>
-            <a:endParaRPr lang="en-US"/>
-          </a:p>
-        </p:txBody>
-      </p:sp>
-      <p:sp>
-        <p:nvSpPr>
-          <p:cNvPr id="3" name="Text Placeholder 2"/>
-          <p:cNvSpPr>
-            <a:spLocks noGrp="1"/>
-          </p:cNvSpPr>
-          <p:nvPr>
-            <p:ph type="body" idx="1"/>
-          </p:nvPr>
-        </p:nvSpPr>
-        <p:spPr>
-          <a:xfrm>
-            <a:off x="457200" y="1535113"/>
-            <a:ext cx="4040188" cy="639762"/>
-          </a:xfrm>
-        </p:spPr>
-        <p:txBody>
-          <a:bodyPr anchor="b"/>
-          <a:lstStyle>
-            <a:lvl1pPr marL="0" indent="0">
-              <a:buNone/>
-              <a:defRPr sz="2400" b="1"/>
-            </a:lvl1pPr>
-            <a:lvl2pPr marL="457200" indent="0">
-              <a:buNone/>
-              <a:defRPr sz="2000" b="1"/>
-            </a:lvl2pPr>
-            <a:lvl3pPr marL="914400" indent="0">
-              <a:buNone/>
-              <a:defRPr sz="1800" b="1"/>
-            </a:lvl3pPr>
-            <a:lvl4pPr marL="1371600" indent="0">
-              <a:buNone/>
-              <a:defRPr sz="1600" b="1"/>
-            </a:lvl4pPr>
-            <a:lvl5pPr marL="1828800" indent="0">
-              <a:buNone/>
-              <a:defRPr sz="1600" b="1"/>
-            </a:lvl5pPr>
-            <a:lvl6pPr marL="2286000" indent="0">
-              <a:buNone/>
-              <a:defRPr sz="1600" b="1"/>
-            </a:lvl6pPr>
-            <a:lvl7pPr marL="2743200" indent="0">
-              <a:buNone/>
-              <a:defRPr sz="1600" b="1"/>
-            </a:lvl7pPr>
-            <a:lvl8pPr marL="3200400" indent="0">
-              <a:buNone/>
-              <a:defRPr sz="1600" b="1"/>
-            </a:lvl8pPr>
-            <a:lvl9pPr marL="3657600" indent="0">
-              <a:buNone/>
-              <a:defRPr sz="1600" b="1"/>
-            </a:lvl9pPr>
-          </a:lstStyle>
-          <a:p>
-            <a:pPr lvl="0"/>
-            <a:r>
-              <a:rPr lang="en-US" smtClean="0"/>
-              <a:t>Click to edit Master text styles</a:t>
-            </a:r>
-          </a:p>
-        </p:txBody>
-      </p:sp>
-      <p:sp>
-        <p:nvSpPr>
-          <p:cNvPr id="4" name="Content Placeholder 3"/>
-          <p:cNvSpPr>
-            <a:spLocks noGrp="1"/>
-          </p:cNvSpPr>
-          <p:nvPr>
-            <p:ph sz="half" idx="2"/>
-          </p:nvPr>
-        </p:nvSpPr>
-        <p:spPr>
-          <a:xfrm>
-            <a:off x="457200" y="2174875"/>
-            <a:ext cx="4040188" cy="3951288"/>
-          </a:xfrm>
-        </p:spPr>
-        <p:txBody>
-          <a:bodyPr/>
-          <a:lstStyle>
-            <a:lvl1pPr>
-              <a:defRPr sz="2400"/>
-            </a:lvl1pPr>
-            <a:lvl2pPr>
-              <a:defRPr sz="2000"/>
-            </a:lvl2pPr>
-            <a:lvl3pPr>
-              <a:defRPr sz="1800"/>
-            </a:lvl3pPr>
-            <a:lvl4pPr>
-              <a:defRPr sz="1600"/>
-            </a:lvl4pPr>
-            <a:lvl5pPr>
-              <a:defRPr sz="1600"/>
-            </a:lvl5pPr>
-            <a:lvl6pPr>
-              <a:defRPr sz="1600"/>
-            </a:lvl6pPr>
-            <a:lvl7pPr>
-              <a:defRPr sz="1600"/>
-            </a:lvl7pPr>
-            <a:lvl8pPr>
-              <a:defRPr sz="1600"/>
-            </a:lvl8pPr>
-            <a:lvl9pPr>
-              <a:defRPr sz="1600"/>
-            </a:lvl9pPr>
-          </a:lstStyle>
-          <a:p>
-            <a:pPr lvl="0"/>
-            <a:r>
-              <a:rPr lang="en-US" smtClean="0"/>
-              <a:t>Click to edit Master text styles</a:t>
-            </a:r>
-          </a:p>
-          <a:p>
-            <a:pPr lvl="1"/>
-            <a:r>
-              <a:rPr lang="en-US" smtClean="0"/>
-              <a:t>Second level</a:t>
-            </a:r>
-          </a:p>
-          <a:p>
-            <a:pPr lvl="2"/>
-            <a:r>
-              <a:rPr lang="en-US" smtClean="0"/>
-              <a:t>Third level</a:t>
-            </a:r>
-          </a:p>
-          <a:p>
-            <a:pPr lvl="3"/>
-            <a:r>
-              <a:rPr lang="en-US" smtClean="0"/>
-              <a:t>Fourth level</a:t>
-            </a:r>
-          </a:p>
-          <a:p>
-            <a:pPr lvl="4"/>
-            <a:r>
-              <a:rPr lang="en-US" smtClean="0"/>
-              <a:t>Fifth level</a:t>
-            </a:r>
-            <a:endParaRPr lang="en-US"/>
-          </a:p>
-        </p:txBody>
-      </p:sp>
-      <p:sp>
-        <p:nvSpPr>
-          <p:cNvPr id="5" name="Text Placeholder 4"/>
-          <p:cNvSpPr>
-            <a:spLocks noGrp="1"/>
-          </p:cNvSpPr>
-          <p:nvPr>
-            <p:ph type="body" sz="quarter" idx="3"/>
-          </p:nvPr>
-        </p:nvSpPr>
-        <p:spPr>
-          <a:xfrm>
-            <a:off x="4645025" y="1535113"/>
-            <a:ext cx="4041775" cy="639762"/>
-          </a:xfrm>
-        </p:spPr>
-        <p:txBody>
-          <a:bodyPr anchor="b"/>
-          <a:lstStyle>
-            <a:lvl1pPr marL="0" indent="0">
-              <a:buNone/>
-              <a:defRPr sz="2400" b="1"/>
-            </a:lvl1pPr>
-            <a:lvl2pPr marL="457200" indent="0">
-              <a:buNone/>
-              <a:defRPr sz="2000" b="1"/>
-            </a:lvl2pPr>
-            <a:lvl3pPr marL="914400" indent="0">
-              <a:buNone/>
-              <a:defRPr sz="1800" b="1"/>
-            </a:lvl3pPr>
-            <a:lvl4pPr marL="1371600" indent="0">
-              <a:buNone/>
-              <a:defRPr sz="1600" b="1"/>
-            </a:lvl4pPr>
-            <a:lvl5pPr marL="1828800" indent="0">
-              <a:buNone/>
-              <a:defRPr sz="1600" b="1"/>
-            </a:lvl5pPr>
-            <a:lvl6pPr marL="2286000" indent="0">
-              <a:buNone/>
-              <a:defRPr sz="1600" b="1"/>
-            </a:lvl6pPr>
-            <a:lvl7pPr marL="2743200" indent="0">
-              <a:buNone/>
-              <a:defRPr sz="1600" b="1"/>
-            </a:lvl7pPr>
-            <a:lvl8pPr marL="3200400" indent="0">
-              <a:buNone/>
-              <a:defRPr sz="1600" b="1"/>
-            </a:lvl8pPr>
-            <a:lvl9pPr marL="3657600" indent="0">
-              <a:buNone/>
-              <a:defRPr sz="1600" b="1"/>
-            </a:lvl9pPr>
-          </a:lstStyle>
-          <a:p>
-            <a:pPr lvl="0"/>
-            <a:r>
-              <a:rPr lang="en-US" smtClean="0"/>
-              <a:t>Click to edit Master text styles</a:t>
-            </a:r>
-          </a:p>
-        </p:txBody>
-      </p:sp>
-      <p:sp>
-        <p:nvSpPr>
-          <p:cNvPr id="6" name="Content Placeholder 5"/>
-          <p:cNvSpPr>
-            <a:spLocks noGrp="1"/>
-          </p:cNvSpPr>
-          <p:nvPr>
-            <p:ph sz="quarter" idx="4"/>
-          </p:nvPr>
-        </p:nvSpPr>
-        <p:spPr>
-          <a:xfrm>
-            <a:off x="4645025" y="2174875"/>
-            <a:ext cx="4041775" cy="3951288"/>
-          </a:xfrm>
-        </p:spPr>
-        <p:txBody>
-          <a:bodyPr/>
-          <a:lstStyle>
-            <a:lvl1pPr>
-              <a:defRPr sz="2400"/>
-            </a:lvl1pPr>
-            <a:lvl2pPr>
-              <a:defRPr sz="2000"/>
-            </a:lvl2pPr>
-            <a:lvl3pPr>
-              <a:defRPr sz="1800"/>
-            </a:lvl3pPr>
-            <a:lvl4pPr>
-              <a:defRPr sz="1600"/>
-            </a:lvl4pPr>
-            <a:lvl5pPr>
-              <a:defRPr sz="1600"/>
-            </a:lvl5pPr>
-            <a:lvl6pPr>
-              <a:defRPr sz="1600"/>
-            </a:lvl6pPr>
-            <a:lvl7pPr>
-              <a:defRPr sz="1600"/>
-            </a:lvl7pPr>
-            <a:lvl8pPr>
-              <a:defRPr sz="1600"/>
-            </a:lvl8pPr>
-            <a:lvl9pPr>
-              <a:defRPr sz="1600"/>
-            </a:lvl9pPr>
-          </a:lstStyle>
-          <a:p>
-            <a:pPr lvl="0"/>
-            <a:r>
-              <a:rPr lang="en-US" smtClean="0"/>
-              <a:t>Click to edit Master text styles</a:t>
-            </a:r>
-          </a:p>
-          <a:p>
-            <a:pPr lvl="1"/>
-            <a:r>
-              <a:rPr lang="en-US" smtClean="0"/>
-              <a:t>Second level</a:t>
-            </a:r>
-          </a:p>
-          <a:p>
-            <a:pPr lvl="2"/>
-            <a:r>
-              <a:rPr lang="en-US" smtClean="0"/>
-              <a:t>Third level</a:t>
-            </a:r>
-          </a:p>
-          <a:p>
-            <a:pPr lvl="3"/>
-            <a:r>
-              <a:rPr lang="en-US" smtClean="0"/>
-              <a:t>Fourth level</a:t>
-            </a:r>
-          </a:p>
-          <a:p>
-            <a:pPr lvl="4"/>
-            <a:r>
-              <a:rPr lang="en-US" smtClean="0"/>
-              <a:t>Fifth level</a:t>
-            </a:r>
-            <a:endParaRPr lang="en-US"/>
-          </a:p>
-        </p:txBody>
-      </p:sp>
-      <p:sp>
-        <p:nvSpPr>
-          <p:cNvPr id="7" name="Date Placeholder 6"/>
-          <p:cNvSpPr>
-            <a:spLocks noGrp="1"/>
-          </p:cNvSpPr>
-          <p:nvPr>
-            <p:ph type="dt" sz="half" idx="10"/>
-          </p:nvPr>
-        </p:nvSpPr>
-        <p:spPr/>
-        <p:txBody>
-          <a:bodyPr/>
-          <a:lstStyle/>
-          <a:p>
-            <a:fld id="{241EB5C9-1307-BA42-ABA2-0BC069CD8E7F}" type="datetimeFigureOut">
-              <a:rPr lang="en-US" smtClean="0"/>
-              <a:t>4/5/2019</a:t>
-            </a:fld>
-            <a:endParaRPr lang="en-US"/>
-          </a:p>
-        </p:txBody>
-      </p:sp>
-      <p:sp>
-        <p:nvSpPr>
-          <p:cNvPr id="8" name="Footer Placeholder 7"/>
-          <p:cNvSpPr>
-            <a:spLocks noGrp="1"/>
-          </p:cNvSpPr>
-          <p:nvPr>
-            <p:ph type="ftr" sz="quarter" idx="11"/>
-          </p:nvPr>
-        </p:nvSpPr>
-        <p:spPr/>
-        <p:txBody>
-          <a:bodyPr/>
-          <a:lstStyle/>
-          <a:p>
-            <a:endParaRPr lang="en-US"/>
-          </a:p>
-        </p:txBody>
-      </p:sp>
-      <p:sp>
-        <p:nvSpPr>
-          <p:cNvPr id="9" name="Slide Number Placeholder 8"/>
-          <p:cNvSpPr>
-            <a:spLocks noGrp="1"/>
-          </p:cNvSpPr>
-          <p:nvPr>
-            <p:ph type="sldNum" sz="quarter" idx="12"/>
-          </p:nvPr>
-        </p:nvSpPr>
-        <p:spPr/>
-        <p:txBody>
-          <a:bodyPr/>
-          <a:lstStyle/>
-          <a:p>
-            <a:fld id="{C5EF2332-01BF-834F-8236-50238282D533}" type="slidenum">
-              <a:rPr lang="en-US" smtClean="0"/>
-              <a:t>‹#›</a:t>
-            </a:fld>
-            <a:endParaRPr lang="en-US"/>
-          </a:p>
-        </p:txBody>
-      </p:sp>
-    </p:spTree>
-    <p:extLst>
-      <p:ext uri="{BB962C8B-B14F-4D97-AF65-F5344CB8AC3E}">
-        <p14:creationId xmlns:p14="http://schemas.microsoft.com/office/powerpoint/2010/main" val="2535793967"/>
-      </p:ext>
-    </p:extLst>
-  </p:cSld>
-  <p:clrMapOvr>
-    <a:masterClrMapping/>
-  </p:clrMapOvr>
-</p:sldLayout>
-</file>
-
-<file path=ppt/slideLayouts/slideLayout6.xml><?xml version="1.0" encoding="utf-8"?>
-<p:sldLayout xmlns:a="http://schemas.openxmlformats.org/drawingml/2006/main" xmlns:r="http://schemas.openxmlformats.org/officeDocument/2006/relationships" xmlns:p="http://schemas.openxmlformats.org/presentationml/2006/main" type="titleOnly" preserve="1">
-  <p:cSld name="Title Only">
-    <p:spTree>
-      <p:nvGrpSpPr>
-        <p:cNvPr id="1" name=""/>
-        <p:cNvGrpSpPr/>
-        <p:nvPr/>
-      </p:nvGrpSpPr>
-      <p:grpSpPr>
-        <a:xfrm>
-          <a:off x="0" y="0"/>
-          <a:ext cx="0" cy="0"/>
-          <a:chOff x="0" y="0"/>
-          <a:chExt cx="0" cy="0"/>
-        </a:xfrm>
-      </p:grpSpPr>
-      <p:sp>
-        <p:nvSpPr>
-          <p:cNvPr id="2" name="Title 1"/>
-          <p:cNvSpPr>
-            <a:spLocks noGrp="1"/>
-          </p:cNvSpPr>
-          <p:nvPr>
-            <p:ph type="title"/>
-          </p:nvPr>
-        </p:nvSpPr>
-        <p:spPr/>
-        <p:txBody>
-          <a:bodyPr/>
-          <a:lstStyle/>
-          <a:p>
-            <a:r>
-              <a:rPr lang="en-US" smtClean="0"/>
-              <a:t>Click to edit Master title style</a:t>
-            </a:r>
-            <a:endParaRPr lang="en-US"/>
-          </a:p>
-        </p:txBody>
-      </p:sp>
-      <p:sp>
-        <p:nvSpPr>
-          <p:cNvPr id="3" name="Date Placeholder 2"/>
-          <p:cNvSpPr>
-            <a:spLocks noGrp="1"/>
-          </p:cNvSpPr>
-          <p:nvPr>
-            <p:ph type="dt" sz="half" idx="10"/>
-          </p:nvPr>
-        </p:nvSpPr>
-        <p:spPr/>
-        <p:txBody>
-          <a:bodyPr/>
-          <a:lstStyle/>
-          <a:p>
-            <a:fld id="{241EB5C9-1307-BA42-ABA2-0BC069CD8E7F}" type="datetimeFigureOut">
-              <a:rPr lang="en-US" smtClean="0"/>
-              <a:t>4/5/2019</a:t>
-            </a:fld>
-            <a:endParaRPr lang="en-US"/>
-          </a:p>
-        </p:txBody>
-      </p:sp>
-      <p:sp>
-        <p:nvSpPr>
-          <p:cNvPr id="4" name="Footer Placeholder 3"/>
-          <p:cNvSpPr>
-            <a:spLocks noGrp="1"/>
-          </p:cNvSpPr>
-          <p:nvPr>
-            <p:ph type="ftr" sz="quarter" idx="11"/>
-          </p:nvPr>
-        </p:nvSpPr>
-        <p:spPr/>
-        <p:txBody>
-          <a:bodyPr/>
-          <a:lstStyle/>
-          <a:p>
-            <a:endParaRPr lang="en-US"/>
-          </a:p>
-        </p:txBody>
-      </p:sp>
-      <p:sp>
-        <p:nvSpPr>
-          <p:cNvPr id="5" name="Slide Number Placeholder 4"/>
-          <p:cNvSpPr>
-            <a:spLocks noGrp="1"/>
-          </p:cNvSpPr>
-          <p:nvPr>
-            <p:ph type="sldNum" sz="quarter" idx="12"/>
-          </p:nvPr>
-        </p:nvSpPr>
-        <p:spPr/>
-        <p:txBody>
-          <a:bodyPr/>
-          <a:lstStyle/>
-          <a:p>
-            <a:fld id="{C5EF2332-01BF-834F-8236-50238282D533}" type="slidenum">
-              <a:rPr lang="en-US" smtClean="0"/>
-              <a:t>‹#›</a:t>
-            </a:fld>
-            <a:endParaRPr lang="en-US"/>
-          </a:p>
-        </p:txBody>
-      </p:sp>
-    </p:spTree>
-    <p:extLst>
-      <p:ext uri="{BB962C8B-B14F-4D97-AF65-F5344CB8AC3E}">
-        <p14:creationId xmlns:p14="http://schemas.microsoft.com/office/powerpoint/2010/main" val="3472721253"/>
-      </p:ext>
-    </p:extLst>
-  </p:cSld>
-  <p:clrMapOvr>
-    <a:masterClrMapping/>
-  </p:clrMapOvr>
-</p:sldLayout>
-</file>
-
-<file path=ppt/slideLayouts/slideLayout7.xml><?xml version="1.0" encoding="utf-8"?>
-<p:sldLayout xmlns:a="http://schemas.openxmlformats.org/drawingml/2006/main" xmlns:r="http://schemas.openxmlformats.org/officeDocument/2006/relationships" xmlns:p="http://schemas.openxmlformats.org/presentationml/2006/main" type="blank" preserve="1">
-  <p:cSld name="Blank">
-    <p:spTree>
-      <p:nvGrpSpPr>
-        <p:cNvPr id="1" name=""/>
-        <p:cNvGrpSpPr/>
-        <p:nvPr/>
-      </p:nvGrpSpPr>
-      <p:grpSpPr>
-        <a:xfrm>
-          <a:off x="0" y="0"/>
-          <a:ext cx="0" cy="0"/>
-          <a:chOff x="0" y="0"/>
-          <a:chExt cx="0" cy="0"/>
-        </a:xfrm>
-      </p:grpSpPr>
-      <p:sp>
-        <p:nvSpPr>
-          <p:cNvPr id="2" name="Date Placeholder 1"/>
-          <p:cNvSpPr>
-            <a:spLocks noGrp="1"/>
-          </p:cNvSpPr>
-          <p:nvPr>
-            <p:ph type="dt" sz="half" idx="10"/>
-          </p:nvPr>
-        </p:nvSpPr>
-        <p:spPr/>
-        <p:txBody>
-          <a:bodyPr/>
-          <a:lstStyle/>
-          <a:p>
-            <a:fld id="{241EB5C9-1307-BA42-ABA2-0BC069CD8E7F}" type="datetimeFigureOut">
-              <a:rPr lang="en-US" smtClean="0"/>
-              <a:t>4/5/2019</a:t>
-            </a:fld>
-            <a:endParaRPr lang="en-US"/>
-          </a:p>
-        </p:txBody>
-      </p:sp>
-      <p:sp>
-        <p:nvSpPr>
-          <p:cNvPr id="3" name="Footer Placeholder 2"/>
-          <p:cNvSpPr>
-            <a:spLocks noGrp="1"/>
-          </p:cNvSpPr>
-          <p:nvPr>
-            <p:ph type="ftr" sz="quarter" idx="11"/>
-          </p:nvPr>
-        </p:nvSpPr>
-        <p:spPr/>
-        <p:txBody>
-          <a:bodyPr/>
-          <a:lstStyle/>
-          <a:p>
-            <a:endParaRPr lang="en-US"/>
-          </a:p>
-        </p:txBody>
-      </p:sp>
-      <p:sp>
-        <p:nvSpPr>
-          <p:cNvPr id="4" name="Slide Number Placeholder 3"/>
-          <p:cNvSpPr>
-            <a:spLocks noGrp="1"/>
-          </p:cNvSpPr>
-          <p:nvPr>
-            <p:ph type="sldNum" sz="quarter" idx="12"/>
-          </p:nvPr>
-        </p:nvSpPr>
-        <p:spPr/>
-        <p:txBody>
-          <a:bodyPr/>
-          <a:lstStyle/>
-          <a:p>
-            <a:fld id="{C5EF2332-01BF-834F-8236-50238282D533}" type="slidenum">
-              <a:rPr lang="en-US" smtClean="0"/>
-              <a:t>‹#›</a:t>
-            </a:fld>
-            <a:endParaRPr lang="en-US"/>
-          </a:p>
-        </p:txBody>
-      </p:sp>
-    </p:spTree>
-    <p:extLst>
-      <p:ext uri="{BB962C8B-B14F-4D97-AF65-F5344CB8AC3E}">
-        <p14:creationId xmlns:p14="http://schemas.microsoft.com/office/powerpoint/2010/main" val="2130901097"/>
-      </p:ext>
-    </p:extLst>
-  </p:cSld>
-  <p:clrMapOvr>
-    <a:masterClrMapping/>
-  </p:clrMapOvr>
-</p:sldLayout>
-</file>
-
-<file path=ppt/slideLayouts/slideLayout8.xml><?xml version="1.0" encoding="utf-8"?>
-<p:sldLayout xmlns:a="http://schemas.openxmlformats.org/drawingml/2006/main" xmlns:r="http://schemas.openxmlformats.org/officeDocument/2006/relationships" xmlns:p="http://schemas.openxmlformats.org/presentationml/2006/main" type="objTx" preserve="1">
-  <p:cSld name="Content with Caption">
-    <p:spTree>
-      <p:nvGrpSpPr>
-        <p:cNvPr id="1" name=""/>
-        <p:cNvGrpSpPr/>
-        <p:nvPr/>
-      </p:nvGrpSpPr>
-      <p:grpSpPr>
-        <a:xfrm>
-          <a:off x="0" y="0"/>
-          <a:ext cx="0" cy="0"/>
-          <a:chOff x="0" y="0"/>
-          <a:chExt cx="0" cy="0"/>
-        </a:xfrm>
-      </p:grpSpPr>
-      <p:sp>
-        <p:nvSpPr>
-          <p:cNvPr id="2" name="Title 1"/>
-          <p:cNvSpPr>
-            <a:spLocks noGrp="1"/>
-          </p:cNvSpPr>
-          <p:nvPr>
-            <p:ph type="title"/>
-          </p:nvPr>
-        </p:nvSpPr>
-        <p:spPr>
-          <a:xfrm>
-            <a:off x="457200" y="273050"/>
-            <a:ext cx="3008313" cy="1162050"/>
-          </a:xfrm>
-        </p:spPr>
-        <p:txBody>
-          <a:bodyPr anchor="b"/>
-          <a:lstStyle>
-            <a:lvl1pPr algn="l">
-              <a:defRPr sz="2000" b="1"/>
-            </a:lvl1pPr>
-          </a:lstStyle>
-          <a:p>
-            <a:r>
-              <a:rPr lang="en-US" smtClean="0"/>
-              <a:t>Click to edit Master title style</a:t>
-            </a:r>
-            <a:endParaRPr lang="en-US"/>
-          </a:p>
-        </p:txBody>
-      </p:sp>
-      <p:sp>
-        <p:nvSpPr>
-          <p:cNvPr id="3" name="Content Placeholder 2"/>
-          <p:cNvSpPr>
-            <a:spLocks noGrp="1"/>
-          </p:cNvSpPr>
-          <p:nvPr>
-            <p:ph idx="1"/>
-          </p:nvPr>
-        </p:nvSpPr>
-        <p:spPr>
-          <a:xfrm>
-            <a:off x="3575050" y="273050"/>
-            <a:ext cx="5111750" cy="5853113"/>
-          </a:xfrm>
-        </p:spPr>
-        <p:txBody>
-          <a:bodyPr/>
-          <a:lstStyle>
-            <a:lvl1pPr>
-              <a:defRPr sz="3200"/>
-            </a:lvl1pPr>
-            <a:lvl2pPr>
-              <a:defRPr sz="2800"/>
-            </a:lvl2pPr>
-            <a:lvl3pPr>
-              <a:defRPr sz="2400"/>
-            </a:lvl3pPr>
-            <a:lvl4pPr>
-              <a:defRPr sz="2000"/>
-            </a:lvl4pPr>
-            <a:lvl5pPr>
-              <a:defRPr sz="2000"/>
-            </a:lvl5pPr>
-            <a:lvl6pPr>
-              <a:defRPr sz="2000"/>
-            </a:lvl6pPr>
-            <a:lvl7pPr>
-              <a:defRPr sz="2000"/>
-            </a:lvl7pPr>
-            <a:lvl8pPr>
-              <a:defRPr sz="2000"/>
-            </a:lvl8pPr>
-            <a:lvl9pPr>
-              <a:defRPr sz="2000"/>
-            </a:lvl9pPr>
-          </a:lstStyle>
-          <a:p>
-            <a:pPr lvl="0"/>
-            <a:r>
-              <a:rPr lang="en-US" smtClean="0"/>
-              <a:t>Click to edit Master text styles</a:t>
-            </a:r>
-          </a:p>
-          <a:p>
-            <a:pPr lvl="1"/>
-            <a:r>
-              <a:rPr lang="en-US" smtClean="0"/>
-              <a:t>Second level</a:t>
-            </a:r>
-          </a:p>
-          <a:p>
-            <a:pPr lvl="2"/>
-            <a:r>
-              <a:rPr lang="en-US" smtClean="0"/>
-              <a:t>Third level</a:t>
-            </a:r>
-          </a:p>
-          <a:p>
-            <a:pPr lvl="3"/>
-            <a:r>
-              <a:rPr lang="en-US" smtClean="0"/>
-              <a:t>Fourth level</a:t>
-            </a:r>
-          </a:p>
-          <a:p>
-            <a:pPr lvl="4"/>
-            <a:r>
-              <a:rPr lang="en-US" smtClean="0"/>
-              <a:t>Fifth level</a:t>
-            </a:r>
-            <a:endParaRPr lang="en-US"/>
-          </a:p>
-        </p:txBody>
-      </p:sp>
-      <p:sp>
-        <p:nvSpPr>
-          <p:cNvPr id="4" name="Text Placeholder 3"/>
-          <p:cNvSpPr>
-            <a:spLocks noGrp="1"/>
-          </p:cNvSpPr>
-          <p:nvPr>
-            <p:ph type="body" sz="half" idx="2"/>
-          </p:nvPr>
-        </p:nvSpPr>
-        <p:spPr>
-          <a:xfrm>
-            <a:off x="457200" y="1435100"/>
-            <a:ext cx="3008313" cy="4691063"/>
-          </a:xfrm>
-        </p:spPr>
-        <p:txBody>
-          <a:bodyPr/>
-          <a:lstStyle>
-            <a:lvl1pPr marL="0" indent="0">
-              <a:buNone/>
-              <a:defRPr sz="1400"/>
-            </a:lvl1pPr>
-            <a:lvl2pPr marL="457200" indent="0">
-              <a:buNone/>
-              <a:defRPr sz="1200"/>
-            </a:lvl2pPr>
-            <a:lvl3pPr marL="914400" indent="0">
-              <a:buNone/>
-              <a:defRPr sz="1000"/>
-            </a:lvl3pPr>
-            <a:lvl4pPr marL="1371600" indent="0">
-              <a:buNone/>
-              <a:defRPr sz="900"/>
-            </a:lvl4pPr>
-            <a:lvl5pPr marL="1828800" indent="0">
-              <a:buNone/>
-              <a:defRPr sz="900"/>
-            </a:lvl5pPr>
-            <a:lvl6pPr marL="2286000" indent="0">
-              <a:buNone/>
-              <a:defRPr sz="900"/>
-            </a:lvl6pPr>
-            <a:lvl7pPr marL="2743200" indent="0">
-              <a:buNone/>
-              <a:defRPr sz="900"/>
-            </a:lvl7pPr>
-            <a:lvl8pPr marL="3200400" indent="0">
-              <a:buNone/>
-              <a:defRPr sz="900"/>
-            </a:lvl8pPr>
-            <a:lvl9pPr marL="3657600" indent="0">
-              <a:buNone/>
-              <a:defRPr sz="900"/>
-            </a:lvl9pPr>
-          </a:lstStyle>
-          <a:p>
-            <a:pPr lvl="0"/>
-            <a:r>
-              <a:rPr lang="en-US" smtClean="0"/>
-              <a:t>Click to edit Master text styles</a:t>
-            </a:r>
-          </a:p>
-        </p:txBody>
-      </p:sp>
-      <p:sp>
-        <p:nvSpPr>
-          <p:cNvPr id="5" name="Date Placeholder 4"/>
-          <p:cNvSpPr>
-            <a:spLocks noGrp="1"/>
-          </p:cNvSpPr>
-          <p:nvPr>
-            <p:ph type="dt" sz="half" idx="10"/>
-          </p:nvPr>
-        </p:nvSpPr>
-        <p:spPr/>
-        <p:txBody>
-          <a:bodyPr/>
-          <a:lstStyle/>
-          <a:p>
-            <a:fld id="{241EB5C9-1307-BA42-ABA2-0BC069CD8E7F}" type="datetimeFigureOut">
-              <a:rPr lang="en-US" smtClean="0"/>
-              <a:t>4/5/2019</a:t>
-            </a:fld>
-            <a:endParaRPr lang="en-US"/>
-          </a:p>
-        </p:txBody>
-      </p:sp>
-      <p:sp>
-        <p:nvSpPr>
-          <p:cNvPr id="6" name="Footer Placeholder 5"/>
-          <p:cNvSpPr>
-            <a:spLocks noGrp="1"/>
-          </p:cNvSpPr>
-          <p:nvPr>
-            <p:ph type="ftr" sz="quarter" idx="11"/>
-          </p:nvPr>
-        </p:nvSpPr>
-        <p:spPr/>
-        <p:txBody>
-          <a:bodyPr/>
-          <a:lstStyle/>
-          <a:p>
-            <a:endParaRPr lang="en-US"/>
-          </a:p>
-        </p:txBody>
-      </p:sp>
-      <p:sp>
-        <p:nvSpPr>
-          <p:cNvPr id="7" name="Slide Number Placeholder 6"/>
-          <p:cNvSpPr>
-            <a:spLocks noGrp="1"/>
-          </p:cNvSpPr>
-          <p:nvPr>
-            <p:ph type="sldNum" sz="quarter" idx="12"/>
-          </p:nvPr>
-        </p:nvSpPr>
-        <p:spPr/>
-        <p:txBody>
-          <a:bodyPr/>
-          <a:lstStyle/>
-          <a:p>
-            <a:fld id="{C5EF2332-01BF-834F-8236-50238282D533}" type="slidenum">
-              <a:rPr lang="en-US" smtClean="0"/>
-              <a:t>‹#›</a:t>
-            </a:fld>
-            <a:endParaRPr lang="en-US"/>
-          </a:p>
-        </p:txBody>
-      </p:sp>
-    </p:spTree>
-    <p:extLst>
-      <p:ext uri="{BB962C8B-B14F-4D97-AF65-F5344CB8AC3E}">
-        <p14:creationId xmlns:p14="http://schemas.microsoft.com/office/powerpoint/2010/main" val="3540895647"/>
-      </p:ext>
-    </p:extLst>
-  </p:cSld>
-  <p:clrMapOvr>
-    <a:masterClrMapping/>
-  </p:clrMapOvr>
-</p:sldLayout>
-</file>
-
-<file path=ppt/slideLayouts/slideLayout9.xml><?xml version="1.0" encoding="utf-8"?>
-<p:sldLayout xmlns:a="http://schemas.openxmlformats.org/drawingml/2006/main" xmlns:r="http://schemas.openxmlformats.org/officeDocument/2006/relationships" xmlns:p="http://schemas.openxmlformats.org/presentationml/2006/main" type="picTx" preserve="1">
-  <p:cSld name="Picture with Caption">
-    <p:spTree>
-      <p:nvGrpSpPr>
-        <p:cNvPr id="1" name=""/>
-        <p:cNvGrpSpPr/>
-        <p:nvPr/>
-      </p:nvGrpSpPr>
-      <p:grpSpPr>
-        <a:xfrm>
-          <a:off x="0" y="0"/>
-          <a:ext cx="0" cy="0"/>
-          <a:chOff x="0" y="0"/>
-          <a:chExt cx="0" cy="0"/>
-        </a:xfrm>
-      </p:grpSpPr>
-      <p:sp>
-        <p:nvSpPr>
-          <p:cNvPr id="2" name="Title 1"/>
-          <p:cNvSpPr>
-            <a:spLocks noGrp="1"/>
-          </p:cNvSpPr>
-          <p:nvPr>
-            <p:ph type="title"/>
-          </p:nvPr>
-        </p:nvSpPr>
-        <p:spPr>
-          <a:xfrm>
-            <a:off x="1792288" y="4800600"/>
-            <a:ext cx="5486400" cy="566738"/>
-          </a:xfrm>
-        </p:spPr>
-        <p:txBody>
-          <a:bodyPr anchor="b"/>
-          <a:lstStyle>
-            <a:lvl1pPr algn="l">
-              <a:defRPr sz="2000" b="1"/>
-            </a:lvl1pPr>
-          </a:lstStyle>
-          <a:p>
-            <a:r>
-              <a:rPr lang="en-US" smtClean="0"/>
-              <a:t>Click to edit Master title style</a:t>
-            </a:r>
-            <a:endParaRPr lang="en-US"/>
-          </a:p>
-        </p:txBody>
-      </p:sp>
-      <p:sp>
-        <p:nvSpPr>
-          <p:cNvPr id="3" name="Picture Placeholder 2"/>
-          <p:cNvSpPr>
-            <a:spLocks noGrp="1"/>
-          </p:cNvSpPr>
-          <p:nvPr>
-            <p:ph type="pic" idx="1"/>
-          </p:nvPr>
-        </p:nvSpPr>
-        <p:spPr>
-          <a:xfrm>
-            <a:off x="1792288" y="612775"/>
-            <a:ext cx="5486400" cy="4114800"/>
-          </a:xfrm>
-        </p:spPr>
-        <p:txBody>
-          <a:bodyPr/>
-          <a:lstStyle>
-            <a:lvl1pPr marL="0" indent="0">
-              <a:buNone/>
-              <a:defRPr sz="3200"/>
-            </a:lvl1pPr>
-            <a:lvl2pPr marL="457200" indent="0">
-              <a:buNone/>
-              <a:defRPr sz="2800"/>
-            </a:lvl2pPr>
-            <a:lvl3pPr marL="914400" indent="0">
-              <a:buNone/>
-              <a:defRPr sz="2400"/>
-            </a:lvl3pPr>
-            <a:lvl4pPr marL="1371600" indent="0">
-              <a:buNone/>
-              <a:defRPr sz="2000"/>
-            </a:lvl4pPr>
-            <a:lvl5pPr marL="1828800" indent="0">
-              <a:buNone/>
-              <a:defRPr sz="2000"/>
-            </a:lvl5pPr>
-            <a:lvl6pPr marL="2286000" indent="0">
-              <a:buNone/>
-              <a:defRPr sz="2000"/>
-            </a:lvl6pPr>
-            <a:lvl7pPr marL="2743200" indent="0">
-              <a:buNone/>
-              <a:defRPr sz="2000"/>
-            </a:lvl7pPr>
-            <a:lvl8pPr marL="3200400" indent="0">
-              <a:buNone/>
-              <a:defRPr sz="2000"/>
-            </a:lvl8pPr>
-            <a:lvl9pPr marL="3657600" indent="0">
-              <a:buNone/>
-              <a:defRPr sz="2000"/>
-            </a:lvl9pPr>
-          </a:lstStyle>
-          <a:p>
-            <a:endParaRPr lang="en-US"/>
-          </a:p>
-        </p:txBody>
-      </p:sp>
-      <p:sp>
-        <p:nvSpPr>
-          <p:cNvPr id="4" name="Text Placeholder 3"/>
-          <p:cNvSpPr>
-            <a:spLocks noGrp="1"/>
-          </p:cNvSpPr>
-          <p:nvPr>
-            <p:ph type="body" sz="half" idx="2"/>
-          </p:nvPr>
-        </p:nvSpPr>
-        <p:spPr>
-          <a:xfrm>
-            <a:off x="1792288" y="5367338"/>
-            <a:ext cx="5486400" cy="804862"/>
-          </a:xfrm>
-        </p:spPr>
-        <p:txBody>
-          <a:bodyPr/>
-          <a:lstStyle>
-            <a:lvl1pPr marL="0" indent="0">
-              <a:buNone/>
-              <a:defRPr sz="1400"/>
-            </a:lvl1pPr>
-            <a:lvl2pPr marL="457200" indent="0">
-              <a:buNone/>
-              <a:defRPr sz="1200"/>
-            </a:lvl2pPr>
-            <a:lvl3pPr marL="914400" indent="0">
-              <a:buNone/>
-              <a:defRPr sz="1000"/>
-            </a:lvl3pPr>
-            <a:lvl4pPr marL="1371600" indent="0">
-              <a:buNone/>
-              <a:defRPr sz="900"/>
-            </a:lvl4pPr>
-            <a:lvl5pPr marL="1828800" indent="0">
-              <a:buNone/>
-              <a:defRPr sz="900"/>
-            </a:lvl5pPr>
-            <a:lvl6pPr marL="2286000" indent="0">
-              <a:buNone/>
-              <a:defRPr sz="900"/>
-            </a:lvl6pPr>
-            <a:lvl7pPr marL="2743200" indent="0">
-              <a:buNone/>
-              <a:defRPr sz="900"/>
-            </a:lvl7pPr>
-            <a:lvl8pPr marL="3200400" indent="0">
-              <a:buNone/>
-              <a:defRPr sz="900"/>
-            </a:lvl8pPr>
-            <a:lvl9pPr marL="3657600" indent="0">
-              <a:buNone/>
-              <a:defRPr sz="900"/>
-            </a:lvl9pPr>
-          </a:lstStyle>
-          <a:p>
-            <a:pPr lvl="0"/>
-            <a:r>
-              <a:rPr lang="en-US" smtClean="0"/>
-              <a:t>Click to edit Master text styles</a:t>
-            </a:r>
-          </a:p>
-        </p:txBody>
-      </p:sp>
-      <p:sp>
-        <p:nvSpPr>
-          <p:cNvPr id="5" name="Date Placeholder 4"/>
-          <p:cNvSpPr>
-            <a:spLocks noGrp="1"/>
-          </p:cNvSpPr>
-          <p:nvPr>
-            <p:ph type="dt" sz="half" idx="10"/>
-          </p:nvPr>
-        </p:nvSpPr>
-        <p:spPr/>
-        <p:txBody>
-          <a:bodyPr/>
-          <a:lstStyle/>
-          <a:p>
-            <a:fld id="{241EB5C9-1307-BA42-ABA2-0BC069CD8E7F}" type="datetimeFigureOut">
-              <a:rPr lang="en-US" smtClean="0"/>
-              <a:t>4/5/2019</a:t>
-            </a:fld>
-            <a:endParaRPr lang="en-US"/>
-          </a:p>
-        </p:txBody>
-      </p:sp>
-      <p:sp>
-        <p:nvSpPr>
-          <p:cNvPr id="6" name="Footer Placeholder 5"/>
-          <p:cNvSpPr>
-            <a:spLocks noGrp="1"/>
-          </p:cNvSpPr>
-          <p:nvPr>
-            <p:ph type="ftr" sz="quarter" idx="11"/>
-          </p:nvPr>
-        </p:nvSpPr>
-        <p:spPr/>
-        <p:txBody>
-          <a:bodyPr/>
-          <a:lstStyle/>
-          <a:p>
-            <a:endParaRPr lang="en-US"/>
-          </a:p>
-        </p:txBody>
-      </p:sp>
-      <p:sp>
-        <p:nvSpPr>
-          <p:cNvPr id="7" name="Slide Number Placeholder 6"/>
-          <p:cNvSpPr>
-            <a:spLocks noGrp="1"/>
-          </p:cNvSpPr>
-          <p:nvPr>
-            <p:ph type="sldNum" sz="quarter" idx="12"/>
-          </p:nvPr>
-        </p:nvSpPr>
-        <p:spPr/>
-        <p:txBody>
-          <a:bodyPr/>
-          <a:lstStyle/>
-          <a:p>
-            <a:fld id="{C5EF2332-01BF-834F-8236-50238282D533}" type="slidenum">
-              <a:rPr lang="en-US" smtClean="0"/>
-              <a:t>‹#›</a:t>
-            </a:fld>
-            <a:endParaRPr lang="en-US"/>
-          </a:p>
-        </p:txBody>
-      </p:sp>
-    </p:spTree>
-    <p:extLst>
-      <p:ext uri="{BB962C8B-B14F-4D97-AF65-F5344CB8AC3E}">
-        <p14:creationId xmlns:p14="http://schemas.microsoft.com/office/powerpoint/2010/main" val="3566899855"/>
-      </p:ext>
-    </p:extLst>
-  </p:cSld>
-  <p:clrMapOvr>
-    <a:masterClrMapping/>
   </p:clrMapOvr>
 </p:sldLayout>
 </file>
@@ -3183,7 +1668,7 @@
           <a:p>
             <a:fld id="{5EF76A7A-0506-6C4D-8382-BFC753915B9A}" type="datetime4">
               <a:rPr lang="en-US" smtClean="0"/>
-              <a:t>December 12, 2020</a:t>
+              <a:t>December 19, 2020</a:t>
             </a:fld>
             <a:endParaRPr lang="en-US" dirty="0"/>
           </a:p>
@@ -3637,28 +2122,11 @@
           <a:bodyPr/>
           <a:lstStyle/>
           <a:p>
-            <a:pPr lvl="0" marL="0" indent="0">
+            <a:pPr marL="0" lvl="0" indent="0">
               <a:buNone/>
             </a:pPr>
             <a:r>
-              <a:rPr/>
-              <a:t>SamplePPT</a:t>
-            </a:r>
-            <a:r>
-              <a:rPr/>
-              <a:t> </a:t>
-            </a:r>
-            <a:r>
-              <a:rPr/>
-              <a:t>(PERSI</a:t>
-            </a:r>
-            <a:r>
-              <a:rPr/>
-              <a:t> </a:t>
-            </a:r>
-            <a:r>
-              <a:rPr/>
-              <a:t>graphs)</a:t>
+              <a:t>SamplePPT (PERSI graphs)</a:t>
             </a:r>
           </a:p>
         </p:txBody>
@@ -3683,46 +2151,13 @@
           <a:bodyPr/>
           <a:lstStyle/>
           <a:p>
-            <a:pPr lvl="0" marL="0" indent="0">
+            <a:pPr marL="0" lvl="0" indent="0">
               <a:buNone/>
             </a:pPr>
             <a:br/>
             <a:br/>
             <a:r>
-              <a:rPr/>
-              <a:t>Anil,</a:t>
-            </a:r>
-            <a:r>
-              <a:rPr/>
-              <a:t> </a:t>
-            </a:r>
-            <a:r>
-              <a:rPr/>
-              <a:t>Swaroop,</a:t>
-            </a:r>
-            <a:r>
-              <a:rPr/>
-              <a:t> </a:t>
-            </a:r>
-            <a:r>
-              <a:rPr/>
-              <a:t>Jen</a:t>
-            </a:r>
-            <a:r>
-              <a:rPr/>
-              <a:t> </a:t>
-            </a:r>
-            <a:r>
-              <a:rPr/>
-              <a:t>&amp;</a:t>
-            </a:r>
-            <a:r>
-              <a:rPr/>
-              <a:t> </a:t>
-            </a:r>
-            <a:r>
-              <a:rPr/>
-              <a:t>Jordan</a:t>
+              <a:t>Anil, Swaroop, Jen &amp; Jordan</a:t>
             </a:r>
           </a:p>
         </p:txBody>
@@ -3742,11 +2177,10 @@
           <a:bodyPr/>
           <a:lstStyle/>
           <a:p>
-            <a:pPr lvl="0" marL="0" indent="0">
+            <a:pPr marL="0" lvl="0" indent="0">
               <a:buNone/>
             </a:pPr>
             <a:r>
-              <a:rPr/>
               <a:t>12/12/2020</a:t>
             </a:r>
           </a:p>
@@ -3754,6 +2188,9 @@
       </p:sp>
     </p:spTree>
   </p:cSld>
+  <p:clrMapOvr>
+    <a:masterClrMapping/>
+  </p:clrMapOvr>
 </p:sld>
 </file>
 
@@ -3797,83 +2234,18 @@
           <a:bodyPr/>
           <a:lstStyle/>
           <a:p>
-            <a:pPr lvl="0" marL="0" indent="0">
+            <a:pPr marL="0" lvl="0" indent="0">
               <a:buNone/>
             </a:pPr>
             <a:r>
-              <a:rPr/>
-              <a:t>A</a:t>
-            </a:r>
-            <a:r>
-              <a:rPr/>
-              <a:t> </a:t>
-            </a:r>
-            <a:r>
-              <a:rPr/>
-              <a:t>History</a:t>
-            </a:r>
-            <a:r>
-              <a:rPr/>
-              <a:t> </a:t>
-            </a:r>
-            <a:r>
-              <a:rPr/>
-              <a:t>of</a:t>
-            </a:r>
-            <a:r>
-              <a:rPr/>
-              <a:t> </a:t>
-            </a:r>
-            <a:r>
-              <a:rPr/>
-              <a:t>Weakening</a:t>
-            </a:r>
-            <a:r>
-              <a:rPr/>
-              <a:t> </a:t>
-            </a:r>
-            <a:r>
-              <a:rPr/>
-              <a:t>Solvency</a:t>
-            </a:r>
-            <a:r>
-              <a:rPr/>
-              <a:t> </a:t>
-            </a:r>
-            <a:r>
-              <a:rPr/>
-              <a:t>(2001-2019)</a:t>
-            </a:r>
-            <a:r>
-              <a:rPr/>
-              <a:t> </a:t>
-            </a:r>
-            <a:r>
-              <a:rPr/>
-              <a:t>w/</a:t>
-            </a:r>
-            <a:r>
-              <a:rPr/>
-              <a:t> </a:t>
-            </a:r>
-            <a:r>
-              <a:rPr/>
-              <a:t>R</a:t>
-            </a:r>
-            <a:r>
-              <a:rPr/>
-              <a:t> </a:t>
-            </a:r>
-            <a:r>
-              <a:rPr/>
-              <a:t>(areaPlot())</a:t>
+              <a:t>A History of Weakening Solvency (2001-2019) w/ R (areaPlot())</a:t>
             </a:r>
           </a:p>
         </p:txBody>
       </p:sp>
       <p:pic>
         <p:nvPicPr>
-          <p:cNvPr descr="SamplePPT_files/figure-pptx/debt-1.png" id="0" name="Picture 1"/>
+          <p:cNvPr id="3" name="Picture 1" descr="SamplePPT_files/figure-pptx/debt-1.png"/>
           <p:cNvPicPr>
             <a:picLocks noGrp="1" noChangeAspect="1"/>
           </p:cNvPicPr>
@@ -3903,6 +2275,9 @@
       </p:pic>
     </p:spTree>
   </p:cSld>
+  <p:clrMapOvr>
+    <a:masterClrMapping/>
+  </p:clrMapOvr>
 </p:sld>
 </file>
 
@@ -3946,83 +2321,18 @@
           <a:bodyPr/>
           <a:lstStyle/>
           <a:p>
-            <a:pPr lvl="0" marL="0" indent="0">
+            <a:pPr marL="0" lvl="0" indent="0">
               <a:buNone/>
             </a:pPr>
             <a:r>
-              <a:rPr/>
-              <a:t>A</a:t>
-            </a:r>
-            <a:r>
-              <a:rPr/>
-              <a:t> </a:t>
-            </a:r>
-            <a:r>
-              <a:rPr/>
-              <a:t>History</a:t>
-            </a:r>
-            <a:r>
-              <a:rPr/>
-              <a:t> </a:t>
-            </a:r>
-            <a:r>
-              <a:rPr/>
-              <a:t>of</a:t>
-            </a:r>
-            <a:r>
-              <a:rPr/>
-              <a:t> </a:t>
-            </a:r>
-            <a:r>
-              <a:rPr/>
-              <a:t>Investment</a:t>
-            </a:r>
-            <a:r>
-              <a:rPr/>
-              <a:t> </a:t>
-            </a:r>
-            <a:r>
-              <a:rPr/>
-              <a:t>Returns</a:t>
-            </a:r>
-            <a:r>
-              <a:rPr/>
-              <a:t> </a:t>
-            </a:r>
-            <a:r>
-              <a:rPr/>
-              <a:t>(2001-2019)</a:t>
-            </a:r>
-            <a:r>
-              <a:rPr/>
-              <a:t> </a:t>
-            </a:r>
-            <a:r>
-              <a:rPr/>
-              <a:t>w/</a:t>
-            </a:r>
-            <a:r>
-              <a:rPr/>
-              <a:t> </a:t>
-            </a:r>
-            <a:r>
-              <a:rPr/>
-              <a:t>R</a:t>
-            </a:r>
-            <a:r>
-              <a:rPr/>
-              <a:t> </a:t>
-            </a:r>
-            <a:r>
-              <a:rPr/>
-              <a:t>(linePlot())</a:t>
+              <a:t>A History of Investment Returns (2001-2019) w/ R (linePlot())</a:t>
             </a:r>
           </a:p>
         </p:txBody>
       </p:sp>
       <p:pic>
         <p:nvPicPr>
-          <p:cNvPr descr="SamplePPT_files/figure-pptx/graph-1.png" id="0" name="Picture 1"/>
+          <p:cNvPr id="3" name="Picture 1" descr="SamplePPT_files/figure-pptx/graph-1.png"/>
           <p:cNvPicPr>
             <a:picLocks noGrp="1" noChangeAspect="1"/>
           </p:cNvPicPr>
@@ -4052,6 +2362,9 @@
       </p:pic>
     </p:spTree>
   </p:cSld>
+  <p:clrMapOvr>
+    <a:masterClrMapping/>
+  </p:clrMapOvr>
 </p:sld>
 </file>
 
@@ -4095,67 +2408,18 @@
           <a:bodyPr/>
           <a:lstStyle/>
           <a:p>
-            <a:pPr lvl="0" marL="0" indent="0">
+            <a:pPr marL="0" lvl="0" indent="0">
               <a:buNone/>
             </a:pPr>
             <a:r>
-              <a:rPr/>
-              <a:t>S&amp;P500</a:t>
-            </a:r>
-            <a:r>
-              <a:rPr/>
-              <a:t> </a:t>
-            </a:r>
-            <a:r>
-              <a:rPr/>
-              <a:t>vs. Funded</a:t>
-            </a:r>
-            <a:r>
-              <a:rPr/>
-              <a:t> </a:t>
-            </a:r>
-            <a:r>
-              <a:rPr/>
-              <a:t>Ratio</a:t>
-            </a:r>
-            <a:r>
-              <a:rPr/>
-              <a:t> </a:t>
-            </a:r>
-            <a:r>
-              <a:rPr/>
-              <a:t>(2001-2019)</a:t>
-            </a:r>
-            <a:r>
-              <a:rPr/>
-              <a:t> </a:t>
-            </a:r>
-            <a:r>
-              <a:rPr/>
-              <a:t>w/</a:t>
-            </a:r>
-            <a:r>
-              <a:rPr/>
-              <a:t> </a:t>
-            </a:r>
-            <a:r>
-              <a:rPr/>
-              <a:t>R</a:t>
-            </a:r>
-            <a:r>
-              <a:rPr/>
-              <a:t> </a:t>
-            </a:r>
-            <a:r>
-              <a:rPr/>
-              <a:t>(areaPlot())</a:t>
+              <a:t>S&amp;P500 vs. Funded Ratio (2001-2019) w/ R (areaPlot())</a:t>
             </a:r>
           </a:p>
         </p:txBody>
       </p:sp>
       <p:pic>
         <p:nvPicPr>
-          <p:cNvPr descr="SamplePPT_files/figure-pptx/sp500-1.png" id="0" name="Picture 1"/>
+          <p:cNvPr id="3" name="Picture 1" descr="SamplePPT_files/figure-pptx/sp500-1.png"/>
           <p:cNvPicPr>
             <a:picLocks noGrp="1" noChangeAspect="1"/>
           </p:cNvPicPr>
@@ -4185,6 +2449,9 @@
       </p:pic>
     </p:spTree>
   </p:cSld>
+  <p:clrMapOvr>
+    <a:masterClrMapping/>
+  </p:clrMapOvr>
 </p:sld>
 </file>
 
@@ -4228,51 +2495,18 @@
           <a:bodyPr/>
           <a:lstStyle/>
           <a:p>
-            <a:pPr lvl="0" marL="0" indent="0">
+            <a:pPr marL="0" lvl="0" indent="0">
               <a:buNone/>
             </a:pPr>
             <a:r>
-              <a:rPr/>
-              <a:t>Asset</a:t>
-            </a:r>
-            <a:r>
-              <a:rPr/>
-              <a:t> </a:t>
-            </a:r>
-            <a:r>
-              <a:rPr/>
-              <a:t>Allocation</a:t>
-            </a:r>
-            <a:r>
-              <a:rPr/>
-              <a:t> </a:t>
-            </a:r>
-            <a:r>
-              <a:rPr/>
-              <a:t>w/</a:t>
-            </a:r>
-            <a:r>
-              <a:rPr/>
-              <a:t> </a:t>
-            </a:r>
-            <a:r>
-              <a:rPr/>
-              <a:t>R</a:t>
-            </a:r>
-            <a:r>
-              <a:rPr/>
-              <a:t> </a:t>
-            </a:r>
-            <a:r>
-              <a:rPr/>
-              <a:t>(custom)</a:t>
+              <a:t>Asset Allocation w/ R (custom)</a:t>
             </a:r>
           </a:p>
         </p:txBody>
       </p:sp>
       <p:pic>
         <p:nvPicPr>
-          <p:cNvPr descr="SamplePPT_files/figure-pptx/assets-1.png" id="0" name="Picture 1"/>
+          <p:cNvPr id="3" name="Picture 1" descr="SamplePPT_files/figure-pptx/assets-1.png"/>
           <p:cNvPicPr>
             <a:picLocks noGrp="1" noChangeAspect="1"/>
           </p:cNvPicPr>
@@ -4302,6 +2536,9 @@
       </p:pic>
     </p:spTree>
   </p:cSld>
+  <p:clrMapOvr>
+    <a:masterClrMapping/>
+  </p:clrMapOvr>
 </p:sld>
 </file>
 
@@ -4345,59 +2582,18 @@
           <a:bodyPr/>
           <a:lstStyle/>
           <a:p>
-            <a:pPr lvl="0" marL="0" indent="0">
+            <a:pPr marL="0" lvl="0" indent="0">
               <a:buNone/>
             </a:pPr>
             <a:r>
-              <a:rPr/>
-              <a:t>Negative</a:t>
-            </a:r>
-            <a:r>
-              <a:rPr/>
-              <a:t> </a:t>
-            </a:r>
-            <a:r>
-              <a:rPr/>
-              <a:t>Amortization</a:t>
-            </a:r>
-            <a:r>
-              <a:rPr/>
-              <a:t> </a:t>
-            </a:r>
-            <a:r>
-              <a:rPr/>
-              <a:t>Growth</a:t>
-            </a:r>
-            <a:r>
-              <a:rPr/>
-              <a:t> </a:t>
-            </a:r>
-            <a:r>
-              <a:rPr/>
-              <a:t>w/</a:t>
-            </a:r>
-            <a:r>
-              <a:rPr/>
-              <a:t> </a:t>
-            </a:r>
-            <a:r>
-              <a:rPr/>
-              <a:t>R</a:t>
-            </a:r>
-            <a:r>
-              <a:rPr/>
-              <a:t> </a:t>
-            </a:r>
-            <a:r>
-              <a:rPr/>
-              <a:t>(custom)</a:t>
+              <a:t>Negative Amortization Growth w/ R (custom)</a:t>
             </a:r>
           </a:p>
         </p:txBody>
       </p:sp>
       <p:pic>
         <p:nvPicPr>
-          <p:cNvPr descr="SamplePPT_files/figure-pptx/neg.amo-1.png" id="0" name="Picture 1"/>
+          <p:cNvPr id="3" name="Picture 1" descr="SamplePPT_files/figure-pptx/neg.amo-1.png"/>
           <p:cNvPicPr>
             <a:picLocks noGrp="1" noChangeAspect="1"/>
           </p:cNvPicPr>
@@ -4427,6 +2623,9 @@
       </p:pic>
     </p:spTree>
   </p:cSld>
+  <p:clrMapOvr>
+    <a:masterClrMapping/>
+  </p:clrMapOvr>
 </p:sld>
 </file>
 
@@ -4470,11 +2669,10 @@
           <a:bodyPr/>
           <a:lstStyle/>
           <a:p>
-            <a:pPr lvl="0" marL="0" indent="0">
+            <a:pPr marL="0" lvl="0" indent="0">
               <a:buNone/>
             </a:pPr>
             <a:r>
-              <a:rPr/>
               <a:t>References</a:t>
             </a:r>
           </a:p>
@@ -4525,6 +2723,9 @@
       </p:sp>
     </p:spTree>
   </p:cSld>
+  <p:clrMapOvr>
+    <a:masterClrMapping/>
+  </p:clrMapOvr>
 </p:sld>
 </file>
 

--- a/DeckUpdate/SamplePPT.pptx
+++ b/DeckUpdate/SamplePPT.pptx
@@ -12,6 +12,7 @@
     <p:sldId id="260" r:id="rId6"/>
     <p:sldId id="261" r:id="rId7"/>
     <p:sldId id="262" r:id="rId8"/>
+    <p:sldId id="263" r:id="rId9"/>
   </p:sldIdLst>
   <p:sldSz cx="9144000" cy="6858000" type="screen4x3"/>
   <p:notesSz cx="6858000" cy="9144000"/>
@@ -361,7 +362,7 @@
           <a:p>
             <a:fld id="{10302D39-B686-2742-A69B-CE6D46FC9A4E}" type="datetime4">
               <a:rPr lang="en-US" smtClean="0"/>
-              <a:t>December 19, 2020</a:t>
+              <a:t>December 12, 2020</a:t>
             </a:fld>
             <a:endParaRPr lang="en-US" dirty="0"/>
           </a:p>
@@ -476,6 +477,356 @@
         </p:spPr>
       </p:pic>
     </p:spTree>
+  </p:cSld>
+  <p:clrMapOvr>
+    <a:masterClrMapping/>
+  </p:clrMapOvr>
+</p:sldLayout>
+</file>
+
+<file path=ppt/slideLayouts/slideLayout10.xml><?xml version="1.0" encoding="utf-8"?>
+<p:sldLayout xmlns:a="http://schemas.openxmlformats.org/drawingml/2006/main" xmlns:r="http://schemas.openxmlformats.org/officeDocument/2006/relationships" xmlns:p="http://schemas.openxmlformats.org/presentationml/2006/main" type="vertTx" preserve="1">
+  <p:cSld name="Title and Vertical Text">
+    <p:spTree>
+      <p:nvGrpSpPr>
+        <p:cNvPr id="1" name=""/>
+        <p:cNvGrpSpPr/>
+        <p:nvPr/>
+      </p:nvGrpSpPr>
+      <p:grpSpPr>
+        <a:xfrm>
+          <a:off x="0" y="0"/>
+          <a:ext cx="0" cy="0"/>
+          <a:chOff x="0" y="0"/>
+          <a:chExt cx="0" cy="0"/>
+        </a:xfrm>
+      </p:grpSpPr>
+      <p:sp>
+        <p:nvSpPr>
+          <p:cNvPr id="2" name="Title 1"/>
+          <p:cNvSpPr>
+            <a:spLocks noGrp="1"/>
+          </p:cNvSpPr>
+          <p:nvPr>
+            <p:ph type="title"/>
+          </p:nvPr>
+        </p:nvSpPr>
+        <p:spPr/>
+        <p:txBody>
+          <a:bodyPr/>
+          <a:lstStyle/>
+          <a:p>
+            <a:r>
+              <a:rPr lang="en-US" smtClean="0"/>
+              <a:t>Click to edit Master title style</a:t>
+            </a:r>
+            <a:endParaRPr lang="en-US"/>
+          </a:p>
+        </p:txBody>
+      </p:sp>
+      <p:sp>
+        <p:nvSpPr>
+          <p:cNvPr id="3" name="Vertical Text Placeholder 2"/>
+          <p:cNvSpPr>
+            <a:spLocks noGrp="1"/>
+          </p:cNvSpPr>
+          <p:nvPr>
+            <p:ph type="body" orient="vert" idx="1"/>
+          </p:nvPr>
+        </p:nvSpPr>
+        <p:spPr/>
+        <p:txBody>
+          <a:bodyPr vert="eaVert"/>
+          <a:lstStyle/>
+          <a:p>
+            <a:pPr lvl="0"/>
+            <a:r>
+              <a:rPr lang="en-US" smtClean="0"/>
+              <a:t>Click to edit Master text styles</a:t>
+            </a:r>
+          </a:p>
+          <a:p>
+            <a:pPr lvl="1"/>
+            <a:r>
+              <a:rPr lang="en-US" smtClean="0"/>
+              <a:t>Second level</a:t>
+            </a:r>
+          </a:p>
+          <a:p>
+            <a:pPr lvl="2"/>
+            <a:r>
+              <a:rPr lang="en-US" smtClean="0"/>
+              <a:t>Third level</a:t>
+            </a:r>
+          </a:p>
+          <a:p>
+            <a:pPr lvl="3"/>
+            <a:r>
+              <a:rPr lang="en-US" smtClean="0"/>
+              <a:t>Fourth level</a:t>
+            </a:r>
+          </a:p>
+          <a:p>
+            <a:pPr lvl="4"/>
+            <a:r>
+              <a:rPr lang="en-US" smtClean="0"/>
+              <a:t>Fifth level</a:t>
+            </a:r>
+            <a:endParaRPr lang="en-US"/>
+          </a:p>
+        </p:txBody>
+      </p:sp>
+      <p:sp>
+        <p:nvSpPr>
+          <p:cNvPr id="4" name="Date Placeholder 3"/>
+          <p:cNvSpPr>
+            <a:spLocks noGrp="1"/>
+          </p:cNvSpPr>
+          <p:nvPr>
+            <p:ph type="dt" sz="half" idx="10"/>
+          </p:nvPr>
+        </p:nvSpPr>
+        <p:spPr/>
+        <p:txBody>
+          <a:bodyPr/>
+          <a:lstStyle/>
+          <a:p>
+            <a:fld id="{241EB5C9-1307-BA42-ABA2-0BC069CD8E7F}" type="datetimeFigureOut">
+              <a:rPr lang="en-US" smtClean="0"/>
+              <a:t>4/5/2019</a:t>
+            </a:fld>
+            <a:endParaRPr lang="en-US"/>
+          </a:p>
+        </p:txBody>
+      </p:sp>
+      <p:sp>
+        <p:nvSpPr>
+          <p:cNvPr id="5" name="Footer Placeholder 4"/>
+          <p:cNvSpPr>
+            <a:spLocks noGrp="1"/>
+          </p:cNvSpPr>
+          <p:nvPr>
+            <p:ph type="ftr" sz="quarter" idx="11"/>
+          </p:nvPr>
+        </p:nvSpPr>
+        <p:spPr/>
+        <p:txBody>
+          <a:bodyPr/>
+          <a:lstStyle/>
+          <a:p>
+            <a:endParaRPr lang="en-US"/>
+          </a:p>
+        </p:txBody>
+      </p:sp>
+      <p:sp>
+        <p:nvSpPr>
+          <p:cNvPr id="6" name="Slide Number Placeholder 5"/>
+          <p:cNvSpPr>
+            <a:spLocks noGrp="1"/>
+          </p:cNvSpPr>
+          <p:nvPr>
+            <p:ph type="sldNum" sz="quarter" idx="12"/>
+          </p:nvPr>
+        </p:nvSpPr>
+        <p:spPr/>
+        <p:txBody>
+          <a:bodyPr/>
+          <a:lstStyle/>
+          <a:p>
+            <a:fld id="{C5EF2332-01BF-834F-8236-50238282D533}" type="slidenum">
+              <a:rPr lang="en-US" smtClean="0"/>
+              <a:t>‹#›</a:t>
+            </a:fld>
+            <a:endParaRPr lang="en-US"/>
+          </a:p>
+        </p:txBody>
+      </p:sp>
+    </p:spTree>
+    <p:extLst>
+      <p:ext uri="{BB962C8B-B14F-4D97-AF65-F5344CB8AC3E}">
+        <p14:creationId xmlns:p14="http://schemas.microsoft.com/office/powerpoint/2010/main" val="313914798"/>
+      </p:ext>
+    </p:extLst>
+  </p:cSld>
+  <p:clrMapOvr>
+    <a:masterClrMapping/>
+  </p:clrMapOvr>
+</p:sldLayout>
+</file>
+
+<file path=ppt/slideLayouts/slideLayout11.xml><?xml version="1.0" encoding="utf-8"?>
+<p:sldLayout xmlns:a="http://schemas.openxmlformats.org/drawingml/2006/main" xmlns:r="http://schemas.openxmlformats.org/officeDocument/2006/relationships" xmlns:p="http://schemas.openxmlformats.org/presentationml/2006/main" type="vertTitleAndTx" preserve="1">
+  <p:cSld name="Vertical Title and Text">
+    <p:spTree>
+      <p:nvGrpSpPr>
+        <p:cNvPr id="1" name=""/>
+        <p:cNvGrpSpPr/>
+        <p:nvPr/>
+      </p:nvGrpSpPr>
+      <p:grpSpPr>
+        <a:xfrm>
+          <a:off x="0" y="0"/>
+          <a:ext cx="0" cy="0"/>
+          <a:chOff x="0" y="0"/>
+          <a:chExt cx="0" cy="0"/>
+        </a:xfrm>
+      </p:grpSpPr>
+      <p:sp>
+        <p:nvSpPr>
+          <p:cNvPr id="2" name="Vertical Title 1"/>
+          <p:cNvSpPr>
+            <a:spLocks noGrp="1"/>
+          </p:cNvSpPr>
+          <p:nvPr>
+            <p:ph type="title" orient="vert"/>
+          </p:nvPr>
+        </p:nvSpPr>
+        <p:spPr>
+          <a:xfrm>
+            <a:off x="6629400" y="274638"/>
+            <a:ext cx="2057400" cy="5851525"/>
+          </a:xfrm>
+        </p:spPr>
+        <p:txBody>
+          <a:bodyPr vert="eaVert"/>
+          <a:lstStyle/>
+          <a:p>
+            <a:r>
+              <a:rPr lang="en-US" smtClean="0"/>
+              <a:t>Click to edit Master title style</a:t>
+            </a:r>
+            <a:endParaRPr lang="en-US"/>
+          </a:p>
+        </p:txBody>
+      </p:sp>
+      <p:sp>
+        <p:nvSpPr>
+          <p:cNvPr id="3" name="Vertical Text Placeholder 2"/>
+          <p:cNvSpPr>
+            <a:spLocks noGrp="1"/>
+          </p:cNvSpPr>
+          <p:nvPr>
+            <p:ph type="body" orient="vert" idx="1"/>
+          </p:nvPr>
+        </p:nvSpPr>
+        <p:spPr>
+          <a:xfrm>
+            <a:off x="457200" y="274638"/>
+            <a:ext cx="6019800" cy="5851525"/>
+          </a:xfrm>
+        </p:spPr>
+        <p:txBody>
+          <a:bodyPr vert="eaVert"/>
+          <a:lstStyle/>
+          <a:p>
+            <a:pPr lvl="0"/>
+            <a:r>
+              <a:rPr lang="en-US" smtClean="0"/>
+              <a:t>Click to edit Master text styles</a:t>
+            </a:r>
+          </a:p>
+          <a:p>
+            <a:pPr lvl="1"/>
+            <a:r>
+              <a:rPr lang="en-US" smtClean="0"/>
+              <a:t>Second level</a:t>
+            </a:r>
+          </a:p>
+          <a:p>
+            <a:pPr lvl="2"/>
+            <a:r>
+              <a:rPr lang="en-US" smtClean="0"/>
+              <a:t>Third level</a:t>
+            </a:r>
+          </a:p>
+          <a:p>
+            <a:pPr lvl="3"/>
+            <a:r>
+              <a:rPr lang="en-US" smtClean="0"/>
+              <a:t>Fourth level</a:t>
+            </a:r>
+          </a:p>
+          <a:p>
+            <a:pPr lvl="4"/>
+            <a:r>
+              <a:rPr lang="en-US" smtClean="0"/>
+              <a:t>Fifth level</a:t>
+            </a:r>
+            <a:endParaRPr lang="en-US"/>
+          </a:p>
+        </p:txBody>
+      </p:sp>
+      <p:sp>
+        <p:nvSpPr>
+          <p:cNvPr id="4" name="Date Placeholder 3"/>
+          <p:cNvSpPr>
+            <a:spLocks noGrp="1"/>
+          </p:cNvSpPr>
+          <p:nvPr>
+            <p:ph type="dt" sz="half" idx="10"/>
+          </p:nvPr>
+        </p:nvSpPr>
+        <p:spPr/>
+        <p:txBody>
+          <a:bodyPr/>
+          <a:lstStyle/>
+          <a:p>
+            <a:fld id="{241EB5C9-1307-BA42-ABA2-0BC069CD8E7F}" type="datetimeFigureOut">
+              <a:rPr lang="en-US" smtClean="0"/>
+              <a:t>4/5/2019</a:t>
+            </a:fld>
+            <a:endParaRPr lang="en-US"/>
+          </a:p>
+        </p:txBody>
+      </p:sp>
+      <p:sp>
+        <p:nvSpPr>
+          <p:cNvPr id="5" name="Footer Placeholder 4"/>
+          <p:cNvSpPr>
+            <a:spLocks noGrp="1"/>
+          </p:cNvSpPr>
+          <p:nvPr>
+            <p:ph type="ftr" sz="quarter" idx="11"/>
+          </p:nvPr>
+        </p:nvSpPr>
+        <p:spPr/>
+        <p:txBody>
+          <a:bodyPr/>
+          <a:lstStyle/>
+          <a:p>
+            <a:endParaRPr lang="en-US"/>
+          </a:p>
+        </p:txBody>
+      </p:sp>
+      <p:sp>
+        <p:nvSpPr>
+          <p:cNvPr id="6" name="Slide Number Placeholder 5"/>
+          <p:cNvSpPr>
+            <a:spLocks noGrp="1"/>
+          </p:cNvSpPr>
+          <p:nvPr>
+            <p:ph type="sldNum" sz="quarter" idx="12"/>
+          </p:nvPr>
+        </p:nvSpPr>
+        <p:spPr/>
+        <p:txBody>
+          <a:bodyPr/>
+          <a:lstStyle/>
+          <a:p>
+            <a:fld id="{C5EF2332-01BF-834F-8236-50238282D533}" type="slidenum">
+              <a:rPr lang="en-US" smtClean="0"/>
+              <a:t>‹#›</a:t>
+            </a:fld>
+            <a:endParaRPr lang="en-US"/>
+          </a:p>
+        </p:txBody>
+      </p:sp>
+    </p:spTree>
+    <p:extLst>
+      <p:ext uri="{BB962C8B-B14F-4D97-AF65-F5344CB8AC3E}">
+        <p14:creationId xmlns:p14="http://schemas.microsoft.com/office/powerpoint/2010/main" val="2581529045"/>
+      </p:ext>
+    </p:extLst>
   </p:cSld>
   <p:clrMapOvr>
     <a:masterClrMapping/>
@@ -682,7 +1033,7 @@
           <a:p>
             <a:fld id="{585AD263-A788-3145-8D38-AEBC1D444AEE}" type="datetime4">
               <a:rPr lang="en-US" smtClean="0"/>
-              <a:t>December 19, 2020</a:t>
+              <a:t>December 12, 2020</a:t>
             </a:fld>
             <a:endParaRPr lang="en-US" dirty="0"/>
           </a:p>
@@ -972,7 +1323,7 @@
           <a:p>
             <a:fld id="{B606C5D1-9323-1B45-8355-7D55EA8EE66A}" type="datetime4">
               <a:rPr lang="en-US" smtClean="0"/>
-              <a:t>December 19, 2020</a:t>
+              <a:t>December 12, 2020</a:t>
             </a:fld>
             <a:endParaRPr lang="en-US" dirty="0"/>
           </a:p>
@@ -1220,7 +1571,7 @@
           <a:p>
             <a:fld id="{A4108F21-3CFE-3045-9ABB-E1E1413BA1A1}" type="datetime4">
               <a:rPr lang="en-US" smtClean="0"/>
-              <a:t>December 19, 2020</a:t>
+              <a:t>December 12, 2020</a:t>
             </a:fld>
             <a:endParaRPr lang="en-US" dirty="0"/>
           </a:p>
@@ -1456,6 +1807,1171 @@
 </p:sldLayout>
 </file>
 
+<file path=ppt/slideLayouts/slideLayout5.xml><?xml version="1.0" encoding="utf-8"?>
+<p:sldLayout xmlns:a="http://schemas.openxmlformats.org/drawingml/2006/main" xmlns:r="http://schemas.openxmlformats.org/officeDocument/2006/relationships" xmlns:p="http://schemas.openxmlformats.org/presentationml/2006/main" type="twoTxTwoObj" preserve="1">
+  <p:cSld name="Comparison">
+    <p:spTree>
+      <p:nvGrpSpPr>
+        <p:cNvPr id="1" name=""/>
+        <p:cNvGrpSpPr/>
+        <p:nvPr/>
+      </p:nvGrpSpPr>
+      <p:grpSpPr>
+        <a:xfrm>
+          <a:off x="0" y="0"/>
+          <a:ext cx="0" cy="0"/>
+          <a:chOff x="0" y="0"/>
+          <a:chExt cx="0" cy="0"/>
+        </a:xfrm>
+      </p:grpSpPr>
+      <p:sp>
+        <p:nvSpPr>
+          <p:cNvPr id="2" name="Title 1"/>
+          <p:cNvSpPr>
+            <a:spLocks noGrp="1"/>
+          </p:cNvSpPr>
+          <p:nvPr>
+            <p:ph type="title"/>
+          </p:nvPr>
+        </p:nvSpPr>
+        <p:spPr/>
+        <p:txBody>
+          <a:bodyPr/>
+          <a:lstStyle>
+            <a:lvl1pPr>
+              <a:defRPr/>
+            </a:lvl1pPr>
+          </a:lstStyle>
+          <a:p>
+            <a:r>
+              <a:rPr lang="en-US" smtClean="0"/>
+              <a:t>Click to edit Master title style</a:t>
+            </a:r>
+            <a:endParaRPr lang="en-US"/>
+          </a:p>
+        </p:txBody>
+      </p:sp>
+      <p:sp>
+        <p:nvSpPr>
+          <p:cNvPr id="3" name="Text Placeholder 2"/>
+          <p:cNvSpPr>
+            <a:spLocks noGrp="1"/>
+          </p:cNvSpPr>
+          <p:nvPr>
+            <p:ph type="body" idx="1"/>
+          </p:nvPr>
+        </p:nvSpPr>
+        <p:spPr>
+          <a:xfrm>
+            <a:off x="457200" y="1535113"/>
+            <a:ext cx="4040188" cy="639762"/>
+          </a:xfrm>
+        </p:spPr>
+        <p:txBody>
+          <a:bodyPr anchor="b"/>
+          <a:lstStyle>
+            <a:lvl1pPr marL="0" indent="0">
+              <a:buNone/>
+              <a:defRPr sz="2400" b="1"/>
+            </a:lvl1pPr>
+            <a:lvl2pPr marL="457200" indent="0">
+              <a:buNone/>
+              <a:defRPr sz="2000" b="1"/>
+            </a:lvl2pPr>
+            <a:lvl3pPr marL="914400" indent="0">
+              <a:buNone/>
+              <a:defRPr sz="1800" b="1"/>
+            </a:lvl3pPr>
+            <a:lvl4pPr marL="1371600" indent="0">
+              <a:buNone/>
+              <a:defRPr sz="1600" b="1"/>
+            </a:lvl4pPr>
+            <a:lvl5pPr marL="1828800" indent="0">
+              <a:buNone/>
+              <a:defRPr sz="1600" b="1"/>
+            </a:lvl5pPr>
+            <a:lvl6pPr marL="2286000" indent="0">
+              <a:buNone/>
+              <a:defRPr sz="1600" b="1"/>
+            </a:lvl6pPr>
+            <a:lvl7pPr marL="2743200" indent="0">
+              <a:buNone/>
+              <a:defRPr sz="1600" b="1"/>
+            </a:lvl7pPr>
+            <a:lvl8pPr marL="3200400" indent="0">
+              <a:buNone/>
+              <a:defRPr sz="1600" b="1"/>
+            </a:lvl8pPr>
+            <a:lvl9pPr marL="3657600" indent="0">
+              <a:buNone/>
+              <a:defRPr sz="1600" b="1"/>
+            </a:lvl9pPr>
+          </a:lstStyle>
+          <a:p>
+            <a:pPr lvl="0"/>
+            <a:r>
+              <a:rPr lang="en-US" smtClean="0"/>
+              <a:t>Click to edit Master text styles</a:t>
+            </a:r>
+          </a:p>
+        </p:txBody>
+      </p:sp>
+      <p:sp>
+        <p:nvSpPr>
+          <p:cNvPr id="4" name="Content Placeholder 3"/>
+          <p:cNvSpPr>
+            <a:spLocks noGrp="1"/>
+          </p:cNvSpPr>
+          <p:nvPr>
+            <p:ph sz="half" idx="2"/>
+          </p:nvPr>
+        </p:nvSpPr>
+        <p:spPr>
+          <a:xfrm>
+            <a:off x="457200" y="2174875"/>
+            <a:ext cx="4040188" cy="3951288"/>
+          </a:xfrm>
+        </p:spPr>
+        <p:txBody>
+          <a:bodyPr/>
+          <a:lstStyle>
+            <a:lvl1pPr>
+              <a:defRPr sz="2400"/>
+            </a:lvl1pPr>
+            <a:lvl2pPr>
+              <a:defRPr sz="2000"/>
+            </a:lvl2pPr>
+            <a:lvl3pPr>
+              <a:defRPr sz="1800"/>
+            </a:lvl3pPr>
+            <a:lvl4pPr>
+              <a:defRPr sz="1600"/>
+            </a:lvl4pPr>
+            <a:lvl5pPr>
+              <a:defRPr sz="1600"/>
+            </a:lvl5pPr>
+            <a:lvl6pPr>
+              <a:defRPr sz="1600"/>
+            </a:lvl6pPr>
+            <a:lvl7pPr>
+              <a:defRPr sz="1600"/>
+            </a:lvl7pPr>
+            <a:lvl8pPr>
+              <a:defRPr sz="1600"/>
+            </a:lvl8pPr>
+            <a:lvl9pPr>
+              <a:defRPr sz="1600"/>
+            </a:lvl9pPr>
+          </a:lstStyle>
+          <a:p>
+            <a:pPr lvl="0"/>
+            <a:r>
+              <a:rPr lang="en-US" smtClean="0"/>
+              <a:t>Click to edit Master text styles</a:t>
+            </a:r>
+          </a:p>
+          <a:p>
+            <a:pPr lvl="1"/>
+            <a:r>
+              <a:rPr lang="en-US" smtClean="0"/>
+              <a:t>Second level</a:t>
+            </a:r>
+          </a:p>
+          <a:p>
+            <a:pPr lvl="2"/>
+            <a:r>
+              <a:rPr lang="en-US" smtClean="0"/>
+              <a:t>Third level</a:t>
+            </a:r>
+          </a:p>
+          <a:p>
+            <a:pPr lvl="3"/>
+            <a:r>
+              <a:rPr lang="en-US" smtClean="0"/>
+              <a:t>Fourth level</a:t>
+            </a:r>
+          </a:p>
+          <a:p>
+            <a:pPr lvl="4"/>
+            <a:r>
+              <a:rPr lang="en-US" smtClean="0"/>
+              <a:t>Fifth level</a:t>
+            </a:r>
+            <a:endParaRPr lang="en-US"/>
+          </a:p>
+        </p:txBody>
+      </p:sp>
+      <p:sp>
+        <p:nvSpPr>
+          <p:cNvPr id="5" name="Text Placeholder 4"/>
+          <p:cNvSpPr>
+            <a:spLocks noGrp="1"/>
+          </p:cNvSpPr>
+          <p:nvPr>
+            <p:ph type="body" sz="quarter" idx="3"/>
+          </p:nvPr>
+        </p:nvSpPr>
+        <p:spPr>
+          <a:xfrm>
+            <a:off x="4645025" y="1535113"/>
+            <a:ext cx="4041775" cy="639762"/>
+          </a:xfrm>
+        </p:spPr>
+        <p:txBody>
+          <a:bodyPr anchor="b"/>
+          <a:lstStyle>
+            <a:lvl1pPr marL="0" indent="0">
+              <a:buNone/>
+              <a:defRPr sz="2400" b="1"/>
+            </a:lvl1pPr>
+            <a:lvl2pPr marL="457200" indent="0">
+              <a:buNone/>
+              <a:defRPr sz="2000" b="1"/>
+            </a:lvl2pPr>
+            <a:lvl3pPr marL="914400" indent="0">
+              <a:buNone/>
+              <a:defRPr sz="1800" b="1"/>
+            </a:lvl3pPr>
+            <a:lvl4pPr marL="1371600" indent="0">
+              <a:buNone/>
+              <a:defRPr sz="1600" b="1"/>
+            </a:lvl4pPr>
+            <a:lvl5pPr marL="1828800" indent="0">
+              <a:buNone/>
+              <a:defRPr sz="1600" b="1"/>
+            </a:lvl5pPr>
+            <a:lvl6pPr marL="2286000" indent="0">
+              <a:buNone/>
+              <a:defRPr sz="1600" b="1"/>
+            </a:lvl6pPr>
+            <a:lvl7pPr marL="2743200" indent="0">
+              <a:buNone/>
+              <a:defRPr sz="1600" b="1"/>
+            </a:lvl7pPr>
+            <a:lvl8pPr marL="3200400" indent="0">
+              <a:buNone/>
+              <a:defRPr sz="1600" b="1"/>
+            </a:lvl8pPr>
+            <a:lvl9pPr marL="3657600" indent="0">
+              <a:buNone/>
+              <a:defRPr sz="1600" b="1"/>
+            </a:lvl9pPr>
+          </a:lstStyle>
+          <a:p>
+            <a:pPr lvl="0"/>
+            <a:r>
+              <a:rPr lang="en-US" smtClean="0"/>
+              <a:t>Click to edit Master text styles</a:t>
+            </a:r>
+          </a:p>
+        </p:txBody>
+      </p:sp>
+      <p:sp>
+        <p:nvSpPr>
+          <p:cNvPr id="6" name="Content Placeholder 5"/>
+          <p:cNvSpPr>
+            <a:spLocks noGrp="1"/>
+          </p:cNvSpPr>
+          <p:nvPr>
+            <p:ph sz="quarter" idx="4"/>
+          </p:nvPr>
+        </p:nvSpPr>
+        <p:spPr>
+          <a:xfrm>
+            <a:off x="4645025" y="2174875"/>
+            <a:ext cx="4041775" cy="3951288"/>
+          </a:xfrm>
+        </p:spPr>
+        <p:txBody>
+          <a:bodyPr/>
+          <a:lstStyle>
+            <a:lvl1pPr>
+              <a:defRPr sz="2400"/>
+            </a:lvl1pPr>
+            <a:lvl2pPr>
+              <a:defRPr sz="2000"/>
+            </a:lvl2pPr>
+            <a:lvl3pPr>
+              <a:defRPr sz="1800"/>
+            </a:lvl3pPr>
+            <a:lvl4pPr>
+              <a:defRPr sz="1600"/>
+            </a:lvl4pPr>
+            <a:lvl5pPr>
+              <a:defRPr sz="1600"/>
+            </a:lvl5pPr>
+            <a:lvl6pPr>
+              <a:defRPr sz="1600"/>
+            </a:lvl6pPr>
+            <a:lvl7pPr>
+              <a:defRPr sz="1600"/>
+            </a:lvl7pPr>
+            <a:lvl8pPr>
+              <a:defRPr sz="1600"/>
+            </a:lvl8pPr>
+            <a:lvl9pPr>
+              <a:defRPr sz="1600"/>
+            </a:lvl9pPr>
+          </a:lstStyle>
+          <a:p>
+            <a:pPr lvl="0"/>
+            <a:r>
+              <a:rPr lang="en-US" smtClean="0"/>
+              <a:t>Click to edit Master text styles</a:t>
+            </a:r>
+          </a:p>
+          <a:p>
+            <a:pPr lvl="1"/>
+            <a:r>
+              <a:rPr lang="en-US" smtClean="0"/>
+              <a:t>Second level</a:t>
+            </a:r>
+          </a:p>
+          <a:p>
+            <a:pPr lvl="2"/>
+            <a:r>
+              <a:rPr lang="en-US" smtClean="0"/>
+              <a:t>Third level</a:t>
+            </a:r>
+          </a:p>
+          <a:p>
+            <a:pPr lvl="3"/>
+            <a:r>
+              <a:rPr lang="en-US" smtClean="0"/>
+              <a:t>Fourth level</a:t>
+            </a:r>
+          </a:p>
+          <a:p>
+            <a:pPr lvl="4"/>
+            <a:r>
+              <a:rPr lang="en-US" smtClean="0"/>
+              <a:t>Fifth level</a:t>
+            </a:r>
+            <a:endParaRPr lang="en-US"/>
+          </a:p>
+        </p:txBody>
+      </p:sp>
+      <p:sp>
+        <p:nvSpPr>
+          <p:cNvPr id="7" name="Date Placeholder 6"/>
+          <p:cNvSpPr>
+            <a:spLocks noGrp="1"/>
+          </p:cNvSpPr>
+          <p:nvPr>
+            <p:ph type="dt" sz="half" idx="10"/>
+          </p:nvPr>
+        </p:nvSpPr>
+        <p:spPr/>
+        <p:txBody>
+          <a:bodyPr/>
+          <a:lstStyle/>
+          <a:p>
+            <a:fld id="{241EB5C9-1307-BA42-ABA2-0BC069CD8E7F}" type="datetimeFigureOut">
+              <a:rPr lang="en-US" smtClean="0"/>
+              <a:t>4/5/2019</a:t>
+            </a:fld>
+            <a:endParaRPr lang="en-US"/>
+          </a:p>
+        </p:txBody>
+      </p:sp>
+      <p:sp>
+        <p:nvSpPr>
+          <p:cNvPr id="8" name="Footer Placeholder 7"/>
+          <p:cNvSpPr>
+            <a:spLocks noGrp="1"/>
+          </p:cNvSpPr>
+          <p:nvPr>
+            <p:ph type="ftr" sz="quarter" idx="11"/>
+          </p:nvPr>
+        </p:nvSpPr>
+        <p:spPr/>
+        <p:txBody>
+          <a:bodyPr/>
+          <a:lstStyle/>
+          <a:p>
+            <a:endParaRPr lang="en-US"/>
+          </a:p>
+        </p:txBody>
+      </p:sp>
+      <p:sp>
+        <p:nvSpPr>
+          <p:cNvPr id="9" name="Slide Number Placeholder 8"/>
+          <p:cNvSpPr>
+            <a:spLocks noGrp="1"/>
+          </p:cNvSpPr>
+          <p:nvPr>
+            <p:ph type="sldNum" sz="quarter" idx="12"/>
+          </p:nvPr>
+        </p:nvSpPr>
+        <p:spPr/>
+        <p:txBody>
+          <a:bodyPr/>
+          <a:lstStyle/>
+          <a:p>
+            <a:fld id="{C5EF2332-01BF-834F-8236-50238282D533}" type="slidenum">
+              <a:rPr lang="en-US" smtClean="0"/>
+              <a:t>‹#›</a:t>
+            </a:fld>
+            <a:endParaRPr lang="en-US"/>
+          </a:p>
+        </p:txBody>
+      </p:sp>
+    </p:spTree>
+    <p:extLst>
+      <p:ext uri="{BB962C8B-B14F-4D97-AF65-F5344CB8AC3E}">
+        <p14:creationId xmlns:p14="http://schemas.microsoft.com/office/powerpoint/2010/main" val="2535793967"/>
+      </p:ext>
+    </p:extLst>
+  </p:cSld>
+  <p:clrMapOvr>
+    <a:masterClrMapping/>
+  </p:clrMapOvr>
+</p:sldLayout>
+</file>
+
+<file path=ppt/slideLayouts/slideLayout6.xml><?xml version="1.0" encoding="utf-8"?>
+<p:sldLayout xmlns:a="http://schemas.openxmlformats.org/drawingml/2006/main" xmlns:r="http://schemas.openxmlformats.org/officeDocument/2006/relationships" xmlns:p="http://schemas.openxmlformats.org/presentationml/2006/main" type="titleOnly" preserve="1">
+  <p:cSld name="Title Only">
+    <p:spTree>
+      <p:nvGrpSpPr>
+        <p:cNvPr id="1" name=""/>
+        <p:cNvGrpSpPr/>
+        <p:nvPr/>
+      </p:nvGrpSpPr>
+      <p:grpSpPr>
+        <a:xfrm>
+          <a:off x="0" y="0"/>
+          <a:ext cx="0" cy="0"/>
+          <a:chOff x="0" y="0"/>
+          <a:chExt cx="0" cy="0"/>
+        </a:xfrm>
+      </p:grpSpPr>
+      <p:sp>
+        <p:nvSpPr>
+          <p:cNvPr id="2" name="Title 1"/>
+          <p:cNvSpPr>
+            <a:spLocks noGrp="1"/>
+          </p:cNvSpPr>
+          <p:nvPr>
+            <p:ph type="title"/>
+          </p:nvPr>
+        </p:nvSpPr>
+        <p:spPr/>
+        <p:txBody>
+          <a:bodyPr/>
+          <a:lstStyle/>
+          <a:p>
+            <a:r>
+              <a:rPr lang="en-US" smtClean="0"/>
+              <a:t>Click to edit Master title style</a:t>
+            </a:r>
+            <a:endParaRPr lang="en-US"/>
+          </a:p>
+        </p:txBody>
+      </p:sp>
+      <p:sp>
+        <p:nvSpPr>
+          <p:cNvPr id="3" name="Date Placeholder 2"/>
+          <p:cNvSpPr>
+            <a:spLocks noGrp="1"/>
+          </p:cNvSpPr>
+          <p:nvPr>
+            <p:ph type="dt" sz="half" idx="10"/>
+          </p:nvPr>
+        </p:nvSpPr>
+        <p:spPr/>
+        <p:txBody>
+          <a:bodyPr/>
+          <a:lstStyle/>
+          <a:p>
+            <a:fld id="{241EB5C9-1307-BA42-ABA2-0BC069CD8E7F}" type="datetimeFigureOut">
+              <a:rPr lang="en-US" smtClean="0"/>
+              <a:t>4/5/2019</a:t>
+            </a:fld>
+            <a:endParaRPr lang="en-US"/>
+          </a:p>
+        </p:txBody>
+      </p:sp>
+      <p:sp>
+        <p:nvSpPr>
+          <p:cNvPr id="4" name="Footer Placeholder 3"/>
+          <p:cNvSpPr>
+            <a:spLocks noGrp="1"/>
+          </p:cNvSpPr>
+          <p:nvPr>
+            <p:ph type="ftr" sz="quarter" idx="11"/>
+          </p:nvPr>
+        </p:nvSpPr>
+        <p:spPr/>
+        <p:txBody>
+          <a:bodyPr/>
+          <a:lstStyle/>
+          <a:p>
+            <a:endParaRPr lang="en-US"/>
+          </a:p>
+        </p:txBody>
+      </p:sp>
+      <p:sp>
+        <p:nvSpPr>
+          <p:cNvPr id="5" name="Slide Number Placeholder 4"/>
+          <p:cNvSpPr>
+            <a:spLocks noGrp="1"/>
+          </p:cNvSpPr>
+          <p:nvPr>
+            <p:ph type="sldNum" sz="quarter" idx="12"/>
+          </p:nvPr>
+        </p:nvSpPr>
+        <p:spPr/>
+        <p:txBody>
+          <a:bodyPr/>
+          <a:lstStyle/>
+          <a:p>
+            <a:fld id="{C5EF2332-01BF-834F-8236-50238282D533}" type="slidenum">
+              <a:rPr lang="en-US" smtClean="0"/>
+              <a:t>‹#›</a:t>
+            </a:fld>
+            <a:endParaRPr lang="en-US"/>
+          </a:p>
+        </p:txBody>
+      </p:sp>
+    </p:spTree>
+    <p:extLst>
+      <p:ext uri="{BB962C8B-B14F-4D97-AF65-F5344CB8AC3E}">
+        <p14:creationId xmlns:p14="http://schemas.microsoft.com/office/powerpoint/2010/main" val="3472721253"/>
+      </p:ext>
+    </p:extLst>
+  </p:cSld>
+  <p:clrMapOvr>
+    <a:masterClrMapping/>
+  </p:clrMapOvr>
+</p:sldLayout>
+</file>
+
+<file path=ppt/slideLayouts/slideLayout7.xml><?xml version="1.0" encoding="utf-8"?>
+<p:sldLayout xmlns:a="http://schemas.openxmlformats.org/drawingml/2006/main" xmlns:r="http://schemas.openxmlformats.org/officeDocument/2006/relationships" xmlns:p="http://schemas.openxmlformats.org/presentationml/2006/main" type="blank" preserve="1">
+  <p:cSld name="Blank">
+    <p:spTree>
+      <p:nvGrpSpPr>
+        <p:cNvPr id="1" name=""/>
+        <p:cNvGrpSpPr/>
+        <p:nvPr/>
+      </p:nvGrpSpPr>
+      <p:grpSpPr>
+        <a:xfrm>
+          <a:off x="0" y="0"/>
+          <a:ext cx="0" cy="0"/>
+          <a:chOff x="0" y="0"/>
+          <a:chExt cx="0" cy="0"/>
+        </a:xfrm>
+      </p:grpSpPr>
+      <p:sp>
+        <p:nvSpPr>
+          <p:cNvPr id="2" name="Date Placeholder 1"/>
+          <p:cNvSpPr>
+            <a:spLocks noGrp="1"/>
+          </p:cNvSpPr>
+          <p:nvPr>
+            <p:ph type="dt" sz="half" idx="10"/>
+          </p:nvPr>
+        </p:nvSpPr>
+        <p:spPr/>
+        <p:txBody>
+          <a:bodyPr/>
+          <a:lstStyle/>
+          <a:p>
+            <a:fld id="{241EB5C9-1307-BA42-ABA2-0BC069CD8E7F}" type="datetimeFigureOut">
+              <a:rPr lang="en-US" smtClean="0"/>
+              <a:t>4/5/2019</a:t>
+            </a:fld>
+            <a:endParaRPr lang="en-US"/>
+          </a:p>
+        </p:txBody>
+      </p:sp>
+      <p:sp>
+        <p:nvSpPr>
+          <p:cNvPr id="3" name="Footer Placeholder 2"/>
+          <p:cNvSpPr>
+            <a:spLocks noGrp="1"/>
+          </p:cNvSpPr>
+          <p:nvPr>
+            <p:ph type="ftr" sz="quarter" idx="11"/>
+          </p:nvPr>
+        </p:nvSpPr>
+        <p:spPr/>
+        <p:txBody>
+          <a:bodyPr/>
+          <a:lstStyle/>
+          <a:p>
+            <a:endParaRPr lang="en-US"/>
+          </a:p>
+        </p:txBody>
+      </p:sp>
+      <p:sp>
+        <p:nvSpPr>
+          <p:cNvPr id="4" name="Slide Number Placeholder 3"/>
+          <p:cNvSpPr>
+            <a:spLocks noGrp="1"/>
+          </p:cNvSpPr>
+          <p:nvPr>
+            <p:ph type="sldNum" sz="quarter" idx="12"/>
+          </p:nvPr>
+        </p:nvSpPr>
+        <p:spPr/>
+        <p:txBody>
+          <a:bodyPr/>
+          <a:lstStyle/>
+          <a:p>
+            <a:fld id="{C5EF2332-01BF-834F-8236-50238282D533}" type="slidenum">
+              <a:rPr lang="en-US" smtClean="0"/>
+              <a:t>‹#›</a:t>
+            </a:fld>
+            <a:endParaRPr lang="en-US"/>
+          </a:p>
+        </p:txBody>
+      </p:sp>
+    </p:spTree>
+    <p:extLst>
+      <p:ext uri="{BB962C8B-B14F-4D97-AF65-F5344CB8AC3E}">
+        <p14:creationId xmlns:p14="http://schemas.microsoft.com/office/powerpoint/2010/main" val="2130901097"/>
+      </p:ext>
+    </p:extLst>
+  </p:cSld>
+  <p:clrMapOvr>
+    <a:masterClrMapping/>
+  </p:clrMapOvr>
+</p:sldLayout>
+</file>
+
+<file path=ppt/slideLayouts/slideLayout8.xml><?xml version="1.0" encoding="utf-8"?>
+<p:sldLayout xmlns:a="http://schemas.openxmlformats.org/drawingml/2006/main" xmlns:r="http://schemas.openxmlformats.org/officeDocument/2006/relationships" xmlns:p="http://schemas.openxmlformats.org/presentationml/2006/main" type="objTx" preserve="1">
+  <p:cSld name="Content with Caption">
+    <p:spTree>
+      <p:nvGrpSpPr>
+        <p:cNvPr id="1" name=""/>
+        <p:cNvGrpSpPr/>
+        <p:nvPr/>
+      </p:nvGrpSpPr>
+      <p:grpSpPr>
+        <a:xfrm>
+          <a:off x="0" y="0"/>
+          <a:ext cx="0" cy="0"/>
+          <a:chOff x="0" y="0"/>
+          <a:chExt cx="0" cy="0"/>
+        </a:xfrm>
+      </p:grpSpPr>
+      <p:sp>
+        <p:nvSpPr>
+          <p:cNvPr id="2" name="Title 1"/>
+          <p:cNvSpPr>
+            <a:spLocks noGrp="1"/>
+          </p:cNvSpPr>
+          <p:nvPr>
+            <p:ph type="title"/>
+          </p:nvPr>
+        </p:nvSpPr>
+        <p:spPr>
+          <a:xfrm>
+            <a:off x="457200" y="273050"/>
+            <a:ext cx="3008313" cy="1162050"/>
+          </a:xfrm>
+        </p:spPr>
+        <p:txBody>
+          <a:bodyPr anchor="b"/>
+          <a:lstStyle>
+            <a:lvl1pPr algn="l">
+              <a:defRPr sz="2000" b="1"/>
+            </a:lvl1pPr>
+          </a:lstStyle>
+          <a:p>
+            <a:r>
+              <a:rPr lang="en-US" smtClean="0"/>
+              <a:t>Click to edit Master title style</a:t>
+            </a:r>
+            <a:endParaRPr lang="en-US"/>
+          </a:p>
+        </p:txBody>
+      </p:sp>
+      <p:sp>
+        <p:nvSpPr>
+          <p:cNvPr id="3" name="Content Placeholder 2"/>
+          <p:cNvSpPr>
+            <a:spLocks noGrp="1"/>
+          </p:cNvSpPr>
+          <p:nvPr>
+            <p:ph idx="1"/>
+          </p:nvPr>
+        </p:nvSpPr>
+        <p:spPr>
+          <a:xfrm>
+            <a:off x="3575050" y="273050"/>
+            <a:ext cx="5111750" cy="5853113"/>
+          </a:xfrm>
+        </p:spPr>
+        <p:txBody>
+          <a:bodyPr/>
+          <a:lstStyle>
+            <a:lvl1pPr>
+              <a:defRPr sz="3200"/>
+            </a:lvl1pPr>
+            <a:lvl2pPr>
+              <a:defRPr sz="2800"/>
+            </a:lvl2pPr>
+            <a:lvl3pPr>
+              <a:defRPr sz="2400"/>
+            </a:lvl3pPr>
+            <a:lvl4pPr>
+              <a:defRPr sz="2000"/>
+            </a:lvl4pPr>
+            <a:lvl5pPr>
+              <a:defRPr sz="2000"/>
+            </a:lvl5pPr>
+            <a:lvl6pPr>
+              <a:defRPr sz="2000"/>
+            </a:lvl6pPr>
+            <a:lvl7pPr>
+              <a:defRPr sz="2000"/>
+            </a:lvl7pPr>
+            <a:lvl8pPr>
+              <a:defRPr sz="2000"/>
+            </a:lvl8pPr>
+            <a:lvl9pPr>
+              <a:defRPr sz="2000"/>
+            </a:lvl9pPr>
+          </a:lstStyle>
+          <a:p>
+            <a:pPr lvl="0"/>
+            <a:r>
+              <a:rPr lang="en-US" smtClean="0"/>
+              <a:t>Click to edit Master text styles</a:t>
+            </a:r>
+          </a:p>
+          <a:p>
+            <a:pPr lvl="1"/>
+            <a:r>
+              <a:rPr lang="en-US" smtClean="0"/>
+              <a:t>Second level</a:t>
+            </a:r>
+          </a:p>
+          <a:p>
+            <a:pPr lvl="2"/>
+            <a:r>
+              <a:rPr lang="en-US" smtClean="0"/>
+              <a:t>Third level</a:t>
+            </a:r>
+          </a:p>
+          <a:p>
+            <a:pPr lvl="3"/>
+            <a:r>
+              <a:rPr lang="en-US" smtClean="0"/>
+              <a:t>Fourth level</a:t>
+            </a:r>
+          </a:p>
+          <a:p>
+            <a:pPr lvl="4"/>
+            <a:r>
+              <a:rPr lang="en-US" smtClean="0"/>
+              <a:t>Fifth level</a:t>
+            </a:r>
+            <a:endParaRPr lang="en-US"/>
+          </a:p>
+        </p:txBody>
+      </p:sp>
+      <p:sp>
+        <p:nvSpPr>
+          <p:cNvPr id="4" name="Text Placeholder 3"/>
+          <p:cNvSpPr>
+            <a:spLocks noGrp="1"/>
+          </p:cNvSpPr>
+          <p:nvPr>
+            <p:ph type="body" sz="half" idx="2"/>
+          </p:nvPr>
+        </p:nvSpPr>
+        <p:spPr>
+          <a:xfrm>
+            <a:off x="457200" y="1435100"/>
+            <a:ext cx="3008313" cy="4691063"/>
+          </a:xfrm>
+        </p:spPr>
+        <p:txBody>
+          <a:bodyPr/>
+          <a:lstStyle>
+            <a:lvl1pPr marL="0" indent="0">
+              <a:buNone/>
+              <a:defRPr sz="1400"/>
+            </a:lvl1pPr>
+            <a:lvl2pPr marL="457200" indent="0">
+              <a:buNone/>
+              <a:defRPr sz="1200"/>
+            </a:lvl2pPr>
+            <a:lvl3pPr marL="914400" indent="0">
+              <a:buNone/>
+              <a:defRPr sz="1000"/>
+            </a:lvl3pPr>
+            <a:lvl4pPr marL="1371600" indent="0">
+              <a:buNone/>
+              <a:defRPr sz="900"/>
+            </a:lvl4pPr>
+            <a:lvl5pPr marL="1828800" indent="0">
+              <a:buNone/>
+              <a:defRPr sz="900"/>
+            </a:lvl5pPr>
+            <a:lvl6pPr marL="2286000" indent="0">
+              <a:buNone/>
+              <a:defRPr sz="900"/>
+            </a:lvl6pPr>
+            <a:lvl7pPr marL="2743200" indent="0">
+              <a:buNone/>
+              <a:defRPr sz="900"/>
+            </a:lvl7pPr>
+            <a:lvl8pPr marL="3200400" indent="0">
+              <a:buNone/>
+              <a:defRPr sz="900"/>
+            </a:lvl8pPr>
+            <a:lvl9pPr marL="3657600" indent="0">
+              <a:buNone/>
+              <a:defRPr sz="900"/>
+            </a:lvl9pPr>
+          </a:lstStyle>
+          <a:p>
+            <a:pPr lvl="0"/>
+            <a:r>
+              <a:rPr lang="en-US" smtClean="0"/>
+              <a:t>Click to edit Master text styles</a:t>
+            </a:r>
+          </a:p>
+        </p:txBody>
+      </p:sp>
+      <p:sp>
+        <p:nvSpPr>
+          <p:cNvPr id="5" name="Date Placeholder 4"/>
+          <p:cNvSpPr>
+            <a:spLocks noGrp="1"/>
+          </p:cNvSpPr>
+          <p:nvPr>
+            <p:ph type="dt" sz="half" idx="10"/>
+          </p:nvPr>
+        </p:nvSpPr>
+        <p:spPr/>
+        <p:txBody>
+          <a:bodyPr/>
+          <a:lstStyle/>
+          <a:p>
+            <a:fld id="{241EB5C9-1307-BA42-ABA2-0BC069CD8E7F}" type="datetimeFigureOut">
+              <a:rPr lang="en-US" smtClean="0"/>
+              <a:t>4/5/2019</a:t>
+            </a:fld>
+            <a:endParaRPr lang="en-US"/>
+          </a:p>
+        </p:txBody>
+      </p:sp>
+      <p:sp>
+        <p:nvSpPr>
+          <p:cNvPr id="6" name="Footer Placeholder 5"/>
+          <p:cNvSpPr>
+            <a:spLocks noGrp="1"/>
+          </p:cNvSpPr>
+          <p:nvPr>
+            <p:ph type="ftr" sz="quarter" idx="11"/>
+          </p:nvPr>
+        </p:nvSpPr>
+        <p:spPr/>
+        <p:txBody>
+          <a:bodyPr/>
+          <a:lstStyle/>
+          <a:p>
+            <a:endParaRPr lang="en-US"/>
+          </a:p>
+        </p:txBody>
+      </p:sp>
+      <p:sp>
+        <p:nvSpPr>
+          <p:cNvPr id="7" name="Slide Number Placeholder 6"/>
+          <p:cNvSpPr>
+            <a:spLocks noGrp="1"/>
+          </p:cNvSpPr>
+          <p:nvPr>
+            <p:ph type="sldNum" sz="quarter" idx="12"/>
+          </p:nvPr>
+        </p:nvSpPr>
+        <p:spPr/>
+        <p:txBody>
+          <a:bodyPr/>
+          <a:lstStyle/>
+          <a:p>
+            <a:fld id="{C5EF2332-01BF-834F-8236-50238282D533}" type="slidenum">
+              <a:rPr lang="en-US" smtClean="0"/>
+              <a:t>‹#›</a:t>
+            </a:fld>
+            <a:endParaRPr lang="en-US"/>
+          </a:p>
+        </p:txBody>
+      </p:sp>
+    </p:spTree>
+    <p:extLst>
+      <p:ext uri="{BB962C8B-B14F-4D97-AF65-F5344CB8AC3E}">
+        <p14:creationId xmlns:p14="http://schemas.microsoft.com/office/powerpoint/2010/main" val="3540895647"/>
+      </p:ext>
+    </p:extLst>
+  </p:cSld>
+  <p:clrMapOvr>
+    <a:masterClrMapping/>
+  </p:clrMapOvr>
+</p:sldLayout>
+</file>
+
+<file path=ppt/slideLayouts/slideLayout9.xml><?xml version="1.0" encoding="utf-8"?>
+<p:sldLayout xmlns:a="http://schemas.openxmlformats.org/drawingml/2006/main" xmlns:r="http://schemas.openxmlformats.org/officeDocument/2006/relationships" xmlns:p="http://schemas.openxmlformats.org/presentationml/2006/main" type="picTx" preserve="1">
+  <p:cSld name="Picture with Caption">
+    <p:spTree>
+      <p:nvGrpSpPr>
+        <p:cNvPr id="1" name=""/>
+        <p:cNvGrpSpPr/>
+        <p:nvPr/>
+      </p:nvGrpSpPr>
+      <p:grpSpPr>
+        <a:xfrm>
+          <a:off x="0" y="0"/>
+          <a:ext cx="0" cy="0"/>
+          <a:chOff x="0" y="0"/>
+          <a:chExt cx="0" cy="0"/>
+        </a:xfrm>
+      </p:grpSpPr>
+      <p:sp>
+        <p:nvSpPr>
+          <p:cNvPr id="2" name="Title 1"/>
+          <p:cNvSpPr>
+            <a:spLocks noGrp="1"/>
+          </p:cNvSpPr>
+          <p:nvPr>
+            <p:ph type="title"/>
+          </p:nvPr>
+        </p:nvSpPr>
+        <p:spPr>
+          <a:xfrm>
+            <a:off x="1792288" y="4800600"/>
+            <a:ext cx="5486400" cy="566738"/>
+          </a:xfrm>
+        </p:spPr>
+        <p:txBody>
+          <a:bodyPr anchor="b"/>
+          <a:lstStyle>
+            <a:lvl1pPr algn="l">
+              <a:defRPr sz="2000" b="1"/>
+            </a:lvl1pPr>
+          </a:lstStyle>
+          <a:p>
+            <a:r>
+              <a:rPr lang="en-US" smtClean="0"/>
+              <a:t>Click to edit Master title style</a:t>
+            </a:r>
+            <a:endParaRPr lang="en-US"/>
+          </a:p>
+        </p:txBody>
+      </p:sp>
+      <p:sp>
+        <p:nvSpPr>
+          <p:cNvPr id="3" name="Picture Placeholder 2"/>
+          <p:cNvSpPr>
+            <a:spLocks noGrp="1"/>
+          </p:cNvSpPr>
+          <p:nvPr>
+            <p:ph type="pic" idx="1"/>
+          </p:nvPr>
+        </p:nvSpPr>
+        <p:spPr>
+          <a:xfrm>
+            <a:off x="1792288" y="612775"/>
+            <a:ext cx="5486400" cy="4114800"/>
+          </a:xfrm>
+        </p:spPr>
+        <p:txBody>
+          <a:bodyPr/>
+          <a:lstStyle>
+            <a:lvl1pPr marL="0" indent="0">
+              <a:buNone/>
+              <a:defRPr sz="3200"/>
+            </a:lvl1pPr>
+            <a:lvl2pPr marL="457200" indent="0">
+              <a:buNone/>
+              <a:defRPr sz="2800"/>
+            </a:lvl2pPr>
+            <a:lvl3pPr marL="914400" indent="0">
+              <a:buNone/>
+              <a:defRPr sz="2400"/>
+            </a:lvl3pPr>
+            <a:lvl4pPr marL="1371600" indent="0">
+              <a:buNone/>
+              <a:defRPr sz="2000"/>
+            </a:lvl4pPr>
+            <a:lvl5pPr marL="1828800" indent="0">
+              <a:buNone/>
+              <a:defRPr sz="2000"/>
+            </a:lvl5pPr>
+            <a:lvl6pPr marL="2286000" indent="0">
+              <a:buNone/>
+              <a:defRPr sz="2000"/>
+            </a:lvl6pPr>
+            <a:lvl7pPr marL="2743200" indent="0">
+              <a:buNone/>
+              <a:defRPr sz="2000"/>
+            </a:lvl7pPr>
+            <a:lvl8pPr marL="3200400" indent="0">
+              <a:buNone/>
+              <a:defRPr sz="2000"/>
+            </a:lvl8pPr>
+            <a:lvl9pPr marL="3657600" indent="0">
+              <a:buNone/>
+              <a:defRPr sz="2000"/>
+            </a:lvl9pPr>
+          </a:lstStyle>
+          <a:p>
+            <a:endParaRPr lang="en-US"/>
+          </a:p>
+        </p:txBody>
+      </p:sp>
+      <p:sp>
+        <p:nvSpPr>
+          <p:cNvPr id="4" name="Text Placeholder 3"/>
+          <p:cNvSpPr>
+            <a:spLocks noGrp="1"/>
+          </p:cNvSpPr>
+          <p:nvPr>
+            <p:ph type="body" sz="half" idx="2"/>
+          </p:nvPr>
+        </p:nvSpPr>
+        <p:spPr>
+          <a:xfrm>
+            <a:off x="1792288" y="5367338"/>
+            <a:ext cx="5486400" cy="804862"/>
+          </a:xfrm>
+        </p:spPr>
+        <p:txBody>
+          <a:bodyPr/>
+          <a:lstStyle>
+            <a:lvl1pPr marL="0" indent="0">
+              <a:buNone/>
+              <a:defRPr sz="1400"/>
+            </a:lvl1pPr>
+            <a:lvl2pPr marL="457200" indent="0">
+              <a:buNone/>
+              <a:defRPr sz="1200"/>
+            </a:lvl2pPr>
+            <a:lvl3pPr marL="914400" indent="0">
+              <a:buNone/>
+              <a:defRPr sz="1000"/>
+            </a:lvl3pPr>
+            <a:lvl4pPr marL="1371600" indent="0">
+              <a:buNone/>
+              <a:defRPr sz="900"/>
+            </a:lvl4pPr>
+            <a:lvl5pPr marL="1828800" indent="0">
+              <a:buNone/>
+              <a:defRPr sz="900"/>
+            </a:lvl5pPr>
+            <a:lvl6pPr marL="2286000" indent="0">
+              <a:buNone/>
+              <a:defRPr sz="900"/>
+            </a:lvl6pPr>
+            <a:lvl7pPr marL="2743200" indent="0">
+              <a:buNone/>
+              <a:defRPr sz="900"/>
+            </a:lvl7pPr>
+            <a:lvl8pPr marL="3200400" indent="0">
+              <a:buNone/>
+              <a:defRPr sz="900"/>
+            </a:lvl8pPr>
+            <a:lvl9pPr marL="3657600" indent="0">
+              <a:buNone/>
+              <a:defRPr sz="900"/>
+            </a:lvl9pPr>
+          </a:lstStyle>
+          <a:p>
+            <a:pPr lvl="0"/>
+            <a:r>
+              <a:rPr lang="en-US" smtClean="0"/>
+              <a:t>Click to edit Master text styles</a:t>
+            </a:r>
+          </a:p>
+        </p:txBody>
+      </p:sp>
+      <p:sp>
+        <p:nvSpPr>
+          <p:cNvPr id="5" name="Date Placeholder 4"/>
+          <p:cNvSpPr>
+            <a:spLocks noGrp="1"/>
+          </p:cNvSpPr>
+          <p:nvPr>
+            <p:ph type="dt" sz="half" idx="10"/>
+          </p:nvPr>
+        </p:nvSpPr>
+        <p:spPr/>
+        <p:txBody>
+          <a:bodyPr/>
+          <a:lstStyle/>
+          <a:p>
+            <a:fld id="{241EB5C9-1307-BA42-ABA2-0BC069CD8E7F}" type="datetimeFigureOut">
+              <a:rPr lang="en-US" smtClean="0"/>
+              <a:t>4/5/2019</a:t>
+            </a:fld>
+            <a:endParaRPr lang="en-US"/>
+          </a:p>
+        </p:txBody>
+      </p:sp>
+      <p:sp>
+        <p:nvSpPr>
+          <p:cNvPr id="6" name="Footer Placeholder 5"/>
+          <p:cNvSpPr>
+            <a:spLocks noGrp="1"/>
+          </p:cNvSpPr>
+          <p:nvPr>
+            <p:ph type="ftr" sz="quarter" idx="11"/>
+          </p:nvPr>
+        </p:nvSpPr>
+        <p:spPr/>
+        <p:txBody>
+          <a:bodyPr/>
+          <a:lstStyle/>
+          <a:p>
+            <a:endParaRPr lang="en-US"/>
+          </a:p>
+        </p:txBody>
+      </p:sp>
+      <p:sp>
+        <p:nvSpPr>
+          <p:cNvPr id="7" name="Slide Number Placeholder 6"/>
+          <p:cNvSpPr>
+            <a:spLocks noGrp="1"/>
+          </p:cNvSpPr>
+          <p:nvPr>
+            <p:ph type="sldNum" sz="quarter" idx="12"/>
+          </p:nvPr>
+        </p:nvSpPr>
+        <p:spPr/>
+        <p:txBody>
+          <a:bodyPr/>
+          <a:lstStyle/>
+          <a:p>
+            <a:fld id="{C5EF2332-01BF-834F-8236-50238282D533}" type="slidenum">
+              <a:rPr lang="en-US" smtClean="0"/>
+              <a:t>‹#›</a:t>
+            </a:fld>
+            <a:endParaRPr lang="en-US"/>
+          </a:p>
+        </p:txBody>
+      </p:sp>
+    </p:spTree>
+    <p:extLst>
+      <p:ext uri="{BB962C8B-B14F-4D97-AF65-F5344CB8AC3E}">
+        <p14:creationId xmlns:p14="http://schemas.microsoft.com/office/powerpoint/2010/main" val="3566899855"/>
+      </p:ext>
+    </p:extLst>
+  </p:cSld>
+  <p:clrMapOvr>
+    <a:masterClrMapping/>
+  </p:clrMapOvr>
+</p:sldLayout>
+</file>
+
 <file path=ppt/slideMasters/slideMaster1.xml><?xml version="1.0" encoding="utf-8"?>
 <p:sldMaster xmlns:a="http://schemas.openxmlformats.org/drawingml/2006/main" xmlns:r="http://schemas.openxmlformats.org/officeDocument/2006/relationships" xmlns:p="http://schemas.openxmlformats.org/presentationml/2006/main">
   <p:cSld>
@@ -1668,7 +3184,7 @@
           <a:p>
             <a:fld id="{5EF76A7A-0506-6C4D-8382-BFC753915B9A}" type="datetime4">
               <a:rPr lang="en-US" smtClean="0"/>
-              <a:t>December 19, 2020</a:t>
+              <a:t>December 12, 2020</a:t>
             </a:fld>
             <a:endParaRPr lang="en-US" dirty="0"/>
           </a:p>
@@ -2122,11 +3638,28 @@
           <a:bodyPr/>
           <a:lstStyle/>
           <a:p>
-            <a:pPr marL="0" lvl="0" indent="0">
+            <a:pPr lvl="0" marL="0" indent="0">
               <a:buNone/>
             </a:pPr>
             <a:r>
-              <a:t>SamplePPT (PERSI graphs)</a:t>
+              <a:rPr/>
+              <a:t>SamplePPT</a:t>
+            </a:r>
+            <a:r>
+              <a:rPr/>
+              <a:t> </a:t>
+            </a:r>
+            <a:r>
+              <a:rPr/>
+              <a:t>(PERSI</a:t>
+            </a:r>
+            <a:r>
+              <a:rPr/>
+              <a:t> </a:t>
+            </a:r>
+            <a:r>
+              <a:rPr/>
+              <a:t>graphs)</a:t>
             </a:r>
           </a:p>
         </p:txBody>
@@ -2151,13 +3684,46 @@
           <a:bodyPr/>
           <a:lstStyle/>
           <a:p>
-            <a:pPr marL="0" lvl="0" indent="0">
+            <a:pPr lvl="0" marL="0" indent="0">
               <a:buNone/>
             </a:pPr>
             <a:br/>
             <a:br/>
             <a:r>
-              <a:t>Anil, Swaroop, Jen &amp; Jordan</a:t>
+              <a:rPr/>
+              <a:t>Anil,</a:t>
+            </a:r>
+            <a:r>
+              <a:rPr/>
+              <a:t> </a:t>
+            </a:r>
+            <a:r>
+              <a:rPr/>
+              <a:t>Swaroop,</a:t>
+            </a:r>
+            <a:r>
+              <a:rPr/>
+              <a:t> </a:t>
+            </a:r>
+            <a:r>
+              <a:rPr/>
+              <a:t>Jen</a:t>
+            </a:r>
+            <a:r>
+              <a:rPr/>
+              <a:t> </a:t>
+            </a:r>
+            <a:r>
+              <a:rPr/>
+              <a:t>&amp;</a:t>
+            </a:r>
+            <a:r>
+              <a:rPr/>
+              <a:t> </a:t>
+            </a:r>
+            <a:r>
+              <a:rPr/>
+              <a:t>Jordan</a:t>
             </a:r>
           </a:p>
         </p:txBody>
@@ -2177,10 +3743,11 @@
           <a:bodyPr/>
           <a:lstStyle/>
           <a:p>
-            <a:pPr marL="0" lvl="0" indent="0">
+            <a:pPr lvl="0" marL="0" indent="0">
               <a:buNone/>
             </a:pPr>
             <a:r>
+              <a:rPr/>
               <a:t>12/12/2020</a:t>
             </a:r>
           </a:p>
@@ -2188,9 +3755,6 @@
       </p:sp>
     </p:spTree>
   </p:cSld>
-  <p:clrMapOvr>
-    <a:masterClrMapping/>
-  </p:clrMapOvr>
 </p:sld>
 </file>
 
@@ -2234,50 +3798,86 @@
           <a:bodyPr/>
           <a:lstStyle/>
           <a:p>
-            <a:pPr marL="0" lvl="0" indent="0">
+            <a:pPr lvl="0" marL="0" indent="0">
               <a:buNone/>
             </a:pPr>
             <a:r>
-              <a:t>A History of Weakening Solvency (2001-2019) w/ R (areaPlot())</a:t>
-            </a:r>
-          </a:p>
-        </p:txBody>
-      </p:sp>
-      <p:pic>
-        <p:nvPicPr>
-          <p:cNvPr id="3" name="Picture 1" descr="SamplePPT_files/figure-pptx/debt-1.png"/>
-          <p:cNvPicPr>
-            <a:picLocks noGrp="1" noChangeAspect="1"/>
-          </p:cNvPicPr>
-          <p:nvPr/>
-        </p:nvPicPr>
-        <p:blipFill>
-          <a:blip r:embed="rId2"/>
-          <a:stretch>
-            <a:fillRect/>
-          </a:stretch>
-        </p:blipFill>
-        <p:spPr bwMode="auto">
-          <a:xfrm>
-            <a:off x="673100" y="1600200"/>
-            <a:ext cx="7797800" cy="4876800"/>
-          </a:xfrm>
-          <a:prstGeom prst="rect">
-            <a:avLst/>
-          </a:prstGeom>
-          <a:noFill/>
-          <a:ln w="9525">
-            <a:noFill/>
-            <a:headEnd/>
-            <a:tailEnd/>
-          </a:ln>
-        </p:spPr>
-      </p:pic>
+              <a:rPr/>
+              <a:t>About</a:t>
+            </a:r>
+            <a:r>
+              <a:rPr/>
+              <a:t> </a:t>
+            </a:r>
+            <a:r>
+              <a:rPr/>
+              <a:t>the</a:t>
+            </a:r>
+            <a:r>
+              <a:rPr/>
+              <a:t> </a:t>
+            </a:r>
+            <a:r>
+              <a:rPr/>
+              <a:t>Pension</a:t>
+            </a:r>
+            <a:r>
+              <a:rPr/>
+              <a:t> </a:t>
+            </a:r>
+            <a:r>
+              <a:rPr/>
+              <a:t>Integrity</a:t>
+            </a:r>
+            <a:r>
+              <a:rPr/>
+              <a:t> </a:t>
+            </a:r>
+            <a:r>
+              <a:rPr/>
+              <a:t>Project</a:t>
+            </a:r>
+          </a:p>
+        </p:txBody>
+      </p:sp>
+      <p:sp>
+        <p:nvSpPr>
+          <p:cNvPr id="3" name="Content Placeholder 2"/>
+          <p:cNvSpPr>
+            <a:spLocks noGrp="1"/>
+          </p:cNvSpPr>
+          <p:nvPr>
+            <p:ph idx="1"/>
+          </p:nvPr>
+        </p:nvSpPr>
+        <p:spPr/>
+        <p:txBody>
+          <a:bodyPr/>
+          <a:lstStyle/>
+          <a:p>
+            <a:pPr lvl="0" marL="0" indent="0">
+              <a:buNone/>
+            </a:pPr>
+            <a:r>
+              <a:rPr/>
+              <a:t>We offer pro-bono technical assistance to public officials to help them design and implement pension reforms that improve plan solvency and promote retirement security, including:</a:t>
+            </a:r>
+          </a:p>
+          <a:p>
+            <a:pPr lvl="0" marL="1270000" indent="0">
+              <a:buNone/>
+            </a:pPr>
+            <a:r>
+              <a:rPr sz="1800">
+                <a:latin typeface="Courier"/>
+              </a:rPr>
+              <a:t>## [1] "Customized analysis "</a:t>
+            </a:r>
+          </a:p>
+        </p:txBody>
+      </p:sp>
     </p:spTree>
   </p:cSld>
-  <p:clrMapOvr>
-    <a:masterClrMapping/>
-  </p:clrMapOvr>
 </p:sld>
 </file>
 
@@ -2321,18 +3921,83 @@
           <a:bodyPr/>
           <a:lstStyle/>
           <a:p>
-            <a:pPr marL="0" lvl="0" indent="0">
+            <a:pPr lvl="0" marL="0" indent="0">
               <a:buNone/>
             </a:pPr>
             <a:r>
-              <a:t>A History of Investment Returns (2001-2019) w/ R (linePlot())</a:t>
+              <a:rPr/>
+              <a:t>A</a:t>
+            </a:r>
+            <a:r>
+              <a:rPr/>
+              <a:t> </a:t>
+            </a:r>
+            <a:r>
+              <a:rPr/>
+              <a:t>History</a:t>
+            </a:r>
+            <a:r>
+              <a:rPr/>
+              <a:t> </a:t>
+            </a:r>
+            <a:r>
+              <a:rPr/>
+              <a:t>of</a:t>
+            </a:r>
+            <a:r>
+              <a:rPr/>
+              <a:t> </a:t>
+            </a:r>
+            <a:r>
+              <a:rPr/>
+              <a:t>Weakening</a:t>
+            </a:r>
+            <a:r>
+              <a:rPr/>
+              <a:t> </a:t>
+            </a:r>
+            <a:r>
+              <a:rPr/>
+              <a:t>Solvency</a:t>
+            </a:r>
+            <a:r>
+              <a:rPr/>
+              <a:t> </a:t>
+            </a:r>
+            <a:r>
+              <a:rPr/>
+              <a:t>(2001-2019)</a:t>
+            </a:r>
+            <a:r>
+              <a:rPr/>
+              <a:t> </a:t>
+            </a:r>
+            <a:r>
+              <a:rPr/>
+              <a:t>w/</a:t>
+            </a:r>
+            <a:r>
+              <a:rPr/>
+              <a:t> </a:t>
+            </a:r>
+            <a:r>
+              <a:rPr/>
+              <a:t>R</a:t>
+            </a:r>
+            <a:r>
+              <a:rPr/>
+              <a:t> </a:t>
+            </a:r>
+            <a:r>
+              <a:rPr/>
+              <a:t>(areaPlot())</a:t>
             </a:r>
           </a:p>
         </p:txBody>
       </p:sp>
       <p:pic>
         <p:nvPicPr>
-          <p:cNvPr id="3" name="Picture 1" descr="SamplePPT_files/figure-pptx/graph-1.png"/>
+          <p:cNvPr descr="SamplePPT_files/figure-pptx/debt-1.png" id="0" name="Picture 1"/>
           <p:cNvPicPr>
             <a:picLocks noGrp="1" noChangeAspect="1"/>
           </p:cNvPicPr>
@@ -2362,9 +4027,6 @@
       </p:pic>
     </p:spTree>
   </p:cSld>
-  <p:clrMapOvr>
-    <a:masterClrMapping/>
-  </p:clrMapOvr>
 </p:sld>
 </file>
 
@@ -2408,18 +4070,83 @@
           <a:bodyPr/>
           <a:lstStyle/>
           <a:p>
-            <a:pPr marL="0" lvl="0" indent="0">
+            <a:pPr lvl="0" marL="0" indent="0">
               <a:buNone/>
             </a:pPr>
             <a:r>
-              <a:t>S&amp;P500 vs. Funded Ratio (2001-2019) w/ R (areaPlot())</a:t>
+              <a:rPr/>
+              <a:t>A</a:t>
+            </a:r>
+            <a:r>
+              <a:rPr/>
+              <a:t> </a:t>
+            </a:r>
+            <a:r>
+              <a:rPr/>
+              <a:t>History</a:t>
+            </a:r>
+            <a:r>
+              <a:rPr/>
+              <a:t> </a:t>
+            </a:r>
+            <a:r>
+              <a:rPr/>
+              <a:t>of</a:t>
+            </a:r>
+            <a:r>
+              <a:rPr/>
+              <a:t> </a:t>
+            </a:r>
+            <a:r>
+              <a:rPr/>
+              <a:t>Investment</a:t>
+            </a:r>
+            <a:r>
+              <a:rPr/>
+              <a:t> </a:t>
+            </a:r>
+            <a:r>
+              <a:rPr/>
+              <a:t>Returns</a:t>
+            </a:r>
+            <a:r>
+              <a:rPr/>
+              <a:t> </a:t>
+            </a:r>
+            <a:r>
+              <a:rPr/>
+              <a:t>(2001-2019)</a:t>
+            </a:r>
+            <a:r>
+              <a:rPr/>
+              <a:t> </a:t>
+            </a:r>
+            <a:r>
+              <a:rPr/>
+              <a:t>w/</a:t>
+            </a:r>
+            <a:r>
+              <a:rPr/>
+              <a:t> </a:t>
+            </a:r>
+            <a:r>
+              <a:rPr/>
+              <a:t>R</a:t>
+            </a:r>
+            <a:r>
+              <a:rPr/>
+              <a:t> </a:t>
+            </a:r>
+            <a:r>
+              <a:rPr/>
+              <a:t>(linePlot())</a:t>
             </a:r>
           </a:p>
         </p:txBody>
       </p:sp>
       <p:pic>
         <p:nvPicPr>
-          <p:cNvPr id="3" name="Picture 1" descr="SamplePPT_files/figure-pptx/sp500-1.png"/>
+          <p:cNvPr descr="SamplePPT_files/figure-pptx/graph-1.png" id="0" name="Picture 1"/>
           <p:cNvPicPr>
             <a:picLocks noGrp="1" noChangeAspect="1"/>
           </p:cNvPicPr>
@@ -2449,9 +4176,6 @@
       </p:pic>
     </p:spTree>
   </p:cSld>
-  <p:clrMapOvr>
-    <a:masterClrMapping/>
-  </p:clrMapOvr>
 </p:sld>
 </file>
 
@@ -2495,18 +4219,67 @@
           <a:bodyPr/>
           <a:lstStyle/>
           <a:p>
-            <a:pPr marL="0" lvl="0" indent="0">
+            <a:pPr lvl="0" marL="0" indent="0">
               <a:buNone/>
             </a:pPr>
             <a:r>
-              <a:t>Asset Allocation w/ R (custom)</a:t>
+              <a:rPr/>
+              <a:t>S&amp;P500</a:t>
+            </a:r>
+            <a:r>
+              <a:rPr/>
+              <a:t> </a:t>
+            </a:r>
+            <a:r>
+              <a:rPr/>
+              <a:t>vs. Funded</a:t>
+            </a:r>
+            <a:r>
+              <a:rPr/>
+              <a:t> </a:t>
+            </a:r>
+            <a:r>
+              <a:rPr/>
+              <a:t>Ratio</a:t>
+            </a:r>
+            <a:r>
+              <a:rPr/>
+              <a:t> </a:t>
+            </a:r>
+            <a:r>
+              <a:rPr/>
+              <a:t>(2001-2019)</a:t>
+            </a:r>
+            <a:r>
+              <a:rPr/>
+              <a:t> </a:t>
+            </a:r>
+            <a:r>
+              <a:rPr/>
+              <a:t>w/</a:t>
+            </a:r>
+            <a:r>
+              <a:rPr/>
+              <a:t> </a:t>
+            </a:r>
+            <a:r>
+              <a:rPr/>
+              <a:t>R</a:t>
+            </a:r>
+            <a:r>
+              <a:rPr/>
+              <a:t> </a:t>
+            </a:r>
+            <a:r>
+              <a:rPr/>
+              <a:t>(areaPlot())</a:t>
             </a:r>
           </a:p>
         </p:txBody>
       </p:sp>
       <p:pic>
         <p:nvPicPr>
-          <p:cNvPr id="3" name="Picture 1" descr="SamplePPT_files/figure-pptx/assets-1.png"/>
+          <p:cNvPr descr="SamplePPT_files/figure-pptx/sp500-1.png" id="0" name="Picture 1"/>
           <p:cNvPicPr>
             <a:picLocks noGrp="1" noChangeAspect="1"/>
           </p:cNvPicPr>
@@ -2536,9 +4309,6 @@
       </p:pic>
     </p:spTree>
   </p:cSld>
-  <p:clrMapOvr>
-    <a:masterClrMapping/>
-  </p:clrMapOvr>
 </p:sld>
 </file>
 
@@ -2582,18 +4352,51 @@
           <a:bodyPr/>
           <a:lstStyle/>
           <a:p>
-            <a:pPr marL="0" lvl="0" indent="0">
+            <a:pPr lvl="0" marL="0" indent="0">
               <a:buNone/>
             </a:pPr>
             <a:r>
-              <a:t>Negative Amortization Growth w/ R (custom)</a:t>
+              <a:rPr/>
+              <a:t>Asset</a:t>
+            </a:r>
+            <a:r>
+              <a:rPr/>
+              <a:t> </a:t>
+            </a:r>
+            <a:r>
+              <a:rPr/>
+              <a:t>Allocation</a:t>
+            </a:r>
+            <a:r>
+              <a:rPr/>
+              <a:t> </a:t>
+            </a:r>
+            <a:r>
+              <a:rPr/>
+              <a:t>w/</a:t>
+            </a:r>
+            <a:r>
+              <a:rPr/>
+              <a:t> </a:t>
+            </a:r>
+            <a:r>
+              <a:rPr/>
+              <a:t>R</a:t>
+            </a:r>
+            <a:r>
+              <a:rPr/>
+              <a:t> </a:t>
+            </a:r>
+            <a:r>
+              <a:rPr/>
+              <a:t>(custom)</a:t>
             </a:r>
           </a:p>
         </p:txBody>
       </p:sp>
       <p:pic>
         <p:nvPicPr>
-          <p:cNvPr id="3" name="Picture 1" descr="SamplePPT_files/figure-pptx/neg.amo-1.png"/>
+          <p:cNvPr descr="SamplePPT_files/figure-pptx/assets-1.png" id="0" name="Picture 1"/>
           <p:cNvPicPr>
             <a:picLocks noGrp="1" noChangeAspect="1"/>
           </p:cNvPicPr>
@@ -2623,9 +4426,6 @@
       </p:pic>
     </p:spTree>
   </p:cSld>
-  <p:clrMapOvr>
-    <a:masterClrMapping/>
-  </p:clrMapOvr>
 </p:sld>
 </file>
 
@@ -2669,10 +4469,136 @@
           <a:bodyPr/>
           <a:lstStyle/>
           <a:p>
-            <a:pPr marL="0" lvl="0" indent="0">
+            <a:pPr lvl="0" marL="0" indent="0">
               <a:buNone/>
             </a:pPr>
             <a:r>
+              <a:rPr/>
+              <a:t>Negative</a:t>
+            </a:r>
+            <a:r>
+              <a:rPr/>
+              <a:t> </a:t>
+            </a:r>
+            <a:r>
+              <a:rPr/>
+              <a:t>Amortization</a:t>
+            </a:r>
+            <a:r>
+              <a:rPr/>
+              <a:t> </a:t>
+            </a:r>
+            <a:r>
+              <a:rPr/>
+              <a:t>Growth</a:t>
+            </a:r>
+            <a:r>
+              <a:rPr/>
+              <a:t> </a:t>
+            </a:r>
+            <a:r>
+              <a:rPr/>
+              <a:t>w/</a:t>
+            </a:r>
+            <a:r>
+              <a:rPr/>
+              <a:t> </a:t>
+            </a:r>
+            <a:r>
+              <a:rPr/>
+              <a:t>R</a:t>
+            </a:r>
+            <a:r>
+              <a:rPr/>
+              <a:t> </a:t>
+            </a:r>
+            <a:r>
+              <a:rPr/>
+              <a:t>(custom)</a:t>
+            </a:r>
+          </a:p>
+        </p:txBody>
+      </p:sp>
+      <p:pic>
+        <p:nvPicPr>
+          <p:cNvPr descr="SamplePPT_files/figure-pptx/neg.amo-1.png" id="0" name="Picture 1"/>
+          <p:cNvPicPr>
+            <a:picLocks noGrp="1" noChangeAspect="1"/>
+          </p:cNvPicPr>
+          <p:nvPr/>
+        </p:nvPicPr>
+        <p:blipFill>
+          <a:blip r:embed="rId2"/>
+          <a:stretch>
+            <a:fillRect/>
+          </a:stretch>
+        </p:blipFill>
+        <p:spPr bwMode="auto">
+          <a:xfrm>
+            <a:off x="673100" y="1600200"/>
+            <a:ext cx="7797800" cy="4876800"/>
+          </a:xfrm>
+          <a:prstGeom prst="rect">
+            <a:avLst/>
+          </a:prstGeom>
+          <a:noFill/>
+          <a:ln w="9525">
+            <a:noFill/>
+            <a:headEnd/>
+            <a:tailEnd/>
+          </a:ln>
+        </p:spPr>
+      </p:pic>
+    </p:spTree>
+  </p:cSld>
+</p:sld>
+</file>
+
+<file path=ppt/slides/slide8.xml><?xml version="1.0" encoding="utf-8"?>
+<p:sld xmlns:a="http://schemas.openxmlformats.org/drawingml/2006/main" xmlns:r="http://schemas.openxmlformats.org/officeDocument/2006/relationships" xmlns:p="http://schemas.openxmlformats.org/presentationml/2006/main">
+  <p:cSld>
+    <p:spTree>
+      <p:nvGrpSpPr>
+        <p:cNvPr id="1" name=""/>
+        <p:cNvGrpSpPr/>
+        <p:nvPr/>
+      </p:nvGrpSpPr>
+      <p:grpSpPr>
+        <a:xfrm>
+          <a:off x="0" y="0"/>
+          <a:ext cx="0" cy="0"/>
+          <a:chOff x="0" y="0"/>
+          <a:chExt cx="0" cy="0"/>
+        </a:xfrm>
+      </p:grpSpPr>
+      <p:sp>
+        <p:nvSpPr>
+          <p:cNvPr id="2" name="Title 1"/>
+          <p:cNvSpPr>
+            <a:spLocks noGrp="1"/>
+          </p:cNvSpPr>
+          <p:nvPr>
+            <p:ph type="title" hasCustomPrompt="1"/>
+          </p:nvPr>
+        </p:nvSpPr>
+        <p:spPr>
+          <a:xfrm>
+            <a:off x="457200" y="533400"/>
+            <a:ext cx="7864475" cy="990600"/>
+          </a:xfrm>
+          <a:prstGeom prst="rect">
+            <a:avLst/>
+          </a:prstGeom>
+        </p:spPr>
+        <p:txBody>
+          <a:bodyPr/>
+          <a:lstStyle/>
+          <a:p>
+            <a:pPr lvl="0" marL="0" indent="0">
+              <a:buNone/>
+            </a:pPr>
+            <a:r>
+              <a:rPr/>
               <a:t>References</a:t>
             </a:r>
           </a:p>
@@ -2723,9 +4649,6 @@
       </p:sp>
     </p:spTree>
   </p:cSld>
-  <p:clrMapOvr>
-    <a:masterClrMapping/>
-  </p:clrMapOvr>
 </p:sld>
 </file>
 

--- a/DeckUpdate/SamplePPT.pptx
+++ b/DeckUpdate/SamplePPT.pptx
@@ -3864,14 +3864,61 @@
             </a:r>
           </a:p>
           <a:p>
-            <a:pPr lvl="0" marL="1270000" indent="0">
+            <a:pPr lvl="1"/>
+            <a:r>
+              <a:rPr/>
+              <a:t>Customized analysis of pension system design, trends</a:t>
+            </a:r>
+          </a:p>
+          <a:p>
+            <a:pPr lvl="1"/>
+            <a:r>
+              <a:rPr/>
+              <a:t>Independent actuarial modeling of reform scenarios</a:t>
+            </a:r>
+          </a:p>
+          <a:p>
+            <a:pPr lvl="1"/>
+            <a:r>
+              <a:rPr/>
+              <a:t>Consultation and modeling around custom policy designs</a:t>
+            </a:r>
+          </a:p>
+          <a:p>
+            <a:pPr lvl="1"/>
+            <a:r>
+              <a:rPr/>
+              <a:t>Latest pension reform research and case studies</a:t>
+            </a:r>
+          </a:p>
+          <a:p>
+            <a:pPr lvl="1"/>
+            <a:r>
+              <a:rPr/>
+              <a:t>Peer-to-peer mentoring from state and local officials who have successfully enacted pension</a:t>
+            </a:r>
+          </a:p>
+          <a:p>
+            <a:pPr lvl="1">
               <a:buNone/>
             </a:pPr>
             <a:r>
-              <a:rPr sz="1800">
-                <a:latin typeface="Courier"/>
-              </a:rPr>
-              <a:t>## [1] "Customized analysis "</a:t>
+              <a:rPr/>
+              <a:t>reforms</a:t>
+            </a:r>
+          </a:p>
+          <a:p>
+            <a:pPr lvl="1"/>
+            <a:r>
+              <a:rPr/>
+              <a:t>Assistance with stakeholder outreach, engagement and relationship management</a:t>
+            </a:r>
+          </a:p>
+          <a:p>
+            <a:pPr lvl="1"/>
+            <a:r>
+              <a:rPr/>
+              <a:t>Design and execution of public education programs and media campaigns</a:t>
             </a:r>
           </a:p>
         </p:txBody>

--- a/DeckUpdate/SamplePPT.pptx
+++ b/DeckUpdate/SamplePPT.pptx
@@ -13,6 +13,7 @@
     <p:sldId id="261" r:id="rId7"/>
     <p:sldId id="262" r:id="rId8"/>
     <p:sldId id="263" r:id="rId9"/>
+    <p:sldId id="264" r:id="rId10"/>
   </p:sldIdLst>
   <p:sldSz cx="9144000" cy="6858000" type="screen4x3"/>
   <p:notesSz cx="6858000" cy="9144000"/>
@@ -362,7 +363,7 @@
           <a:p>
             <a:fld id="{10302D39-B686-2742-A69B-CE6D46FC9A4E}" type="datetime4">
               <a:rPr lang="en-US" smtClean="0"/>
-              <a:t>December 12, 2020</a:t>
+              <a:t>December 30, 2020</a:t>
             </a:fld>
             <a:endParaRPr lang="en-US" dirty="0"/>
           </a:p>
@@ -484,356 +485,6 @@
 </p:sldLayout>
 </file>
 
-<file path=ppt/slideLayouts/slideLayout10.xml><?xml version="1.0" encoding="utf-8"?>
-<p:sldLayout xmlns:a="http://schemas.openxmlformats.org/drawingml/2006/main" xmlns:r="http://schemas.openxmlformats.org/officeDocument/2006/relationships" xmlns:p="http://schemas.openxmlformats.org/presentationml/2006/main" type="vertTx" preserve="1">
-  <p:cSld name="Title and Vertical Text">
-    <p:spTree>
-      <p:nvGrpSpPr>
-        <p:cNvPr id="1" name=""/>
-        <p:cNvGrpSpPr/>
-        <p:nvPr/>
-      </p:nvGrpSpPr>
-      <p:grpSpPr>
-        <a:xfrm>
-          <a:off x="0" y="0"/>
-          <a:ext cx="0" cy="0"/>
-          <a:chOff x="0" y="0"/>
-          <a:chExt cx="0" cy="0"/>
-        </a:xfrm>
-      </p:grpSpPr>
-      <p:sp>
-        <p:nvSpPr>
-          <p:cNvPr id="2" name="Title 1"/>
-          <p:cNvSpPr>
-            <a:spLocks noGrp="1"/>
-          </p:cNvSpPr>
-          <p:nvPr>
-            <p:ph type="title"/>
-          </p:nvPr>
-        </p:nvSpPr>
-        <p:spPr/>
-        <p:txBody>
-          <a:bodyPr/>
-          <a:lstStyle/>
-          <a:p>
-            <a:r>
-              <a:rPr lang="en-US" smtClean="0"/>
-              <a:t>Click to edit Master title style</a:t>
-            </a:r>
-            <a:endParaRPr lang="en-US"/>
-          </a:p>
-        </p:txBody>
-      </p:sp>
-      <p:sp>
-        <p:nvSpPr>
-          <p:cNvPr id="3" name="Vertical Text Placeholder 2"/>
-          <p:cNvSpPr>
-            <a:spLocks noGrp="1"/>
-          </p:cNvSpPr>
-          <p:nvPr>
-            <p:ph type="body" orient="vert" idx="1"/>
-          </p:nvPr>
-        </p:nvSpPr>
-        <p:spPr/>
-        <p:txBody>
-          <a:bodyPr vert="eaVert"/>
-          <a:lstStyle/>
-          <a:p>
-            <a:pPr lvl="0"/>
-            <a:r>
-              <a:rPr lang="en-US" smtClean="0"/>
-              <a:t>Click to edit Master text styles</a:t>
-            </a:r>
-          </a:p>
-          <a:p>
-            <a:pPr lvl="1"/>
-            <a:r>
-              <a:rPr lang="en-US" smtClean="0"/>
-              <a:t>Second level</a:t>
-            </a:r>
-          </a:p>
-          <a:p>
-            <a:pPr lvl="2"/>
-            <a:r>
-              <a:rPr lang="en-US" smtClean="0"/>
-              <a:t>Third level</a:t>
-            </a:r>
-          </a:p>
-          <a:p>
-            <a:pPr lvl="3"/>
-            <a:r>
-              <a:rPr lang="en-US" smtClean="0"/>
-              <a:t>Fourth level</a:t>
-            </a:r>
-          </a:p>
-          <a:p>
-            <a:pPr lvl="4"/>
-            <a:r>
-              <a:rPr lang="en-US" smtClean="0"/>
-              <a:t>Fifth level</a:t>
-            </a:r>
-            <a:endParaRPr lang="en-US"/>
-          </a:p>
-        </p:txBody>
-      </p:sp>
-      <p:sp>
-        <p:nvSpPr>
-          <p:cNvPr id="4" name="Date Placeholder 3"/>
-          <p:cNvSpPr>
-            <a:spLocks noGrp="1"/>
-          </p:cNvSpPr>
-          <p:nvPr>
-            <p:ph type="dt" sz="half" idx="10"/>
-          </p:nvPr>
-        </p:nvSpPr>
-        <p:spPr/>
-        <p:txBody>
-          <a:bodyPr/>
-          <a:lstStyle/>
-          <a:p>
-            <a:fld id="{241EB5C9-1307-BA42-ABA2-0BC069CD8E7F}" type="datetimeFigureOut">
-              <a:rPr lang="en-US" smtClean="0"/>
-              <a:t>4/5/2019</a:t>
-            </a:fld>
-            <a:endParaRPr lang="en-US"/>
-          </a:p>
-        </p:txBody>
-      </p:sp>
-      <p:sp>
-        <p:nvSpPr>
-          <p:cNvPr id="5" name="Footer Placeholder 4"/>
-          <p:cNvSpPr>
-            <a:spLocks noGrp="1"/>
-          </p:cNvSpPr>
-          <p:nvPr>
-            <p:ph type="ftr" sz="quarter" idx="11"/>
-          </p:nvPr>
-        </p:nvSpPr>
-        <p:spPr/>
-        <p:txBody>
-          <a:bodyPr/>
-          <a:lstStyle/>
-          <a:p>
-            <a:endParaRPr lang="en-US"/>
-          </a:p>
-        </p:txBody>
-      </p:sp>
-      <p:sp>
-        <p:nvSpPr>
-          <p:cNvPr id="6" name="Slide Number Placeholder 5"/>
-          <p:cNvSpPr>
-            <a:spLocks noGrp="1"/>
-          </p:cNvSpPr>
-          <p:nvPr>
-            <p:ph type="sldNum" sz="quarter" idx="12"/>
-          </p:nvPr>
-        </p:nvSpPr>
-        <p:spPr/>
-        <p:txBody>
-          <a:bodyPr/>
-          <a:lstStyle/>
-          <a:p>
-            <a:fld id="{C5EF2332-01BF-834F-8236-50238282D533}" type="slidenum">
-              <a:rPr lang="en-US" smtClean="0"/>
-              <a:t>‹#›</a:t>
-            </a:fld>
-            <a:endParaRPr lang="en-US"/>
-          </a:p>
-        </p:txBody>
-      </p:sp>
-    </p:spTree>
-    <p:extLst>
-      <p:ext uri="{BB962C8B-B14F-4D97-AF65-F5344CB8AC3E}">
-        <p14:creationId xmlns:p14="http://schemas.microsoft.com/office/powerpoint/2010/main" val="313914798"/>
-      </p:ext>
-    </p:extLst>
-  </p:cSld>
-  <p:clrMapOvr>
-    <a:masterClrMapping/>
-  </p:clrMapOvr>
-</p:sldLayout>
-</file>
-
-<file path=ppt/slideLayouts/slideLayout11.xml><?xml version="1.0" encoding="utf-8"?>
-<p:sldLayout xmlns:a="http://schemas.openxmlformats.org/drawingml/2006/main" xmlns:r="http://schemas.openxmlformats.org/officeDocument/2006/relationships" xmlns:p="http://schemas.openxmlformats.org/presentationml/2006/main" type="vertTitleAndTx" preserve="1">
-  <p:cSld name="Vertical Title and Text">
-    <p:spTree>
-      <p:nvGrpSpPr>
-        <p:cNvPr id="1" name=""/>
-        <p:cNvGrpSpPr/>
-        <p:nvPr/>
-      </p:nvGrpSpPr>
-      <p:grpSpPr>
-        <a:xfrm>
-          <a:off x="0" y="0"/>
-          <a:ext cx="0" cy="0"/>
-          <a:chOff x="0" y="0"/>
-          <a:chExt cx="0" cy="0"/>
-        </a:xfrm>
-      </p:grpSpPr>
-      <p:sp>
-        <p:nvSpPr>
-          <p:cNvPr id="2" name="Vertical Title 1"/>
-          <p:cNvSpPr>
-            <a:spLocks noGrp="1"/>
-          </p:cNvSpPr>
-          <p:nvPr>
-            <p:ph type="title" orient="vert"/>
-          </p:nvPr>
-        </p:nvSpPr>
-        <p:spPr>
-          <a:xfrm>
-            <a:off x="6629400" y="274638"/>
-            <a:ext cx="2057400" cy="5851525"/>
-          </a:xfrm>
-        </p:spPr>
-        <p:txBody>
-          <a:bodyPr vert="eaVert"/>
-          <a:lstStyle/>
-          <a:p>
-            <a:r>
-              <a:rPr lang="en-US" smtClean="0"/>
-              <a:t>Click to edit Master title style</a:t>
-            </a:r>
-            <a:endParaRPr lang="en-US"/>
-          </a:p>
-        </p:txBody>
-      </p:sp>
-      <p:sp>
-        <p:nvSpPr>
-          <p:cNvPr id="3" name="Vertical Text Placeholder 2"/>
-          <p:cNvSpPr>
-            <a:spLocks noGrp="1"/>
-          </p:cNvSpPr>
-          <p:nvPr>
-            <p:ph type="body" orient="vert" idx="1"/>
-          </p:nvPr>
-        </p:nvSpPr>
-        <p:spPr>
-          <a:xfrm>
-            <a:off x="457200" y="274638"/>
-            <a:ext cx="6019800" cy="5851525"/>
-          </a:xfrm>
-        </p:spPr>
-        <p:txBody>
-          <a:bodyPr vert="eaVert"/>
-          <a:lstStyle/>
-          <a:p>
-            <a:pPr lvl="0"/>
-            <a:r>
-              <a:rPr lang="en-US" smtClean="0"/>
-              <a:t>Click to edit Master text styles</a:t>
-            </a:r>
-          </a:p>
-          <a:p>
-            <a:pPr lvl="1"/>
-            <a:r>
-              <a:rPr lang="en-US" smtClean="0"/>
-              <a:t>Second level</a:t>
-            </a:r>
-          </a:p>
-          <a:p>
-            <a:pPr lvl="2"/>
-            <a:r>
-              <a:rPr lang="en-US" smtClean="0"/>
-              <a:t>Third level</a:t>
-            </a:r>
-          </a:p>
-          <a:p>
-            <a:pPr lvl="3"/>
-            <a:r>
-              <a:rPr lang="en-US" smtClean="0"/>
-              <a:t>Fourth level</a:t>
-            </a:r>
-          </a:p>
-          <a:p>
-            <a:pPr lvl="4"/>
-            <a:r>
-              <a:rPr lang="en-US" smtClean="0"/>
-              <a:t>Fifth level</a:t>
-            </a:r>
-            <a:endParaRPr lang="en-US"/>
-          </a:p>
-        </p:txBody>
-      </p:sp>
-      <p:sp>
-        <p:nvSpPr>
-          <p:cNvPr id="4" name="Date Placeholder 3"/>
-          <p:cNvSpPr>
-            <a:spLocks noGrp="1"/>
-          </p:cNvSpPr>
-          <p:nvPr>
-            <p:ph type="dt" sz="half" idx="10"/>
-          </p:nvPr>
-        </p:nvSpPr>
-        <p:spPr/>
-        <p:txBody>
-          <a:bodyPr/>
-          <a:lstStyle/>
-          <a:p>
-            <a:fld id="{241EB5C9-1307-BA42-ABA2-0BC069CD8E7F}" type="datetimeFigureOut">
-              <a:rPr lang="en-US" smtClean="0"/>
-              <a:t>4/5/2019</a:t>
-            </a:fld>
-            <a:endParaRPr lang="en-US"/>
-          </a:p>
-        </p:txBody>
-      </p:sp>
-      <p:sp>
-        <p:nvSpPr>
-          <p:cNvPr id="5" name="Footer Placeholder 4"/>
-          <p:cNvSpPr>
-            <a:spLocks noGrp="1"/>
-          </p:cNvSpPr>
-          <p:nvPr>
-            <p:ph type="ftr" sz="quarter" idx="11"/>
-          </p:nvPr>
-        </p:nvSpPr>
-        <p:spPr/>
-        <p:txBody>
-          <a:bodyPr/>
-          <a:lstStyle/>
-          <a:p>
-            <a:endParaRPr lang="en-US"/>
-          </a:p>
-        </p:txBody>
-      </p:sp>
-      <p:sp>
-        <p:nvSpPr>
-          <p:cNvPr id="6" name="Slide Number Placeholder 5"/>
-          <p:cNvSpPr>
-            <a:spLocks noGrp="1"/>
-          </p:cNvSpPr>
-          <p:nvPr>
-            <p:ph type="sldNum" sz="quarter" idx="12"/>
-          </p:nvPr>
-        </p:nvSpPr>
-        <p:spPr/>
-        <p:txBody>
-          <a:bodyPr/>
-          <a:lstStyle/>
-          <a:p>
-            <a:fld id="{C5EF2332-01BF-834F-8236-50238282D533}" type="slidenum">
-              <a:rPr lang="en-US" smtClean="0"/>
-              <a:t>‹#›</a:t>
-            </a:fld>
-            <a:endParaRPr lang="en-US"/>
-          </a:p>
-        </p:txBody>
-      </p:sp>
-    </p:spTree>
-    <p:extLst>
-      <p:ext uri="{BB962C8B-B14F-4D97-AF65-F5344CB8AC3E}">
-        <p14:creationId xmlns:p14="http://schemas.microsoft.com/office/powerpoint/2010/main" val="2581529045"/>
-      </p:ext>
-    </p:extLst>
-  </p:cSld>
-  <p:clrMapOvr>
-    <a:masterClrMapping/>
-  </p:clrMapOvr>
-</p:sldLayout>
-</file>
-
 <file path=ppt/slideLayouts/slideLayout2.xml><?xml version="1.0" encoding="utf-8"?>
 <p:sldLayout xmlns:a="http://schemas.openxmlformats.org/drawingml/2006/main" xmlns:r="http://schemas.openxmlformats.org/officeDocument/2006/relationships" xmlns:p="http://schemas.openxmlformats.org/presentationml/2006/main" preserve="1" userDrawn="1">
   <p:cSld name="Content (Text &amp; Graph)">
@@ -1033,7 +684,7 @@
           <a:p>
             <a:fld id="{585AD263-A788-3145-8D38-AEBC1D444AEE}" type="datetime4">
               <a:rPr lang="en-US" smtClean="0"/>
-              <a:t>December 12, 2020</a:t>
+              <a:t>December 30, 2020</a:t>
             </a:fld>
             <a:endParaRPr lang="en-US" dirty="0"/>
           </a:p>
@@ -1323,7 +974,7 @@
           <a:p>
             <a:fld id="{B606C5D1-9323-1B45-8355-7D55EA8EE66A}" type="datetime4">
               <a:rPr lang="en-US" smtClean="0"/>
-              <a:t>December 12, 2020</a:t>
+              <a:t>December 30, 2020</a:t>
             </a:fld>
             <a:endParaRPr lang="en-US" dirty="0"/>
           </a:p>
@@ -1571,7 +1222,7 @@
           <a:p>
             <a:fld id="{A4108F21-3CFE-3045-9ABB-E1E1413BA1A1}" type="datetime4">
               <a:rPr lang="en-US" smtClean="0"/>
-              <a:t>December 12, 2020</a:t>
+              <a:t>December 30, 2020</a:t>
             </a:fld>
             <a:endParaRPr lang="en-US" dirty="0"/>
           </a:p>
@@ -1803,1171 +1454,6 @@
   </p:cSld>
   <p:clrMapOvr>
     <a:overrideClrMapping bg1="dk1" tx1="lt1" bg2="dk2" tx2="lt2" accent1="accent1" accent2="accent2" accent3="accent3" accent4="accent4" accent5="accent5" accent6="accent6" hlink="hlink" folHlink="folHlink"/>
-  </p:clrMapOvr>
-</p:sldLayout>
-</file>
-
-<file path=ppt/slideLayouts/slideLayout5.xml><?xml version="1.0" encoding="utf-8"?>
-<p:sldLayout xmlns:a="http://schemas.openxmlformats.org/drawingml/2006/main" xmlns:r="http://schemas.openxmlformats.org/officeDocument/2006/relationships" xmlns:p="http://schemas.openxmlformats.org/presentationml/2006/main" type="twoTxTwoObj" preserve="1">
-  <p:cSld name="Comparison">
-    <p:spTree>
-      <p:nvGrpSpPr>
-        <p:cNvPr id="1" name=""/>
-        <p:cNvGrpSpPr/>
-        <p:nvPr/>
-      </p:nvGrpSpPr>
-      <p:grpSpPr>
-        <a:xfrm>
-          <a:off x="0" y="0"/>
-          <a:ext cx="0" cy="0"/>
-          <a:chOff x="0" y="0"/>
-          <a:chExt cx="0" cy="0"/>
-        </a:xfrm>
-      </p:grpSpPr>
-      <p:sp>
-        <p:nvSpPr>
-          <p:cNvPr id="2" name="Title 1"/>
-          <p:cNvSpPr>
-            <a:spLocks noGrp="1"/>
-          </p:cNvSpPr>
-          <p:nvPr>
-            <p:ph type="title"/>
-          </p:nvPr>
-        </p:nvSpPr>
-        <p:spPr/>
-        <p:txBody>
-          <a:bodyPr/>
-          <a:lstStyle>
-            <a:lvl1pPr>
-              <a:defRPr/>
-            </a:lvl1pPr>
-          </a:lstStyle>
-          <a:p>
-            <a:r>
-              <a:rPr lang="en-US" smtClean="0"/>
-              <a:t>Click to edit Master title style</a:t>
-            </a:r>
-            <a:endParaRPr lang="en-US"/>
-          </a:p>
-        </p:txBody>
-      </p:sp>
-      <p:sp>
-        <p:nvSpPr>
-          <p:cNvPr id="3" name="Text Placeholder 2"/>
-          <p:cNvSpPr>
-            <a:spLocks noGrp="1"/>
-          </p:cNvSpPr>
-          <p:nvPr>
-            <p:ph type="body" idx="1"/>
-          </p:nvPr>
-        </p:nvSpPr>
-        <p:spPr>
-          <a:xfrm>
-            <a:off x="457200" y="1535113"/>
-            <a:ext cx="4040188" cy="639762"/>
-          </a:xfrm>
-        </p:spPr>
-        <p:txBody>
-          <a:bodyPr anchor="b"/>
-          <a:lstStyle>
-            <a:lvl1pPr marL="0" indent="0">
-              <a:buNone/>
-              <a:defRPr sz="2400" b="1"/>
-            </a:lvl1pPr>
-            <a:lvl2pPr marL="457200" indent="0">
-              <a:buNone/>
-              <a:defRPr sz="2000" b="1"/>
-            </a:lvl2pPr>
-            <a:lvl3pPr marL="914400" indent="0">
-              <a:buNone/>
-              <a:defRPr sz="1800" b="1"/>
-            </a:lvl3pPr>
-            <a:lvl4pPr marL="1371600" indent="0">
-              <a:buNone/>
-              <a:defRPr sz="1600" b="1"/>
-            </a:lvl4pPr>
-            <a:lvl5pPr marL="1828800" indent="0">
-              <a:buNone/>
-              <a:defRPr sz="1600" b="1"/>
-            </a:lvl5pPr>
-            <a:lvl6pPr marL="2286000" indent="0">
-              <a:buNone/>
-              <a:defRPr sz="1600" b="1"/>
-            </a:lvl6pPr>
-            <a:lvl7pPr marL="2743200" indent="0">
-              <a:buNone/>
-              <a:defRPr sz="1600" b="1"/>
-            </a:lvl7pPr>
-            <a:lvl8pPr marL="3200400" indent="0">
-              <a:buNone/>
-              <a:defRPr sz="1600" b="1"/>
-            </a:lvl8pPr>
-            <a:lvl9pPr marL="3657600" indent="0">
-              <a:buNone/>
-              <a:defRPr sz="1600" b="1"/>
-            </a:lvl9pPr>
-          </a:lstStyle>
-          <a:p>
-            <a:pPr lvl="0"/>
-            <a:r>
-              <a:rPr lang="en-US" smtClean="0"/>
-              <a:t>Click to edit Master text styles</a:t>
-            </a:r>
-          </a:p>
-        </p:txBody>
-      </p:sp>
-      <p:sp>
-        <p:nvSpPr>
-          <p:cNvPr id="4" name="Content Placeholder 3"/>
-          <p:cNvSpPr>
-            <a:spLocks noGrp="1"/>
-          </p:cNvSpPr>
-          <p:nvPr>
-            <p:ph sz="half" idx="2"/>
-          </p:nvPr>
-        </p:nvSpPr>
-        <p:spPr>
-          <a:xfrm>
-            <a:off x="457200" y="2174875"/>
-            <a:ext cx="4040188" cy="3951288"/>
-          </a:xfrm>
-        </p:spPr>
-        <p:txBody>
-          <a:bodyPr/>
-          <a:lstStyle>
-            <a:lvl1pPr>
-              <a:defRPr sz="2400"/>
-            </a:lvl1pPr>
-            <a:lvl2pPr>
-              <a:defRPr sz="2000"/>
-            </a:lvl2pPr>
-            <a:lvl3pPr>
-              <a:defRPr sz="1800"/>
-            </a:lvl3pPr>
-            <a:lvl4pPr>
-              <a:defRPr sz="1600"/>
-            </a:lvl4pPr>
-            <a:lvl5pPr>
-              <a:defRPr sz="1600"/>
-            </a:lvl5pPr>
-            <a:lvl6pPr>
-              <a:defRPr sz="1600"/>
-            </a:lvl6pPr>
-            <a:lvl7pPr>
-              <a:defRPr sz="1600"/>
-            </a:lvl7pPr>
-            <a:lvl8pPr>
-              <a:defRPr sz="1600"/>
-            </a:lvl8pPr>
-            <a:lvl9pPr>
-              <a:defRPr sz="1600"/>
-            </a:lvl9pPr>
-          </a:lstStyle>
-          <a:p>
-            <a:pPr lvl="0"/>
-            <a:r>
-              <a:rPr lang="en-US" smtClean="0"/>
-              <a:t>Click to edit Master text styles</a:t>
-            </a:r>
-          </a:p>
-          <a:p>
-            <a:pPr lvl="1"/>
-            <a:r>
-              <a:rPr lang="en-US" smtClean="0"/>
-              <a:t>Second level</a:t>
-            </a:r>
-          </a:p>
-          <a:p>
-            <a:pPr lvl="2"/>
-            <a:r>
-              <a:rPr lang="en-US" smtClean="0"/>
-              <a:t>Third level</a:t>
-            </a:r>
-          </a:p>
-          <a:p>
-            <a:pPr lvl="3"/>
-            <a:r>
-              <a:rPr lang="en-US" smtClean="0"/>
-              <a:t>Fourth level</a:t>
-            </a:r>
-          </a:p>
-          <a:p>
-            <a:pPr lvl="4"/>
-            <a:r>
-              <a:rPr lang="en-US" smtClean="0"/>
-              <a:t>Fifth level</a:t>
-            </a:r>
-            <a:endParaRPr lang="en-US"/>
-          </a:p>
-        </p:txBody>
-      </p:sp>
-      <p:sp>
-        <p:nvSpPr>
-          <p:cNvPr id="5" name="Text Placeholder 4"/>
-          <p:cNvSpPr>
-            <a:spLocks noGrp="1"/>
-          </p:cNvSpPr>
-          <p:nvPr>
-            <p:ph type="body" sz="quarter" idx="3"/>
-          </p:nvPr>
-        </p:nvSpPr>
-        <p:spPr>
-          <a:xfrm>
-            <a:off x="4645025" y="1535113"/>
-            <a:ext cx="4041775" cy="639762"/>
-          </a:xfrm>
-        </p:spPr>
-        <p:txBody>
-          <a:bodyPr anchor="b"/>
-          <a:lstStyle>
-            <a:lvl1pPr marL="0" indent="0">
-              <a:buNone/>
-              <a:defRPr sz="2400" b="1"/>
-            </a:lvl1pPr>
-            <a:lvl2pPr marL="457200" indent="0">
-              <a:buNone/>
-              <a:defRPr sz="2000" b="1"/>
-            </a:lvl2pPr>
-            <a:lvl3pPr marL="914400" indent="0">
-              <a:buNone/>
-              <a:defRPr sz="1800" b="1"/>
-            </a:lvl3pPr>
-            <a:lvl4pPr marL="1371600" indent="0">
-              <a:buNone/>
-              <a:defRPr sz="1600" b="1"/>
-            </a:lvl4pPr>
-            <a:lvl5pPr marL="1828800" indent="0">
-              <a:buNone/>
-              <a:defRPr sz="1600" b="1"/>
-            </a:lvl5pPr>
-            <a:lvl6pPr marL="2286000" indent="0">
-              <a:buNone/>
-              <a:defRPr sz="1600" b="1"/>
-            </a:lvl6pPr>
-            <a:lvl7pPr marL="2743200" indent="0">
-              <a:buNone/>
-              <a:defRPr sz="1600" b="1"/>
-            </a:lvl7pPr>
-            <a:lvl8pPr marL="3200400" indent="0">
-              <a:buNone/>
-              <a:defRPr sz="1600" b="1"/>
-            </a:lvl8pPr>
-            <a:lvl9pPr marL="3657600" indent="0">
-              <a:buNone/>
-              <a:defRPr sz="1600" b="1"/>
-            </a:lvl9pPr>
-          </a:lstStyle>
-          <a:p>
-            <a:pPr lvl="0"/>
-            <a:r>
-              <a:rPr lang="en-US" smtClean="0"/>
-              <a:t>Click to edit Master text styles</a:t>
-            </a:r>
-          </a:p>
-        </p:txBody>
-      </p:sp>
-      <p:sp>
-        <p:nvSpPr>
-          <p:cNvPr id="6" name="Content Placeholder 5"/>
-          <p:cNvSpPr>
-            <a:spLocks noGrp="1"/>
-          </p:cNvSpPr>
-          <p:nvPr>
-            <p:ph sz="quarter" idx="4"/>
-          </p:nvPr>
-        </p:nvSpPr>
-        <p:spPr>
-          <a:xfrm>
-            <a:off x="4645025" y="2174875"/>
-            <a:ext cx="4041775" cy="3951288"/>
-          </a:xfrm>
-        </p:spPr>
-        <p:txBody>
-          <a:bodyPr/>
-          <a:lstStyle>
-            <a:lvl1pPr>
-              <a:defRPr sz="2400"/>
-            </a:lvl1pPr>
-            <a:lvl2pPr>
-              <a:defRPr sz="2000"/>
-            </a:lvl2pPr>
-            <a:lvl3pPr>
-              <a:defRPr sz="1800"/>
-            </a:lvl3pPr>
-            <a:lvl4pPr>
-              <a:defRPr sz="1600"/>
-            </a:lvl4pPr>
-            <a:lvl5pPr>
-              <a:defRPr sz="1600"/>
-            </a:lvl5pPr>
-            <a:lvl6pPr>
-              <a:defRPr sz="1600"/>
-            </a:lvl6pPr>
-            <a:lvl7pPr>
-              <a:defRPr sz="1600"/>
-            </a:lvl7pPr>
-            <a:lvl8pPr>
-              <a:defRPr sz="1600"/>
-            </a:lvl8pPr>
-            <a:lvl9pPr>
-              <a:defRPr sz="1600"/>
-            </a:lvl9pPr>
-          </a:lstStyle>
-          <a:p>
-            <a:pPr lvl="0"/>
-            <a:r>
-              <a:rPr lang="en-US" smtClean="0"/>
-              <a:t>Click to edit Master text styles</a:t>
-            </a:r>
-          </a:p>
-          <a:p>
-            <a:pPr lvl="1"/>
-            <a:r>
-              <a:rPr lang="en-US" smtClean="0"/>
-              <a:t>Second level</a:t>
-            </a:r>
-          </a:p>
-          <a:p>
-            <a:pPr lvl="2"/>
-            <a:r>
-              <a:rPr lang="en-US" smtClean="0"/>
-              <a:t>Third level</a:t>
-            </a:r>
-          </a:p>
-          <a:p>
-            <a:pPr lvl="3"/>
-            <a:r>
-              <a:rPr lang="en-US" smtClean="0"/>
-              <a:t>Fourth level</a:t>
-            </a:r>
-          </a:p>
-          <a:p>
-            <a:pPr lvl="4"/>
-            <a:r>
-              <a:rPr lang="en-US" smtClean="0"/>
-              <a:t>Fifth level</a:t>
-            </a:r>
-            <a:endParaRPr lang="en-US"/>
-          </a:p>
-        </p:txBody>
-      </p:sp>
-      <p:sp>
-        <p:nvSpPr>
-          <p:cNvPr id="7" name="Date Placeholder 6"/>
-          <p:cNvSpPr>
-            <a:spLocks noGrp="1"/>
-          </p:cNvSpPr>
-          <p:nvPr>
-            <p:ph type="dt" sz="half" idx="10"/>
-          </p:nvPr>
-        </p:nvSpPr>
-        <p:spPr/>
-        <p:txBody>
-          <a:bodyPr/>
-          <a:lstStyle/>
-          <a:p>
-            <a:fld id="{241EB5C9-1307-BA42-ABA2-0BC069CD8E7F}" type="datetimeFigureOut">
-              <a:rPr lang="en-US" smtClean="0"/>
-              <a:t>4/5/2019</a:t>
-            </a:fld>
-            <a:endParaRPr lang="en-US"/>
-          </a:p>
-        </p:txBody>
-      </p:sp>
-      <p:sp>
-        <p:nvSpPr>
-          <p:cNvPr id="8" name="Footer Placeholder 7"/>
-          <p:cNvSpPr>
-            <a:spLocks noGrp="1"/>
-          </p:cNvSpPr>
-          <p:nvPr>
-            <p:ph type="ftr" sz="quarter" idx="11"/>
-          </p:nvPr>
-        </p:nvSpPr>
-        <p:spPr/>
-        <p:txBody>
-          <a:bodyPr/>
-          <a:lstStyle/>
-          <a:p>
-            <a:endParaRPr lang="en-US"/>
-          </a:p>
-        </p:txBody>
-      </p:sp>
-      <p:sp>
-        <p:nvSpPr>
-          <p:cNvPr id="9" name="Slide Number Placeholder 8"/>
-          <p:cNvSpPr>
-            <a:spLocks noGrp="1"/>
-          </p:cNvSpPr>
-          <p:nvPr>
-            <p:ph type="sldNum" sz="quarter" idx="12"/>
-          </p:nvPr>
-        </p:nvSpPr>
-        <p:spPr/>
-        <p:txBody>
-          <a:bodyPr/>
-          <a:lstStyle/>
-          <a:p>
-            <a:fld id="{C5EF2332-01BF-834F-8236-50238282D533}" type="slidenum">
-              <a:rPr lang="en-US" smtClean="0"/>
-              <a:t>‹#›</a:t>
-            </a:fld>
-            <a:endParaRPr lang="en-US"/>
-          </a:p>
-        </p:txBody>
-      </p:sp>
-    </p:spTree>
-    <p:extLst>
-      <p:ext uri="{BB962C8B-B14F-4D97-AF65-F5344CB8AC3E}">
-        <p14:creationId xmlns:p14="http://schemas.microsoft.com/office/powerpoint/2010/main" val="2535793967"/>
-      </p:ext>
-    </p:extLst>
-  </p:cSld>
-  <p:clrMapOvr>
-    <a:masterClrMapping/>
-  </p:clrMapOvr>
-</p:sldLayout>
-</file>
-
-<file path=ppt/slideLayouts/slideLayout6.xml><?xml version="1.0" encoding="utf-8"?>
-<p:sldLayout xmlns:a="http://schemas.openxmlformats.org/drawingml/2006/main" xmlns:r="http://schemas.openxmlformats.org/officeDocument/2006/relationships" xmlns:p="http://schemas.openxmlformats.org/presentationml/2006/main" type="titleOnly" preserve="1">
-  <p:cSld name="Title Only">
-    <p:spTree>
-      <p:nvGrpSpPr>
-        <p:cNvPr id="1" name=""/>
-        <p:cNvGrpSpPr/>
-        <p:nvPr/>
-      </p:nvGrpSpPr>
-      <p:grpSpPr>
-        <a:xfrm>
-          <a:off x="0" y="0"/>
-          <a:ext cx="0" cy="0"/>
-          <a:chOff x="0" y="0"/>
-          <a:chExt cx="0" cy="0"/>
-        </a:xfrm>
-      </p:grpSpPr>
-      <p:sp>
-        <p:nvSpPr>
-          <p:cNvPr id="2" name="Title 1"/>
-          <p:cNvSpPr>
-            <a:spLocks noGrp="1"/>
-          </p:cNvSpPr>
-          <p:nvPr>
-            <p:ph type="title"/>
-          </p:nvPr>
-        </p:nvSpPr>
-        <p:spPr/>
-        <p:txBody>
-          <a:bodyPr/>
-          <a:lstStyle/>
-          <a:p>
-            <a:r>
-              <a:rPr lang="en-US" smtClean="0"/>
-              <a:t>Click to edit Master title style</a:t>
-            </a:r>
-            <a:endParaRPr lang="en-US"/>
-          </a:p>
-        </p:txBody>
-      </p:sp>
-      <p:sp>
-        <p:nvSpPr>
-          <p:cNvPr id="3" name="Date Placeholder 2"/>
-          <p:cNvSpPr>
-            <a:spLocks noGrp="1"/>
-          </p:cNvSpPr>
-          <p:nvPr>
-            <p:ph type="dt" sz="half" idx="10"/>
-          </p:nvPr>
-        </p:nvSpPr>
-        <p:spPr/>
-        <p:txBody>
-          <a:bodyPr/>
-          <a:lstStyle/>
-          <a:p>
-            <a:fld id="{241EB5C9-1307-BA42-ABA2-0BC069CD8E7F}" type="datetimeFigureOut">
-              <a:rPr lang="en-US" smtClean="0"/>
-              <a:t>4/5/2019</a:t>
-            </a:fld>
-            <a:endParaRPr lang="en-US"/>
-          </a:p>
-        </p:txBody>
-      </p:sp>
-      <p:sp>
-        <p:nvSpPr>
-          <p:cNvPr id="4" name="Footer Placeholder 3"/>
-          <p:cNvSpPr>
-            <a:spLocks noGrp="1"/>
-          </p:cNvSpPr>
-          <p:nvPr>
-            <p:ph type="ftr" sz="quarter" idx="11"/>
-          </p:nvPr>
-        </p:nvSpPr>
-        <p:spPr/>
-        <p:txBody>
-          <a:bodyPr/>
-          <a:lstStyle/>
-          <a:p>
-            <a:endParaRPr lang="en-US"/>
-          </a:p>
-        </p:txBody>
-      </p:sp>
-      <p:sp>
-        <p:nvSpPr>
-          <p:cNvPr id="5" name="Slide Number Placeholder 4"/>
-          <p:cNvSpPr>
-            <a:spLocks noGrp="1"/>
-          </p:cNvSpPr>
-          <p:nvPr>
-            <p:ph type="sldNum" sz="quarter" idx="12"/>
-          </p:nvPr>
-        </p:nvSpPr>
-        <p:spPr/>
-        <p:txBody>
-          <a:bodyPr/>
-          <a:lstStyle/>
-          <a:p>
-            <a:fld id="{C5EF2332-01BF-834F-8236-50238282D533}" type="slidenum">
-              <a:rPr lang="en-US" smtClean="0"/>
-              <a:t>‹#›</a:t>
-            </a:fld>
-            <a:endParaRPr lang="en-US"/>
-          </a:p>
-        </p:txBody>
-      </p:sp>
-    </p:spTree>
-    <p:extLst>
-      <p:ext uri="{BB962C8B-B14F-4D97-AF65-F5344CB8AC3E}">
-        <p14:creationId xmlns:p14="http://schemas.microsoft.com/office/powerpoint/2010/main" val="3472721253"/>
-      </p:ext>
-    </p:extLst>
-  </p:cSld>
-  <p:clrMapOvr>
-    <a:masterClrMapping/>
-  </p:clrMapOvr>
-</p:sldLayout>
-</file>
-
-<file path=ppt/slideLayouts/slideLayout7.xml><?xml version="1.0" encoding="utf-8"?>
-<p:sldLayout xmlns:a="http://schemas.openxmlformats.org/drawingml/2006/main" xmlns:r="http://schemas.openxmlformats.org/officeDocument/2006/relationships" xmlns:p="http://schemas.openxmlformats.org/presentationml/2006/main" type="blank" preserve="1">
-  <p:cSld name="Blank">
-    <p:spTree>
-      <p:nvGrpSpPr>
-        <p:cNvPr id="1" name=""/>
-        <p:cNvGrpSpPr/>
-        <p:nvPr/>
-      </p:nvGrpSpPr>
-      <p:grpSpPr>
-        <a:xfrm>
-          <a:off x="0" y="0"/>
-          <a:ext cx="0" cy="0"/>
-          <a:chOff x="0" y="0"/>
-          <a:chExt cx="0" cy="0"/>
-        </a:xfrm>
-      </p:grpSpPr>
-      <p:sp>
-        <p:nvSpPr>
-          <p:cNvPr id="2" name="Date Placeholder 1"/>
-          <p:cNvSpPr>
-            <a:spLocks noGrp="1"/>
-          </p:cNvSpPr>
-          <p:nvPr>
-            <p:ph type="dt" sz="half" idx="10"/>
-          </p:nvPr>
-        </p:nvSpPr>
-        <p:spPr/>
-        <p:txBody>
-          <a:bodyPr/>
-          <a:lstStyle/>
-          <a:p>
-            <a:fld id="{241EB5C9-1307-BA42-ABA2-0BC069CD8E7F}" type="datetimeFigureOut">
-              <a:rPr lang="en-US" smtClean="0"/>
-              <a:t>4/5/2019</a:t>
-            </a:fld>
-            <a:endParaRPr lang="en-US"/>
-          </a:p>
-        </p:txBody>
-      </p:sp>
-      <p:sp>
-        <p:nvSpPr>
-          <p:cNvPr id="3" name="Footer Placeholder 2"/>
-          <p:cNvSpPr>
-            <a:spLocks noGrp="1"/>
-          </p:cNvSpPr>
-          <p:nvPr>
-            <p:ph type="ftr" sz="quarter" idx="11"/>
-          </p:nvPr>
-        </p:nvSpPr>
-        <p:spPr/>
-        <p:txBody>
-          <a:bodyPr/>
-          <a:lstStyle/>
-          <a:p>
-            <a:endParaRPr lang="en-US"/>
-          </a:p>
-        </p:txBody>
-      </p:sp>
-      <p:sp>
-        <p:nvSpPr>
-          <p:cNvPr id="4" name="Slide Number Placeholder 3"/>
-          <p:cNvSpPr>
-            <a:spLocks noGrp="1"/>
-          </p:cNvSpPr>
-          <p:nvPr>
-            <p:ph type="sldNum" sz="quarter" idx="12"/>
-          </p:nvPr>
-        </p:nvSpPr>
-        <p:spPr/>
-        <p:txBody>
-          <a:bodyPr/>
-          <a:lstStyle/>
-          <a:p>
-            <a:fld id="{C5EF2332-01BF-834F-8236-50238282D533}" type="slidenum">
-              <a:rPr lang="en-US" smtClean="0"/>
-              <a:t>‹#›</a:t>
-            </a:fld>
-            <a:endParaRPr lang="en-US"/>
-          </a:p>
-        </p:txBody>
-      </p:sp>
-    </p:spTree>
-    <p:extLst>
-      <p:ext uri="{BB962C8B-B14F-4D97-AF65-F5344CB8AC3E}">
-        <p14:creationId xmlns:p14="http://schemas.microsoft.com/office/powerpoint/2010/main" val="2130901097"/>
-      </p:ext>
-    </p:extLst>
-  </p:cSld>
-  <p:clrMapOvr>
-    <a:masterClrMapping/>
-  </p:clrMapOvr>
-</p:sldLayout>
-</file>
-
-<file path=ppt/slideLayouts/slideLayout8.xml><?xml version="1.0" encoding="utf-8"?>
-<p:sldLayout xmlns:a="http://schemas.openxmlformats.org/drawingml/2006/main" xmlns:r="http://schemas.openxmlformats.org/officeDocument/2006/relationships" xmlns:p="http://schemas.openxmlformats.org/presentationml/2006/main" type="objTx" preserve="1">
-  <p:cSld name="Content with Caption">
-    <p:spTree>
-      <p:nvGrpSpPr>
-        <p:cNvPr id="1" name=""/>
-        <p:cNvGrpSpPr/>
-        <p:nvPr/>
-      </p:nvGrpSpPr>
-      <p:grpSpPr>
-        <a:xfrm>
-          <a:off x="0" y="0"/>
-          <a:ext cx="0" cy="0"/>
-          <a:chOff x="0" y="0"/>
-          <a:chExt cx="0" cy="0"/>
-        </a:xfrm>
-      </p:grpSpPr>
-      <p:sp>
-        <p:nvSpPr>
-          <p:cNvPr id="2" name="Title 1"/>
-          <p:cNvSpPr>
-            <a:spLocks noGrp="1"/>
-          </p:cNvSpPr>
-          <p:nvPr>
-            <p:ph type="title"/>
-          </p:nvPr>
-        </p:nvSpPr>
-        <p:spPr>
-          <a:xfrm>
-            <a:off x="457200" y="273050"/>
-            <a:ext cx="3008313" cy="1162050"/>
-          </a:xfrm>
-        </p:spPr>
-        <p:txBody>
-          <a:bodyPr anchor="b"/>
-          <a:lstStyle>
-            <a:lvl1pPr algn="l">
-              <a:defRPr sz="2000" b="1"/>
-            </a:lvl1pPr>
-          </a:lstStyle>
-          <a:p>
-            <a:r>
-              <a:rPr lang="en-US" smtClean="0"/>
-              <a:t>Click to edit Master title style</a:t>
-            </a:r>
-            <a:endParaRPr lang="en-US"/>
-          </a:p>
-        </p:txBody>
-      </p:sp>
-      <p:sp>
-        <p:nvSpPr>
-          <p:cNvPr id="3" name="Content Placeholder 2"/>
-          <p:cNvSpPr>
-            <a:spLocks noGrp="1"/>
-          </p:cNvSpPr>
-          <p:nvPr>
-            <p:ph idx="1"/>
-          </p:nvPr>
-        </p:nvSpPr>
-        <p:spPr>
-          <a:xfrm>
-            <a:off x="3575050" y="273050"/>
-            <a:ext cx="5111750" cy="5853113"/>
-          </a:xfrm>
-        </p:spPr>
-        <p:txBody>
-          <a:bodyPr/>
-          <a:lstStyle>
-            <a:lvl1pPr>
-              <a:defRPr sz="3200"/>
-            </a:lvl1pPr>
-            <a:lvl2pPr>
-              <a:defRPr sz="2800"/>
-            </a:lvl2pPr>
-            <a:lvl3pPr>
-              <a:defRPr sz="2400"/>
-            </a:lvl3pPr>
-            <a:lvl4pPr>
-              <a:defRPr sz="2000"/>
-            </a:lvl4pPr>
-            <a:lvl5pPr>
-              <a:defRPr sz="2000"/>
-            </a:lvl5pPr>
-            <a:lvl6pPr>
-              <a:defRPr sz="2000"/>
-            </a:lvl6pPr>
-            <a:lvl7pPr>
-              <a:defRPr sz="2000"/>
-            </a:lvl7pPr>
-            <a:lvl8pPr>
-              <a:defRPr sz="2000"/>
-            </a:lvl8pPr>
-            <a:lvl9pPr>
-              <a:defRPr sz="2000"/>
-            </a:lvl9pPr>
-          </a:lstStyle>
-          <a:p>
-            <a:pPr lvl="0"/>
-            <a:r>
-              <a:rPr lang="en-US" smtClean="0"/>
-              <a:t>Click to edit Master text styles</a:t>
-            </a:r>
-          </a:p>
-          <a:p>
-            <a:pPr lvl="1"/>
-            <a:r>
-              <a:rPr lang="en-US" smtClean="0"/>
-              <a:t>Second level</a:t>
-            </a:r>
-          </a:p>
-          <a:p>
-            <a:pPr lvl="2"/>
-            <a:r>
-              <a:rPr lang="en-US" smtClean="0"/>
-              <a:t>Third level</a:t>
-            </a:r>
-          </a:p>
-          <a:p>
-            <a:pPr lvl="3"/>
-            <a:r>
-              <a:rPr lang="en-US" smtClean="0"/>
-              <a:t>Fourth level</a:t>
-            </a:r>
-          </a:p>
-          <a:p>
-            <a:pPr lvl="4"/>
-            <a:r>
-              <a:rPr lang="en-US" smtClean="0"/>
-              <a:t>Fifth level</a:t>
-            </a:r>
-            <a:endParaRPr lang="en-US"/>
-          </a:p>
-        </p:txBody>
-      </p:sp>
-      <p:sp>
-        <p:nvSpPr>
-          <p:cNvPr id="4" name="Text Placeholder 3"/>
-          <p:cNvSpPr>
-            <a:spLocks noGrp="1"/>
-          </p:cNvSpPr>
-          <p:nvPr>
-            <p:ph type="body" sz="half" idx="2"/>
-          </p:nvPr>
-        </p:nvSpPr>
-        <p:spPr>
-          <a:xfrm>
-            <a:off x="457200" y="1435100"/>
-            <a:ext cx="3008313" cy="4691063"/>
-          </a:xfrm>
-        </p:spPr>
-        <p:txBody>
-          <a:bodyPr/>
-          <a:lstStyle>
-            <a:lvl1pPr marL="0" indent="0">
-              <a:buNone/>
-              <a:defRPr sz="1400"/>
-            </a:lvl1pPr>
-            <a:lvl2pPr marL="457200" indent="0">
-              <a:buNone/>
-              <a:defRPr sz="1200"/>
-            </a:lvl2pPr>
-            <a:lvl3pPr marL="914400" indent="0">
-              <a:buNone/>
-              <a:defRPr sz="1000"/>
-            </a:lvl3pPr>
-            <a:lvl4pPr marL="1371600" indent="0">
-              <a:buNone/>
-              <a:defRPr sz="900"/>
-            </a:lvl4pPr>
-            <a:lvl5pPr marL="1828800" indent="0">
-              <a:buNone/>
-              <a:defRPr sz="900"/>
-            </a:lvl5pPr>
-            <a:lvl6pPr marL="2286000" indent="0">
-              <a:buNone/>
-              <a:defRPr sz="900"/>
-            </a:lvl6pPr>
-            <a:lvl7pPr marL="2743200" indent="0">
-              <a:buNone/>
-              <a:defRPr sz="900"/>
-            </a:lvl7pPr>
-            <a:lvl8pPr marL="3200400" indent="0">
-              <a:buNone/>
-              <a:defRPr sz="900"/>
-            </a:lvl8pPr>
-            <a:lvl9pPr marL="3657600" indent="0">
-              <a:buNone/>
-              <a:defRPr sz="900"/>
-            </a:lvl9pPr>
-          </a:lstStyle>
-          <a:p>
-            <a:pPr lvl="0"/>
-            <a:r>
-              <a:rPr lang="en-US" smtClean="0"/>
-              <a:t>Click to edit Master text styles</a:t>
-            </a:r>
-          </a:p>
-        </p:txBody>
-      </p:sp>
-      <p:sp>
-        <p:nvSpPr>
-          <p:cNvPr id="5" name="Date Placeholder 4"/>
-          <p:cNvSpPr>
-            <a:spLocks noGrp="1"/>
-          </p:cNvSpPr>
-          <p:nvPr>
-            <p:ph type="dt" sz="half" idx="10"/>
-          </p:nvPr>
-        </p:nvSpPr>
-        <p:spPr/>
-        <p:txBody>
-          <a:bodyPr/>
-          <a:lstStyle/>
-          <a:p>
-            <a:fld id="{241EB5C9-1307-BA42-ABA2-0BC069CD8E7F}" type="datetimeFigureOut">
-              <a:rPr lang="en-US" smtClean="0"/>
-              <a:t>4/5/2019</a:t>
-            </a:fld>
-            <a:endParaRPr lang="en-US"/>
-          </a:p>
-        </p:txBody>
-      </p:sp>
-      <p:sp>
-        <p:nvSpPr>
-          <p:cNvPr id="6" name="Footer Placeholder 5"/>
-          <p:cNvSpPr>
-            <a:spLocks noGrp="1"/>
-          </p:cNvSpPr>
-          <p:nvPr>
-            <p:ph type="ftr" sz="quarter" idx="11"/>
-          </p:nvPr>
-        </p:nvSpPr>
-        <p:spPr/>
-        <p:txBody>
-          <a:bodyPr/>
-          <a:lstStyle/>
-          <a:p>
-            <a:endParaRPr lang="en-US"/>
-          </a:p>
-        </p:txBody>
-      </p:sp>
-      <p:sp>
-        <p:nvSpPr>
-          <p:cNvPr id="7" name="Slide Number Placeholder 6"/>
-          <p:cNvSpPr>
-            <a:spLocks noGrp="1"/>
-          </p:cNvSpPr>
-          <p:nvPr>
-            <p:ph type="sldNum" sz="quarter" idx="12"/>
-          </p:nvPr>
-        </p:nvSpPr>
-        <p:spPr/>
-        <p:txBody>
-          <a:bodyPr/>
-          <a:lstStyle/>
-          <a:p>
-            <a:fld id="{C5EF2332-01BF-834F-8236-50238282D533}" type="slidenum">
-              <a:rPr lang="en-US" smtClean="0"/>
-              <a:t>‹#›</a:t>
-            </a:fld>
-            <a:endParaRPr lang="en-US"/>
-          </a:p>
-        </p:txBody>
-      </p:sp>
-    </p:spTree>
-    <p:extLst>
-      <p:ext uri="{BB962C8B-B14F-4D97-AF65-F5344CB8AC3E}">
-        <p14:creationId xmlns:p14="http://schemas.microsoft.com/office/powerpoint/2010/main" val="3540895647"/>
-      </p:ext>
-    </p:extLst>
-  </p:cSld>
-  <p:clrMapOvr>
-    <a:masterClrMapping/>
-  </p:clrMapOvr>
-</p:sldLayout>
-</file>
-
-<file path=ppt/slideLayouts/slideLayout9.xml><?xml version="1.0" encoding="utf-8"?>
-<p:sldLayout xmlns:a="http://schemas.openxmlformats.org/drawingml/2006/main" xmlns:r="http://schemas.openxmlformats.org/officeDocument/2006/relationships" xmlns:p="http://schemas.openxmlformats.org/presentationml/2006/main" type="picTx" preserve="1">
-  <p:cSld name="Picture with Caption">
-    <p:spTree>
-      <p:nvGrpSpPr>
-        <p:cNvPr id="1" name=""/>
-        <p:cNvGrpSpPr/>
-        <p:nvPr/>
-      </p:nvGrpSpPr>
-      <p:grpSpPr>
-        <a:xfrm>
-          <a:off x="0" y="0"/>
-          <a:ext cx="0" cy="0"/>
-          <a:chOff x="0" y="0"/>
-          <a:chExt cx="0" cy="0"/>
-        </a:xfrm>
-      </p:grpSpPr>
-      <p:sp>
-        <p:nvSpPr>
-          <p:cNvPr id="2" name="Title 1"/>
-          <p:cNvSpPr>
-            <a:spLocks noGrp="1"/>
-          </p:cNvSpPr>
-          <p:nvPr>
-            <p:ph type="title"/>
-          </p:nvPr>
-        </p:nvSpPr>
-        <p:spPr>
-          <a:xfrm>
-            <a:off x="1792288" y="4800600"/>
-            <a:ext cx="5486400" cy="566738"/>
-          </a:xfrm>
-        </p:spPr>
-        <p:txBody>
-          <a:bodyPr anchor="b"/>
-          <a:lstStyle>
-            <a:lvl1pPr algn="l">
-              <a:defRPr sz="2000" b="1"/>
-            </a:lvl1pPr>
-          </a:lstStyle>
-          <a:p>
-            <a:r>
-              <a:rPr lang="en-US" smtClean="0"/>
-              <a:t>Click to edit Master title style</a:t>
-            </a:r>
-            <a:endParaRPr lang="en-US"/>
-          </a:p>
-        </p:txBody>
-      </p:sp>
-      <p:sp>
-        <p:nvSpPr>
-          <p:cNvPr id="3" name="Picture Placeholder 2"/>
-          <p:cNvSpPr>
-            <a:spLocks noGrp="1"/>
-          </p:cNvSpPr>
-          <p:nvPr>
-            <p:ph type="pic" idx="1"/>
-          </p:nvPr>
-        </p:nvSpPr>
-        <p:spPr>
-          <a:xfrm>
-            <a:off x="1792288" y="612775"/>
-            <a:ext cx="5486400" cy="4114800"/>
-          </a:xfrm>
-        </p:spPr>
-        <p:txBody>
-          <a:bodyPr/>
-          <a:lstStyle>
-            <a:lvl1pPr marL="0" indent="0">
-              <a:buNone/>
-              <a:defRPr sz="3200"/>
-            </a:lvl1pPr>
-            <a:lvl2pPr marL="457200" indent="0">
-              <a:buNone/>
-              <a:defRPr sz="2800"/>
-            </a:lvl2pPr>
-            <a:lvl3pPr marL="914400" indent="0">
-              <a:buNone/>
-              <a:defRPr sz="2400"/>
-            </a:lvl3pPr>
-            <a:lvl4pPr marL="1371600" indent="0">
-              <a:buNone/>
-              <a:defRPr sz="2000"/>
-            </a:lvl4pPr>
-            <a:lvl5pPr marL="1828800" indent="0">
-              <a:buNone/>
-              <a:defRPr sz="2000"/>
-            </a:lvl5pPr>
-            <a:lvl6pPr marL="2286000" indent="0">
-              <a:buNone/>
-              <a:defRPr sz="2000"/>
-            </a:lvl6pPr>
-            <a:lvl7pPr marL="2743200" indent="0">
-              <a:buNone/>
-              <a:defRPr sz="2000"/>
-            </a:lvl7pPr>
-            <a:lvl8pPr marL="3200400" indent="0">
-              <a:buNone/>
-              <a:defRPr sz="2000"/>
-            </a:lvl8pPr>
-            <a:lvl9pPr marL="3657600" indent="0">
-              <a:buNone/>
-              <a:defRPr sz="2000"/>
-            </a:lvl9pPr>
-          </a:lstStyle>
-          <a:p>
-            <a:endParaRPr lang="en-US"/>
-          </a:p>
-        </p:txBody>
-      </p:sp>
-      <p:sp>
-        <p:nvSpPr>
-          <p:cNvPr id="4" name="Text Placeholder 3"/>
-          <p:cNvSpPr>
-            <a:spLocks noGrp="1"/>
-          </p:cNvSpPr>
-          <p:nvPr>
-            <p:ph type="body" sz="half" idx="2"/>
-          </p:nvPr>
-        </p:nvSpPr>
-        <p:spPr>
-          <a:xfrm>
-            <a:off x="1792288" y="5367338"/>
-            <a:ext cx="5486400" cy="804862"/>
-          </a:xfrm>
-        </p:spPr>
-        <p:txBody>
-          <a:bodyPr/>
-          <a:lstStyle>
-            <a:lvl1pPr marL="0" indent="0">
-              <a:buNone/>
-              <a:defRPr sz="1400"/>
-            </a:lvl1pPr>
-            <a:lvl2pPr marL="457200" indent="0">
-              <a:buNone/>
-              <a:defRPr sz="1200"/>
-            </a:lvl2pPr>
-            <a:lvl3pPr marL="914400" indent="0">
-              <a:buNone/>
-              <a:defRPr sz="1000"/>
-            </a:lvl3pPr>
-            <a:lvl4pPr marL="1371600" indent="0">
-              <a:buNone/>
-              <a:defRPr sz="900"/>
-            </a:lvl4pPr>
-            <a:lvl5pPr marL="1828800" indent="0">
-              <a:buNone/>
-              <a:defRPr sz="900"/>
-            </a:lvl5pPr>
-            <a:lvl6pPr marL="2286000" indent="0">
-              <a:buNone/>
-              <a:defRPr sz="900"/>
-            </a:lvl6pPr>
-            <a:lvl7pPr marL="2743200" indent="0">
-              <a:buNone/>
-              <a:defRPr sz="900"/>
-            </a:lvl7pPr>
-            <a:lvl8pPr marL="3200400" indent="0">
-              <a:buNone/>
-              <a:defRPr sz="900"/>
-            </a:lvl8pPr>
-            <a:lvl9pPr marL="3657600" indent="0">
-              <a:buNone/>
-              <a:defRPr sz="900"/>
-            </a:lvl9pPr>
-          </a:lstStyle>
-          <a:p>
-            <a:pPr lvl="0"/>
-            <a:r>
-              <a:rPr lang="en-US" smtClean="0"/>
-              <a:t>Click to edit Master text styles</a:t>
-            </a:r>
-          </a:p>
-        </p:txBody>
-      </p:sp>
-      <p:sp>
-        <p:nvSpPr>
-          <p:cNvPr id="5" name="Date Placeholder 4"/>
-          <p:cNvSpPr>
-            <a:spLocks noGrp="1"/>
-          </p:cNvSpPr>
-          <p:nvPr>
-            <p:ph type="dt" sz="half" idx="10"/>
-          </p:nvPr>
-        </p:nvSpPr>
-        <p:spPr/>
-        <p:txBody>
-          <a:bodyPr/>
-          <a:lstStyle/>
-          <a:p>
-            <a:fld id="{241EB5C9-1307-BA42-ABA2-0BC069CD8E7F}" type="datetimeFigureOut">
-              <a:rPr lang="en-US" smtClean="0"/>
-              <a:t>4/5/2019</a:t>
-            </a:fld>
-            <a:endParaRPr lang="en-US"/>
-          </a:p>
-        </p:txBody>
-      </p:sp>
-      <p:sp>
-        <p:nvSpPr>
-          <p:cNvPr id="6" name="Footer Placeholder 5"/>
-          <p:cNvSpPr>
-            <a:spLocks noGrp="1"/>
-          </p:cNvSpPr>
-          <p:nvPr>
-            <p:ph type="ftr" sz="quarter" idx="11"/>
-          </p:nvPr>
-        </p:nvSpPr>
-        <p:spPr/>
-        <p:txBody>
-          <a:bodyPr/>
-          <a:lstStyle/>
-          <a:p>
-            <a:endParaRPr lang="en-US"/>
-          </a:p>
-        </p:txBody>
-      </p:sp>
-      <p:sp>
-        <p:nvSpPr>
-          <p:cNvPr id="7" name="Slide Number Placeholder 6"/>
-          <p:cNvSpPr>
-            <a:spLocks noGrp="1"/>
-          </p:cNvSpPr>
-          <p:nvPr>
-            <p:ph type="sldNum" sz="quarter" idx="12"/>
-          </p:nvPr>
-        </p:nvSpPr>
-        <p:spPr/>
-        <p:txBody>
-          <a:bodyPr/>
-          <a:lstStyle/>
-          <a:p>
-            <a:fld id="{C5EF2332-01BF-834F-8236-50238282D533}" type="slidenum">
-              <a:rPr lang="en-US" smtClean="0"/>
-              <a:t>‹#›</a:t>
-            </a:fld>
-            <a:endParaRPr lang="en-US"/>
-          </a:p>
-        </p:txBody>
-      </p:sp>
-    </p:spTree>
-    <p:extLst>
-      <p:ext uri="{BB962C8B-B14F-4D97-AF65-F5344CB8AC3E}">
-        <p14:creationId xmlns:p14="http://schemas.microsoft.com/office/powerpoint/2010/main" val="3566899855"/>
-      </p:ext>
-    </p:extLst>
-  </p:cSld>
-  <p:clrMapOvr>
-    <a:masterClrMapping/>
   </p:clrMapOvr>
 </p:sldLayout>
 </file>
@@ -3184,7 +1670,7 @@
           <a:p>
             <a:fld id="{5EF76A7A-0506-6C4D-8382-BFC753915B9A}" type="datetime4">
               <a:rPr lang="en-US" smtClean="0"/>
-              <a:t>December 12, 2020</a:t>
+              <a:t>December 30, 2020</a:t>
             </a:fld>
             <a:endParaRPr lang="en-US" dirty="0"/>
           </a:p>
@@ -3638,28 +2124,11 @@
           <a:bodyPr/>
           <a:lstStyle/>
           <a:p>
-            <a:pPr lvl="0" marL="0" indent="0">
+            <a:pPr marL="0" lvl="0" indent="0">
               <a:buNone/>
             </a:pPr>
             <a:r>
-              <a:rPr/>
-              <a:t>SamplePPT</a:t>
-            </a:r>
-            <a:r>
-              <a:rPr/>
-              <a:t> </a:t>
-            </a:r>
-            <a:r>
-              <a:rPr/>
-              <a:t>(PERSI</a:t>
-            </a:r>
-            <a:r>
-              <a:rPr/>
-              <a:t> </a:t>
-            </a:r>
-            <a:r>
-              <a:rPr/>
-              <a:t>graphs)</a:t>
+              <a:t>SamplePPT (PERSI graphs)</a:t>
             </a:r>
           </a:p>
         </p:txBody>
@@ -3684,46 +2153,13 @@
           <a:bodyPr/>
           <a:lstStyle/>
           <a:p>
-            <a:pPr lvl="0" marL="0" indent="0">
+            <a:pPr marL="0" lvl="0" indent="0">
               <a:buNone/>
             </a:pPr>
             <a:br/>
             <a:br/>
             <a:r>
-              <a:rPr/>
-              <a:t>Anil,</a:t>
-            </a:r>
-            <a:r>
-              <a:rPr/>
-              <a:t> </a:t>
-            </a:r>
-            <a:r>
-              <a:rPr/>
-              <a:t>Swaroop,</a:t>
-            </a:r>
-            <a:r>
-              <a:rPr/>
-              <a:t> </a:t>
-            </a:r>
-            <a:r>
-              <a:rPr/>
-              <a:t>Jen</a:t>
-            </a:r>
-            <a:r>
-              <a:rPr/>
-              <a:t> </a:t>
-            </a:r>
-            <a:r>
-              <a:rPr/>
-              <a:t>&amp;</a:t>
-            </a:r>
-            <a:r>
-              <a:rPr/>
-              <a:t> </a:t>
-            </a:r>
-            <a:r>
-              <a:rPr/>
-              <a:t>Jordan</a:t>
+              <a:t>Anil, Swaroop, Jen &amp; Jordan</a:t>
             </a:r>
           </a:p>
         </p:txBody>
@@ -3743,11 +2179,10 @@
           <a:bodyPr/>
           <a:lstStyle/>
           <a:p>
-            <a:pPr lvl="0" marL="0" indent="0">
+            <a:pPr marL="0" lvl="0" indent="0">
               <a:buNone/>
             </a:pPr>
             <a:r>
-              <a:rPr/>
               <a:t>12/12/2020</a:t>
             </a:r>
           </a:p>
@@ -3755,6 +2190,9 @@
       </p:sp>
     </p:spTree>
   </p:cSld>
+  <p:clrMapOvr>
+    <a:masterClrMapping/>
+  </p:clrMapOvr>
 </p:sld>
 </file>
 
@@ -3798,44 +2236,11 @@
           <a:bodyPr/>
           <a:lstStyle/>
           <a:p>
-            <a:pPr lvl="0" marL="0" indent="0">
+            <a:pPr marL="0" lvl="0" indent="0">
               <a:buNone/>
             </a:pPr>
             <a:r>
-              <a:rPr/>
-              <a:t>About</a:t>
-            </a:r>
-            <a:r>
-              <a:rPr/>
-              <a:t> </a:t>
-            </a:r>
-            <a:r>
-              <a:rPr/>
-              <a:t>the</a:t>
-            </a:r>
-            <a:r>
-              <a:rPr/>
-              <a:t> </a:t>
-            </a:r>
-            <a:r>
-              <a:rPr/>
-              <a:t>Pension</a:t>
-            </a:r>
-            <a:r>
-              <a:rPr/>
-              <a:t> </a:t>
-            </a:r>
-            <a:r>
-              <a:rPr/>
-              <a:t>Integrity</a:t>
-            </a:r>
-            <a:r>
-              <a:rPr/>
-              <a:t> </a:t>
-            </a:r>
-            <a:r>
-              <a:rPr/>
-              <a:t>Project</a:t>
+              <a:t>About the Pension Integrity Project</a:t>
             </a:r>
           </a:p>
         </p:txBody>
@@ -3855,46 +2260,40 @@
           <a:bodyPr/>
           <a:lstStyle/>
           <a:p>
-            <a:pPr lvl="0" marL="0" indent="0">
+            <a:pPr marL="0" lvl="0" indent="0">
               <a:buNone/>
             </a:pPr>
             <a:r>
-              <a:rPr/>
               <a:t>We offer pro-bono technical assistance to public officials to help them design and implement pension reforms that improve plan solvency and promote retirement security, including:</a:t>
             </a:r>
           </a:p>
           <a:p>
             <a:pPr lvl="1"/>
             <a:r>
-              <a:rPr/>
               <a:t>Customized analysis of pension system design, trends</a:t>
             </a:r>
           </a:p>
           <a:p>
             <a:pPr lvl="1"/>
             <a:r>
-              <a:rPr/>
               <a:t>Independent actuarial modeling of reform scenarios</a:t>
             </a:r>
           </a:p>
           <a:p>
             <a:pPr lvl="1"/>
             <a:r>
-              <a:rPr/>
               <a:t>Consultation and modeling around custom policy designs</a:t>
             </a:r>
           </a:p>
           <a:p>
             <a:pPr lvl="1"/>
             <a:r>
-              <a:rPr/>
               <a:t>Latest pension reform research and case studies</a:t>
             </a:r>
           </a:p>
           <a:p>
             <a:pPr lvl="1"/>
             <a:r>
-              <a:rPr/>
               <a:t>Peer-to-peer mentoring from state and local officials who have successfully enacted pension</a:t>
             </a:r>
           </a:p>
@@ -3903,21 +2302,18 @@
               <a:buNone/>
             </a:pPr>
             <a:r>
-              <a:rPr/>
               <a:t>reforms</a:t>
             </a:r>
           </a:p>
           <a:p>
             <a:pPr lvl="1"/>
             <a:r>
-              <a:rPr/>
               <a:t>Assistance with stakeholder outreach, engagement and relationship management</a:t>
             </a:r>
           </a:p>
           <a:p>
             <a:pPr lvl="1"/>
             <a:r>
-              <a:rPr/>
               <a:t>Design and execution of public education programs and media campaigns</a:t>
             </a:r>
           </a:p>
@@ -3925,6 +2321,9 @@
       </p:sp>
     </p:spTree>
   </p:cSld>
+  <p:clrMapOvr>
+    <a:masterClrMapping/>
+  </p:clrMapOvr>
 </p:sld>
 </file>
 
@@ -3968,83 +2367,18 @@
           <a:bodyPr/>
           <a:lstStyle/>
           <a:p>
-            <a:pPr lvl="0" marL="0" indent="0">
+            <a:pPr marL="0" lvl="0" indent="0">
               <a:buNone/>
             </a:pPr>
             <a:r>
-              <a:rPr/>
-              <a:t>A</a:t>
-            </a:r>
-            <a:r>
-              <a:rPr/>
-              <a:t> </a:t>
-            </a:r>
-            <a:r>
-              <a:rPr/>
-              <a:t>History</a:t>
-            </a:r>
-            <a:r>
-              <a:rPr/>
-              <a:t> </a:t>
-            </a:r>
-            <a:r>
-              <a:rPr/>
-              <a:t>of</a:t>
-            </a:r>
-            <a:r>
-              <a:rPr/>
-              <a:t> </a:t>
-            </a:r>
-            <a:r>
-              <a:rPr/>
-              <a:t>Weakening</a:t>
-            </a:r>
-            <a:r>
-              <a:rPr/>
-              <a:t> </a:t>
-            </a:r>
-            <a:r>
-              <a:rPr/>
-              <a:t>Solvency</a:t>
-            </a:r>
-            <a:r>
-              <a:rPr/>
-              <a:t> </a:t>
-            </a:r>
-            <a:r>
-              <a:rPr/>
-              <a:t>(2001-2019)</a:t>
-            </a:r>
-            <a:r>
-              <a:rPr/>
-              <a:t> </a:t>
-            </a:r>
-            <a:r>
-              <a:rPr/>
-              <a:t>w/</a:t>
-            </a:r>
-            <a:r>
-              <a:rPr/>
-              <a:t> </a:t>
-            </a:r>
-            <a:r>
-              <a:rPr/>
-              <a:t>R</a:t>
-            </a:r>
-            <a:r>
-              <a:rPr/>
-              <a:t> </a:t>
-            </a:r>
-            <a:r>
-              <a:rPr/>
-              <a:t>(areaPlot())</a:t>
+              <a:t>A History of Weakening Solvency (2001-2019) w/ R (areaPlot())</a:t>
             </a:r>
           </a:p>
         </p:txBody>
       </p:sp>
       <p:pic>
         <p:nvPicPr>
-          <p:cNvPr descr="SamplePPT_files/figure-pptx/debt-1.png" id="0" name="Picture 1"/>
+          <p:cNvPr id="3" name="Picture 1" descr="SamplePPT_files/figure-pptx/debt-1.png"/>
           <p:cNvPicPr>
             <a:picLocks noGrp="1" noChangeAspect="1"/>
           </p:cNvPicPr>
@@ -4074,6 +2408,9 @@
       </p:pic>
     </p:spTree>
   </p:cSld>
+  <p:clrMapOvr>
+    <a:masterClrMapping/>
+  </p:clrMapOvr>
 </p:sld>
 </file>
 
@@ -4117,83 +2454,18 @@
           <a:bodyPr/>
           <a:lstStyle/>
           <a:p>
-            <a:pPr lvl="0" marL="0" indent="0">
+            <a:pPr marL="0" lvl="0" indent="0">
               <a:buNone/>
             </a:pPr>
             <a:r>
-              <a:rPr/>
-              <a:t>A</a:t>
-            </a:r>
-            <a:r>
-              <a:rPr/>
-              <a:t> </a:t>
-            </a:r>
-            <a:r>
-              <a:rPr/>
-              <a:t>History</a:t>
-            </a:r>
-            <a:r>
-              <a:rPr/>
-              <a:t> </a:t>
-            </a:r>
-            <a:r>
-              <a:rPr/>
-              <a:t>of</a:t>
-            </a:r>
-            <a:r>
-              <a:rPr/>
-              <a:t> </a:t>
-            </a:r>
-            <a:r>
-              <a:rPr/>
-              <a:t>Investment</a:t>
-            </a:r>
-            <a:r>
-              <a:rPr/>
-              <a:t> </a:t>
-            </a:r>
-            <a:r>
-              <a:rPr/>
-              <a:t>Returns</a:t>
-            </a:r>
-            <a:r>
-              <a:rPr/>
-              <a:t> </a:t>
-            </a:r>
-            <a:r>
-              <a:rPr/>
-              <a:t>(2001-2019)</a:t>
-            </a:r>
-            <a:r>
-              <a:rPr/>
-              <a:t> </a:t>
-            </a:r>
-            <a:r>
-              <a:rPr/>
-              <a:t>w/</a:t>
-            </a:r>
-            <a:r>
-              <a:rPr/>
-              <a:t> </a:t>
-            </a:r>
-            <a:r>
-              <a:rPr/>
-              <a:t>R</a:t>
-            </a:r>
-            <a:r>
-              <a:rPr/>
-              <a:t> </a:t>
-            </a:r>
-            <a:r>
-              <a:rPr/>
-              <a:t>(linePlot())</a:t>
+              <a:t>A History of Investment Returns (2001-2019) w/ R (linePlot())</a:t>
             </a:r>
           </a:p>
         </p:txBody>
       </p:sp>
       <p:pic>
         <p:nvPicPr>
-          <p:cNvPr descr="SamplePPT_files/figure-pptx/graph-1.png" id="0" name="Picture 1"/>
+          <p:cNvPr id="3" name="Picture 1" descr="SamplePPT_files/figure-pptx/graph-1.png"/>
           <p:cNvPicPr>
             <a:picLocks noGrp="1" noChangeAspect="1"/>
           </p:cNvPicPr>
@@ -4223,6 +2495,9 @@
       </p:pic>
     </p:spTree>
   </p:cSld>
+  <p:clrMapOvr>
+    <a:masterClrMapping/>
+  </p:clrMapOvr>
 </p:sld>
 </file>
 
@@ -4266,67 +2541,18 @@
           <a:bodyPr/>
           <a:lstStyle/>
           <a:p>
-            <a:pPr lvl="0" marL="0" indent="0">
+            <a:pPr marL="0" lvl="0" indent="0">
               <a:buNone/>
             </a:pPr>
             <a:r>
-              <a:rPr/>
-              <a:t>S&amp;P500</a:t>
-            </a:r>
-            <a:r>
-              <a:rPr/>
-              <a:t> </a:t>
-            </a:r>
-            <a:r>
-              <a:rPr/>
-              <a:t>vs. Funded</a:t>
-            </a:r>
-            <a:r>
-              <a:rPr/>
-              <a:t> </a:t>
-            </a:r>
-            <a:r>
-              <a:rPr/>
-              <a:t>Ratio</a:t>
-            </a:r>
-            <a:r>
-              <a:rPr/>
-              <a:t> </a:t>
-            </a:r>
-            <a:r>
-              <a:rPr/>
-              <a:t>(2001-2019)</a:t>
-            </a:r>
-            <a:r>
-              <a:rPr/>
-              <a:t> </a:t>
-            </a:r>
-            <a:r>
-              <a:rPr/>
-              <a:t>w/</a:t>
-            </a:r>
-            <a:r>
-              <a:rPr/>
-              <a:t> </a:t>
-            </a:r>
-            <a:r>
-              <a:rPr/>
-              <a:t>R</a:t>
-            </a:r>
-            <a:r>
-              <a:rPr/>
-              <a:t> </a:t>
-            </a:r>
-            <a:r>
-              <a:rPr/>
-              <a:t>(areaPlot())</a:t>
+              <a:t>S&amp;P500 vs. Funded Ratio (2001-2019) w/ R (areaPlot())</a:t>
             </a:r>
           </a:p>
         </p:txBody>
       </p:sp>
       <p:pic>
         <p:nvPicPr>
-          <p:cNvPr descr="SamplePPT_files/figure-pptx/sp500-1.png" id="0" name="Picture 1"/>
+          <p:cNvPr id="3" name="Picture 1" descr="SamplePPT_files/figure-pptx/sp500-1.png"/>
           <p:cNvPicPr>
             <a:picLocks noGrp="1" noChangeAspect="1"/>
           </p:cNvPicPr>
@@ -4356,6 +2582,9 @@
       </p:pic>
     </p:spTree>
   </p:cSld>
+  <p:clrMapOvr>
+    <a:masterClrMapping/>
+  </p:clrMapOvr>
 </p:sld>
 </file>
 
@@ -4399,51 +2628,18 @@
           <a:bodyPr/>
           <a:lstStyle/>
           <a:p>
-            <a:pPr lvl="0" marL="0" indent="0">
+            <a:pPr marL="0" lvl="0" indent="0">
               <a:buNone/>
             </a:pPr>
             <a:r>
-              <a:rPr/>
-              <a:t>Asset</a:t>
-            </a:r>
-            <a:r>
-              <a:rPr/>
-              <a:t> </a:t>
-            </a:r>
-            <a:r>
-              <a:rPr/>
-              <a:t>Allocation</a:t>
-            </a:r>
-            <a:r>
-              <a:rPr/>
-              <a:t> </a:t>
-            </a:r>
-            <a:r>
-              <a:rPr/>
-              <a:t>w/</a:t>
-            </a:r>
-            <a:r>
-              <a:rPr/>
-              <a:t> </a:t>
-            </a:r>
-            <a:r>
-              <a:rPr/>
-              <a:t>R</a:t>
-            </a:r>
-            <a:r>
-              <a:rPr/>
-              <a:t> </a:t>
-            </a:r>
-            <a:r>
-              <a:rPr/>
-              <a:t>(custom)</a:t>
+              <a:t>Asset Allocation w/ R (custom)</a:t>
             </a:r>
           </a:p>
         </p:txBody>
       </p:sp>
       <p:pic>
         <p:nvPicPr>
-          <p:cNvPr descr="SamplePPT_files/figure-pptx/assets-1.png" id="0" name="Picture 1"/>
+          <p:cNvPr id="3" name="Picture 1" descr="SamplePPT_files/figure-pptx/assets-1.png"/>
           <p:cNvPicPr>
             <a:picLocks noGrp="1" noChangeAspect="1"/>
           </p:cNvPicPr>
@@ -4473,6 +2669,9 @@
       </p:pic>
     </p:spTree>
   </p:cSld>
+  <p:clrMapOvr>
+    <a:masterClrMapping/>
+  </p:clrMapOvr>
 </p:sld>
 </file>
 
@@ -4516,59 +2715,18 @@
           <a:bodyPr/>
           <a:lstStyle/>
           <a:p>
-            <a:pPr lvl="0" marL="0" indent="0">
+            <a:pPr marL="0" lvl="0" indent="0">
               <a:buNone/>
             </a:pPr>
             <a:r>
-              <a:rPr/>
-              <a:t>Negative</a:t>
-            </a:r>
-            <a:r>
-              <a:rPr/>
-              <a:t> </a:t>
-            </a:r>
-            <a:r>
-              <a:rPr/>
-              <a:t>Amortization</a:t>
-            </a:r>
-            <a:r>
-              <a:rPr/>
-              <a:t> </a:t>
-            </a:r>
-            <a:r>
-              <a:rPr/>
-              <a:t>Growth</a:t>
-            </a:r>
-            <a:r>
-              <a:rPr/>
-              <a:t> </a:t>
-            </a:r>
-            <a:r>
-              <a:rPr/>
-              <a:t>w/</a:t>
-            </a:r>
-            <a:r>
-              <a:rPr/>
-              <a:t> </a:t>
-            </a:r>
-            <a:r>
-              <a:rPr/>
-              <a:t>R</a:t>
-            </a:r>
-            <a:r>
-              <a:rPr/>
-              <a:t> </a:t>
-            </a:r>
-            <a:r>
-              <a:rPr/>
-              <a:t>(custom)</a:t>
+              <a:t>Change in Risk-Free Rate vs. Discount Rate (2001-2019) w/ R (linePlot())</a:t>
             </a:r>
           </a:p>
         </p:txBody>
       </p:sp>
       <p:pic>
         <p:nvPicPr>
-          <p:cNvPr descr="SamplePPT_files/figure-pptx/neg.amo-1.png" id="0" name="Picture 1"/>
+          <p:cNvPr id="3" name="Picture 1" descr="SamplePPT_files/figure-pptx/treasury-1.png"/>
           <p:cNvPicPr>
             <a:picLocks noGrp="1" noChangeAspect="1"/>
           </p:cNvPicPr>
@@ -4598,6 +2756,9 @@
       </p:pic>
     </p:spTree>
   </p:cSld>
+  <p:clrMapOvr>
+    <a:masterClrMapping/>
+  </p:clrMapOvr>
 </p:sld>
 </file>
 
@@ -4641,11 +2802,97 @@
           <a:bodyPr/>
           <a:lstStyle/>
           <a:p>
-            <a:pPr lvl="0" marL="0" indent="0">
+            <a:pPr marL="0" lvl="0" indent="0">
               <a:buNone/>
             </a:pPr>
             <a:r>
-              <a:rPr/>
+              <a:t>Negative Amortization Growth w/ R (custom)</a:t>
+            </a:r>
+          </a:p>
+        </p:txBody>
+      </p:sp>
+      <p:pic>
+        <p:nvPicPr>
+          <p:cNvPr id="3" name="Picture 1" descr="SamplePPT_files/figure-pptx/neg.amo-1.png"/>
+          <p:cNvPicPr>
+            <a:picLocks noGrp="1" noChangeAspect="1"/>
+          </p:cNvPicPr>
+          <p:nvPr/>
+        </p:nvPicPr>
+        <p:blipFill>
+          <a:blip r:embed="rId2"/>
+          <a:stretch>
+            <a:fillRect/>
+          </a:stretch>
+        </p:blipFill>
+        <p:spPr bwMode="auto">
+          <a:xfrm>
+            <a:off x="673100" y="1600200"/>
+            <a:ext cx="7797800" cy="4876800"/>
+          </a:xfrm>
+          <a:prstGeom prst="rect">
+            <a:avLst/>
+          </a:prstGeom>
+          <a:noFill/>
+          <a:ln w="9525">
+            <a:noFill/>
+            <a:headEnd/>
+            <a:tailEnd/>
+          </a:ln>
+        </p:spPr>
+      </p:pic>
+    </p:spTree>
+  </p:cSld>
+  <p:clrMapOvr>
+    <a:masterClrMapping/>
+  </p:clrMapOvr>
+</p:sld>
+</file>
+
+<file path=ppt/slides/slide9.xml><?xml version="1.0" encoding="utf-8"?>
+<p:sld xmlns:a="http://schemas.openxmlformats.org/drawingml/2006/main" xmlns:r="http://schemas.openxmlformats.org/officeDocument/2006/relationships" xmlns:p="http://schemas.openxmlformats.org/presentationml/2006/main">
+  <p:cSld>
+    <p:spTree>
+      <p:nvGrpSpPr>
+        <p:cNvPr id="1" name=""/>
+        <p:cNvGrpSpPr/>
+        <p:nvPr/>
+      </p:nvGrpSpPr>
+      <p:grpSpPr>
+        <a:xfrm>
+          <a:off x="0" y="0"/>
+          <a:ext cx="0" cy="0"/>
+          <a:chOff x="0" y="0"/>
+          <a:chExt cx="0" cy="0"/>
+        </a:xfrm>
+      </p:grpSpPr>
+      <p:sp>
+        <p:nvSpPr>
+          <p:cNvPr id="2" name="Title 1"/>
+          <p:cNvSpPr>
+            <a:spLocks noGrp="1"/>
+          </p:cNvSpPr>
+          <p:nvPr>
+            <p:ph type="title" hasCustomPrompt="1"/>
+          </p:nvPr>
+        </p:nvSpPr>
+        <p:spPr>
+          <a:xfrm>
+            <a:off x="457200" y="533400"/>
+            <a:ext cx="7864475" cy="990600"/>
+          </a:xfrm>
+          <a:prstGeom prst="rect">
+            <a:avLst/>
+          </a:prstGeom>
+        </p:spPr>
+        <p:txBody>
+          <a:bodyPr/>
+          <a:lstStyle/>
+          <a:p>
+            <a:pPr marL="0" lvl="0" indent="0">
+              <a:buNone/>
+            </a:pPr>
+            <a:r>
               <a:t>References</a:t>
             </a:r>
           </a:p>
@@ -4696,6 +2943,9 @@
       </p:sp>
     </p:spTree>
   </p:cSld>
+  <p:clrMapOvr>
+    <a:masterClrMapping/>
+  </p:clrMapOvr>
 </p:sld>
 </file>
 

--- a/DeckUpdate/SamplePPT.pptx
+++ b/DeckUpdate/SamplePPT.pptx
@@ -363,7 +363,7 @@
           <a:p>
             <a:fld id="{10302D39-B686-2742-A69B-CE6D46FC9A4E}" type="datetime4">
               <a:rPr lang="en-US" smtClean="0"/>
-              <a:t>December 30, 2020</a:t>
+              <a:t>December 27, 2020</a:t>
             </a:fld>
             <a:endParaRPr lang="en-US" dirty="0"/>
           </a:p>
@@ -478,6 +478,356 @@
         </p:spPr>
       </p:pic>
     </p:spTree>
+  </p:cSld>
+  <p:clrMapOvr>
+    <a:masterClrMapping/>
+  </p:clrMapOvr>
+</p:sldLayout>
+</file>
+
+<file path=ppt/slideLayouts/slideLayout10.xml><?xml version="1.0" encoding="utf-8"?>
+<p:sldLayout xmlns:a="http://schemas.openxmlformats.org/drawingml/2006/main" xmlns:r="http://schemas.openxmlformats.org/officeDocument/2006/relationships" xmlns:p="http://schemas.openxmlformats.org/presentationml/2006/main" type="vertTx" preserve="1">
+  <p:cSld name="Title and Vertical Text">
+    <p:spTree>
+      <p:nvGrpSpPr>
+        <p:cNvPr id="1" name=""/>
+        <p:cNvGrpSpPr/>
+        <p:nvPr/>
+      </p:nvGrpSpPr>
+      <p:grpSpPr>
+        <a:xfrm>
+          <a:off x="0" y="0"/>
+          <a:ext cx="0" cy="0"/>
+          <a:chOff x="0" y="0"/>
+          <a:chExt cx="0" cy="0"/>
+        </a:xfrm>
+      </p:grpSpPr>
+      <p:sp>
+        <p:nvSpPr>
+          <p:cNvPr id="2" name="Title 1"/>
+          <p:cNvSpPr>
+            <a:spLocks noGrp="1"/>
+          </p:cNvSpPr>
+          <p:nvPr>
+            <p:ph type="title"/>
+          </p:nvPr>
+        </p:nvSpPr>
+        <p:spPr/>
+        <p:txBody>
+          <a:bodyPr/>
+          <a:lstStyle/>
+          <a:p>
+            <a:r>
+              <a:rPr lang="en-US" smtClean="0"/>
+              <a:t>Click to edit Master title style</a:t>
+            </a:r>
+            <a:endParaRPr lang="en-US"/>
+          </a:p>
+        </p:txBody>
+      </p:sp>
+      <p:sp>
+        <p:nvSpPr>
+          <p:cNvPr id="3" name="Vertical Text Placeholder 2"/>
+          <p:cNvSpPr>
+            <a:spLocks noGrp="1"/>
+          </p:cNvSpPr>
+          <p:nvPr>
+            <p:ph type="body" orient="vert" idx="1"/>
+          </p:nvPr>
+        </p:nvSpPr>
+        <p:spPr/>
+        <p:txBody>
+          <a:bodyPr vert="eaVert"/>
+          <a:lstStyle/>
+          <a:p>
+            <a:pPr lvl="0"/>
+            <a:r>
+              <a:rPr lang="en-US" smtClean="0"/>
+              <a:t>Click to edit Master text styles</a:t>
+            </a:r>
+          </a:p>
+          <a:p>
+            <a:pPr lvl="1"/>
+            <a:r>
+              <a:rPr lang="en-US" smtClean="0"/>
+              <a:t>Second level</a:t>
+            </a:r>
+          </a:p>
+          <a:p>
+            <a:pPr lvl="2"/>
+            <a:r>
+              <a:rPr lang="en-US" smtClean="0"/>
+              <a:t>Third level</a:t>
+            </a:r>
+          </a:p>
+          <a:p>
+            <a:pPr lvl="3"/>
+            <a:r>
+              <a:rPr lang="en-US" smtClean="0"/>
+              <a:t>Fourth level</a:t>
+            </a:r>
+          </a:p>
+          <a:p>
+            <a:pPr lvl="4"/>
+            <a:r>
+              <a:rPr lang="en-US" smtClean="0"/>
+              <a:t>Fifth level</a:t>
+            </a:r>
+            <a:endParaRPr lang="en-US"/>
+          </a:p>
+        </p:txBody>
+      </p:sp>
+      <p:sp>
+        <p:nvSpPr>
+          <p:cNvPr id="4" name="Date Placeholder 3"/>
+          <p:cNvSpPr>
+            <a:spLocks noGrp="1"/>
+          </p:cNvSpPr>
+          <p:nvPr>
+            <p:ph type="dt" sz="half" idx="10"/>
+          </p:nvPr>
+        </p:nvSpPr>
+        <p:spPr/>
+        <p:txBody>
+          <a:bodyPr/>
+          <a:lstStyle/>
+          <a:p>
+            <a:fld id="{241EB5C9-1307-BA42-ABA2-0BC069CD8E7F}" type="datetimeFigureOut">
+              <a:rPr lang="en-US" smtClean="0"/>
+              <a:t>4/5/2019</a:t>
+            </a:fld>
+            <a:endParaRPr lang="en-US"/>
+          </a:p>
+        </p:txBody>
+      </p:sp>
+      <p:sp>
+        <p:nvSpPr>
+          <p:cNvPr id="5" name="Footer Placeholder 4"/>
+          <p:cNvSpPr>
+            <a:spLocks noGrp="1"/>
+          </p:cNvSpPr>
+          <p:nvPr>
+            <p:ph type="ftr" sz="quarter" idx="11"/>
+          </p:nvPr>
+        </p:nvSpPr>
+        <p:spPr/>
+        <p:txBody>
+          <a:bodyPr/>
+          <a:lstStyle/>
+          <a:p>
+            <a:endParaRPr lang="en-US"/>
+          </a:p>
+        </p:txBody>
+      </p:sp>
+      <p:sp>
+        <p:nvSpPr>
+          <p:cNvPr id="6" name="Slide Number Placeholder 5"/>
+          <p:cNvSpPr>
+            <a:spLocks noGrp="1"/>
+          </p:cNvSpPr>
+          <p:nvPr>
+            <p:ph type="sldNum" sz="quarter" idx="12"/>
+          </p:nvPr>
+        </p:nvSpPr>
+        <p:spPr/>
+        <p:txBody>
+          <a:bodyPr/>
+          <a:lstStyle/>
+          <a:p>
+            <a:fld id="{C5EF2332-01BF-834F-8236-50238282D533}" type="slidenum">
+              <a:rPr lang="en-US" smtClean="0"/>
+              <a:t>‹#›</a:t>
+            </a:fld>
+            <a:endParaRPr lang="en-US"/>
+          </a:p>
+        </p:txBody>
+      </p:sp>
+    </p:spTree>
+    <p:extLst>
+      <p:ext uri="{BB962C8B-B14F-4D97-AF65-F5344CB8AC3E}">
+        <p14:creationId xmlns:p14="http://schemas.microsoft.com/office/powerpoint/2010/main" val="313914798"/>
+      </p:ext>
+    </p:extLst>
+  </p:cSld>
+  <p:clrMapOvr>
+    <a:masterClrMapping/>
+  </p:clrMapOvr>
+</p:sldLayout>
+</file>
+
+<file path=ppt/slideLayouts/slideLayout11.xml><?xml version="1.0" encoding="utf-8"?>
+<p:sldLayout xmlns:a="http://schemas.openxmlformats.org/drawingml/2006/main" xmlns:r="http://schemas.openxmlformats.org/officeDocument/2006/relationships" xmlns:p="http://schemas.openxmlformats.org/presentationml/2006/main" type="vertTitleAndTx" preserve="1">
+  <p:cSld name="Vertical Title and Text">
+    <p:spTree>
+      <p:nvGrpSpPr>
+        <p:cNvPr id="1" name=""/>
+        <p:cNvGrpSpPr/>
+        <p:nvPr/>
+      </p:nvGrpSpPr>
+      <p:grpSpPr>
+        <a:xfrm>
+          <a:off x="0" y="0"/>
+          <a:ext cx="0" cy="0"/>
+          <a:chOff x="0" y="0"/>
+          <a:chExt cx="0" cy="0"/>
+        </a:xfrm>
+      </p:grpSpPr>
+      <p:sp>
+        <p:nvSpPr>
+          <p:cNvPr id="2" name="Vertical Title 1"/>
+          <p:cNvSpPr>
+            <a:spLocks noGrp="1"/>
+          </p:cNvSpPr>
+          <p:nvPr>
+            <p:ph type="title" orient="vert"/>
+          </p:nvPr>
+        </p:nvSpPr>
+        <p:spPr>
+          <a:xfrm>
+            <a:off x="6629400" y="274638"/>
+            <a:ext cx="2057400" cy="5851525"/>
+          </a:xfrm>
+        </p:spPr>
+        <p:txBody>
+          <a:bodyPr vert="eaVert"/>
+          <a:lstStyle/>
+          <a:p>
+            <a:r>
+              <a:rPr lang="en-US" smtClean="0"/>
+              <a:t>Click to edit Master title style</a:t>
+            </a:r>
+            <a:endParaRPr lang="en-US"/>
+          </a:p>
+        </p:txBody>
+      </p:sp>
+      <p:sp>
+        <p:nvSpPr>
+          <p:cNvPr id="3" name="Vertical Text Placeholder 2"/>
+          <p:cNvSpPr>
+            <a:spLocks noGrp="1"/>
+          </p:cNvSpPr>
+          <p:nvPr>
+            <p:ph type="body" orient="vert" idx="1"/>
+          </p:nvPr>
+        </p:nvSpPr>
+        <p:spPr>
+          <a:xfrm>
+            <a:off x="457200" y="274638"/>
+            <a:ext cx="6019800" cy="5851525"/>
+          </a:xfrm>
+        </p:spPr>
+        <p:txBody>
+          <a:bodyPr vert="eaVert"/>
+          <a:lstStyle/>
+          <a:p>
+            <a:pPr lvl="0"/>
+            <a:r>
+              <a:rPr lang="en-US" smtClean="0"/>
+              <a:t>Click to edit Master text styles</a:t>
+            </a:r>
+          </a:p>
+          <a:p>
+            <a:pPr lvl="1"/>
+            <a:r>
+              <a:rPr lang="en-US" smtClean="0"/>
+              <a:t>Second level</a:t>
+            </a:r>
+          </a:p>
+          <a:p>
+            <a:pPr lvl="2"/>
+            <a:r>
+              <a:rPr lang="en-US" smtClean="0"/>
+              <a:t>Third level</a:t>
+            </a:r>
+          </a:p>
+          <a:p>
+            <a:pPr lvl="3"/>
+            <a:r>
+              <a:rPr lang="en-US" smtClean="0"/>
+              <a:t>Fourth level</a:t>
+            </a:r>
+          </a:p>
+          <a:p>
+            <a:pPr lvl="4"/>
+            <a:r>
+              <a:rPr lang="en-US" smtClean="0"/>
+              <a:t>Fifth level</a:t>
+            </a:r>
+            <a:endParaRPr lang="en-US"/>
+          </a:p>
+        </p:txBody>
+      </p:sp>
+      <p:sp>
+        <p:nvSpPr>
+          <p:cNvPr id="4" name="Date Placeholder 3"/>
+          <p:cNvSpPr>
+            <a:spLocks noGrp="1"/>
+          </p:cNvSpPr>
+          <p:nvPr>
+            <p:ph type="dt" sz="half" idx="10"/>
+          </p:nvPr>
+        </p:nvSpPr>
+        <p:spPr/>
+        <p:txBody>
+          <a:bodyPr/>
+          <a:lstStyle/>
+          <a:p>
+            <a:fld id="{241EB5C9-1307-BA42-ABA2-0BC069CD8E7F}" type="datetimeFigureOut">
+              <a:rPr lang="en-US" smtClean="0"/>
+              <a:t>4/5/2019</a:t>
+            </a:fld>
+            <a:endParaRPr lang="en-US"/>
+          </a:p>
+        </p:txBody>
+      </p:sp>
+      <p:sp>
+        <p:nvSpPr>
+          <p:cNvPr id="5" name="Footer Placeholder 4"/>
+          <p:cNvSpPr>
+            <a:spLocks noGrp="1"/>
+          </p:cNvSpPr>
+          <p:nvPr>
+            <p:ph type="ftr" sz="quarter" idx="11"/>
+          </p:nvPr>
+        </p:nvSpPr>
+        <p:spPr/>
+        <p:txBody>
+          <a:bodyPr/>
+          <a:lstStyle/>
+          <a:p>
+            <a:endParaRPr lang="en-US"/>
+          </a:p>
+        </p:txBody>
+      </p:sp>
+      <p:sp>
+        <p:nvSpPr>
+          <p:cNvPr id="6" name="Slide Number Placeholder 5"/>
+          <p:cNvSpPr>
+            <a:spLocks noGrp="1"/>
+          </p:cNvSpPr>
+          <p:nvPr>
+            <p:ph type="sldNum" sz="quarter" idx="12"/>
+          </p:nvPr>
+        </p:nvSpPr>
+        <p:spPr/>
+        <p:txBody>
+          <a:bodyPr/>
+          <a:lstStyle/>
+          <a:p>
+            <a:fld id="{C5EF2332-01BF-834F-8236-50238282D533}" type="slidenum">
+              <a:rPr lang="en-US" smtClean="0"/>
+              <a:t>‹#›</a:t>
+            </a:fld>
+            <a:endParaRPr lang="en-US"/>
+          </a:p>
+        </p:txBody>
+      </p:sp>
+    </p:spTree>
+    <p:extLst>
+      <p:ext uri="{BB962C8B-B14F-4D97-AF65-F5344CB8AC3E}">
+        <p14:creationId xmlns:p14="http://schemas.microsoft.com/office/powerpoint/2010/main" val="2581529045"/>
+      </p:ext>
+    </p:extLst>
   </p:cSld>
   <p:clrMapOvr>
     <a:masterClrMapping/>
@@ -684,7 +1034,7 @@
           <a:p>
             <a:fld id="{585AD263-A788-3145-8D38-AEBC1D444AEE}" type="datetime4">
               <a:rPr lang="en-US" smtClean="0"/>
-              <a:t>December 30, 2020</a:t>
+              <a:t>December 27, 2020</a:t>
             </a:fld>
             <a:endParaRPr lang="en-US" dirty="0"/>
           </a:p>
@@ -974,7 +1324,7 @@
           <a:p>
             <a:fld id="{B606C5D1-9323-1B45-8355-7D55EA8EE66A}" type="datetime4">
               <a:rPr lang="en-US" smtClean="0"/>
-              <a:t>December 30, 2020</a:t>
+              <a:t>December 27, 2020</a:t>
             </a:fld>
             <a:endParaRPr lang="en-US" dirty="0"/>
           </a:p>
@@ -1222,7 +1572,7 @@
           <a:p>
             <a:fld id="{A4108F21-3CFE-3045-9ABB-E1E1413BA1A1}" type="datetime4">
               <a:rPr lang="en-US" smtClean="0"/>
-              <a:t>December 30, 2020</a:t>
+              <a:t>December 27, 2020</a:t>
             </a:fld>
             <a:endParaRPr lang="en-US" dirty="0"/>
           </a:p>
@@ -1458,6 +1808,1171 @@
 </p:sldLayout>
 </file>
 
+<file path=ppt/slideLayouts/slideLayout5.xml><?xml version="1.0" encoding="utf-8"?>
+<p:sldLayout xmlns:a="http://schemas.openxmlformats.org/drawingml/2006/main" xmlns:r="http://schemas.openxmlformats.org/officeDocument/2006/relationships" xmlns:p="http://schemas.openxmlformats.org/presentationml/2006/main" type="twoTxTwoObj" preserve="1">
+  <p:cSld name="Comparison">
+    <p:spTree>
+      <p:nvGrpSpPr>
+        <p:cNvPr id="1" name=""/>
+        <p:cNvGrpSpPr/>
+        <p:nvPr/>
+      </p:nvGrpSpPr>
+      <p:grpSpPr>
+        <a:xfrm>
+          <a:off x="0" y="0"/>
+          <a:ext cx="0" cy="0"/>
+          <a:chOff x="0" y="0"/>
+          <a:chExt cx="0" cy="0"/>
+        </a:xfrm>
+      </p:grpSpPr>
+      <p:sp>
+        <p:nvSpPr>
+          <p:cNvPr id="2" name="Title 1"/>
+          <p:cNvSpPr>
+            <a:spLocks noGrp="1"/>
+          </p:cNvSpPr>
+          <p:nvPr>
+            <p:ph type="title"/>
+          </p:nvPr>
+        </p:nvSpPr>
+        <p:spPr/>
+        <p:txBody>
+          <a:bodyPr/>
+          <a:lstStyle>
+            <a:lvl1pPr>
+              <a:defRPr/>
+            </a:lvl1pPr>
+          </a:lstStyle>
+          <a:p>
+            <a:r>
+              <a:rPr lang="en-US" smtClean="0"/>
+              <a:t>Click to edit Master title style</a:t>
+            </a:r>
+            <a:endParaRPr lang="en-US"/>
+          </a:p>
+        </p:txBody>
+      </p:sp>
+      <p:sp>
+        <p:nvSpPr>
+          <p:cNvPr id="3" name="Text Placeholder 2"/>
+          <p:cNvSpPr>
+            <a:spLocks noGrp="1"/>
+          </p:cNvSpPr>
+          <p:nvPr>
+            <p:ph type="body" idx="1"/>
+          </p:nvPr>
+        </p:nvSpPr>
+        <p:spPr>
+          <a:xfrm>
+            <a:off x="457200" y="1535113"/>
+            <a:ext cx="4040188" cy="639762"/>
+          </a:xfrm>
+        </p:spPr>
+        <p:txBody>
+          <a:bodyPr anchor="b"/>
+          <a:lstStyle>
+            <a:lvl1pPr marL="0" indent="0">
+              <a:buNone/>
+              <a:defRPr sz="2400" b="1"/>
+            </a:lvl1pPr>
+            <a:lvl2pPr marL="457200" indent="0">
+              <a:buNone/>
+              <a:defRPr sz="2000" b="1"/>
+            </a:lvl2pPr>
+            <a:lvl3pPr marL="914400" indent="0">
+              <a:buNone/>
+              <a:defRPr sz="1800" b="1"/>
+            </a:lvl3pPr>
+            <a:lvl4pPr marL="1371600" indent="0">
+              <a:buNone/>
+              <a:defRPr sz="1600" b="1"/>
+            </a:lvl4pPr>
+            <a:lvl5pPr marL="1828800" indent="0">
+              <a:buNone/>
+              <a:defRPr sz="1600" b="1"/>
+            </a:lvl5pPr>
+            <a:lvl6pPr marL="2286000" indent="0">
+              <a:buNone/>
+              <a:defRPr sz="1600" b="1"/>
+            </a:lvl6pPr>
+            <a:lvl7pPr marL="2743200" indent="0">
+              <a:buNone/>
+              <a:defRPr sz="1600" b="1"/>
+            </a:lvl7pPr>
+            <a:lvl8pPr marL="3200400" indent="0">
+              <a:buNone/>
+              <a:defRPr sz="1600" b="1"/>
+            </a:lvl8pPr>
+            <a:lvl9pPr marL="3657600" indent="0">
+              <a:buNone/>
+              <a:defRPr sz="1600" b="1"/>
+            </a:lvl9pPr>
+          </a:lstStyle>
+          <a:p>
+            <a:pPr lvl="0"/>
+            <a:r>
+              <a:rPr lang="en-US" smtClean="0"/>
+              <a:t>Click to edit Master text styles</a:t>
+            </a:r>
+          </a:p>
+        </p:txBody>
+      </p:sp>
+      <p:sp>
+        <p:nvSpPr>
+          <p:cNvPr id="4" name="Content Placeholder 3"/>
+          <p:cNvSpPr>
+            <a:spLocks noGrp="1"/>
+          </p:cNvSpPr>
+          <p:nvPr>
+            <p:ph sz="half" idx="2"/>
+          </p:nvPr>
+        </p:nvSpPr>
+        <p:spPr>
+          <a:xfrm>
+            <a:off x="457200" y="2174875"/>
+            <a:ext cx="4040188" cy="3951288"/>
+          </a:xfrm>
+        </p:spPr>
+        <p:txBody>
+          <a:bodyPr/>
+          <a:lstStyle>
+            <a:lvl1pPr>
+              <a:defRPr sz="2400"/>
+            </a:lvl1pPr>
+            <a:lvl2pPr>
+              <a:defRPr sz="2000"/>
+            </a:lvl2pPr>
+            <a:lvl3pPr>
+              <a:defRPr sz="1800"/>
+            </a:lvl3pPr>
+            <a:lvl4pPr>
+              <a:defRPr sz="1600"/>
+            </a:lvl4pPr>
+            <a:lvl5pPr>
+              <a:defRPr sz="1600"/>
+            </a:lvl5pPr>
+            <a:lvl6pPr>
+              <a:defRPr sz="1600"/>
+            </a:lvl6pPr>
+            <a:lvl7pPr>
+              <a:defRPr sz="1600"/>
+            </a:lvl7pPr>
+            <a:lvl8pPr>
+              <a:defRPr sz="1600"/>
+            </a:lvl8pPr>
+            <a:lvl9pPr>
+              <a:defRPr sz="1600"/>
+            </a:lvl9pPr>
+          </a:lstStyle>
+          <a:p>
+            <a:pPr lvl="0"/>
+            <a:r>
+              <a:rPr lang="en-US" smtClean="0"/>
+              <a:t>Click to edit Master text styles</a:t>
+            </a:r>
+          </a:p>
+          <a:p>
+            <a:pPr lvl="1"/>
+            <a:r>
+              <a:rPr lang="en-US" smtClean="0"/>
+              <a:t>Second level</a:t>
+            </a:r>
+          </a:p>
+          <a:p>
+            <a:pPr lvl="2"/>
+            <a:r>
+              <a:rPr lang="en-US" smtClean="0"/>
+              <a:t>Third level</a:t>
+            </a:r>
+          </a:p>
+          <a:p>
+            <a:pPr lvl="3"/>
+            <a:r>
+              <a:rPr lang="en-US" smtClean="0"/>
+              <a:t>Fourth level</a:t>
+            </a:r>
+          </a:p>
+          <a:p>
+            <a:pPr lvl="4"/>
+            <a:r>
+              <a:rPr lang="en-US" smtClean="0"/>
+              <a:t>Fifth level</a:t>
+            </a:r>
+            <a:endParaRPr lang="en-US"/>
+          </a:p>
+        </p:txBody>
+      </p:sp>
+      <p:sp>
+        <p:nvSpPr>
+          <p:cNvPr id="5" name="Text Placeholder 4"/>
+          <p:cNvSpPr>
+            <a:spLocks noGrp="1"/>
+          </p:cNvSpPr>
+          <p:nvPr>
+            <p:ph type="body" sz="quarter" idx="3"/>
+          </p:nvPr>
+        </p:nvSpPr>
+        <p:spPr>
+          <a:xfrm>
+            <a:off x="4645025" y="1535113"/>
+            <a:ext cx="4041775" cy="639762"/>
+          </a:xfrm>
+        </p:spPr>
+        <p:txBody>
+          <a:bodyPr anchor="b"/>
+          <a:lstStyle>
+            <a:lvl1pPr marL="0" indent="0">
+              <a:buNone/>
+              <a:defRPr sz="2400" b="1"/>
+            </a:lvl1pPr>
+            <a:lvl2pPr marL="457200" indent="0">
+              <a:buNone/>
+              <a:defRPr sz="2000" b="1"/>
+            </a:lvl2pPr>
+            <a:lvl3pPr marL="914400" indent="0">
+              <a:buNone/>
+              <a:defRPr sz="1800" b="1"/>
+            </a:lvl3pPr>
+            <a:lvl4pPr marL="1371600" indent="0">
+              <a:buNone/>
+              <a:defRPr sz="1600" b="1"/>
+            </a:lvl4pPr>
+            <a:lvl5pPr marL="1828800" indent="0">
+              <a:buNone/>
+              <a:defRPr sz="1600" b="1"/>
+            </a:lvl5pPr>
+            <a:lvl6pPr marL="2286000" indent="0">
+              <a:buNone/>
+              <a:defRPr sz="1600" b="1"/>
+            </a:lvl6pPr>
+            <a:lvl7pPr marL="2743200" indent="0">
+              <a:buNone/>
+              <a:defRPr sz="1600" b="1"/>
+            </a:lvl7pPr>
+            <a:lvl8pPr marL="3200400" indent="0">
+              <a:buNone/>
+              <a:defRPr sz="1600" b="1"/>
+            </a:lvl8pPr>
+            <a:lvl9pPr marL="3657600" indent="0">
+              <a:buNone/>
+              <a:defRPr sz="1600" b="1"/>
+            </a:lvl9pPr>
+          </a:lstStyle>
+          <a:p>
+            <a:pPr lvl="0"/>
+            <a:r>
+              <a:rPr lang="en-US" smtClean="0"/>
+              <a:t>Click to edit Master text styles</a:t>
+            </a:r>
+          </a:p>
+        </p:txBody>
+      </p:sp>
+      <p:sp>
+        <p:nvSpPr>
+          <p:cNvPr id="6" name="Content Placeholder 5"/>
+          <p:cNvSpPr>
+            <a:spLocks noGrp="1"/>
+          </p:cNvSpPr>
+          <p:nvPr>
+            <p:ph sz="quarter" idx="4"/>
+          </p:nvPr>
+        </p:nvSpPr>
+        <p:spPr>
+          <a:xfrm>
+            <a:off x="4645025" y="2174875"/>
+            <a:ext cx="4041775" cy="3951288"/>
+          </a:xfrm>
+        </p:spPr>
+        <p:txBody>
+          <a:bodyPr/>
+          <a:lstStyle>
+            <a:lvl1pPr>
+              <a:defRPr sz="2400"/>
+            </a:lvl1pPr>
+            <a:lvl2pPr>
+              <a:defRPr sz="2000"/>
+            </a:lvl2pPr>
+            <a:lvl3pPr>
+              <a:defRPr sz="1800"/>
+            </a:lvl3pPr>
+            <a:lvl4pPr>
+              <a:defRPr sz="1600"/>
+            </a:lvl4pPr>
+            <a:lvl5pPr>
+              <a:defRPr sz="1600"/>
+            </a:lvl5pPr>
+            <a:lvl6pPr>
+              <a:defRPr sz="1600"/>
+            </a:lvl6pPr>
+            <a:lvl7pPr>
+              <a:defRPr sz="1600"/>
+            </a:lvl7pPr>
+            <a:lvl8pPr>
+              <a:defRPr sz="1600"/>
+            </a:lvl8pPr>
+            <a:lvl9pPr>
+              <a:defRPr sz="1600"/>
+            </a:lvl9pPr>
+          </a:lstStyle>
+          <a:p>
+            <a:pPr lvl="0"/>
+            <a:r>
+              <a:rPr lang="en-US" smtClean="0"/>
+              <a:t>Click to edit Master text styles</a:t>
+            </a:r>
+          </a:p>
+          <a:p>
+            <a:pPr lvl="1"/>
+            <a:r>
+              <a:rPr lang="en-US" smtClean="0"/>
+              <a:t>Second level</a:t>
+            </a:r>
+          </a:p>
+          <a:p>
+            <a:pPr lvl="2"/>
+            <a:r>
+              <a:rPr lang="en-US" smtClean="0"/>
+              <a:t>Third level</a:t>
+            </a:r>
+          </a:p>
+          <a:p>
+            <a:pPr lvl="3"/>
+            <a:r>
+              <a:rPr lang="en-US" smtClean="0"/>
+              <a:t>Fourth level</a:t>
+            </a:r>
+          </a:p>
+          <a:p>
+            <a:pPr lvl="4"/>
+            <a:r>
+              <a:rPr lang="en-US" smtClean="0"/>
+              <a:t>Fifth level</a:t>
+            </a:r>
+            <a:endParaRPr lang="en-US"/>
+          </a:p>
+        </p:txBody>
+      </p:sp>
+      <p:sp>
+        <p:nvSpPr>
+          <p:cNvPr id="7" name="Date Placeholder 6"/>
+          <p:cNvSpPr>
+            <a:spLocks noGrp="1"/>
+          </p:cNvSpPr>
+          <p:nvPr>
+            <p:ph type="dt" sz="half" idx="10"/>
+          </p:nvPr>
+        </p:nvSpPr>
+        <p:spPr/>
+        <p:txBody>
+          <a:bodyPr/>
+          <a:lstStyle/>
+          <a:p>
+            <a:fld id="{241EB5C9-1307-BA42-ABA2-0BC069CD8E7F}" type="datetimeFigureOut">
+              <a:rPr lang="en-US" smtClean="0"/>
+              <a:t>4/5/2019</a:t>
+            </a:fld>
+            <a:endParaRPr lang="en-US"/>
+          </a:p>
+        </p:txBody>
+      </p:sp>
+      <p:sp>
+        <p:nvSpPr>
+          <p:cNvPr id="8" name="Footer Placeholder 7"/>
+          <p:cNvSpPr>
+            <a:spLocks noGrp="1"/>
+          </p:cNvSpPr>
+          <p:nvPr>
+            <p:ph type="ftr" sz="quarter" idx="11"/>
+          </p:nvPr>
+        </p:nvSpPr>
+        <p:spPr/>
+        <p:txBody>
+          <a:bodyPr/>
+          <a:lstStyle/>
+          <a:p>
+            <a:endParaRPr lang="en-US"/>
+          </a:p>
+        </p:txBody>
+      </p:sp>
+      <p:sp>
+        <p:nvSpPr>
+          <p:cNvPr id="9" name="Slide Number Placeholder 8"/>
+          <p:cNvSpPr>
+            <a:spLocks noGrp="1"/>
+          </p:cNvSpPr>
+          <p:nvPr>
+            <p:ph type="sldNum" sz="quarter" idx="12"/>
+          </p:nvPr>
+        </p:nvSpPr>
+        <p:spPr/>
+        <p:txBody>
+          <a:bodyPr/>
+          <a:lstStyle/>
+          <a:p>
+            <a:fld id="{C5EF2332-01BF-834F-8236-50238282D533}" type="slidenum">
+              <a:rPr lang="en-US" smtClean="0"/>
+              <a:t>‹#›</a:t>
+            </a:fld>
+            <a:endParaRPr lang="en-US"/>
+          </a:p>
+        </p:txBody>
+      </p:sp>
+    </p:spTree>
+    <p:extLst>
+      <p:ext uri="{BB962C8B-B14F-4D97-AF65-F5344CB8AC3E}">
+        <p14:creationId xmlns:p14="http://schemas.microsoft.com/office/powerpoint/2010/main" val="2535793967"/>
+      </p:ext>
+    </p:extLst>
+  </p:cSld>
+  <p:clrMapOvr>
+    <a:masterClrMapping/>
+  </p:clrMapOvr>
+</p:sldLayout>
+</file>
+
+<file path=ppt/slideLayouts/slideLayout6.xml><?xml version="1.0" encoding="utf-8"?>
+<p:sldLayout xmlns:a="http://schemas.openxmlformats.org/drawingml/2006/main" xmlns:r="http://schemas.openxmlformats.org/officeDocument/2006/relationships" xmlns:p="http://schemas.openxmlformats.org/presentationml/2006/main" type="titleOnly" preserve="1">
+  <p:cSld name="Title Only">
+    <p:spTree>
+      <p:nvGrpSpPr>
+        <p:cNvPr id="1" name=""/>
+        <p:cNvGrpSpPr/>
+        <p:nvPr/>
+      </p:nvGrpSpPr>
+      <p:grpSpPr>
+        <a:xfrm>
+          <a:off x="0" y="0"/>
+          <a:ext cx="0" cy="0"/>
+          <a:chOff x="0" y="0"/>
+          <a:chExt cx="0" cy="0"/>
+        </a:xfrm>
+      </p:grpSpPr>
+      <p:sp>
+        <p:nvSpPr>
+          <p:cNvPr id="2" name="Title 1"/>
+          <p:cNvSpPr>
+            <a:spLocks noGrp="1"/>
+          </p:cNvSpPr>
+          <p:nvPr>
+            <p:ph type="title"/>
+          </p:nvPr>
+        </p:nvSpPr>
+        <p:spPr/>
+        <p:txBody>
+          <a:bodyPr/>
+          <a:lstStyle/>
+          <a:p>
+            <a:r>
+              <a:rPr lang="en-US" smtClean="0"/>
+              <a:t>Click to edit Master title style</a:t>
+            </a:r>
+            <a:endParaRPr lang="en-US"/>
+          </a:p>
+        </p:txBody>
+      </p:sp>
+      <p:sp>
+        <p:nvSpPr>
+          <p:cNvPr id="3" name="Date Placeholder 2"/>
+          <p:cNvSpPr>
+            <a:spLocks noGrp="1"/>
+          </p:cNvSpPr>
+          <p:nvPr>
+            <p:ph type="dt" sz="half" idx="10"/>
+          </p:nvPr>
+        </p:nvSpPr>
+        <p:spPr/>
+        <p:txBody>
+          <a:bodyPr/>
+          <a:lstStyle/>
+          <a:p>
+            <a:fld id="{241EB5C9-1307-BA42-ABA2-0BC069CD8E7F}" type="datetimeFigureOut">
+              <a:rPr lang="en-US" smtClean="0"/>
+              <a:t>4/5/2019</a:t>
+            </a:fld>
+            <a:endParaRPr lang="en-US"/>
+          </a:p>
+        </p:txBody>
+      </p:sp>
+      <p:sp>
+        <p:nvSpPr>
+          <p:cNvPr id="4" name="Footer Placeholder 3"/>
+          <p:cNvSpPr>
+            <a:spLocks noGrp="1"/>
+          </p:cNvSpPr>
+          <p:nvPr>
+            <p:ph type="ftr" sz="quarter" idx="11"/>
+          </p:nvPr>
+        </p:nvSpPr>
+        <p:spPr/>
+        <p:txBody>
+          <a:bodyPr/>
+          <a:lstStyle/>
+          <a:p>
+            <a:endParaRPr lang="en-US"/>
+          </a:p>
+        </p:txBody>
+      </p:sp>
+      <p:sp>
+        <p:nvSpPr>
+          <p:cNvPr id="5" name="Slide Number Placeholder 4"/>
+          <p:cNvSpPr>
+            <a:spLocks noGrp="1"/>
+          </p:cNvSpPr>
+          <p:nvPr>
+            <p:ph type="sldNum" sz="quarter" idx="12"/>
+          </p:nvPr>
+        </p:nvSpPr>
+        <p:spPr/>
+        <p:txBody>
+          <a:bodyPr/>
+          <a:lstStyle/>
+          <a:p>
+            <a:fld id="{C5EF2332-01BF-834F-8236-50238282D533}" type="slidenum">
+              <a:rPr lang="en-US" smtClean="0"/>
+              <a:t>‹#›</a:t>
+            </a:fld>
+            <a:endParaRPr lang="en-US"/>
+          </a:p>
+        </p:txBody>
+      </p:sp>
+    </p:spTree>
+    <p:extLst>
+      <p:ext uri="{BB962C8B-B14F-4D97-AF65-F5344CB8AC3E}">
+        <p14:creationId xmlns:p14="http://schemas.microsoft.com/office/powerpoint/2010/main" val="3472721253"/>
+      </p:ext>
+    </p:extLst>
+  </p:cSld>
+  <p:clrMapOvr>
+    <a:masterClrMapping/>
+  </p:clrMapOvr>
+</p:sldLayout>
+</file>
+
+<file path=ppt/slideLayouts/slideLayout7.xml><?xml version="1.0" encoding="utf-8"?>
+<p:sldLayout xmlns:a="http://schemas.openxmlformats.org/drawingml/2006/main" xmlns:r="http://schemas.openxmlformats.org/officeDocument/2006/relationships" xmlns:p="http://schemas.openxmlformats.org/presentationml/2006/main" type="blank" preserve="1">
+  <p:cSld name="Blank">
+    <p:spTree>
+      <p:nvGrpSpPr>
+        <p:cNvPr id="1" name=""/>
+        <p:cNvGrpSpPr/>
+        <p:nvPr/>
+      </p:nvGrpSpPr>
+      <p:grpSpPr>
+        <a:xfrm>
+          <a:off x="0" y="0"/>
+          <a:ext cx="0" cy="0"/>
+          <a:chOff x="0" y="0"/>
+          <a:chExt cx="0" cy="0"/>
+        </a:xfrm>
+      </p:grpSpPr>
+      <p:sp>
+        <p:nvSpPr>
+          <p:cNvPr id="2" name="Date Placeholder 1"/>
+          <p:cNvSpPr>
+            <a:spLocks noGrp="1"/>
+          </p:cNvSpPr>
+          <p:nvPr>
+            <p:ph type="dt" sz="half" idx="10"/>
+          </p:nvPr>
+        </p:nvSpPr>
+        <p:spPr/>
+        <p:txBody>
+          <a:bodyPr/>
+          <a:lstStyle/>
+          <a:p>
+            <a:fld id="{241EB5C9-1307-BA42-ABA2-0BC069CD8E7F}" type="datetimeFigureOut">
+              <a:rPr lang="en-US" smtClean="0"/>
+              <a:t>4/5/2019</a:t>
+            </a:fld>
+            <a:endParaRPr lang="en-US"/>
+          </a:p>
+        </p:txBody>
+      </p:sp>
+      <p:sp>
+        <p:nvSpPr>
+          <p:cNvPr id="3" name="Footer Placeholder 2"/>
+          <p:cNvSpPr>
+            <a:spLocks noGrp="1"/>
+          </p:cNvSpPr>
+          <p:nvPr>
+            <p:ph type="ftr" sz="quarter" idx="11"/>
+          </p:nvPr>
+        </p:nvSpPr>
+        <p:spPr/>
+        <p:txBody>
+          <a:bodyPr/>
+          <a:lstStyle/>
+          <a:p>
+            <a:endParaRPr lang="en-US"/>
+          </a:p>
+        </p:txBody>
+      </p:sp>
+      <p:sp>
+        <p:nvSpPr>
+          <p:cNvPr id="4" name="Slide Number Placeholder 3"/>
+          <p:cNvSpPr>
+            <a:spLocks noGrp="1"/>
+          </p:cNvSpPr>
+          <p:nvPr>
+            <p:ph type="sldNum" sz="quarter" idx="12"/>
+          </p:nvPr>
+        </p:nvSpPr>
+        <p:spPr/>
+        <p:txBody>
+          <a:bodyPr/>
+          <a:lstStyle/>
+          <a:p>
+            <a:fld id="{C5EF2332-01BF-834F-8236-50238282D533}" type="slidenum">
+              <a:rPr lang="en-US" smtClean="0"/>
+              <a:t>‹#›</a:t>
+            </a:fld>
+            <a:endParaRPr lang="en-US"/>
+          </a:p>
+        </p:txBody>
+      </p:sp>
+    </p:spTree>
+    <p:extLst>
+      <p:ext uri="{BB962C8B-B14F-4D97-AF65-F5344CB8AC3E}">
+        <p14:creationId xmlns:p14="http://schemas.microsoft.com/office/powerpoint/2010/main" val="2130901097"/>
+      </p:ext>
+    </p:extLst>
+  </p:cSld>
+  <p:clrMapOvr>
+    <a:masterClrMapping/>
+  </p:clrMapOvr>
+</p:sldLayout>
+</file>
+
+<file path=ppt/slideLayouts/slideLayout8.xml><?xml version="1.0" encoding="utf-8"?>
+<p:sldLayout xmlns:a="http://schemas.openxmlformats.org/drawingml/2006/main" xmlns:r="http://schemas.openxmlformats.org/officeDocument/2006/relationships" xmlns:p="http://schemas.openxmlformats.org/presentationml/2006/main" type="objTx" preserve="1">
+  <p:cSld name="Content with Caption">
+    <p:spTree>
+      <p:nvGrpSpPr>
+        <p:cNvPr id="1" name=""/>
+        <p:cNvGrpSpPr/>
+        <p:nvPr/>
+      </p:nvGrpSpPr>
+      <p:grpSpPr>
+        <a:xfrm>
+          <a:off x="0" y="0"/>
+          <a:ext cx="0" cy="0"/>
+          <a:chOff x="0" y="0"/>
+          <a:chExt cx="0" cy="0"/>
+        </a:xfrm>
+      </p:grpSpPr>
+      <p:sp>
+        <p:nvSpPr>
+          <p:cNvPr id="2" name="Title 1"/>
+          <p:cNvSpPr>
+            <a:spLocks noGrp="1"/>
+          </p:cNvSpPr>
+          <p:nvPr>
+            <p:ph type="title"/>
+          </p:nvPr>
+        </p:nvSpPr>
+        <p:spPr>
+          <a:xfrm>
+            <a:off x="457200" y="273050"/>
+            <a:ext cx="3008313" cy="1162050"/>
+          </a:xfrm>
+        </p:spPr>
+        <p:txBody>
+          <a:bodyPr anchor="b"/>
+          <a:lstStyle>
+            <a:lvl1pPr algn="l">
+              <a:defRPr sz="2000" b="1"/>
+            </a:lvl1pPr>
+          </a:lstStyle>
+          <a:p>
+            <a:r>
+              <a:rPr lang="en-US" smtClean="0"/>
+              <a:t>Click to edit Master title style</a:t>
+            </a:r>
+            <a:endParaRPr lang="en-US"/>
+          </a:p>
+        </p:txBody>
+      </p:sp>
+      <p:sp>
+        <p:nvSpPr>
+          <p:cNvPr id="3" name="Content Placeholder 2"/>
+          <p:cNvSpPr>
+            <a:spLocks noGrp="1"/>
+          </p:cNvSpPr>
+          <p:nvPr>
+            <p:ph idx="1"/>
+          </p:nvPr>
+        </p:nvSpPr>
+        <p:spPr>
+          <a:xfrm>
+            <a:off x="3575050" y="273050"/>
+            <a:ext cx="5111750" cy="5853113"/>
+          </a:xfrm>
+        </p:spPr>
+        <p:txBody>
+          <a:bodyPr/>
+          <a:lstStyle>
+            <a:lvl1pPr>
+              <a:defRPr sz="3200"/>
+            </a:lvl1pPr>
+            <a:lvl2pPr>
+              <a:defRPr sz="2800"/>
+            </a:lvl2pPr>
+            <a:lvl3pPr>
+              <a:defRPr sz="2400"/>
+            </a:lvl3pPr>
+            <a:lvl4pPr>
+              <a:defRPr sz="2000"/>
+            </a:lvl4pPr>
+            <a:lvl5pPr>
+              <a:defRPr sz="2000"/>
+            </a:lvl5pPr>
+            <a:lvl6pPr>
+              <a:defRPr sz="2000"/>
+            </a:lvl6pPr>
+            <a:lvl7pPr>
+              <a:defRPr sz="2000"/>
+            </a:lvl7pPr>
+            <a:lvl8pPr>
+              <a:defRPr sz="2000"/>
+            </a:lvl8pPr>
+            <a:lvl9pPr>
+              <a:defRPr sz="2000"/>
+            </a:lvl9pPr>
+          </a:lstStyle>
+          <a:p>
+            <a:pPr lvl="0"/>
+            <a:r>
+              <a:rPr lang="en-US" smtClean="0"/>
+              <a:t>Click to edit Master text styles</a:t>
+            </a:r>
+          </a:p>
+          <a:p>
+            <a:pPr lvl="1"/>
+            <a:r>
+              <a:rPr lang="en-US" smtClean="0"/>
+              <a:t>Second level</a:t>
+            </a:r>
+          </a:p>
+          <a:p>
+            <a:pPr lvl="2"/>
+            <a:r>
+              <a:rPr lang="en-US" smtClean="0"/>
+              <a:t>Third level</a:t>
+            </a:r>
+          </a:p>
+          <a:p>
+            <a:pPr lvl="3"/>
+            <a:r>
+              <a:rPr lang="en-US" smtClean="0"/>
+              <a:t>Fourth level</a:t>
+            </a:r>
+          </a:p>
+          <a:p>
+            <a:pPr lvl="4"/>
+            <a:r>
+              <a:rPr lang="en-US" smtClean="0"/>
+              <a:t>Fifth level</a:t>
+            </a:r>
+            <a:endParaRPr lang="en-US"/>
+          </a:p>
+        </p:txBody>
+      </p:sp>
+      <p:sp>
+        <p:nvSpPr>
+          <p:cNvPr id="4" name="Text Placeholder 3"/>
+          <p:cNvSpPr>
+            <a:spLocks noGrp="1"/>
+          </p:cNvSpPr>
+          <p:nvPr>
+            <p:ph type="body" sz="half" idx="2"/>
+          </p:nvPr>
+        </p:nvSpPr>
+        <p:spPr>
+          <a:xfrm>
+            <a:off x="457200" y="1435100"/>
+            <a:ext cx="3008313" cy="4691063"/>
+          </a:xfrm>
+        </p:spPr>
+        <p:txBody>
+          <a:bodyPr/>
+          <a:lstStyle>
+            <a:lvl1pPr marL="0" indent="0">
+              <a:buNone/>
+              <a:defRPr sz="1400"/>
+            </a:lvl1pPr>
+            <a:lvl2pPr marL="457200" indent="0">
+              <a:buNone/>
+              <a:defRPr sz="1200"/>
+            </a:lvl2pPr>
+            <a:lvl3pPr marL="914400" indent="0">
+              <a:buNone/>
+              <a:defRPr sz="1000"/>
+            </a:lvl3pPr>
+            <a:lvl4pPr marL="1371600" indent="0">
+              <a:buNone/>
+              <a:defRPr sz="900"/>
+            </a:lvl4pPr>
+            <a:lvl5pPr marL="1828800" indent="0">
+              <a:buNone/>
+              <a:defRPr sz="900"/>
+            </a:lvl5pPr>
+            <a:lvl6pPr marL="2286000" indent="0">
+              <a:buNone/>
+              <a:defRPr sz="900"/>
+            </a:lvl6pPr>
+            <a:lvl7pPr marL="2743200" indent="0">
+              <a:buNone/>
+              <a:defRPr sz="900"/>
+            </a:lvl7pPr>
+            <a:lvl8pPr marL="3200400" indent="0">
+              <a:buNone/>
+              <a:defRPr sz="900"/>
+            </a:lvl8pPr>
+            <a:lvl9pPr marL="3657600" indent="0">
+              <a:buNone/>
+              <a:defRPr sz="900"/>
+            </a:lvl9pPr>
+          </a:lstStyle>
+          <a:p>
+            <a:pPr lvl="0"/>
+            <a:r>
+              <a:rPr lang="en-US" smtClean="0"/>
+              <a:t>Click to edit Master text styles</a:t>
+            </a:r>
+          </a:p>
+        </p:txBody>
+      </p:sp>
+      <p:sp>
+        <p:nvSpPr>
+          <p:cNvPr id="5" name="Date Placeholder 4"/>
+          <p:cNvSpPr>
+            <a:spLocks noGrp="1"/>
+          </p:cNvSpPr>
+          <p:nvPr>
+            <p:ph type="dt" sz="half" idx="10"/>
+          </p:nvPr>
+        </p:nvSpPr>
+        <p:spPr/>
+        <p:txBody>
+          <a:bodyPr/>
+          <a:lstStyle/>
+          <a:p>
+            <a:fld id="{241EB5C9-1307-BA42-ABA2-0BC069CD8E7F}" type="datetimeFigureOut">
+              <a:rPr lang="en-US" smtClean="0"/>
+              <a:t>4/5/2019</a:t>
+            </a:fld>
+            <a:endParaRPr lang="en-US"/>
+          </a:p>
+        </p:txBody>
+      </p:sp>
+      <p:sp>
+        <p:nvSpPr>
+          <p:cNvPr id="6" name="Footer Placeholder 5"/>
+          <p:cNvSpPr>
+            <a:spLocks noGrp="1"/>
+          </p:cNvSpPr>
+          <p:nvPr>
+            <p:ph type="ftr" sz="quarter" idx="11"/>
+          </p:nvPr>
+        </p:nvSpPr>
+        <p:spPr/>
+        <p:txBody>
+          <a:bodyPr/>
+          <a:lstStyle/>
+          <a:p>
+            <a:endParaRPr lang="en-US"/>
+          </a:p>
+        </p:txBody>
+      </p:sp>
+      <p:sp>
+        <p:nvSpPr>
+          <p:cNvPr id="7" name="Slide Number Placeholder 6"/>
+          <p:cNvSpPr>
+            <a:spLocks noGrp="1"/>
+          </p:cNvSpPr>
+          <p:nvPr>
+            <p:ph type="sldNum" sz="quarter" idx="12"/>
+          </p:nvPr>
+        </p:nvSpPr>
+        <p:spPr/>
+        <p:txBody>
+          <a:bodyPr/>
+          <a:lstStyle/>
+          <a:p>
+            <a:fld id="{C5EF2332-01BF-834F-8236-50238282D533}" type="slidenum">
+              <a:rPr lang="en-US" smtClean="0"/>
+              <a:t>‹#›</a:t>
+            </a:fld>
+            <a:endParaRPr lang="en-US"/>
+          </a:p>
+        </p:txBody>
+      </p:sp>
+    </p:spTree>
+    <p:extLst>
+      <p:ext uri="{BB962C8B-B14F-4D97-AF65-F5344CB8AC3E}">
+        <p14:creationId xmlns:p14="http://schemas.microsoft.com/office/powerpoint/2010/main" val="3540895647"/>
+      </p:ext>
+    </p:extLst>
+  </p:cSld>
+  <p:clrMapOvr>
+    <a:masterClrMapping/>
+  </p:clrMapOvr>
+</p:sldLayout>
+</file>
+
+<file path=ppt/slideLayouts/slideLayout9.xml><?xml version="1.0" encoding="utf-8"?>
+<p:sldLayout xmlns:a="http://schemas.openxmlformats.org/drawingml/2006/main" xmlns:r="http://schemas.openxmlformats.org/officeDocument/2006/relationships" xmlns:p="http://schemas.openxmlformats.org/presentationml/2006/main" type="picTx" preserve="1">
+  <p:cSld name="Picture with Caption">
+    <p:spTree>
+      <p:nvGrpSpPr>
+        <p:cNvPr id="1" name=""/>
+        <p:cNvGrpSpPr/>
+        <p:nvPr/>
+      </p:nvGrpSpPr>
+      <p:grpSpPr>
+        <a:xfrm>
+          <a:off x="0" y="0"/>
+          <a:ext cx="0" cy="0"/>
+          <a:chOff x="0" y="0"/>
+          <a:chExt cx="0" cy="0"/>
+        </a:xfrm>
+      </p:grpSpPr>
+      <p:sp>
+        <p:nvSpPr>
+          <p:cNvPr id="2" name="Title 1"/>
+          <p:cNvSpPr>
+            <a:spLocks noGrp="1"/>
+          </p:cNvSpPr>
+          <p:nvPr>
+            <p:ph type="title"/>
+          </p:nvPr>
+        </p:nvSpPr>
+        <p:spPr>
+          <a:xfrm>
+            <a:off x="1792288" y="4800600"/>
+            <a:ext cx="5486400" cy="566738"/>
+          </a:xfrm>
+        </p:spPr>
+        <p:txBody>
+          <a:bodyPr anchor="b"/>
+          <a:lstStyle>
+            <a:lvl1pPr algn="l">
+              <a:defRPr sz="2000" b="1"/>
+            </a:lvl1pPr>
+          </a:lstStyle>
+          <a:p>
+            <a:r>
+              <a:rPr lang="en-US" smtClean="0"/>
+              <a:t>Click to edit Master title style</a:t>
+            </a:r>
+            <a:endParaRPr lang="en-US"/>
+          </a:p>
+        </p:txBody>
+      </p:sp>
+      <p:sp>
+        <p:nvSpPr>
+          <p:cNvPr id="3" name="Picture Placeholder 2"/>
+          <p:cNvSpPr>
+            <a:spLocks noGrp="1"/>
+          </p:cNvSpPr>
+          <p:nvPr>
+            <p:ph type="pic" idx="1"/>
+          </p:nvPr>
+        </p:nvSpPr>
+        <p:spPr>
+          <a:xfrm>
+            <a:off x="1792288" y="612775"/>
+            <a:ext cx="5486400" cy="4114800"/>
+          </a:xfrm>
+        </p:spPr>
+        <p:txBody>
+          <a:bodyPr/>
+          <a:lstStyle>
+            <a:lvl1pPr marL="0" indent="0">
+              <a:buNone/>
+              <a:defRPr sz="3200"/>
+            </a:lvl1pPr>
+            <a:lvl2pPr marL="457200" indent="0">
+              <a:buNone/>
+              <a:defRPr sz="2800"/>
+            </a:lvl2pPr>
+            <a:lvl3pPr marL="914400" indent="0">
+              <a:buNone/>
+              <a:defRPr sz="2400"/>
+            </a:lvl3pPr>
+            <a:lvl4pPr marL="1371600" indent="0">
+              <a:buNone/>
+              <a:defRPr sz="2000"/>
+            </a:lvl4pPr>
+            <a:lvl5pPr marL="1828800" indent="0">
+              <a:buNone/>
+              <a:defRPr sz="2000"/>
+            </a:lvl5pPr>
+            <a:lvl6pPr marL="2286000" indent="0">
+              <a:buNone/>
+              <a:defRPr sz="2000"/>
+            </a:lvl6pPr>
+            <a:lvl7pPr marL="2743200" indent="0">
+              <a:buNone/>
+              <a:defRPr sz="2000"/>
+            </a:lvl7pPr>
+            <a:lvl8pPr marL="3200400" indent="0">
+              <a:buNone/>
+              <a:defRPr sz="2000"/>
+            </a:lvl8pPr>
+            <a:lvl9pPr marL="3657600" indent="0">
+              <a:buNone/>
+              <a:defRPr sz="2000"/>
+            </a:lvl9pPr>
+          </a:lstStyle>
+          <a:p>
+            <a:endParaRPr lang="en-US"/>
+          </a:p>
+        </p:txBody>
+      </p:sp>
+      <p:sp>
+        <p:nvSpPr>
+          <p:cNvPr id="4" name="Text Placeholder 3"/>
+          <p:cNvSpPr>
+            <a:spLocks noGrp="1"/>
+          </p:cNvSpPr>
+          <p:nvPr>
+            <p:ph type="body" sz="half" idx="2"/>
+          </p:nvPr>
+        </p:nvSpPr>
+        <p:spPr>
+          <a:xfrm>
+            <a:off x="1792288" y="5367338"/>
+            <a:ext cx="5486400" cy="804862"/>
+          </a:xfrm>
+        </p:spPr>
+        <p:txBody>
+          <a:bodyPr/>
+          <a:lstStyle>
+            <a:lvl1pPr marL="0" indent="0">
+              <a:buNone/>
+              <a:defRPr sz="1400"/>
+            </a:lvl1pPr>
+            <a:lvl2pPr marL="457200" indent="0">
+              <a:buNone/>
+              <a:defRPr sz="1200"/>
+            </a:lvl2pPr>
+            <a:lvl3pPr marL="914400" indent="0">
+              <a:buNone/>
+              <a:defRPr sz="1000"/>
+            </a:lvl3pPr>
+            <a:lvl4pPr marL="1371600" indent="0">
+              <a:buNone/>
+              <a:defRPr sz="900"/>
+            </a:lvl4pPr>
+            <a:lvl5pPr marL="1828800" indent="0">
+              <a:buNone/>
+              <a:defRPr sz="900"/>
+            </a:lvl5pPr>
+            <a:lvl6pPr marL="2286000" indent="0">
+              <a:buNone/>
+              <a:defRPr sz="900"/>
+            </a:lvl6pPr>
+            <a:lvl7pPr marL="2743200" indent="0">
+              <a:buNone/>
+              <a:defRPr sz="900"/>
+            </a:lvl7pPr>
+            <a:lvl8pPr marL="3200400" indent="0">
+              <a:buNone/>
+              <a:defRPr sz="900"/>
+            </a:lvl8pPr>
+            <a:lvl9pPr marL="3657600" indent="0">
+              <a:buNone/>
+              <a:defRPr sz="900"/>
+            </a:lvl9pPr>
+          </a:lstStyle>
+          <a:p>
+            <a:pPr lvl="0"/>
+            <a:r>
+              <a:rPr lang="en-US" smtClean="0"/>
+              <a:t>Click to edit Master text styles</a:t>
+            </a:r>
+          </a:p>
+        </p:txBody>
+      </p:sp>
+      <p:sp>
+        <p:nvSpPr>
+          <p:cNvPr id="5" name="Date Placeholder 4"/>
+          <p:cNvSpPr>
+            <a:spLocks noGrp="1"/>
+          </p:cNvSpPr>
+          <p:nvPr>
+            <p:ph type="dt" sz="half" idx="10"/>
+          </p:nvPr>
+        </p:nvSpPr>
+        <p:spPr/>
+        <p:txBody>
+          <a:bodyPr/>
+          <a:lstStyle/>
+          <a:p>
+            <a:fld id="{241EB5C9-1307-BA42-ABA2-0BC069CD8E7F}" type="datetimeFigureOut">
+              <a:rPr lang="en-US" smtClean="0"/>
+              <a:t>4/5/2019</a:t>
+            </a:fld>
+            <a:endParaRPr lang="en-US"/>
+          </a:p>
+        </p:txBody>
+      </p:sp>
+      <p:sp>
+        <p:nvSpPr>
+          <p:cNvPr id="6" name="Footer Placeholder 5"/>
+          <p:cNvSpPr>
+            <a:spLocks noGrp="1"/>
+          </p:cNvSpPr>
+          <p:nvPr>
+            <p:ph type="ftr" sz="quarter" idx="11"/>
+          </p:nvPr>
+        </p:nvSpPr>
+        <p:spPr/>
+        <p:txBody>
+          <a:bodyPr/>
+          <a:lstStyle/>
+          <a:p>
+            <a:endParaRPr lang="en-US"/>
+          </a:p>
+        </p:txBody>
+      </p:sp>
+      <p:sp>
+        <p:nvSpPr>
+          <p:cNvPr id="7" name="Slide Number Placeholder 6"/>
+          <p:cNvSpPr>
+            <a:spLocks noGrp="1"/>
+          </p:cNvSpPr>
+          <p:nvPr>
+            <p:ph type="sldNum" sz="quarter" idx="12"/>
+          </p:nvPr>
+        </p:nvSpPr>
+        <p:spPr/>
+        <p:txBody>
+          <a:bodyPr/>
+          <a:lstStyle/>
+          <a:p>
+            <a:fld id="{C5EF2332-01BF-834F-8236-50238282D533}" type="slidenum">
+              <a:rPr lang="en-US" smtClean="0"/>
+              <a:t>‹#›</a:t>
+            </a:fld>
+            <a:endParaRPr lang="en-US"/>
+          </a:p>
+        </p:txBody>
+      </p:sp>
+    </p:spTree>
+    <p:extLst>
+      <p:ext uri="{BB962C8B-B14F-4D97-AF65-F5344CB8AC3E}">
+        <p14:creationId xmlns:p14="http://schemas.microsoft.com/office/powerpoint/2010/main" val="3566899855"/>
+      </p:ext>
+    </p:extLst>
+  </p:cSld>
+  <p:clrMapOvr>
+    <a:masterClrMapping/>
+  </p:clrMapOvr>
+</p:sldLayout>
+</file>
+
 <file path=ppt/slideMasters/slideMaster1.xml><?xml version="1.0" encoding="utf-8"?>
 <p:sldMaster xmlns:a="http://schemas.openxmlformats.org/drawingml/2006/main" xmlns:r="http://schemas.openxmlformats.org/officeDocument/2006/relationships" xmlns:p="http://schemas.openxmlformats.org/presentationml/2006/main">
   <p:cSld>
@@ -1670,7 +3185,7 @@
           <a:p>
             <a:fld id="{5EF76A7A-0506-6C4D-8382-BFC753915B9A}" type="datetime4">
               <a:rPr lang="en-US" smtClean="0"/>
-              <a:t>December 30, 2020</a:t>
+              <a:t>December 27, 2020</a:t>
             </a:fld>
             <a:endParaRPr lang="en-US" dirty="0"/>
           </a:p>
@@ -2124,11 +3639,28 @@
           <a:bodyPr/>
           <a:lstStyle/>
           <a:p>
-            <a:pPr marL="0" lvl="0" indent="0">
+            <a:pPr lvl="0" marL="0" indent="0">
               <a:buNone/>
             </a:pPr>
             <a:r>
-              <a:t>SamplePPT (PERSI graphs)</a:t>
+              <a:rPr/>
+              <a:t>SamplePPT</a:t>
+            </a:r>
+            <a:r>
+              <a:rPr/>
+              <a:t> </a:t>
+            </a:r>
+            <a:r>
+              <a:rPr/>
+              <a:t>(PERSI</a:t>
+            </a:r>
+            <a:r>
+              <a:rPr/>
+              <a:t> </a:t>
+            </a:r>
+            <a:r>
+              <a:rPr/>
+              <a:t>graphs)</a:t>
             </a:r>
           </a:p>
         </p:txBody>
@@ -2153,13 +3685,46 @@
           <a:bodyPr/>
           <a:lstStyle/>
           <a:p>
-            <a:pPr marL="0" lvl="0" indent="0">
+            <a:pPr lvl="0" marL="0" indent="0">
               <a:buNone/>
             </a:pPr>
             <a:br/>
             <a:br/>
             <a:r>
-              <a:t>Anil, Swaroop, Jen &amp; Jordan</a:t>
+              <a:rPr/>
+              <a:t>Anil,</a:t>
+            </a:r>
+            <a:r>
+              <a:rPr/>
+              <a:t> </a:t>
+            </a:r>
+            <a:r>
+              <a:rPr/>
+              <a:t>Swaroop,</a:t>
+            </a:r>
+            <a:r>
+              <a:rPr/>
+              <a:t> </a:t>
+            </a:r>
+            <a:r>
+              <a:rPr/>
+              <a:t>Jen</a:t>
+            </a:r>
+            <a:r>
+              <a:rPr/>
+              <a:t> </a:t>
+            </a:r>
+            <a:r>
+              <a:rPr/>
+              <a:t>&amp;</a:t>
+            </a:r>
+            <a:r>
+              <a:rPr/>
+              <a:t> </a:t>
+            </a:r>
+            <a:r>
+              <a:rPr/>
+              <a:t>Jordan</a:t>
             </a:r>
           </a:p>
         </p:txBody>
@@ -2179,10 +3744,11 @@
           <a:bodyPr/>
           <a:lstStyle/>
           <a:p>
-            <a:pPr marL="0" lvl="0" indent="0">
+            <a:pPr lvl="0" marL="0" indent="0">
               <a:buNone/>
             </a:pPr>
             <a:r>
+              <a:rPr/>
               <a:t>12/12/2020</a:t>
             </a:r>
           </a:p>
@@ -2190,9 +3756,6 @@
       </p:sp>
     </p:spTree>
   </p:cSld>
-  <p:clrMapOvr>
-    <a:masterClrMapping/>
-  </p:clrMapOvr>
 </p:sld>
 </file>
 
@@ -2236,11 +3799,44 @@
           <a:bodyPr/>
           <a:lstStyle/>
           <a:p>
-            <a:pPr marL="0" lvl="0" indent="0">
+            <a:pPr lvl="0" marL="0" indent="0">
               <a:buNone/>
             </a:pPr>
             <a:r>
-              <a:t>About the Pension Integrity Project</a:t>
+              <a:rPr/>
+              <a:t>About</a:t>
+            </a:r>
+            <a:r>
+              <a:rPr/>
+              <a:t> </a:t>
+            </a:r>
+            <a:r>
+              <a:rPr/>
+              <a:t>the</a:t>
+            </a:r>
+            <a:r>
+              <a:rPr/>
+              <a:t> </a:t>
+            </a:r>
+            <a:r>
+              <a:rPr/>
+              <a:t>Pension</a:t>
+            </a:r>
+            <a:r>
+              <a:rPr/>
+              <a:t> </a:t>
+            </a:r>
+            <a:r>
+              <a:rPr/>
+              <a:t>Integrity</a:t>
+            </a:r>
+            <a:r>
+              <a:rPr/>
+              <a:t> </a:t>
+            </a:r>
+            <a:r>
+              <a:rPr/>
+              <a:t>Project</a:t>
             </a:r>
           </a:p>
         </p:txBody>
@@ -2260,40 +3856,46 @@
           <a:bodyPr/>
           <a:lstStyle/>
           <a:p>
-            <a:pPr marL="0" lvl="0" indent="0">
+            <a:pPr lvl="0" marL="0" indent="0">
               <a:buNone/>
             </a:pPr>
             <a:r>
+              <a:rPr/>
               <a:t>We offer pro-bono technical assistance to public officials to help them design and implement pension reforms that improve plan solvency and promote retirement security, including:</a:t>
             </a:r>
           </a:p>
           <a:p>
             <a:pPr lvl="1"/>
             <a:r>
+              <a:rPr/>
               <a:t>Customized analysis of pension system design, trends</a:t>
             </a:r>
           </a:p>
           <a:p>
             <a:pPr lvl="1"/>
             <a:r>
+              <a:rPr/>
               <a:t>Independent actuarial modeling of reform scenarios</a:t>
             </a:r>
           </a:p>
           <a:p>
             <a:pPr lvl="1"/>
             <a:r>
+              <a:rPr/>
               <a:t>Consultation and modeling around custom policy designs</a:t>
             </a:r>
           </a:p>
           <a:p>
             <a:pPr lvl="1"/>
             <a:r>
+              <a:rPr/>
               <a:t>Latest pension reform research and case studies</a:t>
             </a:r>
           </a:p>
           <a:p>
             <a:pPr lvl="1"/>
             <a:r>
+              <a:rPr/>
               <a:t>Peer-to-peer mentoring from state and local officials who have successfully enacted pension</a:t>
             </a:r>
           </a:p>
@@ -2302,18 +3904,21 @@
               <a:buNone/>
             </a:pPr>
             <a:r>
+              <a:rPr/>
               <a:t>reforms</a:t>
             </a:r>
           </a:p>
           <a:p>
             <a:pPr lvl="1"/>
             <a:r>
+              <a:rPr/>
               <a:t>Assistance with stakeholder outreach, engagement and relationship management</a:t>
             </a:r>
           </a:p>
           <a:p>
             <a:pPr lvl="1"/>
             <a:r>
+              <a:rPr/>
               <a:t>Design and execution of public education programs and media campaigns</a:t>
             </a:r>
           </a:p>
@@ -2321,9 +3926,6 @@
       </p:sp>
     </p:spTree>
   </p:cSld>
-  <p:clrMapOvr>
-    <a:masterClrMapping/>
-  </p:clrMapOvr>
 </p:sld>
 </file>
 
@@ -2367,18 +3969,83 @@
           <a:bodyPr/>
           <a:lstStyle/>
           <a:p>
-            <a:pPr marL="0" lvl="0" indent="0">
+            <a:pPr lvl="0" marL="0" indent="0">
               <a:buNone/>
             </a:pPr>
             <a:r>
-              <a:t>A History of Weakening Solvency (2001-2019) w/ R (areaPlot())</a:t>
+              <a:rPr/>
+              <a:t>A</a:t>
+            </a:r>
+            <a:r>
+              <a:rPr/>
+              <a:t> </a:t>
+            </a:r>
+            <a:r>
+              <a:rPr/>
+              <a:t>History</a:t>
+            </a:r>
+            <a:r>
+              <a:rPr/>
+              <a:t> </a:t>
+            </a:r>
+            <a:r>
+              <a:rPr/>
+              <a:t>of</a:t>
+            </a:r>
+            <a:r>
+              <a:rPr/>
+              <a:t> </a:t>
+            </a:r>
+            <a:r>
+              <a:rPr/>
+              <a:t>Weakening</a:t>
+            </a:r>
+            <a:r>
+              <a:rPr/>
+              <a:t> </a:t>
+            </a:r>
+            <a:r>
+              <a:rPr/>
+              <a:t>Solvency</a:t>
+            </a:r>
+            <a:r>
+              <a:rPr/>
+              <a:t> </a:t>
+            </a:r>
+            <a:r>
+              <a:rPr/>
+              <a:t>(2001-2019)</a:t>
+            </a:r>
+            <a:r>
+              <a:rPr/>
+              <a:t> </a:t>
+            </a:r>
+            <a:r>
+              <a:rPr/>
+              <a:t>w/</a:t>
+            </a:r>
+            <a:r>
+              <a:rPr/>
+              <a:t> </a:t>
+            </a:r>
+            <a:r>
+              <a:rPr/>
+              <a:t>R</a:t>
+            </a:r>
+            <a:r>
+              <a:rPr/>
+              <a:t> </a:t>
+            </a:r>
+            <a:r>
+              <a:rPr/>
+              <a:t>(areaPlot())</a:t>
             </a:r>
           </a:p>
         </p:txBody>
       </p:sp>
       <p:pic>
         <p:nvPicPr>
-          <p:cNvPr id="3" name="Picture 1" descr="SamplePPT_files/figure-pptx/debt-1.png"/>
+          <p:cNvPr descr="SamplePPT_files/figure-pptx/debt-1.png" id="0" name="Picture 1"/>
           <p:cNvPicPr>
             <a:picLocks noGrp="1" noChangeAspect="1"/>
           </p:cNvPicPr>
@@ -2408,9 +4075,6 @@
       </p:pic>
     </p:spTree>
   </p:cSld>
-  <p:clrMapOvr>
-    <a:masterClrMapping/>
-  </p:clrMapOvr>
 </p:sld>
 </file>
 
@@ -2454,18 +4118,83 @@
           <a:bodyPr/>
           <a:lstStyle/>
           <a:p>
-            <a:pPr marL="0" lvl="0" indent="0">
+            <a:pPr lvl="0" marL="0" indent="0">
               <a:buNone/>
             </a:pPr>
             <a:r>
-              <a:t>A History of Investment Returns (2001-2019) w/ R (linePlot())</a:t>
+              <a:rPr/>
+              <a:t>A</a:t>
+            </a:r>
+            <a:r>
+              <a:rPr/>
+              <a:t> </a:t>
+            </a:r>
+            <a:r>
+              <a:rPr/>
+              <a:t>History</a:t>
+            </a:r>
+            <a:r>
+              <a:rPr/>
+              <a:t> </a:t>
+            </a:r>
+            <a:r>
+              <a:rPr/>
+              <a:t>of</a:t>
+            </a:r>
+            <a:r>
+              <a:rPr/>
+              <a:t> </a:t>
+            </a:r>
+            <a:r>
+              <a:rPr/>
+              <a:t>Investment</a:t>
+            </a:r>
+            <a:r>
+              <a:rPr/>
+              <a:t> </a:t>
+            </a:r>
+            <a:r>
+              <a:rPr/>
+              <a:t>Returns</a:t>
+            </a:r>
+            <a:r>
+              <a:rPr/>
+              <a:t> </a:t>
+            </a:r>
+            <a:r>
+              <a:rPr/>
+              <a:t>(2001-2020)</a:t>
+            </a:r>
+            <a:r>
+              <a:rPr/>
+              <a:t> </a:t>
+            </a:r>
+            <a:r>
+              <a:rPr/>
+              <a:t>w/</a:t>
+            </a:r>
+            <a:r>
+              <a:rPr/>
+              <a:t> </a:t>
+            </a:r>
+            <a:r>
+              <a:rPr/>
+              <a:t>R</a:t>
+            </a:r>
+            <a:r>
+              <a:rPr/>
+              <a:t> </a:t>
+            </a:r>
+            <a:r>
+              <a:rPr/>
+              <a:t>(linePlot())</a:t>
             </a:r>
           </a:p>
         </p:txBody>
       </p:sp>
       <p:pic>
         <p:nvPicPr>
-          <p:cNvPr id="3" name="Picture 1" descr="SamplePPT_files/figure-pptx/graph-1.png"/>
+          <p:cNvPr descr="SamplePPT_files/figure-pptx/graph-1.png" id="0" name="Picture 1"/>
           <p:cNvPicPr>
             <a:picLocks noGrp="1" noChangeAspect="1"/>
           </p:cNvPicPr>
@@ -2495,9 +4224,6 @@
       </p:pic>
     </p:spTree>
   </p:cSld>
-  <p:clrMapOvr>
-    <a:masterClrMapping/>
-  </p:clrMapOvr>
 </p:sld>
 </file>
 
@@ -2541,18 +4267,67 @@
           <a:bodyPr/>
           <a:lstStyle/>
           <a:p>
-            <a:pPr marL="0" lvl="0" indent="0">
+            <a:pPr lvl="0" marL="0" indent="0">
               <a:buNone/>
             </a:pPr>
             <a:r>
-              <a:t>S&amp;P500 vs. Funded Ratio (2001-2019) w/ R (areaPlot())</a:t>
+              <a:rPr/>
+              <a:t>S&amp;P500</a:t>
+            </a:r>
+            <a:r>
+              <a:rPr/>
+              <a:t> </a:t>
+            </a:r>
+            <a:r>
+              <a:rPr/>
+              <a:t>vs. Funded</a:t>
+            </a:r>
+            <a:r>
+              <a:rPr/>
+              <a:t> </a:t>
+            </a:r>
+            <a:r>
+              <a:rPr/>
+              <a:t>Ratio</a:t>
+            </a:r>
+            <a:r>
+              <a:rPr/>
+              <a:t> </a:t>
+            </a:r>
+            <a:r>
+              <a:rPr/>
+              <a:t>(2001-2019)</a:t>
+            </a:r>
+            <a:r>
+              <a:rPr/>
+              <a:t> </a:t>
+            </a:r>
+            <a:r>
+              <a:rPr/>
+              <a:t>w/</a:t>
+            </a:r>
+            <a:r>
+              <a:rPr/>
+              <a:t> </a:t>
+            </a:r>
+            <a:r>
+              <a:rPr/>
+              <a:t>R</a:t>
+            </a:r>
+            <a:r>
+              <a:rPr/>
+              <a:t> </a:t>
+            </a:r>
+            <a:r>
+              <a:rPr/>
+              <a:t>(areaPlot())</a:t>
             </a:r>
           </a:p>
         </p:txBody>
       </p:sp>
       <p:pic>
         <p:nvPicPr>
-          <p:cNvPr id="3" name="Picture 1" descr="SamplePPT_files/figure-pptx/sp500-1.png"/>
+          <p:cNvPr descr="SamplePPT_files/figure-pptx/sp500-1.png" id="0" name="Picture 1"/>
           <p:cNvPicPr>
             <a:picLocks noGrp="1" noChangeAspect="1"/>
           </p:cNvPicPr>
@@ -2582,9 +4357,6 @@
       </p:pic>
     </p:spTree>
   </p:cSld>
-  <p:clrMapOvr>
-    <a:masterClrMapping/>
-  </p:clrMapOvr>
 </p:sld>
 </file>
 
@@ -2628,18 +4400,59 @@
           <a:bodyPr/>
           <a:lstStyle/>
           <a:p>
-            <a:pPr marL="0" lvl="0" indent="0">
+            <a:pPr lvl="0" marL="0" indent="0">
               <a:buNone/>
             </a:pPr>
             <a:r>
-              <a:t>Asset Allocation w/ R (custom)</a:t>
+              <a:rPr/>
+              <a:t>Asset</a:t>
+            </a:r>
+            <a:r>
+              <a:rPr/>
+              <a:t> </a:t>
+            </a:r>
+            <a:r>
+              <a:rPr/>
+              <a:t>Allocation</a:t>
+            </a:r>
+            <a:r>
+              <a:rPr/>
+              <a:t> </a:t>
+            </a:r>
+            <a:r>
+              <a:rPr/>
+              <a:t>()2001-2019</a:t>
+            </a:r>
+            <a:r>
+              <a:rPr/>
+              <a:t> </a:t>
+            </a:r>
+            <a:r>
+              <a:rPr/>
+              <a:t>w/</a:t>
+            </a:r>
+            <a:r>
+              <a:rPr/>
+              <a:t> </a:t>
+            </a:r>
+            <a:r>
+              <a:rPr/>
+              <a:t>R</a:t>
+            </a:r>
+            <a:r>
+              <a:rPr/>
+              <a:t> </a:t>
+            </a:r>
+            <a:r>
+              <a:rPr/>
+              <a:t>(custom)</a:t>
             </a:r>
           </a:p>
         </p:txBody>
       </p:sp>
       <p:pic>
         <p:nvPicPr>
-          <p:cNvPr id="3" name="Picture 1" descr="SamplePPT_files/figure-pptx/assets-1.png"/>
+          <p:cNvPr descr="SamplePPT_files/figure-pptx/assets-1.png" id="0" name="Picture 1"/>
           <p:cNvPicPr>
             <a:picLocks noGrp="1" noChangeAspect="1"/>
           </p:cNvPicPr>
@@ -2669,9 +4482,6 @@
       </p:pic>
     </p:spTree>
   </p:cSld>
-  <p:clrMapOvr>
-    <a:masterClrMapping/>
-  </p:clrMapOvr>
 </p:sld>
 </file>
 
@@ -2715,18 +4525,91 @@
           <a:bodyPr/>
           <a:lstStyle/>
           <a:p>
-            <a:pPr marL="0" lvl="0" indent="0">
+            <a:pPr lvl="0" marL="0" indent="0">
               <a:buNone/>
             </a:pPr>
             <a:r>
-              <a:t>Change in Risk-Free Rate vs. Discount Rate (2001-2019) w/ R (linePlot())</a:t>
+              <a:rPr/>
+              <a:t>Change</a:t>
+            </a:r>
+            <a:r>
+              <a:rPr/>
+              <a:t> </a:t>
+            </a:r>
+            <a:r>
+              <a:rPr/>
+              <a:t>in</a:t>
+            </a:r>
+            <a:r>
+              <a:rPr/>
+              <a:t> </a:t>
+            </a:r>
+            <a:r>
+              <a:rPr/>
+              <a:t>Risk-Free</a:t>
+            </a:r>
+            <a:r>
+              <a:rPr/>
+              <a:t> </a:t>
+            </a:r>
+            <a:r>
+              <a:rPr/>
+              <a:t>Rate</a:t>
+            </a:r>
+            <a:r>
+              <a:rPr/>
+              <a:t> </a:t>
+            </a:r>
+            <a:r>
+              <a:rPr/>
+              <a:t>vs. Discount</a:t>
+            </a:r>
+            <a:r>
+              <a:rPr/>
+              <a:t> </a:t>
+            </a:r>
+            <a:r>
+              <a:rPr/>
+              <a:t>Rate</a:t>
+            </a:r>
+            <a:r>
+              <a:rPr/>
+              <a:t> </a:t>
+            </a:r>
+            <a:r>
+              <a:rPr/>
+              <a:t>(2001-2019)</a:t>
+            </a:r>
+            <a:r>
+              <a:rPr/>
+              <a:t> </a:t>
+            </a:r>
+            <a:r>
+              <a:rPr/>
+              <a:t>w/</a:t>
+            </a:r>
+            <a:r>
+              <a:rPr/>
+              <a:t> </a:t>
+            </a:r>
+            <a:r>
+              <a:rPr/>
+              <a:t>R</a:t>
+            </a:r>
+            <a:r>
+              <a:rPr/>
+              <a:t> </a:t>
+            </a:r>
+            <a:r>
+              <a:rPr/>
+              <a:t>(linePlot())</a:t>
             </a:r>
           </a:p>
         </p:txBody>
       </p:sp>
       <p:pic>
         <p:nvPicPr>
-          <p:cNvPr id="3" name="Picture 1" descr="SamplePPT_files/figure-pptx/treasury-1.png"/>
+          <p:cNvPr descr="SamplePPT_files/figure-pptx/treasury-1.png" id="0" name="Picture 1"/>
           <p:cNvPicPr>
             <a:picLocks noGrp="1" noChangeAspect="1"/>
           </p:cNvPicPr>
@@ -2756,9 +4639,6 @@
       </p:pic>
     </p:spTree>
   </p:cSld>
-  <p:clrMapOvr>
-    <a:masterClrMapping/>
-  </p:clrMapOvr>
 </p:sld>
 </file>
 
@@ -2802,18 +4682,59 @@
           <a:bodyPr/>
           <a:lstStyle/>
           <a:p>
-            <a:pPr marL="0" lvl="0" indent="0">
+            <a:pPr lvl="0" marL="0" indent="0">
               <a:buNone/>
             </a:pPr>
             <a:r>
-              <a:t>Negative Amortization Growth w/ R (custom)</a:t>
+              <a:rPr/>
+              <a:t>Negative</a:t>
+            </a:r>
+            <a:r>
+              <a:rPr/>
+              <a:t> </a:t>
+            </a:r>
+            <a:r>
+              <a:rPr/>
+              <a:t>Amortization</a:t>
+            </a:r>
+            <a:r>
+              <a:rPr/>
+              <a:t> </a:t>
+            </a:r>
+            <a:r>
+              <a:rPr/>
+              <a:t>Growth</a:t>
+            </a:r>
+            <a:r>
+              <a:rPr/>
+              <a:t> </a:t>
+            </a:r>
+            <a:r>
+              <a:rPr/>
+              <a:t>w/</a:t>
+            </a:r>
+            <a:r>
+              <a:rPr/>
+              <a:t> </a:t>
+            </a:r>
+            <a:r>
+              <a:rPr/>
+              <a:t>R</a:t>
+            </a:r>
+            <a:r>
+              <a:rPr/>
+              <a:t> </a:t>
+            </a:r>
+            <a:r>
+              <a:rPr/>
+              <a:t>(custom)</a:t>
             </a:r>
           </a:p>
         </p:txBody>
       </p:sp>
       <p:pic>
         <p:nvPicPr>
-          <p:cNvPr id="3" name="Picture 1" descr="SamplePPT_files/figure-pptx/neg.amo-1.png"/>
+          <p:cNvPr descr="SamplePPT_files/figure-pptx/neg.amo-1.png" id="0" name="Picture 1"/>
           <p:cNvPicPr>
             <a:picLocks noGrp="1" noChangeAspect="1"/>
           </p:cNvPicPr>
@@ -2843,9 +4764,6 @@
       </p:pic>
     </p:spTree>
   </p:cSld>
-  <p:clrMapOvr>
-    <a:masterClrMapping/>
-  </p:clrMapOvr>
 </p:sld>
 </file>
 
@@ -2889,10 +4807,11 @@
           <a:bodyPr/>
           <a:lstStyle/>
           <a:p>
-            <a:pPr marL="0" lvl="0" indent="0">
+            <a:pPr lvl="0" marL="0" indent="0">
               <a:buNone/>
             </a:pPr>
             <a:r>
+              <a:rPr/>
               <a:t>References</a:t>
             </a:r>
           </a:p>
@@ -2943,9 +4862,6 @@
       </p:sp>
     </p:spTree>
   </p:cSld>
-  <p:clrMapOvr>
-    <a:masterClrMapping/>
-  </p:clrMapOvr>
 </p:sld>
 </file>
 

--- a/DeckUpdate/SamplePPT.pptx
+++ b/DeckUpdate/SamplePPT.pptx
@@ -363,7 +363,7 @@
           <a:p>
             <a:fld id="{10302D39-B686-2742-A69B-CE6D46FC9A4E}" type="datetime4">
               <a:rPr lang="en-US" smtClean="0"/>
-              <a:t>December 27, 2020</a:t>
+              <a:t>January 2, 2021</a:t>
             </a:fld>
             <a:endParaRPr lang="en-US" dirty="0"/>
           </a:p>
@@ -485,356 +485,6 @@
 </p:sldLayout>
 </file>
 
-<file path=ppt/slideLayouts/slideLayout10.xml><?xml version="1.0" encoding="utf-8"?>
-<p:sldLayout xmlns:a="http://schemas.openxmlformats.org/drawingml/2006/main" xmlns:r="http://schemas.openxmlformats.org/officeDocument/2006/relationships" xmlns:p="http://schemas.openxmlformats.org/presentationml/2006/main" type="vertTx" preserve="1">
-  <p:cSld name="Title and Vertical Text">
-    <p:spTree>
-      <p:nvGrpSpPr>
-        <p:cNvPr id="1" name=""/>
-        <p:cNvGrpSpPr/>
-        <p:nvPr/>
-      </p:nvGrpSpPr>
-      <p:grpSpPr>
-        <a:xfrm>
-          <a:off x="0" y="0"/>
-          <a:ext cx="0" cy="0"/>
-          <a:chOff x="0" y="0"/>
-          <a:chExt cx="0" cy="0"/>
-        </a:xfrm>
-      </p:grpSpPr>
-      <p:sp>
-        <p:nvSpPr>
-          <p:cNvPr id="2" name="Title 1"/>
-          <p:cNvSpPr>
-            <a:spLocks noGrp="1"/>
-          </p:cNvSpPr>
-          <p:nvPr>
-            <p:ph type="title"/>
-          </p:nvPr>
-        </p:nvSpPr>
-        <p:spPr/>
-        <p:txBody>
-          <a:bodyPr/>
-          <a:lstStyle/>
-          <a:p>
-            <a:r>
-              <a:rPr lang="en-US" smtClean="0"/>
-              <a:t>Click to edit Master title style</a:t>
-            </a:r>
-            <a:endParaRPr lang="en-US"/>
-          </a:p>
-        </p:txBody>
-      </p:sp>
-      <p:sp>
-        <p:nvSpPr>
-          <p:cNvPr id="3" name="Vertical Text Placeholder 2"/>
-          <p:cNvSpPr>
-            <a:spLocks noGrp="1"/>
-          </p:cNvSpPr>
-          <p:nvPr>
-            <p:ph type="body" orient="vert" idx="1"/>
-          </p:nvPr>
-        </p:nvSpPr>
-        <p:spPr/>
-        <p:txBody>
-          <a:bodyPr vert="eaVert"/>
-          <a:lstStyle/>
-          <a:p>
-            <a:pPr lvl="0"/>
-            <a:r>
-              <a:rPr lang="en-US" smtClean="0"/>
-              <a:t>Click to edit Master text styles</a:t>
-            </a:r>
-          </a:p>
-          <a:p>
-            <a:pPr lvl="1"/>
-            <a:r>
-              <a:rPr lang="en-US" smtClean="0"/>
-              <a:t>Second level</a:t>
-            </a:r>
-          </a:p>
-          <a:p>
-            <a:pPr lvl="2"/>
-            <a:r>
-              <a:rPr lang="en-US" smtClean="0"/>
-              <a:t>Third level</a:t>
-            </a:r>
-          </a:p>
-          <a:p>
-            <a:pPr lvl="3"/>
-            <a:r>
-              <a:rPr lang="en-US" smtClean="0"/>
-              <a:t>Fourth level</a:t>
-            </a:r>
-          </a:p>
-          <a:p>
-            <a:pPr lvl="4"/>
-            <a:r>
-              <a:rPr lang="en-US" smtClean="0"/>
-              <a:t>Fifth level</a:t>
-            </a:r>
-            <a:endParaRPr lang="en-US"/>
-          </a:p>
-        </p:txBody>
-      </p:sp>
-      <p:sp>
-        <p:nvSpPr>
-          <p:cNvPr id="4" name="Date Placeholder 3"/>
-          <p:cNvSpPr>
-            <a:spLocks noGrp="1"/>
-          </p:cNvSpPr>
-          <p:nvPr>
-            <p:ph type="dt" sz="half" idx="10"/>
-          </p:nvPr>
-        </p:nvSpPr>
-        <p:spPr/>
-        <p:txBody>
-          <a:bodyPr/>
-          <a:lstStyle/>
-          <a:p>
-            <a:fld id="{241EB5C9-1307-BA42-ABA2-0BC069CD8E7F}" type="datetimeFigureOut">
-              <a:rPr lang="en-US" smtClean="0"/>
-              <a:t>4/5/2019</a:t>
-            </a:fld>
-            <a:endParaRPr lang="en-US"/>
-          </a:p>
-        </p:txBody>
-      </p:sp>
-      <p:sp>
-        <p:nvSpPr>
-          <p:cNvPr id="5" name="Footer Placeholder 4"/>
-          <p:cNvSpPr>
-            <a:spLocks noGrp="1"/>
-          </p:cNvSpPr>
-          <p:nvPr>
-            <p:ph type="ftr" sz="quarter" idx="11"/>
-          </p:nvPr>
-        </p:nvSpPr>
-        <p:spPr/>
-        <p:txBody>
-          <a:bodyPr/>
-          <a:lstStyle/>
-          <a:p>
-            <a:endParaRPr lang="en-US"/>
-          </a:p>
-        </p:txBody>
-      </p:sp>
-      <p:sp>
-        <p:nvSpPr>
-          <p:cNvPr id="6" name="Slide Number Placeholder 5"/>
-          <p:cNvSpPr>
-            <a:spLocks noGrp="1"/>
-          </p:cNvSpPr>
-          <p:nvPr>
-            <p:ph type="sldNum" sz="quarter" idx="12"/>
-          </p:nvPr>
-        </p:nvSpPr>
-        <p:spPr/>
-        <p:txBody>
-          <a:bodyPr/>
-          <a:lstStyle/>
-          <a:p>
-            <a:fld id="{C5EF2332-01BF-834F-8236-50238282D533}" type="slidenum">
-              <a:rPr lang="en-US" smtClean="0"/>
-              <a:t>‹#›</a:t>
-            </a:fld>
-            <a:endParaRPr lang="en-US"/>
-          </a:p>
-        </p:txBody>
-      </p:sp>
-    </p:spTree>
-    <p:extLst>
-      <p:ext uri="{BB962C8B-B14F-4D97-AF65-F5344CB8AC3E}">
-        <p14:creationId xmlns:p14="http://schemas.microsoft.com/office/powerpoint/2010/main" val="313914798"/>
-      </p:ext>
-    </p:extLst>
-  </p:cSld>
-  <p:clrMapOvr>
-    <a:masterClrMapping/>
-  </p:clrMapOvr>
-</p:sldLayout>
-</file>
-
-<file path=ppt/slideLayouts/slideLayout11.xml><?xml version="1.0" encoding="utf-8"?>
-<p:sldLayout xmlns:a="http://schemas.openxmlformats.org/drawingml/2006/main" xmlns:r="http://schemas.openxmlformats.org/officeDocument/2006/relationships" xmlns:p="http://schemas.openxmlformats.org/presentationml/2006/main" type="vertTitleAndTx" preserve="1">
-  <p:cSld name="Vertical Title and Text">
-    <p:spTree>
-      <p:nvGrpSpPr>
-        <p:cNvPr id="1" name=""/>
-        <p:cNvGrpSpPr/>
-        <p:nvPr/>
-      </p:nvGrpSpPr>
-      <p:grpSpPr>
-        <a:xfrm>
-          <a:off x="0" y="0"/>
-          <a:ext cx="0" cy="0"/>
-          <a:chOff x="0" y="0"/>
-          <a:chExt cx="0" cy="0"/>
-        </a:xfrm>
-      </p:grpSpPr>
-      <p:sp>
-        <p:nvSpPr>
-          <p:cNvPr id="2" name="Vertical Title 1"/>
-          <p:cNvSpPr>
-            <a:spLocks noGrp="1"/>
-          </p:cNvSpPr>
-          <p:nvPr>
-            <p:ph type="title" orient="vert"/>
-          </p:nvPr>
-        </p:nvSpPr>
-        <p:spPr>
-          <a:xfrm>
-            <a:off x="6629400" y="274638"/>
-            <a:ext cx="2057400" cy="5851525"/>
-          </a:xfrm>
-        </p:spPr>
-        <p:txBody>
-          <a:bodyPr vert="eaVert"/>
-          <a:lstStyle/>
-          <a:p>
-            <a:r>
-              <a:rPr lang="en-US" smtClean="0"/>
-              <a:t>Click to edit Master title style</a:t>
-            </a:r>
-            <a:endParaRPr lang="en-US"/>
-          </a:p>
-        </p:txBody>
-      </p:sp>
-      <p:sp>
-        <p:nvSpPr>
-          <p:cNvPr id="3" name="Vertical Text Placeholder 2"/>
-          <p:cNvSpPr>
-            <a:spLocks noGrp="1"/>
-          </p:cNvSpPr>
-          <p:nvPr>
-            <p:ph type="body" orient="vert" idx="1"/>
-          </p:nvPr>
-        </p:nvSpPr>
-        <p:spPr>
-          <a:xfrm>
-            <a:off x="457200" y="274638"/>
-            <a:ext cx="6019800" cy="5851525"/>
-          </a:xfrm>
-        </p:spPr>
-        <p:txBody>
-          <a:bodyPr vert="eaVert"/>
-          <a:lstStyle/>
-          <a:p>
-            <a:pPr lvl="0"/>
-            <a:r>
-              <a:rPr lang="en-US" smtClean="0"/>
-              <a:t>Click to edit Master text styles</a:t>
-            </a:r>
-          </a:p>
-          <a:p>
-            <a:pPr lvl="1"/>
-            <a:r>
-              <a:rPr lang="en-US" smtClean="0"/>
-              <a:t>Second level</a:t>
-            </a:r>
-          </a:p>
-          <a:p>
-            <a:pPr lvl="2"/>
-            <a:r>
-              <a:rPr lang="en-US" smtClean="0"/>
-              <a:t>Third level</a:t>
-            </a:r>
-          </a:p>
-          <a:p>
-            <a:pPr lvl="3"/>
-            <a:r>
-              <a:rPr lang="en-US" smtClean="0"/>
-              <a:t>Fourth level</a:t>
-            </a:r>
-          </a:p>
-          <a:p>
-            <a:pPr lvl="4"/>
-            <a:r>
-              <a:rPr lang="en-US" smtClean="0"/>
-              <a:t>Fifth level</a:t>
-            </a:r>
-            <a:endParaRPr lang="en-US"/>
-          </a:p>
-        </p:txBody>
-      </p:sp>
-      <p:sp>
-        <p:nvSpPr>
-          <p:cNvPr id="4" name="Date Placeholder 3"/>
-          <p:cNvSpPr>
-            <a:spLocks noGrp="1"/>
-          </p:cNvSpPr>
-          <p:nvPr>
-            <p:ph type="dt" sz="half" idx="10"/>
-          </p:nvPr>
-        </p:nvSpPr>
-        <p:spPr/>
-        <p:txBody>
-          <a:bodyPr/>
-          <a:lstStyle/>
-          <a:p>
-            <a:fld id="{241EB5C9-1307-BA42-ABA2-0BC069CD8E7F}" type="datetimeFigureOut">
-              <a:rPr lang="en-US" smtClean="0"/>
-              <a:t>4/5/2019</a:t>
-            </a:fld>
-            <a:endParaRPr lang="en-US"/>
-          </a:p>
-        </p:txBody>
-      </p:sp>
-      <p:sp>
-        <p:nvSpPr>
-          <p:cNvPr id="5" name="Footer Placeholder 4"/>
-          <p:cNvSpPr>
-            <a:spLocks noGrp="1"/>
-          </p:cNvSpPr>
-          <p:nvPr>
-            <p:ph type="ftr" sz="quarter" idx="11"/>
-          </p:nvPr>
-        </p:nvSpPr>
-        <p:spPr/>
-        <p:txBody>
-          <a:bodyPr/>
-          <a:lstStyle/>
-          <a:p>
-            <a:endParaRPr lang="en-US"/>
-          </a:p>
-        </p:txBody>
-      </p:sp>
-      <p:sp>
-        <p:nvSpPr>
-          <p:cNvPr id="6" name="Slide Number Placeholder 5"/>
-          <p:cNvSpPr>
-            <a:spLocks noGrp="1"/>
-          </p:cNvSpPr>
-          <p:nvPr>
-            <p:ph type="sldNum" sz="quarter" idx="12"/>
-          </p:nvPr>
-        </p:nvSpPr>
-        <p:spPr/>
-        <p:txBody>
-          <a:bodyPr/>
-          <a:lstStyle/>
-          <a:p>
-            <a:fld id="{C5EF2332-01BF-834F-8236-50238282D533}" type="slidenum">
-              <a:rPr lang="en-US" smtClean="0"/>
-              <a:t>‹#›</a:t>
-            </a:fld>
-            <a:endParaRPr lang="en-US"/>
-          </a:p>
-        </p:txBody>
-      </p:sp>
-    </p:spTree>
-    <p:extLst>
-      <p:ext uri="{BB962C8B-B14F-4D97-AF65-F5344CB8AC3E}">
-        <p14:creationId xmlns:p14="http://schemas.microsoft.com/office/powerpoint/2010/main" val="2581529045"/>
-      </p:ext>
-    </p:extLst>
-  </p:cSld>
-  <p:clrMapOvr>
-    <a:masterClrMapping/>
-  </p:clrMapOvr>
-</p:sldLayout>
-</file>
-
 <file path=ppt/slideLayouts/slideLayout2.xml><?xml version="1.0" encoding="utf-8"?>
 <p:sldLayout xmlns:a="http://schemas.openxmlformats.org/drawingml/2006/main" xmlns:r="http://schemas.openxmlformats.org/officeDocument/2006/relationships" xmlns:p="http://schemas.openxmlformats.org/presentationml/2006/main" preserve="1" userDrawn="1">
   <p:cSld name="Content (Text &amp; Graph)">
@@ -1034,7 +684,7 @@
           <a:p>
             <a:fld id="{585AD263-A788-3145-8D38-AEBC1D444AEE}" type="datetime4">
               <a:rPr lang="en-US" smtClean="0"/>
-              <a:t>December 27, 2020</a:t>
+              <a:t>January 2, 2021</a:t>
             </a:fld>
             <a:endParaRPr lang="en-US" dirty="0"/>
           </a:p>
@@ -1324,7 +974,7 @@
           <a:p>
             <a:fld id="{B606C5D1-9323-1B45-8355-7D55EA8EE66A}" type="datetime4">
               <a:rPr lang="en-US" smtClean="0"/>
-              <a:t>December 27, 2020</a:t>
+              <a:t>January 2, 2021</a:t>
             </a:fld>
             <a:endParaRPr lang="en-US" dirty="0"/>
           </a:p>
@@ -1572,7 +1222,7 @@
           <a:p>
             <a:fld id="{A4108F21-3CFE-3045-9ABB-E1E1413BA1A1}" type="datetime4">
               <a:rPr lang="en-US" smtClean="0"/>
-              <a:t>December 27, 2020</a:t>
+              <a:t>January 2, 2021</a:t>
             </a:fld>
             <a:endParaRPr lang="en-US" dirty="0"/>
           </a:p>
@@ -1804,1171 +1454,6 @@
   </p:cSld>
   <p:clrMapOvr>
     <a:overrideClrMapping bg1="dk1" tx1="lt1" bg2="dk2" tx2="lt2" accent1="accent1" accent2="accent2" accent3="accent3" accent4="accent4" accent5="accent5" accent6="accent6" hlink="hlink" folHlink="folHlink"/>
-  </p:clrMapOvr>
-</p:sldLayout>
-</file>
-
-<file path=ppt/slideLayouts/slideLayout5.xml><?xml version="1.0" encoding="utf-8"?>
-<p:sldLayout xmlns:a="http://schemas.openxmlformats.org/drawingml/2006/main" xmlns:r="http://schemas.openxmlformats.org/officeDocument/2006/relationships" xmlns:p="http://schemas.openxmlformats.org/presentationml/2006/main" type="twoTxTwoObj" preserve="1">
-  <p:cSld name="Comparison">
-    <p:spTree>
-      <p:nvGrpSpPr>
-        <p:cNvPr id="1" name=""/>
-        <p:cNvGrpSpPr/>
-        <p:nvPr/>
-      </p:nvGrpSpPr>
-      <p:grpSpPr>
-        <a:xfrm>
-          <a:off x="0" y="0"/>
-          <a:ext cx="0" cy="0"/>
-          <a:chOff x="0" y="0"/>
-          <a:chExt cx="0" cy="0"/>
-        </a:xfrm>
-      </p:grpSpPr>
-      <p:sp>
-        <p:nvSpPr>
-          <p:cNvPr id="2" name="Title 1"/>
-          <p:cNvSpPr>
-            <a:spLocks noGrp="1"/>
-          </p:cNvSpPr>
-          <p:nvPr>
-            <p:ph type="title"/>
-          </p:nvPr>
-        </p:nvSpPr>
-        <p:spPr/>
-        <p:txBody>
-          <a:bodyPr/>
-          <a:lstStyle>
-            <a:lvl1pPr>
-              <a:defRPr/>
-            </a:lvl1pPr>
-          </a:lstStyle>
-          <a:p>
-            <a:r>
-              <a:rPr lang="en-US" smtClean="0"/>
-              <a:t>Click to edit Master title style</a:t>
-            </a:r>
-            <a:endParaRPr lang="en-US"/>
-          </a:p>
-        </p:txBody>
-      </p:sp>
-      <p:sp>
-        <p:nvSpPr>
-          <p:cNvPr id="3" name="Text Placeholder 2"/>
-          <p:cNvSpPr>
-            <a:spLocks noGrp="1"/>
-          </p:cNvSpPr>
-          <p:nvPr>
-            <p:ph type="body" idx="1"/>
-          </p:nvPr>
-        </p:nvSpPr>
-        <p:spPr>
-          <a:xfrm>
-            <a:off x="457200" y="1535113"/>
-            <a:ext cx="4040188" cy="639762"/>
-          </a:xfrm>
-        </p:spPr>
-        <p:txBody>
-          <a:bodyPr anchor="b"/>
-          <a:lstStyle>
-            <a:lvl1pPr marL="0" indent="0">
-              <a:buNone/>
-              <a:defRPr sz="2400" b="1"/>
-            </a:lvl1pPr>
-            <a:lvl2pPr marL="457200" indent="0">
-              <a:buNone/>
-              <a:defRPr sz="2000" b="1"/>
-            </a:lvl2pPr>
-            <a:lvl3pPr marL="914400" indent="0">
-              <a:buNone/>
-              <a:defRPr sz="1800" b="1"/>
-            </a:lvl3pPr>
-            <a:lvl4pPr marL="1371600" indent="0">
-              <a:buNone/>
-              <a:defRPr sz="1600" b="1"/>
-            </a:lvl4pPr>
-            <a:lvl5pPr marL="1828800" indent="0">
-              <a:buNone/>
-              <a:defRPr sz="1600" b="1"/>
-            </a:lvl5pPr>
-            <a:lvl6pPr marL="2286000" indent="0">
-              <a:buNone/>
-              <a:defRPr sz="1600" b="1"/>
-            </a:lvl6pPr>
-            <a:lvl7pPr marL="2743200" indent="0">
-              <a:buNone/>
-              <a:defRPr sz="1600" b="1"/>
-            </a:lvl7pPr>
-            <a:lvl8pPr marL="3200400" indent="0">
-              <a:buNone/>
-              <a:defRPr sz="1600" b="1"/>
-            </a:lvl8pPr>
-            <a:lvl9pPr marL="3657600" indent="0">
-              <a:buNone/>
-              <a:defRPr sz="1600" b="1"/>
-            </a:lvl9pPr>
-          </a:lstStyle>
-          <a:p>
-            <a:pPr lvl="0"/>
-            <a:r>
-              <a:rPr lang="en-US" smtClean="0"/>
-              <a:t>Click to edit Master text styles</a:t>
-            </a:r>
-          </a:p>
-        </p:txBody>
-      </p:sp>
-      <p:sp>
-        <p:nvSpPr>
-          <p:cNvPr id="4" name="Content Placeholder 3"/>
-          <p:cNvSpPr>
-            <a:spLocks noGrp="1"/>
-          </p:cNvSpPr>
-          <p:nvPr>
-            <p:ph sz="half" idx="2"/>
-          </p:nvPr>
-        </p:nvSpPr>
-        <p:spPr>
-          <a:xfrm>
-            <a:off x="457200" y="2174875"/>
-            <a:ext cx="4040188" cy="3951288"/>
-          </a:xfrm>
-        </p:spPr>
-        <p:txBody>
-          <a:bodyPr/>
-          <a:lstStyle>
-            <a:lvl1pPr>
-              <a:defRPr sz="2400"/>
-            </a:lvl1pPr>
-            <a:lvl2pPr>
-              <a:defRPr sz="2000"/>
-            </a:lvl2pPr>
-            <a:lvl3pPr>
-              <a:defRPr sz="1800"/>
-            </a:lvl3pPr>
-            <a:lvl4pPr>
-              <a:defRPr sz="1600"/>
-            </a:lvl4pPr>
-            <a:lvl5pPr>
-              <a:defRPr sz="1600"/>
-            </a:lvl5pPr>
-            <a:lvl6pPr>
-              <a:defRPr sz="1600"/>
-            </a:lvl6pPr>
-            <a:lvl7pPr>
-              <a:defRPr sz="1600"/>
-            </a:lvl7pPr>
-            <a:lvl8pPr>
-              <a:defRPr sz="1600"/>
-            </a:lvl8pPr>
-            <a:lvl9pPr>
-              <a:defRPr sz="1600"/>
-            </a:lvl9pPr>
-          </a:lstStyle>
-          <a:p>
-            <a:pPr lvl="0"/>
-            <a:r>
-              <a:rPr lang="en-US" smtClean="0"/>
-              <a:t>Click to edit Master text styles</a:t>
-            </a:r>
-          </a:p>
-          <a:p>
-            <a:pPr lvl="1"/>
-            <a:r>
-              <a:rPr lang="en-US" smtClean="0"/>
-              <a:t>Second level</a:t>
-            </a:r>
-          </a:p>
-          <a:p>
-            <a:pPr lvl="2"/>
-            <a:r>
-              <a:rPr lang="en-US" smtClean="0"/>
-              <a:t>Third level</a:t>
-            </a:r>
-          </a:p>
-          <a:p>
-            <a:pPr lvl="3"/>
-            <a:r>
-              <a:rPr lang="en-US" smtClean="0"/>
-              <a:t>Fourth level</a:t>
-            </a:r>
-          </a:p>
-          <a:p>
-            <a:pPr lvl="4"/>
-            <a:r>
-              <a:rPr lang="en-US" smtClean="0"/>
-              <a:t>Fifth level</a:t>
-            </a:r>
-            <a:endParaRPr lang="en-US"/>
-          </a:p>
-        </p:txBody>
-      </p:sp>
-      <p:sp>
-        <p:nvSpPr>
-          <p:cNvPr id="5" name="Text Placeholder 4"/>
-          <p:cNvSpPr>
-            <a:spLocks noGrp="1"/>
-          </p:cNvSpPr>
-          <p:nvPr>
-            <p:ph type="body" sz="quarter" idx="3"/>
-          </p:nvPr>
-        </p:nvSpPr>
-        <p:spPr>
-          <a:xfrm>
-            <a:off x="4645025" y="1535113"/>
-            <a:ext cx="4041775" cy="639762"/>
-          </a:xfrm>
-        </p:spPr>
-        <p:txBody>
-          <a:bodyPr anchor="b"/>
-          <a:lstStyle>
-            <a:lvl1pPr marL="0" indent="0">
-              <a:buNone/>
-              <a:defRPr sz="2400" b="1"/>
-            </a:lvl1pPr>
-            <a:lvl2pPr marL="457200" indent="0">
-              <a:buNone/>
-              <a:defRPr sz="2000" b="1"/>
-            </a:lvl2pPr>
-            <a:lvl3pPr marL="914400" indent="0">
-              <a:buNone/>
-              <a:defRPr sz="1800" b="1"/>
-            </a:lvl3pPr>
-            <a:lvl4pPr marL="1371600" indent="0">
-              <a:buNone/>
-              <a:defRPr sz="1600" b="1"/>
-            </a:lvl4pPr>
-            <a:lvl5pPr marL="1828800" indent="0">
-              <a:buNone/>
-              <a:defRPr sz="1600" b="1"/>
-            </a:lvl5pPr>
-            <a:lvl6pPr marL="2286000" indent="0">
-              <a:buNone/>
-              <a:defRPr sz="1600" b="1"/>
-            </a:lvl6pPr>
-            <a:lvl7pPr marL="2743200" indent="0">
-              <a:buNone/>
-              <a:defRPr sz="1600" b="1"/>
-            </a:lvl7pPr>
-            <a:lvl8pPr marL="3200400" indent="0">
-              <a:buNone/>
-              <a:defRPr sz="1600" b="1"/>
-            </a:lvl8pPr>
-            <a:lvl9pPr marL="3657600" indent="0">
-              <a:buNone/>
-              <a:defRPr sz="1600" b="1"/>
-            </a:lvl9pPr>
-          </a:lstStyle>
-          <a:p>
-            <a:pPr lvl="0"/>
-            <a:r>
-              <a:rPr lang="en-US" smtClean="0"/>
-              <a:t>Click to edit Master text styles</a:t>
-            </a:r>
-          </a:p>
-        </p:txBody>
-      </p:sp>
-      <p:sp>
-        <p:nvSpPr>
-          <p:cNvPr id="6" name="Content Placeholder 5"/>
-          <p:cNvSpPr>
-            <a:spLocks noGrp="1"/>
-          </p:cNvSpPr>
-          <p:nvPr>
-            <p:ph sz="quarter" idx="4"/>
-          </p:nvPr>
-        </p:nvSpPr>
-        <p:spPr>
-          <a:xfrm>
-            <a:off x="4645025" y="2174875"/>
-            <a:ext cx="4041775" cy="3951288"/>
-          </a:xfrm>
-        </p:spPr>
-        <p:txBody>
-          <a:bodyPr/>
-          <a:lstStyle>
-            <a:lvl1pPr>
-              <a:defRPr sz="2400"/>
-            </a:lvl1pPr>
-            <a:lvl2pPr>
-              <a:defRPr sz="2000"/>
-            </a:lvl2pPr>
-            <a:lvl3pPr>
-              <a:defRPr sz="1800"/>
-            </a:lvl3pPr>
-            <a:lvl4pPr>
-              <a:defRPr sz="1600"/>
-            </a:lvl4pPr>
-            <a:lvl5pPr>
-              <a:defRPr sz="1600"/>
-            </a:lvl5pPr>
-            <a:lvl6pPr>
-              <a:defRPr sz="1600"/>
-            </a:lvl6pPr>
-            <a:lvl7pPr>
-              <a:defRPr sz="1600"/>
-            </a:lvl7pPr>
-            <a:lvl8pPr>
-              <a:defRPr sz="1600"/>
-            </a:lvl8pPr>
-            <a:lvl9pPr>
-              <a:defRPr sz="1600"/>
-            </a:lvl9pPr>
-          </a:lstStyle>
-          <a:p>
-            <a:pPr lvl="0"/>
-            <a:r>
-              <a:rPr lang="en-US" smtClean="0"/>
-              <a:t>Click to edit Master text styles</a:t>
-            </a:r>
-          </a:p>
-          <a:p>
-            <a:pPr lvl="1"/>
-            <a:r>
-              <a:rPr lang="en-US" smtClean="0"/>
-              <a:t>Second level</a:t>
-            </a:r>
-          </a:p>
-          <a:p>
-            <a:pPr lvl="2"/>
-            <a:r>
-              <a:rPr lang="en-US" smtClean="0"/>
-              <a:t>Third level</a:t>
-            </a:r>
-          </a:p>
-          <a:p>
-            <a:pPr lvl="3"/>
-            <a:r>
-              <a:rPr lang="en-US" smtClean="0"/>
-              <a:t>Fourth level</a:t>
-            </a:r>
-          </a:p>
-          <a:p>
-            <a:pPr lvl="4"/>
-            <a:r>
-              <a:rPr lang="en-US" smtClean="0"/>
-              <a:t>Fifth level</a:t>
-            </a:r>
-            <a:endParaRPr lang="en-US"/>
-          </a:p>
-        </p:txBody>
-      </p:sp>
-      <p:sp>
-        <p:nvSpPr>
-          <p:cNvPr id="7" name="Date Placeholder 6"/>
-          <p:cNvSpPr>
-            <a:spLocks noGrp="1"/>
-          </p:cNvSpPr>
-          <p:nvPr>
-            <p:ph type="dt" sz="half" idx="10"/>
-          </p:nvPr>
-        </p:nvSpPr>
-        <p:spPr/>
-        <p:txBody>
-          <a:bodyPr/>
-          <a:lstStyle/>
-          <a:p>
-            <a:fld id="{241EB5C9-1307-BA42-ABA2-0BC069CD8E7F}" type="datetimeFigureOut">
-              <a:rPr lang="en-US" smtClean="0"/>
-              <a:t>4/5/2019</a:t>
-            </a:fld>
-            <a:endParaRPr lang="en-US"/>
-          </a:p>
-        </p:txBody>
-      </p:sp>
-      <p:sp>
-        <p:nvSpPr>
-          <p:cNvPr id="8" name="Footer Placeholder 7"/>
-          <p:cNvSpPr>
-            <a:spLocks noGrp="1"/>
-          </p:cNvSpPr>
-          <p:nvPr>
-            <p:ph type="ftr" sz="quarter" idx="11"/>
-          </p:nvPr>
-        </p:nvSpPr>
-        <p:spPr/>
-        <p:txBody>
-          <a:bodyPr/>
-          <a:lstStyle/>
-          <a:p>
-            <a:endParaRPr lang="en-US"/>
-          </a:p>
-        </p:txBody>
-      </p:sp>
-      <p:sp>
-        <p:nvSpPr>
-          <p:cNvPr id="9" name="Slide Number Placeholder 8"/>
-          <p:cNvSpPr>
-            <a:spLocks noGrp="1"/>
-          </p:cNvSpPr>
-          <p:nvPr>
-            <p:ph type="sldNum" sz="quarter" idx="12"/>
-          </p:nvPr>
-        </p:nvSpPr>
-        <p:spPr/>
-        <p:txBody>
-          <a:bodyPr/>
-          <a:lstStyle/>
-          <a:p>
-            <a:fld id="{C5EF2332-01BF-834F-8236-50238282D533}" type="slidenum">
-              <a:rPr lang="en-US" smtClean="0"/>
-              <a:t>‹#›</a:t>
-            </a:fld>
-            <a:endParaRPr lang="en-US"/>
-          </a:p>
-        </p:txBody>
-      </p:sp>
-    </p:spTree>
-    <p:extLst>
-      <p:ext uri="{BB962C8B-B14F-4D97-AF65-F5344CB8AC3E}">
-        <p14:creationId xmlns:p14="http://schemas.microsoft.com/office/powerpoint/2010/main" val="2535793967"/>
-      </p:ext>
-    </p:extLst>
-  </p:cSld>
-  <p:clrMapOvr>
-    <a:masterClrMapping/>
-  </p:clrMapOvr>
-</p:sldLayout>
-</file>
-
-<file path=ppt/slideLayouts/slideLayout6.xml><?xml version="1.0" encoding="utf-8"?>
-<p:sldLayout xmlns:a="http://schemas.openxmlformats.org/drawingml/2006/main" xmlns:r="http://schemas.openxmlformats.org/officeDocument/2006/relationships" xmlns:p="http://schemas.openxmlformats.org/presentationml/2006/main" type="titleOnly" preserve="1">
-  <p:cSld name="Title Only">
-    <p:spTree>
-      <p:nvGrpSpPr>
-        <p:cNvPr id="1" name=""/>
-        <p:cNvGrpSpPr/>
-        <p:nvPr/>
-      </p:nvGrpSpPr>
-      <p:grpSpPr>
-        <a:xfrm>
-          <a:off x="0" y="0"/>
-          <a:ext cx="0" cy="0"/>
-          <a:chOff x="0" y="0"/>
-          <a:chExt cx="0" cy="0"/>
-        </a:xfrm>
-      </p:grpSpPr>
-      <p:sp>
-        <p:nvSpPr>
-          <p:cNvPr id="2" name="Title 1"/>
-          <p:cNvSpPr>
-            <a:spLocks noGrp="1"/>
-          </p:cNvSpPr>
-          <p:nvPr>
-            <p:ph type="title"/>
-          </p:nvPr>
-        </p:nvSpPr>
-        <p:spPr/>
-        <p:txBody>
-          <a:bodyPr/>
-          <a:lstStyle/>
-          <a:p>
-            <a:r>
-              <a:rPr lang="en-US" smtClean="0"/>
-              <a:t>Click to edit Master title style</a:t>
-            </a:r>
-            <a:endParaRPr lang="en-US"/>
-          </a:p>
-        </p:txBody>
-      </p:sp>
-      <p:sp>
-        <p:nvSpPr>
-          <p:cNvPr id="3" name="Date Placeholder 2"/>
-          <p:cNvSpPr>
-            <a:spLocks noGrp="1"/>
-          </p:cNvSpPr>
-          <p:nvPr>
-            <p:ph type="dt" sz="half" idx="10"/>
-          </p:nvPr>
-        </p:nvSpPr>
-        <p:spPr/>
-        <p:txBody>
-          <a:bodyPr/>
-          <a:lstStyle/>
-          <a:p>
-            <a:fld id="{241EB5C9-1307-BA42-ABA2-0BC069CD8E7F}" type="datetimeFigureOut">
-              <a:rPr lang="en-US" smtClean="0"/>
-              <a:t>4/5/2019</a:t>
-            </a:fld>
-            <a:endParaRPr lang="en-US"/>
-          </a:p>
-        </p:txBody>
-      </p:sp>
-      <p:sp>
-        <p:nvSpPr>
-          <p:cNvPr id="4" name="Footer Placeholder 3"/>
-          <p:cNvSpPr>
-            <a:spLocks noGrp="1"/>
-          </p:cNvSpPr>
-          <p:nvPr>
-            <p:ph type="ftr" sz="quarter" idx="11"/>
-          </p:nvPr>
-        </p:nvSpPr>
-        <p:spPr/>
-        <p:txBody>
-          <a:bodyPr/>
-          <a:lstStyle/>
-          <a:p>
-            <a:endParaRPr lang="en-US"/>
-          </a:p>
-        </p:txBody>
-      </p:sp>
-      <p:sp>
-        <p:nvSpPr>
-          <p:cNvPr id="5" name="Slide Number Placeholder 4"/>
-          <p:cNvSpPr>
-            <a:spLocks noGrp="1"/>
-          </p:cNvSpPr>
-          <p:nvPr>
-            <p:ph type="sldNum" sz="quarter" idx="12"/>
-          </p:nvPr>
-        </p:nvSpPr>
-        <p:spPr/>
-        <p:txBody>
-          <a:bodyPr/>
-          <a:lstStyle/>
-          <a:p>
-            <a:fld id="{C5EF2332-01BF-834F-8236-50238282D533}" type="slidenum">
-              <a:rPr lang="en-US" smtClean="0"/>
-              <a:t>‹#›</a:t>
-            </a:fld>
-            <a:endParaRPr lang="en-US"/>
-          </a:p>
-        </p:txBody>
-      </p:sp>
-    </p:spTree>
-    <p:extLst>
-      <p:ext uri="{BB962C8B-B14F-4D97-AF65-F5344CB8AC3E}">
-        <p14:creationId xmlns:p14="http://schemas.microsoft.com/office/powerpoint/2010/main" val="3472721253"/>
-      </p:ext>
-    </p:extLst>
-  </p:cSld>
-  <p:clrMapOvr>
-    <a:masterClrMapping/>
-  </p:clrMapOvr>
-</p:sldLayout>
-</file>
-
-<file path=ppt/slideLayouts/slideLayout7.xml><?xml version="1.0" encoding="utf-8"?>
-<p:sldLayout xmlns:a="http://schemas.openxmlformats.org/drawingml/2006/main" xmlns:r="http://schemas.openxmlformats.org/officeDocument/2006/relationships" xmlns:p="http://schemas.openxmlformats.org/presentationml/2006/main" type="blank" preserve="1">
-  <p:cSld name="Blank">
-    <p:spTree>
-      <p:nvGrpSpPr>
-        <p:cNvPr id="1" name=""/>
-        <p:cNvGrpSpPr/>
-        <p:nvPr/>
-      </p:nvGrpSpPr>
-      <p:grpSpPr>
-        <a:xfrm>
-          <a:off x="0" y="0"/>
-          <a:ext cx="0" cy="0"/>
-          <a:chOff x="0" y="0"/>
-          <a:chExt cx="0" cy="0"/>
-        </a:xfrm>
-      </p:grpSpPr>
-      <p:sp>
-        <p:nvSpPr>
-          <p:cNvPr id="2" name="Date Placeholder 1"/>
-          <p:cNvSpPr>
-            <a:spLocks noGrp="1"/>
-          </p:cNvSpPr>
-          <p:nvPr>
-            <p:ph type="dt" sz="half" idx="10"/>
-          </p:nvPr>
-        </p:nvSpPr>
-        <p:spPr/>
-        <p:txBody>
-          <a:bodyPr/>
-          <a:lstStyle/>
-          <a:p>
-            <a:fld id="{241EB5C9-1307-BA42-ABA2-0BC069CD8E7F}" type="datetimeFigureOut">
-              <a:rPr lang="en-US" smtClean="0"/>
-              <a:t>4/5/2019</a:t>
-            </a:fld>
-            <a:endParaRPr lang="en-US"/>
-          </a:p>
-        </p:txBody>
-      </p:sp>
-      <p:sp>
-        <p:nvSpPr>
-          <p:cNvPr id="3" name="Footer Placeholder 2"/>
-          <p:cNvSpPr>
-            <a:spLocks noGrp="1"/>
-          </p:cNvSpPr>
-          <p:nvPr>
-            <p:ph type="ftr" sz="quarter" idx="11"/>
-          </p:nvPr>
-        </p:nvSpPr>
-        <p:spPr/>
-        <p:txBody>
-          <a:bodyPr/>
-          <a:lstStyle/>
-          <a:p>
-            <a:endParaRPr lang="en-US"/>
-          </a:p>
-        </p:txBody>
-      </p:sp>
-      <p:sp>
-        <p:nvSpPr>
-          <p:cNvPr id="4" name="Slide Number Placeholder 3"/>
-          <p:cNvSpPr>
-            <a:spLocks noGrp="1"/>
-          </p:cNvSpPr>
-          <p:nvPr>
-            <p:ph type="sldNum" sz="quarter" idx="12"/>
-          </p:nvPr>
-        </p:nvSpPr>
-        <p:spPr/>
-        <p:txBody>
-          <a:bodyPr/>
-          <a:lstStyle/>
-          <a:p>
-            <a:fld id="{C5EF2332-01BF-834F-8236-50238282D533}" type="slidenum">
-              <a:rPr lang="en-US" smtClean="0"/>
-              <a:t>‹#›</a:t>
-            </a:fld>
-            <a:endParaRPr lang="en-US"/>
-          </a:p>
-        </p:txBody>
-      </p:sp>
-    </p:spTree>
-    <p:extLst>
-      <p:ext uri="{BB962C8B-B14F-4D97-AF65-F5344CB8AC3E}">
-        <p14:creationId xmlns:p14="http://schemas.microsoft.com/office/powerpoint/2010/main" val="2130901097"/>
-      </p:ext>
-    </p:extLst>
-  </p:cSld>
-  <p:clrMapOvr>
-    <a:masterClrMapping/>
-  </p:clrMapOvr>
-</p:sldLayout>
-</file>
-
-<file path=ppt/slideLayouts/slideLayout8.xml><?xml version="1.0" encoding="utf-8"?>
-<p:sldLayout xmlns:a="http://schemas.openxmlformats.org/drawingml/2006/main" xmlns:r="http://schemas.openxmlformats.org/officeDocument/2006/relationships" xmlns:p="http://schemas.openxmlformats.org/presentationml/2006/main" type="objTx" preserve="1">
-  <p:cSld name="Content with Caption">
-    <p:spTree>
-      <p:nvGrpSpPr>
-        <p:cNvPr id="1" name=""/>
-        <p:cNvGrpSpPr/>
-        <p:nvPr/>
-      </p:nvGrpSpPr>
-      <p:grpSpPr>
-        <a:xfrm>
-          <a:off x="0" y="0"/>
-          <a:ext cx="0" cy="0"/>
-          <a:chOff x="0" y="0"/>
-          <a:chExt cx="0" cy="0"/>
-        </a:xfrm>
-      </p:grpSpPr>
-      <p:sp>
-        <p:nvSpPr>
-          <p:cNvPr id="2" name="Title 1"/>
-          <p:cNvSpPr>
-            <a:spLocks noGrp="1"/>
-          </p:cNvSpPr>
-          <p:nvPr>
-            <p:ph type="title"/>
-          </p:nvPr>
-        </p:nvSpPr>
-        <p:spPr>
-          <a:xfrm>
-            <a:off x="457200" y="273050"/>
-            <a:ext cx="3008313" cy="1162050"/>
-          </a:xfrm>
-        </p:spPr>
-        <p:txBody>
-          <a:bodyPr anchor="b"/>
-          <a:lstStyle>
-            <a:lvl1pPr algn="l">
-              <a:defRPr sz="2000" b="1"/>
-            </a:lvl1pPr>
-          </a:lstStyle>
-          <a:p>
-            <a:r>
-              <a:rPr lang="en-US" smtClean="0"/>
-              <a:t>Click to edit Master title style</a:t>
-            </a:r>
-            <a:endParaRPr lang="en-US"/>
-          </a:p>
-        </p:txBody>
-      </p:sp>
-      <p:sp>
-        <p:nvSpPr>
-          <p:cNvPr id="3" name="Content Placeholder 2"/>
-          <p:cNvSpPr>
-            <a:spLocks noGrp="1"/>
-          </p:cNvSpPr>
-          <p:nvPr>
-            <p:ph idx="1"/>
-          </p:nvPr>
-        </p:nvSpPr>
-        <p:spPr>
-          <a:xfrm>
-            <a:off x="3575050" y="273050"/>
-            <a:ext cx="5111750" cy="5853113"/>
-          </a:xfrm>
-        </p:spPr>
-        <p:txBody>
-          <a:bodyPr/>
-          <a:lstStyle>
-            <a:lvl1pPr>
-              <a:defRPr sz="3200"/>
-            </a:lvl1pPr>
-            <a:lvl2pPr>
-              <a:defRPr sz="2800"/>
-            </a:lvl2pPr>
-            <a:lvl3pPr>
-              <a:defRPr sz="2400"/>
-            </a:lvl3pPr>
-            <a:lvl4pPr>
-              <a:defRPr sz="2000"/>
-            </a:lvl4pPr>
-            <a:lvl5pPr>
-              <a:defRPr sz="2000"/>
-            </a:lvl5pPr>
-            <a:lvl6pPr>
-              <a:defRPr sz="2000"/>
-            </a:lvl6pPr>
-            <a:lvl7pPr>
-              <a:defRPr sz="2000"/>
-            </a:lvl7pPr>
-            <a:lvl8pPr>
-              <a:defRPr sz="2000"/>
-            </a:lvl8pPr>
-            <a:lvl9pPr>
-              <a:defRPr sz="2000"/>
-            </a:lvl9pPr>
-          </a:lstStyle>
-          <a:p>
-            <a:pPr lvl="0"/>
-            <a:r>
-              <a:rPr lang="en-US" smtClean="0"/>
-              <a:t>Click to edit Master text styles</a:t>
-            </a:r>
-          </a:p>
-          <a:p>
-            <a:pPr lvl="1"/>
-            <a:r>
-              <a:rPr lang="en-US" smtClean="0"/>
-              <a:t>Second level</a:t>
-            </a:r>
-          </a:p>
-          <a:p>
-            <a:pPr lvl="2"/>
-            <a:r>
-              <a:rPr lang="en-US" smtClean="0"/>
-              <a:t>Third level</a:t>
-            </a:r>
-          </a:p>
-          <a:p>
-            <a:pPr lvl="3"/>
-            <a:r>
-              <a:rPr lang="en-US" smtClean="0"/>
-              <a:t>Fourth level</a:t>
-            </a:r>
-          </a:p>
-          <a:p>
-            <a:pPr lvl="4"/>
-            <a:r>
-              <a:rPr lang="en-US" smtClean="0"/>
-              <a:t>Fifth level</a:t>
-            </a:r>
-            <a:endParaRPr lang="en-US"/>
-          </a:p>
-        </p:txBody>
-      </p:sp>
-      <p:sp>
-        <p:nvSpPr>
-          <p:cNvPr id="4" name="Text Placeholder 3"/>
-          <p:cNvSpPr>
-            <a:spLocks noGrp="1"/>
-          </p:cNvSpPr>
-          <p:nvPr>
-            <p:ph type="body" sz="half" idx="2"/>
-          </p:nvPr>
-        </p:nvSpPr>
-        <p:spPr>
-          <a:xfrm>
-            <a:off x="457200" y="1435100"/>
-            <a:ext cx="3008313" cy="4691063"/>
-          </a:xfrm>
-        </p:spPr>
-        <p:txBody>
-          <a:bodyPr/>
-          <a:lstStyle>
-            <a:lvl1pPr marL="0" indent="0">
-              <a:buNone/>
-              <a:defRPr sz="1400"/>
-            </a:lvl1pPr>
-            <a:lvl2pPr marL="457200" indent="0">
-              <a:buNone/>
-              <a:defRPr sz="1200"/>
-            </a:lvl2pPr>
-            <a:lvl3pPr marL="914400" indent="0">
-              <a:buNone/>
-              <a:defRPr sz="1000"/>
-            </a:lvl3pPr>
-            <a:lvl4pPr marL="1371600" indent="0">
-              <a:buNone/>
-              <a:defRPr sz="900"/>
-            </a:lvl4pPr>
-            <a:lvl5pPr marL="1828800" indent="0">
-              <a:buNone/>
-              <a:defRPr sz="900"/>
-            </a:lvl5pPr>
-            <a:lvl6pPr marL="2286000" indent="0">
-              <a:buNone/>
-              <a:defRPr sz="900"/>
-            </a:lvl6pPr>
-            <a:lvl7pPr marL="2743200" indent="0">
-              <a:buNone/>
-              <a:defRPr sz="900"/>
-            </a:lvl7pPr>
-            <a:lvl8pPr marL="3200400" indent="0">
-              <a:buNone/>
-              <a:defRPr sz="900"/>
-            </a:lvl8pPr>
-            <a:lvl9pPr marL="3657600" indent="0">
-              <a:buNone/>
-              <a:defRPr sz="900"/>
-            </a:lvl9pPr>
-          </a:lstStyle>
-          <a:p>
-            <a:pPr lvl="0"/>
-            <a:r>
-              <a:rPr lang="en-US" smtClean="0"/>
-              <a:t>Click to edit Master text styles</a:t>
-            </a:r>
-          </a:p>
-        </p:txBody>
-      </p:sp>
-      <p:sp>
-        <p:nvSpPr>
-          <p:cNvPr id="5" name="Date Placeholder 4"/>
-          <p:cNvSpPr>
-            <a:spLocks noGrp="1"/>
-          </p:cNvSpPr>
-          <p:nvPr>
-            <p:ph type="dt" sz="half" idx="10"/>
-          </p:nvPr>
-        </p:nvSpPr>
-        <p:spPr/>
-        <p:txBody>
-          <a:bodyPr/>
-          <a:lstStyle/>
-          <a:p>
-            <a:fld id="{241EB5C9-1307-BA42-ABA2-0BC069CD8E7F}" type="datetimeFigureOut">
-              <a:rPr lang="en-US" smtClean="0"/>
-              <a:t>4/5/2019</a:t>
-            </a:fld>
-            <a:endParaRPr lang="en-US"/>
-          </a:p>
-        </p:txBody>
-      </p:sp>
-      <p:sp>
-        <p:nvSpPr>
-          <p:cNvPr id="6" name="Footer Placeholder 5"/>
-          <p:cNvSpPr>
-            <a:spLocks noGrp="1"/>
-          </p:cNvSpPr>
-          <p:nvPr>
-            <p:ph type="ftr" sz="quarter" idx="11"/>
-          </p:nvPr>
-        </p:nvSpPr>
-        <p:spPr/>
-        <p:txBody>
-          <a:bodyPr/>
-          <a:lstStyle/>
-          <a:p>
-            <a:endParaRPr lang="en-US"/>
-          </a:p>
-        </p:txBody>
-      </p:sp>
-      <p:sp>
-        <p:nvSpPr>
-          <p:cNvPr id="7" name="Slide Number Placeholder 6"/>
-          <p:cNvSpPr>
-            <a:spLocks noGrp="1"/>
-          </p:cNvSpPr>
-          <p:nvPr>
-            <p:ph type="sldNum" sz="quarter" idx="12"/>
-          </p:nvPr>
-        </p:nvSpPr>
-        <p:spPr/>
-        <p:txBody>
-          <a:bodyPr/>
-          <a:lstStyle/>
-          <a:p>
-            <a:fld id="{C5EF2332-01BF-834F-8236-50238282D533}" type="slidenum">
-              <a:rPr lang="en-US" smtClean="0"/>
-              <a:t>‹#›</a:t>
-            </a:fld>
-            <a:endParaRPr lang="en-US"/>
-          </a:p>
-        </p:txBody>
-      </p:sp>
-    </p:spTree>
-    <p:extLst>
-      <p:ext uri="{BB962C8B-B14F-4D97-AF65-F5344CB8AC3E}">
-        <p14:creationId xmlns:p14="http://schemas.microsoft.com/office/powerpoint/2010/main" val="3540895647"/>
-      </p:ext>
-    </p:extLst>
-  </p:cSld>
-  <p:clrMapOvr>
-    <a:masterClrMapping/>
-  </p:clrMapOvr>
-</p:sldLayout>
-</file>
-
-<file path=ppt/slideLayouts/slideLayout9.xml><?xml version="1.0" encoding="utf-8"?>
-<p:sldLayout xmlns:a="http://schemas.openxmlformats.org/drawingml/2006/main" xmlns:r="http://schemas.openxmlformats.org/officeDocument/2006/relationships" xmlns:p="http://schemas.openxmlformats.org/presentationml/2006/main" type="picTx" preserve="1">
-  <p:cSld name="Picture with Caption">
-    <p:spTree>
-      <p:nvGrpSpPr>
-        <p:cNvPr id="1" name=""/>
-        <p:cNvGrpSpPr/>
-        <p:nvPr/>
-      </p:nvGrpSpPr>
-      <p:grpSpPr>
-        <a:xfrm>
-          <a:off x="0" y="0"/>
-          <a:ext cx="0" cy="0"/>
-          <a:chOff x="0" y="0"/>
-          <a:chExt cx="0" cy="0"/>
-        </a:xfrm>
-      </p:grpSpPr>
-      <p:sp>
-        <p:nvSpPr>
-          <p:cNvPr id="2" name="Title 1"/>
-          <p:cNvSpPr>
-            <a:spLocks noGrp="1"/>
-          </p:cNvSpPr>
-          <p:nvPr>
-            <p:ph type="title"/>
-          </p:nvPr>
-        </p:nvSpPr>
-        <p:spPr>
-          <a:xfrm>
-            <a:off x="1792288" y="4800600"/>
-            <a:ext cx="5486400" cy="566738"/>
-          </a:xfrm>
-        </p:spPr>
-        <p:txBody>
-          <a:bodyPr anchor="b"/>
-          <a:lstStyle>
-            <a:lvl1pPr algn="l">
-              <a:defRPr sz="2000" b="1"/>
-            </a:lvl1pPr>
-          </a:lstStyle>
-          <a:p>
-            <a:r>
-              <a:rPr lang="en-US" smtClean="0"/>
-              <a:t>Click to edit Master title style</a:t>
-            </a:r>
-            <a:endParaRPr lang="en-US"/>
-          </a:p>
-        </p:txBody>
-      </p:sp>
-      <p:sp>
-        <p:nvSpPr>
-          <p:cNvPr id="3" name="Picture Placeholder 2"/>
-          <p:cNvSpPr>
-            <a:spLocks noGrp="1"/>
-          </p:cNvSpPr>
-          <p:nvPr>
-            <p:ph type="pic" idx="1"/>
-          </p:nvPr>
-        </p:nvSpPr>
-        <p:spPr>
-          <a:xfrm>
-            <a:off x="1792288" y="612775"/>
-            <a:ext cx="5486400" cy="4114800"/>
-          </a:xfrm>
-        </p:spPr>
-        <p:txBody>
-          <a:bodyPr/>
-          <a:lstStyle>
-            <a:lvl1pPr marL="0" indent="0">
-              <a:buNone/>
-              <a:defRPr sz="3200"/>
-            </a:lvl1pPr>
-            <a:lvl2pPr marL="457200" indent="0">
-              <a:buNone/>
-              <a:defRPr sz="2800"/>
-            </a:lvl2pPr>
-            <a:lvl3pPr marL="914400" indent="0">
-              <a:buNone/>
-              <a:defRPr sz="2400"/>
-            </a:lvl3pPr>
-            <a:lvl4pPr marL="1371600" indent="0">
-              <a:buNone/>
-              <a:defRPr sz="2000"/>
-            </a:lvl4pPr>
-            <a:lvl5pPr marL="1828800" indent="0">
-              <a:buNone/>
-              <a:defRPr sz="2000"/>
-            </a:lvl5pPr>
-            <a:lvl6pPr marL="2286000" indent="0">
-              <a:buNone/>
-              <a:defRPr sz="2000"/>
-            </a:lvl6pPr>
-            <a:lvl7pPr marL="2743200" indent="0">
-              <a:buNone/>
-              <a:defRPr sz="2000"/>
-            </a:lvl7pPr>
-            <a:lvl8pPr marL="3200400" indent="0">
-              <a:buNone/>
-              <a:defRPr sz="2000"/>
-            </a:lvl8pPr>
-            <a:lvl9pPr marL="3657600" indent="0">
-              <a:buNone/>
-              <a:defRPr sz="2000"/>
-            </a:lvl9pPr>
-          </a:lstStyle>
-          <a:p>
-            <a:endParaRPr lang="en-US"/>
-          </a:p>
-        </p:txBody>
-      </p:sp>
-      <p:sp>
-        <p:nvSpPr>
-          <p:cNvPr id="4" name="Text Placeholder 3"/>
-          <p:cNvSpPr>
-            <a:spLocks noGrp="1"/>
-          </p:cNvSpPr>
-          <p:nvPr>
-            <p:ph type="body" sz="half" idx="2"/>
-          </p:nvPr>
-        </p:nvSpPr>
-        <p:spPr>
-          <a:xfrm>
-            <a:off x="1792288" y="5367338"/>
-            <a:ext cx="5486400" cy="804862"/>
-          </a:xfrm>
-        </p:spPr>
-        <p:txBody>
-          <a:bodyPr/>
-          <a:lstStyle>
-            <a:lvl1pPr marL="0" indent="0">
-              <a:buNone/>
-              <a:defRPr sz="1400"/>
-            </a:lvl1pPr>
-            <a:lvl2pPr marL="457200" indent="0">
-              <a:buNone/>
-              <a:defRPr sz="1200"/>
-            </a:lvl2pPr>
-            <a:lvl3pPr marL="914400" indent="0">
-              <a:buNone/>
-              <a:defRPr sz="1000"/>
-            </a:lvl3pPr>
-            <a:lvl4pPr marL="1371600" indent="0">
-              <a:buNone/>
-              <a:defRPr sz="900"/>
-            </a:lvl4pPr>
-            <a:lvl5pPr marL="1828800" indent="0">
-              <a:buNone/>
-              <a:defRPr sz="900"/>
-            </a:lvl5pPr>
-            <a:lvl6pPr marL="2286000" indent="0">
-              <a:buNone/>
-              <a:defRPr sz="900"/>
-            </a:lvl6pPr>
-            <a:lvl7pPr marL="2743200" indent="0">
-              <a:buNone/>
-              <a:defRPr sz="900"/>
-            </a:lvl7pPr>
-            <a:lvl8pPr marL="3200400" indent="0">
-              <a:buNone/>
-              <a:defRPr sz="900"/>
-            </a:lvl8pPr>
-            <a:lvl9pPr marL="3657600" indent="0">
-              <a:buNone/>
-              <a:defRPr sz="900"/>
-            </a:lvl9pPr>
-          </a:lstStyle>
-          <a:p>
-            <a:pPr lvl="0"/>
-            <a:r>
-              <a:rPr lang="en-US" smtClean="0"/>
-              <a:t>Click to edit Master text styles</a:t>
-            </a:r>
-          </a:p>
-        </p:txBody>
-      </p:sp>
-      <p:sp>
-        <p:nvSpPr>
-          <p:cNvPr id="5" name="Date Placeholder 4"/>
-          <p:cNvSpPr>
-            <a:spLocks noGrp="1"/>
-          </p:cNvSpPr>
-          <p:nvPr>
-            <p:ph type="dt" sz="half" idx="10"/>
-          </p:nvPr>
-        </p:nvSpPr>
-        <p:spPr/>
-        <p:txBody>
-          <a:bodyPr/>
-          <a:lstStyle/>
-          <a:p>
-            <a:fld id="{241EB5C9-1307-BA42-ABA2-0BC069CD8E7F}" type="datetimeFigureOut">
-              <a:rPr lang="en-US" smtClean="0"/>
-              <a:t>4/5/2019</a:t>
-            </a:fld>
-            <a:endParaRPr lang="en-US"/>
-          </a:p>
-        </p:txBody>
-      </p:sp>
-      <p:sp>
-        <p:nvSpPr>
-          <p:cNvPr id="6" name="Footer Placeholder 5"/>
-          <p:cNvSpPr>
-            <a:spLocks noGrp="1"/>
-          </p:cNvSpPr>
-          <p:nvPr>
-            <p:ph type="ftr" sz="quarter" idx="11"/>
-          </p:nvPr>
-        </p:nvSpPr>
-        <p:spPr/>
-        <p:txBody>
-          <a:bodyPr/>
-          <a:lstStyle/>
-          <a:p>
-            <a:endParaRPr lang="en-US"/>
-          </a:p>
-        </p:txBody>
-      </p:sp>
-      <p:sp>
-        <p:nvSpPr>
-          <p:cNvPr id="7" name="Slide Number Placeholder 6"/>
-          <p:cNvSpPr>
-            <a:spLocks noGrp="1"/>
-          </p:cNvSpPr>
-          <p:nvPr>
-            <p:ph type="sldNum" sz="quarter" idx="12"/>
-          </p:nvPr>
-        </p:nvSpPr>
-        <p:spPr/>
-        <p:txBody>
-          <a:bodyPr/>
-          <a:lstStyle/>
-          <a:p>
-            <a:fld id="{C5EF2332-01BF-834F-8236-50238282D533}" type="slidenum">
-              <a:rPr lang="en-US" smtClean="0"/>
-              <a:t>‹#›</a:t>
-            </a:fld>
-            <a:endParaRPr lang="en-US"/>
-          </a:p>
-        </p:txBody>
-      </p:sp>
-    </p:spTree>
-    <p:extLst>
-      <p:ext uri="{BB962C8B-B14F-4D97-AF65-F5344CB8AC3E}">
-        <p14:creationId xmlns:p14="http://schemas.microsoft.com/office/powerpoint/2010/main" val="3566899855"/>
-      </p:ext>
-    </p:extLst>
-  </p:cSld>
-  <p:clrMapOvr>
-    <a:masterClrMapping/>
   </p:clrMapOvr>
 </p:sldLayout>
 </file>
@@ -3185,7 +1670,7 @@
           <a:p>
             <a:fld id="{5EF76A7A-0506-6C4D-8382-BFC753915B9A}" type="datetime4">
               <a:rPr lang="en-US" smtClean="0"/>
-              <a:t>December 27, 2020</a:t>
+              <a:t>January 2, 2021</a:t>
             </a:fld>
             <a:endParaRPr lang="en-US" dirty="0"/>
           </a:p>
@@ -3639,28 +2124,11 @@
           <a:bodyPr/>
           <a:lstStyle/>
           <a:p>
-            <a:pPr lvl="0" marL="0" indent="0">
+            <a:pPr marL="0" lvl="0" indent="0">
               <a:buNone/>
             </a:pPr>
             <a:r>
-              <a:rPr/>
-              <a:t>SamplePPT</a:t>
-            </a:r>
-            <a:r>
-              <a:rPr/>
-              <a:t> </a:t>
-            </a:r>
-            <a:r>
-              <a:rPr/>
-              <a:t>(PERSI</a:t>
-            </a:r>
-            <a:r>
-              <a:rPr/>
-              <a:t> </a:t>
-            </a:r>
-            <a:r>
-              <a:rPr/>
-              <a:t>graphs)</a:t>
+              <a:t>SamplePPT (PERSI graphs)</a:t>
             </a:r>
           </a:p>
         </p:txBody>
@@ -3685,46 +2153,13 @@
           <a:bodyPr/>
           <a:lstStyle/>
           <a:p>
-            <a:pPr lvl="0" marL="0" indent="0">
+            <a:pPr marL="0" lvl="0" indent="0">
               <a:buNone/>
             </a:pPr>
             <a:br/>
             <a:br/>
             <a:r>
-              <a:rPr/>
-              <a:t>Anil,</a:t>
-            </a:r>
-            <a:r>
-              <a:rPr/>
-              <a:t> </a:t>
-            </a:r>
-            <a:r>
-              <a:rPr/>
-              <a:t>Swaroop,</a:t>
-            </a:r>
-            <a:r>
-              <a:rPr/>
-              <a:t> </a:t>
-            </a:r>
-            <a:r>
-              <a:rPr/>
-              <a:t>Jen</a:t>
-            </a:r>
-            <a:r>
-              <a:rPr/>
-              <a:t> </a:t>
-            </a:r>
-            <a:r>
-              <a:rPr/>
-              <a:t>&amp;</a:t>
-            </a:r>
-            <a:r>
-              <a:rPr/>
-              <a:t> </a:t>
-            </a:r>
-            <a:r>
-              <a:rPr/>
-              <a:t>Jordan</a:t>
+              <a:t>Anil, Swaroop, Jen &amp; Jordan</a:t>
             </a:r>
           </a:p>
         </p:txBody>
@@ -3744,11 +2179,10 @@
           <a:bodyPr/>
           <a:lstStyle/>
           <a:p>
-            <a:pPr lvl="0" marL="0" indent="0">
+            <a:pPr marL="0" lvl="0" indent="0">
               <a:buNone/>
             </a:pPr>
             <a:r>
-              <a:rPr/>
               <a:t>12/12/2020</a:t>
             </a:r>
           </a:p>
@@ -3756,6 +2190,9 @@
       </p:sp>
     </p:spTree>
   </p:cSld>
+  <p:clrMapOvr>
+    <a:masterClrMapping/>
+  </p:clrMapOvr>
 </p:sld>
 </file>
 
@@ -3799,44 +2236,11 @@
           <a:bodyPr/>
           <a:lstStyle/>
           <a:p>
-            <a:pPr lvl="0" marL="0" indent="0">
+            <a:pPr marL="0" lvl="0" indent="0">
               <a:buNone/>
             </a:pPr>
             <a:r>
-              <a:rPr/>
-              <a:t>About</a:t>
-            </a:r>
-            <a:r>
-              <a:rPr/>
-              <a:t> </a:t>
-            </a:r>
-            <a:r>
-              <a:rPr/>
-              <a:t>the</a:t>
-            </a:r>
-            <a:r>
-              <a:rPr/>
-              <a:t> </a:t>
-            </a:r>
-            <a:r>
-              <a:rPr/>
-              <a:t>Pension</a:t>
-            </a:r>
-            <a:r>
-              <a:rPr/>
-              <a:t> </a:t>
-            </a:r>
-            <a:r>
-              <a:rPr/>
-              <a:t>Integrity</a:t>
-            </a:r>
-            <a:r>
-              <a:rPr/>
-              <a:t> </a:t>
-            </a:r>
-            <a:r>
-              <a:rPr/>
-              <a:t>Project</a:t>
+              <a:t>About the Pension Integrity Project</a:t>
             </a:r>
           </a:p>
         </p:txBody>
@@ -3856,46 +2260,40 @@
           <a:bodyPr/>
           <a:lstStyle/>
           <a:p>
-            <a:pPr lvl="0" marL="0" indent="0">
+            <a:pPr marL="0" lvl="0" indent="0">
               <a:buNone/>
             </a:pPr>
             <a:r>
-              <a:rPr/>
               <a:t>We offer pro-bono technical assistance to public officials to help them design and implement pension reforms that improve plan solvency and promote retirement security, including:</a:t>
             </a:r>
           </a:p>
           <a:p>
             <a:pPr lvl="1"/>
             <a:r>
-              <a:rPr/>
               <a:t>Customized analysis of pension system design, trends</a:t>
             </a:r>
           </a:p>
           <a:p>
             <a:pPr lvl="1"/>
             <a:r>
-              <a:rPr/>
               <a:t>Independent actuarial modeling of reform scenarios</a:t>
             </a:r>
           </a:p>
           <a:p>
             <a:pPr lvl="1"/>
             <a:r>
-              <a:rPr/>
               <a:t>Consultation and modeling around custom policy designs</a:t>
             </a:r>
           </a:p>
           <a:p>
             <a:pPr lvl="1"/>
             <a:r>
-              <a:rPr/>
               <a:t>Latest pension reform research and case studies</a:t>
             </a:r>
           </a:p>
           <a:p>
             <a:pPr lvl="1"/>
             <a:r>
-              <a:rPr/>
               <a:t>Peer-to-peer mentoring from state and local officials who have successfully enacted pension</a:t>
             </a:r>
           </a:p>
@@ -3904,21 +2302,18 @@
               <a:buNone/>
             </a:pPr>
             <a:r>
-              <a:rPr/>
               <a:t>reforms</a:t>
             </a:r>
           </a:p>
           <a:p>
             <a:pPr lvl="1"/>
             <a:r>
-              <a:rPr/>
               <a:t>Assistance with stakeholder outreach, engagement and relationship management</a:t>
             </a:r>
           </a:p>
           <a:p>
             <a:pPr lvl="1"/>
             <a:r>
-              <a:rPr/>
               <a:t>Design and execution of public education programs and media campaigns</a:t>
             </a:r>
           </a:p>
@@ -3926,6 +2321,9 @@
       </p:sp>
     </p:spTree>
   </p:cSld>
+  <p:clrMapOvr>
+    <a:masterClrMapping/>
+  </p:clrMapOvr>
 </p:sld>
 </file>
 
@@ -3969,83 +2367,18 @@
           <a:bodyPr/>
           <a:lstStyle/>
           <a:p>
-            <a:pPr lvl="0" marL="0" indent="0">
+            <a:pPr marL="0" lvl="0" indent="0">
               <a:buNone/>
             </a:pPr>
             <a:r>
-              <a:rPr/>
-              <a:t>A</a:t>
-            </a:r>
-            <a:r>
-              <a:rPr/>
-              <a:t> </a:t>
-            </a:r>
-            <a:r>
-              <a:rPr/>
-              <a:t>History</a:t>
-            </a:r>
-            <a:r>
-              <a:rPr/>
-              <a:t> </a:t>
-            </a:r>
-            <a:r>
-              <a:rPr/>
-              <a:t>of</a:t>
-            </a:r>
-            <a:r>
-              <a:rPr/>
-              <a:t> </a:t>
-            </a:r>
-            <a:r>
-              <a:rPr/>
-              <a:t>Weakening</a:t>
-            </a:r>
-            <a:r>
-              <a:rPr/>
-              <a:t> </a:t>
-            </a:r>
-            <a:r>
-              <a:rPr/>
-              <a:t>Solvency</a:t>
-            </a:r>
-            <a:r>
-              <a:rPr/>
-              <a:t> </a:t>
-            </a:r>
-            <a:r>
-              <a:rPr/>
-              <a:t>(2001-2019)</a:t>
-            </a:r>
-            <a:r>
-              <a:rPr/>
-              <a:t> </a:t>
-            </a:r>
-            <a:r>
-              <a:rPr/>
-              <a:t>w/</a:t>
-            </a:r>
-            <a:r>
-              <a:rPr/>
-              <a:t> </a:t>
-            </a:r>
-            <a:r>
-              <a:rPr/>
-              <a:t>R</a:t>
-            </a:r>
-            <a:r>
-              <a:rPr/>
-              <a:t> </a:t>
-            </a:r>
-            <a:r>
-              <a:rPr/>
-              <a:t>(areaPlot())</a:t>
+              <a:t>A History of Weakening Solvency (2001-2019) w/ R (areaPlot())</a:t>
             </a:r>
           </a:p>
         </p:txBody>
       </p:sp>
       <p:pic>
         <p:nvPicPr>
-          <p:cNvPr descr="SamplePPT_files/figure-pptx/debt-1.png" id="0" name="Picture 1"/>
+          <p:cNvPr id="3" name="Picture 1" descr="SamplePPT_files/figure-pptx/debt-1.png"/>
           <p:cNvPicPr>
             <a:picLocks noGrp="1" noChangeAspect="1"/>
           </p:cNvPicPr>
@@ -4075,6 +2408,9 @@
       </p:pic>
     </p:spTree>
   </p:cSld>
+  <p:clrMapOvr>
+    <a:masterClrMapping/>
+  </p:clrMapOvr>
 </p:sld>
 </file>
 
@@ -4118,83 +2454,18 @@
           <a:bodyPr/>
           <a:lstStyle/>
           <a:p>
-            <a:pPr lvl="0" marL="0" indent="0">
+            <a:pPr marL="0" lvl="0" indent="0">
               <a:buNone/>
             </a:pPr>
             <a:r>
-              <a:rPr/>
-              <a:t>A</a:t>
-            </a:r>
-            <a:r>
-              <a:rPr/>
-              <a:t> </a:t>
-            </a:r>
-            <a:r>
-              <a:rPr/>
-              <a:t>History</a:t>
-            </a:r>
-            <a:r>
-              <a:rPr/>
-              <a:t> </a:t>
-            </a:r>
-            <a:r>
-              <a:rPr/>
-              <a:t>of</a:t>
-            </a:r>
-            <a:r>
-              <a:rPr/>
-              <a:t> </a:t>
-            </a:r>
-            <a:r>
-              <a:rPr/>
-              <a:t>Investment</a:t>
-            </a:r>
-            <a:r>
-              <a:rPr/>
-              <a:t> </a:t>
-            </a:r>
-            <a:r>
-              <a:rPr/>
-              <a:t>Returns</a:t>
-            </a:r>
-            <a:r>
-              <a:rPr/>
-              <a:t> </a:t>
-            </a:r>
-            <a:r>
-              <a:rPr/>
-              <a:t>(2001-2020)</a:t>
-            </a:r>
-            <a:r>
-              <a:rPr/>
-              <a:t> </a:t>
-            </a:r>
-            <a:r>
-              <a:rPr/>
-              <a:t>w/</a:t>
-            </a:r>
-            <a:r>
-              <a:rPr/>
-              <a:t> </a:t>
-            </a:r>
-            <a:r>
-              <a:rPr/>
-              <a:t>R</a:t>
-            </a:r>
-            <a:r>
-              <a:rPr/>
-              <a:t> </a:t>
-            </a:r>
-            <a:r>
-              <a:rPr/>
-              <a:t>(linePlot())</a:t>
+              <a:t>A History of Investment Returns (2001-2020) w/ R (linePlot())</a:t>
             </a:r>
           </a:p>
         </p:txBody>
       </p:sp>
       <p:pic>
         <p:nvPicPr>
-          <p:cNvPr descr="SamplePPT_files/figure-pptx/graph-1.png" id="0" name="Picture 1"/>
+          <p:cNvPr id="3" name="Picture 1" descr="SamplePPT_files/figure-pptx/graph-1.png"/>
           <p:cNvPicPr>
             <a:picLocks noGrp="1" noChangeAspect="1"/>
           </p:cNvPicPr>
@@ -4224,6 +2495,9 @@
       </p:pic>
     </p:spTree>
   </p:cSld>
+  <p:clrMapOvr>
+    <a:masterClrMapping/>
+  </p:clrMapOvr>
 </p:sld>
 </file>
 
@@ -4267,67 +2541,18 @@
           <a:bodyPr/>
           <a:lstStyle/>
           <a:p>
-            <a:pPr lvl="0" marL="0" indent="0">
+            <a:pPr marL="0" lvl="0" indent="0">
               <a:buNone/>
             </a:pPr>
             <a:r>
-              <a:rPr/>
-              <a:t>S&amp;P500</a:t>
-            </a:r>
-            <a:r>
-              <a:rPr/>
-              <a:t> </a:t>
-            </a:r>
-            <a:r>
-              <a:rPr/>
-              <a:t>vs. Funded</a:t>
-            </a:r>
-            <a:r>
-              <a:rPr/>
-              <a:t> </a:t>
-            </a:r>
-            <a:r>
-              <a:rPr/>
-              <a:t>Ratio</a:t>
-            </a:r>
-            <a:r>
-              <a:rPr/>
-              <a:t> </a:t>
-            </a:r>
-            <a:r>
-              <a:rPr/>
-              <a:t>(2001-2019)</a:t>
-            </a:r>
-            <a:r>
-              <a:rPr/>
-              <a:t> </a:t>
-            </a:r>
-            <a:r>
-              <a:rPr/>
-              <a:t>w/</a:t>
-            </a:r>
-            <a:r>
-              <a:rPr/>
-              <a:t> </a:t>
-            </a:r>
-            <a:r>
-              <a:rPr/>
-              <a:t>R</a:t>
-            </a:r>
-            <a:r>
-              <a:rPr/>
-              <a:t> </a:t>
-            </a:r>
-            <a:r>
-              <a:rPr/>
-              <a:t>(areaPlot())</a:t>
+              <a:t>S&amp;P500 vs. Funded Ratio (2001-2019) w/ R (areaPlot())</a:t>
             </a:r>
           </a:p>
         </p:txBody>
       </p:sp>
       <p:pic>
         <p:nvPicPr>
-          <p:cNvPr descr="SamplePPT_files/figure-pptx/sp500-1.png" id="0" name="Picture 1"/>
+          <p:cNvPr id="3" name="Picture 1" descr="SamplePPT_files/figure-pptx/sp500-1.png"/>
           <p:cNvPicPr>
             <a:picLocks noGrp="1" noChangeAspect="1"/>
           </p:cNvPicPr>
@@ -4357,6 +2582,9 @@
       </p:pic>
     </p:spTree>
   </p:cSld>
+  <p:clrMapOvr>
+    <a:masterClrMapping/>
+  </p:clrMapOvr>
 </p:sld>
 </file>
 
@@ -4400,59 +2628,27 @@
           <a:bodyPr/>
           <a:lstStyle/>
           <a:p>
-            <a:pPr lvl="0" marL="0" indent="0">
+            <a:pPr marL="0" lvl="0" indent="0">
               <a:buNone/>
             </a:pPr>
             <a:r>
-              <a:rPr/>
-              <a:t>Asset</a:t>
-            </a:r>
-            <a:r>
-              <a:rPr/>
-              <a:t> </a:t>
-            </a:r>
-            <a:r>
-              <a:rPr/>
-              <a:t>Allocation</a:t>
-            </a:r>
-            <a:r>
-              <a:rPr/>
-              <a:t> </a:t>
-            </a:r>
-            <a:r>
-              <a:rPr/>
-              <a:t>()2001-2019</a:t>
-            </a:r>
-            <a:r>
-              <a:rPr/>
-              <a:t> </a:t>
-            </a:r>
-            <a:r>
-              <a:rPr/>
-              <a:t>w/</a:t>
-            </a:r>
-            <a:r>
-              <a:rPr/>
-              <a:t> </a:t>
-            </a:r>
-            <a:r>
-              <a:rPr/>
-              <a:t>R</a:t>
-            </a:r>
-            <a:r>
-              <a:rPr/>
-              <a:t> </a:t>
-            </a:r>
-            <a:r>
-              <a:rPr/>
-              <a:t>(custom)</a:t>
+              <a:rPr dirty="0"/>
+              <a:t>Asset Allocation (2001-2019</a:t>
+            </a:r>
+            <a:r>
+              <a:rPr lang="en-US" dirty="0"/>
+              <a:t>)</a:t>
+            </a:r>
+            <a:r>
+              <a:rPr dirty="0"/>
+              <a:t> w/ R (custom)</a:t>
             </a:r>
           </a:p>
         </p:txBody>
       </p:sp>
       <p:pic>
         <p:nvPicPr>
-          <p:cNvPr descr="SamplePPT_files/figure-pptx/assets-1.png" id="0" name="Picture 1"/>
+          <p:cNvPr id="3" name="Picture 1" descr="SamplePPT_files/figure-pptx/assets-1.png"/>
           <p:cNvPicPr>
             <a:picLocks noGrp="1" noChangeAspect="1"/>
           </p:cNvPicPr>
@@ -4482,6 +2678,9 @@
       </p:pic>
     </p:spTree>
   </p:cSld>
+  <p:clrMapOvr>
+    <a:masterClrMapping/>
+  </p:clrMapOvr>
 </p:sld>
 </file>
 
@@ -4525,91 +2724,18 @@
           <a:bodyPr/>
           <a:lstStyle/>
           <a:p>
-            <a:pPr lvl="0" marL="0" indent="0">
+            <a:pPr marL="0" lvl="0" indent="0">
               <a:buNone/>
             </a:pPr>
             <a:r>
-              <a:rPr/>
-              <a:t>Change</a:t>
-            </a:r>
-            <a:r>
-              <a:rPr/>
-              <a:t> </a:t>
-            </a:r>
-            <a:r>
-              <a:rPr/>
-              <a:t>in</a:t>
-            </a:r>
-            <a:r>
-              <a:rPr/>
-              <a:t> </a:t>
-            </a:r>
-            <a:r>
-              <a:rPr/>
-              <a:t>Risk-Free</a:t>
-            </a:r>
-            <a:r>
-              <a:rPr/>
-              <a:t> </a:t>
-            </a:r>
-            <a:r>
-              <a:rPr/>
-              <a:t>Rate</a:t>
-            </a:r>
-            <a:r>
-              <a:rPr/>
-              <a:t> </a:t>
-            </a:r>
-            <a:r>
-              <a:rPr/>
-              <a:t>vs. Discount</a:t>
-            </a:r>
-            <a:r>
-              <a:rPr/>
-              <a:t> </a:t>
-            </a:r>
-            <a:r>
-              <a:rPr/>
-              <a:t>Rate</a:t>
-            </a:r>
-            <a:r>
-              <a:rPr/>
-              <a:t> </a:t>
-            </a:r>
-            <a:r>
-              <a:rPr/>
-              <a:t>(2001-2019)</a:t>
-            </a:r>
-            <a:r>
-              <a:rPr/>
-              <a:t> </a:t>
-            </a:r>
-            <a:r>
-              <a:rPr/>
-              <a:t>w/</a:t>
-            </a:r>
-            <a:r>
-              <a:rPr/>
-              <a:t> </a:t>
-            </a:r>
-            <a:r>
-              <a:rPr/>
-              <a:t>R</a:t>
-            </a:r>
-            <a:r>
-              <a:rPr/>
-              <a:t> </a:t>
-            </a:r>
-            <a:r>
-              <a:rPr/>
-              <a:t>(linePlot())</a:t>
+              <a:t>Change in Risk-Free Rate vs. Discount Rate (2001-2019) w/ R (linePlot())</a:t>
             </a:r>
           </a:p>
         </p:txBody>
       </p:sp>
       <p:pic>
         <p:nvPicPr>
-          <p:cNvPr descr="SamplePPT_files/figure-pptx/treasury-1.png" id="0" name="Picture 1"/>
+          <p:cNvPr id="3" name="Picture 1" descr="SamplePPT_files/figure-pptx/treasury-1.png"/>
           <p:cNvPicPr>
             <a:picLocks noGrp="1" noChangeAspect="1"/>
           </p:cNvPicPr>
@@ -4639,6 +2765,9 @@
       </p:pic>
     </p:spTree>
   </p:cSld>
+  <p:clrMapOvr>
+    <a:masterClrMapping/>
+  </p:clrMapOvr>
 </p:sld>
 </file>
 
@@ -4682,59 +2811,18 @@
           <a:bodyPr/>
           <a:lstStyle/>
           <a:p>
-            <a:pPr lvl="0" marL="0" indent="0">
+            <a:pPr marL="0" lvl="0" indent="0">
               <a:buNone/>
             </a:pPr>
             <a:r>
-              <a:rPr/>
-              <a:t>Negative</a:t>
-            </a:r>
-            <a:r>
-              <a:rPr/>
-              <a:t> </a:t>
-            </a:r>
-            <a:r>
-              <a:rPr/>
-              <a:t>Amortization</a:t>
-            </a:r>
-            <a:r>
-              <a:rPr/>
-              <a:t> </a:t>
-            </a:r>
-            <a:r>
-              <a:rPr/>
-              <a:t>Growth</a:t>
-            </a:r>
-            <a:r>
-              <a:rPr/>
-              <a:t> </a:t>
-            </a:r>
-            <a:r>
-              <a:rPr/>
-              <a:t>w/</a:t>
-            </a:r>
-            <a:r>
-              <a:rPr/>
-              <a:t> </a:t>
-            </a:r>
-            <a:r>
-              <a:rPr/>
-              <a:t>R</a:t>
-            </a:r>
-            <a:r>
-              <a:rPr/>
-              <a:t> </a:t>
-            </a:r>
-            <a:r>
-              <a:rPr/>
-              <a:t>(custom)</a:t>
+              <a:t>Negative Amortization Growth w/ R (custom)</a:t>
             </a:r>
           </a:p>
         </p:txBody>
       </p:sp>
       <p:pic>
         <p:nvPicPr>
-          <p:cNvPr descr="SamplePPT_files/figure-pptx/neg.amo-1.png" id="0" name="Picture 1"/>
+          <p:cNvPr id="3" name="Picture 1" descr="SamplePPT_files/figure-pptx/neg.amo-1.png"/>
           <p:cNvPicPr>
             <a:picLocks noGrp="1" noChangeAspect="1"/>
           </p:cNvPicPr>
@@ -4764,6 +2852,9 @@
       </p:pic>
     </p:spTree>
   </p:cSld>
+  <p:clrMapOvr>
+    <a:masterClrMapping/>
+  </p:clrMapOvr>
 </p:sld>
 </file>
 
@@ -4807,11 +2898,10 @@
           <a:bodyPr/>
           <a:lstStyle/>
           <a:p>
-            <a:pPr lvl="0" marL="0" indent="0">
+            <a:pPr marL="0" lvl="0" indent="0">
               <a:buNone/>
             </a:pPr>
             <a:r>
-              <a:rPr/>
               <a:t>References</a:t>
             </a:r>
           </a:p>
@@ -4862,6 +2952,9 @@
       </p:sp>
     </p:spTree>
   </p:cSld>
+  <p:clrMapOvr>
+    <a:masterClrMapping/>
+  </p:clrMapOvr>
 </p:sld>
 </file>
 

--- a/DeckUpdate/SamplePPT.pptx
+++ b/DeckUpdate/SamplePPT.pptx
@@ -14,6 +14,7 @@
     <p:sldId id="262" r:id="rId8"/>
     <p:sldId id="263" r:id="rId9"/>
     <p:sldId id="264" r:id="rId10"/>
+    <p:sldId id="265" r:id="rId11"/>
   </p:sldIdLst>
   <p:sldSz cx="9144000" cy="6858000" type="screen4x3"/>
   <p:notesSz cx="6858000" cy="9144000"/>
@@ -363,7 +364,7 @@
           <a:p>
             <a:fld id="{10302D39-B686-2742-A69B-CE6D46FC9A4E}" type="datetime4">
               <a:rPr lang="en-US" smtClean="0"/>
-              <a:t>January 2, 2021</a:t>
+              <a:t>January 5, 2021</a:t>
             </a:fld>
             <a:endParaRPr lang="en-US" dirty="0"/>
           </a:p>
@@ -684,7 +685,7 @@
           <a:p>
             <a:fld id="{585AD263-A788-3145-8D38-AEBC1D444AEE}" type="datetime4">
               <a:rPr lang="en-US" smtClean="0"/>
-              <a:t>January 2, 2021</a:t>
+              <a:t>January 5, 2021</a:t>
             </a:fld>
             <a:endParaRPr lang="en-US" dirty="0"/>
           </a:p>
@@ -974,7 +975,7 @@
           <a:p>
             <a:fld id="{B606C5D1-9323-1B45-8355-7D55EA8EE66A}" type="datetime4">
               <a:rPr lang="en-US" smtClean="0"/>
-              <a:t>January 2, 2021</a:t>
+              <a:t>January 5, 2021</a:t>
             </a:fld>
             <a:endParaRPr lang="en-US" dirty="0"/>
           </a:p>
@@ -1222,7 +1223,7 @@
           <a:p>
             <a:fld id="{A4108F21-3CFE-3045-9ABB-E1E1413BA1A1}" type="datetime4">
               <a:rPr lang="en-US" smtClean="0"/>
-              <a:t>January 2, 2021</a:t>
+              <a:t>January 5, 2021</a:t>
             </a:fld>
             <a:endParaRPr lang="en-US" dirty="0"/>
           </a:p>
@@ -1670,7 +1671,7 @@
           <a:p>
             <a:fld id="{5EF76A7A-0506-6C4D-8382-BFC753915B9A}" type="datetime4">
               <a:rPr lang="en-US" smtClean="0"/>
-              <a:t>January 2, 2021</a:t>
+              <a:t>January 5, 2021</a:t>
             </a:fld>
             <a:endParaRPr lang="en-US" dirty="0"/>
           </a:p>
@@ -2196,6 +2197,106 @@
 </p:sld>
 </file>
 
+<file path=ppt/slides/slide10.xml><?xml version="1.0" encoding="utf-8"?>
+<p:sld xmlns:a="http://schemas.openxmlformats.org/drawingml/2006/main" xmlns:r="http://schemas.openxmlformats.org/officeDocument/2006/relationships" xmlns:p="http://schemas.openxmlformats.org/presentationml/2006/main">
+  <p:cSld>
+    <p:spTree>
+      <p:nvGrpSpPr>
+        <p:cNvPr id="1" name=""/>
+        <p:cNvGrpSpPr/>
+        <p:nvPr/>
+      </p:nvGrpSpPr>
+      <p:grpSpPr>
+        <a:xfrm>
+          <a:off x="0" y="0"/>
+          <a:ext cx="0" cy="0"/>
+          <a:chOff x="0" y="0"/>
+          <a:chExt cx="0" cy="0"/>
+        </a:xfrm>
+      </p:grpSpPr>
+      <p:sp>
+        <p:nvSpPr>
+          <p:cNvPr id="2" name="Title 1"/>
+          <p:cNvSpPr>
+            <a:spLocks noGrp="1"/>
+          </p:cNvSpPr>
+          <p:nvPr>
+            <p:ph type="title" hasCustomPrompt="1"/>
+          </p:nvPr>
+        </p:nvSpPr>
+        <p:spPr>
+          <a:xfrm>
+            <a:off x="457200" y="533400"/>
+            <a:ext cx="7864475" cy="990600"/>
+          </a:xfrm>
+          <a:prstGeom prst="rect">
+            <a:avLst/>
+          </a:prstGeom>
+        </p:spPr>
+        <p:txBody>
+          <a:bodyPr/>
+          <a:lstStyle/>
+          <a:p>
+            <a:pPr marL="0" lvl="0" indent="0">
+              <a:buNone/>
+            </a:pPr>
+            <a:r>
+              <a:t>References</a:t>
+            </a:r>
+          </a:p>
+        </p:txBody>
+      </p:sp>
+      <p:sp>
+        <p:nvSpPr>
+          <p:cNvPr id="3" name="Content Placeholder 2"/>
+          <p:cNvSpPr>
+            <a:spLocks noGrp="1"/>
+          </p:cNvSpPr>
+          <p:nvPr>
+            <p:ph idx="1"/>
+          </p:nvPr>
+        </p:nvSpPr>
+        <p:spPr/>
+        <p:txBody>
+          <a:bodyPr/>
+          <a:lstStyle/>
+          <a:p>
+            <a:pPr lvl="1"/>
+            <a:r>
+              <a:rPr>
+                <a:hlinkClick r:id="rId2"/>
+              </a:rPr>
+              <a:t>https://github.com/ReasonFoundation/GraphicsR</a:t>
+            </a:r>
+          </a:p>
+          <a:p>
+            <a:pPr lvl="1"/>
+            <a:r>
+              <a:rPr>
+                <a:hlinkClick r:id="rId3"/>
+              </a:rPr>
+              <a:t>https://rstudio.com/wp-content/uploads/2015/03/rmarkdown-reference.pdf</a:t>
+            </a:r>
+          </a:p>
+          <a:p>
+            <a:pPr lvl="1"/>
+            <a:r>
+              <a:rPr>
+                <a:hlinkClick r:id="rId4"/>
+              </a:rPr>
+              <a:t>https://bookdown.org/yihui/rmarkdown/</a:t>
+            </a:r>
+          </a:p>
+        </p:txBody>
+      </p:sp>
+    </p:spTree>
+  </p:cSld>
+  <p:clrMapOvr>
+    <a:masterClrMapping/>
+  </p:clrMapOvr>
+</p:sld>
+</file>
+
 <file path=ppt/slides/slide2.xml><?xml version="1.0" encoding="utf-8"?>
 <p:sld xmlns:a="http://schemas.openxmlformats.org/drawingml/2006/main" xmlns:r="http://schemas.openxmlformats.org/officeDocument/2006/relationships" xmlns:p="http://schemas.openxmlformats.org/presentationml/2006/main">
   <p:cSld>
@@ -2458,14 +2559,14 @@
               <a:buNone/>
             </a:pPr>
             <a:r>
-              <a:t>A History of Investment Returns (2001-2020) w/ R (linePlot())</a:t>
+              <a:t>Causes of Pension Debt w/ R (custom Plotly-Image)</a:t>
             </a:r>
           </a:p>
         </p:txBody>
       </p:sp>
       <p:pic>
         <p:nvPicPr>
-          <p:cNvPr id="3" name="Picture 1" descr="SamplePPT_files/figure-pptx/graph-1.png"/>
+          <p:cNvPr id="3" name="Picture 1" descr="surface-plot.png"/>
           <p:cNvPicPr>
             <a:picLocks noGrp="1" noChangeAspect="1"/>
           </p:cNvPicPr>
@@ -2479,8 +2580,8 @@
         </p:blipFill>
         <p:spPr bwMode="auto">
           <a:xfrm>
-            <a:off x="673100" y="1600200"/>
-            <a:ext cx="7797800" cy="4876800"/>
+            <a:off x="1155700" y="1600200"/>
+            <a:ext cx="6832600" cy="4876800"/>
           </a:xfrm>
           <a:prstGeom prst="rect">
             <a:avLst/>
@@ -2545,14 +2646,14 @@
               <a:buNone/>
             </a:pPr>
             <a:r>
-              <a:t>S&amp;P500 vs. Funded Ratio (2001-2019) w/ R (areaPlot())</a:t>
+              <a:t>A History of Investment Returns (2001-2020) w/ R (linePlot())</a:t>
             </a:r>
           </a:p>
         </p:txBody>
       </p:sp>
       <p:pic>
         <p:nvPicPr>
-          <p:cNvPr id="3" name="Picture 1" descr="SamplePPT_files/figure-pptx/sp500-1.png"/>
+          <p:cNvPr id="3" name="Picture 1" descr="SamplePPT_files/figure-pptx/graph-1.png"/>
           <p:cNvPicPr>
             <a:picLocks noGrp="1" noChangeAspect="1"/>
           </p:cNvPicPr>
@@ -2632,23 +2733,14 @@
               <a:buNone/>
             </a:pPr>
             <a:r>
-              <a:rPr dirty="0"/>
-              <a:t>Asset Allocation (2001-2019</a:t>
-            </a:r>
-            <a:r>
-              <a:rPr lang="en-US" dirty="0"/>
-              <a:t>)</a:t>
-            </a:r>
-            <a:r>
-              <a:rPr dirty="0"/>
-              <a:t> w/ R (custom)</a:t>
+              <a:t>S&amp;P500 vs. Funded Ratio (2001-2019) w/ R (areaPlot())</a:t>
             </a:r>
           </a:p>
         </p:txBody>
       </p:sp>
       <p:pic>
         <p:nvPicPr>
-          <p:cNvPr id="3" name="Picture 1" descr="SamplePPT_files/figure-pptx/assets-1.png"/>
+          <p:cNvPr id="3" name="Picture 1" descr="SamplePPT_files/figure-pptx/sp500-1.png"/>
           <p:cNvPicPr>
             <a:picLocks noGrp="1" noChangeAspect="1"/>
           </p:cNvPicPr>
@@ -2728,14 +2820,14 @@
               <a:buNone/>
             </a:pPr>
             <a:r>
-              <a:t>Change in Risk-Free Rate vs. Discount Rate (2001-2019) w/ R (linePlot())</a:t>
+              <a:t>Asset Allocation (2001-2019) w/ R (custom)</a:t>
             </a:r>
           </a:p>
         </p:txBody>
       </p:sp>
       <p:pic>
         <p:nvPicPr>
-          <p:cNvPr id="3" name="Picture 1" descr="SamplePPT_files/figure-pptx/treasury-1.png"/>
+          <p:cNvPr id="3" name="Picture 1" descr="SamplePPT_files/figure-pptx/assets-1.png"/>
           <p:cNvPicPr>
             <a:picLocks noGrp="1" noChangeAspect="1"/>
           </p:cNvPicPr>
@@ -2815,14 +2907,14 @@
               <a:buNone/>
             </a:pPr>
             <a:r>
-              <a:t>Negative Amortization Growth w/ R (custom)</a:t>
+              <a:t>Change in Risk-Free Rate vs. Discount Rate (2001-2019) w/ R (linePlot())</a:t>
             </a:r>
           </a:p>
         </p:txBody>
       </p:sp>
       <p:pic>
         <p:nvPicPr>
-          <p:cNvPr id="3" name="Picture 1" descr="SamplePPT_files/figure-pptx/neg.amo-1.png"/>
+          <p:cNvPr id="3" name="Picture 1" descr="SamplePPT_files/figure-pptx/treasury-1.png"/>
           <p:cNvPicPr>
             <a:picLocks noGrp="1" noChangeAspect="1"/>
           </p:cNvPicPr>
@@ -2902,54 +2994,41 @@
               <a:buNone/>
             </a:pPr>
             <a:r>
-              <a:t>References</a:t>
-            </a:r>
-          </a:p>
-        </p:txBody>
-      </p:sp>
-      <p:sp>
-        <p:nvSpPr>
-          <p:cNvPr id="3" name="Content Placeholder 2"/>
-          <p:cNvSpPr>
-            <a:spLocks noGrp="1"/>
-          </p:cNvSpPr>
-          <p:nvPr>
-            <p:ph idx="1"/>
-          </p:nvPr>
-        </p:nvSpPr>
-        <p:spPr/>
-        <p:txBody>
-          <a:bodyPr/>
-          <a:lstStyle/>
-          <a:p>
-            <a:pPr lvl="1"/>
-            <a:r>
-              <a:rPr>
-                <a:hlinkClick r:id="rId2"/>
-              </a:rPr>
-              <a:t>https://github.com/ReasonFoundation/GraphicsR</a:t>
-            </a:r>
-          </a:p>
-          <a:p>
-            <a:pPr lvl="1"/>
-            <a:r>
-              <a:rPr>
-                <a:hlinkClick r:id="rId3"/>
-              </a:rPr>
-              <a:t>https://rstudio.com/wp-content/uploads/2015/03/rmarkdown-reference.pdf</a:t>
-            </a:r>
-          </a:p>
-          <a:p>
-            <a:pPr lvl="1"/>
-            <a:r>
-              <a:rPr>
-                <a:hlinkClick r:id="rId4"/>
-              </a:rPr>
-              <a:t>https://bookdown.org/yihui/rmarkdown/</a:t>
-            </a:r>
-          </a:p>
-        </p:txBody>
-      </p:sp>
+              <a:t>Negative Amortization Growth w/ R (custom)</a:t>
+            </a:r>
+          </a:p>
+        </p:txBody>
+      </p:sp>
+      <p:pic>
+        <p:nvPicPr>
+          <p:cNvPr id="3" name="Picture 1" descr="SamplePPT_files/figure-pptx/neg.amo-1.png"/>
+          <p:cNvPicPr>
+            <a:picLocks noGrp="1" noChangeAspect="1"/>
+          </p:cNvPicPr>
+          <p:nvPr/>
+        </p:nvPicPr>
+        <p:blipFill>
+          <a:blip r:embed="rId2"/>
+          <a:stretch>
+            <a:fillRect/>
+          </a:stretch>
+        </p:blipFill>
+        <p:spPr bwMode="auto">
+          <a:xfrm>
+            <a:off x="673100" y="1600200"/>
+            <a:ext cx="7797800" cy="4876800"/>
+          </a:xfrm>
+          <a:prstGeom prst="rect">
+            <a:avLst/>
+          </a:prstGeom>
+          <a:noFill/>
+          <a:ln w="9525">
+            <a:noFill/>
+            <a:headEnd/>
+            <a:tailEnd/>
+          </a:ln>
+        </p:spPr>
+      </p:pic>
     </p:spTree>
   </p:cSld>
   <p:clrMapOvr>

--- a/DeckUpdate/SamplePPT.pptx
+++ b/DeckUpdate/SamplePPT.pptx
@@ -364,7 +364,7 @@
           <a:p>
             <a:fld id="{10302D39-B686-2742-A69B-CE6D46FC9A4E}" type="datetime4">
               <a:rPr lang="en-US" smtClean="0"/>
-              <a:t>January 5, 2021</a:t>
+              <a:t>January 6, 2021</a:t>
             </a:fld>
             <a:endParaRPr lang="en-US" dirty="0"/>
           </a:p>
@@ -685,7 +685,7 @@
           <a:p>
             <a:fld id="{585AD263-A788-3145-8D38-AEBC1D444AEE}" type="datetime4">
               <a:rPr lang="en-US" smtClean="0"/>
-              <a:t>January 5, 2021</a:t>
+              <a:t>January 6, 2021</a:t>
             </a:fld>
             <a:endParaRPr lang="en-US" dirty="0"/>
           </a:p>
@@ -975,7 +975,7 @@
           <a:p>
             <a:fld id="{B606C5D1-9323-1B45-8355-7D55EA8EE66A}" type="datetime4">
               <a:rPr lang="en-US" smtClean="0"/>
-              <a:t>January 5, 2021</a:t>
+              <a:t>January 6, 2021</a:t>
             </a:fld>
             <a:endParaRPr lang="en-US" dirty="0"/>
           </a:p>
@@ -1223,7 +1223,7 @@
           <a:p>
             <a:fld id="{A4108F21-3CFE-3045-9ABB-E1E1413BA1A1}" type="datetime4">
               <a:rPr lang="en-US" smtClean="0"/>
-              <a:t>January 5, 2021</a:t>
+              <a:t>January 6, 2021</a:t>
             </a:fld>
             <a:endParaRPr lang="en-US" dirty="0"/>
           </a:p>
@@ -1671,7 +1671,7 @@
           <a:p>
             <a:fld id="{5EF76A7A-0506-6C4D-8382-BFC753915B9A}" type="datetime4">
               <a:rPr lang="en-US" smtClean="0"/>
-              <a:t>January 5, 2021</a:t>
+              <a:t>January 6, 2021</a:t>
             </a:fld>
             <a:endParaRPr lang="en-US" dirty="0"/>
           </a:p>
@@ -2559,14 +2559,14 @@
               <a:buNone/>
             </a:pPr>
             <a:r>
-              <a:t>Causes of Pension Debt w/ R (custom Plotly-Image)</a:t>
+              <a:t>Causes of Pension Debt (2001-2019) w/ R (custom Plotly-Image)</a:t>
             </a:r>
           </a:p>
         </p:txBody>
       </p:sp>
       <p:pic>
         <p:nvPicPr>
-          <p:cNvPr id="3" name="Picture 1" descr="surface-plot.png"/>
+          <p:cNvPr id="3" name="Picture 1" descr="GainLoss-plot.png"/>
           <p:cNvPicPr>
             <a:picLocks noGrp="1" noChangeAspect="1"/>
           </p:cNvPicPr>
@@ -2580,8 +2580,8 @@
         </p:blipFill>
         <p:spPr bwMode="auto">
           <a:xfrm>
-            <a:off x="1155700" y="1600200"/>
-            <a:ext cx="6832600" cy="4876800"/>
+            <a:off x="774700" y="1600200"/>
+            <a:ext cx="7581900" cy="4876800"/>
           </a:xfrm>
           <a:prstGeom prst="rect">
             <a:avLst/>

--- a/DeckUpdate/SamplePPT.pptx
+++ b/DeckUpdate/SamplePPT.pptx
@@ -364,7 +364,7 @@
           <a:p>
             <a:fld id="{10302D39-B686-2742-A69B-CE6D46FC9A4E}" type="datetime4">
               <a:rPr lang="en-US" smtClean="0"/>
-              <a:t>January 6, 2021</a:t>
+              <a:t>January 7, 2021</a:t>
             </a:fld>
             <a:endParaRPr lang="en-US" dirty="0"/>
           </a:p>
@@ -685,7 +685,7 @@
           <a:p>
             <a:fld id="{585AD263-A788-3145-8D38-AEBC1D444AEE}" type="datetime4">
               <a:rPr lang="en-US" smtClean="0"/>
-              <a:t>January 6, 2021</a:t>
+              <a:t>January 7, 2021</a:t>
             </a:fld>
             <a:endParaRPr lang="en-US" dirty="0"/>
           </a:p>
@@ -975,7 +975,7 @@
           <a:p>
             <a:fld id="{B606C5D1-9323-1B45-8355-7D55EA8EE66A}" type="datetime4">
               <a:rPr lang="en-US" smtClean="0"/>
-              <a:t>January 6, 2021</a:t>
+              <a:t>January 7, 2021</a:t>
             </a:fld>
             <a:endParaRPr lang="en-US" dirty="0"/>
           </a:p>
@@ -1223,7 +1223,7 @@
           <a:p>
             <a:fld id="{A4108F21-3CFE-3045-9ABB-E1E1413BA1A1}" type="datetime4">
               <a:rPr lang="en-US" smtClean="0"/>
-              <a:t>January 6, 2021</a:t>
+              <a:t>January 7, 2021</a:t>
             </a:fld>
             <a:endParaRPr lang="en-US" dirty="0"/>
           </a:p>
@@ -1671,7 +1671,7 @@
           <a:p>
             <a:fld id="{5EF76A7A-0506-6C4D-8382-BFC753915B9A}" type="datetime4">
               <a:rPr lang="en-US" smtClean="0"/>
-              <a:t>January 6, 2021</a:t>
+              <a:t>January 7, 2021</a:t>
             </a:fld>
             <a:endParaRPr lang="en-US" dirty="0"/>
           </a:p>
@@ -2184,7 +2184,7 @@
               <a:buNone/>
             </a:pPr>
             <a:r>
-              <a:t>12/12/2020</a:t>
+              <a:t>01/05/2021</a:t>
             </a:r>
           </a:p>
         </p:txBody>
@@ -2900,14 +2900,33 @@
           </a:prstGeom>
         </p:spPr>
         <p:txBody>
-          <a:bodyPr/>
+          <a:bodyPr>
+            <a:normAutofit fontScale="90000"/>
+          </a:bodyPr>
           <a:lstStyle/>
           <a:p>
             <a:pPr marL="0" lvl="0" indent="0">
               <a:buNone/>
             </a:pPr>
             <a:r>
-              <a:t>Change in Risk-Free Rate vs. Discount Rate (2001-2019) w/ R (linePlot())</a:t>
+              <a:rPr dirty="0"/>
+              <a:t>Change in Risk-Free Rate vs. Discount Rate (2001-20</a:t>
+            </a:r>
+            <a:r>
+              <a:rPr lang="en-US" dirty="0"/>
+              <a:t>20</a:t>
+            </a:r>
+            <a:r>
+              <a:rPr dirty="0"/>
+              <a:t>) w/ R (</a:t>
+            </a:r>
+            <a:r>
+              <a:rPr dirty="0" err="1"/>
+              <a:t>linePlot</a:t>
+            </a:r>
+            <a:r>
+              <a:rPr dirty="0"/>
+              <a:t>())</a:t>
             </a:r>
           </a:p>
         </p:txBody>

--- a/DeckUpdate/SamplePPT.pptx
+++ b/DeckUpdate/SamplePPT.pptx
@@ -15,6 +15,7 @@
     <p:sldId id="263" r:id="rId9"/>
     <p:sldId id="264" r:id="rId10"/>
     <p:sldId id="265" r:id="rId11"/>
+    <p:sldId id="266" r:id="rId12"/>
   </p:sldIdLst>
   <p:sldSz cx="9144000" cy="6858000" type="screen4x3"/>
   <p:notesSz cx="6858000" cy="9144000"/>
@@ -364,7 +365,7 @@
           <a:p>
             <a:fld id="{10302D39-B686-2742-A69B-CE6D46FC9A4E}" type="datetime4">
               <a:rPr lang="en-US" smtClean="0"/>
-              <a:t>January 7, 2021</a:t>
+              <a:t>January 11, 2021</a:t>
             </a:fld>
             <a:endParaRPr lang="en-US" dirty="0"/>
           </a:p>
@@ -685,7 +686,7 @@
           <a:p>
             <a:fld id="{585AD263-A788-3145-8D38-AEBC1D444AEE}" type="datetime4">
               <a:rPr lang="en-US" smtClean="0"/>
-              <a:t>January 7, 2021</a:t>
+              <a:t>January 11, 2021</a:t>
             </a:fld>
             <a:endParaRPr lang="en-US" dirty="0"/>
           </a:p>
@@ -975,7 +976,7 @@
           <a:p>
             <a:fld id="{B606C5D1-9323-1B45-8355-7D55EA8EE66A}" type="datetime4">
               <a:rPr lang="en-US" smtClean="0"/>
-              <a:t>January 7, 2021</a:t>
+              <a:t>January 11, 2021</a:t>
             </a:fld>
             <a:endParaRPr lang="en-US" dirty="0"/>
           </a:p>
@@ -1223,7 +1224,7 @@
           <a:p>
             <a:fld id="{A4108F21-3CFE-3045-9ABB-E1E1413BA1A1}" type="datetime4">
               <a:rPr lang="en-US" smtClean="0"/>
-              <a:t>January 7, 2021</a:t>
+              <a:t>January 11, 2021</a:t>
             </a:fld>
             <a:endParaRPr lang="en-US" dirty="0"/>
           </a:p>
@@ -1671,7 +1672,7 @@
           <a:p>
             <a:fld id="{5EF76A7A-0506-6C4D-8382-BFC753915B9A}" type="datetime4">
               <a:rPr lang="en-US" smtClean="0"/>
-              <a:t>January 7, 2021</a:t>
+              <a:t>January 11, 2021</a:t>
             </a:fld>
             <a:endParaRPr lang="en-US" dirty="0"/>
           </a:p>
@@ -2129,7 +2130,7 @@
               <a:buNone/>
             </a:pPr>
             <a:r>
-              <a:t>SamplePPT (PERSI graphs)</a:t>
+              <a:t>Sample_PPT (PERSI graphs)</a:t>
             </a:r>
           </a:p>
         </p:txBody>
@@ -2241,6 +2242,93 @@
               <a:buNone/>
             </a:pPr>
             <a:r>
+              <a:t>Negative Amortization Growth w/ R (custom)</a:t>
+            </a:r>
+          </a:p>
+        </p:txBody>
+      </p:sp>
+      <p:pic>
+        <p:nvPicPr>
+          <p:cNvPr id="3" name="Picture 1" descr="SamplePPT_files/figure-pptx/neg.amo-1.png"/>
+          <p:cNvPicPr>
+            <a:picLocks noGrp="1" noChangeAspect="1"/>
+          </p:cNvPicPr>
+          <p:nvPr/>
+        </p:nvPicPr>
+        <p:blipFill>
+          <a:blip r:embed="rId2"/>
+          <a:stretch>
+            <a:fillRect/>
+          </a:stretch>
+        </p:blipFill>
+        <p:spPr bwMode="auto">
+          <a:xfrm>
+            <a:off x="673100" y="1600200"/>
+            <a:ext cx="7797800" cy="4876800"/>
+          </a:xfrm>
+          <a:prstGeom prst="rect">
+            <a:avLst/>
+          </a:prstGeom>
+          <a:noFill/>
+          <a:ln w="9525">
+            <a:noFill/>
+            <a:headEnd/>
+            <a:tailEnd/>
+          </a:ln>
+        </p:spPr>
+      </p:pic>
+    </p:spTree>
+  </p:cSld>
+  <p:clrMapOvr>
+    <a:masterClrMapping/>
+  </p:clrMapOvr>
+</p:sld>
+</file>
+
+<file path=ppt/slides/slide11.xml><?xml version="1.0" encoding="utf-8"?>
+<p:sld xmlns:a="http://schemas.openxmlformats.org/drawingml/2006/main" xmlns:r="http://schemas.openxmlformats.org/officeDocument/2006/relationships" xmlns:p="http://schemas.openxmlformats.org/presentationml/2006/main">
+  <p:cSld>
+    <p:spTree>
+      <p:nvGrpSpPr>
+        <p:cNvPr id="1" name=""/>
+        <p:cNvGrpSpPr/>
+        <p:nvPr/>
+      </p:nvGrpSpPr>
+      <p:grpSpPr>
+        <a:xfrm>
+          <a:off x="0" y="0"/>
+          <a:ext cx="0" cy="0"/>
+          <a:chOff x="0" y="0"/>
+          <a:chExt cx="0" cy="0"/>
+        </a:xfrm>
+      </p:grpSpPr>
+      <p:sp>
+        <p:nvSpPr>
+          <p:cNvPr id="2" name="Title 1"/>
+          <p:cNvSpPr>
+            <a:spLocks noGrp="1"/>
+          </p:cNvSpPr>
+          <p:nvPr>
+            <p:ph type="title" hasCustomPrompt="1"/>
+          </p:nvPr>
+        </p:nvSpPr>
+        <p:spPr>
+          <a:xfrm>
+            <a:off x="457200" y="533400"/>
+            <a:ext cx="7864475" cy="990600"/>
+          </a:xfrm>
+          <a:prstGeom prst="rect">
+            <a:avLst/>
+          </a:prstGeom>
+        </p:spPr>
+        <p:txBody>
+          <a:bodyPr/>
+          <a:lstStyle/>
+          <a:p>
+            <a:pPr marL="0" lvl="0" indent="0">
+              <a:buNone/>
+            </a:pPr>
+            <a:r>
               <a:t>References</a:t>
             </a:r>
           </a:p>
@@ -2395,15 +2483,7 @@
           <a:p>
             <a:pPr lvl="1"/>
             <a:r>
-              <a:t>Peer-to-peer mentoring from state and local officials who have successfully enacted pension</a:t>
-            </a:r>
-          </a:p>
-          <a:p>
-            <a:pPr lvl="1">
-              <a:buNone/>
-            </a:pPr>
-            <a:r>
-              <a:t>reforms</a:t>
+              <a:t>Peer-to-peer mentoring from state and local officials who have successfully enacted pension reforms</a:t>
             </a:r>
           </a:p>
           <a:p>
@@ -2646,41 +2726,498 @@
               <a:buNone/>
             </a:pPr>
             <a:r>
-              <a:t>A History of Investment Returns (2001-2020) w/ R (linePlot())</a:t>
-            </a:r>
-          </a:p>
-        </p:txBody>
-      </p:sp>
-      <p:pic>
-        <p:nvPicPr>
-          <p:cNvPr id="3" name="Picture 1" descr="SamplePPT_files/figure-pptx/graph-1.png"/>
-          <p:cNvPicPr>
-            <a:picLocks noGrp="1" noChangeAspect="1"/>
-          </p:cNvPicPr>
+              <a:t>Make up of Pension Contributions w/ R (custom)</a:t>
+            </a:r>
+          </a:p>
+        </p:txBody>
+      </p:sp>
+      <p:graphicFrame>
+        <p:nvGraphicFramePr>
+          <p:cNvPr id="6" name="Content Placeholder 5"/>
+          <p:cNvGraphicFramePr>
+            <a:graphicFrameLocks noGrp="1"/>
+          </p:cNvGraphicFramePr>
+          <p:nvPr>
+            <p:ph idx="1"/>
+          </p:nvPr>
+        </p:nvGraphicFramePr>
+        <p:xfrm>
+          <a:off x="457200" y="1600200"/>
+          <a:ext cx="8229600" cy="4368800"/>
+        </p:xfrm>
+        <a:graphic>
+          <a:graphicData uri="http://schemas.openxmlformats.org/drawingml/2006/table">
+            <a:tbl>
+              <a:tblPr firstRow="1" bandRow="1">
+                <a:tableStyleId>{5C22544A-7EE6-4342-B048-85BDC9FD1C3A}</a:tableStyleId>
+              </a:tblPr>
+              <a:tblGrid>
+                <a:gridCol w="2743200">
+                  <a:extLst>
+                    <a:ext uri="{9D8B030D-6E8A-4147-A177-3AD203B41FA5}">
+                      <a16:colId xmlns:a16="http://schemas.microsoft.com/office/drawing/2014/main" val="20000"/>
+                    </a:ext>
+                  </a:extLst>
+                </a:gridCol>
+                <a:gridCol w="2743200">
+                  <a:extLst>
+                    <a:ext uri="{9D8B030D-6E8A-4147-A177-3AD203B41FA5}">
+                      <a16:colId xmlns:a16="http://schemas.microsoft.com/office/drawing/2014/main" val="20001"/>
+                    </a:ext>
+                  </a:extLst>
+                </a:gridCol>
+                <a:gridCol w="2743200">
+                  <a:extLst>
+                    <a:ext uri="{9D8B030D-6E8A-4147-A177-3AD203B41FA5}">
+                      <a16:colId xmlns:a16="http://schemas.microsoft.com/office/drawing/2014/main" val="20002"/>
+                    </a:ext>
+                  </a:extLst>
+                </a:gridCol>
+              </a:tblGrid>
+              <a:tr h="0">
+                <a:tc>
+                  <a:txBody>
+                    <a:bodyPr/>
+                    <a:lstStyle/>
+                    <a:p>
+                      <a:endParaRPr/>
+                    </a:p>
+                  </a:txBody>
+                  <a:tcPr/>
+                </a:tc>
+                <a:tc>
+                  <a:txBody>
+                    <a:bodyPr/>
+                    <a:lstStyle/>
+                    <a:p>
+                      <a:pPr marL="0" lvl="0" indent="0" algn="l">
+                        <a:buNone/>
+                      </a:pPr>
+                      <a:r>
+                        <a:t>% of Payroll</a:t>
+                      </a:r>
+                    </a:p>
+                  </a:txBody>
+                  <a:tcPr/>
+                </a:tc>
+                <a:tc>
+                  <a:txBody>
+                    <a:bodyPr/>
+                    <a:lstStyle/>
+                    <a:p>
+                      <a:pPr marL="0" lvl="0" indent="0" algn="l">
+                        <a:buNone/>
+                      </a:pPr>
+                      <a:r>
+                        <a:t>$ Value</a:t>
+                      </a:r>
+                    </a:p>
+                  </a:txBody>
+                  <a:tcPr/>
+                </a:tc>
+                <a:extLst>
+                  <a:ext uri="{0D108BD9-81ED-4DB2-BD59-A6C34878D82A}">
+                    <a16:rowId xmlns:a16="http://schemas.microsoft.com/office/drawing/2014/main" val="10000"/>
+                  </a:ext>
+                </a:extLst>
+              </a:tr>
+              <a:tr h="0">
+                <a:tc>
+                  <a:txBody>
+                    <a:bodyPr/>
+                    <a:lstStyle/>
+                    <a:p>
+                      <a:pPr marL="0" lvl="0" indent="0" algn="l">
+                        <a:buNone/>
+                      </a:pPr>
+                      <a:r>
+                        <a:t>NA</a:t>
+                      </a:r>
+                    </a:p>
+                  </a:txBody>
+                  <a:tcPr/>
+                </a:tc>
+                <a:tc>
+                  <a:txBody>
+                    <a:bodyPr/>
+                    <a:lstStyle/>
+                    <a:p>
+                      <a:pPr marL="0" lvl="0" indent="0" algn="l">
+                        <a:buNone/>
+                      </a:pPr>
+                      <a:r>
+                        <a:t>NA</a:t>
+                      </a:r>
+                    </a:p>
+                  </a:txBody>
+                  <a:tcPr/>
+                </a:tc>
+                <a:tc>
+                  <a:txBody>
+                    <a:bodyPr/>
+                    <a:lstStyle/>
+                    <a:p>
+                      <a:pPr marL="0" lvl="0" indent="0" algn="l">
+                        <a:buNone/>
+                      </a:pPr>
+                      <a:r>
+                        <a:t>NA</a:t>
+                      </a:r>
+                    </a:p>
+                  </a:txBody>
+                  <a:tcPr/>
+                </a:tc>
+                <a:extLst>
+                  <a:ext uri="{0D108BD9-81ED-4DB2-BD59-A6C34878D82A}">
+                    <a16:rowId xmlns:a16="http://schemas.microsoft.com/office/drawing/2014/main" val="10001"/>
+                  </a:ext>
+                </a:extLst>
+              </a:tr>
+              <a:tr h="0">
+                <a:tc>
+                  <a:txBody>
+                    <a:bodyPr/>
+                    <a:lstStyle/>
+                    <a:p>
+                      <a:pPr marL="0" lvl="0" indent="0" algn="l">
+                        <a:buNone/>
+                      </a:pPr>
+                      <a:r>
+                        <a:t>NA</a:t>
+                      </a:r>
+                    </a:p>
+                  </a:txBody>
+                  <a:tcPr/>
+                </a:tc>
+                <a:tc>
+                  <a:txBody>
+                    <a:bodyPr/>
+                    <a:lstStyle/>
+                    <a:p>
+                      <a:pPr marL="0" lvl="0" indent="0" algn="l">
+                        <a:buNone/>
+                      </a:pPr>
+                      <a:r>
+                        <a:t>NA</a:t>
+                      </a:r>
+                    </a:p>
+                  </a:txBody>
+                  <a:tcPr/>
+                </a:tc>
+                <a:tc>
+                  <a:txBody>
+                    <a:bodyPr/>
+                    <a:lstStyle/>
+                    <a:p>
+                      <a:pPr marL="0" lvl="0" indent="0" algn="l">
+                        <a:buNone/>
+                      </a:pPr>
+                      <a:r>
+                        <a:t>NA</a:t>
+                      </a:r>
+                    </a:p>
+                  </a:txBody>
+                  <a:tcPr/>
+                </a:tc>
+                <a:extLst>
+                  <a:ext uri="{0D108BD9-81ED-4DB2-BD59-A6C34878D82A}">
+                    <a16:rowId xmlns:a16="http://schemas.microsoft.com/office/drawing/2014/main" val="10002"/>
+                  </a:ext>
+                </a:extLst>
+              </a:tr>
+              <a:tr h="0">
+                <a:tc>
+                  <a:txBody>
+                    <a:bodyPr/>
+                    <a:lstStyle/>
+                    <a:p>
+                      <a:pPr marL="0" lvl="0" indent="0" algn="l">
+                        <a:buNone/>
+                      </a:pPr>
+                      <a:r>
+                        <a:t>Total Employee</a:t>
+                      </a:r>
+                    </a:p>
+                  </a:txBody>
+                  <a:tcPr/>
+                </a:tc>
+                <a:tc>
+                  <a:txBody>
+                    <a:bodyPr/>
+                    <a:lstStyle/>
+                    <a:p>
+                      <a:pPr marL="0" lvl="0" indent="0" algn="l">
+                        <a:buNone/>
+                      </a:pPr>
+                      <a:r>
+                        <a:t>7.4%</a:t>
+                      </a:r>
+                    </a:p>
+                  </a:txBody>
+                  <a:tcPr/>
+                </a:tc>
+                <a:tc>
+                  <a:txBody>
+                    <a:bodyPr/>
+                    <a:lstStyle/>
+                    <a:p>
+                      <a:pPr marL="0" lvl="0" indent="0" algn="l">
+                        <a:buNone/>
+                      </a:pPr>
+                      <a:r>
+                        <a:t>$257,060,520</a:t>
+                      </a:r>
+                    </a:p>
+                  </a:txBody>
+                  <a:tcPr/>
+                </a:tc>
+                <a:extLst>
+                  <a:ext uri="{0D108BD9-81ED-4DB2-BD59-A6C34878D82A}">
+                    <a16:rowId xmlns:a16="http://schemas.microsoft.com/office/drawing/2014/main" val="10003"/>
+                  </a:ext>
+                </a:extLst>
+              </a:tr>
+              <a:tr h="0">
+                <a:tc>
+                  <a:txBody>
+                    <a:bodyPr/>
+                    <a:lstStyle/>
+                    <a:p>
+                      <a:pPr marL="0" lvl="0" indent="0" algn="l">
+                        <a:buNone/>
+                      </a:pPr>
+                      <a:r>
+                        <a:t>Employer (Normal Cost)</a:t>
+                      </a:r>
+                    </a:p>
+                  </a:txBody>
+                  <a:tcPr/>
+                </a:tc>
+                <a:tc>
+                  <a:txBody>
+                    <a:bodyPr/>
+                    <a:lstStyle/>
+                    <a:p>
+                      <a:pPr marL="0" lvl="0" indent="0" algn="l">
+                        <a:buNone/>
+                      </a:pPr>
+                      <a:r>
+                        <a:t>7.5%</a:t>
+                      </a:r>
+                    </a:p>
+                  </a:txBody>
+                  <a:tcPr/>
+                </a:tc>
+                <a:tc>
+                  <a:txBody>
+                    <a:bodyPr/>
+                    <a:lstStyle/>
+                    <a:p>
+                      <a:pPr marL="0" lvl="0" indent="0" algn="l">
+                        <a:buNone/>
+                      </a:pPr>
+                      <a:r>
+                        <a:t>$252,981,080</a:t>
+                      </a:r>
+                    </a:p>
+                  </a:txBody>
+                  <a:tcPr/>
+                </a:tc>
+                <a:extLst>
+                  <a:ext uri="{0D108BD9-81ED-4DB2-BD59-A6C34878D82A}">
+                    <a16:rowId xmlns:a16="http://schemas.microsoft.com/office/drawing/2014/main" val="10004"/>
+                  </a:ext>
+                </a:extLst>
+              </a:tr>
+              <a:tr h="0">
+                <a:tc>
+                  <a:txBody>
+                    <a:bodyPr/>
+                    <a:lstStyle/>
+                    <a:p>
+                      <a:pPr marL="0" lvl="0" indent="0" algn="l">
+                        <a:buNone/>
+                      </a:pPr>
+                      <a:r>
+                        <a:t>Employer (Debt Amortization)</a:t>
+                      </a:r>
+                    </a:p>
+                  </a:txBody>
+                  <a:tcPr/>
+                </a:tc>
+                <a:tc>
+                  <a:txBody>
+                    <a:bodyPr/>
+                    <a:lstStyle/>
+                    <a:p>
+                      <a:pPr marL="0" lvl="0" indent="0" algn="l">
+                        <a:buNone/>
+                      </a:pPr>
+                      <a:r>
+                        <a:t>4.5%</a:t>
+                      </a:r>
+                    </a:p>
+                  </a:txBody>
+                  <a:tcPr/>
+                </a:tc>
+                <a:tc>
+                  <a:txBody>
+                    <a:bodyPr/>
+                    <a:lstStyle/>
+                    <a:p>
+                      <a:pPr marL="0" lvl="0" indent="0" algn="l">
+                        <a:buNone/>
+                      </a:pPr>
+                      <a:r>
+                        <a:t>$152,532,710</a:t>
+                      </a:r>
+                    </a:p>
+                  </a:txBody>
+                  <a:tcPr/>
+                </a:tc>
+                <a:extLst>
+                  <a:ext uri="{0D108BD9-81ED-4DB2-BD59-A6C34878D82A}">
+                    <a16:rowId xmlns:a16="http://schemas.microsoft.com/office/drawing/2014/main" val="10005"/>
+                  </a:ext>
+                </a:extLst>
+              </a:tr>
+              <a:tr h="0">
+                <a:tc>
+                  <a:txBody>
+                    <a:bodyPr/>
+                    <a:lstStyle/>
+                    <a:p>
+                      <a:pPr marL="0" lvl="0" indent="0" algn="l">
+                        <a:buNone/>
+                      </a:pPr>
+                      <a:r>
+                        <a:t>Total Employer</a:t>
+                      </a:r>
+                    </a:p>
+                  </a:txBody>
+                  <a:tcPr/>
+                </a:tc>
+                <a:tc>
+                  <a:txBody>
+                    <a:bodyPr/>
+                    <a:lstStyle/>
+                    <a:p>
+                      <a:pPr marL="0" lvl="0" indent="0" algn="l">
+                        <a:buNone/>
+                      </a:pPr>
+                      <a:r>
+                        <a:t>12.0%</a:t>
+                      </a:r>
+                    </a:p>
+                  </a:txBody>
+                  <a:tcPr/>
+                </a:tc>
+                <a:tc>
+                  <a:txBody>
+                    <a:bodyPr/>
+                    <a:lstStyle/>
+                    <a:p>
+                      <a:pPr marL="0" lvl="0" indent="0" algn="l">
+                        <a:buNone/>
+                      </a:pPr>
+                      <a:r>
+                        <a:t>$405,513,790</a:t>
+                      </a:r>
+                    </a:p>
+                  </a:txBody>
+                  <a:tcPr/>
+                </a:tc>
+                <a:extLst>
+                  <a:ext uri="{0D108BD9-81ED-4DB2-BD59-A6C34878D82A}">
+                    <a16:rowId xmlns:a16="http://schemas.microsoft.com/office/drawing/2014/main" val="10006"/>
+                  </a:ext>
+                </a:extLst>
+              </a:tr>
+              <a:tr h="0">
+                <a:tc>
+                  <a:txBody>
+                    <a:bodyPr/>
+                    <a:lstStyle/>
+                    <a:p>
+                      <a:pPr marL="0" lvl="0" indent="0" algn="l">
+                        <a:buNone/>
+                      </a:pPr>
+                      <a:r>
+                        <a:t>Total PERSI Contributions</a:t>
+                      </a:r>
+                    </a:p>
+                  </a:txBody>
+                  <a:tcPr/>
+                </a:tc>
+                <a:tc>
+                  <a:txBody>
+                    <a:bodyPr/>
+                    <a:lstStyle/>
+                    <a:p>
+                      <a:pPr marL="0" lvl="0" indent="0" algn="l">
+                        <a:buNone/>
+                      </a:pPr>
+                      <a:r>
+                        <a:t>19.4%</a:t>
+                      </a:r>
+                    </a:p>
+                  </a:txBody>
+                  <a:tcPr/>
+                </a:tc>
+                <a:tc>
+                  <a:txBody>
+                    <a:bodyPr/>
+                    <a:lstStyle/>
+                    <a:p>
+                      <a:pPr marL="0" lvl="0" indent="0" algn="l">
+                        <a:buNone/>
+                      </a:pPr>
+                      <a:r>
+                        <a:t>$647,141,440</a:t>
+                      </a:r>
+                    </a:p>
+                  </a:txBody>
+                  <a:tcPr/>
+                </a:tc>
+                <a:extLst>
+                  <a:ext uri="{0D108BD9-81ED-4DB2-BD59-A6C34878D82A}">
+                    <a16:rowId xmlns:a16="http://schemas.microsoft.com/office/drawing/2014/main" val="10007"/>
+                  </a:ext>
+                </a:extLst>
+              </a:tr>
+            </a:tbl>
+          </a:graphicData>
+        </a:graphic>
+      </p:graphicFrame>
+      <p:sp>
+        <p:nvSpPr>
+          <p:cNvPr id="3" name="TextBox 3"/>
+          <p:cNvSpPr txBox="1"/>
           <p:nvPr/>
-        </p:nvPicPr>
-        <p:blipFill>
-          <a:blip r:embed="rId2"/>
-          <a:stretch>
-            <a:fillRect/>
-          </a:stretch>
-        </p:blipFill>
-        <p:spPr bwMode="auto">
-          <a:xfrm>
-            <a:off x="673100" y="1600200"/>
-            <a:ext cx="7797800" cy="4876800"/>
+        </p:nvSpPr>
+        <p:spPr>
+          <a:xfrm>
+            <a:off x="457200" y="5969000"/>
+            <a:ext cx="8229600" cy="508000"/>
           </a:xfrm>
           <a:prstGeom prst="rect">
             <a:avLst/>
           </a:prstGeom>
           <a:noFill/>
-          <a:ln w="9525">
-            <a:noFill/>
-            <a:headEnd/>
-            <a:tailEnd/>
-          </a:ln>
-        </p:spPr>
-      </p:pic>
+        </p:spPr>
+        <p:txBody>
+          <a:bodyPr/>
+          <a:lstStyle/>
+          <a:p>
+            <a:pPr marL="0" lvl="0" indent="0" algn="ctr">
+              <a:buNone/>
+            </a:pPr>
+            <a:r>
+              <a:t>Pension Integrity Project pension database.</a:t>
+            </a:r>
+          </a:p>
+        </p:txBody>
+      </p:sp>
     </p:spTree>
   </p:cSld>
   <p:clrMapOvr>
@@ -2733,14 +3270,14 @@
               <a:buNone/>
             </a:pPr>
             <a:r>
-              <a:t>S&amp;P500 vs. Funded Ratio (2001-2019) w/ R (areaPlot())</a:t>
+              <a:t>A History of Investment Returns (2001-2020) w/ R (linePlot())</a:t>
             </a:r>
           </a:p>
         </p:txBody>
       </p:sp>
       <p:pic>
         <p:nvPicPr>
-          <p:cNvPr id="3" name="Picture 1" descr="SamplePPT_files/figure-pptx/sp500-1.png"/>
+          <p:cNvPr id="3" name="Picture 1" descr="SamplePPT_files/figure-pptx/graph-1.png"/>
           <p:cNvPicPr>
             <a:picLocks noGrp="1" noChangeAspect="1"/>
           </p:cNvPicPr>
@@ -2820,14 +3357,14 @@
               <a:buNone/>
             </a:pPr>
             <a:r>
-              <a:t>Asset Allocation (2001-2019) w/ R (custom)</a:t>
+              <a:t>S&amp;P500 vs. Funded Ratio (2001-2019) w/ R (areaPlot())</a:t>
             </a:r>
           </a:p>
         </p:txBody>
       </p:sp>
       <p:pic>
         <p:nvPicPr>
-          <p:cNvPr id="3" name="Picture 1" descr="SamplePPT_files/figure-pptx/assets-1.png"/>
+          <p:cNvPr id="3" name="Picture 1" descr="SamplePPT_files/figure-pptx/sp500-1.png"/>
           <p:cNvPicPr>
             <a:picLocks noGrp="1" noChangeAspect="1"/>
           </p:cNvPicPr>
@@ -2900,40 +3437,21 @@
           </a:prstGeom>
         </p:spPr>
         <p:txBody>
-          <a:bodyPr>
-            <a:normAutofit fontScale="90000"/>
-          </a:bodyPr>
+          <a:bodyPr/>
           <a:lstStyle/>
           <a:p>
             <a:pPr marL="0" lvl="0" indent="0">
               <a:buNone/>
             </a:pPr>
             <a:r>
-              <a:rPr dirty="0"/>
-              <a:t>Change in Risk-Free Rate vs. Discount Rate (2001-20</a:t>
-            </a:r>
-            <a:r>
-              <a:rPr lang="en-US" dirty="0"/>
-              <a:t>20</a:t>
-            </a:r>
-            <a:r>
-              <a:rPr dirty="0"/>
-              <a:t>) w/ R (</a:t>
-            </a:r>
-            <a:r>
-              <a:rPr dirty="0" err="1"/>
-              <a:t>linePlot</a:t>
-            </a:r>
-            <a:r>
-              <a:rPr dirty="0"/>
-              <a:t>())</a:t>
+              <a:t>Asset Allocation (2001-2019) w/ R (custom)</a:t>
             </a:r>
           </a:p>
         </p:txBody>
       </p:sp>
       <p:pic>
         <p:nvPicPr>
-          <p:cNvPr id="3" name="Picture 1" descr="SamplePPT_files/figure-pptx/treasury-1.png"/>
+          <p:cNvPr id="3" name="Picture 1" descr="SamplePPT_files/figure-pptx/assets-1.png"/>
           <p:cNvPicPr>
             <a:picLocks noGrp="1" noChangeAspect="1"/>
           </p:cNvPicPr>
@@ -3013,14 +3531,14 @@
               <a:buNone/>
             </a:pPr>
             <a:r>
-              <a:t>Negative Amortization Growth w/ R (custom)</a:t>
+              <a:t>Change in Risk-Free Rate vs. Discount Rate (2001-2019) w/ R (linePlot())</a:t>
             </a:r>
           </a:p>
         </p:txBody>
       </p:sp>
       <p:pic>
         <p:nvPicPr>
-          <p:cNvPr id="3" name="Picture 1" descr="SamplePPT_files/figure-pptx/neg.amo-1.png"/>
+          <p:cNvPr id="3" name="Picture 1" descr="SamplePPT_files/figure-pptx/treasury-1.png"/>
           <p:cNvPicPr>
             <a:picLocks noGrp="1" noChangeAspect="1"/>
           </p:cNvPicPr>

--- a/DeckUpdate/SamplePPT.pptx
+++ b/DeckUpdate/SamplePPT.pptx
@@ -365,7 +365,7 @@
           <a:p>
             <a:fld id="{10302D39-B686-2742-A69B-CE6D46FC9A4E}" type="datetime4">
               <a:rPr lang="en-US" smtClean="0"/>
-              <a:t>January 11, 2021</a:t>
+              <a:t>January 7, 2021</a:t>
             </a:fld>
             <a:endParaRPr lang="en-US" dirty="0"/>
           </a:p>
@@ -487,6 +487,356 @@
 </p:sldLayout>
 </file>
 
+<file path=ppt/slideLayouts/slideLayout10.xml><?xml version="1.0" encoding="utf-8"?>
+<p:sldLayout xmlns:a="http://schemas.openxmlformats.org/drawingml/2006/main" xmlns:r="http://schemas.openxmlformats.org/officeDocument/2006/relationships" xmlns:p="http://schemas.openxmlformats.org/presentationml/2006/main" type="vertTx" preserve="1">
+  <p:cSld name="Title and Vertical Text">
+    <p:spTree>
+      <p:nvGrpSpPr>
+        <p:cNvPr id="1" name=""/>
+        <p:cNvGrpSpPr/>
+        <p:nvPr/>
+      </p:nvGrpSpPr>
+      <p:grpSpPr>
+        <a:xfrm>
+          <a:off x="0" y="0"/>
+          <a:ext cx="0" cy="0"/>
+          <a:chOff x="0" y="0"/>
+          <a:chExt cx="0" cy="0"/>
+        </a:xfrm>
+      </p:grpSpPr>
+      <p:sp>
+        <p:nvSpPr>
+          <p:cNvPr id="2" name="Title 1"/>
+          <p:cNvSpPr>
+            <a:spLocks noGrp="1"/>
+          </p:cNvSpPr>
+          <p:nvPr>
+            <p:ph type="title"/>
+          </p:nvPr>
+        </p:nvSpPr>
+        <p:spPr/>
+        <p:txBody>
+          <a:bodyPr/>
+          <a:lstStyle/>
+          <a:p>
+            <a:r>
+              <a:rPr lang="en-US" smtClean="0"/>
+              <a:t>Click to edit Master title style</a:t>
+            </a:r>
+            <a:endParaRPr lang="en-US"/>
+          </a:p>
+        </p:txBody>
+      </p:sp>
+      <p:sp>
+        <p:nvSpPr>
+          <p:cNvPr id="3" name="Vertical Text Placeholder 2"/>
+          <p:cNvSpPr>
+            <a:spLocks noGrp="1"/>
+          </p:cNvSpPr>
+          <p:nvPr>
+            <p:ph type="body" orient="vert" idx="1"/>
+          </p:nvPr>
+        </p:nvSpPr>
+        <p:spPr/>
+        <p:txBody>
+          <a:bodyPr vert="eaVert"/>
+          <a:lstStyle/>
+          <a:p>
+            <a:pPr lvl="0"/>
+            <a:r>
+              <a:rPr lang="en-US" smtClean="0"/>
+              <a:t>Click to edit Master text styles</a:t>
+            </a:r>
+          </a:p>
+          <a:p>
+            <a:pPr lvl="1"/>
+            <a:r>
+              <a:rPr lang="en-US" smtClean="0"/>
+              <a:t>Second level</a:t>
+            </a:r>
+          </a:p>
+          <a:p>
+            <a:pPr lvl="2"/>
+            <a:r>
+              <a:rPr lang="en-US" smtClean="0"/>
+              <a:t>Third level</a:t>
+            </a:r>
+          </a:p>
+          <a:p>
+            <a:pPr lvl="3"/>
+            <a:r>
+              <a:rPr lang="en-US" smtClean="0"/>
+              <a:t>Fourth level</a:t>
+            </a:r>
+          </a:p>
+          <a:p>
+            <a:pPr lvl="4"/>
+            <a:r>
+              <a:rPr lang="en-US" smtClean="0"/>
+              <a:t>Fifth level</a:t>
+            </a:r>
+            <a:endParaRPr lang="en-US"/>
+          </a:p>
+        </p:txBody>
+      </p:sp>
+      <p:sp>
+        <p:nvSpPr>
+          <p:cNvPr id="4" name="Date Placeholder 3"/>
+          <p:cNvSpPr>
+            <a:spLocks noGrp="1"/>
+          </p:cNvSpPr>
+          <p:nvPr>
+            <p:ph type="dt" sz="half" idx="10"/>
+          </p:nvPr>
+        </p:nvSpPr>
+        <p:spPr/>
+        <p:txBody>
+          <a:bodyPr/>
+          <a:lstStyle/>
+          <a:p>
+            <a:fld id="{241EB5C9-1307-BA42-ABA2-0BC069CD8E7F}" type="datetimeFigureOut">
+              <a:rPr lang="en-US" smtClean="0"/>
+              <a:t>4/5/2019</a:t>
+            </a:fld>
+            <a:endParaRPr lang="en-US"/>
+          </a:p>
+        </p:txBody>
+      </p:sp>
+      <p:sp>
+        <p:nvSpPr>
+          <p:cNvPr id="5" name="Footer Placeholder 4"/>
+          <p:cNvSpPr>
+            <a:spLocks noGrp="1"/>
+          </p:cNvSpPr>
+          <p:nvPr>
+            <p:ph type="ftr" sz="quarter" idx="11"/>
+          </p:nvPr>
+        </p:nvSpPr>
+        <p:spPr/>
+        <p:txBody>
+          <a:bodyPr/>
+          <a:lstStyle/>
+          <a:p>
+            <a:endParaRPr lang="en-US"/>
+          </a:p>
+        </p:txBody>
+      </p:sp>
+      <p:sp>
+        <p:nvSpPr>
+          <p:cNvPr id="6" name="Slide Number Placeholder 5"/>
+          <p:cNvSpPr>
+            <a:spLocks noGrp="1"/>
+          </p:cNvSpPr>
+          <p:nvPr>
+            <p:ph type="sldNum" sz="quarter" idx="12"/>
+          </p:nvPr>
+        </p:nvSpPr>
+        <p:spPr/>
+        <p:txBody>
+          <a:bodyPr/>
+          <a:lstStyle/>
+          <a:p>
+            <a:fld id="{C5EF2332-01BF-834F-8236-50238282D533}" type="slidenum">
+              <a:rPr lang="en-US" smtClean="0"/>
+              <a:t>‹#›</a:t>
+            </a:fld>
+            <a:endParaRPr lang="en-US"/>
+          </a:p>
+        </p:txBody>
+      </p:sp>
+    </p:spTree>
+    <p:extLst>
+      <p:ext uri="{BB962C8B-B14F-4D97-AF65-F5344CB8AC3E}">
+        <p14:creationId xmlns:p14="http://schemas.microsoft.com/office/powerpoint/2010/main" val="313914798"/>
+      </p:ext>
+    </p:extLst>
+  </p:cSld>
+  <p:clrMapOvr>
+    <a:masterClrMapping/>
+  </p:clrMapOvr>
+</p:sldLayout>
+</file>
+
+<file path=ppt/slideLayouts/slideLayout11.xml><?xml version="1.0" encoding="utf-8"?>
+<p:sldLayout xmlns:a="http://schemas.openxmlformats.org/drawingml/2006/main" xmlns:r="http://schemas.openxmlformats.org/officeDocument/2006/relationships" xmlns:p="http://schemas.openxmlformats.org/presentationml/2006/main" type="vertTitleAndTx" preserve="1">
+  <p:cSld name="Vertical Title and Text">
+    <p:spTree>
+      <p:nvGrpSpPr>
+        <p:cNvPr id="1" name=""/>
+        <p:cNvGrpSpPr/>
+        <p:nvPr/>
+      </p:nvGrpSpPr>
+      <p:grpSpPr>
+        <a:xfrm>
+          <a:off x="0" y="0"/>
+          <a:ext cx="0" cy="0"/>
+          <a:chOff x="0" y="0"/>
+          <a:chExt cx="0" cy="0"/>
+        </a:xfrm>
+      </p:grpSpPr>
+      <p:sp>
+        <p:nvSpPr>
+          <p:cNvPr id="2" name="Vertical Title 1"/>
+          <p:cNvSpPr>
+            <a:spLocks noGrp="1"/>
+          </p:cNvSpPr>
+          <p:nvPr>
+            <p:ph type="title" orient="vert"/>
+          </p:nvPr>
+        </p:nvSpPr>
+        <p:spPr>
+          <a:xfrm>
+            <a:off x="6629400" y="274638"/>
+            <a:ext cx="2057400" cy="5851525"/>
+          </a:xfrm>
+        </p:spPr>
+        <p:txBody>
+          <a:bodyPr vert="eaVert"/>
+          <a:lstStyle/>
+          <a:p>
+            <a:r>
+              <a:rPr lang="en-US" smtClean="0"/>
+              <a:t>Click to edit Master title style</a:t>
+            </a:r>
+            <a:endParaRPr lang="en-US"/>
+          </a:p>
+        </p:txBody>
+      </p:sp>
+      <p:sp>
+        <p:nvSpPr>
+          <p:cNvPr id="3" name="Vertical Text Placeholder 2"/>
+          <p:cNvSpPr>
+            <a:spLocks noGrp="1"/>
+          </p:cNvSpPr>
+          <p:nvPr>
+            <p:ph type="body" orient="vert" idx="1"/>
+          </p:nvPr>
+        </p:nvSpPr>
+        <p:spPr>
+          <a:xfrm>
+            <a:off x="457200" y="274638"/>
+            <a:ext cx="6019800" cy="5851525"/>
+          </a:xfrm>
+        </p:spPr>
+        <p:txBody>
+          <a:bodyPr vert="eaVert"/>
+          <a:lstStyle/>
+          <a:p>
+            <a:pPr lvl="0"/>
+            <a:r>
+              <a:rPr lang="en-US" smtClean="0"/>
+              <a:t>Click to edit Master text styles</a:t>
+            </a:r>
+          </a:p>
+          <a:p>
+            <a:pPr lvl="1"/>
+            <a:r>
+              <a:rPr lang="en-US" smtClean="0"/>
+              <a:t>Second level</a:t>
+            </a:r>
+          </a:p>
+          <a:p>
+            <a:pPr lvl="2"/>
+            <a:r>
+              <a:rPr lang="en-US" smtClean="0"/>
+              <a:t>Third level</a:t>
+            </a:r>
+          </a:p>
+          <a:p>
+            <a:pPr lvl="3"/>
+            <a:r>
+              <a:rPr lang="en-US" smtClean="0"/>
+              <a:t>Fourth level</a:t>
+            </a:r>
+          </a:p>
+          <a:p>
+            <a:pPr lvl="4"/>
+            <a:r>
+              <a:rPr lang="en-US" smtClean="0"/>
+              <a:t>Fifth level</a:t>
+            </a:r>
+            <a:endParaRPr lang="en-US"/>
+          </a:p>
+        </p:txBody>
+      </p:sp>
+      <p:sp>
+        <p:nvSpPr>
+          <p:cNvPr id="4" name="Date Placeholder 3"/>
+          <p:cNvSpPr>
+            <a:spLocks noGrp="1"/>
+          </p:cNvSpPr>
+          <p:nvPr>
+            <p:ph type="dt" sz="half" idx="10"/>
+          </p:nvPr>
+        </p:nvSpPr>
+        <p:spPr/>
+        <p:txBody>
+          <a:bodyPr/>
+          <a:lstStyle/>
+          <a:p>
+            <a:fld id="{241EB5C9-1307-BA42-ABA2-0BC069CD8E7F}" type="datetimeFigureOut">
+              <a:rPr lang="en-US" smtClean="0"/>
+              <a:t>4/5/2019</a:t>
+            </a:fld>
+            <a:endParaRPr lang="en-US"/>
+          </a:p>
+        </p:txBody>
+      </p:sp>
+      <p:sp>
+        <p:nvSpPr>
+          <p:cNvPr id="5" name="Footer Placeholder 4"/>
+          <p:cNvSpPr>
+            <a:spLocks noGrp="1"/>
+          </p:cNvSpPr>
+          <p:nvPr>
+            <p:ph type="ftr" sz="quarter" idx="11"/>
+          </p:nvPr>
+        </p:nvSpPr>
+        <p:spPr/>
+        <p:txBody>
+          <a:bodyPr/>
+          <a:lstStyle/>
+          <a:p>
+            <a:endParaRPr lang="en-US"/>
+          </a:p>
+        </p:txBody>
+      </p:sp>
+      <p:sp>
+        <p:nvSpPr>
+          <p:cNvPr id="6" name="Slide Number Placeholder 5"/>
+          <p:cNvSpPr>
+            <a:spLocks noGrp="1"/>
+          </p:cNvSpPr>
+          <p:nvPr>
+            <p:ph type="sldNum" sz="quarter" idx="12"/>
+          </p:nvPr>
+        </p:nvSpPr>
+        <p:spPr/>
+        <p:txBody>
+          <a:bodyPr/>
+          <a:lstStyle/>
+          <a:p>
+            <a:fld id="{C5EF2332-01BF-834F-8236-50238282D533}" type="slidenum">
+              <a:rPr lang="en-US" smtClean="0"/>
+              <a:t>‹#›</a:t>
+            </a:fld>
+            <a:endParaRPr lang="en-US"/>
+          </a:p>
+        </p:txBody>
+      </p:sp>
+    </p:spTree>
+    <p:extLst>
+      <p:ext uri="{BB962C8B-B14F-4D97-AF65-F5344CB8AC3E}">
+        <p14:creationId xmlns:p14="http://schemas.microsoft.com/office/powerpoint/2010/main" val="2581529045"/>
+      </p:ext>
+    </p:extLst>
+  </p:cSld>
+  <p:clrMapOvr>
+    <a:masterClrMapping/>
+  </p:clrMapOvr>
+</p:sldLayout>
+</file>
+
 <file path=ppt/slideLayouts/slideLayout2.xml><?xml version="1.0" encoding="utf-8"?>
 <p:sldLayout xmlns:a="http://schemas.openxmlformats.org/drawingml/2006/main" xmlns:r="http://schemas.openxmlformats.org/officeDocument/2006/relationships" xmlns:p="http://schemas.openxmlformats.org/presentationml/2006/main" preserve="1" userDrawn="1">
   <p:cSld name="Content (Text &amp; Graph)">
@@ -686,7 +1036,7 @@
           <a:p>
             <a:fld id="{585AD263-A788-3145-8D38-AEBC1D444AEE}" type="datetime4">
               <a:rPr lang="en-US" smtClean="0"/>
-              <a:t>January 11, 2021</a:t>
+              <a:t>January 7, 2021</a:t>
             </a:fld>
             <a:endParaRPr lang="en-US" dirty="0"/>
           </a:p>
@@ -976,7 +1326,7 @@
           <a:p>
             <a:fld id="{B606C5D1-9323-1B45-8355-7D55EA8EE66A}" type="datetime4">
               <a:rPr lang="en-US" smtClean="0"/>
-              <a:t>January 11, 2021</a:t>
+              <a:t>January 7, 2021</a:t>
             </a:fld>
             <a:endParaRPr lang="en-US" dirty="0"/>
           </a:p>
@@ -1224,7 +1574,7 @@
           <a:p>
             <a:fld id="{A4108F21-3CFE-3045-9ABB-E1E1413BA1A1}" type="datetime4">
               <a:rPr lang="en-US" smtClean="0"/>
-              <a:t>January 11, 2021</a:t>
+              <a:t>January 7, 2021</a:t>
             </a:fld>
             <a:endParaRPr lang="en-US" dirty="0"/>
           </a:p>
@@ -1460,6 +1810,1171 @@
 </p:sldLayout>
 </file>
 
+<file path=ppt/slideLayouts/slideLayout5.xml><?xml version="1.0" encoding="utf-8"?>
+<p:sldLayout xmlns:a="http://schemas.openxmlformats.org/drawingml/2006/main" xmlns:r="http://schemas.openxmlformats.org/officeDocument/2006/relationships" xmlns:p="http://schemas.openxmlformats.org/presentationml/2006/main" type="twoTxTwoObj" preserve="1">
+  <p:cSld name="Comparison">
+    <p:spTree>
+      <p:nvGrpSpPr>
+        <p:cNvPr id="1" name=""/>
+        <p:cNvGrpSpPr/>
+        <p:nvPr/>
+      </p:nvGrpSpPr>
+      <p:grpSpPr>
+        <a:xfrm>
+          <a:off x="0" y="0"/>
+          <a:ext cx="0" cy="0"/>
+          <a:chOff x="0" y="0"/>
+          <a:chExt cx="0" cy="0"/>
+        </a:xfrm>
+      </p:grpSpPr>
+      <p:sp>
+        <p:nvSpPr>
+          <p:cNvPr id="2" name="Title 1"/>
+          <p:cNvSpPr>
+            <a:spLocks noGrp="1"/>
+          </p:cNvSpPr>
+          <p:nvPr>
+            <p:ph type="title"/>
+          </p:nvPr>
+        </p:nvSpPr>
+        <p:spPr/>
+        <p:txBody>
+          <a:bodyPr/>
+          <a:lstStyle>
+            <a:lvl1pPr>
+              <a:defRPr/>
+            </a:lvl1pPr>
+          </a:lstStyle>
+          <a:p>
+            <a:r>
+              <a:rPr lang="en-US" smtClean="0"/>
+              <a:t>Click to edit Master title style</a:t>
+            </a:r>
+            <a:endParaRPr lang="en-US"/>
+          </a:p>
+        </p:txBody>
+      </p:sp>
+      <p:sp>
+        <p:nvSpPr>
+          <p:cNvPr id="3" name="Text Placeholder 2"/>
+          <p:cNvSpPr>
+            <a:spLocks noGrp="1"/>
+          </p:cNvSpPr>
+          <p:nvPr>
+            <p:ph type="body" idx="1"/>
+          </p:nvPr>
+        </p:nvSpPr>
+        <p:spPr>
+          <a:xfrm>
+            <a:off x="457200" y="1535113"/>
+            <a:ext cx="4040188" cy="639762"/>
+          </a:xfrm>
+        </p:spPr>
+        <p:txBody>
+          <a:bodyPr anchor="b"/>
+          <a:lstStyle>
+            <a:lvl1pPr marL="0" indent="0">
+              <a:buNone/>
+              <a:defRPr sz="2400" b="1"/>
+            </a:lvl1pPr>
+            <a:lvl2pPr marL="457200" indent="0">
+              <a:buNone/>
+              <a:defRPr sz="2000" b="1"/>
+            </a:lvl2pPr>
+            <a:lvl3pPr marL="914400" indent="0">
+              <a:buNone/>
+              <a:defRPr sz="1800" b="1"/>
+            </a:lvl3pPr>
+            <a:lvl4pPr marL="1371600" indent="0">
+              <a:buNone/>
+              <a:defRPr sz="1600" b="1"/>
+            </a:lvl4pPr>
+            <a:lvl5pPr marL="1828800" indent="0">
+              <a:buNone/>
+              <a:defRPr sz="1600" b="1"/>
+            </a:lvl5pPr>
+            <a:lvl6pPr marL="2286000" indent="0">
+              <a:buNone/>
+              <a:defRPr sz="1600" b="1"/>
+            </a:lvl6pPr>
+            <a:lvl7pPr marL="2743200" indent="0">
+              <a:buNone/>
+              <a:defRPr sz="1600" b="1"/>
+            </a:lvl7pPr>
+            <a:lvl8pPr marL="3200400" indent="0">
+              <a:buNone/>
+              <a:defRPr sz="1600" b="1"/>
+            </a:lvl8pPr>
+            <a:lvl9pPr marL="3657600" indent="0">
+              <a:buNone/>
+              <a:defRPr sz="1600" b="1"/>
+            </a:lvl9pPr>
+          </a:lstStyle>
+          <a:p>
+            <a:pPr lvl="0"/>
+            <a:r>
+              <a:rPr lang="en-US" smtClean="0"/>
+              <a:t>Click to edit Master text styles</a:t>
+            </a:r>
+          </a:p>
+        </p:txBody>
+      </p:sp>
+      <p:sp>
+        <p:nvSpPr>
+          <p:cNvPr id="4" name="Content Placeholder 3"/>
+          <p:cNvSpPr>
+            <a:spLocks noGrp="1"/>
+          </p:cNvSpPr>
+          <p:nvPr>
+            <p:ph sz="half" idx="2"/>
+          </p:nvPr>
+        </p:nvSpPr>
+        <p:spPr>
+          <a:xfrm>
+            <a:off x="457200" y="2174875"/>
+            <a:ext cx="4040188" cy="3951288"/>
+          </a:xfrm>
+        </p:spPr>
+        <p:txBody>
+          <a:bodyPr/>
+          <a:lstStyle>
+            <a:lvl1pPr>
+              <a:defRPr sz="2400"/>
+            </a:lvl1pPr>
+            <a:lvl2pPr>
+              <a:defRPr sz="2000"/>
+            </a:lvl2pPr>
+            <a:lvl3pPr>
+              <a:defRPr sz="1800"/>
+            </a:lvl3pPr>
+            <a:lvl4pPr>
+              <a:defRPr sz="1600"/>
+            </a:lvl4pPr>
+            <a:lvl5pPr>
+              <a:defRPr sz="1600"/>
+            </a:lvl5pPr>
+            <a:lvl6pPr>
+              <a:defRPr sz="1600"/>
+            </a:lvl6pPr>
+            <a:lvl7pPr>
+              <a:defRPr sz="1600"/>
+            </a:lvl7pPr>
+            <a:lvl8pPr>
+              <a:defRPr sz="1600"/>
+            </a:lvl8pPr>
+            <a:lvl9pPr>
+              <a:defRPr sz="1600"/>
+            </a:lvl9pPr>
+          </a:lstStyle>
+          <a:p>
+            <a:pPr lvl="0"/>
+            <a:r>
+              <a:rPr lang="en-US" smtClean="0"/>
+              <a:t>Click to edit Master text styles</a:t>
+            </a:r>
+          </a:p>
+          <a:p>
+            <a:pPr lvl="1"/>
+            <a:r>
+              <a:rPr lang="en-US" smtClean="0"/>
+              <a:t>Second level</a:t>
+            </a:r>
+          </a:p>
+          <a:p>
+            <a:pPr lvl="2"/>
+            <a:r>
+              <a:rPr lang="en-US" smtClean="0"/>
+              <a:t>Third level</a:t>
+            </a:r>
+          </a:p>
+          <a:p>
+            <a:pPr lvl="3"/>
+            <a:r>
+              <a:rPr lang="en-US" smtClean="0"/>
+              <a:t>Fourth level</a:t>
+            </a:r>
+          </a:p>
+          <a:p>
+            <a:pPr lvl="4"/>
+            <a:r>
+              <a:rPr lang="en-US" smtClean="0"/>
+              <a:t>Fifth level</a:t>
+            </a:r>
+            <a:endParaRPr lang="en-US"/>
+          </a:p>
+        </p:txBody>
+      </p:sp>
+      <p:sp>
+        <p:nvSpPr>
+          <p:cNvPr id="5" name="Text Placeholder 4"/>
+          <p:cNvSpPr>
+            <a:spLocks noGrp="1"/>
+          </p:cNvSpPr>
+          <p:nvPr>
+            <p:ph type="body" sz="quarter" idx="3"/>
+          </p:nvPr>
+        </p:nvSpPr>
+        <p:spPr>
+          <a:xfrm>
+            <a:off x="4645025" y="1535113"/>
+            <a:ext cx="4041775" cy="639762"/>
+          </a:xfrm>
+        </p:spPr>
+        <p:txBody>
+          <a:bodyPr anchor="b"/>
+          <a:lstStyle>
+            <a:lvl1pPr marL="0" indent="0">
+              <a:buNone/>
+              <a:defRPr sz="2400" b="1"/>
+            </a:lvl1pPr>
+            <a:lvl2pPr marL="457200" indent="0">
+              <a:buNone/>
+              <a:defRPr sz="2000" b="1"/>
+            </a:lvl2pPr>
+            <a:lvl3pPr marL="914400" indent="0">
+              <a:buNone/>
+              <a:defRPr sz="1800" b="1"/>
+            </a:lvl3pPr>
+            <a:lvl4pPr marL="1371600" indent="0">
+              <a:buNone/>
+              <a:defRPr sz="1600" b="1"/>
+            </a:lvl4pPr>
+            <a:lvl5pPr marL="1828800" indent="0">
+              <a:buNone/>
+              <a:defRPr sz="1600" b="1"/>
+            </a:lvl5pPr>
+            <a:lvl6pPr marL="2286000" indent="0">
+              <a:buNone/>
+              <a:defRPr sz="1600" b="1"/>
+            </a:lvl6pPr>
+            <a:lvl7pPr marL="2743200" indent="0">
+              <a:buNone/>
+              <a:defRPr sz="1600" b="1"/>
+            </a:lvl7pPr>
+            <a:lvl8pPr marL="3200400" indent="0">
+              <a:buNone/>
+              <a:defRPr sz="1600" b="1"/>
+            </a:lvl8pPr>
+            <a:lvl9pPr marL="3657600" indent="0">
+              <a:buNone/>
+              <a:defRPr sz="1600" b="1"/>
+            </a:lvl9pPr>
+          </a:lstStyle>
+          <a:p>
+            <a:pPr lvl="0"/>
+            <a:r>
+              <a:rPr lang="en-US" smtClean="0"/>
+              <a:t>Click to edit Master text styles</a:t>
+            </a:r>
+          </a:p>
+        </p:txBody>
+      </p:sp>
+      <p:sp>
+        <p:nvSpPr>
+          <p:cNvPr id="6" name="Content Placeholder 5"/>
+          <p:cNvSpPr>
+            <a:spLocks noGrp="1"/>
+          </p:cNvSpPr>
+          <p:nvPr>
+            <p:ph sz="quarter" idx="4"/>
+          </p:nvPr>
+        </p:nvSpPr>
+        <p:spPr>
+          <a:xfrm>
+            <a:off x="4645025" y="2174875"/>
+            <a:ext cx="4041775" cy="3951288"/>
+          </a:xfrm>
+        </p:spPr>
+        <p:txBody>
+          <a:bodyPr/>
+          <a:lstStyle>
+            <a:lvl1pPr>
+              <a:defRPr sz="2400"/>
+            </a:lvl1pPr>
+            <a:lvl2pPr>
+              <a:defRPr sz="2000"/>
+            </a:lvl2pPr>
+            <a:lvl3pPr>
+              <a:defRPr sz="1800"/>
+            </a:lvl3pPr>
+            <a:lvl4pPr>
+              <a:defRPr sz="1600"/>
+            </a:lvl4pPr>
+            <a:lvl5pPr>
+              <a:defRPr sz="1600"/>
+            </a:lvl5pPr>
+            <a:lvl6pPr>
+              <a:defRPr sz="1600"/>
+            </a:lvl6pPr>
+            <a:lvl7pPr>
+              <a:defRPr sz="1600"/>
+            </a:lvl7pPr>
+            <a:lvl8pPr>
+              <a:defRPr sz="1600"/>
+            </a:lvl8pPr>
+            <a:lvl9pPr>
+              <a:defRPr sz="1600"/>
+            </a:lvl9pPr>
+          </a:lstStyle>
+          <a:p>
+            <a:pPr lvl="0"/>
+            <a:r>
+              <a:rPr lang="en-US" smtClean="0"/>
+              <a:t>Click to edit Master text styles</a:t>
+            </a:r>
+          </a:p>
+          <a:p>
+            <a:pPr lvl="1"/>
+            <a:r>
+              <a:rPr lang="en-US" smtClean="0"/>
+              <a:t>Second level</a:t>
+            </a:r>
+          </a:p>
+          <a:p>
+            <a:pPr lvl="2"/>
+            <a:r>
+              <a:rPr lang="en-US" smtClean="0"/>
+              <a:t>Third level</a:t>
+            </a:r>
+          </a:p>
+          <a:p>
+            <a:pPr lvl="3"/>
+            <a:r>
+              <a:rPr lang="en-US" smtClean="0"/>
+              <a:t>Fourth level</a:t>
+            </a:r>
+          </a:p>
+          <a:p>
+            <a:pPr lvl="4"/>
+            <a:r>
+              <a:rPr lang="en-US" smtClean="0"/>
+              <a:t>Fifth level</a:t>
+            </a:r>
+            <a:endParaRPr lang="en-US"/>
+          </a:p>
+        </p:txBody>
+      </p:sp>
+      <p:sp>
+        <p:nvSpPr>
+          <p:cNvPr id="7" name="Date Placeholder 6"/>
+          <p:cNvSpPr>
+            <a:spLocks noGrp="1"/>
+          </p:cNvSpPr>
+          <p:nvPr>
+            <p:ph type="dt" sz="half" idx="10"/>
+          </p:nvPr>
+        </p:nvSpPr>
+        <p:spPr/>
+        <p:txBody>
+          <a:bodyPr/>
+          <a:lstStyle/>
+          <a:p>
+            <a:fld id="{241EB5C9-1307-BA42-ABA2-0BC069CD8E7F}" type="datetimeFigureOut">
+              <a:rPr lang="en-US" smtClean="0"/>
+              <a:t>4/5/2019</a:t>
+            </a:fld>
+            <a:endParaRPr lang="en-US"/>
+          </a:p>
+        </p:txBody>
+      </p:sp>
+      <p:sp>
+        <p:nvSpPr>
+          <p:cNvPr id="8" name="Footer Placeholder 7"/>
+          <p:cNvSpPr>
+            <a:spLocks noGrp="1"/>
+          </p:cNvSpPr>
+          <p:nvPr>
+            <p:ph type="ftr" sz="quarter" idx="11"/>
+          </p:nvPr>
+        </p:nvSpPr>
+        <p:spPr/>
+        <p:txBody>
+          <a:bodyPr/>
+          <a:lstStyle/>
+          <a:p>
+            <a:endParaRPr lang="en-US"/>
+          </a:p>
+        </p:txBody>
+      </p:sp>
+      <p:sp>
+        <p:nvSpPr>
+          <p:cNvPr id="9" name="Slide Number Placeholder 8"/>
+          <p:cNvSpPr>
+            <a:spLocks noGrp="1"/>
+          </p:cNvSpPr>
+          <p:nvPr>
+            <p:ph type="sldNum" sz="quarter" idx="12"/>
+          </p:nvPr>
+        </p:nvSpPr>
+        <p:spPr/>
+        <p:txBody>
+          <a:bodyPr/>
+          <a:lstStyle/>
+          <a:p>
+            <a:fld id="{C5EF2332-01BF-834F-8236-50238282D533}" type="slidenum">
+              <a:rPr lang="en-US" smtClean="0"/>
+              <a:t>‹#›</a:t>
+            </a:fld>
+            <a:endParaRPr lang="en-US"/>
+          </a:p>
+        </p:txBody>
+      </p:sp>
+    </p:spTree>
+    <p:extLst>
+      <p:ext uri="{BB962C8B-B14F-4D97-AF65-F5344CB8AC3E}">
+        <p14:creationId xmlns:p14="http://schemas.microsoft.com/office/powerpoint/2010/main" val="2535793967"/>
+      </p:ext>
+    </p:extLst>
+  </p:cSld>
+  <p:clrMapOvr>
+    <a:masterClrMapping/>
+  </p:clrMapOvr>
+</p:sldLayout>
+</file>
+
+<file path=ppt/slideLayouts/slideLayout6.xml><?xml version="1.0" encoding="utf-8"?>
+<p:sldLayout xmlns:a="http://schemas.openxmlformats.org/drawingml/2006/main" xmlns:r="http://schemas.openxmlformats.org/officeDocument/2006/relationships" xmlns:p="http://schemas.openxmlformats.org/presentationml/2006/main" type="titleOnly" preserve="1">
+  <p:cSld name="Title Only">
+    <p:spTree>
+      <p:nvGrpSpPr>
+        <p:cNvPr id="1" name=""/>
+        <p:cNvGrpSpPr/>
+        <p:nvPr/>
+      </p:nvGrpSpPr>
+      <p:grpSpPr>
+        <a:xfrm>
+          <a:off x="0" y="0"/>
+          <a:ext cx="0" cy="0"/>
+          <a:chOff x="0" y="0"/>
+          <a:chExt cx="0" cy="0"/>
+        </a:xfrm>
+      </p:grpSpPr>
+      <p:sp>
+        <p:nvSpPr>
+          <p:cNvPr id="2" name="Title 1"/>
+          <p:cNvSpPr>
+            <a:spLocks noGrp="1"/>
+          </p:cNvSpPr>
+          <p:nvPr>
+            <p:ph type="title"/>
+          </p:nvPr>
+        </p:nvSpPr>
+        <p:spPr/>
+        <p:txBody>
+          <a:bodyPr/>
+          <a:lstStyle/>
+          <a:p>
+            <a:r>
+              <a:rPr lang="en-US" smtClean="0"/>
+              <a:t>Click to edit Master title style</a:t>
+            </a:r>
+            <a:endParaRPr lang="en-US"/>
+          </a:p>
+        </p:txBody>
+      </p:sp>
+      <p:sp>
+        <p:nvSpPr>
+          <p:cNvPr id="3" name="Date Placeholder 2"/>
+          <p:cNvSpPr>
+            <a:spLocks noGrp="1"/>
+          </p:cNvSpPr>
+          <p:nvPr>
+            <p:ph type="dt" sz="half" idx="10"/>
+          </p:nvPr>
+        </p:nvSpPr>
+        <p:spPr/>
+        <p:txBody>
+          <a:bodyPr/>
+          <a:lstStyle/>
+          <a:p>
+            <a:fld id="{241EB5C9-1307-BA42-ABA2-0BC069CD8E7F}" type="datetimeFigureOut">
+              <a:rPr lang="en-US" smtClean="0"/>
+              <a:t>4/5/2019</a:t>
+            </a:fld>
+            <a:endParaRPr lang="en-US"/>
+          </a:p>
+        </p:txBody>
+      </p:sp>
+      <p:sp>
+        <p:nvSpPr>
+          <p:cNvPr id="4" name="Footer Placeholder 3"/>
+          <p:cNvSpPr>
+            <a:spLocks noGrp="1"/>
+          </p:cNvSpPr>
+          <p:nvPr>
+            <p:ph type="ftr" sz="quarter" idx="11"/>
+          </p:nvPr>
+        </p:nvSpPr>
+        <p:spPr/>
+        <p:txBody>
+          <a:bodyPr/>
+          <a:lstStyle/>
+          <a:p>
+            <a:endParaRPr lang="en-US"/>
+          </a:p>
+        </p:txBody>
+      </p:sp>
+      <p:sp>
+        <p:nvSpPr>
+          <p:cNvPr id="5" name="Slide Number Placeholder 4"/>
+          <p:cNvSpPr>
+            <a:spLocks noGrp="1"/>
+          </p:cNvSpPr>
+          <p:nvPr>
+            <p:ph type="sldNum" sz="quarter" idx="12"/>
+          </p:nvPr>
+        </p:nvSpPr>
+        <p:spPr/>
+        <p:txBody>
+          <a:bodyPr/>
+          <a:lstStyle/>
+          <a:p>
+            <a:fld id="{C5EF2332-01BF-834F-8236-50238282D533}" type="slidenum">
+              <a:rPr lang="en-US" smtClean="0"/>
+              <a:t>‹#›</a:t>
+            </a:fld>
+            <a:endParaRPr lang="en-US"/>
+          </a:p>
+        </p:txBody>
+      </p:sp>
+    </p:spTree>
+    <p:extLst>
+      <p:ext uri="{BB962C8B-B14F-4D97-AF65-F5344CB8AC3E}">
+        <p14:creationId xmlns:p14="http://schemas.microsoft.com/office/powerpoint/2010/main" val="3472721253"/>
+      </p:ext>
+    </p:extLst>
+  </p:cSld>
+  <p:clrMapOvr>
+    <a:masterClrMapping/>
+  </p:clrMapOvr>
+</p:sldLayout>
+</file>
+
+<file path=ppt/slideLayouts/slideLayout7.xml><?xml version="1.0" encoding="utf-8"?>
+<p:sldLayout xmlns:a="http://schemas.openxmlformats.org/drawingml/2006/main" xmlns:r="http://schemas.openxmlformats.org/officeDocument/2006/relationships" xmlns:p="http://schemas.openxmlformats.org/presentationml/2006/main" type="blank" preserve="1">
+  <p:cSld name="Blank">
+    <p:spTree>
+      <p:nvGrpSpPr>
+        <p:cNvPr id="1" name=""/>
+        <p:cNvGrpSpPr/>
+        <p:nvPr/>
+      </p:nvGrpSpPr>
+      <p:grpSpPr>
+        <a:xfrm>
+          <a:off x="0" y="0"/>
+          <a:ext cx="0" cy="0"/>
+          <a:chOff x="0" y="0"/>
+          <a:chExt cx="0" cy="0"/>
+        </a:xfrm>
+      </p:grpSpPr>
+      <p:sp>
+        <p:nvSpPr>
+          <p:cNvPr id="2" name="Date Placeholder 1"/>
+          <p:cNvSpPr>
+            <a:spLocks noGrp="1"/>
+          </p:cNvSpPr>
+          <p:nvPr>
+            <p:ph type="dt" sz="half" idx="10"/>
+          </p:nvPr>
+        </p:nvSpPr>
+        <p:spPr/>
+        <p:txBody>
+          <a:bodyPr/>
+          <a:lstStyle/>
+          <a:p>
+            <a:fld id="{241EB5C9-1307-BA42-ABA2-0BC069CD8E7F}" type="datetimeFigureOut">
+              <a:rPr lang="en-US" smtClean="0"/>
+              <a:t>4/5/2019</a:t>
+            </a:fld>
+            <a:endParaRPr lang="en-US"/>
+          </a:p>
+        </p:txBody>
+      </p:sp>
+      <p:sp>
+        <p:nvSpPr>
+          <p:cNvPr id="3" name="Footer Placeholder 2"/>
+          <p:cNvSpPr>
+            <a:spLocks noGrp="1"/>
+          </p:cNvSpPr>
+          <p:nvPr>
+            <p:ph type="ftr" sz="quarter" idx="11"/>
+          </p:nvPr>
+        </p:nvSpPr>
+        <p:spPr/>
+        <p:txBody>
+          <a:bodyPr/>
+          <a:lstStyle/>
+          <a:p>
+            <a:endParaRPr lang="en-US"/>
+          </a:p>
+        </p:txBody>
+      </p:sp>
+      <p:sp>
+        <p:nvSpPr>
+          <p:cNvPr id="4" name="Slide Number Placeholder 3"/>
+          <p:cNvSpPr>
+            <a:spLocks noGrp="1"/>
+          </p:cNvSpPr>
+          <p:nvPr>
+            <p:ph type="sldNum" sz="quarter" idx="12"/>
+          </p:nvPr>
+        </p:nvSpPr>
+        <p:spPr/>
+        <p:txBody>
+          <a:bodyPr/>
+          <a:lstStyle/>
+          <a:p>
+            <a:fld id="{C5EF2332-01BF-834F-8236-50238282D533}" type="slidenum">
+              <a:rPr lang="en-US" smtClean="0"/>
+              <a:t>‹#›</a:t>
+            </a:fld>
+            <a:endParaRPr lang="en-US"/>
+          </a:p>
+        </p:txBody>
+      </p:sp>
+    </p:spTree>
+    <p:extLst>
+      <p:ext uri="{BB962C8B-B14F-4D97-AF65-F5344CB8AC3E}">
+        <p14:creationId xmlns:p14="http://schemas.microsoft.com/office/powerpoint/2010/main" val="2130901097"/>
+      </p:ext>
+    </p:extLst>
+  </p:cSld>
+  <p:clrMapOvr>
+    <a:masterClrMapping/>
+  </p:clrMapOvr>
+</p:sldLayout>
+</file>
+
+<file path=ppt/slideLayouts/slideLayout8.xml><?xml version="1.0" encoding="utf-8"?>
+<p:sldLayout xmlns:a="http://schemas.openxmlformats.org/drawingml/2006/main" xmlns:r="http://schemas.openxmlformats.org/officeDocument/2006/relationships" xmlns:p="http://schemas.openxmlformats.org/presentationml/2006/main" type="objTx" preserve="1">
+  <p:cSld name="Content with Caption">
+    <p:spTree>
+      <p:nvGrpSpPr>
+        <p:cNvPr id="1" name=""/>
+        <p:cNvGrpSpPr/>
+        <p:nvPr/>
+      </p:nvGrpSpPr>
+      <p:grpSpPr>
+        <a:xfrm>
+          <a:off x="0" y="0"/>
+          <a:ext cx="0" cy="0"/>
+          <a:chOff x="0" y="0"/>
+          <a:chExt cx="0" cy="0"/>
+        </a:xfrm>
+      </p:grpSpPr>
+      <p:sp>
+        <p:nvSpPr>
+          <p:cNvPr id="2" name="Title 1"/>
+          <p:cNvSpPr>
+            <a:spLocks noGrp="1"/>
+          </p:cNvSpPr>
+          <p:nvPr>
+            <p:ph type="title"/>
+          </p:nvPr>
+        </p:nvSpPr>
+        <p:spPr>
+          <a:xfrm>
+            <a:off x="457200" y="273050"/>
+            <a:ext cx="3008313" cy="1162050"/>
+          </a:xfrm>
+        </p:spPr>
+        <p:txBody>
+          <a:bodyPr anchor="b"/>
+          <a:lstStyle>
+            <a:lvl1pPr algn="l">
+              <a:defRPr sz="2000" b="1"/>
+            </a:lvl1pPr>
+          </a:lstStyle>
+          <a:p>
+            <a:r>
+              <a:rPr lang="en-US" smtClean="0"/>
+              <a:t>Click to edit Master title style</a:t>
+            </a:r>
+            <a:endParaRPr lang="en-US"/>
+          </a:p>
+        </p:txBody>
+      </p:sp>
+      <p:sp>
+        <p:nvSpPr>
+          <p:cNvPr id="3" name="Content Placeholder 2"/>
+          <p:cNvSpPr>
+            <a:spLocks noGrp="1"/>
+          </p:cNvSpPr>
+          <p:nvPr>
+            <p:ph idx="1"/>
+          </p:nvPr>
+        </p:nvSpPr>
+        <p:spPr>
+          <a:xfrm>
+            <a:off x="3575050" y="273050"/>
+            <a:ext cx="5111750" cy="5853113"/>
+          </a:xfrm>
+        </p:spPr>
+        <p:txBody>
+          <a:bodyPr/>
+          <a:lstStyle>
+            <a:lvl1pPr>
+              <a:defRPr sz="3200"/>
+            </a:lvl1pPr>
+            <a:lvl2pPr>
+              <a:defRPr sz="2800"/>
+            </a:lvl2pPr>
+            <a:lvl3pPr>
+              <a:defRPr sz="2400"/>
+            </a:lvl3pPr>
+            <a:lvl4pPr>
+              <a:defRPr sz="2000"/>
+            </a:lvl4pPr>
+            <a:lvl5pPr>
+              <a:defRPr sz="2000"/>
+            </a:lvl5pPr>
+            <a:lvl6pPr>
+              <a:defRPr sz="2000"/>
+            </a:lvl6pPr>
+            <a:lvl7pPr>
+              <a:defRPr sz="2000"/>
+            </a:lvl7pPr>
+            <a:lvl8pPr>
+              <a:defRPr sz="2000"/>
+            </a:lvl8pPr>
+            <a:lvl9pPr>
+              <a:defRPr sz="2000"/>
+            </a:lvl9pPr>
+          </a:lstStyle>
+          <a:p>
+            <a:pPr lvl="0"/>
+            <a:r>
+              <a:rPr lang="en-US" smtClean="0"/>
+              <a:t>Click to edit Master text styles</a:t>
+            </a:r>
+          </a:p>
+          <a:p>
+            <a:pPr lvl="1"/>
+            <a:r>
+              <a:rPr lang="en-US" smtClean="0"/>
+              <a:t>Second level</a:t>
+            </a:r>
+          </a:p>
+          <a:p>
+            <a:pPr lvl="2"/>
+            <a:r>
+              <a:rPr lang="en-US" smtClean="0"/>
+              <a:t>Third level</a:t>
+            </a:r>
+          </a:p>
+          <a:p>
+            <a:pPr lvl="3"/>
+            <a:r>
+              <a:rPr lang="en-US" smtClean="0"/>
+              <a:t>Fourth level</a:t>
+            </a:r>
+          </a:p>
+          <a:p>
+            <a:pPr lvl="4"/>
+            <a:r>
+              <a:rPr lang="en-US" smtClean="0"/>
+              <a:t>Fifth level</a:t>
+            </a:r>
+            <a:endParaRPr lang="en-US"/>
+          </a:p>
+        </p:txBody>
+      </p:sp>
+      <p:sp>
+        <p:nvSpPr>
+          <p:cNvPr id="4" name="Text Placeholder 3"/>
+          <p:cNvSpPr>
+            <a:spLocks noGrp="1"/>
+          </p:cNvSpPr>
+          <p:nvPr>
+            <p:ph type="body" sz="half" idx="2"/>
+          </p:nvPr>
+        </p:nvSpPr>
+        <p:spPr>
+          <a:xfrm>
+            <a:off x="457200" y="1435100"/>
+            <a:ext cx="3008313" cy="4691063"/>
+          </a:xfrm>
+        </p:spPr>
+        <p:txBody>
+          <a:bodyPr/>
+          <a:lstStyle>
+            <a:lvl1pPr marL="0" indent="0">
+              <a:buNone/>
+              <a:defRPr sz="1400"/>
+            </a:lvl1pPr>
+            <a:lvl2pPr marL="457200" indent="0">
+              <a:buNone/>
+              <a:defRPr sz="1200"/>
+            </a:lvl2pPr>
+            <a:lvl3pPr marL="914400" indent="0">
+              <a:buNone/>
+              <a:defRPr sz="1000"/>
+            </a:lvl3pPr>
+            <a:lvl4pPr marL="1371600" indent="0">
+              <a:buNone/>
+              <a:defRPr sz="900"/>
+            </a:lvl4pPr>
+            <a:lvl5pPr marL="1828800" indent="0">
+              <a:buNone/>
+              <a:defRPr sz="900"/>
+            </a:lvl5pPr>
+            <a:lvl6pPr marL="2286000" indent="0">
+              <a:buNone/>
+              <a:defRPr sz="900"/>
+            </a:lvl6pPr>
+            <a:lvl7pPr marL="2743200" indent="0">
+              <a:buNone/>
+              <a:defRPr sz="900"/>
+            </a:lvl7pPr>
+            <a:lvl8pPr marL="3200400" indent="0">
+              <a:buNone/>
+              <a:defRPr sz="900"/>
+            </a:lvl8pPr>
+            <a:lvl9pPr marL="3657600" indent="0">
+              <a:buNone/>
+              <a:defRPr sz="900"/>
+            </a:lvl9pPr>
+          </a:lstStyle>
+          <a:p>
+            <a:pPr lvl="0"/>
+            <a:r>
+              <a:rPr lang="en-US" smtClean="0"/>
+              <a:t>Click to edit Master text styles</a:t>
+            </a:r>
+          </a:p>
+        </p:txBody>
+      </p:sp>
+      <p:sp>
+        <p:nvSpPr>
+          <p:cNvPr id="5" name="Date Placeholder 4"/>
+          <p:cNvSpPr>
+            <a:spLocks noGrp="1"/>
+          </p:cNvSpPr>
+          <p:nvPr>
+            <p:ph type="dt" sz="half" idx="10"/>
+          </p:nvPr>
+        </p:nvSpPr>
+        <p:spPr/>
+        <p:txBody>
+          <a:bodyPr/>
+          <a:lstStyle/>
+          <a:p>
+            <a:fld id="{241EB5C9-1307-BA42-ABA2-0BC069CD8E7F}" type="datetimeFigureOut">
+              <a:rPr lang="en-US" smtClean="0"/>
+              <a:t>4/5/2019</a:t>
+            </a:fld>
+            <a:endParaRPr lang="en-US"/>
+          </a:p>
+        </p:txBody>
+      </p:sp>
+      <p:sp>
+        <p:nvSpPr>
+          <p:cNvPr id="6" name="Footer Placeholder 5"/>
+          <p:cNvSpPr>
+            <a:spLocks noGrp="1"/>
+          </p:cNvSpPr>
+          <p:nvPr>
+            <p:ph type="ftr" sz="quarter" idx="11"/>
+          </p:nvPr>
+        </p:nvSpPr>
+        <p:spPr/>
+        <p:txBody>
+          <a:bodyPr/>
+          <a:lstStyle/>
+          <a:p>
+            <a:endParaRPr lang="en-US"/>
+          </a:p>
+        </p:txBody>
+      </p:sp>
+      <p:sp>
+        <p:nvSpPr>
+          <p:cNvPr id="7" name="Slide Number Placeholder 6"/>
+          <p:cNvSpPr>
+            <a:spLocks noGrp="1"/>
+          </p:cNvSpPr>
+          <p:nvPr>
+            <p:ph type="sldNum" sz="quarter" idx="12"/>
+          </p:nvPr>
+        </p:nvSpPr>
+        <p:spPr/>
+        <p:txBody>
+          <a:bodyPr/>
+          <a:lstStyle/>
+          <a:p>
+            <a:fld id="{C5EF2332-01BF-834F-8236-50238282D533}" type="slidenum">
+              <a:rPr lang="en-US" smtClean="0"/>
+              <a:t>‹#›</a:t>
+            </a:fld>
+            <a:endParaRPr lang="en-US"/>
+          </a:p>
+        </p:txBody>
+      </p:sp>
+    </p:spTree>
+    <p:extLst>
+      <p:ext uri="{BB962C8B-B14F-4D97-AF65-F5344CB8AC3E}">
+        <p14:creationId xmlns:p14="http://schemas.microsoft.com/office/powerpoint/2010/main" val="3540895647"/>
+      </p:ext>
+    </p:extLst>
+  </p:cSld>
+  <p:clrMapOvr>
+    <a:masterClrMapping/>
+  </p:clrMapOvr>
+</p:sldLayout>
+</file>
+
+<file path=ppt/slideLayouts/slideLayout9.xml><?xml version="1.0" encoding="utf-8"?>
+<p:sldLayout xmlns:a="http://schemas.openxmlformats.org/drawingml/2006/main" xmlns:r="http://schemas.openxmlformats.org/officeDocument/2006/relationships" xmlns:p="http://schemas.openxmlformats.org/presentationml/2006/main" type="picTx" preserve="1">
+  <p:cSld name="Picture with Caption">
+    <p:spTree>
+      <p:nvGrpSpPr>
+        <p:cNvPr id="1" name=""/>
+        <p:cNvGrpSpPr/>
+        <p:nvPr/>
+      </p:nvGrpSpPr>
+      <p:grpSpPr>
+        <a:xfrm>
+          <a:off x="0" y="0"/>
+          <a:ext cx="0" cy="0"/>
+          <a:chOff x="0" y="0"/>
+          <a:chExt cx="0" cy="0"/>
+        </a:xfrm>
+      </p:grpSpPr>
+      <p:sp>
+        <p:nvSpPr>
+          <p:cNvPr id="2" name="Title 1"/>
+          <p:cNvSpPr>
+            <a:spLocks noGrp="1"/>
+          </p:cNvSpPr>
+          <p:nvPr>
+            <p:ph type="title"/>
+          </p:nvPr>
+        </p:nvSpPr>
+        <p:spPr>
+          <a:xfrm>
+            <a:off x="1792288" y="4800600"/>
+            <a:ext cx="5486400" cy="566738"/>
+          </a:xfrm>
+        </p:spPr>
+        <p:txBody>
+          <a:bodyPr anchor="b"/>
+          <a:lstStyle>
+            <a:lvl1pPr algn="l">
+              <a:defRPr sz="2000" b="1"/>
+            </a:lvl1pPr>
+          </a:lstStyle>
+          <a:p>
+            <a:r>
+              <a:rPr lang="en-US" smtClean="0"/>
+              <a:t>Click to edit Master title style</a:t>
+            </a:r>
+            <a:endParaRPr lang="en-US"/>
+          </a:p>
+        </p:txBody>
+      </p:sp>
+      <p:sp>
+        <p:nvSpPr>
+          <p:cNvPr id="3" name="Picture Placeholder 2"/>
+          <p:cNvSpPr>
+            <a:spLocks noGrp="1"/>
+          </p:cNvSpPr>
+          <p:nvPr>
+            <p:ph type="pic" idx="1"/>
+          </p:nvPr>
+        </p:nvSpPr>
+        <p:spPr>
+          <a:xfrm>
+            <a:off x="1792288" y="612775"/>
+            <a:ext cx="5486400" cy="4114800"/>
+          </a:xfrm>
+        </p:spPr>
+        <p:txBody>
+          <a:bodyPr/>
+          <a:lstStyle>
+            <a:lvl1pPr marL="0" indent="0">
+              <a:buNone/>
+              <a:defRPr sz="3200"/>
+            </a:lvl1pPr>
+            <a:lvl2pPr marL="457200" indent="0">
+              <a:buNone/>
+              <a:defRPr sz="2800"/>
+            </a:lvl2pPr>
+            <a:lvl3pPr marL="914400" indent="0">
+              <a:buNone/>
+              <a:defRPr sz="2400"/>
+            </a:lvl3pPr>
+            <a:lvl4pPr marL="1371600" indent="0">
+              <a:buNone/>
+              <a:defRPr sz="2000"/>
+            </a:lvl4pPr>
+            <a:lvl5pPr marL="1828800" indent="0">
+              <a:buNone/>
+              <a:defRPr sz="2000"/>
+            </a:lvl5pPr>
+            <a:lvl6pPr marL="2286000" indent="0">
+              <a:buNone/>
+              <a:defRPr sz="2000"/>
+            </a:lvl6pPr>
+            <a:lvl7pPr marL="2743200" indent="0">
+              <a:buNone/>
+              <a:defRPr sz="2000"/>
+            </a:lvl7pPr>
+            <a:lvl8pPr marL="3200400" indent="0">
+              <a:buNone/>
+              <a:defRPr sz="2000"/>
+            </a:lvl8pPr>
+            <a:lvl9pPr marL="3657600" indent="0">
+              <a:buNone/>
+              <a:defRPr sz="2000"/>
+            </a:lvl9pPr>
+          </a:lstStyle>
+          <a:p>
+            <a:endParaRPr lang="en-US"/>
+          </a:p>
+        </p:txBody>
+      </p:sp>
+      <p:sp>
+        <p:nvSpPr>
+          <p:cNvPr id="4" name="Text Placeholder 3"/>
+          <p:cNvSpPr>
+            <a:spLocks noGrp="1"/>
+          </p:cNvSpPr>
+          <p:nvPr>
+            <p:ph type="body" sz="half" idx="2"/>
+          </p:nvPr>
+        </p:nvSpPr>
+        <p:spPr>
+          <a:xfrm>
+            <a:off x="1792288" y="5367338"/>
+            <a:ext cx="5486400" cy="804862"/>
+          </a:xfrm>
+        </p:spPr>
+        <p:txBody>
+          <a:bodyPr/>
+          <a:lstStyle>
+            <a:lvl1pPr marL="0" indent="0">
+              <a:buNone/>
+              <a:defRPr sz="1400"/>
+            </a:lvl1pPr>
+            <a:lvl2pPr marL="457200" indent="0">
+              <a:buNone/>
+              <a:defRPr sz="1200"/>
+            </a:lvl2pPr>
+            <a:lvl3pPr marL="914400" indent="0">
+              <a:buNone/>
+              <a:defRPr sz="1000"/>
+            </a:lvl3pPr>
+            <a:lvl4pPr marL="1371600" indent="0">
+              <a:buNone/>
+              <a:defRPr sz="900"/>
+            </a:lvl4pPr>
+            <a:lvl5pPr marL="1828800" indent="0">
+              <a:buNone/>
+              <a:defRPr sz="900"/>
+            </a:lvl5pPr>
+            <a:lvl6pPr marL="2286000" indent="0">
+              <a:buNone/>
+              <a:defRPr sz="900"/>
+            </a:lvl6pPr>
+            <a:lvl7pPr marL="2743200" indent="0">
+              <a:buNone/>
+              <a:defRPr sz="900"/>
+            </a:lvl7pPr>
+            <a:lvl8pPr marL="3200400" indent="0">
+              <a:buNone/>
+              <a:defRPr sz="900"/>
+            </a:lvl8pPr>
+            <a:lvl9pPr marL="3657600" indent="0">
+              <a:buNone/>
+              <a:defRPr sz="900"/>
+            </a:lvl9pPr>
+          </a:lstStyle>
+          <a:p>
+            <a:pPr lvl="0"/>
+            <a:r>
+              <a:rPr lang="en-US" smtClean="0"/>
+              <a:t>Click to edit Master text styles</a:t>
+            </a:r>
+          </a:p>
+        </p:txBody>
+      </p:sp>
+      <p:sp>
+        <p:nvSpPr>
+          <p:cNvPr id="5" name="Date Placeholder 4"/>
+          <p:cNvSpPr>
+            <a:spLocks noGrp="1"/>
+          </p:cNvSpPr>
+          <p:nvPr>
+            <p:ph type="dt" sz="half" idx="10"/>
+          </p:nvPr>
+        </p:nvSpPr>
+        <p:spPr/>
+        <p:txBody>
+          <a:bodyPr/>
+          <a:lstStyle/>
+          <a:p>
+            <a:fld id="{241EB5C9-1307-BA42-ABA2-0BC069CD8E7F}" type="datetimeFigureOut">
+              <a:rPr lang="en-US" smtClean="0"/>
+              <a:t>4/5/2019</a:t>
+            </a:fld>
+            <a:endParaRPr lang="en-US"/>
+          </a:p>
+        </p:txBody>
+      </p:sp>
+      <p:sp>
+        <p:nvSpPr>
+          <p:cNvPr id="6" name="Footer Placeholder 5"/>
+          <p:cNvSpPr>
+            <a:spLocks noGrp="1"/>
+          </p:cNvSpPr>
+          <p:nvPr>
+            <p:ph type="ftr" sz="quarter" idx="11"/>
+          </p:nvPr>
+        </p:nvSpPr>
+        <p:spPr/>
+        <p:txBody>
+          <a:bodyPr/>
+          <a:lstStyle/>
+          <a:p>
+            <a:endParaRPr lang="en-US"/>
+          </a:p>
+        </p:txBody>
+      </p:sp>
+      <p:sp>
+        <p:nvSpPr>
+          <p:cNvPr id="7" name="Slide Number Placeholder 6"/>
+          <p:cNvSpPr>
+            <a:spLocks noGrp="1"/>
+          </p:cNvSpPr>
+          <p:nvPr>
+            <p:ph type="sldNum" sz="quarter" idx="12"/>
+          </p:nvPr>
+        </p:nvSpPr>
+        <p:spPr/>
+        <p:txBody>
+          <a:bodyPr/>
+          <a:lstStyle/>
+          <a:p>
+            <a:fld id="{C5EF2332-01BF-834F-8236-50238282D533}" type="slidenum">
+              <a:rPr lang="en-US" smtClean="0"/>
+              <a:t>‹#›</a:t>
+            </a:fld>
+            <a:endParaRPr lang="en-US"/>
+          </a:p>
+        </p:txBody>
+      </p:sp>
+    </p:spTree>
+    <p:extLst>
+      <p:ext uri="{BB962C8B-B14F-4D97-AF65-F5344CB8AC3E}">
+        <p14:creationId xmlns:p14="http://schemas.microsoft.com/office/powerpoint/2010/main" val="3566899855"/>
+      </p:ext>
+    </p:extLst>
+  </p:cSld>
+  <p:clrMapOvr>
+    <a:masterClrMapping/>
+  </p:clrMapOvr>
+</p:sldLayout>
+</file>
+
 <file path=ppt/slideMasters/slideMaster1.xml><?xml version="1.0" encoding="utf-8"?>
 <p:sldMaster xmlns:a="http://schemas.openxmlformats.org/drawingml/2006/main" xmlns:r="http://schemas.openxmlformats.org/officeDocument/2006/relationships" xmlns:p="http://schemas.openxmlformats.org/presentationml/2006/main">
   <p:cSld>
@@ -1672,7 +3187,7 @@
           <a:p>
             <a:fld id="{5EF76A7A-0506-6C4D-8382-BFC753915B9A}" type="datetime4">
               <a:rPr lang="en-US" smtClean="0"/>
-              <a:t>January 11, 2021</a:t>
+              <a:t>January 7, 2021</a:t>
             </a:fld>
             <a:endParaRPr lang="en-US" dirty="0"/>
           </a:p>
@@ -2126,11 +3641,28 @@
           <a:bodyPr/>
           <a:lstStyle/>
           <a:p>
-            <a:pPr marL="0" lvl="0" indent="0">
+            <a:pPr lvl="0" marL="0" indent="0">
               <a:buNone/>
             </a:pPr>
             <a:r>
-              <a:t>Sample_PPT (PERSI graphs)</a:t>
+              <a:rPr/>
+              <a:t>Sample_PPT</a:t>
+            </a:r>
+            <a:r>
+              <a:rPr/>
+              <a:t> </a:t>
+            </a:r>
+            <a:r>
+              <a:rPr/>
+              <a:t>(PERSI</a:t>
+            </a:r>
+            <a:r>
+              <a:rPr/>
+              <a:t> </a:t>
+            </a:r>
+            <a:r>
+              <a:rPr/>
+              <a:t>graphs)</a:t>
             </a:r>
           </a:p>
         </p:txBody>
@@ -2155,13 +3687,46 @@
           <a:bodyPr/>
           <a:lstStyle/>
           <a:p>
-            <a:pPr marL="0" lvl="0" indent="0">
+            <a:pPr lvl="0" marL="0" indent="0">
               <a:buNone/>
             </a:pPr>
             <a:br/>
             <a:br/>
             <a:r>
-              <a:t>Anil, Swaroop, Jen &amp; Jordan</a:t>
+              <a:rPr/>
+              <a:t>Anil,</a:t>
+            </a:r>
+            <a:r>
+              <a:rPr/>
+              <a:t> </a:t>
+            </a:r>
+            <a:r>
+              <a:rPr/>
+              <a:t>Swaroop,</a:t>
+            </a:r>
+            <a:r>
+              <a:rPr/>
+              <a:t> </a:t>
+            </a:r>
+            <a:r>
+              <a:rPr/>
+              <a:t>Jen</a:t>
+            </a:r>
+            <a:r>
+              <a:rPr/>
+              <a:t> </a:t>
+            </a:r>
+            <a:r>
+              <a:rPr/>
+              <a:t>&amp;</a:t>
+            </a:r>
+            <a:r>
+              <a:rPr/>
+              <a:t> </a:t>
+            </a:r>
+            <a:r>
+              <a:rPr/>
+              <a:t>Jordan</a:t>
             </a:r>
           </a:p>
         </p:txBody>
@@ -2181,10 +3746,11 @@
           <a:bodyPr/>
           <a:lstStyle/>
           <a:p>
-            <a:pPr marL="0" lvl="0" indent="0">
+            <a:pPr lvl="0" marL="0" indent="0">
               <a:buNone/>
             </a:pPr>
             <a:r>
+              <a:rPr/>
               <a:t>01/05/2021</a:t>
             </a:r>
           </a:p>
@@ -2192,9 +3758,6 @@
       </p:sp>
     </p:spTree>
   </p:cSld>
-  <p:clrMapOvr>
-    <a:masterClrMapping/>
-  </p:clrMapOvr>
 </p:sld>
 </file>
 
@@ -2238,18 +3801,59 @@
           <a:bodyPr/>
           <a:lstStyle/>
           <a:p>
-            <a:pPr marL="0" lvl="0" indent="0">
+            <a:pPr lvl="0" marL="0" indent="0">
               <a:buNone/>
             </a:pPr>
             <a:r>
-              <a:t>Negative Amortization Growth w/ R (custom)</a:t>
+              <a:rPr/>
+              <a:t>Negative</a:t>
+            </a:r>
+            <a:r>
+              <a:rPr/>
+              <a:t> </a:t>
+            </a:r>
+            <a:r>
+              <a:rPr/>
+              <a:t>Amortization</a:t>
+            </a:r>
+            <a:r>
+              <a:rPr/>
+              <a:t> </a:t>
+            </a:r>
+            <a:r>
+              <a:rPr/>
+              <a:t>Growth</a:t>
+            </a:r>
+            <a:r>
+              <a:rPr/>
+              <a:t> </a:t>
+            </a:r>
+            <a:r>
+              <a:rPr/>
+              <a:t>w/</a:t>
+            </a:r>
+            <a:r>
+              <a:rPr/>
+              <a:t> </a:t>
+            </a:r>
+            <a:r>
+              <a:rPr/>
+              <a:t>R</a:t>
+            </a:r>
+            <a:r>
+              <a:rPr/>
+              <a:t> </a:t>
+            </a:r>
+            <a:r>
+              <a:rPr/>
+              <a:t>(custom)</a:t>
             </a:r>
           </a:p>
         </p:txBody>
       </p:sp>
       <p:pic>
         <p:nvPicPr>
-          <p:cNvPr id="3" name="Picture 1" descr="SamplePPT_files/figure-pptx/neg.amo-1.png"/>
+          <p:cNvPr descr="SamplePPT_files/figure-pptx/neg.amo-1.png" id="0" name="Picture 1"/>
           <p:cNvPicPr>
             <a:picLocks noGrp="1" noChangeAspect="1"/>
           </p:cNvPicPr>
@@ -2279,9 +3883,6 @@
       </p:pic>
     </p:spTree>
   </p:cSld>
-  <p:clrMapOvr>
-    <a:masterClrMapping/>
-  </p:clrMapOvr>
 </p:sld>
 </file>
 
@@ -2325,10 +3926,11 @@
           <a:bodyPr/>
           <a:lstStyle/>
           <a:p>
-            <a:pPr marL="0" lvl="0" indent="0">
+            <a:pPr lvl="0" marL="0" indent="0">
               <a:buNone/>
             </a:pPr>
             <a:r>
+              <a:rPr/>
               <a:t>References</a:t>
             </a:r>
           </a:p>
@@ -2379,9 +3981,6 @@
       </p:sp>
     </p:spTree>
   </p:cSld>
-  <p:clrMapOvr>
-    <a:masterClrMapping/>
-  </p:clrMapOvr>
 </p:sld>
 </file>
 
@@ -2425,11 +4024,44 @@
           <a:bodyPr/>
           <a:lstStyle/>
           <a:p>
-            <a:pPr marL="0" lvl="0" indent="0">
+            <a:pPr lvl="0" marL="0" indent="0">
               <a:buNone/>
             </a:pPr>
             <a:r>
-              <a:t>About the Pension Integrity Project</a:t>
+              <a:rPr/>
+              <a:t>About</a:t>
+            </a:r>
+            <a:r>
+              <a:rPr/>
+              <a:t> </a:t>
+            </a:r>
+            <a:r>
+              <a:rPr/>
+              <a:t>the</a:t>
+            </a:r>
+            <a:r>
+              <a:rPr/>
+              <a:t> </a:t>
+            </a:r>
+            <a:r>
+              <a:rPr/>
+              <a:t>Pension</a:t>
+            </a:r>
+            <a:r>
+              <a:rPr/>
+              <a:t> </a:t>
+            </a:r>
+            <a:r>
+              <a:rPr/>
+              <a:t>Integrity</a:t>
+            </a:r>
+            <a:r>
+              <a:rPr/>
+              <a:t> </a:t>
+            </a:r>
+            <a:r>
+              <a:rPr/>
+              <a:t>Project</a:t>
             </a:r>
           </a:p>
         </p:txBody>
@@ -2449,52 +4081,60 @@
           <a:bodyPr/>
           <a:lstStyle/>
           <a:p>
-            <a:pPr marL="0" lvl="0" indent="0">
+            <a:pPr lvl="0" marL="0" indent="0">
               <a:buNone/>
             </a:pPr>
             <a:r>
+              <a:rPr/>
               <a:t>We offer pro-bono technical assistance to public officials to help them design and implement pension reforms that improve plan solvency and promote retirement security, including:</a:t>
             </a:r>
           </a:p>
           <a:p>
             <a:pPr lvl="1"/>
             <a:r>
+              <a:rPr/>
               <a:t>Customized analysis of pension system design, trends</a:t>
             </a:r>
           </a:p>
           <a:p>
             <a:pPr lvl="1"/>
             <a:r>
+              <a:rPr/>
               <a:t>Independent actuarial modeling of reform scenarios</a:t>
             </a:r>
           </a:p>
           <a:p>
             <a:pPr lvl="1"/>
             <a:r>
+              <a:rPr/>
               <a:t>Consultation and modeling around custom policy designs</a:t>
             </a:r>
           </a:p>
           <a:p>
             <a:pPr lvl="1"/>
             <a:r>
+              <a:rPr/>
               <a:t>Latest pension reform research and case studies</a:t>
             </a:r>
           </a:p>
           <a:p>
             <a:pPr lvl="1"/>
             <a:r>
+              <a:rPr/>
               <a:t>Peer-to-peer mentoring from state and local officials who have successfully enacted pension reforms</a:t>
             </a:r>
           </a:p>
           <a:p>
             <a:pPr lvl="1"/>
             <a:r>
+              <a:rPr/>
               <a:t>Assistance with stakeholder outreach, engagement and relationship management</a:t>
             </a:r>
           </a:p>
           <a:p>
             <a:pPr lvl="1"/>
             <a:r>
+              <a:rPr/>
               <a:t>Design and execution of public education programs and media campaigns</a:t>
             </a:r>
           </a:p>
@@ -2502,9 +4142,6 @@
       </p:sp>
     </p:spTree>
   </p:cSld>
-  <p:clrMapOvr>
-    <a:masterClrMapping/>
-  </p:clrMapOvr>
 </p:sld>
 </file>
 
@@ -2548,18 +4185,83 @@
           <a:bodyPr/>
           <a:lstStyle/>
           <a:p>
-            <a:pPr marL="0" lvl="0" indent="0">
+            <a:pPr lvl="0" marL="0" indent="0">
               <a:buNone/>
             </a:pPr>
             <a:r>
-              <a:t>A History of Weakening Solvency (2001-2019) w/ R (areaPlot())</a:t>
+              <a:rPr/>
+              <a:t>A</a:t>
+            </a:r>
+            <a:r>
+              <a:rPr/>
+              <a:t> </a:t>
+            </a:r>
+            <a:r>
+              <a:rPr/>
+              <a:t>History</a:t>
+            </a:r>
+            <a:r>
+              <a:rPr/>
+              <a:t> </a:t>
+            </a:r>
+            <a:r>
+              <a:rPr/>
+              <a:t>of</a:t>
+            </a:r>
+            <a:r>
+              <a:rPr/>
+              <a:t> </a:t>
+            </a:r>
+            <a:r>
+              <a:rPr/>
+              <a:t>Weakening</a:t>
+            </a:r>
+            <a:r>
+              <a:rPr/>
+              <a:t> </a:t>
+            </a:r>
+            <a:r>
+              <a:rPr/>
+              <a:t>Solvency</a:t>
+            </a:r>
+            <a:r>
+              <a:rPr/>
+              <a:t> </a:t>
+            </a:r>
+            <a:r>
+              <a:rPr/>
+              <a:t>(2001-2019)</a:t>
+            </a:r>
+            <a:r>
+              <a:rPr/>
+              <a:t> </a:t>
+            </a:r>
+            <a:r>
+              <a:rPr/>
+              <a:t>w/</a:t>
+            </a:r>
+            <a:r>
+              <a:rPr/>
+              <a:t> </a:t>
+            </a:r>
+            <a:r>
+              <a:rPr/>
+              <a:t>R</a:t>
+            </a:r>
+            <a:r>
+              <a:rPr/>
+              <a:t> </a:t>
+            </a:r>
+            <a:r>
+              <a:rPr/>
+              <a:t>(areaPlot())</a:t>
             </a:r>
           </a:p>
         </p:txBody>
       </p:sp>
       <p:pic>
         <p:nvPicPr>
-          <p:cNvPr id="3" name="Picture 1" descr="SamplePPT_files/figure-pptx/debt-1.png"/>
+          <p:cNvPr descr="SamplePPT_files/figure-pptx/debt-1.png" id="0" name="Picture 1"/>
           <p:cNvPicPr>
             <a:picLocks noGrp="1" noChangeAspect="1"/>
           </p:cNvPicPr>
@@ -2589,9 +4291,6 @@
       </p:pic>
     </p:spTree>
   </p:cSld>
-  <p:clrMapOvr>
-    <a:masterClrMapping/>
-  </p:clrMapOvr>
 </p:sld>
 </file>
 
@@ -2635,18 +4334,83 @@
           <a:bodyPr/>
           <a:lstStyle/>
           <a:p>
-            <a:pPr marL="0" lvl="0" indent="0">
+            <a:pPr lvl="0" marL="0" indent="0">
               <a:buNone/>
             </a:pPr>
             <a:r>
-              <a:t>Causes of Pension Debt (2001-2019) w/ R (custom Plotly-Image)</a:t>
+              <a:rPr/>
+              <a:t>Causes</a:t>
+            </a:r>
+            <a:r>
+              <a:rPr/>
+              <a:t> </a:t>
+            </a:r>
+            <a:r>
+              <a:rPr/>
+              <a:t>of</a:t>
+            </a:r>
+            <a:r>
+              <a:rPr/>
+              <a:t> </a:t>
+            </a:r>
+            <a:r>
+              <a:rPr/>
+              <a:t>Pension</a:t>
+            </a:r>
+            <a:r>
+              <a:rPr/>
+              <a:t> </a:t>
+            </a:r>
+            <a:r>
+              <a:rPr/>
+              <a:t>Debt</a:t>
+            </a:r>
+            <a:r>
+              <a:rPr/>
+              <a:t> </a:t>
+            </a:r>
+            <a:r>
+              <a:rPr/>
+              <a:t>(2001-2019)</a:t>
+            </a:r>
+            <a:r>
+              <a:rPr/>
+              <a:t> </a:t>
+            </a:r>
+            <a:r>
+              <a:rPr/>
+              <a:t>w/</a:t>
+            </a:r>
+            <a:r>
+              <a:rPr/>
+              <a:t> </a:t>
+            </a:r>
+            <a:r>
+              <a:rPr/>
+              <a:t>R</a:t>
+            </a:r>
+            <a:r>
+              <a:rPr/>
+              <a:t> </a:t>
+            </a:r>
+            <a:r>
+              <a:rPr/>
+              <a:t>(custom</a:t>
+            </a:r>
+            <a:r>
+              <a:rPr/>
+              <a:t> </a:t>
+            </a:r>
+            <a:r>
+              <a:rPr/>
+              <a:t>Plotly-Image)</a:t>
             </a:r>
           </a:p>
         </p:txBody>
       </p:sp>
       <p:pic>
         <p:nvPicPr>
-          <p:cNvPr id="3" name="Picture 1" descr="GainLoss-plot.png"/>
+          <p:cNvPr descr="GainLoss.png" id="0" name="Picture 1"/>
           <p:cNvPicPr>
             <a:picLocks noGrp="1" noChangeAspect="1"/>
           </p:cNvPicPr>
@@ -2660,8 +4424,8 @@
         </p:blipFill>
         <p:spPr bwMode="auto">
           <a:xfrm>
-            <a:off x="774700" y="1600200"/>
-            <a:ext cx="7581900" cy="4876800"/>
+            <a:off x="1155700" y="1600200"/>
+            <a:ext cx="6832600" cy="4876800"/>
           </a:xfrm>
           <a:prstGeom prst="rect">
             <a:avLst/>
@@ -2676,9 +4440,6 @@
       </p:pic>
     </p:spTree>
   </p:cSld>
-  <p:clrMapOvr>
-    <a:masterClrMapping/>
-  </p:clrMapOvr>
 </p:sld>
 </file>
 
@@ -2722,11 +4483,68 @@
           <a:bodyPr/>
           <a:lstStyle/>
           <a:p>
-            <a:pPr marL="0" lvl="0" indent="0">
+            <a:pPr lvl="0" marL="0" indent="0">
               <a:buNone/>
             </a:pPr>
             <a:r>
-              <a:t>Make up of Pension Contributions w/ R (custom)</a:t>
+              <a:rPr/>
+              <a:t>Make</a:t>
+            </a:r>
+            <a:r>
+              <a:rPr/>
+              <a:t> </a:t>
+            </a:r>
+            <a:r>
+              <a:rPr/>
+              <a:t>up</a:t>
+            </a:r>
+            <a:r>
+              <a:rPr/>
+              <a:t> </a:t>
+            </a:r>
+            <a:r>
+              <a:rPr/>
+              <a:t>of</a:t>
+            </a:r>
+            <a:r>
+              <a:rPr/>
+              <a:t> </a:t>
+            </a:r>
+            <a:r>
+              <a:rPr/>
+              <a:t>Pension</a:t>
+            </a:r>
+            <a:r>
+              <a:rPr/>
+              <a:t> </a:t>
+            </a:r>
+            <a:r>
+              <a:rPr/>
+              <a:t>Contributions</a:t>
+            </a:r>
+            <a:r>
+              <a:rPr/>
+              <a:t> </a:t>
+            </a:r>
+            <a:r>
+              <a:rPr/>
+              <a:t>w/</a:t>
+            </a:r>
+            <a:r>
+              <a:rPr/>
+              <a:t> </a:t>
+            </a:r>
+            <a:r>
+              <a:rPr/>
+              <a:t>R</a:t>
+            </a:r>
+            <a:r>
+              <a:rPr/>
+              <a:t> </a:t>
+            </a:r>
+            <a:r>
+              <a:rPr/>
+              <a:t>(custom)</a:t>
             </a:r>
           </a:p>
         </p:txBody>
@@ -2752,27 +4570,9 @@
                 <a:tableStyleId>{5C22544A-7EE6-4342-B048-85BDC9FD1C3A}</a:tableStyleId>
               </a:tblPr>
               <a:tblGrid>
-                <a:gridCol w="2743200">
-                  <a:extLst>
-                    <a:ext uri="{9D8B030D-6E8A-4147-A177-3AD203B41FA5}">
-                      <a16:colId xmlns:a16="http://schemas.microsoft.com/office/drawing/2014/main" val="20000"/>
-                    </a:ext>
-                  </a:extLst>
-                </a:gridCol>
-                <a:gridCol w="2743200">
-                  <a:extLst>
-                    <a:ext uri="{9D8B030D-6E8A-4147-A177-3AD203B41FA5}">
-                      <a16:colId xmlns:a16="http://schemas.microsoft.com/office/drawing/2014/main" val="20001"/>
-                    </a:ext>
-                  </a:extLst>
-                </a:gridCol>
-                <a:gridCol w="2743200">
-                  <a:extLst>
-                    <a:ext uri="{9D8B030D-6E8A-4147-A177-3AD203B41FA5}">
-                      <a16:colId xmlns:a16="http://schemas.microsoft.com/office/drawing/2014/main" val="20002"/>
-                    </a:ext>
-                  </a:extLst>
-                </a:gridCol>
+                <a:gridCol w="2743200"/>
+                <a:gridCol w="2743200"/>
+                <a:gridCol w="2743200"/>
               </a:tblGrid>
               <a:tr h="0">
                 <a:tc>
@@ -2790,11 +4590,28 @@
                     <a:bodyPr/>
                     <a:lstStyle/>
                     <a:p>
-                      <a:pPr marL="0" lvl="0" indent="0" algn="l">
+                      <a:pPr lvl="0" marL="0" indent="0" algn="l">
                         <a:buNone/>
                       </a:pPr>
                       <a:r>
-                        <a:t>% of Payroll</a:t>
+                        <a:rPr/>
+                        <a:t>%</a:t>
+                      </a:r>
+                      <a:r>
+                        <a:rPr/>
+                        <a:t> </a:t>
+                      </a:r>
+                      <a:r>
+                        <a:rPr/>
+                        <a:t>of</a:t>
+                      </a:r>
+                      <a:r>
+                        <a:rPr/>
+                        <a:t> </a:t>
+                      </a:r>
+                      <a:r>
+                        <a:rPr/>
+                        <a:t>Payroll</a:t>
                       </a:r>
                     </a:p>
                   </a:txBody>
@@ -2805,21 +4622,25 @@
                     <a:bodyPr/>
                     <a:lstStyle/>
                     <a:p>
-                      <a:pPr marL="0" lvl="0" indent="0" algn="l">
+                      <a:pPr lvl="0" marL="0" indent="0" algn="l">
                         <a:buNone/>
                       </a:pPr>
                       <a:r>
-                        <a:t>$ Value</a:t>
+                        <a:rPr/>
+                        <a:t>$</a:t>
+                      </a:r>
+                      <a:r>
+                        <a:rPr/>
+                        <a:t> </a:t>
+                      </a:r>
+                      <a:r>
+                        <a:rPr/>
+                        <a:t>Value</a:t>
                       </a:r>
                     </a:p>
                   </a:txBody>
                   <a:tcPr/>
                 </a:tc>
-                <a:extLst>
-                  <a:ext uri="{0D108BD9-81ED-4DB2-BD59-A6C34878D82A}">
-                    <a16:rowId xmlns:a16="http://schemas.microsoft.com/office/drawing/2014/main" val="10000"/>
-                  </a:ext>
-                </a:extLst>
               </a:tr>
               <a:tr h="0">
                 <a:tc>
@@ -2827,51 +4648,54 @@
                     <a:bodyPr/>
                     <a:lstStyle/>
                     <a:p>
-                      <a:pPr marL="0" lvl="0" indent="0" algn="l">
+                      <a:pPr lvl="0" marL="0" indent="0" algn="l">
                         <a:buNone/>
                       </a:pPr>
                       <a:r>
-                        <a:t>NA</a:t>
+                        <a:rPr/>
+                        <a:t>Total</a:t>
+                      </a:r>
+                      <a:r>
+                        <a:rPr/>
+                        <a:t> </a:t>
+                      </a:r>
+                      <a:r>
+                        <a:rPr/>
+                        <a:t>Employee</a:t>
                       </a:r>
                     </a:p>
                   </a:txBody>
-                  <a:tcPr/>
                 </a:tc>
                 <a:tc>
                   <a:txBody>
                     <a:bodyPr/>
                     <a:lstStyle/>
                     <a:p>
-                      <a:pPr marL="0" lvl="0" indent="0" algn="l">
+                      <a:pPr lvl="0" marL="0" indent="0" algn="l">
                         <a:buNone/>
                       </a:pPr>
                       <a:r>
-                        <a:t>NA</a:t>
+                        <a:rPr/>
+                        <a:t>7.4%</a:t>
                       </a:r>
                     </a:p>
                   </a:txBody>
-                  <a:tcPr/>
                 </a:tc>
                 <a:tc>
                   <a:txBody>
                     <a:bodyPr/>
                     <a:lstStyle/>
                     <a:p>
-                      <a:pPr marL="0" lvl="0" indent="0" algn="l">
+                      <a:pPr lvl="0" marL="0" indent="0" algn="l">
                         <a:buNone/>
                       </a:pPr>
                       <a:r>
-                        <a:t>NA</a:t>
+                        <a:rPr/>
+                        <a:t>$257,060,520</a:t>
                       </a:r>
                     </a:p>
                   </a:txBody>
-                  <a:tcPr/>
                 </a:tc>
-                <a:extLst>
-                  <a:ext uri="{0D108BD9-81ED-4DB2-BD59-A6C34878D82A}">
-                    <a16:rowId xmlns:a16="http://schemas.microsoft.com/office/drawing/2014/main" val="10001"/>
-                  </a:ext>
-                </a:extLst>
               </a:tr>
               <a:tr h="0">
                 <a:tc>
@@ -2879,51 +4703,62 @@
                     <a:bodyPr/>
                     <a:lstStyle/>
                     <a:p>
-                      <a:pPr marL="0" lvl="0" indent="0" algn="l">
+                      <a:pPr lvl="0" marL="0" indent="0" algn="l">
                         <a:buNone/>
                       </a:pPr>
                       <a:r>
-                        <a:t>NA</a:t>
+                        <a:rPr/>
+                        <a:t>Employer</a:t>
+                      </a:r>
+                      <a:r>
+                        <a:rPr/>
+                        <a:t> </a:t>
+                      </a:r>
+                      <a:r>
+                        <a:rPr/>
+                        <a:t>(Normal</a:t>
+                      </a:r>
+                      <a:r>
+                        <a:rPr/>
+                        <a:t> </a:t>
+                      </a:r>
+                      <a:r>
+                        <a:rPr/>
+                        <a:t>Cost)</a:t>
                       </a:r>
                     </a:p>
                   </a:txBody>
-                  <a:tcPr/>
                 </a:tc>
                 <a:tc>
                   <a:txBody>
                     <a:bodyPr/>
                     <a:lstStyle/>
                     <a:p>
-                      <a:pPr marL="0" lvl="0" indent="0" algn="l">
+                      <a:pPr lvl="0" marL="0" indent="0" algn="l">
                         <a:buNone/>
                       </a:pPr>
                       <a:r>
-                        <a:t>NA</a:t>
+                        <a:rPr/>
+                        <a:t>7.5%</a:t>
                       </a:r>
                     </a:p>
                   </a:txBody>
-                  <a:tcPr/>
                 </a:tc>
                 <a:tc>
                   <a:txBody>
                     <a:bodyPr/>
                     <a:lstStyle/>
                     <a:p>
-                      <a:pPr marL="0" lvl="0" indent="0" algn="l">
+                      <a:pPr lvl="0" marL="0" indent="0" algn="l">
                         <a:buNone/>
                       </a:pPr>
                       <a:r>
-                        <a:t>NA</a:t>
+                        <a:rPr/>
+                        <a:t>$252,981,080</a:t>
                       </a:r>
                     </a:p>
                   </a:txBody>
-                  <a:tcPr/>
                 </a:tc>
-                <a:extLst>
-                  <a:ext uri="{0D108BD9-81ED-4DB2-BD59-A6C34878D82A}">
-                    <a16:rowId xmlns:a16="http://schemas.microsoft.com/office/drawing/2014/main" val="10002"/>
-                  </a:ext>
-                </a:extLst>
               </a:tr>
               <a:tr h="0">
                 <a:tc>
@@ -2931,51 +4766,62 @@
                     <a:bodyPr/>
                     <a:lstStyle/>
                     <a:p>
-                      <a:pPr marL="0" lvl="0" indent="0" algn="l">
+                      <a:pPr lvl="0" marL="0" indent="0" algn="l">
                         <a:buNone/>
                       </a:pPr>
                       <a:r>
-                        <a:t>Total Employee</a:t>
+                        <a:rPr/>
+                        <a:t>Employer</a:t>
+                      </a:r>
+                      <a:r>
+                        <a:rPr/>
+                        <a:t> </a:t>
+                      </a:r>
+                      <a:r>
+                        <a:rPr/>
+                        <a:t>(Debt</a:t>
+                      </a:r>
+                      <a:r>
+                        <a:rPr/>
+                        <a:t> </a:t>
+                      </a:r>
+                      <a:r>
+                        <a:rPr/>
+                        <a:t>Amortization)</a:t>
                       </a:r>
                     </a:p>
                   </a:txBody>
-                  <a:tcPr/>
                 </a:tc>
                 <a:tc>
                   <a:txBody>
                     <a:bodyPr/>
                     <a:lstStyle/>
                     <a:p>
-                      <a:pPr marL="0" lvl="0" indent="0" algn="l">
+                      <a:pPr lvl="0" marL="0" indent="0" algn="l">
                         <a:buNone/>
                       </a:pPr>
                       <a:r>
-                        <a:t>7.4%</a:t>
+                        <a:rPr/>
+                        <a:t>4.5%</a:t>
                       </a:r>
                     </a:p>
                   </a:txBody>
-                  <a:tcPr/>
                 </a:tc>
                 <a:tc>
                   <a:txBody>
                     <a:bodyPr/>
                     <a:lstStyle/>
                     <a:p>
-                      <a:pPr marL="0" lvl="0" indent="0" algn="l">
+                      <a:pPr lvl="0" marL="0" indent="0" algn="l">
                         <a:buNone/>
                       </a:pPr>
                       <a:r>
-                        <a:t>$257,060,520</a:t>
+                        <a:rPr/>
+                        <a:t>$152,532,710</a:t>
                       </a:r>
                     </a:p>
                   </a:txBody>
-                  <a:tcPr/>
                 </a:tc>
-                <a:extLst>
-                  <a:ext uri="{0D108BD9-81ED-4DB2-BD59-A6C34878D82A}">
-                    <a16:rowId xmlns:a16="http://schemas.microsoft.com/office/drawing/2014/main" val="10003"/>
-                  </a:ext>
-                </a:extLst>
               </a:tr>
               <a:tr h="0">
                 <a:tc>
@@ -2983,51 +4829,54 @@
                     <a:bodyPr/>
                     <a:lstStyle/>
                     <a:p>
-                      <a:pPr marL="0" lvl="0" indent="0" algn="l">
+                      <a:pPr lvl="0" marL="0" indent="0" algn="l">
                         <a:buNone/>
                       </a:pPr>
                       <a:r>
-                        <a:t>Employer (Normal Cost)</a:t>
+                        <a:rPr/>
+                        <a:t>Total</a:t>
+                      </a:r>
+                      <a:r>
+                        <a:rPr/>
+                        <a:t> </a:t>
+                      </a:r>
+                      <a:r>
+                        <a:rPr/>
+                        <a:t>Employer</a:t>
                       </a:r>
                     </a:p>
                   </a:txBody>
-                  <a:tcPr/>
                 </a:tc>
                 <a:tc>
                   <a:txBody>
                     <a:bodyPr/>
                     <a:lstStyle/>
                     <a:p>
-                      <a:pPr marL="0" lvl="0" indent="0" algn="l">
+                      <a:pPr lvl="0" marL="0" indent="0" algn="l">
                         <a:buNone/>
                       </a:pPr>
                       <a:r>
-                        <a:t>7.5%</a:t>
+                        <a:rPr/>
+                        <a:t>12.0%</a:t>
                       </a:r>
                     </a:p>
                   </a:txBody>
-                  <a:tcPr/>
                 </a:tc>
                 <a:tc>
                   <a:txBody>
                     <a:bodyPr/>
                     <a:lstStyle/>
                     <a:p>
-                      <a:pPr marL="0" lvl="0" indent="0" algn="l">
+                      <a:pPr lvl="0" marL="0" indent="0" algn="l">
                         <a:buNone/>
                       </a:pPr>
                       <a:r>
-                        <a:t>$252,981,080</a:t>
+                        <a:rPr/>
+                        <a:t>$405,513,790</a:t>
                       </a:r>
                     </a:p>
                   </a:txBody>
-                  <a:tcPr/>
                 </a:tc>
-                <a:extLst>
-                  <a:ext uri="{0D108BD9-81ED-4DB2-BD59-A6C34878D82A}">
-                    <a16:rowId xmlns:a16="http://schemas.microsoft.com/office/drawing/2014/main" val="10004"/>
-                  </a:ext>
-                </a:extLst>
               </a:tr>
               <a:tr h="0">
                 <a:tc>
@@ -3035,155 +4884,62 @@
                     <a:bodyPr/>
                     <a:lstStyle/>
                     <a:p>
-                      <a:pPr marL="0" lvl="0" indent="0" algn="l">
+                      <a:pPr lvl="0" marL="0" indent="0" algn="l">
                         <a:buNone/>
                       </a:pPr>
                       <a:r>
-                        <a:t>Employer (Debt Amortization)</a:t>
+                        <a:rPr/>
+                        <a:t>Total</a:t>
+                      </a:r>
+                      <a:r>
+                        <a:rPr/>
+                        <a:t> </a:t>
+                      </a:r>
+                      <a:r>
+                        <a:rPr/>
+                        <a:t>PERSI</a:t>
+                      </a:r>
+                      <a:r>
+                        <a:rPr/>
+                        <a:t> </a:t>
+                      </a:r>
+                      <a:r>
+                        <a:rPr/>
+                        <a:t>Contributions</a:t>
                       </a:r>
                     </a:p>
                   </a:txBody>
-                  <a:tcPr/>
                 </a:tc>
                 <a:tc>
                   <a:txBody>
                     <a:bodyPr/>
                     <a:lstStyle/>
                     <a:p>
-                      <a:pPr marL="0" lvl="0" indent="0" algn="l">
+                      <a:pPr lvl="0" marL="0" indent="0" algn="l">
                         <a:buNone/>
                       </a:pPr>
                       <a:r>
-                        <a:t>4.5%</a:t>
+                        <a:rPr/>
+                        <a:t>19.4%</a:t>
                       </a:r>
                     </a:p>
                   </a:txBody>
-                  <a:tcPr/>
                 </a:tc>
                 <a:tc>
                   <a:txBody>
                     <a:bodyPr/>
                     <a:lstStyle/>
                     <a:p>
-                      <a:pPr marL="0" lvl="0" indent="0" algn="l">
+                      <a:pPr lvl="0" marL="0" indent="0" algn="l">
                         <a:buNone/>
                       </a:pPr>
                       <a:r>
-                        <a:t>$152,532,710</a:t>
-                      </a:r>
-                    </a:p>
-                  </a:txBody>
-                  <a:tcPr/>
-                </a:tc>
-                <a:extLst>
-                  <a:ext uri="{0D108BD9-81ED-4DB2-BD59-A6C34878D82A}">
-                    <a16:rowId xmlns:a16="http://schemas.microsoft.com/office/drawing/2014/main" val="10005"/>
-                  </a:ext>
-                </a:extLst>
-              </a:tr>
-              <a:tr h="0">
-                <a:tc>
-                  <a:txBody>
-                    <a:bodyPr/>
-                    <a:lstStyle/>
-                    <a:p>
-                      <a:pPr marL="0" lvl="0" indent="0" algn="l">
-                        <a:buNone/>
-                      </a:pPr>
-                      <a:r>
-                        <a:t>Total Employer</a:t>
-                      </a:r>
-                    </a:p>
-                  </a:txBody>
-                  <a:tcPr/>
-                </a:tc>
-                <a:tc>
-                  <a:txBody>
-                    <a:bodyPr/>
-                    <a:lstStyle/>
-                    <a:p>
-                      <a:pPr marL="0" lvl="0" indent="0" algn="l">
-                        <a:buNone/>
-                      </a:pPr>
-                      <a:r>
-                        <a:t>12.0%</a:t>
-                      </a:r>
-                    </a:p>
-                  </a:txBody>
-                  <a:tcPr/>
-                </a:tc>
-                <a:tc>
-                  <a:txBody>
-                    <a:bodyPr/>
-                    <a:lstStyle/>
-                    <a:p>
-                      <a:pPr marL="0" lvl="0" indent="0" algn="l">
-                        <a:buNone/>
-                      </a:pPr>
-                      <a:r>
-                        <a:t>$405,513,790</a:t>
-                      </a:r>
-                    </a:p>
-                  </a:txBody>
-                  <a:tcPr/>
-                </a:tc>
-                <a:extLst>
-                  <a:ext uri="{0D108BD9-81ED-4DB2-BD59-A6C34878D82A}">
-                    <a16:rowId xmlns:a16="http://schemas.microsoft.com/office/drawing/2014/main" val="10006"/>
-                  </a:ext>
-                </a:extLst>
-              </a:tr>
-              <a:tr h="0">
-                <a:tc>
-                  <a:txBody>
-                    <a:bodyPr/>
-                    <a:lstStyle/>
-                    <a:p>
-                      <a:pPr marL="0" lvl="0" indent="0" algn="l">
-                        <a:buNone/>
-                      </a:pPr>
-                      <a:r>
-                        <a:t>Total PERSI Contributions</a:t>
-                      </a:r>
-                    </a:p>
-                  </a:txBody>
-                  <a:tcPr/>
-                </a:tc>
-                <a:tc>
-                  <a:txBody>
-                    <a:bodyPr/>
-                    <a:lstStyle/>
-                    <a:p>
-                      <a:pPr marL="0" lvl="0" indent="0" algn="l">
-                        <a:buNone/>
-                      </a:pPr>
-                      <a:r>
-                        <a:t>19.4%</a:t>
-                      </a:r>
-                    </a:p>
-                  </a:txBody>
-                  <a:tcPr/>
-                </a:tc>
-                <a:tc>
-                  <a:txBody>
-                    <a:bodyPr/>
-                    <a:lstStyle/>
-                    <a:p>
-                      <a:pPr marL="0" lvl="0" indent="0" algn="l">
-                        <a:buNone/>
-                      </a:pPr>
-                      <a:r>
+                        <a:rPr/>
                         <a:t>$647,141,440</a:t>
                       </a:r>
                     </a:p>
                   </a:txBody>
-                  <a:tcPr/>
                 </a:tc>
-                <a:extLst>
-                  <a:ext uri="{0D108BD9-81ED-4DB2-BD59-A6C34878D82A}">
-                    <a16:rowId xmlns:a16="http://schemas.microsoft.com/office/drawing/2014/main" val="10007"/>
-                  </a:ext>
-                </a:extLst>
               </a:tr>
             </a:tbl>
           </a:graphicData>
@@ -3191,7 +4947,7 @@
       </p:graphicFrame>
       <p:sp>
         <p:nvSpPr>
-          <p:cNvPr id="3" name="TextBox 3"/>
+          <p:cNvPr id="1" name="TextBox 3"/>
           <p:cNvSpPr txBox="1"/>
           <p:nvPr/>
         </p:nvSpPr>
@@ -3209,20 +4965,50 @@
           <a:bodyPr/>
           <a:lstStyle/>
           <a:p>
-            <a:pPr marL="0" lvl="0" indent="0" algn="ctr">
+            <a:pPr lvl="0" marL="0" indent="0" algn="ctr">
               <a:buNone/>
             </a:pPr>
             <a:r>
-              <a:t>Pension Integrity Project pension database.</a:t>
+              <a:rPr/>
+              <a:t>Pension</a:t>
+            </a:r>
+            <a:r>
+              <a:rPr/>
+              <a:t> </a:t>
+            </a:r>
+            <a:r>
+              <a:rPr/>
+              <a:t>Integrity</a:t>
+            </a:r>
+            <a:r>
+              <a:rPr/>
+              <a:t> </a:t>
+            </a:r>
+            <a:r>
+              <a:rPr/>
+              <a:t>Project</a:t>
+            </a:r>
+            <a:r>
+              <a:rPr/>
+              <a:t> </a:t>
+            </a:r>
+            <a:r>
+              <a:rPr/>
+              <a:t>pension</a:t>
+            </a:r>
+            <a:r>
+              <a:rPr/>
+              <a:t> </a:t>
+            </a:r>
+            <a:r>
+              <a:rPr/>
+              <a:t>database.</a:t>
             </a:r>
           </a:p>
         </p:txBody>
       </p:sp>
     </p:spTree>
   </p:cSld>
-  <p:clrMapOvr>
-    <a:masterClrMapping/>
-  </p:clrMapOvr>
 </p:sld>
 </file>
 
@@ -3266,18 +5052,83 @@
           <a:bodyPr/>
           <a:lstStyle/>
           <a:p>
-            <a:pPr marL="0" lvl="0" indent="0">
+            <a:pPr lvl="0" marL="0" indent="0">
               <a:buNone/>
             </a:pPr>
             <a:r>
-              <a:t>A History of Investment Returns (2001-2020) w/ R (linePlot())</a:t>
+              <a:rPr/>
+              <a:t>A</a:t>
+            </a:r>
+            <a:r>
+              <a:rPr/>
+              <a:t> </a:t>
+            </a:r>
+            <a:r>
+              <a:rPr/>
+              <a:t>History</a:t>
+            </a:r>
+            <a:r>
+              <a:rPr/>
+              <a:t> </a:t>
+            </a:r>
+            <a:r>
+              <a:rPr/>
+              <a:t>of</a:t>
+            </a:r>
+            <a:r>
+              <a:rPr/>
+              <a:t> </a:t>
+            </a:r>
+            <a:r>
+              <a:rPr/>
+              <a:t>Investment</a:t>
+            </a:r>
+            <a:r>
+              <a:rPr/>
+              <a:t> </a:t>
+            </a:r>
+            <a:r>
+              <a:rPr/>
+              <a:t>Returns</a:t>
+            </a:r>
+            <a:r>
+              <a:rPr/>
+              <a:t> </a:t>
+            </a:r>
+            <a:r>
+              <a:rPr/>
+              <a:t>(2001-2020)</a:t>
+            </a:r>
+            <a:r>
+              <a:rPr/>
+              <a:t> </a:t>
+            </a:r>
+            <a:r>
+              <a:rPr/>
+              <a:t>w/</a:t>
+            </a:r>
+            <a:r>
+              <a:rPr/>
+              <a:t> </a:t>
+            </a:r>
+            <a:r>
+              <a:rPr/>
+              <a:t>R</a:t>
+            </a:r>
+            <a:r>
+              <a:rPr/>
+              <a:t> </a:t>
+            </a:r>
+            <a:r>
+              <a:rPr/>
+              <a:t>(linePlot())</a:t>
             </a:r>
           </a:p>
         </p:txBody>
       </p:sp>
       <p:pic>
         <p:nvPicPr>
-          <p:cNvPr id="3" name="Picture 1" descr="SamplePPT_files/figure-pptx/graph-1.png"/>
+          <p:cNvPr descr="SamplePPT_files/figure-pptx/graph-1.png" id="0" name="Picture 1"/>
           <p:cNvPicPr>
             <a:picLocks noGrp="1" noChangeAspect="1"/>
           </p:cNvPicPr>
@@ -3307,9 +5158,6 @@
       </p:pic>
     </p:spTree>
   </p:cSld>
-  <p:clrMapOvr>
-    <a:masterClrMapping/>
-  </p:clrMapOvr>
 </p:sld>
 </file>
 
@@ -3353,18 +5201,67 @@
           <a:bodyPr/>
           <a:lstStyle/>
           <a:p>
-            <a:pPr marL="0" lvl="0" indent="0">
+            <a:pPr lvl="0" marL="0" indent="0">
               <a:buNone/>
             </a:pPr>
             <a:r>
-              <a:t>S&amp;P500 vs. Funded Ratio (2001-2019) w/ R (areaPlot())</a:t>
+              <a:rPr/>
+              <a:t>S&amp;P500</a:t>
+            </a:r>
+            <a:r>
+              <a:rPr/>
+              <a:t> </a:t>
+            </a:r>
+            <a:r>
+              <a:rPr/>
+              <a:t>vs. Funded</a:t>
+            </a:r>
+            <a:r>
+              <a:rPr/>
+              <a:t> </a:t>
+            </a:r>
+            <a:r>
+              <a:rPr/>
+              <a:t>Ratio</a:t>
+            </a:r>
+            <a:r>
+              <a:rPr/>
+              <a:t> </a:t>
+            </a:r>
+            <a:r>
+              <a:rPr/>
+              <a:t>(2001-2019)</a:t>
+            </a:r>
+            <a:r>
+              <a:rPr/>
+              <a:t> </a:t>
+            </a:r>
+            <a:r>
+              <a:rPr/>
+              <a:t>w/</a:t>
+            </a:r>
+            <a:r>
+              <a:rPr/>
+              <a:t> </a:t>
+            </a:r>
+            <a:r>
+              <a:rPr/>
+              <a:t>R</a:t>
+            </a:r>
+            <a:r>
+              <a:rPr/>
+              <a:t> </a:t>
+            </a:r>
+            <a:r>
+              <a:rPr/>
+              <a:t>(areaPlot())</a:t>
             </a:r>
           </a:p>
         </p:txBody>
       </p:sp>
       <p:pic>
         <p:nvPicPr>
-          <p:cNvPr id="3" name="Picture 1" descr="SamplePPT_files/figure-pptx/sp500-1.png"/>
+          <p:cNvPr descr="SamplePPT_files/figure-pptx/sp500-1.png" id="0" name="Picture 1"/>
           <p:cNvPicPr>
             <a:picLocks noGrp="1" noChangeAspect="1"/>
           </p:cNvPicPr>
@@ -3394,9 +5291,6 @@
       </p:pic>
     </p:spTree>
   </p:cSld>
-  <p:clrMapOvr>
-    <a:masterClrMapping/>
-  </p:clrMapOvr>
 </p:sld>
 </file>
 
@@ -3440,18 +5334,59 @@
           <a:bodyPr/>
           <a:lstStyle/>
           <a:p>
-            <a:pPr marL="0" lvl="0" indent="0">
+            <a:pPr lvl="0" marL="0" indent="0">
               <a:buNone/>
             </a:pPr>
             <a:r>
-              <a:t>Asset Allocation (2001-2019) w/ R (custom)</a:t>
+              <a:rPr/>
+              <a:t>Asset</a:t>
+            </a:r>
+            <a:r>
+              <a:rPr/>
+              <a:t> </a:t>
+            </a:r>
+            <a:r>
+              <a:rPr/>
+              <a:t>Allocation</a:t>
+            </a:r>
+            <a:r>
+              <a:rPr/>
+              <a:t> </a:t>
+            </a:r>
+            <a:r>
+              <a:rPr/>
+              <a:t>(2001-2019)</a:t>
+            </a:r>
+            <a:r>
+              <a:rPr/>
+              <a:t> </a:t>
+            </a:r>
+            <a:r>
+              <a:rPr/>
+              <a:t>w/</a:t>
+            </a:r>
+            <a:r>
+              <a:rPr/>
+              <a:t> </a:t>
+            </a:r>
+            <a:r>
+              <a:rPr/>
+              <a:t>R</a:t>
+            </a:r>
+            <a:r>
+              <a:rPr/>
+              <a:t> </a:t>
+            </a:r>
+            <a:r>
+              <a:rPr/>
+              <a:t>(custom)</a:t>
             </a:r>
           </a:p>
         </p:txBody>
       </p:sp>
       <p:pic>
         <p:nvPicPr>
-          <p:cNvPr id="3" name="Picture 1" descr="SamplePPT_files/figure-pptx/assets-1.png"/>
+          <p:cNvPr descr="SamplePPT_files/figure-pptx/assets-1.png" id="0" name="Picture 1"/>
           <p:cNvPicPr>
             <a:picLocks noGrp="1" noChangeAspect="1"/>
           </p:cNvPicPr>
@@ -3481,9 +5416,6 @@
       </p:pic>
     </p:spTree>
   </p:cSld>
-  <p:clrMapOvr>
-    <a:masterClrMapping/>
-  </p:clrMapOvr>
 </p:sld>
 </file>
 
@@ -3527,18 +5459,91 @@
           <a:bodyPr/>
           <a:lstStyle/>
           <a:p>
-            <a:pPr marL="0" lvl="0" indent="0">
+            <a:pPr lvl="0" marL="0" indent="0">
               <a:buNone/>
             </a:pPr>
             <a:r>
-              <a:t>Change in Risk-Free Rate vs. Discount Rate (2001-2019) w/ R (linePlot())</a:t>
+              <a:rPr/>
+              <a:t>Change</a:t>
+            </a:r>
+            <a:r>
+              <a:rPr/>
+              <a:t> </a:t>
+            </a:r>
+            <a:r>
+              <a:rPr/>
+              <a:t>in</a:t>
+            </a:r>
+            <a:r>
+              <a:rPr/>
+              <a:t> </a:t>
+            </a:r>
+            <a:r>
+              <a:rPr/>
+              <a:t>Risk-Free</a:t>
+            </a:r>
+            <a:r>
+              <a:rPr/>
+              <a:t> </a:t>
+            </a:r>
+            <a:r>
+              <a:rPr/>
+              <a:t>Rate</a:t>
+            </a:r>
+            <a:r>
+              <a:rPr/>
+              <a:t> </a:t>
+            </a:r>
+            <a:r>
+              <a:rPr/>
+              <a:t>vs. Discount</a:t>
+            </a:r>
+            <a:r>
+              <a:rPr/>
+              <a:t> </a:t>
+            </a:r>
+            <a:r>
+              <a:rPr/>
+              <a:t>Rate</a:t>
+            </a:r>
+            <a:r>
+              <a:rPr/>
+              <a:t> </a:t>
+            </a:r>
+            <a:r>
+              <a:rPr/>
+              <a:t>(2001-2019)</a:t>
+            </a:r>
+            <a:r>
+              <a:rPr/>
+              <a:t> </a:t>
+            </a:r>
+            <a:r>
+              <a:rPr/>
+              <a:t>w/</a:t>
+            </a:r>
+            <a:r>
+              <a:rPr/>
+              <a:t> </a:t>
+            </a:r>
+            <a:r>
+              <a:rPr/>
+              <a:t>R</a:t>
+            </a:r>
+            <a:r>
+              <a:rPr/>
+              <a:t> </a:t>
+            </a:r>
+            <a:r>
+              <a:rPr/>
+              <a:t>(linePlot())</a:t>
             </a:r>
           </a:p>
         </p:txBody>
       </p:sp>
       <p:pic>
         <p:nvPicPr>
-          <p:cNvPr id="3" name="Picture 1" descr="SamplePPT_files/figure-pptx/treasury-1.png"/>
+          <p:cNvPr descr="SamplePPT_files/figure-pptx/treasury-1.png" id="0" name="Picture 1"/>
           <p:cNvPicPr>
             <a:picLocks noGrp="1" noChangeAspect="1"/>
           </p:cNvPicPr>
@@ -3568,9 +5573,6 @@
       </p:pic>
     </p:spTree>
   </p:cSld>
-  <p:clrMapOvr>
-    <a:masterClrMapping/>
-  </p:clrMapOvr>
 </p:sld>
 </file>
 

--- a/DeckUpdate/SamplePPT.pptx
+++ b/DeckUpdate/SamplePPT.pptx
@@ -365,7 +365,7 @@
           <a:p>
             <a:fld id="{10302D39-B686-2742-A69B-CE6D46FC9A4E}" type="datetime4">
               <a:rPr lang="en-US" smtClean="0"/>
-              <a:t>January 7, 2021</a:t>
+              <a:t>January 25, 2021</a:t>
             </a:fld>
             <a:endParaRPr lang="en-US" dirty="0"/>
           </a:p>
@@ -480,356 +480,6 @@
         </p:spPr>
       </p:pic>
     </p:spTree>
-  </p:cSld>
-  <p:clrMapOvr>
-    <a:masterClrMapping/>
-  </p:clrMapOvr>
-</p:sldLayout>
-</file>
-
-<file path=ppt/slideLayouts/slideLayout10.xml><?xml version="1.0" encoding="utf-8"?>
-<p:sldLayout xmlns:a="http://schemas.openxmlformats.org/drawingml/2006/main" xmlns:r="http://schemas.openxmlformats.org/officeDocument/2006/relationships" xmlns:p="http://schemas.openxmlformats.org/presentationml/2006/main" type="vertTx" preserve="1">
-  <p:cSld name="Title and Vertical Text">
-    <p:spTree>
-      <p:nvGrpSpPr>
-        <p:cNvPr id="1" name=""/>
-        <p:cNvGrpSpPr/>
-        <p:nvPr/>
-      </p:nvGrpSpPr>
-      <p:grpSpPr>
-        <a:xfrm>
-          <a:off x="0" y="0"/>
-          <a:ext cx="0" cy="0"/>
-          <a:chOff x="0" y="0"/>
-          <a:chExt cx="0" cy="0"/>
-        </a:xfrm>
-      </p:grpSpPr>
-      <p:sp>
-        <p:nvSpPr>
-          <p:cNvPr id="2" name="Title 1"/>
-          <p:cNvSpPr>
-            <a:spLocks noGrp="1"/>
-          </p:cNvSpPr>
-          <p:nvPr>
-            <p:ph type="title"/>
-          </p:nvPr>
-        </p:nvSpPr>
-        <p:spPr/>
-        <p:txBody>
-          <a:bodyPr/>
-          <a:lstStyle/>
-          <a:p>
-            <a:r>
-              <a:rPr lang="en-US" smtClean="0"/>
-              <a:t>Click to edit Master title style</a:t>
-            </a:r>
-            <a:endParaRPr lang="en-US"/>
-          </a:p>
-        </p:txBody>
-      </p:sp>
-      <p:sp>
-        <p:nvSpPr>
-          <p:cNvPr id="3" name="Vertical Text Placeholder 2"/>
-          <p:cNvSpPr>
-            <a:spLocks noGrp="1"/>
-          </p:cNvSpPr>
-          <p:nvPr>
-            <p:ph type="body" orient="vert" idx="1"/>
-          </p:nvPr>
-        </p:nvSpPr>
-        <p:spPr/>
-        <p:txBody>
-          <a:bodyPr vert="eaVert"/>
-          <a:lstStyle/>
-          <a:p>
-            <a:pPr lvl="0"/>
-            <a:r>
-              <a:rPr lang="en-US" smtClean="0"/>
-              <a:t>Click to edit Master text styles</a:t>
-            </a:r>
-          </a:p>
-          <a:p>
-            <a:pPr lvl="1"/>
-            <a:r>
-              <a:rPr lang="en-US" smtClean="0"/>
-              <a:t>Second level</a:t>
-            </a:r>
-          </a:p>
-          <a:p>
-            <a:pPr lvl="2"/>
-            <a:r>
-              <a:rPr lang="en-US" smtClean="0"/>
-              <a:t>Third level</a:t>
-            </a:r>
-          </a:p>
-          <a:p>
-            <a:pPr lvl="3"/>
-            <a:r>
-              <a:rPr lang="en-US" smtClean="0"/>
-              <a:t>Fourth level</a:t>
-            </a:r>
-          </a:p>
-          <a:p>
-            <a:pPr lvl="4"/>
-            <a:r>
-              <a:rPr lang="en-US" smtClean="0"/>
-              <a:t>Fifth level</a:t>
-            </a:r>
-            <a:endParaRPr lang="en-US"/>
-          </a:p>
-        </p:txBody>
-      </p:sp>
-      <p:sp>
-        <p:nvSpPr>
-          <p:cNvPr id="4" name="Date Placeholder 3"/>
-          <p:cNvSpPr>
-            <a:spLocks noGrp="1"/>
-          </p:cNvSpPr>
-          <p:nvPr>
-            <p:ph type="dt" sz="half" idx="10"/>
-          </p:nvPr>
-        </p:nvSpPr>
-        <p:spPr/>
-        <p:txBody>
-          <a:bodyPr/>
-          <a:lstStyle/>
-          <a:p>
-            <a:fld id="{241EB5C9-1307-BA42-ABA2-0BC069CD8E7F}" type="datetimeFigureOut">
-              <a:rPr lang="en-US" smtClean="0"/>
-              <a:t>4/5/2019</a:t>
-            </a:fld>
-            <a:endParaRPr lang="en-US"/>
-          </a:p>
-        </p:txBody>
-      </p:sp>
-      <p:sp>
-        <p:nvSpPr>
-          <p:cNvPr id="5" name="Footer Placeholder 4"/>
-          <p:cNvSpPr>
-            <a:spLocks noGrp="1"/>
-          </p:cNvSpPr>
-          <p:nvPr>
-            <p:ph type="ftr" sz="quarter" idx="11"/>
-          </p:nvPr>
-        </p:nvSpPr>
-        <p:spPr/>
-        <p:txBody>
-          <a:bodyPr/>
-          <a:lstStyle/>
-          <a:p>
-            <a:endParaRPr lang="en-US"/>
-          </a:p>
-        </p:txBody>
-      </p:sp>
-      <p:sp>
-        <p:nvSpPr>
-          <p:cNvPr id="6" name="Slide Number Placeholder 5"/>
-          <p:cNvSpPr>
-            <a:spLocks noGrp="1"/>
-          </p:cNvSpPr>
-          <p:nvPr>
-            <p:ph type="sldNum" sz="quarter" idx="12"/>
-          </p:nvPr>
-        </p:nvSpPr>
-        <p:spPr/>
-        <p:txBody>
-          <a:bodyPr/>
-          <a:lstStyle/>
-          <a:p>
-            <a:fld id="{C5EF2332-01BF-834F-8236-50238282D533}" type="slidenum">
-              <a:rPr lang="en-US" smtClean="0"/>
-              <a:t>‹#›</a:t>
-            </a:fld>
-            <a:endParaRPr lang="en-US"/>
-          </a:p>
-        </p:txBody>
-      </p:sp>
-    </p:spTree>
-    <p:extLst>
-      <p:ext uri="{BB962C8B-B14F-4D97-AF65-F5344CB8AC3E}">
-        <p14:creationId xmlns:p14="http://schemas.microsoft.com/office/powerpoint/2010/main" val="313914798"/>
-      </p:ext>
-    </p:extLst>
-  </p:cSld>
-  <p:clrMapOvr>
-    <a:masterClrMapping/>
-  </p:clrMapOvr>
-</p:sldLayout>
-</file>
-
-<file path=ppt/slideLayouts/slideLayout11.xml><?xml version="1.0" encoding="utf-8"?>
-<p:sldLayout xmlns:a="http://schemas.openxmlformats.org/drawingml/2006/main" xmlns:r="http://schemas.openxmlformats.org/officeDocument/2006/relationships" xmlns:p="http://schemas.openxmlformats.org/presentationml/2006/main" type="vertTitleAndTx" preserve="1">
-  <p:cSld name="Vertical Title and Text">
-    <p:spTree>
-      <p:nvGrpSpPr>
-        <p:cNvPr id="1" name=""/>
-        <p:cNvGrpSpPr/>
-        <p:nvPr/>
-      </p:nvGrpSpPr>
-      <p:grpSpPr>
-        <a:xfrm>
-          <a:off x="0" y="0"/>
-          <a:ext cx="0" cy="0"/>
-          <a:chOff x="0" y="0"/>
-          <a:chExt cx="0" cy="0"/>
-        </a:xfrm>
-      </p:grpSpPr>
-      <p:sp>
-        <p:nvSpPr>
-          <p:cNvPr id="2" name="Vertical Title 1"/>
-          <p:cNvSpPr>
-            <a:spLocks noGrp="1"/>
-          </p:cNvSpPr>
-          <p:nvPr>
-            <p:ph type="title" orient="vert"/>
-          </p:nvPr>
-        </p:nvSpPr>
-        <p:spPr>
-          <a:xfrm>
-            <a:off x="6629400" y="274638"/>
-            <a:ext cx="2057400" cy="5851525"/>
-          </a:xfrm>
-        </p:spPr>
-        <p:txBody>
-          <a:bodyPr vert="eaVert"/>
-          <a:lstStyle/>
-          <a:p>
-            <a:r>
-              <a:rPr lang="en-US" smtClean="0"/>
-              <a:t>Click to edit Master title style</a:t>
-            </a:r>
-            <a:endParaRPr lang="en-US"/>
-          </a:p>
-        </p:txBody>
-      </p:sp>
-      <p:sp>
-        <p:nvSpPr>
-          <p:cNvPr id="3" name="Vertical Text Placeholder 2"/>
-          <p:cNvSpPr>
-            <a:spLocks noGrp="1"/>
-          </p:cNvSpPr>
-          <p:nvPr>
-            <p:ph type="body" orient="vert" idx="1"/>
-          </p:nvPr>
-        </p:nvSpPr>
-        <p:spPr>
-          <a:xfrm>
-            <a:off x="457200" y="274638"/>
-            <a:ext cx="6019800" cy="5851525"/>
-          </a:xfrm>
-        </p:spPr>
-        <p:txBody>
-          <a:bodyPr vert="eaVert"/>
-          <a:lstStyle/>
-          <a:p>
-            <a:pPr lvl="0"/>
-            <a:r>
-              <a:rPr lang="en-US" smtClean="0"/>
-              <a:t>Click to edit Master text styles</a:t>
-            </a:r>
-          </a:p>
-          <a:p>
-            <a:pPr lvl="1"/>
-            <a:r>
-              <a:rPr lang="en-US" smtClean="0"/>
-              <a:t>Second level</a:t>
-            </a:r>
-          </a:p>
-          <a:p>
-            <a:pPr lvl="2"/>
-            <a:r>
-              <a:rPr lang="en-US" smtClean="0"/>
-              <a:t>Third level</a:t>
-            </a:r>
-          </a:p>
-          <a:p>
-            <a:pPr lvl="3"/>
-            <a:r>
-              <a:rPr lang="en-US" smtClean="0"/>
-              <a:t>Fourth level</a:t>
-            </a:r>
-          </a:p>
-          <a:p>
-            <a:pPr lvl="4"/>
-            <a:r>
-              <a:rPr lang="en-US" smtClean="0"/>
-              <a:t>Fifth level</a:t>
-            </a:r>
-            <a:endParaRPr lang="en-US"/>
-          </a:p>
-        </p:txBody>
-      </p:sp>
-      <p:sp>
-        <p:nvSpPr>
-          <p:cNvPr id="4" name="Date Placeholder 3"/>
-          <p:cNvSpPr>
-            <a:spLocks noGrp="1"/>
-          </p:cNvSpPr>
-          <p:nvPr>
-            <p:ph type="dt" sz="half" idx="10"/>
-          </p:nvPr>
-        </p:nvSpPr>
-        <p:spPr/>
-        <p:txBody>
-          <a:bodyPr/>
-          <a:lstStyle/>
-          <a:p>
-            <a:fld id="{241EB5C9-1307-BA42-ABA2-0BC069CD8E7F}" type="datetimeFigureOut">
-              <a:rPr lang="en-US" smtClean="0"/>
-              <a:t>4/5/2019</a:t>
-            </a:fld>
-            <a:endParaRPr lang="en-US"/>
-          </a:p>
-        </p:txBody>
-      </p:sp>
-      <p:sp>
-        <p:nvSpPr>
-          <p:cNvPr id="5" name="Footer Placeholder 4"/>
-          <p:cNvSpPr>
-            <a:spLocks noGrp="1"/>
-          </p:cNvSpPr>
-          <p:nvPr>
-            <p:ph type="ftr" sz="quarter" idx="11"/>
-          </p:nvPr>
-        </p:nvSpPr>
-        <p:spPr/>
-        <p:txBody>
-          <a:bodyPr/>
-          <a:lstStyle/>
-          <a:p>
-            <a:endParaRPr lang="en-US"/>
-          </a:p>
-        </p:txBody>
-      </p:sp>
-      <p:sp>
-        <p:nvSpPr>
-          <p:cNvPr id="6" name="Slide Number Placeholder 5"/>
-          <p:cNvSpPr>
-            <a:spLocks noGrp="1"/>
-          </p:cNvSpPr>
-          <p:nvPr>
-            <p:ph type="sldNum" sz="quarter" idx="12"/>
-          </p:nvPr>
-        </p:nvSpPr>
-        <p:spPr/>
-        <p:txBody>
-          <a:bodyPr/>
-          <a:lstStyle/>
-          <a:p>
-            <a:fld id="{C5EF2332-01BF-834F-8236-50238282D533}" type="slidenum">
-              <a:rPr lang="en-US" smtClean="0"/>
-              <a:t>‹#›</a:t>
-            </a:fld>
-            <a:endParaRPr lang="en-US"/>
-          </a:p>
-        </p:txBody>
-      </p:sp>
-    </p:spTree>
-    <p:extLst>
-      <p:ext uri="{BB962C8B-B14F-4D97-AF65-F5344CB8AC3E}">
-        <p14:creationId xmlns:p14="http://schemas.microsoft.com/office/powerpoint/2010/main" val="2581529045"/>
-      </p:ext>
-    </p:extLst>
   </p:cSld>
   <p:clrMapOvr>
     <a:masterClrMapping/>
@@ -1036,7 +686,7 @@
           <a:p>
             <a:fld id="{585AD263-A788-3145-8D38-AEBC1D444AEE}" type="datetime4">
               <a:rPr lang="en-US" smtClean="0"/>
-              <a:t>January 7, 2021</a:t>
+              <a:t>January 25, 2021</a:t>
             </a:fld>
             <a:endParaRPr lang="en-US" dirty="0"/>
           </a:p>
@@ -1326,7 +976,7 @@
           <a:p>
             <a:fld id="{B606C5D1-9323-1B45-8355-7D55EA8EE66A}" type="datetime4">
               <a:rPr lang="en-US" smtClean="0"/>
-              <a:t>January 7, 2021</a:t>
+              <a:t>January 25, 2021</a:t>
             </a:fld>
             <a:endParaRPr lang="en-US" dirty="0"/>
           </a:p>
@@ -1574,7 +1224,7 @@
           <a:p>
             <a:fld id="{A4108F21-3CFE-3045-9ABB-E1E1413BA1A1}" type="datetime4">
               <a:rPr lang="en-US" smtClean="0"/>
-              <a:t>January 7, 2021</a:t>
+              <a:t>January 25, 2021</a:t>
             </a:fld>
             <a:endParaRPr lang="en-US" dirty="0"/>
           </a:p>
@@ -1810,1171 +1460,6 @@
 </p:sldLayout>
 </file>
 
-<file path=ppt/slideLayouts/slideLayout5.xml><?xml version="1.0" encoding="utf-8"?>
-<p:sldLayout xmlns:a="http://schemas.openxmlformats.org/drawingml/2006/main" xmlns:r="http://schemas.openxmlformats.org/officeDocument/2006/relationships" xmlns:p="http://schemas.openxmlformats.org/presentationml/2006/main" type="twoTxTwoObj" preserve="1">
-  <p:cSld name="Comparison">
-    <p:spTree>
-      <p:nvGrpSpPr>
-        <p:cNvPr id="1" name=""/>
-        <p:cNvGrpSpPr/>
-        <p:nvPr/>
-      </p:nvGrpSpPr>
-      <p:grpSpPr>
-        <a:xfrm>
-          <a:off x="0" y="0"/>
-          <a:ext cx="0" cy="0"/>
-          <a:chOff x="0" y="0"/>
-          <a:chExt cx="0" cy="0"/>
-        </a:xfrm>
-      </p:grpSpPr>
-      <p:sp>
-        <p:nvSpPr>
-          <p:cNvPr id="2" name="Title 1"/>
-          <p:cNvSpPr>
-            <a:spLocks noGrp="1"/>
-          </p:cNvSpPr>
-          <p:nvPr>
-            <p:ph type="title"/>
-          </p:nvPr>
-        </p:nvSpPr>
-        <p:spPr/>
-        <p:txBody>
-          <a:bodyPr/>
-          <a:lstStyle>
-            <a:lvl1pPr>
-              <a:defRPr/>
-            </a:lvl1pPr>
-          </a:lstStyle>
-          <a:p>
-            <a:r>
-              <a:rPr lang="en-US" smtClean="0"/>
-              <a:t>Click to edit Master title style</a:t>
-            </a:r>
-            <a:endParaRPr lang="en-US"/>
-          </a:p>
-        </p:txBody>
-      </p:sp>
-      <p:sp>
-        <p:nvSpPr>
-          <p:cNvPr id="3" name="Text Placeholder 2"/>
-          <p:cNvSpPr>
-            <a:spLocks noGrp="1"/>
-          </p:cNvSpPr>
-          <p:nvPr>
-            <p:ph type="body" idx="1"/>
-          </p:nvPr>
-        </p:nvSpPr>
-        <p:spPr>
-          <a:xfrm>
-            <a:off x="457200" y="1535113"/>
-            <a:ext cx="4040188" cy="639762"/>
-          </a:xfrm>
-        </p:spPr>
-        <p:txBody>
-          <a:bodyPr anchor="b"/>
-          <a:lstStyle>
-            <a:lvl1pPr marL="0" indent="0">
-              <a:buNone/>
-              <a:defRPr sz="2400" b="1"/>
-            </a:lvl1pPr>
-            <a:lvl2pPr marL="457200" indent="0">
-              <a:buNone/>
-              <a:defRPr sz="2000" b="1"/>
-            </a:lvl2pPr>
-            <a:lvl3pPr marL="914400" indent="0">
-              <a:buNone/>
-              <a:defRPr sz="1800" b="1"/>
-            </a:lvl3pPr>
-            <a:lvl4pPr marL="1371600" indent="0">
-              <a:buNone/>
-              <a:defRPr sz="1600" b="1"/>
-            </a:lvl4pPr>
-            <a:lvl5pPr marL="1828800" indent="0">
-              <a:buNone/>
-              <a:defRPr sz="1600" b="1"/>
-            </a:lvl5pPr>
-            <a:lvl6pPr marL="2286000" indent="0">
-              <a:buNone/>
-              <a:defRPr sz="1600" b="1"/>
-            </a:lvl6pPr>
-            <a:lvl7pPr marL="2743200" indent="0">
-              <a:buNone/>
-              <a:defRPr sz="1600" b="1"/>
-            </a:lvl7pPr>
-            <a:lvl8pPr marL="3200400" indent="0">
-              <a:buNone/>
-              <a:defRPr sz="1600" b="1"/>
-            </a:lvl8pPr>
-            <a:lvl9pPr marL="3657600" indent="0">
-              <a:buNone/>
-              <a:defRPr sz="1600" b="1"/>
-            </a:lvl9pPr>
-          </a:lstStyle>
-          <a:p>
-            <a:pPr lvl="0"/>
-            <a:r>
-              <a:rPr lang="en-US" smtClean="0"/>
-              <a:t>Click to edit Master text styles</a:t>
-            </a:r>
-          </a:p>
-        </p:txBody>
-      </p:sp>
-      <p:sp>
-        <p:nvSpPr>
-          <p:cNvPr id="4" name="Content Placeholder 3"/>
-          <p:cNvSpPr>
-            <a:spLocks noGrp="1"/>
-          </p:cNvSpPr>
-          <p:nvPr>
-            <p:ph sz="half" idx="2"/>
-          </p:nvPr>
-        </p:nvSpPr>
-        <p:spPr>
-          <a:xfrm>
-            <a:off x="457200" y="2174875"/>
-            <a:ext cx="4040188" cy="3951288"/>
-          </a:xfrm>
-        </p:spPr>
-        <p:txBody>
-          <a:bodyPr/>
-          <a:lstStyle>
-            <a:lvl1pPr>
-              <a:defRPr sz="2400"/>
-            </a:lvl1pPr>
-            <a:lvl2pPr>
-              <a:defRPr sz="2000"/>
-            </a:lvl2pPr>
-            <a:lvl3pPr>
-              <a:defRPr sz="1800"/>
-            </a:lvl3pPr>
-            <a:lvl4pPr>
-              <a:defRPr sz="1600"/>
-            </a:lvl4pPr>
-            <a:lvl5pPr>
-              <a:defRPr sz="1600"/>
-            </a:lvl5pPr>
-            <a:lvl6pPr>
-              <a:defRPr sz="1600"/>
-            </a:lvl6pPr>
-            <a:lvl7pPr>
-              <a:defRPr sz="1600"/>
-            </a:lvl7pPr>
-            <a:lvl8pPr>
-              <a:defRPr sz="1600"/>
-            </a:lvl8pPr>
-            <a:lvl9pPr>
-              <a:defRPr sz="1600"/>
-            </a:lvl9pPr>
-          </a:lstStyle>
-          <a:p>
-            <a:pPr lvl="0"/>
-            <a:r>
-              <a:rPr lang="en-US" smtClean="0"/>
-              <a:t>Click to edit Master text styles</a:t>
-            </a:r>
-          </a:p>
-          <a:p>
-            <a:pPr lvl="1"/>
-            <a:r>
-              <a:rPr lang="en-US" smtClean="0"/>
-              <a:t>Second level</a:t>
-            </a:r>
-          </a:p>
-          <a:p>
-            <a:pPr lvl="2"/>
-            <a:r>
-              <a:rPr lang="en-US" smtClean="0"/>
-              <a:t>Third level</a:t>
-            </a:r>
-          </a:p>
-          <a:p>
-            <a:pPr lvl="3"/>
-            <a:r>
-              <a:rPr lang="en-US" smtClean="0"/>
-              <a:t>Fourth level</a:t>
-            </a:r>
-          </a:p>
-          <a:p>
-            <a:pPr lvl="4"/>
-            <a:r>
-              <a:rPr lang="en-US" smtClean="0"/>
-              <a:t>Fifth level</a:t>
-            </a:r>
-            <a:endParaRPr lang="en-US"/>
-          </a:p>
-        </p:txBody>
-      </p:sp>
-      <p:sp>
-        <p:nvSpPr>
-          <p:cNvPr id="5" name="Text Placeholder 4"/>
-          <p:cNvSpPr>
-            <a:spLocks noGrp="1"/>
-          </p:cNvSpPr>
-          <p:nvPr>
-            <p:ph type="body" sz="quarter" idx="3"/>
-          </p:nvPr>
-        </p:nvSpPr>
-        <p:spPr>
-          <a:xfrm>
-            <a:off x="4645025" y="1535113"/>
-            <a:ext cx="4041775" cy="639762"/>
-          </a:xfrm>
-        </p:spPr>
-        <p:txBody>
-          <a:bodyPr anchor="b"/>
-          <a:lstStyle>
-            <a:lvl1pPr marL="0" indent="0">
-              <a:buNone/>
-              <a:defRPr sz="2400" b="1"/>
-            </a:lvl1pPr>
-            <a:lvl2pPr marL="457200" indent="0">
-              <a:buNone/>
-              <a:defRPr sz="2000" b="1"/>
-            </a:lvl2pPr>
-            <a:lvl3pPr marL="914400" indent="0">
-              <a:buNone/>
-              <a:defRPr sz="1800" b="1"/>
-            </a:lvl3pPr>
-            <a:lvl4pPr marL="1371600" indent="0">
-              <a:buNone/>
-              <a:defRPr sz="1600" b="1"/>
-            </a:lvl4pPr>
-            <a:lvl5pPr marL="1828800" indent="0">
-              <a:buNone/>
-              <a:defRPr sz="1600" b="1"/>
-            </a:lvl5pPr>
-            <a:lvl6pPr marL="2286000" indent="0">
-              <a:buNone/>
-              <a:defRPr sz="1600" b="1"/>
-            </a:lvl6pPr>
-            <a:lvl7pPr marL="2743200" indent="0">
-              <a:buNone/>
-              <a:defRPr sz="1600" b="1"/>
-            </a:lvl7pPr>
-            <a:lvl8pPr marL="3200400" indent="0">
-              <a:buNone/>
-              <a:defRPr sz="1600" b="1"/>
-            </a:lvl8pPr>
-            <a:lvl9pPr marL="3657600" indent="0">
-              <a:buNone/>
-              <a:defRPr sz="1600" b="1"/>
-            </a:lvl9pPr>
-          </a:lstStyle>
-          <a:p>
-            <a:pPr lvl="0"/>
-            <a:r>
-              <a:rPr lang="en-US" smtClean="0"/>
-              <a:t>Click to edit Master text styles</a:t>
-            </a:r>
-          </a:p>
-        </p:txBody>
-      </p:sp>
-      <p:sp>
-        <p:nvSpPr>
-          <p:cNvPr id="6" name="Content Placeholder 5"/>
-          <p:cNvSpPr>
-            <a:spLocks noGrp="1"/>
-          </p:cNvSpPr>
-          <p:nvPr>
-            <p:ph sz="quarter" idx="4"/>
-          </p:nvPr>
-        </p:nvSpPr>
-        <p:spPr>
-          <a:xfrm>
-            <a:off x="4645025" y="2174875"/>
-            <a:ext cx="4041775" cy="3951288"/>
-          </a:xfrm>
-        </p:spPr>
-        <p:txBody>
-          <a:bodyPr/>
-          <a:lstStyle>
-            <a:lvl1pPr>
-              <a:defRPr sz="2400"/>
-            </a:lvl1pPr>
-            <a:lvl2pPr>
-              <a:defRPr sz="2000"/>
-            </a:lvl2pPr>
-            <a:lvl3pPr>
-              <a:defRPr sz="1800"/>
-            </a:lvl3pPr>
-            <a:lvl4pPr>
-              <a:defRPr sz="1600"/>
-            </a:lvl4pPr>
-            <a:lvl5pPr>
-              <a:defRPr sz="1600"/>
-            </a:lvl5pPr>
-            <a:lvl6pPr>
-              <a:defRPr sz="1600"/>
-            </a:lvl6pPr>
-            <a:lvl7pPr>
-              <a:defRPr sz="1600"/>
-            </a:lvl7pPr>
-            <a:lvl8pPr>
-              <a:defRPr sz="1600"/>
-            </a:lvl8pPr>
-            <a:lvl9pPr>
-              <a:defRPr sz="1600"/>
-            </a:lvl9pPr>
-          </a:lstStyle>
-          <a:p>
-            <a:pPr lvl="0"/>
-            <a:r>
-              <a:rPr lang="en-US" smtClean="0"/>
-              <a:t>Click to edit Master text styles</a:t>
-            </a:r>
-          </a:p>
-          <a:p>
-            <a:pPr lvl="1"/>
-            <a:r>
-              <a:rPr lang="en-US" smtClean="0"/>
-              <a:t>Second level</a:t>
-            </a:r>
-          </a:p>
-          <a:p>
-            <a:pPr lvl="2"/>
-            <a:r>
-              <a:rPr lang="en-US" smtClean="0"/>
-              <a:t>Third level</a:t>
-            </a:r>
-          </a:p>
-          <a:p>
-            <a:pPr lvl="3"/>
-            <a:r>
-              <a:rPr lang="en-US" smtClean="0"/>
-              <a:t>Fourth level</a:t>
-            </a:r>
-          </a:p>
-          <a:p>
-            <a:pPr lvl="4"/>
-            <a:r>
-              <a:rPr lang="en-US" smtClean="0"/>
-              <a:t>Fifth level</a:t>
-            </a:r>
-            <a:endParaRPr lang="en-US"/>
-          </a:p>
-        </p:txBody>
-      </p:sp>
-      <p:sp>
-        <p:nvSpPr>
-          <p:cNvPr id="7" name="Date Placeholder 6"/>
-          <p:cNvSpPr>
-            <a:spLocks noGrp="1"/>
-          </p:cNvSpPr>
-          <p:nvPr>
-            <p:ph type="dt" sz="half" idx="10"/>
-          </p:nvPr>
-        </p:nvSpPr>
-        <p:spPr/>
-        <p:txBody>
-          <a:bodyPr/>
-          <a:lstStyle/>
-          <a:p>
-            <a:fld id="{241EB5C9-1307-BA42-ABA2-0BC069CD8E7F}" type="datetimeFigureOut">
-              <a:rPr lang="en-US" smtClean="0"/>
-              <a:t>4/5/2019</a:t>
-            </a:fld>
-            <a:endParaRPr lang="en-US"/>
-          </a:p>
-        </p:txBody>
-      </p:sp>
-      <p:sp>
-        <p:nvSpPr>
-          <p:cNvPr id="8" name="Footer Placeholder 7"/>
-          <p:cNvSpPr>
-            <a:spLocks noGrp="1"/>
-          </p:cNvSpPr>
-          <p:nvPr>
-            <p:ph type="ftr" sz="quarter" idx="11"/>
-          </p:nvPr>
-        </p:nvSpPr>
-        <p:spPr/>
-        <p:txBody>
-          <a:bodyPr/>
-          <a:lstStyle/>
-          <a:p>
-            <a:endParaRPr lang="en-US"/>
-          </a:p>
-        </p:txBody>
-      </p:sp>
-      <p:sp>
-        <p:nvSpPr>
-          <p:cNvPr id="9" name="Slide Number Placeholder 8"/>
-          <p:cNvSpPr>
-            <a:spLocks noGrp="1"/>
-          </p:cNvSpPr>
-          <p:nvPr>
-            <p:ph type="sldNum" sz="quarter" idx="12"/>
-          </p:nvPr>
-        </p:nvSpPr>
-        <p:spPr/>
-        <p:txBody>
-          <a:bodyPr/>
-          <a:lstStyle/>
-          <a:p>
-            <a:fld id="{C5EF2332-01BF-834F-8236-50238282D533}" type="slidenum">
-              <a:rPr lang="en-US" smtClean="0"/>
-              <a:t>‹#›</a:t>
-            </a:fld>
-            <a:endParaRPr lang="en-US"/>
-          </a:p>
-        </p:txBody>
-      </p:sp>
-    </p:spTree>
-    <p:extLst>
-      <p:ext uri="{BB962C8B-B14F-4D97-AF65-F5344CB8AC3E}">
-        <p14:creationId xmlns:p14="http://schemas.microsoft.com/office/powerpoint/2010/main" val="2535793967"/>
-      </p:ext>
-    </p:extLst>
-  </p:cSld>
-  <p:clrMapOvr>
-    <a:masterClrMapping/>
-  </p:clrMapOvr>
-</p:sldLayout>
-</file>
-
-<file path=ppt/slideLayouts/slideLayout6.xml><?xml version="1.0" encoding="utf-8"?>
-<p:sldLayout xmlns:a="http://schemas.openxmlformats.org/drawingml/2006/main" xmlns:r="http://schemas.openxmlformats.org/officeDocument/2006/relationships" xmlns:p="http://schemas.openxmlformats.org/presentationml/2006/main" type="titleOnly" preserve="1">
-  <p:cSld name="Title Only">
-    <p:spTree>
-      <p:nvGrpSpPr>
-        <p:cNvPr id="1" name=""/>
-        <p:cNvGrpSpPr/>
-        <p:nvPr/>
-      </p:nvGrpSpPr>
-      <p:grpSpPr>
-        <a:xfrm>
-          <a:off x="0" y="0"/>
-          <a:ext cx="0" cy="0"/>
-          <a:chOff x="0" y="0"/>
-          <a:chExt cx="0" cy="0"/>
-        </a:xfrm>
-      </p:grpSpPr>
-      <p:sp>
-        <p:nvSpPr>
-          <p:cNvPr id="2" name="Title 1"/>
-          <p:cNvSpPr>
-            <a:spLocks noGrp="1"/>
-          </p:cNvSpPr>
-          <p:nvPr>
-            <p:ph type="title"/>
-          </p:nvPr>
-        </p:nvSpPr>
-        <p:spPr/>
-        <p:txBody>
-          <a:bodyPr/>
-          <a:lstStyle/>
-          <a:p>
-            <a:r>
-              <a:rPr lang="en-US" smtClean="0"/>
-              <a:t>Click to edit Master title style</a:t>
-            </a:r>
-            <a:endParaRPr lang="en-US"/>
-          </a:p>
-        </p:txBody>
-      </p:sp>
-      <p:sp>
-        <p:nvSpPr>
-          <p:cNvPr id="3" name="Date Placeholder 2"/>
-          <p:cNvSpPr>
-            <a:spLocks noGrp="1"/>
-          </p:cNvSpPr>
-          <p:nvPr>
-            <p:ph type="dt" sz="half" idx="10"/>
-          </p:nvPr>
-        </p:nvSpPr>
-        <p:spPr/>
-        <p:txBody>
-          <a:bodyPr/>
-          <a:lstStyle/>
-          <a:p>
-            <a:fld id="{241EB5C9-1307-BA42-ABA2-0BC069CD8E7F}" type="datetimeFigureOut">
-              <a:rPr lang="en-US" smtClean="0"/>
-              <a:t>4/5/2019</a:t>
-            </a:fld>
-            <a:endParaRPr lang="en-US"/>
-          </a:p>
-        </p:txBody>
-      </p:sp>
-      <p:sp>
-        <p:nvSpPr>
-          <p:cNvPr id="4" name="Footer Placeholder 3"/>
-          <p:cNvSpPr>
-            <a:spLocks noGrp="1"/>
-          </p:cNvSpPr>
-          <p:nvPr>
-            <p:ph type="ftr" sz="quarter" idx="11"/>
-          </p:nvPr>
-        </p:nvSpPr>
-        <p:spPr/>
-        <p:txBody>
-          <a:bodyPr/>
-          <a:lstStyle/>
-          <a:p>
-            <a:endParaRPr lang="en-US"/>
-          </a:p>
-        </p:txBody>
-      </p:sp>
-      <p:sp>
-        <p:nvSpPr>
-          <p:cNvPr id="5" name="Slide Number Placeholder 4"/>
-          <p:cNvSpPr>
-            <a:spLocks noGrp="1"/>
-          </p:cNvSpPr>
-          <p:nvPr>
-            <p:ph type="sldNum" sz="quarter" idx="12"/>
-          </p:nvPr>
-        </p:nvSpPr>
-        <p:spPr/>
-        <p:txBody>
-          <a:bodyPr/>
-          <a:lstStyle/>
-          <a:p>
-            <a:fld id="{C5EF2332-01BF-834F-8236-50238282D533}" type="slidenum">
-              <a:rPr lang="en-US" smtClean="0"/>
-              <a:t>‹#›</a:t>
-            </a:fld>
-            <a:endParaRPr lang="en-US"/>
-          </a:p>
-        </p:txBody>
-      </p:sp>
-    </p:spTree>
-    <p:extLst>
-      <p:ext uri="{BB962C8B-B14F-4D97-AF65-F5344CB8AC3E}">
-        <p14:creationId xmlns:p14="http://schemas.microsoft.com/office/powerpoint/2010/main" val="3472721253"/>
-      </p:ext>
-    </p:extLst>
-  </p:cSld>
-  <p:clrMapOvr>
-    <a:masterClrMapping/>
-  </p:clrMapOvr>
-</p:sldLayout>
-</file>
-
-<file path=ppt/slideLayouts/slideLayout7.xml><?xml version="1.0" encoding="utf-8"?>
-<p:sldLayout xmlns:a="http://schemas.openxmlformats.org/drawingml/2006/main" xmlns:r="http://schemas.openxmlformats.org/officeDocument/2006/relationships" xmlns:p="http://schemas.openxmlformats.org/presentationml/2006/main" type="blank" preserve="1">
-  <p:cSld name="Blank">
-    <p:spTree>
-      <p:nvGrpSpPr>
-        <p:cNvPr id="1" name=""/>
-        <p:cNvGrpSpPr/>
-        <p:nvPr/>
-      </p:nvGrpSpPr>
-      <p:grpSpPr>
-        <a:xfrm>
-          <a:off x="0" y="0"/>
-          <a:ext cx="0" cy="0"/>
-          <a:chOff x="0" y="0"/>
-          <a:chExt cx="0" cy="0"/>
-        </a:xfrm>
-      </p:grpSpPr>
-      <p:sp>
-        <p:nvSpPr>
-          <p:cNvPr id="2" name="Date Placeholder 1"/>
-          <p:cNvSpPr>
-            <a:spLocks noGrp="1"/>
-          </p:cNvSpPr>
-          <p:nvPr>
-            <p:ph type="dt" sz="half" idx="10"/>
-          </p:nvPr>
-        </p:nvSpPr>
-        <p:spPr/>
-        <p:txBody>
-          <a:bodyPr/>
-          <a:lstStyle/>
-          <a:p>
-            <a:fld id="{241EB5C9-1307-BA42-ABA2-0BC069CD8E7F}" type="datetimeFigureOut">
-              <a:rPr lang="en-US" smtClean="0"/>
-              <a:t>4/5/2019</a:t>
-            </a:fld>
-            <a:endParaRPr lang="en-US"/>
-          </a:p>
-        </p:txBody>
-      </p:sp>
-      <p:sp>
-        <p:nvSpPr>
-          <p:cNvPr id="3" name="Footer Placeholder 2"/>
-          <p:cNvSpPr>
-            <a:spLocks noGrp="1"/>
-          </p:cNvSpPr>
-          <p:nvPr>
-            <p:ph type="ftr" sz="quarter" idx="11"/>
-          </p:nvPr>
-        </p:nvSpPr>
-        <p:spPr/>
-        <p:txBody>
-          <a:bodyPr/>
-          <a:lstStyle/>
-          <a:p>
-            <a:endParaRPr lang="en-US"/>
-          </a:p>
-        </p:txBody>
-      </p:sp>
-      <p:sp>
-        <p:nvSpPr>
-          <p:cNvPr id="4" name="Slide Number Placeholder 3"/>
-          <p:cNvSpPr>
-            <a:spLocks noGrp="1"/>
-          </p:cNvSpPr>
-          <p:nvPr>
-            <p:ph type="sldNum" sz="quarter" idx="12"/>
-          </p:nvPr>
-        </p:nvSpPr>
-        <p:spPr/>
-        <p:txBody>
-          <a:bodyPr/>
-          <a:lstStyle/>
-          <a:p>
-            <a:fld id="{C5EF2332-01BF-834F-8236-50238282D533}" type="slidenum">
-              <a:rPr lang="en-US" smtClean="0"/>
-              <a:t>‹#›</a:t>
-            </a:fld>
-            <a:endParaRPr lang="en-US"/>
-          </a:p>
-        </p:txBody>
-      </p:sp>
-    </p:spTree>
-    <p:extLst>
-      <p:ext uri="{BB962C8B-B14F-4D97-AF65-F5344CB8AC3E}">
-        <p14:creationId xmlns:p14="http://schemas.microsoft.com/office/powerpoint/2010/main" val="2130901097"/>
-      </p:ext>
-    </p:extLst>
-  </p:cSld>
-  <p:clrMapOvr>
-    <a:masterClrMapping/>
-  </p:clrMapOvr>
-</p:sldLayout>
-</file>
-
-<file path=ppt/slideLayouts/slideLayout8.xml><?xml version="1.0" encoding="utf-8"?>
-<p:sldLayout xmlns:a="http://schemas.openxmlformats.org/drawingml/2006/main" xmlns:r="http://schemas.openxmlformats.org/officeDocument/2006/relationships" xmlns:p="http://schemas.openxmlformats.org/presentationml/2006/main" type="objTx" preserve="1">
-  <p:cSld name="Content with Caption">
-    <p:spTree>
-      <p:nvGrpSpPr>
-        <p:cNvPr id="1" name=""/>
-        <p:cNvGrpSpPr/>
-        <p:nvPr/>
-      </p:nvGrpSpPr>
-      <p:grpSpPr>
-        <a:xfrm>
-          <a:off x="0" y="0"/>
-          <a:ext cx="0" cy="0"/>
-          <a:chOff x="0" y="0"/>
-          <a:chExt cx="0" cy="0"/>
-        </a:xfrm>
-      </p:grpSpPr>
-      <p:sp>
-        <p:nvSpPr>
-          <p:cNvPr id="2" name="Title 1"/>
-          <p:cNvSpPr>
-            <a:spLocks noGrp="1"/>
-          </p:cNvSpPr>
-          <p:nvPr>
-            <p:ph type="title"/>
-          </p:nvPr>
-        </p:nvSpPr>
-        <p:spPr>
-          <a:xfrm>
-            <a:off x="457200" y="273050"/>
-            <a:ext cx="3008313" cy="1162050"/>
-          </a:xfrm>
-        </p:spPr>
-        <p:txBody>
-          <a:bodyPr anchor="b"/>
-          <a:lstStyle>
-            <a:lvl1pPr algn="l">
-              <a:defRPr sz="2000" b="1"/>
-            </a:lvl1pPr>
-          </a:lstStyle>
-          <a:p>
-            <a:r>
-              <a:rPr lang="en-US" smtClean="0"/>
-              <a:t>Click to edit Master title style</a:t>
-            </a:r>
-            <a:endParaRPr lang="en-US"/>
-          </a:p>
-        </p:txBody>
-      </p:sp>
-      <p:sp>
-        <p:nvSpPr>
-          <p:cNvPr id="3" name="Content Placeholder 2"/>
-          <p:cNvSpPr>
-            <a:spLocks noGrp="1"/>
-          </p:cNvSpPr>
-          <p:nvPr>
-            <p:ph idx="1"/>
-          </p:nvPr>
-        </p:nvSpPr>
-        <p:spPr>
-          <a:xfrm>
-            <a:off x="3575050" y="273050"/>
-            <a:ext cx="5111750" cy="5853113"/>
-          </a:xfrm>
-        </p:spPr>
-        <p:txBody>
-          <a:bodyPr/>
-          <a:lstStyle>
-            <a:lvl1pPr>
-              <a:defRPr sz="3200"/>
-            </a:lvl1pPr>
-            <a:lvl2pPr>
-              <a:defRPr sz="2800"/>
-            </a:lvl2pPr>
-            <a:lvl3pPr>
-              <a:defRPr sz="2400"/>
-            </a:lvl3pPr>
-            <a:lvl4pPr>
-              <a:defRPr sz="2000"/>
-            </a:lvl4pPr>
-            <a:lvl5pPr>
-              <a:defRPr sz="2000"/>
-            </a:lvl5pPr>
-            <a:lvl6pPr>
-              <a:defRPr sz="2000"/>
-            </a:lvl6pPr>
-            <a:lvl7pPr>
-              <a:defRPr sz="2000"/>
-            </a:lvl7pPr>
-            <a:lvl8pPr>
-              <a:defRPr sz="2000"/>
-            </a:lvl8pPr>
-            <a:lvl9pPr>
-              <a:defRPr sz="2000"/>
-            </a:lvl9pPr>
-          </a:lstStyle>
-          <a:p>
-            <a:pPr lvl="0"/>
-            <a:r>
-              <a:rPr lang="en-US" smtClean="0"/>
-              <a:t>Click to edit Master text styles</a:t>
-            </a:r>
-          </a:p>
-          <a:p>
-            <a:pPr lvl="1"/>
-            <a:r>
-              <a:rPr lang="en-US" smtClean="0"/>
-              <a:t>Second level</a:t>
-            </a:r>
-          </a:p>
-          <a:p>
-            <a:pPr lvl="2"/>
-            <a:r>
-              <a:rPr lang="en-US" smtClean="0"/>
-              <a:t>Third level</a:t>
-            </a:r>
-          </a:p>
-          <a:p>
-            <a:pPr lvl="3"/>
-            <a:r>
-              <a:rPr lang="en-US" smtClean="0"/>
-              <a:t>Fourth level</a:t>
-            </a:r>
-          </a:p>
-          <a:p>
-            <a:pPr lvl="4"/>
-            <a:r>
-              <a:rPr lang="en-US" smtClean="0"/>
-              <a:t>Fifth level</a:t>
-            </a:r>
-            <a:endParaRPr lang="en-US"/>
-          </a:p>
-        </p:txBody>
-      </p:sp>
-      <p:sp>
-        <p:nvSpPr>
-          <p:cNvPr id="4" name="Text Placeholder 3"/>
-          <p:cNvSpPr>
-            <a:spLocks noGrp="1"/>
-          </p:cNvSpPr>
-          <p:nvPr>
-            <p:ph type="body" sz="half" idx="2"/>
-          </p:nvPr>
-        </p:nvSpPr>
-        <p:spPr>
-          <a:xfrm>
-            <a:off x="457200" y="1435100"/>
-            <a:ext cx="3008313" cy="4691063"/>
-          </a:xfrm>
-        </p:spPr>
-        <p:txBody>
-          <a:bodyPr/>
-          <a:lstStyle>
-            <a:lvl1pPr marL="0" indent="0">
-              <a:buNone/>
-              <a:defRPr sz="1400"/>
-            </a:lvl1pPr>
-            <a:lvl2pPr marL="457200" indent="0">
-              <a:buNone/>
-              <a:defRPr sz="1200"/>
-            </a:lvl2pPr>
-            <a:lvl3pPr marL="914400" indent="0">
-              <a:buNone/>
-              <a:defRPr sz="1000"/>
-            </a:lvl3pPr>
-            <a:lvl4pPr marL="1371600" indent="0">
-              <a:buNone/>
-              <a:defRPr sz="900"/>
-            </a:lvl4pPr>
-            <a:lvl5pPr marL="1828800" indent="0">
-              <a:buNone/>
-              <a:defRPr sz="900"/>
-            </a:lvl5pPr>
-            <a:lvl6pPr marL="2286000" indent="0">
-              <a:buNone/>
-              <a:defRPr sz="900"/>
-            </a:lvl6pPr>
-            <a:lvl7pPr marL="2743200" indent="0">
-              <a:buNone/>
-              <a:defRPr sz="900"/>
-            </a:lvl7pPr>
-            <a:lvl8pPr marL="3200400" indent="0">
-              <a:buNone/>
-              <a:defRPr sz="900"/>
-            </a:lvl8pPr>
-            <a:lvl9pPr marL="3657600" indent="0">
-              <a:buNone/>
-              <a:defRPr sz="900"/>
-            </a:lvl9pPr>
-          </a:lstStyle>
-          <a:p>
-            <a:pPr lvl="0"/>
-            <a:r>
-              <a:rPr lang="en-US" smtClean="0"/>
-              <a:t>Click to edit Master text styles</a:t>
-            </a:r>
-          </a:p>
-        </p:txBody>
-      </p:sp>
-      <p:sp>
-        <p:nvSpPr>
-          <p:cNvPr id="5" name="Date Placeholder 4"/>
-          <p:cNvSpPr>
-            <a:spLocks noGrp="1"/>
-          </p:cNvSpPr>
-          <p:nvPr>
-            <p:ph type="dt" sz="half" idx="10"/>
-          </p:nvPr>
-        </p:nvSpPr>
-        <p:spPr/>
-        <p:txBody>
-          <a:bodyPr/>
-          <a:lstStyle/>
-          <a:p>
-            <a:fld id="{241EB5C9-1307-BA42-ABA2-0BC069CD8E7F}" type="datetimeFigureOut">
-              <a:rPr lang="en-US" smtClean="0"/>
-              <a:t>4/5/2019</a:t>
-            </a:fld>
-            <a:endParaRPr lang="en-US"/>
-          </a:p>
-        </p:txBody>
-      </p:sp>
-      <p:sp>
-        <p:nvSpPr>
-          <p:cNvPr id="6" name="Footer Placeholder 5"/>
-          <p:cNvSpPr>
-            <a:spLocks noGrp="1"/>
-          </p:cNvSpPr>
-          <p:nvPr>
-            <p:ph type="ftr" sz="quarter" idx="11"/>
-          </p:nvPr>
-        </p:nvSpPr>
-        <p:spPr/>
-        <p:txBody>
-          <a:bodyPr/>
-          <a:lstStyle/>
-          <a:p>
-            <a:endParaRPr lang="en-US"/>
-          </a:p>
-        </p:txBody>
-      </p:sp>
-      <p:sp>
-        <p:nvSpPr>
-          <p:cNvPr id="7" name="Slide Number Placeholder 6"/>
-          <p:cNvSpPr>
-            <a:spLocks noGrp="1"/>
-          </p:cNvSpPr>
-          <p:nvPr>
-            <p:ph type="sldNum" sz="quarter" idx="12"/>
-          </p:nvPr>
-        </p:nvSpPr>
-        <p:spPr/>
-        <p:txBody>
-          <a:bodyPr/>
-          <a:lstStyle/>
-          <a:p>
-            <a:fld id="{C5EF2332-01BF-834F-8236-50238282D533}" type="slidenum">
-              <a:rPr lang="en-US" smtClean="0"/>
-              <a:t>‹#›</a:t>
-            </a:fld>
-            <a:endParaRPr lang="en-US"/>
-          </a:p>
-        </p:txBody>
-      </p:sp>
-    </p:spTree>
-    <p:extLst>
-      <p:ext uri="{BB962C8B-B14F-4D97-AF65-F5344CB8AC3E}">
-        <p14:creationId xmlns:p14="http://schemas.microsoft.com/office/powerpoint/2010/main" val="3540895647"/>
-      </p:ext>
-    </p:extLst>
-  </p:cSld>
-  <p:clrMapOvr>
-    <a:masterClrMapping/>
-  </p:clrMapOvr>
-</p:sldLayout>
-</file>
-
-<file path=ppt/slideLayouts/slideLayout9.xml><?xml version="1.0" encoding="utf-8"?>
-<p:sldLayout xmlns:a="http://schemas.openxmlformats.org/drawingml/2006/main" xmlns:r="http://schemas.openxmlformats.org/officeDocument/2006/relationships" xmlns:p="http://schemas.openxmlformats.org/presentationml/2006/main" type="picTx" preserve="1">
-  <p:cSld name="Picture with Caption">
-    <p:spTree>
-      <p:nvGrpSpPr>
-        <p:cNvPr id="1" name=""/>
-        <p:cNvGrpSpPr/>
-        <p:nvPr/>
-      </p:nvGrpSpPr>
-      <p:grpSpPr>
-        <a:xfrm>
-          <a:off x="0" y="0"/>
-          <a:ext cx="0" cy="0"/>
-          <a:chOff x="0" y="0"/>
-          <a:chExt cx="0" cy="0"/>
-        </a:xfrm>
-      </p:grpSpPr>
-      <p:sp>
-        <p:nvSpPr>
-          <p:cNvPr id="2" name="Title 1"/>
-          <p:cNvSpPr>
-            <a:spLocks noGrp="1"/>
-          </p:cNvSpPr>
-          <p:nvPr>
-            <p:ph type="title"/>
-          </p:nvPr>
-        </p:nvSpPr>
-        <p:spPr>
-          <a:xfrm>
-            <a:off x="1792288" y="4800600"/>
-            <a:ext cx="5486400" cy="566738"/>
-          </a:xfrm>
-        </p:spPr>
-        <p:txBody>
-          <a:bodyPr anchor="b"/>
-          <a:lstStyle>
-            <a:lvl1pPr algn="l">
-              <a:defRPr sz="2000" b="1"/>
-            </a:lvl1pPr>
-          </a:lstStyle>
-          <a:p>
-            <a:r>
-              <a:rPr lang="en-US" smtClean="0"/>
-              <a:t>Click to edit Master title style</a:t>
-            </a:r>
-            <a:endParaRPr lang="en-US"/>
-          </a:p>
-        </p:txBody>
-      </p:sp>
-      <p:sp>
-        <p:nvSpPr>
-          <p:cNvPr id="3" name="Picture Placeholder 2"/>
-          <p:cNvSpPr>
-            <a:spLocks noGrp="1"/>
-          </p:cNvSpPr>
-          <p:nvPr>
-            <p:ph type="pic" idx="1"/>
-          </p:nvPr>
-        </p:nvSpPr>
-        <p:spPr>
-          <a:xfrm>
-            <a:off x="1792288" y="612775"/>
-            <a:ext cx="5486400" cy="4114800"/>
-          </a:xfrm>
-        </p:spPr>
-        <p:txBody>
-          <a:bodyPr/>
-          <a:lstStyle>
-            <a:lvl1pPr marL="0" indent="0">
-              <a:buNone/>
-              <a:defRPr sz="3200"/>
-            </a:lvl1pPr>
-            <a:lvl2pPr marL="457200" indent="0">
-              <a:buNone/>
-              <a:defRPr sz="2800"/>
-            </a:lvl2pPr>
-            <a:lvl3pPr marL="914400" indent="0">
-              <a:buNone/>
-              <a:defRPr sz="2400"/>
-            </a:lvl3pPr>
-            <a:lvl4pPr marL="1371600" indent="0">
-              <a:buNone/>
-              <a:defRPr sz="2000"/>
-            </a:lvl4pPr>
-            <a:lvl5pPr marL="1828800" indent="0">
-              <a:buNone/>
-              <a:defRPr sz="2000"/>
-            </a:lvl5pPr>
-            <a:lvl6pPr marL="2286000" indent="0">
-              <a:buNone/>
-              <a:defRPr sz="2000"/>
-            </a:lvl6pPr>
-            <a:lvl7pPr marL="2743200" indent="0">
-              <a:buNone/>
-              <a:defRPr sz="2000"/>
-            </a:lvl7pPr>
-            <a:lvl8pPr marL="3200400" indent="0">
-              <a:buNone/>
-              <a:defRPr sz="2000"/>
-            </a:lvl8pPr>
-            <a:lvl9pPr marL="3657600" indent="0">
-              <a:buNone/>
-              <a:defRPr sz="2000"/>
-            </a:lvl9pPr>
-          </a:lstStyle>
-          <a:p>
-            <a:endParaRPr lang="en-US"/>
-          </a:p>
-        </p:txBody>
-      </p:sp>
-      <p:sp>
-        <p:nvSpPr>
-          <p:cNvPr id="4" name="Text Placeholder 3"/>
-          <p:cNvSpPr>
-            <a:spLocks noGrp="1"/>
-          </p:cNvSpPr>
-          <p:nvPr>
-            <p:ph type="body" sz="half" idx="2"/>
-          </p:nvPr>
-        </p:nvSpPr>
-        <p:spPr>
-          <a:xfrm>
-            <a:off x="1792288" y="5367338"/>
-            <a:ext cx="5486400" cy="804862"/>
-          </a:xfrm>
-        </p:spPr>
-        <p:txBody>
-          <a:bodyPr/>
-          <a:lstStyle>
-            <a:lvl1pPr marL="0" indent="0">
-              <a:buNone/>
-              <a:defRPr sz="1400"/>
-            </a:lvl1pPr>
-            <a:lvl2pPr marL="457200" indent="0">
-              <a:buNone/>
-              <a:defRPr sz="1200"/>
-            </a:lvl2pPr>
-            <a:lvl3pPr marL="914400" indent="0">
-              <a:buNone/>
-              <a:defRPr sz="1000"/>
-            </a:lvl3pPr>
-            <a:lvl4pPr marL="1371600" indent="0">
-              <a:buNone/>
-              <a:defRPr sz="900"/>
-            </a:lvl4pPr>
-            <a:lvl5pPr marL="1828800" indent="0">
-              <a:buNone/>
-              <a:defRPr sz="900"/>
-            </a:lvl5pPr>
-            <a:lvl6pPr marL="2286000" indent="0">
-              <a:buNone/>
-              <a:defRPr sz="900"/>
-            </a:lvl6pPr>
-            <a:lvl7pPr marL="2743200" indent="0">
-              <a:buNone/>
-              <a:defRPr sz="900"/>
-            </a:lvl7pPr>
-            <a:lvl8pPr marL="3200400" indent="0">
-              <a:buNone/>
-              <a:defRPr sz="900"/>
-            </a:lvl8pPr>
-            <a:lvl9pPr marL="3657600" indent="0">
-              <a:buNone/>
-              <a:defRPr sz="900"/>
-            </a:lvl9pPr>
-          </a:lstStyle>
-          <a:p>
-            <a:pPr lvl="0"/>
-            <a:r>
-              <a:rPr lang="en-US" smtClean="0"/>
-              <a:t>Click to edit Master text styles</a:t>
-            </a:r>
-          </a:p>
-        </p:txBody>
-      </p:sp>
-      <p:sp>
-        <p:nvSpPr>
-          <p:cNvPr id="5" name="Date Placeholder 4"/>
-          <p:cNvSpPr>
-            <a:spLocks noGrp="1"/>
-          </p:cNvSpPr>
-          <p:nvPr>
-            <p:ph type="dt" sz="half" idx="10"/>
-          </p:nvPr>
-        </p:nvSpPr>
-        <p:spPr/>
-        <p:txBody>
-          <a:bodyPr/>
-          <a:lstStyle/>
-          <a:p>
-            <a:fld id="{241EB5C9-1307-BA42-ABA2-0BC069CD8E7F}" type="datetimeFigureOut">
-              <a:rPr lang="en-US" smtClean="0"/>
-              <a:t>4/5/2019</a:t>
-            </a:fld>
-            <a:endParaRPr lang="en-US"/>
-          </a:p>
-        </p:txBody>
-      </p:sp>
-      <p:sp>
-        <p:nvSpPr>
-          <p:cNvPr id="6" name="Footer Placeholder 5"/>
-          <p:cNvSpPr>
-            <a:spLocks noGrp="1"/>
-          </p:cNvSpPr>
-          <p:nvPr>
-            <p:ph type="ftr" sz="quarter" idx="11"/>
-          </p:nvPr>
-        </p:nvSpPr>
-        <p:spPr/>
-        <p:txBody>
-          <a:bodyPr/>
-          <a:lstStyle/>
-          <a:p>
-            <a:endParaRPr lang="en-US"/>
-          </a:p>
-        </p:txBody>
-      </p:sp>
-      <p:sp>
-        <p:nvSpPr>
-          <p:cNvPr id="7" name="Slide Number Placeholder 6"/>
-          <p:cNvSpPr>
-            <a:spLocks noGrp="1"/>
-          </p:cNvSpPr>
-          <p:nvPr>
-            <p:ph type="sldNum" sz="quarter" idx="12"/>
-          </p:nvPr>
-        </p:nvSpPr>
-        <p:spPr/>
-        <p:txBody>
-          <a:bodyPr/>
-          <a:lstStyle/>
-          <a:p>
-            <a:fld id="{C5EF2332-01BF-834F-8236-50238282D533}" type="slidenum">
-              <a:rPr lang="en-US" smtClean="0"/>
-              <a:t>‹#›</a:t>
-            </a:fld>
-            <a:endParaRPr lang="en-US"/>
-          </a:p>
-        </p:txBody>
-      </p:sp>
-    </p:spTree>
-    <p:extLst>
-      <p:ext uri="{BB962C8B-B14F-4D97-AF65-F5344CB8AC3E}">
-        <p14:creationId xmlns:p14="http://schemas.microsoft.com/office/powerpoint/2010/main" val="3566899855"/>
-      </p:ext>
-    </p:extLst>
-  </p:cSld>
-  <p:clrMapOvr>
-    <a:masterClrMapping/>
-  </p:clrMapOvr>
-</p:sldLayout>
-</file>
-
 <file path=ppt/slideMasters/slideMaster1.xml><?xml version="1.0" encoding="utf-8"?>
 <p:sldMaster xmlns:a="http://schemas.openxmlformats.org/drawingml/2006/main" xmlns:r="http://schemas.openxmlformats.org/officeDocument/2006/relationships" xmlns:p="http://schemas.openxmlformats.org/presentationml/2006/main">
   <p:cSld>
@@ -3187,7 +1672,7 @@
           <a:p>
             <a:fld id="{5EF76A7A-0506-6C4D-8382-BFC753915B9A}" type="datetime4">
               <a:rPr lang="en-US" smtClean="0"/>
-              <a:t>January 7, 2021</a:t>
+              <a:t>January 25, 2021</a:t>
             </a:fld>
             <a:endParaRPr lang="en-US" dirty="0"/>
           </a:p>
@@ -3641,28 +2126,11 @@
           <a:bodyPr/>
           <a:lstStyle/>
           <a:p>
-            <a:pPr lvl="0" marL="0" indent="0">
+            <a:pPr marL="0" lvl="0" indent="0">
               <a:buNone/>
             </a:pPr>
             <a:r>
-              <a:rPr/>
-              <a:t>Sample_PPT</a:t>
-            </a:r>
-            <a:r>
-              <a:rPr/>
-              <a:t> </a:t>
-            </a:r>
-            <a:r>
-              <a:rPr/>
-              <a:t>(PERSI</a:t>
-            </a:r>
-            <a:r>
-              <a:rPr/>
-              <a:t> </a:t>
-            </a:r>
-            <a:r>
-              <a:rPr/>
-              <a:t>graphs)</a:t>
+              <a:t>Sample_PPT (PERSI graphs)</a:t>
             </a:r>
           </a:p>
         </p:txBody>
@@ -3687,46 +2155,13 @@
           <a:bodyPr/>
           <a:lstStyle/>
           <a:p>
-            <a:pPr lvl="0" marL="0" indent="0">
+            <a:pPr marL="0" lvl="0" indent="0">
               <a:buNone/>
             </a:pPr>
             <a:br/>
             <a:br/>
             <a:r>
-              <a:rPr/>
-              <a:t>Anil,</a:t>
-            </a:r>
-            <a:r>
-              <a:rPr/>
-              <a:t> </a:t>
-            </a:r>
-            <a:r>
-              <a:rPr/>
-              <a:t>Swaroop,</a:t>
-            </a:r>
-            <a:r>
-              <a:rPr/>
-              <a:t> </a:t>
-            </a:r>
-            <a:r>
-              <a:rPr/>
-              <a:t>Jen</a:t>
-            </a:r>
-            <a:r>
-              <a:rPr/>
-              <a:t> </a:t>
-            </a:r>
-            <a:r>
-              <a:rPr/>
-              <a:t>&amp;</a:t>
-            </a:r>
-            <a:r>
-              <a:rPr/>
-              <a:t> </a:t>
-            </a:r>
-            <a:r>
-              <a:rPr/>
-              <a:t>Jordan</a:t>
+              <a:t>Anil, Swaroop, Jen &amp; Jordan</a:t>
             </a:r>
           </a:p>
         </p:txBody>
@@ -3746,11 +2181,10 @@
           <a:bodyPr/>
           <a:lstStyle/>
           <a:p>
-            <a:pPr lvl="0" marL="0" indent="0">
+            <a:pPr marL="0" lvl="0" indent="0">
               <a:buNone/>
             </a:pPr>
             <a:r>
-              <a:rPr/>
               <a:t>01/05/2021</a:t>
             </a:r>
           </a:p>
@@ -3758,6 +2192,9 @@
       </p:sp>
     </p:spTree>
   </p:cSld>
+  <p:clrMapOvr>
+    <a:masterClrMapping/>
+  </p:clrMapOvr>
 </p:sld>
 </file>
 
@@ -3801,59 +2238,18 @@
           <a:bodyPr/>
           <a:lstStyle/>
           <a:p>
-            <a:pPr lvl="0" marL="0" indent="0">
+            <a:pPr marL="0" lvl="0" indent="0">
               <a:buNone/>
             </a:pPr>
             <a:r>
-              <a:rPr/>
-              <a:t>Negative</a:t>
-            </a:r>
-            <a:r>
-              <a:rPr/>
-              <a:t> </a:t>
-            </a:r>
-            <a:r>
-              <a:rPr/>
-              <a:t>Amortization</a:t>
-            </a:r>
-            <a:r>
-              <a:rPr/>
-              <a:t> </a:t>
-            </a:r>
-            <a:r>
-              <a:rPr/>
-              <a:t>Growth</a:t>
-            </a:r>
-            <a:r>
-              <a:rPr/>
-              <a:t> </a:t>
-            </a:r>
-            <a:r>
-              <a:rPr/>
-              <a:t>w/</a:t>
-            </a:r>
-            <a:r>
-              <a:rPr/>
-              <a:t> </a:t>
-            </a:r>
-            <a:r>
-              <a:rPr/>
-              <a:t>R</a:t>
-            </a:r>
-            <a:r>
-              <a:rPr/>
-              <a:t> </a:t>
-            </a:r>
-            <a:r>
-              <a:rPr/>
-              <a:t>(custom)</a:t>
+              <a:t>Negative Amortization Growth w/ R (custom)</a:t>
             </a:r>
           </a:p>
         </p:txBody>
       </p:sp>
       <p:pic>
         <p:nvPicPr>
-          <p:cNvPr descr="SamplePPT_files/figure-pptx/neg.amo-1.png" id="0" name="Picture 1"/>
+          <p:cNvPr id="3" name="Picture 1" descr="SamplePPT_files/figure-pptx/neg.amo-1.png"/>
           <p:cNvPicPr>
             <a:picLocks noGrp="1" noChangeAspect="1"/>
           </p:cNvPicPr>
@@ -3883,6 +2279,9 @@
       </p:pic>
     </p:spTree>
   </p:cSld>
+  <p:clrMapOvr>
+    <a:masterClrMapping/>
+  </p:clrMapOvr>
 </p:sld>
 </file>
 
@@ -3926,11 +2325,10 @@
           <a:bodyPr/>
           <a:lstStyle/>
           <a:p>
-            <a:pPr lvl="0" marL="0" indent="0">
+            <a:pPr marL="0" lvl="0" indent="0">
               <a:buNone/>
             </a:pPr>
             <a:r>
-              <a:rPr/>
               <a:t>References</a:t>
             </a:r>
           </a:p>
@@ -3981,6 +2379,9 @@
       </p:sp>
     </p:spTree>
   </p:cSld>
+  <p:clrMapOvr>
+    <a:masterClrMapping/>
+  </p:clrMapOvr>
 </p:sld>
 </file>
 
@@ -4024,44 +2425,11 @@
           <a:bodyPr/>
           <a:lstStyle/>
           <a:p>
-            <a:pPr lvl="0" marL="0" indent="0">
+            <a:pPr marL="0" lvl="0" indent="0">
               <a:buNone/>
             </a:pPr>
             <a:r>
-              <a:rPr/>
-              <a:t>About</a:t>
-            </a:r>
-            <a:r>
-              <a:rPr/>
-              <a:t> </a:t>
-            </a:r>
-            <a:r>
-              <a:rPr/>
-              <a:t>the</a:t>
-            </a:r>
-            <a:r>
-              <a:rPr/>
-              <a:t> </a:t>
-            </a:r>
-            <a:r>
-              <a:rPr/>
-              <a:t>Pension</a:t>
-            </a:r>
-            <a:r>
-              <a:rPr/>
-              <a:t> </a:t>
-            </a:r>
-            <a:r>
-              <a:rPr/>
-              <a:t>Integrity</a:t>
-            </a:r>
-            <a:r>
-              <a:rPr/>
-              <a:t> </a:t>
-            </a:r>
-            <a:r>
-              <a:rPr/>
-              <a:t>Project</a:t>
+              <a:t>About the Pension Integrity Project</a:t>
             </a:r>
           </a:p>
         </p:txBody>
@@ -4078,63 +2446,57 @@
         </p:nvSpPr>
         <p:spPr/>
         <p:txBody>
-          <a:bodyPr/>
+          <a:bodyPr>
+            <a:normAutofit lnSpcReduction="10000"/>
+          </a:bodyPr>
           <a:lstStyle/>
           <a:p>
-            <a:pPr lvl="0" marL="0" indent="0">
+            <a:pPr marL="0" lvl="0" indent="0">
               <a:buNone/>
             </a:pPr>
             <a:r>
-              <a:rPr/>
               <a:t>We offer pro-bono technical assistance to public officials to help them design and implement pension reforms that improve plan solvency and promote retirement security, including:</a:t>
             </a:r>
           </a:p>
           <a:p>
             <a:pPr lvl="1"/>
             <a:r>
-              <a:rPr/>
               <a:t>Customized analysis of pension system design, trends</a:t>
             </a:r>
           </a:p>
           <a:p>
             <a:pPr lvl="1"/>
             <a:r>
-              <a:rPr/>
               <a:t>Independent actuarial modeling of reform scenarios</a:t>
             </a:r>
           </a:p>
           <a:p>
             <a:pPr lvl="1"/>
             <a:r>
-              <a:rPr/>
               <a:t>Consultation and modeling around custom policy designs</a:t>
             </a:r>
           </a:p>
           <a:p>
             <a:pPr lvl="1"/>
             <a:r>
-              <a:rPr/>
               <a:t>Latest pension reform research and case studies</a:t>
             </a:r>
           </a:p>
           <a:p>
             <a:pPr lvl="1"/>
             <a:r>
-              <a:rPr/>
               <a:t>Peer-to-peer mentoring from state and local officials who have successfully enacted pension reforms</a:t>
             </a:r>
           </a:p>
           <a:p>
             <a:pPr lvl="1"/>
             <a:r>
-              <a:rPr/>
               <a:t>Assistance with stakeholder outreach, engagement and relationship management</a:t>
             </a:r>
           </a:p>
           <a:p>
             <a:pPr lvl="1"/>
             <a:r>
-              <a:rPr/>
               <a:t>Design and execution of public education programs and media campaigns</a:t>
             </a:r>
           </a:p>
@@ -4142,6 +2504,9 @@
       </p:sp>
     </p:spTree>
   </p:cSld>
+  <p:clrMapOvr>
+    <a:masterClrMapping/>
+  </p:clrMapOvr>
 </p:sld>
 </file>
 
@@ -4182,86 +2547,23 @@
           </a:prstGeom>
         </p:spPr>
         <p:txBody>
-          <a:bodyPr/>
+          <a:bodyPr>
+            <a:normAutofit fontScale="90000"/>
+          </a:bodyPr>
           <a:lstStyle/>
           <a:p>
-            <a:pPr lvl="0" marL="0" indent="0">
+            <a:pPr marL="0" lvl="0" indent="0">
               <a:buNone/>
             </a:pPr>
             <a:r>
-              <a:rPr/>
-              <a:t>A</a:t>
-            </a:r>
-            <a:r>
-              <a:rPr/>
-              <a:t> </a:t>
-            </a:r>
-            <a:r>
-              <a:rPr/>
-              <a:t>History</a:t>
-            </a:r>
-            <a:r>
-              <a:rPr/>
-              <a:t> </a:t>
-            </a:r>
-            <a:r>
-              <a:rPr/>
-              <a:t>of</a:t>
-            </a:r>
-            <a:r>
-              <a:rPr/>
-              <a:t> </a:t>
-            </a:r>
-            <a:r>
-              <a:rPr/>
-              <a:t>Weakening</a:t>
-            </a:r>
-            <a:r>
-              <a:rPr/>
-              <a:t> </a:t>
-            </a:r>
-            <a:r>
-              <a:rPr/>
-              <a:t>Solvency</a:t>
-            </a:r>
-            <a:r>
-              <a:rPr/>
-              <a:t> </a:t>
-            </a:r>
-            <a:r>
-              <a:rPr/>
-              <a:t>(2001-2019)</a:t>
-            </a:r>
-            <a:r>
-              <a:rPr/>
-              <a:t> </a:t>
-            </a:r>
-            <a:r>
-              <a:rPr/>
-              <a:t>w/</a:t>
-            </a:r>
-            <a:r>
-              <a:rPr/>
-              <a:t> </a:t>
-            </a:r>
-            <a:r>
-              <a:rPr/>
-              <a:t>R</a:t>
-            </a:r>
-            <a:r>
-              <a:rPr/>
-              <a:t> </a:t>
-            </a:r>
-            <a:r>
-              <a:rPr/>
-              <a:t>(areaPlot())</a:t>
+              <a:t>A History of Weakening Solvency (2001-2019) w/ R (areaPlot())</a:t>
             </a:r>
           </a:p>
         </p:txBody>
       </p:sp>
       <p:pic>
         <p:nvPicPr>
-          <p:cNvPr descr="SamplePPT_files/figure-pptx/debt-1.png" id="0" name="Picture 1"/>
+          <p:cNvPr id="3" name="Picture 1" descr="SamplePPT_files/figure-pptx/debt-1.png"/>
           <p:cNvPicPr>
             <a:picLocks noGrp="1" noChangeAspect="1"/>
           </p:cNvPicPr>
@@ -4291,6 +2593,9 @@
       </p:pic>
     </p:spTree>
   </p:cSld>
+  <p:clrMapOvr>
+    <a:masterClrMapping/>
+  </p:clrMapOvr>
 </p:sld>
 </file>
 
@@ -4331,101 +2636,40 @@
           </a:prstGeom>
         </p:spPr>
         <p:txBody>
-          <a:bodyPr/>
+          <a:bodyPr>
+            <a:normAutofit fontScale="90000"/>
+          </a:bodyPr>
           <a:lstStyle/>
           <a:p>
-            <a:pPr lvl="0" marL="0" indent="0">
+            <a:pPr marL="0" lvl="0" indent="0">
               <a:buNone/>
             </a:pPr>
             <a:r>
-              <a:rPr/>
-              <a:t>Causes</a:t>
-            </a:r>
-            <a:r>
-              <a:rPr/>
-              <a:t> </a:t>
-            </a:r>
-            <a:r>
-              <a:rPr/>
-              <a:t>of</a:t>
-            </a:r>
-            <a:r>
-              <a:rPr/>
-              <a:t> </a:t>
-            </a:r>
-            <a:r>
-              <a:rPr/>
-              <a:t>Pension</a:t>
-            </a:r>
-            <a:r>
-              <a:rPr/>
-              <a:t> </a:t>
-            </a:r>
-            <a:r>
-              <a:rPr/>
-              <a:t>Debt</a:t>
-            </a:r>
-            <a:r>
-              <a:rPr/>
-              <a:t> </a:t>
-            </a:r>
-            <a:r>
-              <a:rPr/>
-              <a:t>(2001-2019)</a:t>
-            </a:r>
-            <a:r>
-              <a:rPr/>
-              <a:t> </a:t>
-            </a:r>
-            <a:r>
-              <a:rPr/>
-              <a:t>w/</a:t>
-            </a:r>
-            <a:r>
-              <a:rPr/>
-              <a:t> </a:t>
-            </a:r>
-            <a:r>
-              <a:rPr/>
-              <a:t>R</a:t>
-            </a:r>
-            <a:r>
-              <a:rPr/>
-              <a:t> </a:t>
-            </a:r>
-            <a:r>
-              <a:rPr/>
-              <a:t>(custom</a:t>
-            </a:r>
-            <a:r>
-              <a:rPr/>
-              <a:t> </a:t>
-            </a:r>
-            <a:r>
-              <a:rPr/>
-              <a:t>Plotly-Image)</a:t>
+              <a:t>Causes of Pension Debt (2001-2019) w/ R (custom Plotly-Image)</a:t>
             </a:r>
           </a:p>
         </p:txBody>
       </p:sp>
       <p:pic>
         <p:nvPicPr>
-          <p:cNvPr descr="GainLoss.png" id="0" name="Picture 1"/>
+          <p:cNvPr id="3" name="Picture 1" descr="GainLoss.png">
+            <a:hlinkClick r:id="rId2"/>
+          </p:cNvPr>
           <p:cNvPicPr>
             <a:picLocks noGrp="1" noChangeAspect="1"/>
           </p:cNvPicPr>
           <p:nvPr/>
         </p:nvPicPr>
         <p:blipFill>
-          <a:blip r:embed="rId2"/>
+          <a:blip r:embed="rId3"/>
           <a:stretch>
             <a:fillRect/>
           </a:stretch>
         </p:blipFill>
         <p:spPr bwMode="auto">
           <a:xfrm>
-            <a:off x="1155700" y="1600200"/>
-            <a:ext cx="6832600" cy="4876800"/>
+            <a:off x="774700" y="1600200"/>
+            <a:ext cx="7581900" cy="4876800"/>
           </a:xfrm>
           <a:prstGeom prst="rect">
             <a:avLst/>
@@ -4440,6 +2684,9 @@
       </p:pic>
     </p:spTree>
   </p:cSld>
+  <p:clrMapOvr>
+    <a:masterClrMapping/>
+  </p:clrMapOvr>
 </p:sld>
 </file>
 
@@ -4480,71 +2727,16 @@
           </a:prstGeom>
         </p:spPr>
         <p:txBody>
-          <a:bodyPr/>
+          <a:bodyPr>
+            <a:normAutofit fontScale="90000"/>
+          </a:bodyPr>
           <a:lstStyle/>
           <a:p>
-            <a:pPr lvl="0" marL="0" indent="0">
+            <a:pPr marL="0" lvl="0" indent="0">
               <a:buNone/>
             </a:pPr>
             <a:r>
-              <a:rPr/>
-              <a:t>Make</a:t>
-            </a:r>
-            <a:r>
-              <a:rPr/>
-              <a:t> </a:t>
-            </a:r>
-            <a:r>
-              <a:rPr/>
-              <a:t>up</a:t>
-            </a:r>
-            <a:r>
-              <a:rPr/>
-              <a:t> </a:t>
-            </a:r>
-            <a:r>
-              <a:rPr/>
-              <a:t>of</a:t>
-            </a:r>
-            <a:r>
-              <a:rPr/>
-              <a:t> </a:t>
-            </a:r>
-            <a:r>
-              <a:rPr/>
-              <a:t>Pension</a:t>
-            </a:r>
-            <a:r>
-              <a:rPr/>
-              <a:t> </a:t>
-            </a:r>
-            <a:r>
-              <a:rPr/>
-              <a:t>Contributions</a:t>
-            </a:r>
-            <a:r>
-              <a:rPr/>
-              <a:t> </a:t>
-            </a:r>
-            <a:r>
-              <a:rPr/>
-              <a:t>w/</a:t>
-            </a:r>
-            <a:r>
-              <a:rPr/>
-              <a:t> </a:t>
-            </a:r>
-            <a:r>
-              <a:rPr/>
-              <a:t>R</a:t>
-            </a:r>
-            <a:r>
-              <a:rPr/>
-              <a:t> </a:t>
-            </a:r>
-            <a:r>
-              <a:rPr/>
-              <a:t>(custom)</a:t>
+              <a:t>Make up of Pension Contributions w/ R (custom)</a:t>
             </a:r>
           </a:p>
         </p:txBody>
@@ -4561,7 +2753,7 @@
         </p:nvGraphicFramePr>
         <p:xfrm>
           <a:off x="457200" y="1600200"/>
-          <a:ext cx="8229600" cy="4368800"/>
+          <a:ext cx="8229600" cy="2743200"/>
         </p:xfrm>
         <a:graphic>
           <a:graphicData uri="http://schemas.openxmlformats.org/drawingml/2006/table">
@@ -4570,9 +2762,27 @@
                 <a:tableStyleId>{5C22544A-7EE6-4342-B048-85BDC9FD1C3A}</a:tableStyleId>
               </a:tblPr>
               <a:tblGrid>
-                <a:gridCol w="2743200"/>
-                <a:gridCol w="2743200"/>
-                <a:gridCol w="2743200"/>
+                <a:gridCol w="2743200">
+                  <a:extLst>
+                    <a:ext uri="{9D8B030D-6E8A-4147-A177-3AD203B41FA5}">
+                      <a16:colId xmlns:a16="http://schemas.microsoft.com/office/drawing/2014/main" val="20000"/>
+                    </a:ext>
+                  </a:extLst>
+                </a:gridCol>
+                <a:gridCol w="2743200">
+                  <a:extLst>
+                    <a:ext uri="{9D8B030D-6E8A-4147-A177-3AD203B41FA5}">
+                      <a16:colId xmlns:a16="http://schemas.microsoft.com/office/drawing/2014/main" val="20001"/>
+                    </a:ext>
+                  </a:extLst>
+                </a:gridCol>
+                <a:gridCol w="2743200">
+                  <a:extLst>
+                    <a:ext uri="{9D8B030D-6E8A-4147-A177-3AD203B41FA5}">
+                      <a16:colId xmlns:a16="http://schemas.microsoft.com/office/drawing/2014/main" val="20002"/>
+                    </a:ext>
+                  </a:extLst>
+                </a:gridCol>
               </a:tblGrid>
               <a:tr h="0">
                 <a:tc>
@@ -4590,28 +2800,11 @@
                     <a:bodyPr/>
                     <a:lstStyle/>
                     <a:p>
-                      <a:pPr lvl="0" marL="0" indent="0" algn="l">
+                      <a:pPr marL="0" lvl="0" indent="0" algn="l">
                         <a:buNone/>
                       </a:pPr>
                       <a:r>
-                        <a:rPr/>
-                        <a:t>%</a:t>
-                      </a:r>
-                      <a:r>
-                        <a:rPr/>
-                        <a:t> </a:t>
-                      </a:r>
-                      <a:r>
-                        <a:rPr/>
-                        <a:t>of</a:t>
-                      </a:r>
-                      <a:r>
-                        <a:rPr/>
-                        <a:t> </a:t>
-                      </a:r>
-                      <a:r>
-                        <a:rPr/>
-                        <a:t>Payroll</a:t>
+                        <a:t>% of Payroll</a:t>
                       </a:r>
                     </a:p>
                   </a:txBody>
@@ -4622,25 +2815,21 @@
                     <a:bodyPr/>
                     <a:lstStyle/>
                     <a:p>
-                      <a:pPr lvl="0" marL="0" indent="0" algn="l">
+                      <a:pPr marL="0" lvl="0" indent="0" algn="l">
                         <a:buNone/>
                       </a:pPr>
                       <a:r>
-                        <a:rPr/>
-                        <a:t>$</a:t>
-                      </a:r>
-                      <a:r>
-                        <a:rPr/>
-                        <a:t> </a:t>
-                      </a:r>
-                      <a:r>
-                        <a:rPr/>
-                        <a:t>Value</a:t>
+                        <a:t>$ Value</a:t>
                       </a:r>
                     </a:p>
                   </a:txBody>
                   <a:tcPr/>
                 </a:tc>
+                <a:extLst>
+                  <a:ext uri="{0D108BD9-81ED-4DB2-BD59-A6C34878D82A}">
+                    <a16:rowId xmlns:a16="http://schemas.microsoft.com/office/drawing/2014/main" val="10000"/>
+                  </a:ext>
+                </a:extLst>
               </a:tr>
               <a:tr h="0">
                 <a:tc>
@@ -4648,54 +2837,51 @@
                     <a:bodyPr/>
                     <a:lstStyle/>
                     <a:p>
-                      <a:pPr lvl="0" marL="0" indent="0" algn="l">
+                      <a:pPr marL="0" lvl="0" indent="0" algn="l">
                         <a:buNone/>
                       </a:pPr>
                       <a:r>
-                        <a:rPr/>
-                        <a:t>Total</a:t>
-                      </a:r>
-                      <a:r>
-                        <a:rPr/>
-                        <a:t> </a:t>
-                      </a:r>
-                      <a:r>
-                        <a:rPr/>
-                        <a:t>Employee</a:t>
+                        <a:t>Total Employee</a:t>
                       </a:r>
                     </a:p>
                   </a:txBody>
+                  <a:tcPr/>
                 </a:tc>
                 <a:tc>
                   <a:txBody>
                     <a:bodyPr/>
                     <a:lstStyle/>
                     <a:p>
-                      <a:pPr lvl="0" marL="0" indent="0" algn="l">
+                      <a:pPr marL="0" lvl="0" indent="0" algn="l">
                         <a:buNone/>
                       </a:pPr>
                       <a:r>
-                        <a:rPr/>
                         <a:t>7.4%</a:t>
                       </a:r>
                     </a:p>
                   </a:txBody>
+                  <a:tcPr/>
                 </a:tc>
                 <a:tc>
                   <a:txBody>
                     <a:bodyPr/>
                     <a:lstStyle/>
                     <a:p>
-                      <a:pPr lvl="0" marL="0" indent="0" algn="l">
+                      <a:pPr marL="0" lvl="0" indent="0" algn="l">
                         <a:buNone/>
                       </a:pPr>
                       <a:r>
-                        <a:rPr/>
                         <a:t>$257,060,520</a:t>
                       </a:r>
                     </a:p>
                   </a:txBody>
+                  <a:tcPr/>
                 </a:tc>
+                <a:extLst>
+                  <a:ext uri="{0D108BD9-81ED-4DB2-BD59-A6C34878D82A}">
+                    <a16:rowId xmlns:a16="http://schemas.microsoft.com/office/drawing/2014/main" val="10001"/>
+                  </a:ext>
+                </a:extLst>
               </a:tr>
               <a:tr h="0">
                 <a:tc>
@@ -4703,62 +2889,51 @@
                     <a:bodyPr/>
                     <a:lstStyle/>
                     <a:p>
-                      <a:pPr lvl="0" marL="0" indent="0" algn="l">
+                      <a:pPr marL="0" lvl="0" indent="0" algn="l">
                         <a:buNone/>
                       </a:pPr>
                       <a:r>
-                        <a:rPr/>
-                        <a:t>Employer</a:t>
-                      </a:r>
-                      <a:r>
-                        <a:rPr/>
-                        <a:t> </a:t>
-                      </a:r>
-                      <a:r>
-                        <a:rPr/>
-                        <a:t>(Normal</a:t>
-                      </a:r>
-                      <a:r>
-                        <a:rPr/>
-                        <a:t> </a:t>
-                      </a:r>
-                      <a:r>
-                        <a:rPr/>
-                        <a:t>Cost)</a:t>
+                        <a:t>Employer (Normal Cost)</a:t>
                       </a:r>
                     </a:p>
                   </a:txBody>
+                  <a:tcPr/>
                 </a:tc>
                 <a:tc>
                   <a:txBody>
                     <a:bodyPr/>
                     <a:lstStyle/>
                     <a:p>
-                      <a:pPr lvl="0" marL="0" indent="0" algn="l">
+                      <a:pPr marL="0" lvl="0" indent="0" algn="l">
                         <a:buNone/>
                       </a:pPr>
                       <a:r>
-                        <a:rPr/>
                         <a:t>7.5%</a:t>
                       </a:r>
                     </a:p>
                   </a:txBody>
+                  <a:tcPr/>
                 </a:tc>
                 <a:tc>
                   <a:txBody>
                     <a:bodyPr/>
                     <a:lstStyle/>
                     <a:p>
-                      <a:pPr lvl="0" marL="0" indent="0" algn="l">
+                      <a:pPr marL="0" lvl="0" indent="0" algn="l">
                         <a:buNone/>
                       </a:pPr>
                       <a:r>
-                        <a:rPr/>
                         <a:t>$252,981,080</a:t>
                       </a:r>
                     </a:p>
                   </a:txBody>
+                  <a:tcPr/>
                 </a:tc>
+                <a:extLst>
+                  <a:ext uri="{0D108BD9-81ED-4DB2-BD59-A6C34878D82A}">
+                    <a16:rowId xmlns:a16="http://schemas.microsoft.com/office/drawing/2014/main" val="10002"/>
+                  </a:ext>
+                </a:extLst>
               </a:tr>
               <a:tr h="0">
                 <a:tc>
@@ -4766,62 +2941,51 @@
                     <a:bodyPr/>
                     <a:lstStyle/>
                     <a:p>
-                      <a:pPr lvl="0" marL="0" indent="0" algn="l">
+                      <a:pPr marL="0" lvl="0" indent="0" algn="l">
                         <a:buNone/>
                       </a:pPr>
                       <a:r>
-                        <a:rPr/>
-                        <a:t>Employer</a:t>
-                      </a:r>
-                      <a:r>
-                        <a:rPr/>
-                        <a:t> </a:t>
-                      </a:r>
-                      <a:r>
-                        <a:rPr/>
-                        <a:t>(Debt</a:t>
-                      </a:r>
-                      <a:r>
-                        <a:rPr/>
-                        <a:t> </a:t>
-                      </a:r>
-                      <a:r>
-                        <a:rPr/>
-                        <a:t>Amortization)</a:t>
+                        <a:t>Employer (Debt Amortization)</a:t>
                       </a:r>
                     </a:p>
                   </a:txBody>
+                  <a:tcPr/>
                 </a:tc>
                 <a:tc>
                   <a:txBody>
                     <a:bodyPr/>
                     <a:lstStyle/>
                     <a:p>
-                      <a:pPr lvl="0" marL="0" indent="0" algn="l">
+                      <a:pPr marL="0" lvl="0" indent="0" algn="l">
                         <a:buNone/>
                       </a:pPr>
                       <a:r>
-                        <a:rPr/>
                         <a:t>4.5%</a:t>
                       </a:r>
                     </a:p>
                   </a:txBody>
+                  <a:tcPr/>
                 </a:tc>
                 <a:tc>
                   <a:txBody>
                     <a:bodyPr/>
                     <a:lstStyle/>
                     <a:p>
-                      <a:pPr lvl="0" marL="0" indent="0" algn="l">
+                      <a:pPr marL="0" lvl="0" indent="0" algn="l">
                         <a:buNone/>
                       </a:pPr>
                       <a:r>
-                        <a:rPr/>
                         <a:t>$152,532,710</a:t>
                       </a:r>
                     </a:p>
                   </a:txBody>
+                  <a:tcPr/>
                 </a:tc>
+                <a:extLst>
+                  <a:ext uri="{0D108BD9-81ED-4DB2-BD59-A6C34878D82A}">
+                    <a16:rowId xmlns:a16="http://schemas.microsoft.com/office/drawing/2014/main" val="10003"/>
+                  </a:ext>
+                </a:extLst>
               </a:tr>
               <a:tr h="0">
                 <a:tc>
@@ -4829,54 +2993,51 @@
                     <a:bodyPr/>
                     <a:lstStyle/>
                     <a:p>
-                      <a:pPr lvl="0" marL="0" indent="0" algn="l">
+                      <a:pPr marL="0" lvl="0" indent="0" algn="l">
                         <a:buNone/>
                       </a:pPr>
                       <a:r>
-                        <a:rPr/>
-                        <a:t>Total</a:t>
-                      </a:r>
-                      <a:r>
-                        <a:rPr/>
-                        <a:t> </a:t>
-                      </a:r>
-                      <a:r>
-                        <a:rPr/>
-                        <a:t>Employer</a:t>
+                        <a:t>Total Employer</a:t>
                       </a:r>
                     </a:p>
                   </a:txBody>
+                  <a:tcPr/>
                 </a:tc>
                 <a:tc>
                   <a:txBody>
                     <a:bodyPr/>
                     <a:lstStyle/>
                     <a:p>
-                      <a:pPr lvl="0" marL="0" indent="0" algn="l">
+                      <a:pPr marL="0" lvl="0" indent="0" algn="l">
                         <a:buNone/>
                       </a:pPr>
                       <a:r>
-                        <a:rPr/>
                         <a:t>12.0%</a:t>
                       </a:r>
                     </a:p>
                   </a:txBody>
+                  <a:tcPr/>
                 </a:tc>
                 <a:tc>
                   <a:txBody>
                     <a:bodyPr/>
                     <a:lstStyle/>
                     <a:p>
-                      <a:pPr lvl="0" marL="0" indent="0" algn="l">
+                      <a:pPr marL="0" lvl="0" indent="0" algn="l">
                         <a:buNone/>
                       </a:pPr>
                       <a:r>
-                        <a:rPr/>
                         <a:t>$405,513,790</a:t>
                       </a:r>
                     </a:p>
                   </a:txBody>
+                  <a:tcPr/>
                 </a:tc>
+                <a:extLst>
+                  <a:ext uri="{0D108BD9-81ED-4DB2-BD59-A6C34878D82A}">
+                    <a16:rowId xmlns:a16="http://schemas.microsoft.com/office/drawing/2014/main" val="10004"/>
+                  </a:ext>
+                </a:extLst>
               </a:tr>
               <a:tr h="0">
                 <a:tc>
@@ -4884,62 +3045,51 @@
                     <a:bodyPr/>
                     <a:lstStyle/>
                     <a:p>
-                      <a:pPr lvl="0" marL="0" indent="0" algn="l">
+                      <a:pPr marL="0" lvl="0" indent="0" algn="l">
                         <a:buNone/>
                       </a:pPr>
                       <a:r>
-                        <a:rPr/>
-                        <a:t>Total</a:t>
-                      </a:r>
-                      <a:r>
-                        <a:rPr/>
-                        <a:t> </a:t>
-                      </a:r>
-                      <a:r>
-                        <a:rPr/>
-                        <a:t>PERSI</a:t>
-                      </a:r>
-                      <a:r>
-                        <a:rPr/>
-                        <a:t> </a:t>
-                      </a:r>
-                      <a:r>
-                        <a:rPr/>
-                        <a:t>Contributions</a:t>
+                        <a:t>Total PERSI Contributions</a:t>
                       </a:r>
                     </a:p>
                   </a:txBody>
+                  <a:tcPr/>
                 </a:tc>
                 <a:tc>
                   <a:txBody>
                     <a:bodyPr/>
                     <a:lstStyle/>
                     <a:p>
-                      <a:pPr lvl="0" marL="0" indent="0" algn="l">
+                      <a:pPr marL="0" lvl="0" indent="0" algn="l">
                         <a:buNone/>
                       </a:pPr>
                       <a:r>
-                        <a:rPr/>
                         <a:t>19.4%</a:t>
                       </a:r>
                     </a:p>
                   </a:txBody>
+                  <a:tcPr/>
                 </a:tc>
                 <a:tc>
                   <a:txBody>
                     <a:bodyPr/>
                     <a:lstStyle/>
                     <a:p>
-                      <a:pPr lvl="0" marL="0" indent="0" algn="l">
+                      <a:pPr marL="0" lvl="0" indent="0" algn="l">
                         <a:buNone/>
                       </a:pPr>
                       <a:r>
-                        <a:rPr/>
                         <a:t>$647,141,440</a:t>
                       </a:r>
                     </a:p>
                   </a:txBody>
+                  <a:tcPr/>
                 </a:tc>
+                <a:extLst>
+                  <a:ext uri="{0D108BD9-81ED-4DB2-BD59-A6C34878D82A}">
+                    <a16:rowId xmlns:a16="http://schemas.microsoft.com/office/drawing/2014/main" val="10005"/>
+                  </a:ext>
+                </a:extLst>
               </a:tr>
             </a:tbl>
           </a:graphicData>
@@ -4947,7 +3097,7 @@
       </p:graphicFrame>
       <p:sp>
         <p:nvSpPr>
-          <p:cNvPr id="1" name="TextBox 3"/>
+          <p:cNvPr id="3" name="TextBox 3"/>
           <p:cNvSpPr txBox="1"/>
           <p:nvPr/>
         </p:nvSpPr>
@@ -4965,50 +3115,20 @@
           <a:bodyPr/>
           <a:lstStyle/>
           <a:p>
-            <a:pPr lvl="0" marL="0" indent="0" algn="ctr">
+            <a:pPr marL="0" lvl="0" indent="0" algn="ctr">
               <a:buNone/>
             </a:pPr>
             <a:r>
-              <a:rPr/>
-              <a:t>Pension</a:t>
-            </a:r>
-            <a:r>
-              <a:rPr/>
-              <a:t> </a:t>
-            </a:r>
-            <a:r>
-              <a:rPr/>
-              <a:t>Integrity</a:t>
-            </a:r>
-            <a:r>
-              <a:rPr/>
-              <a:t> </a:t>
-            </a:r>
-            <a:r>
-              <a:rPr/>
-              <a:t>Project</a:t>
-            </a:r>
-            <a:r>
-              <a:rPr/>
-              <a:t> </a:t>
-            </a:r>
-            <a:r>
-              <a:rPr/>
-              <a:t>pension</a:t>
-            </a:r>
-            <a:r>
-              <a:rPr/>
-              <a:t> </a:t>
-            </a:r>
-            <a:r>
-              <a:rPr/>
-              <a:t>database.</a:t>
+              <a:t>Pension Integrity Project pension database.</a:t>
             </a:r>
           </a:p>
         </p:txBody>
       </p:sp>
     </p:spTree>
   </p:cSld>
+  <p:clrMapOvr>
+    <a:masterClrMapping/>
+  </p:clrMapOvr>
 </p:sld>
 </file>
 
@@ -5049,86 +3169,23 @@
           </a:prstGeom>
         </p:spPr>
         <p:txBody>
-          <a:bodyPr/>
+          <a:bodyPr>
+            <a:normAutofit fontScale="90000"/>
+          </a:bodyPr>
           <a:lstStyle/>
           <a:p>
-            <a:pPr lvl="0" marL="0" indent="0">
+            <a:pPr marL="0" lvl="0" indent="0">
               <a:buNone/>
             </a:pPr>
             <a:r>
-              <a:rPr/>
-              <a:t>A</a:t>
-            </a:r>
-            <a:r>
-              <a:rPr/>
-              <a:t> </a:t>
-            </a:r>
-            <a:r>
-              <a:rPr/>
-              <a:t>History</a:t>
-            </a:r>
-            <a:r>
-              <a:rPr/>
-              <a:t> </a:t>
-            </a:r>
-            <a:r>
-              <a:rPr/>
-              <a:t>of</a:t>
-            </a:r>
-            <a:r>
-              <a:rPr/>
-              <a:t> </a:t>
-            </a:r>
-            <a:r>
-              <a:rPr/>
-              <a:t>Investment</a:t>
-            </a:r>
-            <a:r>
-              <a:rPr/>
-              <a:t> </a:t>
-            </a:r>
-            <a:r>
-              <a:rPr/>
-              <a:t>Returns</a:t>
-            </a:r>
-            <a:r>
-              <a:rPr/>
-              <a:t> </a:t>
-            </a:r>
-            <a:r>
-              <a:rPr/>
-              <a:t>(2001-2020)</a:t>
-            </a:r>
-            <a:r>
-              <a:rPr/>
-              <a:t> </a:t>
-            </a:r>
-            <a:r>
-              <a:rPr/>
-              <a:t>w/</a:t>
-            </a:r>
-            <a:r>
-              <a:rPr/>
-              <a:t> </a:t>
-            </a:r>
-            <a:r>
-              <a:rPr/>
-              <a:t>R</a:t>
-            </a:r>
-            <a:r>
-              <a:rPr/>
-              <a:t> </a:t>
-            </a:r>
-            <a:r>
-              <a:rPr/>
-              <a:t>(linePlot())</a:t>
+              <a:t>A History of Investment Returns (2001-2020) w/ R (linePlot())</a:t>
             </a:r>
           </a:p>
         </p:txBody>
       </p:sp>
       <p:pic>
         <p:nvPicPr>
-          <p:cNvPr descr="SamplePPT_files/figure-pptx/graph-1.png" id="0" name="Picture 1"/>
+          <p:cNvPr id="3" name="Picture 1" descr="SamplePPT_files/figure-pptx/graph-1.png"/>
           <p:cNvPicPr>
             <a:picLocks noGrp="1" noChangeAspect="1"/>
           </p:cNvPicPr>
@@ -5158,6 +3215,9 @@
       </p:pic>
     </p:spTree>
   </p:cSld>
+  <p:clrMapOvr>
+    <a:masterClrMapping/>
+  </p:clrMapOvr>
 </p:sld>
 </file>
 
@@ -5198,70 +3258,23 @@
           </a:prstGeom>
         </p:spPr>
         <p:txBody>
-          <a:bodyPr/>
+          <a:bodyPr>
+            <a:normAutofit fontScale="90000"/>
+          </a:bodyPr>
           <a:lstStyle/>
           <a:p>
-            <a:pPr lvl="0" marL="0" indent="0">
+            <a:pPr marL="0" lvl="0" indent="0">
               <a:buNone/>
             </a:pPr>
             <a:r>
-              <a:rPr/>
-              <a:t>S&amp;P500</a:t>
-            </a:r>
-            <a:r>
-              <a:rPr/>
-              <a:t> </a:t>
-            </a:r>
-            <a:r>
-              <a:rPr/>
-              <a:t>vs. Funded</a:t>
-            </a:r>
-            <a:r>
-              <a:rPr/>
-              <a:t> </a:t>
-            </a:r>
-            <a:r>
-              <a:rPr/>
-              <a:t>Ratio</a:t>
-            </a:r>
-            <a:r>
-              <a:rPr/>
-              <a:t> </a:t>
-            </a:r>
-            <a:r>
-              <a:rPr/>
-              <a:t>(2001-2019)</a:t>
-            </a:r>
-            <a:r>
-              <a:rPr/>
-              <a:t> </a:t>
-            </a:r>
-            <a:r>
-              <a:rPr/>
-              <a:t>w/</a:t>
-            </a:r>
-            <a:r>
-              <a:rPr/>
-              <a:t> </a:t>
-            </a:r>
-            <a:r>
-              <a:rPr/>
-              <a:t>R</a:t>
-            </a:r>
-            <a:r>
-              <a:rPr/>
-              <a:t> </a:t>
-            </a:r>
-            <a:r>
-              <a:rPr/>
-              <a:t>(areaPlot())</a:t>
+              <a:t>S&amp;P500 vs. Funded Ratio (2001-2019) w/ R (areaPlot())</a:t>
             </a:r>
           </a:p>
         </p:txBody>
       </p:sp>
       <p:pic>
         <p:nvPicPr>
-          <p:cNvPr descr="SamplePPT_files/figure-pptx/sp500-1.png" id="0" name="Picture 1"/>
+          <p:cNvPr id="3" name="Picture 1" descr="SamplePPT_files/figure-pptx/sp500-1.png"/>
           <p:cNvPicPr>
             <a:picLocks noGrp="1" noChangeAspect="1"/>
           </p:cNvPicPr>
@@ -5291,6 +3304,9 @@
       </p:pic>
     </p:spTree>
   </p:cSld>
+  <p:clrMapOvr>
+    <a:masterClrMapping/>
+  </p:clrMapOvr>
 </p:sld>
 </file>
 
@@ -5334,59 +3350,18 @@
           <a:bodyPr/>
           <a:lstStyle/>
           <a:p>
-            <a:pPr lvl="0" marL="0" indent="0">
+            <a:pPr marL="0" lvl="0" indent="0">
               <a:buNone/>
             </a:pPr>
             <a:r>
-              <a:rPr/>
-              <a:t>Asset</a:t>
-            </a:r>
-            <a:r>
-              <a:rPr/>
-              <a:t> </a:t>
-            </a:r>
-            <a:r>
-              <a:rPr/>
-              <a:t>Allocation</a:t>
-            </a:r>
-            <a:r>
-              <a:rPr/>
-              <a:t> </a:t>
-            </a:r>
-            <a:r>
-              <a:rPr/>
-              <a:t>(2001-2019)</a:t>
-            </a:r>
-            <a:r>
-              <a:rPr/>
-              <a:t> </a:t>
-            </a:r>
-            <a:r>
-              <a:rPr/>
-              <a:t>w/</a:t>
-            </a:r>
-            <a:r>
-              <a:rPr/>
-              <a:t> </a:t>
-            </a:r>
-            <a:r>
-              <a:rPr/>
-              <a:t>R</a:t>
-            </a:r>
-            <a:r>
-              <a:rPr/>
-              <a:t> </a:t>
-            </a:r>
-            <a:r>
-              <a:rPr/>
-              <a:t>(custom)</a:t>
+              <a:t>Asset Allocation (2001-2019) w/ R (custom)</a:t>
             </a:r>
           </a:p>
         </p:txBody>
       </p:sp>
       <p:pic>
         <p:nvPicPr>
-          <p:cNvPr descr="SamplePPT_files/figure-pptx/assets-1.png" id="0" name="Picture 1"/>
+          <p:cNvPr id="3" name="Picture 1" descr="SamplePPT_files/figure-pptx/assets-1.png"/>
           <p:cNvPicPr>
             <a:picLocks noGrp="1" noChangeAspect="1"/>
           </p:cNvPicPr>
@@ -5416,6 +3391,9 @@
       </p:pic>
     </p:spTree>
   </p:cSld>
+  <p:clrMapOvr>
+    <a:masterClrMapping/>
+  </p:clrMapOvr>
 </p:sld>
 </file>
 
@@ -5456,94 +3434,23 @@
           </a:prstGeom>
         </p:spPr>
         <p:txBody>
-          <a:bodyPr/>
+          <a:bodyPr>
+            <a:normAutofit fontScale="90000"/>
+          </a:bodyPr>
           <a:lstStyle/>
           <a:p>
-            <a:pPr lvl="0" marL="0" indent="0">
+            <a:pPr marL="0" lvl="0" indent="0">
               <a:buNone/>
             </a:pPr>
             <a:r>
-              <a:rPr/>
-              <a:t>Change</a:t>
-            </a:r>
-            <a:r>
-              <a:rPr/>
-              <a:t> </a:t>
-            </a:r>
-            <a:r>
-              <a:rPr/>
-              <a:t>in</a:t>
-            </a:r>
-            <a:r>
-              <a:rPr/>
-              <a:t> </a:t>
-            </a:r>
-            <a:r>
-              <a:rPr/>
-              <a:t>Risk-Free</a:t>
-            </a:r>
-            <a:r>
-              <a:rPr/>
-              <a:t> </a:t>
-            </a:r>
-            <a:r>
-              <a:rPr/>
-              <a:t>Rate</a:t>
-            </a:r>
-            <a:r>
-              <a:rPr/>
-              <a:t> </a:t>
-            </a:r>
-            <a:r>
-              <a:rPr/>
-              <a:t>vs. Discount</a:t>
-            </a:r>
-            <a:r>
-              <a:rPr/>
-              <a:t> </a:t>
-            </a:r>
-            <a:r>
-              <a:rPr/>
-              <a:t>Rate</a:t>
-            </a:r>
-            <a:r>
-              <a:rPr/>
-              <a:t> </a:t>
-            </a:r>
-            <a:r>
-              <a:rPr/>
-              <a:t>(2001-2019)</a:t>
-            </a:r>
-            <a:r>
-              <a:rPr/>
-              <a:t> </a:t>
-            </a:r>
-            <a:r>
-              <a:rPr/>
-              <a:t>w/</a:t>
-            </a:r>
-            <a:r>
-              <a:rPr/>
-              <a:t> </a:t>
-            </a:r>
-            <a:r>
-              <a:rPr/>
-              <a:t>R</a:t>
-            </a:r>
-            <a:r>
-              <a:rPr/>
-              <a:t> </a:t>
-            </a:r>
-            <a:r>
-              <a:rPr/>
-              <a:t>(linePlot())</a:t>
+              <a:t>Change in Risk-Free Rate vs. Discount Rate (2001-2019) w/ R (linePlot())</a:t>
             </a:r>
           </a:p>
         </p:txBody>
       </p:sp>
       <p:pic>
         <p:nvPicPr>
-          <p:cNvPr descr="SamplePPT_files/figure-pptx/treasury-1.png" id="0" name="Picture 1"/>
+          <p:cNvPr id="3" name="Picture 1" descr="SamplePPT_files/figure-pptx/treasury-1.png"/>
           <p:cNvPicPr>
             <a:picLocks noGrp="1" noChangeAspect="1"/>
           </p:cNvPicPr>
@@ -5573,6 +3480,9 @@
       </p:pic>
     </p:spTree>
   </p:cSld>
+  <p:clrMapOvr>
+    <a:masterClrMapping/>
+  </p:clrMapOvr>
 </p:sld>
 </file>
 

--- a/DeckUpdate/SamplePPT.pptx
+++ b/DeckUpdate/SamplePPT.pptx
@@ -365,7 +365,7 @@
           <a:p>
             <a:fld id="{10302D39-B686-2742-A69B-CE6D46FC9A4E}" type="datetime4">
               <a:rPr lang="en-US" smtClean="0"/>
-              <a:t>January 25, 2021</a:t>
+              <a:t>January 7, 2021</a:t>
             </a:fld>
             <a:endParaRPr lang="en-US" dirty="0"/>
           </a:p>
@@ -487,6 +487,356 @@
 </p:sldLayout>
 </file>
 
+<file path=ppt/slideLayouts/slideLayout10.xml><?xml version="1.0" encoding="utf-8"?>
+<p:sldLayout xmlns:a="http://schemas.openxmlformats.org/drawingml/2006/main" xmlns:r="http://schemas.openxmlformats.org/officeDocument/2006/relationships" xmlns:p="http://schemas.openxmlformats.org/presentationml/2006/main" type="vertTx" preserve="1">
+  <p:cSld name="Title and Vertical Text">
+    <p:spTree>
+      <p:nvGrpSpPr>
+        <p:cNvPr id="1" name=""/>
+        <p:cNvGrpSpPr/>
+        <p:nvPr/>
+      </p:nvGrpSpPr>
+      <p:grpSpPr>
+        <a:xfrm>
+          <a:off x="0" y="0"/>
+          <a:ext cx="0" cy="0"/>
+          <a:chOff x="0" y="0"/>
+          <a:chExt cx="0" cy="0"/>
+        </a:xfrm>
+      </p:grpSpPr>
+      <p:sp>
+        <p:nvSpPr>
+          <p:cNvPr id="2" name="Title 1"/>
+          <p:cNvSpPr>
+            <a:spLocks noGrp="1"/>
+          </p:cNvSpPr>
+          <p:nvPr>
+            <p:ph type="title"/>
+          </p:nvPr>
+        </p:nvSpPr>
+        <p:spPr/>
+        <p:txBody>
+          <a:bodyPr/>
+          <a:lstStyle/>
+          <a:p>
+            <a:r>
+              <a:rPr lang="en-US" smtClean="0"/>
+              <a:t>Click to edit Master title style</a:t>
+            </a:r>
+            <a:endParaRPr lang="en-US"/>
+          </a:p>
+        </p:txBody>
+      </p:sp>
+      <p:sp>
+        <p:nvSpPr>
+          <p:cNvPr id="3" name="Vertical Text Placeholder 2"/>
+          <p:cNvSpPr>
+            <a:spLocks noGrp="1"/>
+          </p:cNvSpPr>
+          <p:nvPr>
+            <p:ph type="body" orient="vert" idx="1"/>
+          </p:nvPr>
+        </p:nvSpPr>
+        <p:spPr/>
+        <p:txBody>
+          <a:bodyPr vert="eaVert"/>
+          <a:lstStyle/>
+          <a:p>
+            <a:pPr lvl="0"/>
+            <a:r>
+              <a:rPr lang="en-US" smtClean="0"/>
+              <a:t>Click to edit Master text styles</a:t>
+            </a:r>
+          </a:p>
+          <a:p>
+            <a:pPr lvl="1"/>
+            <a:r>
+              <a:rPr lang="en-US" smtClean="0"/>
+              <a:t>Second level</a:t>
+            </a:r>
+          </a:p>
+          <a:p>
+            <a:pPr lvl="2"/>
+            <a:r>
+              <a:rPr lang="en-US" smtClean="0"/>
+              <a:t>Third level</a:t>
+            </a:r>
+          </a:p>
+          <a:p>
+            <a:pPr lvl="3"/>
+            <a:r>
+              <a:rPr lang="en-US" smtClean="0"/>
+              <a:t>Fourth level</a:t>
+            </a:r>
+          </a:p>
+          <a:p>
+            <a:pPr lvl="4"/>
+            <a:r>
+              <a:rPr lang="en-US" smtClean="0"/>
+              <a:t>Fifth level</a:t>
+            </a:r>
+            <a:endParaRPr lang="en-US"/>
+          </a:p>
+        </p:txBody>
+      </p:sp>
+      <p:sp>
+        <p:nvSpPr>
+          <p:cNvPr id="4" name="Date Placeholder 3"/>
+          <p:cNvSpPr>
+            <a:spLocks noGrp="1"/>
+          </p:cNvSpPr>
+          <p:nvPr>
+            <p:ph type="dt" sz="half" idx="10"/>
+          </p:nvPr>
+        </p:nvSpPr>
+        <p:spPr/>
+        <p:txBody>
+          <a:bodyPr/>
+          <a:lstStyle/>
+          <a:p>
+            <a:fld id="{241EB5C9-1307-BA42-ABA2-0BC069CD8E7F}" type="datetimeFigureOut">
+              <a:rPr lang="en-US" smtClean="0"/>
+              <a:t>4/5/2019</a:t>
+            </a:fld>
+            <a:endParaRPr lang="en-US"/>
+          </a:p>
+        </p:txBody>
+      </p:sp>
+      <p:sp>
+        <p:nvSpPr>
+          <p:cNvPr id="5" name="Footer Placeholder 4"/>
+          <p:cNvSpPr>
+            <a:spLocks noGrp="1"/>
+          </p:cNvSpPr>
+          <p:nvPr>
+            <p:ph type="ftr" sz="quarter" idx="11"/>
+          </p:nvPr>
+        </p:nvSpPr>
+        <p:spPr/>
+        <p:txBody>
+          <a:bodyPr/>
+          <a:lstStyle/>
+          <a:p>
+            <a:endParaRPr lang="en-US"/>
+          </a:p>
+        </p:txBody>
+      </p:sp>
+      <p:sp>
+        <p:nvSpPr>
+          <p:cNvPr id="6" name="Slide Number Placeholder 5"/>
+          <p:cNvSpPr>
+            <a:spLocks noGrp="1"/>
+          </p:cNvSpPr>
+          <p:nvPr>
+            <p:ph type="sldNum" sz="quarter" idx="12"/>
+          </p:nvPr>
+        </p:nvSpPr>
+        <p:spPr/>
+        <p:txBody>
+          <a:bodyPr/>
+          <a:lstStyle/>
+          <a:p>
+            <a:fld id="{C5EF2332-01BF-834F-8236-50238282D533}" type="slidenum">
+              <a:rPr lang="en-US" smtClean="0"/>
+              <a:t>‹#›</a:t>
+            </a:fld>
+            <a:endParaRPr lang="en-US"/>
+          </a:p>
+        </p:txBody>
+      </p:sp>
+    </p:spTree>
+    <p:extLst>
+      <p:ext uri="{BB962C8B-B14F-4D97-AF65-F5344CB8AC3E}">
+        <p14:creationId xmlns:p14="http://schemas.microsoft.com/office/powerpoint/2010/main" val="313914798"/>
+      </p:ext>
+    </p:extLst>
+  </p:cSld>
+  <p:clrMapOvr>
+    <a:masterClrMapping/>
+  </p:clrMapOvr>
+</p:sldLayout>
+</file>
+
+<file path=ppt/slideLayouts/slideLayout11.xml><?xml version="1.0" encoding="utf-8"?>
+<p:sldLayout xmlns:a="http://schemas.openxmlformats.org/drawingml/2006/main" xmlns:r="http://schemas.openxmlformats.org/officeDocument/2006/relationships" xmlns:p="http://schemas.openxmlformats.org/presentationml/2006/main" type="vertTitleAndTx" preserve="1">
+  <p:cSld name="Vertical Title and Text">
+    <p:spTree>
+      <p:nvGrpSpPr>
+        <p:cNvPr id="1" name=""/>
+        <p:cNvGrpSpPr/>
+        <p:nvPr/>
+      </p:nvGrpSpPr>
+      <p:grpSpPr>
+        <a:xfrm>
+          <a:off x="0" y="0"/>
+          <a:ext cx="0" cy="0"/>
+          <a:chOff x="0" y="0"/>
+          <a:chExt cx="0" cy="0"/>
+        </a:xfrm>
+      </p:grpSpPr>
+      <p:sp>
+        <p:nvSpPr>
+          <p:cNvPr id="2" name="Vertical Title 1"/>
+          <p:cNvSpPr>
+            <a:spLocks noGrp="1"/>
+          </p:cNvSpPr>
+          <p:nvPr>
+            <p:ph type="title" orient="vert"/>
+          </p:nvPr>
+        </p:nvSpPr>
+        <p:spPr>
+          <a:xfrm>
+            <a:off x="6629400" y="274638"/>
+            <a:ext cx="2057400" cy="5851525"/>
+          </a:xfrm>
+        </p:spPr>
+        <p:txBody>
+          <a:bodyPr vert="eaVert"/>
+          <a:lstStyle/>
+          <a:p>
+            <a:r>
+              <a:rPr lang="en-US" smtClean="0"/>
+              <a:t>Click to edit Master title style</a:t>
+            </a:r>
+            <a:endParaRPr lang="en-US"/>
+          </a:p>
+        </p:txBody>
+      </p:sp>
+      <p:sp>
+        <p:nvSpPr>
+          <p:cNvPr id="3" name="Vertical Text Placeholder 2"/>
+          <p:cNvSpPr>
+            <a:spLocks noGrp="1"/>
+          </p:cNvSpPr>
+          <p:nvPr>
+            <p:ph type="body" orient="vert" idx="1"/>
+          </p:nvPr>
+        </p:nvSpPr>
+        <p:spPr>
+          <a:xfrm>
+            <a:off x="457200" y="274638"/>
+            <a:ext cx="6019800" cy="5851525"/>
+          </a:xfrm>
+        </p:spPr>
+        <p:txBody>
+          <a:bodyPr vert="eaVert"/>
+          <a:lstStyle/>
+          <a:p>
+            <a:pPr lvl="0"/>
+            <a:r>
+              <a:rPr lang="en-US" smtClean="0"/>
+              <a:t>Click to edit Master text styles</a:t>
+            </a:r>
+          </a:p>
+          <a:p>
+            <a:pPr lvl="1"/>
+            <a:r>
+              <a:rPr lang="en-US" smtClean="0"/>
+              <a:t>Second level</a:t>
+            </a:r>
+          </a:p>
+          <a:p>
+            <a:pPr lvl="2"/>
+            <a:r>
+              <a:rPr lang="en-US" smtClean="0"/>
+              <a:t>Third level</a:t>
+            </a:r>
+          </a:p>
+          <a:p>
+            <a:pPr lvl="3"/>
+            <a:r>
+              <a:rPr lang="en-US" smtClean="0"/>
+              <a:t>Fourth level</a:t>
+            </a:r>
+          </a:p>
+          <a:p>
+            <a:pPr lvl="4"/>
+            <a:r>
+              <a:rPr lang="en-US" smtClean="0"/>
+              <a:t>Fifth level</a:t>
+            </a:r>
+            <a:endParaRPr lang="en-US"/>
+          </a:p>
+        </p:txBody>
+      </p:sp>
+      <p:sp>
+        <p:nvSpPr>
+          <p:cNvPr id="4" name="Date Placeholder 3"/>
+          <p:cNvSpPr>
+            <a:spLocks noGrp="1"/>
+          </p:cNvSpPr>
+          <p:nvPr>
+            <p:ph type="dt" sz="half" idx="10"/>
+          </p:nvPr>
+        </p:nvSpPr>
+        <p:spPr/>
+        <p:txBody>
+          <a:bodyPr/>
+          <a:lstStyle/>
+          <a:p>
+            <a:fld id="{241EB5C9-1307-BA42-ABA2-0BC069CD8E7F}" type="datetimeFigureOut">
+              <a:rPr lang="en-US" smtClean="0"/>
+              <a:t>4/5/2019</a:t>
+            </a:fld>
+            <a:endParaRPr lang="en-US"/>
+          </a:p>
+        </p:txBody>
+      </p:sp>
+      <p:sp>
+        <p:nvSpPr>
+          <p:cNvPr id="5" name="Footer Placeholder 4"/>
+          <p:cNvSpPr>
+            <a:spLocks noGrp="1"/>
+          </p:cNvSpPr>
+          <p:nvPr>
+            <p:ph type="ftr" sz="quarter" idx="11"/>
+          </p:nvPr>
+        </p:nvSpPr>
+        <p:spPr/>
+        <p:txBody>
+          <a:bodyPr/>
+          <a:lstStyle/>
+          <a:p>
+            <a:endParaRPr lang="en-US"/>
+          </a:p>
+        </p:txBody>
+      </p:sp>
+      <p:sp>
+        <p:nvSpPr>
+          <p:cNvPr id="6" name="Slide Number Placeholder 5"/>
+          <p:cNvSpPr>
+            <a:spLocks noGrp="1"/>
+          </p:cNvSpPr>
+          <p:nvPr>
+            <p:ph type="sldNum" sz="quarter" idx="12"/>
+          </p:nvPr>
+        </p:nvSpPr>
+        <p:spPr/>
+        <p:txBody>
+          <a:bodyPr/>
+          <a:lstStyle/>
+          <a:p>
+            <a:fld id="{C5EF2332-01BF-834F-8236-50238282D533}" type="slidenum">
+              <a:rPr lang="en-US" smtClean="0"/>
+              <a:t>‹#›</a:t>
+            </a:fld>
+            <a:endParaRPr lang="en-US"/>
+          </a:p>
+        </p:txBody>
+      </p:sp>
+    </p:spTree>
+    <p:extLst>
+      <p:ext uri="{BB962C8B-B14F-4D97-AF65-F5344CB8AC3E}">
+        <p14:creationId xmlns:p14="http://schemas.microsoft.com/office/powerpoint/2010/main" val="2581529045"/>
+      </p:ext>
+    </p:extLst>
+  </p:cSld>
+  <p:clrMapOvr>
+    <a:masterClrMapping/>
+  </p:clrMapOvr>
+</p:sldLayout>
+</file>
+
 <file path=ppt/slideLayouts/slideLayout2.xml><?xml version="1.0" encoding="utf-8"?>
 <p:sldLayout xmlns:a="http://schemas.openxmlformats.org/drawingml/2006/main" xmlns:r="http://schemas.openxmlformats.org/officeDocument/2006/relationships" xmlns:p="http://schemas.openxmlformats.org/presentationml/2006/main" preserve="1" userDrawn="1">
   <p:cSld name="Content (Text &amp; Graph)">
@@ -686,7 +1036,7 @@
           <a:p>
             <a:fld id="{585AD263-A788-3145-8D38-AEBC1D444AEE}" type="datetime4">
               <a:rPr lang="en-US" smtClean="0"/>
-              <a:t>January 25, 2021</a:t>
+              <a:t>January 7, 2021</a:t>
             </a:fld>
             <a:endParaRPr lang="en-US" dirty="0"/>
           </a:p>
@@ -976,7 +1326,7 @@
           <a:p>
             <a:fld id="{B606C5D1-9323-1B45-8355-7D55EA8EE66A}" type="datetime4">
               <a:rPr lang="en-US" smtClean="0"/>
-              <a:t>January 25, 2021</a:t>
+              <a:t>January 7, 2021</a:t>
             </a:fld>
             <a:endParaRPr lang="en-US" dirty="0"/>
           </a:p>
@@ -1224,7 +1574,7 @@
           <a:p>
             <a:fld id="{A4108F21-3CFE-3045-9ABB-E1E1413BA1A1}" type="datetime4">
               <a:rPr lang="en-US" smtClean="0"/>
-              <a:t>January 25, 2021</a:t>
+              <a:t>January 7, 2021</a:t>
             </a:fld>
             <a:endParaRPr lang="en-US" dirty="0"/>
           </a:p>
@@ -1460,6 +1810,1171 @@
 </p:sldLayout>
 </file>
 
+<file path=ppt/slideLayouts/slideLayout5.xml><?xml version="1.0" encoding="utf-8"?>
+<p:sldLayout xmlns:a="http://schemas.openxmlformats.org/drawingml/2006/main" xmlns:r="http://schemas.openxmlformats.org/officeDocument/2006/relationships" xmlns:p="http://schemas.openxmlformats.org/presentationml/2006/main" type="twoTxTwoObj" preserve="1">
+  <p:cSld name="Comparison">
+    <p:spTree>
+      <p:nvGrpSpPr>
+        <p:cNvPr id="1" name=""/>
+        <p:cNvGrpSpPr/>
+        <p:nvPr/>
+      </p:nvGrpSpPr>
+      <p:grpSpPr>
+        <a:xfrm>
+          <a:off x="0" y="0"/>
+          <a:ext cx="0" cy="0"/>
+          <a:chOff x="0" y="0"/>
+          <a:chExt cx="0" cy="0"/>
+        </a:xfrm>
+      </p:grpSpPr>
+      <p:sp>
+        <p:nvSpPr>
+          <p:cNvPr id="2" name="Title 1"/>
+          <p:cNvSpPr>
+            <a:spLocks noGrp="1"/>
+          </p:cNvSpPr>
+          <p:nvPr>
+            <p:ph type="title"/>
+          </p:nvPr>
+        </p:nvSpPr>
+        <p:spPr/>
+        <p:txBody>
+          <a:bodyPr/>
+          <a:lstStyle>
+            <a:lvl1pPr>
+              <a:defRPr/>
+            </a:lvl1pPr>
+          </a:lstStyle>
+          <a:p>
+            <a:r>
+              <a:rPr lang="en-US" smtClean="0"/>
+              <a:t>Click to edit Master title style</a:t>
+            </a:r>
+            <a:endParaRPr lang="en-US"/>
+          </a:p>
+        </p:txBody>
+      </p:sp>
+      <p:sp>
+        <p:nvSpPr>
+          <p:cNvPr id="3" name="Text Placeholder 2"/>
+          <p:cNvSpPr>
+            <a:spLocks noGrp="1"/>
+          </p:cNvSpPr>
+          <p:nvPr>
+            <p:ph type="body" idx="1"/>
+          </p:nvPr>
+        </p:nvSpPr>
+        <p:spPr>
+          <a:xfrm>
+            <a:off x="457200" y="1535113"/>
+            <a:ext cx="4040188" cy="639762"/>
+          </a:xfrm>
+        </p:spPr>
+        <p:txBody>
+          <a:bodyPr anchor="b"/>
+          <a:lstStyle>
+            <a:lvl1pPr marL="0" indent="0">
+              <a:buNone/>
+              <a:defRPr sz="2400" b="1"/>
+            </a:lvl1pPr>
+            <a:lvl2pPr marL="457200" indent="0">
+              <a:buNone/>
+              <a:defRPr sz="2000" b="1"/>
+            </a:lvl2pPr>
+            <a:lvl3pPr marL="914400" indent="0">
+              <a:buNone/>
+              <a:defRPr sz="1800" b="1"/>
+            </a:lvl3pPr>
+            <a:lvl4pPr marL="1371600" indent="0">
+              <a:buNone/>
+              <a:defRPr sz="1600" b="1"/>
+            </a:lvl4pPr>
+            <a:lvl5pPr marL="1828800" indent="0">
+              <a:buNone/>
+              <a:defRPr sz="1600" b="1"/>
+            </a:lvl5pPr>
+            <a:lvl6pPr marL="2286000" indent="0">
+              <a:buNone/>
+              <a:defRPr sz="1600" b="1"/>
+            </a:lvl6pPr>
+            <a:lvl7pPr marL="2743200" indent="0">
+              <a:buNone/>
+              <a:defRPr sz="1600" b="1"/>
+            </a:lvl7pPr>
+            <a:lvl8pPr marL="3200400" indent="0">
+              <a:buNone/>
+              <a:defRPr sz="1600" b="1"/>
+            </a:lvl8pPr>
+            <a:lvl9pPr marL="3657600" indent="0">
+              <a:buNone/>
+              <a:defRPr sz="1600" b="1"/>
+            </a:lvl9pPr>
+          </a:lstStyle>
+          <a:p>
+            <a:pPr lvl="0"/>
+            <a:r>
+              <a:rPr lang="en-US" smtClean="0"/>
+              <a:t>Click to edit Master text styles</a:t>
+            </a:r>
+          </a:p>
+        </p:txBody>
+      </p:sp>
+      <p:sp>
+        <p:nvSpPr>
+          <p:cNvPr id="4" name="Content Placeholder 3"/>
+          <p:cNvSpPr>
+            <a:spLocks noGrp="1"/>
+          </p:cNvSpPr>
+          <p:nvPr>
+            <p:ph sz="half" idx="2"/>
+          </p:nvPr>
+        </p:nvSpPr>
+        <p:spPr>
+          <a:xfrm>
+            <a:off x="457200" y="2174875"/>
+            <a:ext cx="4040188" cy="3951288"/>
+          </a:xfrm>
+        </p:spPr>
+        <p:txBody>
+          <a:bodyPr/>
+          <a:lstStyle>
+            <a:lvl1pPr>
+              <a:defRPr sz="2400"/>
+            </a:lvl1pPr>
+            <a:lvl2pPr>
+              <a:defRPr sz="2000"/>
+            </a:lvl2pPr>
+            <a:lvl3pPr>
+              <a:defRPr sz="1800"/>
+            </a:lvl3pPr>
+            <a:lvl4pPr>
+              <a:defRPr sz="1600"/>
+            </a:lvl4pPr>
+            <a:lvl5pPr>
+              <a:defRPr sz="1600"/>
+            </a:lvl5pPr>
+            <a:lvl6pPr>
+              <a:defRPr sz="1600"/>
+            </a:lvl6pPr>
+            <a:lvl7pPr>
+              <a:defRPr sz="1600"/>
+            </a:lvl7pPr>
+            <a:lvl8pPr>
+              <a:defRPr sz="1600"/>
+            </a:lvl8pPr>
+            <a:lvl9pPr>
+              <a:defRPr sz="1600"/>
+            </a:lvl9pPr>
+          </a:lstStyle>
+          <a:p>
+            <a:pPr lvl="0"/>
+            <a:r>
+              <a:rPr lang="en-US" smtClean="0"/>
+              <a:t>Click to edit Master text styles</a:t>
+            </a:r>
+          </a:p>
+          <a:p>
+            <a:pPr lvl="1"/>
+            <a:r>
+              <a:rPr lang="en-US" smtClean="0"/>
+              <a:t>Second level</a:t>
+            </a:r>
+          </a:p>
+          <a:p>
+            <a:pPr lvl="2"/>
+            <a:r>
+              <a:rPr lang="en-US" smtClean="0"/>
+              <a:t>Third level</a:t>
+            </a:r>
+          </a:p>
+          <a:p>
+            <a:pPr lvl="3"/>
+            <a:r>
+              <a:rPr lang="en-US" smtClean="0"/>
+              <a:t>Fourth level</a:t>
+            </a:r>
+          </a:p>
+          <a:p>
+            <a:pPr lvl="4"/>
+            <a:r>
+              <a:rPr lang="en-US" smtClean="0"/>
+              <a:t>Fifth level</a:t>
+            </a:r>
+            <a:endParaRPr lang="en-US"/>
+          </a:p>
+        </p:txBody>
+      </p:sp>
+      <p:sp>
+        <p:nvSpPr>
+          <p:cNvPr id="5" name="Text Placeholder 4"/>
+          <p:cNvSpPr>
+            <a:spLocks noGrp="1"/>
+          </p:cNvSpPr>
+          <p:nvPr>
+            <p:ph type="body" sz="quarter" idx="3"/>
+          </p:nvPr>
+        </p:nvSpPr>
+        <p:spPr>
+          <a:xfrm>
+            <a:off x="4645025" y="1535113"/>
+            <a:ext cx="4041775" cy="639762"/>
+          </a:xfrm>
+        </p:spPr>
+        <p:txBody>
+          <a:bodyPr anchor="b"/>
+          <a:lstStyle>
+            <a:lvl1pPr marL="0" indent="0">
+              <a:buNone/>
+              <a:defRPr sz="2400" b="1"/>
+            </a:lvl1pPr>
+            <a:lvl2pPr marL="457200" indent="0">
+              <a:buNone/>
+              <a:defRPr sz="2000" b="1"/>
+            </a:lvl2pPr>
+            <a:lvl3pPr marL="914400" indent="0">
+              <a:buNone/>
+              <a:defRPr sz="1800" b="1"/>
+            </a:lvl3pPr>
+            <a:lvl4pPr marL="1371600" indent="0">
+              <a:buNone/>
+              <a:defRPr sz="1600" b="1"/>
+            </a:lvl4pPr>
+            <a:lvl5pPr marL="1828800" indent="0">
+              <a:buNone/>
+              <a:defRPr sz="1600" b="1"/>
+            </a:lvl5pPr>
+            <a:lvl6pPr marL="2286000" indent="0">
+              <a:buNone/>
+              <a:defRPr sz="1600" b="1"/>
+            </a:lvl6pPr>
+            <a:lvl7pPr marL="2743200" indent="0">
+              <a:buNone/>
+              <a:defRPr sz="1600" b="1"/>
+            </a:lvl7pPr>
+            <a:lvl8pPr marL="3200400" indent="0">
+              <a:buNone/>
+              <a:defRPr sz="1600" b="1"/>
+            </a:lvl8pPr>
+            <a:lvl9pPr marL="3657600" indent="0">
+              <a:buNone/>
+              <a:defRPr sz="1600" b="1"/>
+            </a:lvl9pPr>
+          </a:lstStyle>
+          <a:p>
+            <a:pPr lvl="0"/>
+            <a:r>
+              <a:rPr lang="en-US" smtClean="0"/>
+              <a:t>Click to edit Master text styles</a:t>
+            </a:r>
+          </a:p>
+        </p:txBody>
+      </p:sp>
+      <p:sp>
+        <p:nvSpPr>
+          <p:cNvPr id="6" name="Content Placeholder 5"/>
+          <p:cNvSpPr>
+            <a:spLocks noGrp="1"/>
+          </p:cNvSpPr>
+          <p:nvPr>
+            <p:ph sz="quarter" idx="4"/>
+          </p:nvPr>
+        </p:nvSpPr>
+        <p:spPr>
+          <a:xfrm>
+            <a:off x="4645025" y="2174875"/>
+            <a:ext cx="4041775" cy="3951288"/>
+          </a:xfrm>
+        </p:spPr>
+        <p:txBody>
+          <a:bodyPr/>
+          <a:lstStyle>
+            <a:lvl1pPr>
+              <a:defRPr sz="2400"/>
+            </a:lvl1pPr>
+            <a:lvl2pPr>
+              <a:defRPr sz="2000"/>
+            </a:lvl2pPr>
+            <a:lvl3pPr>
+              <a:defRPr sz="1800"/>
+            </a:lvl3pPr>
+            <a:lvl4pPr>
+              <a:defRPr sz="1600"/>
+            </a:lvl4pPr>
+            <a:lvl5pPr>
+              <a:defRPr sz="1600"/>
+            </a:lvl5pPr>
+            <a:lvl6pPr>
+              <a:defRPr sz="1600"/>
+            </a:lvl6pPr>
+            <a:lvl7pPr>
+              <a:defRPr sz="1600"/>
+            </a:lvl7pPr>
+            <a:lvl8pPr>
+              <a:defRPr sz="1600"/>
+            </a:lvl8pPr>
+            <a:lvl9pPr>
+              <a:defRPr sz="1600"/>
+            </a:lvl9pPr>
+          </a:lstStyle>
+          <a:p>
+            <a:pPr lvl="0"/>
+            <a:r>
+              <a:rPr lang="en-US" smtClean="0"/>
+              <a:t>Click to edit Master text styles</a:t>
+            </a:r>
+          </a:p>
+          <a:p>
+            <a:pPr lvl="1"/>
+            <a:r>
+              <a:rPr lang="en-US" smtClean="0"/>
+              <a:t>Second level</a:t>
+            </a:r>
+          </a:p>
+          <a:p>
+            <a:pPr lvl="2"/>
+            <a:r>
+              <a:rPr lang="en-US" smtClean="0"/>
+              <a:t>Third level</a:t>
+            </a:r>
+          </a:p>
+          <a:p>
+            <a:pPr lvl="3"/>
+            <a:r>
+              <a:rPr lang="en-US" smtClean="0"/>
+              <a:t>Fourth level</a:t>
+            </a:r>
+          </a:p>
+          <a:p>
+            <a:pPr lvl="4"/>
+            <a:r>
+              <a:rPr lang="en-US" smtClean="0"/>
+              <a:t>Fifth level</a:t>
+            </a:r>
+            <a:endParaRPr lang="en-US"/>
+          </a:p>
+        </p:txBody>
+      </p:sp>
+      <p:sp>
+        <p:nvSpPr>
+          <p:cNvPr id="7" name="Date Placeholder 6"/>
+          <p:cNvSpPr>
+            <a:spLocks noGrp="1"/>
+          </p:cNvSpPr>
+          <p:nvPr>
+            <p:ph type="dt" sz="half" idx="10"/>
+          </p:nvPr>
+        </p:nvSpPr>
+        <p:spPr/>
+        <p:txBody>
+          <a:bodyPr/>
+          <a:lstStyle/>
+          <a:p>
+            <a:fld id="{241EB5C9-1307-BA42-ABA2-0BC069CD8E7F}" type="datetimeFigureOut">
+              <a:rPr lang="en-US" smtClean="0"/>
+              <a:t>4/5/2019</a:t>
+            </a:fld>
+            <a:endParaRPr lang="en-US"/>
+          </a:p>
+        </p:txBody>
+      </p:sp>
+      <p:sp>
+        <p:nvSpPr>
+          <p:cNvPr id="8" name="Footer Placeholder 7"/>
+          <p:cNvSpPr>
+            <a:spLocks noGrp="1"/>
+          </p:cNvSpPr>
+          <p:nvPr>
+            <p:ph type="ftr" sz="quarter" idx="11"/>
+          </p:nvPr>
+        </p:nvSpPr>
+        <p:spPr/>
+        <p:txBody>
+          <a:bodyPr/>
+          <a:lstStyle/>
+          <a:p>
+            <a:endParaRPr lang="en-US"/>
+          </a:p>
+        </p:txBody>
+      </p:sp>
+      <p:sp>
+        <p:nvSpPr>
+          <p:cNvPr id="9" name="Slide Number Placeholder 8"/>
+          <p:cNvSpPr>
+            <a:spLocks noGrp="1"/>
+          </p:cNvSpPr>
+          <p:nvPr>
+            <p:ph type="sldNum" sz="quarter" idx="12"/>
+          </p:nvPr>
+        </p:nvSpPr>
+        <p:spPr/>
+        <p:txBody>
+          <a:bodyPr/>
+          <a:lstStyle/>
+          <a:p>
+            <a:fld id="{C5EF2332-01BF-834F-8236-50238282D533}" type="slidenum">
+              <a:rPr lang="en-US" smtClean="0"/>
+              <a:t>‹#›</a:t>
+            </a:fld>
+            <a:endParaRPr lang="en-US"/>
+          </a:p>
+        </p:txBody>
+      </p:sp>
+    </p:spTree>
+    <p:extLst>
+      <p:ext uri="{BB962C8B-B14F-4D97-AF65-F5344CB8AC3E}">
+        <p14:creationId xmlns:p14="http://schemas.microsoft.com/office/powerpoint/2010/main" val="2535793967"/>
+      </p:ext>
+    </p:extLst>
+  </p:cSld>
+  <p:clrMapOvr>
+    <a:masterClrMapping/>
+  </p:clrMapOvr>
+</p:sldLayout>
+</file>
+
+<file path=ppt/slideLayouts/slideLayout6.xml><?xml version="1.0" encoding="utf-8"?>
+<p:sldLayout xmlns:a="http://schemas.openxmlformats.org/drawingml/2006/main" xmlns:r="http://schemas.openxmlformats.org/officeDocument/2006/relationships" xmlns:p="http://schemas.openxmlformats.org/presentationml/2006/main" type="titleOnly" preserve="1">
+  <p:cSld name="Title Only">
+    <p:spTree>
+      <p:nvGrpSpPr>
+        <p:cNvPr id="1" name=""/>
+        <p:cNvGrpSpPr/>
+        <p:nvPr/>
+      </p:nvGrpSpPr>
+      <p:grpSpPr>
+        <a:xfrm>
+          <a:off x="0" y="0"/>
+          <a:ext cx="0" cy="0"/>
+          <a:chOff x="0" y="0"/>
+          <a:chExt cx="0" cy="0"/>
+        </a:xfrm>
+      </p:grpSpPr>
+      <p:sp>
+        <p:nvSpPr>
+          <p:cNvPr id="2" name="Title 1"/>
+          <p:cNvSpPr>
+            <a:spLocks noGrp="1"/>
+          </p:cNvSpPr>
+          <p:nvPr>
+            <p:ph type="title"/>
+          </p:nvPr>
+        </p:nvSpPr>
+        <p:spPr/>
+        <p:txBody>
+          <a:bodyPr/>
+          <a:lstStyle/>
+          <a:p>
+            <a:r>
+              <a:rPr lang="en-US" smtClean="0"/>
+              <a:t>Click to edit Master title style</a:t>
+            </a:r>
+            <a:endParaRPr lang="en-US"/>
+          </a:p>
+        </p:txBody>
+      </p:sp>
+      <p:sp>
+        <p:nvSpPr>
+          <p:cNvPr id="3" name="Date Placeholder 2"/>
+          <p:cNvSpPr>
+            <a:spLocks noGrp="1"/>
+          </p:cNvSpPr>
+          <p:nvPr>
+            <p:ph type="dt" sz="half" idx="10"/>
+          </p:nvPr>
+        </p:nvSpPr>
+        <p:spPr/>
+        <p:txBody>
+          <a:bodyPr/>
+          <a:lstStyle/>
+          <a:p>
+            <a:fld id="{241EB5C9-1307-BA42-ABA2-0BC069CD8E7F}" type="datetimeFigureOut">
+              <a:rPr lang="en-US" smtClean="0"/>
+              <a:t>4/5/2019</a:t>
+            </a:fld>
+            <a:endParaRPr lang="en-US"/>
+          </a:p>
+        </p:txBody>
+      </p:sp>
+      <p:sp>
+        <p:nvSpPr>
+          <p:cNvPr id="4" name="Footer Placeholder 3"/>
+          <p:cNvSpPr>
+            <a:spLocks noGrp="1"/>
+          </p:cNvSpPr>
+          <p:nvPr>
+            <p:ph type="ftr" sz="quarter" idx="11"/>
+          </p:nvPr>
+        </p:nvSpPr>
+        <p:spPr/>
+        <p:txBody>
+          <a:bodyPr/>
+          <a:lstStyle/>
+          <a:p>
+            <a:endParaRPr lang="en-US"/>
+          </a:p>
+        </p:txBody>
+      </p:sp>
+      <p:sp>
+        <p:nvSpPr>
+          <p:cNvPr id="5" name="Slide Number Placeholder 4"/>
+          <p:cNvSpPr>
+            <a:spLocks noGrp="1"/>
+          </p:cNvSpPr>
+          <p:nvPr>
+            <p:ph type="sldNum" sz="quarter" idx="12"/>
+          </p:nvPr>
+        </p:nvSpPr>
+        <p:spPr/>
+        <p:txBody>
+          <a:bodyPr/>
+          <a:lstStyle/>
+          <a:p>
+            <a:fld id="{C5EF2332-01BF-834F-8236-50238282D533}" type="slidenum">
+              <a:rPr lang="en-US" smtClean="0"/>
+              <a:t>‹#›</a:t>
+            </a:fld>
+            <a:endParaRPr lang="en-US"/>
+          </a:p>
+        </p:txBody>
+      </p:sp>
+    </p:spTree>
+    <p:extLst>
+      <p:ext uri="{BB962C8B-B14F-4D97-AF65-F5344CB8AC3E}">
+        <p14:creationId xmlns:p14="http://schemas.microsoft.com/office/powerpoint/2010/main" val="3472721253"/>
+      </p:ext>
+    </p:extLst>
+  </p:cSld>
+  <p:clrMapOvr>
+    <a:masterClrMapping/>
+  </p:clrMapOvr>
+</p:sldLayout>
+</file>
+
+<file path=ppt/slideLayouts/slideLayout7.xml><?xml version="1.0" encoding="utf-8"?>
+<p:sldLayout xmlns:a="http://schemas.openxmlformats.org/drawingml/2006/main" xmlns:r="http://schemas.openxmlformats.org/officeDocument/2006/relationships" xmlns:p="http://schemas.openxmlformats.org/presentationml/2006/main" type="blank" preserve="1">
+  <p:cSld name="Blank">
+    <p:spTree>
+      <p:nvGrpSpPr>
+        <p:cNvPr id="1" name=""/>
+        <p:cNvGrpSpPr/>
+        <p:nvPr/>
+      </p:nvGrpSpPr>
+      <p:grpSpPr>
+        <a:xfrm>
+          <a:off x="0" y="0"/>
+          <a:ext cx="0" cy="0"/>
+          <a:chOff x="0" y="0"/>
+          <a:chExt cx="0" cy="0"/>
+        </a:xfrm>
+      </p:grpSpPr>
+      <p:sp>
+        <p:nvSpPr>
+          <p:cNvPr id="2" name="Date Placeholder 1"/>
+          <p:cNvSpPr>
+            <a:spLocks noGrp="1"/>
+          </p:cNvSpPr>
+          <p:nvPr>
+            <p:ph type="dt" sz="half" idx="10"/>
+          </p:nvPr>
+        </p:nvSpPr>
+        <p:spPr/>
+        <p:txBody>
+          <a:bodyPr/>
+          <a:lstStyle/>
+          <a:p>
+            <a:fld id="{241EB5C9-1307-BA42-ABA2-0BC069CD8E7F}" type="datetimeFigureOut">
+              <a:rPr lang="en-US" smtClean="0"/>
+              <a:t>4/5/2019</a:t>
+            </a:fld>
+            <a:endParaRPr lang="en-US"/>
+          </a:p>
+        </p:txBody>
+      </p:sp>
+      <p:sp>
+        <p:nvSpPr>
+          <p:cNvPr id="3" name="Footer Placeholder 2"/>
+          <p:cNvSpPr>
+            <a:spLocks noGrp="1"/>
+          </p:cNvSpPr>
+          <p:nvPr>
+            <p:ph type="ftr" sz="quarter" idx="11"/>
+          </p:nvPr>
+        </p:nvSpPr>
+        <p:spPr/>
+        <p:txBody>
+          <a:bodyPr/>
+          <a:lstStyle/>
+          <a:p>
+            <a:endParaRPr lang="en-US"/>
+          </a:p>
+        </p:txBody>
+      </p:sp>
+      <p:sp>
+        <p:nvSpPr>
+          <p:cNvPr id="4" name="Slide Number Placeholder 3"/>
+          <p:cNvSpPr>
+            <a:spLocks noGrp="1"/>
+          </p:cNvSpPr>
+          <p:nvPr>
+            <p:ph type="sldNum" sz="quarter" idx="12"/>
+          </p:nvPr>
+        </p:nvSpPr>
+        <p:spPr/>
+        <p:txBody>
+          <a:bodyPr/>
+          <a:lstStyle/>
+          <a:p>
+            <a:fld id="{C5EF2332-01BF-834F-8236-50238282D533}" type="slidenum">
+              <a:rPr lang="en-US" smtClean="0"/>
+              <a:t>‹#›</a:t>
+            </a:fld>
+            <a:endParaRPr lang="en-US"/>
+          </a:p>
+        </p:txBody>
+      </p:sp>
+    </p:spTree>
+    <p:extLst>
+      <p:ext uri="{BB962C8B-B14F-4D97-AF65-F5344CB8AC3E}">
+        <p14:creationId xmlns:p14="http://schemas.microsoft.com/office/powerpoint/2010/main" val="2130901097"/>
+      </p:ext>
+    </p:extLst>
+  </p:cSld>
+  <p:clrMapOvr>
+    <a:masterClrMapping/>
+  </p:clrMapOvr>
+</p:sldLayout>
+</file>
+
+<file path=ppt/slideLayouts/slideLayout8.xml><?xml version="1.0" encoding="utf-8"?>
+<p:sldLayout xmlns:a="http://schemas.openxmlformats.org/drawingml/2006/main" xmlns:r="http://schemas.openxmlformats.org/officeDocument/2006/relationships" xmlns:p="http://schemas.openxmlformats.org/presentationml/2006/main" type="objTx" preserve="1">
+  <p:cSld name="Content with Caption">
+    <p:spTree>
+      <p:nvGrpSpPr>
+        <p:cNvPr id="1" name=""/>
+        <p:cNvGrpSpPr/>
+        <p:nvPr/>
+      </p:nvGrpSpPr>
+      <p:grpSpPr>
+        <a:xfrm>
+          <a:off x="0" y="0"/>
+          <a:ext cx="0" cy="0"/>
+          <a:chOff x="0" y="0"/>
+          <a:chExt cx="0" cy="0"/>
+        </a:xfrm>
+      </p:grpSpPr>
+      <p:sp>
+        <p:nvSpPr>
+          <p:cNvPr id="2" name="Title 1"/>
+          <p:cNvSpPr>
+            <a:spLocks noGrp="1"/>
+          </p:cNvSpPr>
+          <p:nvPr>
+            <p:ph type="title"/>
+          </p:nvPr>
+        </p:nvSpPr>
+        <p:spPr>
+          <a:xfrm>
+            <a:off x="457200" y="273050"/>
+            <a:ext cx="3008313" cy="1162050"/>
+          </a:xfrm>
+        </p:spPr>
+        <p:txBody>
+          <a:bodyPr anchor="b"/>
+          <a:lstStyle>
+            <a:lvl1pPr algn="l">
+              <a:defRPr sz="2000" b="1"/>
+            </a:lvl1pPr>
+          </a:lstStyle>
+          <a:p>
+            <a:r>
+              <a:rPr lang="en-US" smtClean="0"/>
+              <a:t>Click to edit Master title style</a:t>
+            </a:r>
+            <a:endParaRPr lang="en-US"/>
+          </a:p>
+        </p:txBody>
+      </p:sp>
+      <p:sp>
+        <p:nvSpPr>
+          <p:cNvPr id="3" name="Content Placeholder 2"/>
+          <p:cNvSpPr>
+            <a:spLocks noGrp="1"/>
+          </p:cNvSpPr>
+          <p:nvPr>
+            <p:ph idx="1"/>
+          </p:nvPr>
+        </p:nvSpPr>
+        <p:spPr>
+          <a:xfrm>
+            <a:off x="3575050" y="273050"/>
+            <a:ext cx="5111750" cy="5853113"/>
+          </a:xfrm>
+        </p:spPr>
+        <p:txBody>
+          <a:bodyPr/>
+          <a:lstStyle>
+            <a:lvl1pPr>
+              <a:defRPr sz="3200"/>
+            </a:lvl1pPr>
+            <a:lvl2pPr>
+              <a:defRPr sz="2800"/>
+            </a:lvl2pPr>
+            <a:lvl3pPr>
+              <a:defRPr sz="2400"/>
+            </a:lvl3pPr>
+            <a:lvl4pPr>
+              <a:defRPr sz="2000"/>
+            </a:lvl4pPr>
+            <a:lvl5pPr>
+              <a:defRPr sz="2000"/>
+            </a:lvl5pPr>
+            <a:lvl6pPr>
+              <a:defRPr sz="2000"/>
+            </a:lvl6pPr>
+            <a:lvl7pPr>
+              <a:defRPr sz="2000"/>
+            </a:lvl7pPr>
+            <a:lvl8pPr>
+              <a:defRPr sz="2000"/>
+            </a:lvl8pPr>
+            <a:lvl9pPr>
+              <a:defRPr sz="2000"/>
+            </a:lvl9pPr>
+          </a:lstStyle>
+          <a:p>
+            <a:pPr lvl="0"/>
+            <a:r>
+              <a:rPr lang="en-US" smtClean="0"/>
+              <a:t>Click to edit Master text styles</a:t>
+            </a:r>
+          </a:p>
+          <a:p>
+            <a:pPr lvl="1"/>
+            <a:r>
+              <a:rPr lang="en-US" smtClean="0"/>
+              <a:t>Second level</a:t>
+            </a:r>
+          </a:p>
+          <a:p>
+            <a:pPr lvl="2"/>
+            <a:r>
+              <a:rPr lang="en-US" smtClean="0"/>
+              <a:t>Third level</a:t>
+            </a:r>
+          </a:p>
+          <a:p>
+            <a:pPr lvl="3"/>
+            <a:r>
+              <a:rPr lang="en-US" smtClean="0"/>
+              <a:t>Fourth level</a:t>
+            </a:r>
+          </a:p>
+          <a:p>
+            <a:pPr lvl="4"/>
+            <a:r>
+              <a:rPr lang="en-US" smtClean="0"/>
+              <a:t>Fifth level</a:t>
+            </a:r>
+            <a:endParaRPr lang="en-US"/>
+          </a:p>
+        </p:txBody>
+      </p:sp>
+      <p:sp>
+        <p:nvSpPr>
+          <p:cNvPr id="4" name="Text Placeholder 3"/>
+          <p:cNvSpPr>
+            <a:spLocks noGrp="1"/>
+          </p:cNvSpPr>
+          <p:nvPr>
+            <p:ph type="body" sz="half" idx="2"/>
+          </p:nvPr>
+        </p:nvSpPr>
+        <p:spPr>
+          <a:xfrm>
+            <a:off x="457200" y="1435100"/>
+            <a:ext cx="3008313" cy="4691063"/>
+          </a:xfrm>
+        </p:spPr>
+        <p:txBody>
+          <a:bodyPr/>
+          <a:lstStyle>
+            <a:lvl1pPr marL="0" indent="0">
+              <a:buNone/>
+              <a:defRPr sz="1400"/>
+            </a:lvl1pPr>
+            <a:lvl2pPr marL="457200" indent="0">
+              <a:buNone/>
+              <a:defRPr sz="1200"/>
+            </a:lvl2pPr>
+            <a:lvl3pPr marL="914400" indent="0">
+              <a:buNone/>
+              <a:defRPr sz="1000"/>
+            </a:lvl3pPr>
+            <a:lvl4pPr marL="1371600" indent="0">
+              <a:buNone/>
+              <a:defRPr sz="900"/>
+            </a:lvl4pPr>
+            <a:lvl5pPr marL="1828800" indent="0">
+              <a:buNone/>
+              <a:defRPr sz="900"/>
+            </a:lvl5pPr>
+            <a:lvl6pPr marL="2286000" indent="0">
+              <a:buNone/>
+              <a:defRPr sz="900"/>
+            </a:lvl6pPr>
+            <a:lvl7pPr marL="2743200" indent="0">
+              <a:buNone/>
+              <a:defRPr sz="900"/>
+            </a:lvl7pPr>
+            <a:lvl8pPr marL="3200400" indent="0">
+              <a:buNone/>
+              <a:defRPr sz="900"/>
+            </a:lvl8pPr>
+            <a:lvl9pPr marL="3657600" indent="0">
+              <a:buNone/>
+              <a:defRPr sz="900"/>
+            </a:lvl9pPr>
+          </a:lstStyle>
+          <a:p>
+            <a:pPr lvl="0"/>
+            <a:r>
+              <a:rPr lang="en-US" smtClean="0"/>
+              <a:t>Click to edit Master text styles</a:t>
+            </a:r>
+          </a:p>
+        </p:txBody>
+      </p:sp>
+      <p:sp>
+        <p:nvSpPr>
+          <p:cNvPr id="5" name="Date Placeholder 4"/>
+          <p:cNvSpPr>
+            <a:spLocks noGrp="1"/>
+          </p:cNvSpPr>
+          <p:nvPr>
+            <p:ph type="dt" sz="half" idx="10"/>
+          </p:nvPr>
+        </p:nvSpPr>
+        <p:spPr/>
+        <p:txBody>
+          <a:bodyPr/>
+          <a:lstStyle/>
+          <a:p>
+            <a:fld id="{241EB5C9-1307-BA42-ABA2-0BC069CD8E7F}" type="datetimeFigureOut">
+              <a:rPr lang="en-US" smtClean="0"/>
+              <a:t>4/5/2019</a:t>
+            </a:fld>
+            <a:endParaRPr lang="en-US"/>
+          </a:p>
+        </p:txBody>
+      </p:sp>
+      <p:sp>
+        <p:nvSpPr>
+          <p:cNvPr id="6" name="Footer Placeholder 5"/>
+          <p:cNvSpPr>
+            <a:spLocks noGrp="1"/>
+          </p:cNvSpPr>
+          <p:nvPr>
+            <p:ph type="ftr" sz="quarter" idx="11"/>
+          </p:nvPr>
+        </p:nvSpPr>
+        <p:spPr/>
+        <p:txBody>
+          <a:bodyPr/>
+          <a:lstStyle/>
+          <a:p>
+            <a:endParaRPr lang="en-US"/>
+          </a:p>
+        </p:txBody>
+      </p:sp>
+      <p:sp>
+        <p:nvSpPr>
+          <p:cNvPr id="7" name="Slide Number Placeholder 6"/>
+          <p:cNvSpPr>
+            <a:spLocks noGrp="1"/>
+          </p:cNvSpPr>
+          <p:nvPr>
+            <p:ph type="sldNum" sz="quarter" idx="12"/>
+          </p:nvPr>
+        </p:nvSpPr>
+        <p:spPr/>
+        <p:txBody>
+          <a:bodyPr/>
+          <a:lstStyle/>
+          <a:p>
+            <a:fld id="{C5EF2332-01BF-834F-8236-50238282D533}" type="slidenum">
+              <a:rPr lang="en-US" smtClean="0"/>
+              <a:t>‹#›</a:t>
+            </a:fld>
+            <a:endParaRPr lang="en-US"/>
+          </a:p>
+        </p:txBody>
+      </p:sp>
+    </p:spTree>
+    <p:extLst>
+      <p:ext uri="{BB962C8B-B14F-4D97-AF65-F5344CB8AC3E}">
+        <p14:creationId xmlns:p14="http://schemas.microsoft.com/office/powerpoint/2010/main" val="3540895647"/>
+      </p:ext>
+    </p:extLst>
+  </p:cSld>
+  <p:clrMapOvr>
+    <a:masterClrMapping/>
+  </p:clrMapOvr>
+</p:sldLayout>
+</file>
+
+<file path=ppt/slideLayouts/slideLayout9.xml><?xml version="1.0" encoding="utf-8"?>
+<p:sldLayout xmlns:a="http://schemas.openxmlformats.org/drawingml/2006/main" xmlns:r="http://schemas.openxmlformats.org/officeDocument/2006/relationships" xmlns:p="http://schemas.openxmlformats.org/presentationml/2006/main" type="picTx" preserve="1">
+  <p:cSld name="Picture with Caption">
+    <p:spTree>
+      <p:nvGrpSpPr>
+        <p:cNvPr id="1" name=""/>
+        <p:cNvGrpSpPr/>
+        <p:nvPr/>
+      </p:nvGrpSpPr>
+      <p:grpSpPr>
+        <a:xfrm>
+          <a:off x="0" y="0"/>
+          <a:ext cx="0" cy="0"/>
+          <a:chOff x="0" y="0"/>
+          <a:chExt cx="0" cy="0"/>
+        </a:xfrm>
+      </p:grpSpPr>
+      <p:sp>
+        <p:nvSpPr>
+          <p:cNvPr id="2" name="Title 1"/>
+          <p:cNvSpPr>
+            <a:spLocks noGrp="1"/>
+          </p:cNvSpPr>
+          <p:nvPr>
+            <p:ph type="title"/>
+          </p:nvPr>
+        </p:nvSpPr>
+        <p:spPr>
+          <a:xfrm>
+            <a:off x="1792288" y="4800600"/>
+            <a:ext cx="5486400" cy="566738"/>
+          </a:xfrm>
+        </p:spPr>
+        <p:txBody>
+          <a:bodyPr anchor="b"/>
+          <a:lstStyle>
+            <a:lvl1pPr algn="l">
+              <a:defRPr sz="2000" b="1"/>
+            </a:lvl1pPr>
+          </a:lstStyle>
+          <a:p>
+            <a:r>
+              <a:rPr lang="en-US" smtClean="0"/>
+              <a:t>Click to edit Master title style</a:t>
+            </a:r>
+            <a:endParaRPr lang="en-US"/>
+          </a:p>
+        </p:txBody>
+      </p:sp>
+      <p:sp>
+        <p:nvSpPr>
+          <p:cNvPr id="3" name="Picture Placeholder 2"/>
+          <p:cNvSpPr>
+            <a:spLocks noGrp="1"/>
+          </p:cNvSpPr>
+          <p:nvPr>
+            <p:ph type="pic" idx="1"/>
+          </p:nvPr>
+        </p:nvSpPr>
+        <p:spPr>
+          <a:xfrm>
+            <a:off x="1792288" y="612775"/>
+            <a:ext cx="5486400" cy="4114800"/>
+          </a:xfrm>
+        </p:spPr>
+        <p:txBody>
+          <a:bodyPr/>
+          <a:lstStyle>
+            <a:lvl1pPr marL="0" indent="0">
+              <a:buNone/>
+              <a:defRPr sz="3200"/>
+            </a:lvl1pPr>
+            <a:lvl2pPr marL="457200" indent="0">
+              <a:buNone/>
+              <a:defRPr sz="2800"/>
+            </a:lvl2pPr>
+            <a:lvl3pPr marL="914400" indent="0">
+              <a:buNone/>
+              <a:defRPr sz="2400"/>
+            </a:lvl3pPr>
+            <a:lvl4pPr marL="1371600" indent="0">
+              <a:buNone/>
+              <a:defRPr sz="2000"/>
+            </a:lvl4pPr>
+            <a:lvl5pPr marL="1828800" indent="0">
+              <a:buNone/>
+              <a:defRPr sz="2000"/>
+            </a:lvl5pPr>
+            <a:lvl6pPr marL="2286000" indent="0">
+              <a:buNone/>
+              <a:defRPr sz="2000"/>
+            </a:lvl6pPr>
+            <a:lvl7pPr marL="2743200" indent="0">
+              <a:buNone/>
+              <a:defRPr sz="2000"/>
+            </a:lvl7pPr>
+            <a:lvl8pPr marL="3200400" indent="0">
+              <a:buNone/>
+              <a:defRPr sz="2000"/>
+            </a:lvl8pPr>
+            <a:lvl9pPr marL="3657600" indent="0">
+              <a:buNone/>
+              <a:defRPr sz="2000"/>
+            </a:lvl9pPr>
+          </a:lstStyle>
+          <a:p>
+            <a:endParaRPr lang="en-US"/>
+          </a:p>
+        </p:txBody>
+      </p:sp>
+      <p:sp>
+        <p:nvSpPr>
+          <p:cNvPr id="4" name="Text Placeholder 3"/>
+          <p:cNvSpPr>
+            <a:spLocks noGrp="1"/>
+          </p:cNvSpPr>
+          <p:nvPr>
+            <p:ph type="body" sz="half" idx="2"/>
+          </p:nvPr>
+        </p:nvSpPr>
+        <p:spPr>
+          <a:xfrm>
+            <a:off x="1792288" y="5367338"/>
+            <a:ext cx="5486400" cy="804862"/>
+          </a:xfrm>
+        </p:spPr>
+        <p:txBody>
+          <a:bodyPr/>
+          <a:lstStyle>
+            <a:lvl1pPr marL="0" indent="0">
+              <a:buNone/>
+              <a:defRPr sz="1400"/>
+            </a:lvl1pPr>
+            <a:lvl2pPr marL="457200" indent="0">
+              <a:buNone/>
+              <a:defRPr sz="1200"/>
+            </a:lvl2pPr>
+            <a:lvl3pPr marL="914400" indent="0">
+              <a:buNone/>
+              <a:defRPr sz="1000"/>
+            </a:lvl3pPr>
+            <a:lvl4pPr marL="1371600" indent="0">
+              <a:buNone/>
+              <a:defRPr sz="900"/>
+            </a:lvl4pPr>
+            <a:lvl5pPr marL="1828800" indent="0">
+              <a:buNone/>
+              <a:defRPr sz="900"/>
+            </a:lvl5pPr>
+            <a:lvl6pPr marL="2286000" indent="0">
+              <a:buNone/>
+              <a:defRPr sz="900"/>
+            </a:lvl6pPr>
+            <a:lvl7pPr marL="2743200" indent="0">
+              <a:buNone/>
+              <a:defRPr sz="900"/>
+            </a:lvl7pPr>
+            <a:lvl8pPr marL="3200400" indent="0">
+              <a:buNone/>
+              <a:defRPr sz="900"/>
+            </a:lvl8pPr>
+            <a:lvl9pPr marL="3657600" indent="0">
+              <a:buNone/>
+              <a:defRPr sz="900"/>
+            </a:lvl9pPr>
+          </a:lstStyle>
+          <a:p>
+            <a:pPr lvl="0"/>
+            <a:r>
+              <a:rPr lang="en-US" smtClean="0"/>
+              <a:t>Click to edit Master text styles</a:t>
+            </a:r>
+          </a:p>
+        </p:txBody>
+      </p:sp>
+      <p:sp>
+        <p:nvSpPr>
+          <p:cNvPr id="5" name="Date Placeholder 4"/>
+          <p:cNvSpPr>
+            <a:spLocks noGrp="1"/>
+          </p:cNvSpPr>
+          <p:nvPr>
+            <p:ph type="dt" sz="half" idx="10"/>
+          </p:nvPr>
+        </p:nvSpPr>
+        <p:spPr/>
+        <p:txBody>
+          <a:bodyPr/>
+          <a:lstStyle/>
+          <a:p>
+            <a:fld id="{241EB5C9-1307-BA42-ABA2-0BC069CD8E7F}" type="datetimeFigureOut">
+              <a:rPr lang="en-US" smtClean="0"/>
+              <a:t>4/5/2019</a:t>
+            </a:fld>
+            <a:endParaRPr lang="en-US"/>
+          </a:p>
+        </p:txBody>
+      </p:sp>
+      <p:sp>
+        <p:nvSpPr>
+          <p:cNvPr id="6" name="Footer Placeholder 5"/>
+          <p:cNvSpPr>
+            <a:spLocks noGrp="1"/>
+          </p:cNvSpPr>
+          <p:nvPr>
+            <p:ph type="ftr" sz="quarter" idx="11"/>
+          </p:nvPr>
+        </p:nvSpPr>
+        <p:spPr/>
+        <p:txBody>
+          <a:bodyPr/>
+          <a:lstStyle/>
+          <a:p>
+            <a:endParaRPr lang="en-US"/>
+          </a:p>
+        </p:txBody>
+      </p:sp>
+      <p:sp>
+        <p:nvSpPr>
+          <p:cNvPr id="7" name="Slide Number Placeholder 6"/>
+          <p:cNvSpPr>
+            <a:spLocks noGrp="1"/>
+          </p:cNvSpPr>
+          <p:nvPr>
+            <p:ph type="sldNum" sz="quarter" idx="12"/>
+          </p:nvPr>
+        </p:nvSpPr>
+        <p:spPr/>
+        <p:txBody>
+          <a:bodyPr/>
+          <a:lstStyle/>
+          <a:p>
+            <a:fld id="{C5EF2332-01BF-834F-8236-50238282D533}" type="slidenum">
+              <a:rPr lang="en-US" smtClean="0"/>
+              <a:t>‹#›</a:t>
+            </a:fld>
+            <a:endParaRPr lang="en-US"/>
+          </a:p>
+        </p:txBody>
+      </p:sp>
+    </p:spTree>
+    <p:extLst>
+      <p:ext uri="{BB962C8B-B14F-4D97-AF65-F5344CB8AC3E}">
+        <p14:creationId xmlns:p14="http://schemas.microsoft.com/office/powerpoint/2010/main" val="3566899855"/>
+      </p:ext>
+    </p:extLst>
+  </p:cSld>
+  <p:clrMapOvr>
+    <a:masterClrMapping/>
+  </p:clrMapOvr>
+</p:sldLayout>
+</file>
+
 <file path=ppt/slideMasters/slideMaster1.xml><?xml version="1.0" encoding="utf-8"?>
 <p:sldMaster xmlns:a="http://schemas.openxmlformats.org/drawingml/2006/main" xmlns:r="http://schemas.openxmlformats.org/officeDocument/2006/relationships" xmlns:p="http://schemas.openxmlformats.org/presentationml/2006/main">
   <p:cSld>
@@ -1672,7 +3187,7 @@
           <a:p>
             <a:fld id="{5EF76A7A-0506-6C4D-8382-BFC753915B9A}" type="datetime4">
               <a:rPr lang="en-US" smtClean="0"/>
-              <a:t>January 25, 2021</a:t>
+              <a:t>January 7, 2021</a:t>
             </a:fld>
             <a:endParaRPr lang="en-US" dirty="0"/>
           </a:p>
@@ -2126,11 +3641,28 @@
           <a:bodyPr/>
           <a:lstStyle/>
           <a:p>
-            <a:pPr marL="0" lvl="0" indent="0">
+            <a:pPr lvl="0" marL="0" indent="0">
               <a:buNone/>
             </a:pPr>
             <a:r>
-              <a:t>Sample_PPT (PERSI graphs)</a:t>
+              <a:rPr/>
+              <a:t>Sample_PPT</a:t>
+            </a:r>
+            <a:r>
+              <a:rPr/>
+              <a:t> </a:t>
+            </a:r>
+            <a:r>
+              <a:rPr/>
+              <a:t>(PERSI</a:t>
+            </a:r>
+            <a:r>
+              <a:rPr/>
+              <a:t> </a:t>
+            </a:r>
+            <a:r>
+              <a:rPr/>
+              <a:t>graphs)</a:t>
             </a:r>
           </a:p>
         </p:txBody>
@@ -2155,13 +3687,46 @@
           <a:bodyPr/>
           <a:lstStyle/>
           <a:p>
-            <a:pPr marL="0" lvl="0" indent="0">
+            <a:pPr lvl="0" marL="0" indent="0">
               <a:buNone/>
             </a:pPr>
             <a:br/>
             <a:br/>
             <a:r>
-              <a:t>Anil, Swaroop, Jen &amp; Jordan</a:t>
+              <a:rPr/>
+              <a:t>Anil,</a:t>
+            </a:r>
+            <a:r>
+              <a:rPr/>
+              <a:t> </a:t>
+            </a:r>
+            <a:r>
+              <a:rPr/>
+              <a:t>Swaroop,</a:t>
+            </a:r>
+            <a:r>
+              <a:rPr/>
+              <a:t> </a:t>
+            </a:r>
+            <a:r>
+              <a:rPr/>
+              <a:t>Jen</a:t>
+            </a:r>
+            <a:r>
+              <a:rPr/>
+              <a:t> </a:t>
+            </a:r>
+            <a:r>
+              <a:rPr/>
+              <a:t>&amp;</a:t>
+            </a:r>
+            <a:r>
+              <a:rPr/>
+              <a:t> </a:t>
+            </a:r>
+            <a:r>
+              <a:rPr/>
+              <a:t>Jordan</a:t>
             </a:r>
           </a:p>
         </p:txBody>
@@ -2181,10 +3746,11 @@
           <a:bodyPr/>
           <a:lstStyle/>
           <a:p>
-            <a:pPr marL="0" lvl="0" indent="0">
+            <a:pPr lvl="0" marL="0" indent="0">
               <a:buNone/>
             </a:pPr>
             <a:r>
+              <a:rPr/>
               <a:t>01/05/2021</a:t>
             </a:r>
           </a:p>
@@ -2192,9 +3758,6 @@
       </p:sp>
     </p:spTree>
   </p:cSld>
-  <p:clrMapOvr>
-    <a:masterClrMapping/>
-  </p:clrMapOvr>
 </p:sld>
 </file>
 
@@ -2238,18 +3801,59 @@
           <a:bodyPr/>
           <a:lstStyle/>
           <a:p>
-            <a:pPr marL="0" lvl="0" indent="0">
+            <a:pPr lvl="0" marL="0" indent="0">
               <a:buNone/>
             </a:pPr>
             <a:r>
-              <a:t>Negative Amortization Growth w/ R (custom)</a:t>
+              <a:rPr/>
+              <a:t>Negative</a:t>
+            </a:r>
+            <a:r>
+              <a:rPr/>
+              <a:t> </a:t>
+            </a:r>
+            <a:r>
+              <a:rPr/>
+              <a:t>Amortization</a:t>
+            </a:r>
+            <a:r>
+              <a:rPr/>
+              <a:t> </a:t>
+            </a:r>
+            <a:r>
+              <a:rPr/>
+              <a:t>Growth</a:t>
+            </a:r>
+            <a:r>
+              <a:rPr/>
+              <a:t> </a:t>
+            </a:r>
+            <a:r>
+              <a:rPr/>
+              <a:t>w/</a:t>
+            </a:r>
+            <a:r>
+              <a:rPr/>
+              <a:t> </a:t>
+            </a:r>
+            <a:r>
+              <a:rPr/>
+              <a:t>R</a:t>
+            </a:r>
+            <a:r>
+              <a:rPr/>
+              <a:t> </a:t>
+            </a:r>
+            <a:r>
+              <a:rPr/>
+              <a:t>(custom)</a:t>
             </a:r>
           </a:p>
         </p:txBody>
       </p:sp>
       <p:pic>
         <p:nvPicPr>
-          <p:cNvPr id="3" name="Picture 1" descr="SamplePPT_files/figure-pptx/neg.amo-1.png"/>
+          <p:cNvPr descr="SamplePPT_files/figure-pptx/neg.amo-1.png" id="0" name="Picture 1"/>
           <p:cNvPicPr>
             <a:picLocks noGrp="1" noChangeAspect="1"/>
           </p:cNvPicPr>
@@ -2279,9 +3883,6 @@
       </p:pic>
     </p:spTree>
   </p:cSld>
-  <p:clrMapOvr>
-    <a:masterClrMapping/>
-  </p:clrMapOvr>
 </p:sld>
 </file>
 
@@ -2325,10 +3926,11 @@
           <a:bodyPr/>
           <a:lstStyle/>
           <a:p>
-            <a:pPr marL="0" lvl="0" indent="0">
+            <a:pPr lvl="0" marL="0" indent="0">
               <a:buNone/>
             </a:pPr>
             <a:r>
+              <a:rPr/>
               <a:t>References</a:t>
             </a:r>
           </a:p>
@@ -2379,9 +3981,6 @@
       </p:sp>
     </p:spTree>
   </p:cSld>
-  <p:clrMapOvr>
-    <a:masterClrMapping/>
-  </p:clrMapOvr>
 </p:sld>
 </file>
 
@@ -2425,11 +4024,44 @@
           <a:bodyPr/>
           <a:lstStyle/>
           <a:p>
-            <a:pPr marL="0" lvl="0" indent="0">
+            <a:pPr lvl="0" marL="0" indent="0">
               <a:buNone/>
             </a:pPr>
             <a:r>
-              <a:t>About the Pension Integrity Project</a:t>
+              <a:rPr/>
+              <a:t>About</a:t>
+            </a:r>
+            <a:r>
+              <a:rPr/>
+              <a:t> </a:t>
+            </a:r>
+            <a:r>
+              <a:rPr/>
+              <a:t>the</a:t>
+            </a:r>
+            <a:r>
+              <a:rPr/>
+              <a:t> </a:t>
+            </a:r>
+            <a:r>
+              <a:rPr/>
+              <a:t>Pension</a:t>
+            </a:r>
+            <a:r>
+              <a:rPr/>
+              <a:t> </a:t>
+            </a:r>
+            <a:r>
+              <a:rPr/>
+              <a:t>Integrity</a:t>
+            </a:r>
+            <a:r>
+              <a:rPr/>
+              <a:t> </a:t>
+            </a:r>
+            <a:r>
+              <a:rPr/>
+              <a:t>Project</a:t>
             </a:r>
           </a:p>
         </p:txBody>
@@ -2446,57 +4078,63 @@
         </p:nvSpPr>
         <p:spPr/>
         <p:txBody>
-          <a:bodyPr>
-            <a:normAutofit lnSpcReduction="10000"/>
-          </a:bodyPr>
+          <a:bodyPr/>
           <a:lstStyle/>
           <a:p>
-            <a:pPr marL="0" lvl="0" indent="0">
+            <a:pPr lvl="0" marL="0" indent="0">
               <a:buNone/>
             </a:pPr>
             <a:r>
+              <a:rPr/>
               <a:t>We offer pro-bono technical assistance to public officials to help them design and implement pension reforms that improve plan solvency and promote retirement security, including:</a:t>
             </a:r>
           </a:p>
           <a:p>
             <a:pPr lvl="1"/>
             <a:r>
+              <a:rPr/>
               <a:t>Customized analysis of pension system design, trends</a:t>
             </a:r>
           </a:p>
           <a:p>
             <a:pPr lvl="1"/>
             <a:r>
+              <a:rPr/>
               <a:t>Independent actuarial modeling of reform scenarios</a:t>
             </a:r>
           </a:p>
           <a:p>
             <a:pPr lvl="1"/>
             <a:r>
+              <a:rPr/>
               <a:t>Consultation and modeling around custom policy designs</a:t>
             </a:r>
           </a:p>
           <a:p>
             <a:pPr lvl="1"/>
             <a:r>
+              <a:rPr/>
               <a:t>Latest pension reform research and case studies</a:t>
             </a:r>
           </a:p>
           <a:p>
             <a:pPr lvl="1"/>
             <a:r>
+              <a:rPr/>
               <a:t>Peer-to-peer mentoring from state and local officials who have successfully enacted pension reforms</a:t>
             </a:r>
           </a:p>
           <a:p>
             <a:pPr lvl="1"/>
             <a:r>
+              <a:rPr/>
               <a:t>Assistance with stakeholder outreach, engagement and relationship management</a:t>
             </a:r>
           </a:p>
           <a:p>
             <a:pPr lvl="1"/>
             <a:r>
+              <a:rPr/>
               <a:t>Design and execution of public education programs and media campaigns</a:t>
             </a:r>
           </a:p>
@@ -2504,9 +4142,6 @@
       </p:sp>
     </p:spTree>
   </p:cSld>
-  <p:clrMapOvr>
-    <a:masterClrMapping/>
-  </p:clrMapOvr>
 </p:sld>
 </file>
 
@@ -2547,23 +4182,86 @@
           </a:prstGeom>
         </p:spPr>
         <p:txBody>
-          <a:bodyPr>
-            <a:normAutofit fontScale="90000"/>
-          </a:bodyPr>
+          <a:bodyPr/>
           <a:lstStyle/>
           <a:p>
-            <a:pPr marL="0" lvl="0" indent="0">
+            <a:pPr lvl="0" marL="0" indent="0">
               <a:buNone/>
             </a:pPr>
             <a:r>
-              <a:t>A History of Weakening Solvency (2001-2019) w/ R (areaPlot())</a:t>
+              <a:rPr/>
+              <a:t>A</a:t>
+            </a:r>
+            <a:r>
+              <a:rPr/>
+              <a:t> </a:t>
+            </a:r>
+            <a:r>
+              <a:rPr/>
+              <a:t>History</a:t>
+            </a:r>
+            <a:r>
+              <a:rPr/>
+              <a:t> </a:t>
+            </a:r>
+            <a:r>
+              <a:rPr/>
+              <a:t>of</a:t>
+            </a:r>
+            <a:r>
+              <a:rPr/>
+              <a:t> </a:t>
+            </a:r>
+            <a:r>
+              <a:rPr/>
+              <a:t>Weakening</a:t>
+            </a:r>
+            <a:r>
+              <a:rPr/>
+              <a:t> </a:t>
+            </a:r>
+            <a:r>
+              <a:rPr/>
+              <a:t>Solvency</a:t>
+            </a:r>
+            <a:r>
+              <a:rPr/>
+              <a:t> </a:t>
+            </a:r>
+            <a:r>
+              <a:rPr/>
+              <a:t>(2001-2019)</a:t>
+            </a:r>
+            <a:r>
+              <a:rPr/>
+              <a:t> </a:t>
+            </a:r>
+            <a:r>
+              <a:rPr/>
+              <a:t>w/</a:t>
+            </a:r>
+            <a:r>
+              <a:rPr/>
+              <a:t> </a:t>
+            </a:r>
+            <a:r>
+              <a:rPr/>
+              <a:t>R</a:t>
+            </a:r>
+            <a:r>
+              <a:rPr/>
+              <a:t> </a:t>
+            </a:r>
+            <a:r>
+              <a:rPr/>
+              <a:t>(areaPlot())</a:t>
             </a:r>
           </a:p>
         </p:txBody>
       </p:sp>
       <p:pic>
         <p:nvPicPr>
-          <p:cNvPr id="3" name="Picture 1" descr="SamplePPT_files/figure-pptx/debt-1.png"/>
+          <p:cNvPr descr="SamplePPT_files/figure-pptx/debt-1.png" id="0" name="Picture 1"/>
           <p:cNvPicPr>
             <a:picLocks noGrp="1" noChangeAspect="1"/>
           </p:cNvPicPr>
@@ -2593,9 +4291,6 @@
       </p:pic>
     </p:spTree>
   </p:cSld>
-  <p:clrMapOvr>
-    <a:masterClrMapping/>
-  </p:clrMapOvr>
 </p:sld>
 </file>
 
@@ -2636,32 +4331,93 @@
           </a:prstGeom>
         </p:spPr>
         <p:txBody>
-          <a:bodyPr>
-            <a:normAutofit fontScale="90000"/>
-          </a:bodyPr>
+          <a:bodyPr/>
           <a:lstStyle/>
           <a:p>
-            <a:pPr marL="0" lvl="0" indent="0">
+            <a:pPr lvl="0" marL="0" indent="0">
               <a:buNone/>
             </a:pPr>
             <a:r>
-              <a:t>Causes of Pension Debt (2001-2019) w/ R (custom Plotly-Image)</a:t>
+              <a:rPr/>
+              <a:t>Causes</a:t>
+            </a:r>
+            <a:r>
+              <a:rPr/>
+              <a:t> </a:t>
+            </a:r>
+            <a:r>
+              <a:rPr/>
+              <a:t>of</a:t>
+            </a:r>
+            <a:r>
+              <a:rPr/>
+              <a:t> </a:t>
+            </a:r>
+            <a:r>
+              <a:rPr/>
+              <a:t>Pension</a:t>
+            </a:r>
+            <a:r>
+              <a:rPr/>
+              <a:t> </a:t>
+            </a:r>
+            <a:r>
+              <a:rPr/>
+              <a:t>Debt</a:t>
+            </a:r>
+            <a:r>
+              <a:rPr/>
+              <a:t> </a:t>
+            </a:r>
+            <a:r>
+              <a:rPr/>
+              <a:t>(2001-2019)</a:t>
+            </a:r>
+            <a:r>
+              <a:rPr/>
+              <a:t> </a:t>
+            </a:r>
+            <a:r>
+              <a:rPr/>
+              <a:t>w/</a:t>
+            </a:r>
+            <a:r>
+              <a:rPr/>
+              <a:t> </a:t>
+            </a:r>
+            <a:r>
+              <a:rPr/>
+              <a:t>R</a:t>
+            </a:r>
+            <a:r>
+              <a:rPr/>
+              <a:t> </a:t>
+            </a:r>
+            <a:r>
+              <a:rPr/>
+              <a:t>(custom</a:t>
+            </a:r>
+            <a:r>
+              <a:rPr/>
+              <a:t> </a:t>
+            </a:r>
+            <a:r>
+              <a:rPr/>
+              <a:t>Plotly-Image)</a:t>
             </a:r>
           </a:p>
         </p:txBody>
       </p:sp>
       <p:pic>
         <p:nvPicPr>
-          <p:cNvPr id="3" name="Picture 1" descr="GainLoss.png">
-            <a:hlinkClick r:id="rId2"/>
-          </p:cNvPr>
+          <p:cNvPr descr="GainLoss.png" id="0" name="Picture 1"/>
           <p:cNvPicPr>
             <a:picLocks noGrp="1" noChangeAspect="1"/>
           </p:cNvPicPr>
           <p:nvPr/>
         </p:nvPicPr>
         <p:blipFill>
-          <a:blip r:embed="rId3"/>
+          <a:blip r:embed="rId2"/>
           <a:stretch>
             <a:fillRect/>
           </a:stretch>
@@ -2684,9 +4440,6 @@
       </p:pic>
     </p:spTree>
   </p:cSld>
-  <p:clrMapOvr>
-    <a:masterClrMapping/>
-  </p:clrMapOvr>
 </p:sld>
 </file>
 
@@ -2727,16 +4480,71 @@
           </a:prstGeom>
         </p:spPr>
         <p:txBody>
-          <a:bodyPr>
-            <a:normAutofit fontScale="90000"/>
-          </a:bodyPr>
+          <a:bodyPr/>
           <a:lstStyle/>
           <a:p>
-            <a:pPr marL="0" lvl="0" indent="0">
+            <a:pPr lvl="0" marL="0" indent="0">
               <a:buNone/>
             </a:pPr>
             <a:r>
-              <a:t>Make up of Pension Contributions w/ R (custom)</a:t>
+              <a:rPr/>
+              <a:t>Make</a:t>
+            </a:r>
+            <a:r>
+              <a:rPr/>
+              <a:t> </a:t>
+            </a:r>
+            <a:r>
+              <a:rPr/>
+              <a:t>up</a:t>
+            </a:r>
+            <a:r>
+              <a:rPr/>
+              <a:t> </a:t>
+            </a:r>
+            <a:r>
+              <a:rPr/>
+              <a:t>of</a:t>
+            </a:r>
+            <a:r>
+              <a:rPr/>
+              <a:t> </a:t>
+            </a:r>
+            <a:r>
+              <a:rPr/>
+              <a:t>Pension</a:t>
+            </a:r>
+            <a:r>
+              <a:rPr/>
+              <a:t> </a:t>
+            </a:r>
+            <a:r>
+              <a:rPr/>
+              <a:t>Contributions</a:t>
+            </a:r>
+            <a:r>
+              <a:rPr/>
+              <a:t> </a:t>
+            </a:r>
+            <a:r>
+              <a:rPr/>
+              <a:t>w/</a:t>
+            </a:r>
+            <a:r>
+              <a:rPr/>
+              <a:t> </a:t>
+            </a:r>
+            <a:r>
+              <a:rPr/>
+              <a:t>R</a:t>
+            </a:r>
+            <a:r>
+              <a:rPr/>
+              <a:t> </a:t>
+            </a:r>
+            <a:r>
+              <a:rPr/>
+              <a:t>(custom)</a:t>
             </a:r>
           </a:p>
         </p:txBody>
@@ -2753,7 +4561,7 @@
         </p:nvGraphicFramePr>
         <p:xfrm>
           <a:off x="457200" y="1600200"/>
-          <a:ext cx="8229600" cy="2743200"/>
+          <a:ext cx="8229600" cy="4368800"/>
         </p:xfrm>
         <a:graphic>
           <a:graphicData uri="http://schemas.openxmlformats.org/drawingml/2006/table">
@@ -2762,27 +4570,9 @@
                 <a:tableStyleId>{5C22544A-7EE6-4342-B048-85BDC9FD1C3A}</a:tableStyleId>
               </a:tblPr>
               <a:tblGrid>
-                <a:gridCol w="2743200">
-                  <a:extLst>
-                    <a:ext uri="{9D8B030D-6E8A-4147-A177-3AD203B41FA5}">
-                      <a16:colId xmlns:a16="http://schemas.microsoft.com/office/drawing/2014/main" val="20000"/>
-                    </a:ext>
-                  </a:extLst>
-                </a:gridCol>
-                <a:gridCol w="2743200">
-                  <a:extLst>
-                    <a:ext uri="{9D8B030D-6E8A-4147-A177-3AD203B41FA5}">
-                      <a16:colId xmlns:a16="http://schemas.microsoft.com/office/drawing/2014/main" val="20001"/>
-                    </a:ext>
-                  </a:extLst>
-                </a:gridCol>
-                <a:gridCol w="2743200">
-                  <a:extLst>
-                    <a:ext uri="{9D8B030D-6E8A-4147-A177-3AD203B41FA5}">
-                      <a16:colId xmlns:a16="http://schemas.microsoft.com/office/drawing/2014/main" val="20002"/>
-                    </a:ext>
-                  </a:extLst>
-                </a:gridCol>
+                <a:gridCol w="2743200"/>
+                <a:gridCol w="2743200"/>
+                <a:gridCol w="2743200"/>
               </a:tblGrid>
               <a:tr h="0">
                 <a:tc>
@@ -2800,11 +4590,28 @@
                     <a:bodyPr/>
                     <a:lstStyle/>
                     <a:p>
-                      <a:pPr marL="0" lvl="0" indent="0" algn="l">
+                      <a:pPr lvl="0" marL="0" indent="0" algn="l">
                         <a:buNone/>
                       </a:pPr>
                       <a:r>
-                        <a:t>% of Payroll</a:t>
+                        <a:rPr/>
+                        <a:t>%</a:t>
+                      </a:r>
+                      <a:r>
+                        <a:rPr/>
+                        <a:t> </a:t>
+                      </a:r>
+                      <a:r>
+                        <a:rPr/>
+                        <a:t>of</a:t>
+                      </a:r>
+                      <a:r>
+                        <a:rPr/>
+                        <a:t> </a:t>
+                      </a:r>
+                      <a:r>
+                        <a:rPr/>
+                        <a:t>Payroll</a:t>
                       </a:r>
                     </a:p>
                   </a:txBody>
@@ -2815,21 +4622,25 @@
                     <a:bodyPr/>
                     <a:lstStyle/>
                     <a:p>
-                      <a:pPr marL="0" lvl="0" indent="0" algn="l">
+                      <a:pPr lvl="0" marL="0" indent="0" algn="l">
                         <a:buNone/>
                       </a:pPr>
                       <a:r>
-                        <a:t>$ Value</a:t>
+                        <a:rPr/>
+                        <a:t>$</a:t>
+                      </a:r>
+                      <a:r>
+                        <a:rPr/>
+                        <a:t> </a:t>
+                      </a:r>
+                      <a:r>
+                        <a:rPr/>
+                        <a:t>Value</a:t>
                       </a:r>
                     </a:p>
                   </a:txBody>
                   <a:tcPr/>
                 </a:tc>
-                <a:extLst>
-                  <a:ext uri="{0D108BD9-81ED-4DB2-BD59-A6C34878D82A}">
-                    <a16:rowId xmlns:a16="http://schemas.microsoft.com/office/drawing/2014/main" val="10000"/>
-                  </a:ext>
-                </a:extLst>
               </a:tr>
               <a:tr h="0">
                 <a:tc>
@@ -2837,51 +4648,54 @@
                     <a:bodyPr/>
                     <a:lstStyle/>
                     <a:p>
-                      <a:pPr marL="0" lvl="0" indent="0" algn="l">
+                      <a:pPr lvl="0" marL="0" indent="0" algn="l">
                         <a:buNone/>
                       </a:pPr>
                       <a:r>
-                        <a:t>Total Employee</a:t>
+                        <a:rPr/>
+                        <a:t>Total</a:t>
+                      </a:r>
+                      <a:r>
+                        <a:rPr/>
+                        <a:t> </a:t>
+                      </a:r>
+                      <a:r>
+                        <a:rPr/>
+                        <a:t>Employee</a:t>
                       </a:r>
                     </a:p>
                   </a:txBody>
-                  <a:tcPr/>
                 </a:tc>
                 <a:tc>
                   <a:txBody>
                     <a:bodyPr/>
                     <a:lstStyle/>
                     <a:p>
-                      <a:pPr marL="0" lvl="0" indent="0" algn="l">
+                      <a:pPr lvl="0" marL="0" indent="0" algn="l">
                         <a:buNone/>
                       </a:pPr>
                       <a:r>
+                        <a:rPr/>
                         <a:t>7.4%</a:t>
                       </a:r>
                     </a:p>
                   </a:txBody>
-                  <a:tcPr/>
                 </a:tc>
                 <a:tc>
                   <a:txBody>
                     <a:bodyPr/>
                     <a:lstStyle/>
                     <a:p>
-                      <a:pPr marL="0" lvl="0" indent="0" algn="l">
+                      <a:pPr lvl="0" marL="0" indent="0" algn="l">
                         <a:buNone/>
                       </a:pPr>
                       <a:r>
+                        <a:rPr/>
                         <a:t>$257,060,520</a:t>
                       </a:r>
                     </a:p>
                   </a:txBody>
-                  <a:tcPr/>
                 </a:tc>
-                <a:extLst>
-                  <a:ext uri="{0D108BD9-81ED-4DB2-BD59-A6C34878D82A}">
-                    <a16:rowId xmlns:a16="http://schemas.microsoft.com/office/drawing/2014/main" val="10001"/>
-                  </a:ext>
-                </a:extLst>
               </a:tr>
               <a:tr h="0">
                 <a:tc>
@@ -2889,51 +4703,62 @@
                     <a:bodyPr/>
                     <a:lstStyle/>
                     <a:p>
-                      <a:pPr marL="0" lvl="0" indent="0" algn="l">
+                      <a:pPr lvl="0" marL="0" indent="0" algn="l">
                         <a:buNone/>
                       </a:pPr>
                       <a:r>
-                        <a:t>Employer (Normal Cost)</a:t>
+                        <a:rPr/>
+                        <a:t>Employer</a:t>
+                      </a:r>
+                      <a:r>
+                        <a:rPr/>
+                        <a:t> </a:t>
+                      </a:r>
+                      <a:r>
+                        <a:rPr/>
+                        <a:t>(Normal</a:t>
+                      </a:r>
+                      <a:r>
+                        <a:rPr/>
+                        <a:t> </a:t>
+                      </a:r>
+                      <a:r>
+                        <a:rPr/>
+                        <a:t>Cost)</a:t>
                       </a:r>
                     </a:p>
                   </a:txBody>
-                  <a:tcPr/>
                 </a:tc>
                 <a:tc>
                   <a:txBody>
                     <a:bodyPr/>
                     <a:lstStyle/>
                     <a:p>
-                      <a:pPr marL="0" lvl="0" indent="0" algn="l">
+                      <a:pPr lvl="0" marL="0" indent="0" algn="l">
                         <a:buNone/>
                       </a:pPr>
                       <a:r>
+                        <a:rPr/>
                         <a:t>7.5%</a:t>
                       </a:r>
                     </a:p>
                   </a:txBody>
-                  <a:tcPr/>
                 </a:tc>
                 <a:tc>
                   <a:txBody>
                     <a:bodyPr/>
                     <a:lstStyle/>
                     <a:p>
-                      <a:pPr marL="0" lvl="0" indent="0" algn="l">
+                      <a:pPr lvl="0" marL="0" indent="0" algn="l">
                         <a:buNone/>
                       </a:pPr>
                       <a:r>
+                        <a:rPr/>
                         <a:t>$252,981,080</a:t>
                       </a:r>
                     </a:p>
                   </a:txBody>
-                  <a:tcPr/>
                 </a:tc>
-                <a:extLst>
-                  <a:ext uri="{0D108BD9-81ED-4DB2-BD59-A6C34878D82A}">
-                    <a16:rowId xmlns:a16="http://schemas.microsoft.com/office/drawing/2014/main" val="10002"/>
-                  </a:ext>
-                </a:extLst>
               </a:tr>
               <a:tr h="0">
                 <a:tc>
@@ -2941,51 +4766,62 @@
                     <a:bodyPr/>
                     <a:lstStyle/>
                     <a:p>
-                      <a:pPr marL="0" lvl="0" indent="0" algn="l">
+                      <a:pPr lvl="0" marL="0" indent="0" algn="l">
                         <a:buNone/>
                       </a:pPr>
                       <a:r>
-                        <a:t>Employer (Debt Amortization)</a:t>
+                        <a:rPr/>
+                        <a:t>Employer</a:t>
+                      </a:r>
+                      <a:r>
+                        <a:rPr/>
+                        <a:t> </a:t>
+                      </a:r>
+                      <a:r>
+                        <a:rPr/>
+                        <a:t>(Debt</a:t>
+                      </a:r>
+                      <a:r>
+                        <a:rPr/>
+                        <a:t> </a:t>
+                      </a:r>
+                      <a:r>
+                        <a:rPr/>
+                        <a:t>Amortization)</a:t>
                       </a:r>
                     </a:p>
                   </a:txBody>
-                  <a:tcPr/>
                 </a:tc>
                 <a:tc>
                   <a:txBody>
                     <a:bodyPr/>
                     <a:lstStyle/>
                     <a:p>
-                      <a:pPr marL="0" lvl="0" indent="0" algn="l">
+                      <a:pPr lvl="0" marL="0" indent="0" algn="l">
                         <a:buNone/>
                       </a:pPr>
                       <a:r>
+                        <a:rPr/>
                         <a:t>4.5%</a:t>
                       </a:r>
                     </a:p>
                   </a:txBody>
-                  <a:tcPr/>
                 </a:tc>
                 <a:tc>
                   <a:txBody>
                     <a:bodyPr/>
                     <a:lstStyle/>
                     <a:p>
-                      <a:pPr marL="0" lvl="0" indent="0" algn="l">
+                      <a:pPr lvl="0" marL="0" indent="0" algn="l">
                         <a:buNone/>
                       </a:pPr>
                       <a:r>
+                        <a:rPr/>
                         <a:t>$152,532,710</a:t>
                       </a:r>
                     </a:p>
                   </a:txBody>
-                  <a:tcPr/>
                 </a:tc>
-                <a:extLst>
-                  <a:ext uri="{0D108BD9-81ED-4DB2-BD59-A6C34878D82A}">
-                    <a16:rowId xmlns:a16="http://schemas.microsoft.com/office/drawing/2014/main" val="10003"/>
-                  </a:ext>
-                </a:extLst>
               </a:tr>
               <a:tr h="0">
                 <a:tc>
@@ -2993,51 +4829,54 @@
                     <a:bodyPr/>
                     <a:lstStyle/>
                     <a:p>
-                      <a:pPr marL="0" lvl="0" indent="0" algn="l">
+                      <a:pPr lvl="0" marL="0" indent="0" algn="l">
                         <a:buNone/>
                       </a:pPr>
                       <a:r>
-                        <a:t>Total Employer</a:t>
+                        <a:rPr/>
+                        <a:t>Total</a:t>
+                      </a:r>
+                      <a:r>
+                        <a:rPr/>
+                        <a:t> </a:t>
+                      </a:r>
+                      <a:r>
+                        <a:rPr/>
+                        <a:t>Employer</a:t>
                       </a:r>
                     </a:p>
                   </a:txBody>
-                  <a:tcPr/>
                 </a:tc>
                 <a:tc>
                   <a:txBody>
                     <a:bodyPr/>
                     <a:lstStyle/>
                     <a:p>
-                      <a:pPr marL="0" lvl="0" indent="0" algn="l">
+                      <a:pPr lvl="0" marL="0" indent="0" algn="l">
                         <a:buNone/>
                       </a:pPr>
                       <a:r>
+                        <a:rPr/>
                         <a:t>12.0%</a:t>
                       </a:r>
                     </a:p>
                   </a:txBody>
-                  <a:tcPr/>
                 </a:tc>
                 <a:tc>
                   <a:txBody>
                     <a:bodyPr/>
                     <a:lstStyle/>
                     <a:p>
-                      <a:pPr marL="0" lvl="0" indent="0" algn="l">
+                      <a:pPr lvl="0" marL="0" indent="0" algn="l">
                         <a:buNone/>
                       </a:pPr>
                       <a:r>
+                        <a:rPr/>
                         <a:t>$405,513,790</a:t>
                       </a:r>
                     </a:p>
                   </a:txBody>
-                  <a:tcPr/>
                 </a:tc>
-                <a:extLst>
-                  <a:ext uri="{0D108BD9-81ED-4DB2-BD59-A6C34878D82A}">
-                    <a16:rowId xmlns:a16="http://schemas.microsoft.com/office/drawing/2014/main" val="10004"/>
-                  </a:ext>
-                </a:extLst>
               </a:tr>
               <a:tr h="0">
                 <a:tc>
@@ -3045,51 +4884,62 @@
                     <a:bodyPr/>
                     <a:lstStyle/>
                     <a:p>
-                      <a:pPr marL="0" lvl="0" indent="0" algn="l">
+                      <a:pPr lvl="0" marL="0" indent="0" algn="l">
                         <a:buNone/>
                       </a:pPr>
                       <a:r>
-                        <a:t>Total PERSI Contributions</a:t>
+                        <a:rPr/>
+                        <a:t>Total</a:t>
+                      </a:r>
+                      <a:r>
+                        <a:rPr/>
+                        <a:t> </a:t>
+                      </a:r>
+                      <a:r>
+                        <a:rPr/>
+                        <a:t>PERSI</a:t>
+                      </a:r>
+                      <a:r>
+                        <a:rPr/>
+                        <a:t> </a:t>
+                      </a:r>
+                      <a:r>
+                        <a:rPr/>
+                        <a:t>Contributions</a:t>
                       </a:r>
                     </a:p>
                   </a:txBody>
-                  <a:tcPr/>
                 </a:tc>
                 <a:tc>
                   <a:txBody>
                     <a:bodyPr/>
                     <a:lstStyle/>
                     <a:p>
-                      <a:pPr marL="0" lvl="0" indent="0" algn="l">
+                      <a:pPr lvl="0" marL="0" indent="0" algn="l">
                         <a:buNone/>
                       </a:pPr>
                       <a:r>
+                        <a:rPr/>
                         <a:t>19.4%</a:t>
                       </a:r>
                     </a:p>
                   </a:txBody>
-                  <a:tcPr/>
                 </a:tc>
                 <a:tc>
                   <a:txBody>
                     <a:bodyPr/>
                     <a:lstStyle/>
                     <a:p>
-                      <a:pPr marL="0" lvl="0" indent="0" algn="l">
+                      <a:pPr lvl="0" marL="0" indent="0" algn="l">
                         <a:buNone/>
                       </a:pPr>
                       <a:r>
+                        <a:rPr/>
                         <a:t>$647,141,440</a:t>
                       </a:r>
                     </a:p>
                   </a:txBody>
-                  <a:tcPr/>
                 </a:tc>
-                <a:extLst>
-                  <a:ext uri="{0D108BD9-81ED-4DB2-BD59-A6C34878D82A}">
-                    <a16:rowId xmlns:a16="http://schemas.microsoft.com/office/drawing/2014/main" val="10005"/>
-                  </a:ext>
-                </a:extLst>
               </a:tr>
             </a:tbl>
           </a:graphicData>
@@ -3097,7 +4947,7 @@
       </p:graphicFrame>
       <p:sp>
         <p:nvSpPr>
-          <p:cNvPr id="3" name="TextBox 3"/>
+          <p:cNvPr id="1" name="TextBox 3"/>
           <p:cNvSpPr txBox="1"/>
           <p:nvPr/>
         </p:nvSpPr>
@@ -3115,20 +4965,50 @@
           <a:bodyPr/>
           <a:lstStyle/>
           <a:p>
-            <a:pPr marL="0" lvl="0" indent="0" algn="ctr">
+            <a:pPr lvl="0" marL="0" indent="0" algn="ctr">
               <a:buNone/>
             </a:pPr>
             <a:r>
-              <a:t>Pension Integrity Project pension database.</a:t>
+              <a:rPr/>
+              <a:t>Pension</a:t>
+            </a:r>
+            <a:r>
+              <a:rPr/>
+              <a:t> </a:t>
+            </a:r>
+            <a:r>
+              <a:rPr/>
+              <a:t>Integrity</a:t>
+            </a:r>
+            <a:r>
+              <a:rPr/>
+              <a:t> </a:t>
+            </a:r>
+            <a:r>
+              <a:rPr/>
+              <a:t>Project</a:t>
+            </a:r>
+            <a:r>
+              <a:rPr/>
+              <a:t> </a:t>
+            </a:r>
+            <a:r>
+              <a:rPr/>
+              <a:t>pension</a:t>
+            </a:r>
+            <a:r>
+              <a:rPr/>
+              <a:t> </a:t>
+            </a:r>
+            <a:r>
+              <a:rPr/>
+              <a:t>database.</a:t>
             </a:r>
           </a:p>
         </p:txBody>
       </p:sp>
     </p:spTree>
   </p:cSld>
-  <p:clrMapOvr>
-    <a:masterClrMapping/>
-  </p:clrMapOvr>
 </p:sld>
 </file>
 
@@ -3169,23 +5049,86 @@
           </a:prstGeom>
         </p:spPr>
         <p:txBody>
-          <a:bodyPr>
-            <a:normAutofit fontScale="90000"/>
-          </a:bodyPr>
+          <a:bodyPr/>
           <a:lstStyle/>
           <a:p>
-            <a:pPr marL="0" lvl="0" indent="0">
+            <a:pPr lvl="0" marL="0" indent="0">
               <a:buNone/>
             </a:pPr>
             <a:r>
-              <a:t>A History of Investment Returns (2001-2020) w/ R (linePlot())</a:t>
+              <a:rPr/>
+              <a:t>A</a:t>
+            </a:r>
+            <a:r>
+              <a:rPr/>
+              <a:t> </a:t>
+            </a:r>
+            <a:r>
+              <a:rPr/>
+              <a:t>History</a:t>
+            </a:r>
+            <a:r>
+              <a:rPr/>
+              <a:t> </a:t>
+            </a:r>
+            <a:r>
+              <a:rPr/>
+              <a:t>of</a:t>
+            </a:r>
+            <a:r>
+              <a:rPr/>
+              <a:t> </a:t>
+            </a:r>
+            <a:r>
+              <a:rPr/>
+              <a:t>Investment</a:t>
+            </a:r>
+            <a:r>
+              <a:rPr/>
+              <a:t> </a:t>
+            </a:r>
+            <a:r>
+              <a:rPr/>
+              <a:t>Returns</a:t>
+            </a:r>
+            <a:r>
+              <a:rPr/>
+              <a:t> </a:t>
+            </a:r>
+            <a:r>
+              <a:rPr/>
+              <a:t>(2001-2020)</a:t>
+            </a:r>
+            <a:r>
+              <a:rPr/>
+              <a:t> </a:t>
+            </a:r>
+            <a:r>
+              <a:rPr/>
+              <a:t>w/</a:t>
+            </a:r>
+            <a:r>
+              <a:rPr/>
+              <a:t> </a:t>
+            </a:r>
+            <a:r>
+              <a:rPr/>
+              <a:t>R</a:t>
+            </a:r>
+            <a:r>
+              <a:rPr/>
+              <a:t> </a:t>
+            </a:r>
+            <a:r>
+              <a:rPr/>
+              <a:t>(linePlot())</a:t>
             </a:r>
           </a:p>
         </p:txBody>
       </p:sp>
       <p:pic>
         <p:nvPicPr>
-          <p:cNvPr id="3" name="Picture 1" descr="SamplePPT_files/figure-pptx/graph-1.png"/>
+          <p:cNvPr descr="SamplePPT_files/figure-pptx/graph-1.png" id="0" name="Picture 1"/>
           <p:cNvPicPr>
             <a:picLocks noGrp="1" noChangeAspect="1"/>
           </p:cNvPicPr>
@@ -3215,9 +5158,6 @@
       </p:pic>
     </p:spTree>
   </p:cSld>
-  <p:clrMapOvr>
-    <a:masterClrMapping/>
-  </p:clrMapOvr>
 </p:sld>
 </file>
 
@@ -3258,23 +5198,70 @@
           </a:prstGeom>
         </p:spPr>
         <p:txBody>
-          <a:bodyPr>
-            <a:normAutofit fontScale="90000"/>
-          </a:bodyPr>
+          <a:bodyPr/>
           <a:lstStyle/>
           <a:p>
-            <a:pPr marL="0" lvl="0" indent="0">
+            <a:pPr lvl="0" marL="0" indent="0">
               <a:buNone/>
             </a:pPr>
             <a:r>
-              <a:t>S&amp;P500 vs. Funded Ratio (2001-2019) w/ R (areaPlot())</a:t>
+              <a:rPr/>
+              <a:t>S&amp;P500</a:t>
+            </a:r>
+            <a:r>
+              <a:rPr/>
+              <a:t> </a:t>
+            </a:r>
+            <a:r>
+              <a:rPr/>
+              <a:t>vs. Funded</a:t>
+            </a:r>
+            <a:r>
+              <a:rPr/>
+              <a:t> </a:t>
+            </a:r>
+            <a:r>
+              <a:rPr/>
+              <a:t>Ratio</a:t>
+            </a:r>
+            <a:r>
+              <a:rPr/>
+              <a:t> </a:t>
+            </a:r>
+            <a:r>
+              <a:rPr/>
+              <a:t>(2001-2019)</a:t>
+            </a:r>
+            <a:r>
+              <a:rPr/>
+              <a:t> </a:t>
+            </a:r>
+            <a:r>
+              <a:rPr/>
+              <a:t>w/</a:t>
+            </a:r>
+            <a:r>
+              <a:rPr/>
+              <a:t> </a:t>
+            </a:r>
+            <a:r>
+              <a:rPr/>
+              <a:t>R</a:t>
+            </a:r>
+            <a:r>
+              <a:rPr/>
+              <a:t> </a:t>
+            </a:r>
+            <a:r>
+              <a:rPr/>
+              <a:t>(areaPlot())</a:t>
             </a:r>
           </a:p>
         </p:txBody>
       </p:sp>
       <p:pic>
         <p:nvPicPr>
-          <p:cNvPr id="3" name="Picture 1" descr="SamplePPT_files/figure-pptx/sp500-1.png"/>
+          <p:cNvPr descr="SamplePPT_files/figure-pptx/sp500-1.png" id="0" name="Picture 1"/>
           <p:cNvPicPr>
             <a:picLocks noGrp="1" noChangeAspect="1"/>
           </p:cNvPicPr>
@@ -3304,9 +5291,6 @@
       </p:pic>
     </p:spTree>
   </p:cSld>
-  <p:clrMapOvr>
-    <a:masterClrMapping/>
-  </p:clrMapOvr>
 </p:sld>
 </file>
 
@@ -3350,18 +5334,59 @@
           <a:bodyPr/>
           <a:lstStyle/>
           <a:p>
-            <a:pPr marL="0" lvl="0" indent="0">
+            <a:pPr lvl="0" marL="0" indent="0">
               <a:buNone/>
             </a:pPr>
             <a:r>
-              <a:t>Asset Allocation (2001-2019) w/ R (custom)</a:t>
+              <a:rPr/>
+              <a:t>Asset</a:t>
+            </a:r>
+            <a:r>
+              <a:rPr/>
+              <a:t> </a:t>
+            </a:r>
+            <a:r>
+              <a:rPr/>
+              <a:t>Allocation</a:t>
+            </a:r>
+            <a:r>
+              <a:rPr/>
+              <a:t> </a:t>
+            </a:r>
+            <a:r>
+              <a:rPr/>
+              <a:t>(2001-2019)</a:t>
+            </a:r>
+            <a:r>
+              <a:rPr/>
+              <a:t> </a:t>
+            </a:r>
+            <a:r>
+              <a:rPr/>
+              <a:t>w/</a:t>
+            </a:r>
+            <a:r>
+              <a:rPr/>
+              <a:t> </a:t>
+            </a:r>
+            <a:r>
+              <a:rPr/>
+              <a:t>R</a:t>
+            </a:r>
+            <a:r>
+              <a:rPr/>
+              <a:t> </a:t>
+            </a:r>
+            <a:r>
+              <a:rPr/>
+              <a:t>(custom)</a:t>
             </a:r>
           </a:p>
         </p:txBody>
       </p:sp>
       <p:pic>
         <p:nvPicPr>
-          <p:cNvPr id="3" name="Picture 1" descr="SamplePPT_files/figure-pptx/assets-1.png"/>
+          <p:cNvPr descr="SamplePPT_files/figure-pptx/assets-1.png" id="0" name="Picture 1"/>
           <p:cNvPicPr>
             <a:picLocks noGrp="1" noChangeAspect="1"/>
           </p:cNvPicPr>
@@ -3391,9 +5416,6 @@
       </p:pic>
     </p:spTree>
   </p:cSld>
-  <p:clrMapOvr>
-    <a:masterClrMapping/>
-  </p:clrMapOvr>
 </p:sld>
 </file>
 
@@ -3434,23 +5456,94 @@
           </a:prstGeom>
         </p:spPr>
         <p:txBody>
-          <a:bodyPr>
-            <a:normAutofit fontScale="90000"/>
-          </a:bodyPr>
+          <a:bodyPr/>
           <a:lstStyle/>
           <a:p>
-            <a:pPr marL="0" lvl="0" indent="0">
+            <a:pPr lvl="0" marL="0" indent="0">
               <a:buNone/>
             </a:pPr>
             <a:r>
-              <a:t>Change in Risk-Free Rate vs. Discount Rate (2001-2019) w/ R (linePlot())</a:t>
+              <a:rPr/>
+              <a:t>Change</a:t>
+            </a:r>
+            <a:r>
+              <a:rPr/>
+              <a:t> </a:t>
+            </a:r>
+            <a:r>
+              <a:rPr/>
+              <a:t>in</a:t>
+            </a:r>
+            <a:r>
+              <a:rPr/>
+              <a:t> </a:t>
+            </a:r>
+            <a:r>
+              <a:rPr/>
+              <a:t>Risk-Free</a:t>
+            </a:r>
+            <a:r>
+              <a:rPr/>
+              <a:t> </a:t>
+            </a:r>
+            <a:r>
+              <a:rPr/>
+              <a:t>Rate</a:t>
+            </a:r>
+            <a:r>
+              <a:rPr/>
+              <a:t> </a:t>
+            </a:r>
+            <a:r>
+              <a:rPr/>
+              <a:t>vs. Discount</a:t>
+            </a:r>
+            <a:r>
+              <a:rPr/>
+              <a:t> </a:t>
+            </a:r>
+            <a:r>
+              <a:rPr/>
+              <a:t>Rate</a:t>
+            </a:r>
+            <a:r>
+              <a:rPr/>
+              <a:t> </a:t>
+            </a:r>
+            <a:r>
+              <a:rPr/>
+              <a:t>(2001-2019)</a:t>
+            </a:r>
+            <a:r>
+              <a:rPr/>
+              <a:t> </a:t>
+            </a:r>
+            <a:r>
+              <a:rPr/>
+              <a:t>w/</a:t>
+            </a:r>
+            <a:r>
+              <a:rPr/>
+              <a:t> </a:t>
+            </a:r>
+            <a:r>
+              <a:rPr/>
+              <a:t>R</a:t>
+            </a:r>
+            <a:r>
+              <a:rPr/>
+              <a:t> </a:t>
+            </a:r>
+            <a:r>
+              <a:rPr/>
+              <a:t>(linePlot())</a:t>
             </a:r>
           </a:p>
         </p:txBody>
       </p:sp>
       <p:pic>
         <p:nvPicPr>
-          <p:cNvPr id="3" name="Picture 1" descr="SamplePPT_files/figure-pptx/treasury-1.png"/>
+          <p:cNvPr descr="SamplePPT_files/figure-pptx/treasury-1.png" id="0" name="Picture 1"/>
           <p:cNvPicPr>
             <a:picLocks noGrp="1" noChangeAspect="1"/>
           </p:cNvPicPr>
@@ -3480,9 +5573,6 @@
       </p:pic>
     </p:spTree>
   </p:cSld>
-  <p:clrMapOvr>
-    <a:masterClrMapping/>
-  </p:clrMapOvr>
 </p:sld>
 </file>
 

--- a/DeckUpdate/SamplePPT.pptx
+++ b/DeckUpdate/SamplePPT.pptx
@@ -16,6 +16,8 @@
     <p:sldId id="264" r:id="rId10"/>
     <p:sldId id="265" r:id="rId11"/>
     <p:sldId id="266" r:id="rId12"/>
+    <p:sldId id="267" r:id="rId13"/>
+    <p:sldId id="268" r:id="rId14"/>
   </p:sldIdLst>
   <p:sldSz cx="9144000" cy="6858000" type="screen4x3"/>
   <p:notesSz cx="6858000" cy="9144000"/>
@@ -365,7 +367,7 @@
           <a:p>
             <a:fld id="{10302D39-B686-2742-A69B-CE6D46FC9A4E}" type="datetime4">
               <a:rPr lang="en-US" smtClean="0"/>
-              <a:t>January 7, 2021</a:t>
+              <a:t>February 22, 2021</a:t>
             </a:fld>
             <a:endParaRPr lang="en-US" dirty="0"/>
           </a:p>
@@ -480,356 +482,6 @@
         </p:spPr>
       </p:pic>
     </p:spTree>
-  </p:cSld>
-  <p:clrMapOvr>
-    <a:masterClrMapping/>
-  </p:clrMapOvr>
-</p:sldLayout>
-</file>
-
-<file path=ppt/slideLayouts/slideLayout10.xml><?xml version="1.0" encoding="utf-8"?>
-<p:sldLayout xmlns:a="http://schemas.openxmlformats.org/drawingml/2006/main" xmlns:r="http://schemas.openxmlformats.org/officeDocument/2006/relationships" xmlns:p="http://schemas.openxmlformats.org/presentationml/2006/main" type="vertTx" preserve="1">
-  <p:cSld name="Title and Vertical Text">
-    <p:spTree>
-      <p:nvGrpSpPr>
-        <p:cNvPr id="1" name=""/>
-        <p:cNvGrpSpPr/>
-        <p:nvPr/>
-      </p:nvGrpSpPr>
-      <p:grpSpPr>
-        <a:xfrm>
-          <a:off x="0" y="0"/>
-          <a:ext cx="0" cy="0"/>
-          <a:chOff x="0" y="0"/>
-          <a:chExt cx="0" cy="0"/>
-        </a:xfrm>
-      </p:grpSpPr>
-      <p:sp>
-        <p:nvSpPr>
-          <p:cNvPr id="2" name="Title 1"/>
-          <p:cNvSpPr>
-            <a:spLocks noGrp="1"/>
-          </p:cNvSpPr>
-          <p:nvPr>
-            <p:ph type="title"/>
-          </p:nvPr>
-        </p:nvSpPr>
-        <p:spPr/>
-        <p:txBody>
-          <a:bodyPr/>
-          <a:lstStyle/>
-          <a:p>
-            <a:r>
-              <a:rPr lang="en-US" smtClean="0"/>
-              <a:t>Click to edit Master title style</a:t>
-            </a:r>
-            <a:endParaRPr lang="en-US"/>
-          </a:p>
-        </p:txBody>
-      </p:sp>
-      <p:sp>
-        <p:nvSpPr>
-          <p:cNvPr id="3" name="Vertical Text Placeholder 2"/>
-          <p:cNvSpPr>
-            <a:spLocks noGrp="1"/>
-          </p:cNvSpPr>
-          <p:nvPr>
-            <p:ph type="body" orient="vert" idx="1"/>
-          </p:nvPr>
-        </p:nvSpPr>
-        <p:spPr/>
-        <p:txBody>
-          <a:bodyPr vert="eaVert"/>
-          <a:lstStyle/>
-          <a:p>
-            <a:pPr lvl="0"/>
-            <a:r>
-              <a:rPr lang="en-US" smtClean="0"/>
-              <a:t>Click to edit Master text styles</a:t>
-            </a:r>
-          </a:p>
-          <a:p>
-            <a:pPr lvl="1"/>
-            <a:r>
-              <a:rPr lang="en-US" smtClean="0"/>
-              <a:t>Second level</a:t>
-            </a:r>
-          </a:p>
-          <a:p>
-            <a:pPr lvl="2"/>
-            <a:r>
-              <a:rPr lang="en-US" smtClean="0"/>
-              <a:t>Third level</a:t>
-            </a:r>
-          </a:p>
-          <a:p>
-            <a:pPr lvl="3"/>
-            <a:r>
-              <a:rPr lang="en-US" smtClean="0"/>
-              <a:t>Fourth level</a:t>
-            </a:r>
-          </a:p>
-          <a:p>
-            <a:pPr lvl="4"/>
-            <a:r>
-              <a:rPr lang="en-US" smtClean="0"/>
-              <a:t>Fifth level</a:t>
-            </a:r>
-            <a:endParaRPr lang="en-US"/>
-          </a:p>
-        </p:txBody>
-      </p:sp>
-      <p:sp>
-        <p:nvSpPr>
-          <p:cNvPr id="4" name="Date Placeholder 3"/>
-          <p:cNvSpPr>
-            <a:spLocks noGrp="1"/>
-          </p:cNvSpPr>
-          <p:nvPr>
-            <p:ph type="dt" sz="half" idx="10"/>
-          </p:nvPr>
-        </p:nvSpPr>
-        <p:spPr/>
-        <p:txBody>
-          <a:bodyPr/>
-          <a:lstStyle/>
-          <a:p>
-            <a:fld id="{241EB5C9-1307-BA42-ABA2-0BC069CD8E7F}" type="datetimeFigureOut">
-              <a:rPr lang="en-US" smtClean="0"/>
-              <a:t>4/5/2019</a:t>
-            </a:fld>
-            <a:endParaRPr lang="en-US"/>
-          </a:p>
-        </p:txBody>
-      </p:sp>
-      <p:sp>
-        <p:nvSpPr>
-          <p:cNvPr id="5" name="Footer Placeholder 4"/>
-          <p:cNvSpPr>
-            <a:spLocks noGrp="1"/>
-          </p:cNvSpPr>
-          <p:nvPr>
-            <p:ph type="ftr" sz="quarter" idx="11"/>
-          </p:nvPr>
-        </p:nvSpPr>
-        <p:spPr/>
-        <p:txBody>
-          <a:bodyPr/>
-          <a:lstStyle/>
-          <a:p>
-            <a:endParaRPr lang="en-US"/>
-          </a:p>
-        </p:txBody>
-      </p:sp>
-      <p:sp>
-        <p:nvSpPr>
-          <p:cNvPr id="6" name="Slide Number Placeholder 5"/>
-          <p:cNvSpPr>
-            <a:spLocks noGrp="1"/>
-          </p:cNvSpPr>
-          <p:nvPr>
-            <p:ph type="sldNum" sz="quarter" idx="12"/>
-          </p:nvPr>
-        </p:nvSpPr>
-        <p:spPr/>
-        <p:txBody>
-          <a:bodyPr/>
-          <a:lstStyle/>
-          <a:p>
-            <a:fld id="{C5EF2332-01BF-834F-8236-50238282D533}" type="slidenum">
-              <a:rPr lang="en-US" smtClean="0"/>
-              <a:t>‹#›</a:t>
-            </a:fld>
-            <a:endParaRPr lang="en-US"/>
-          </a:p>
-        </p:txBody>
-      </p:sp>
-    </p:spTree>
-    <p:extLst>
-      <p:ext uri="{BB962C8B-B14F-4D97-AF65-F5344CB8AC3E}">
-        <p14:creationId xmlns:p14="http://schemas.microsoft.com/office/powerpoint/2010/main" val="313914798"/>
-      </p:ext>
-    </p:extLst>
-  </p:cSld>
-  <p:clrMapOvr>
-    <a:masterClrMapping/>
-  </p:clrMapOvr>
-</p:sldLayout>
-</file>
-
-<file path=ppt/slideLayouts/slideLayout11.xml><?xml version="1.0" encoding="utf-8"?>
-<p:sldLayout xmlns:a="http://schemas.openxmlformats.org/drawingml/2006/main" xmlns:r="http://schemas.openxmlformats.org/officeDocument/2006/relationships" xmlns:p="http://schemas.openxmlformats.org/presentationml/2006/main" type="vertTitleAndTx" preserve="1">
-  <p:cSld name="Vertical Title and Text">
-    <p:spTree>
-      <p:nvGrpSpPr>
-        <p:cNvPr id="1" name=""/>
-        <p:cNvGrpSpPr/>
-        <p:nvPr/>
-      </p:nvGrpSpPr>
-      <p:grpSpPr>
-        <a:xfrm>
-          <a:off x="0" y="0"/>
-          <a:ext cx="0" cy="0"/>
-          <a:chOff x="0" y="0"/>
-          <a:chExt cx="0" cy="0"/>
-        </a:xfrm>
-      </p:grpSpPr>
-      <p:sp>
-        <p:nvSpPr>
-          <p:cNvPr id="2" name="Vertical Title 1"/>
-          <p:cNvSpPr>
-            <a:spLocks noGrp="1"/>
-          </p:cNvSpPr>
-          <p:nvPr>
-            <p:ph type="title" orient="vert"/>
-          </p:nvPr>
-        </p:nvSpPr>
-        <p:spPr>
-          <a:xfrm>
-            <a:off x="6629400" y="274638"/>
-            <a:ext cx="2057400" cy="5851525"/>
-          </a:xfrm>
-        </p:spPr>
-        <p:txBody>
-          <a:bodyPr vert="eaVert"/>
-          <a:lstStyle/>
-          <a:p>
-            <a:r>
-              <a:rPr lang="en-US" smtClean="0"/>
-              <a:t>Click to edit Master title style</a:t>
-            </a:r>
-            <a:endParaRPr lang="en-US"/>
-          </a:p>
-        </p:txBody>
-      </p:sp>
-      <p:sp>
-        <p:nvSpPr>
-          <p:cNvPr id="3" name="Vertical Text Placeholder 2"/>
-          <p:cNvSpPr>
-            <a:spLocks noGrp="1"/>
-          </p:cNvSpPr>
-          <p:nvPr>
-            <p:ph type="body" orient="vert" idx="1"/>
-          </p:nvPr>
-        </p:nvSpPr>
-        <p:spPr>
-          <a:xfrm>
-            <a:off x="457200" y="274638"/>
-            <a:ext cx="6019800" cy="5851525"/>
-          </a:xfrm>
-        </p:spPr>
-        <p:txBody>
-          <a:bodyPr vert="eaVert"/>
-          <a:lstStyle/>
-          <a:p>
-            <a:pPr lvl="0"/>
-            <a:r>
-              <a:rPr lang="en-US" smtClean="0"/>
-              <a:t>Click to edit Master text styles</a:t>
-            </a:r>
-          </a:p>
-          <a:p>
-            <a:pPr lvl="1"/>
-            <a:r>
-              <a:rPr lang="en-US" smtClean="0"/>
-              <a:t>Second level</a:t>
-            </a:r>
-          </a:p>
-          <a:p>
-            <a:pPr lvl="2"/>
-            <a:r>
-              <a:rPr lang="en-US" smtClean="0"/>
-              <a:t>Third level</a:t>
-            </a:r>
-          </a:p>
-          <a:p>
-            <a:pPr lvl="3"/>
-            <a:r>
-              <a:rPr lang="en-US" smtClean="0"/>
-              <a:t>Fourth level</a:t>
-            </a:r>
-          </a:p>
-          <a:p>
-            <a:pPr lvl="4"/>
-            <a:r>
-              <a:rPr lang="en-US" smtClean="0"/>
-              <a:t>Fifth level</a:t>
-            </a:r>
-            <a:endParaRPr lang="en-US"/>
-          </a:p>
-        </p:txBody>
-      </p:sp>
-      <p:sp>
-        <p:nvSpPr>
-          <p:cNvPr id="4" name="Date Placeholder 3"/>
-          <p:cNvSpPr>
-            <a:spLocks noGrp="1"/>
-          </p:cNvSpPr>
-          <p:nvPr>
-            <p:ph type="dt" sz="half" idx="10"/>
-          </p:nvPr>
-        </p:nvSpPr>
-        <p:spPr/>
-        <p:txBody>
-          <a:bodyPr/>
-          <a:lstStyle/>
-          <a:p>
-            <a:fld id="{241EB5C9-1307-BA42-ABA2-0BC069CD8E7F}" type="datetimeFigureOut">
-              <a:rPr lang="en-US" smtClean="0"/>
-              <a:t>4/5/2019</a:t>
-            </a:fld>
-            <a:endParaRPr lang="en-US"/>
-          </a:p>
-        </p:txBody>
-      </p:sp>
-      <p:sp>
-        <p:nvSpPr>
-          <p:cNvPr id="5" name="Footer Placeholder 4"/>
-          <p:cNvSpPr>
-            <a:spLocks noGrp="1"/>
-          </p:cNvSpPr>
-          <p:nvPr>
-            <p:ph type="ftr" sz="quarter" idx="11"/>
-          </p:nvPr>
-        </p:nvSpPr>
-        <p:spPr/>
-        <p:txBody>
-          <a:bodyPr/>
-          <a:lstStyle/>
-          <a:p>
-            <a:endParaRPr lang="en-US"/>
-          </a:p>
-        </p:txBody>
-      </p:sp>
-      <p:sp>
-        <p:nvSpPr>
-          <p:cNvPr id="6" name="Slide Number Placeholder 5"/>
-          <p:cNvSpPr>
-            <a:spLocks noGrp="1"/>
-          </p:cNvSpPr>
-          <p:nvPr>
-            <p:ph type="sldNum" sz="quarter" idx="12"/>
-          </p:nvPr>
-        </p:nvSpPr>
-        <p:spPr/>
-        <p:txBody>
-          <a:bodyPr/>
-          <a:lstStyle/>
-          <a:p>
-            <a:fld id="{C5EF2332-01BF-834F-8236-50238282D533}" type="slidenum">
-              <a:rPr lang="en-US" smtClean="0"/>
-              <a:t>‹#›</a:t>
-            </a:fld>
-            <a:endParaRPr lang="en-US"/>
-          </a:p>
-        </p:txBody>
-      </p:sp>
-    </p:spTree>
-    <p:extLst>
-      <p:ext uri="{BB962C8B-B14F-4D97-AF65-F5344CB8AC3E}">
-        <p14:creationId xmlns:p14="http://schemas.microsoft.com/office/powerpoint/2010/main" val="2581529045"/>
-      </p:ext>
-    </p:extLst>
   </p:cSld>
   <p:clrMapOvr>
     <a:masterClrMapping/>
@@ -1036,7 +688,7 @@
           <a:p>
             <a:fld id="{585AD263-A788-3145-8D38-AEBC1D444AEE}" type="datetime4">
               <a:rPr lang="en-US" smtClean="0"/>
-              <a:t>January 7, 2021</a:t>
+              <a:t>February 22, 2021</a:t>
             </a:fld>
             <a:endParaRPr lang="en-US" dirty="0"/>
           </a:p>
@@ -1326,7 +978,7 @@
           <a:p>
             <a:fld id="{B606C5D1-9323-1B45-8355-7D55EA8EE66A}" type="datetime4">
               <a:rPr lang="en-US" smtClean="0"/>
-              <a:t>January 7, 2021</a:t>
+              <a:t>February 22, 2021</a:t>
             </a:fld>
             <a:endParaRPr lang="en-US" dirty="0"/>
           </a:p>
@@ -1574,7 +1226,7 @@
           <a:p>
             <a:fld id="{A4108F21-3CFE-3045-9ABB-E1E1413BA1A1}" type="datetime4">
               <a:rPr lang="en-US" smtClean="0"/>
-              <a:t>January 7, 2021</a:t>
+              <a:t>February 22, 2021</a:t>
             </a:fld>
             <a:endParaRPr lang="en-US" dirty="0"/>
           </a:p>
@@ -1810,1171 +1462,6 @@
 </p:sldLayout>
 </file>
 
-<file path=ppt/slideLayouts/slideLayout5.xml><?xml version="1.0" encoding="utf-8"?>
-<p:sldLayout xmlns:a="http://schemas.openxmlformats.org/drawingml/2006/main" xmlns:r="http://schemas.openxmlformats.org/officeDocument/2006/relationships" xmlns:p="http://schemas.openxmlformats.org/presentationml/2006/main" type="twoTxTwoObj" preserve="1">
-  <p:cSld name="Comparison">
-    <p:spTree>
-      <p:nvGrpSpPr>
-        <p:cNvPr id="1" name=""/>
-        <p:cNvGrpSpPr/>
-        <p:nvPr/>
-      </p:nvGrpSpPr>
-      <p:grpSpPr>
-        <a:xfrm>
-          <a:off x="0" y="0"/>
-          <a:ext cx="0" cy="0"/>
-          <a:chOff x="0" y="0"/>
-          <a:chExt cx="0" cy="0"/>
-        </a:xfrm>
-      </p:grpSpPr>
-      <p:sp>
-        <p:nvSpPr>
-          <p:cNvPr id="2" name="Title 1"/>
-          <p:cNvSpPr>
-            <a:spLocks noGrp="1"/>
-          </p:cNvSpPr>
-          <p:nvPr>
-            <p:ph type="title"/>
-          </p:nvPr>
-        </p:nvSpPr>
-        <p:spPr/>
-        <p:txBody>
-          <a:bodyPr/>
-          <a:lstStyle>
-            <a:lvl1pPr>
-              <a:defRPr/>
-            </a:lvl1pPr>
-          </a:lstStyle>
-          <a:p>
-            <a:r>
-              <a:rPr lang="en-US" smtClean="0"/>
-              <a:t>Click to edit Master title style</a:t>
-            </a:r>
-            <a:endParaRPr lang="en-US"/>
-          </a:p>
-        </p:txBody>
-      </p:sp>
-      <p:sp>
-        <p:nvSpPr>
-          <p:cNvPr id="3" name="Text Placeholder 2"/>
-          <p:cNvSpPr>
-            <a:spLocks noGrp="1"/>
-          </p:cNvSpPr>
-          <p:nvPr>
-            <p:ph type="body" idx="1"/>
-          </p:nvPr>
-        </p:nvSpPr>
-        <p:spPr>
-          <a:xfrm>
-            <a:off x="457200" y="1535113"/>
-            <a:ext cx="4040188" cy="639762"/>
-          </a:xfrm>
-        </p:spPr>
-        <p:txBody>
-          <a:bodyPr anchor="b"/>
-          <a:lstStyle>
-            <a:lvl1pPr marL="0" indent="0">
-              <a:buNone/>
-              <a:defRPr sz="2400" b="1"/>
-            </a:lvl1pPr>
-            <a:lvl2pPr marL="457200" indent="0">
-              <a:buNone/>
-              <a:defRPr sz="2000" b="1"/>
-            </a:lvl2pPr>
-            <a:lvl3pPr marL="914400" indent="0">
-              <a:buNone/>
-              <a:defRPr sz="1800" b="1"/>
-            </a:lvl3pPr>
-            <a:lvl4pPr marL="1371600" indent="0">
-              <a:buNone/>
-              <a:defRPr sz="1600" b="1"/>
-            </a:lvl4pPr>
-            <a:lvl5pPr marL="1828800" indent="0">
-              <a:buNone/>
-              <a:defRPr sz="1600" b="1"/>
-            </a:lvl5pPr>
-            <a:lvl6pPr marL="2286000" indent="0">
-              <a:buNone/>
-              <a:defRPr sz="1600" b="1"/>
-            </a:lvl6pPr>
-            <a:lvl7pPr marL="2743200" indent="0">
-              <a:buNone/>
-              <a:defRPr sz="1600" b="1"/>
-            </a:lvl7pPr>
-            <a:lvl8pPr marL="3200400" indent="0">
-              <a:buNone/>
-              <a:defRPr sz="1600" b="1"/>
-            </a:lvl8pPr>
-            <a:lvl9pPr marL="3657600" indent="0">
-              <a:buNone/>
-              <a:defRPr sz="1600" b="1"/>
-            </a:lvl9pPr>
-          </a:lstStyle>
-          <a:p>
-            <a:pPr lvl="0"/>
-            <a:r>
-              <a:rPr lang="en-US" smtClean="0"/>
-              <a:t>Click to edit Master text styles</a:t>
-            </a:r>
-          </a:p>
-        </p:txBody>
-      </p:sp>
-      <p:sp>
-        <p:nvSpPr>
-          <p:cNvPr id="4" name="Content Placeholder 3"/>
-          <p:cNvSpPr>
-            <a:spLocks noGrp="1"/>
-          </p:cNvSpPr>
-          <p:nvPr>
-            <p:ph sz="half" idx="2"/>
-          </p:nvPr>
-        </p:nvSpPr>
-        <p:spPr>
-          <a:xfrm>
-            <a:off x="457200" y="2174875"/>
-            <a:ext cx="4040188" cy="3951288"/>
-          </a:xfrm>
-        </p:spPr>
-        <p:txBody>
-          <a:bodyPr/>
-          <a:lstStyle>
-            <a:lvl1pPr>
-              <a:defRPr sz="2400"/>
-            </a:lvl1pPr>
-            <a:lvl2pPr>
-              <a:defRPr sz="2000"/>
-            </a:lvl2pPr>
-            <a:lvl3pPr>
-              <a:defRPr sz="1800"/>
-            </a:lvl3pPr>
-            <a:lvl4pPr>
-              <a:defRPr sz="1600"/>
-            </a:lvl4pPr>
-            <a:lvl5pPr>
-              <a:defRPr sz="1600"/>
-            </a:lvl5pPr>
-            <a:lvl6pPr>
-              <a:defRPr sz="1600"/>
-            </a:lvl6pPr>
-            <a:lvl7pPr>
-              <a:defRPr sz="1600"/>
-            </a:lvl7pPr>
-            <a:lvl8pPr>
-              <a:defRPr sz="1600"/>
-            </a:lvl8pPr>
-            <a:lvl9pPr>
-              <a:defRPr sz="1600"/>
-            </a:lvl9pPr>
-          </a:lstStyle>
-          <a:p>
-            <a:pPr lvl="0"/>
-            <a:r>
-              <a:rPr lang="en-US" smtClean="0"/>
-              <a:t>Click to edit Master text styles</a:t>
-            </a:r>
-          </a:p>
-          <a:p>
-            <a:pPr lvl="1"/>
-            <a:r>
-              <a:rPr lang="en-US" smtClean="0"/>
-              <a:t>Second level</a:t>
-            </a:r>
-          </a:p>
-          <a:p>
-            <a:pPr lvl="2"/>
-            <a:r>
-              <a:rPr lang="en-US" smtClean="0"/>
-              <a:t>Third level</a:t>
-            </a:r>
-          </a:p>
-          <a:p>
-            <a:pPr lvl="3"/>
-            <a:r>
-              <a:rPr lang="en-US" smtClean="0"/>
-              <a:t>Fourth level</a:t>
-            </a:r>
-          </a:p>
-          <a:p>
-            <a:pPr lvl="4"/>
-            <a:r>
-              <a:rPr lang="en-US" smtClean="0"/>
-              <a:t>Fifth level</a:t>
-            </a:r>
-            <a:endParaRPr lang="en-US"/>
-          </a:p>
-        </p:txBody>
-      </p:sp>
-      <p:sp>
-        <p:nvSpPr>
-          <p:cNvPr id="5" name="Text Placeholder 4"/>
-          <p:cNvSpPr>
-            <a:spLocks noGrp="1"/>
-          </p:cNvSpPr>
-          <p:nvPr>
-            <p:ph type="body" sz="quarter" idx="3"/>
-          </p:nvPr>
-        </p:nvSpPr>
-        <p:spPr>
-          <a:xfrm>
-            <a:off x="4645025" y="1535113"/>
-            <a:ext cx="4041775" cy="639762"/>
-          </a:xfrm>
-        </p:spPr>
-        <p:txBody>
-          <a:bodyPr anchor="b"/>
-          <a:lstStyle>
-            <a:lvl1pPr marL="0" indent="0">
-              <a:buNone/>
-              <a:defRPr sz="2400" b="1"/>
-            </a:lvl1pPr>
-            <a:lvl2pPr marL="457200" indent="0">
-              <a:buNone/>
-              <a:defRPr sz="2000" b="1"/>
-            </a:lvl2pPr>
-            <a:lvl3pPr marL="914400" indent="0">
-              <a:buNone/>
-              <a:defRPr sz="1800" b="1"/>
-            </a:lvl3pPr>
-            <a:lvl4pPr marL="1371600" indent="0">
-              <a:buNone/>
-              <a:defRPr sz="1600" b="1"/>
-            </a:lvl4pPr>
-            <a:lvl5pPr marL="1828800" indent="0">
-              <a:buNone/>
-              <a:defRPr sz="1600" b="1"/>
-            </a:lvl5pPr>
-            <a:lvl6pPr marL="2286000" indent="0">
-              <a:buNone/>
-              <a:defRPr sz="1600" b="1"/>
-            </a:lvl6pPr>
-            <a:lvl7pPr marL="2743200" indent="0">
-              <a:buNone/>
-              <a:defRPr sz="1600" b="1"/>
-            </a:lvl7pPr>
-            <a:lvl8pPr marL="3200400" indent="0">
-              <a:buNone/>
-              <a:defRPr sz="1600" b="1"/>
-            </a:lvl8pPr>
-            <a:lvl9pPr marL="3657600" indent="0">
-              <a:buNone/>
-              <a:defRPr sz="1600" b="1"/>
-            </a:lvl9pPr>
-          </a:lstStyle>
-          <a:p>
-            <a:pPr lvl="0"/>
-            <a:r>
-              <a:rPr lang="en-US" smtClean="0"/>
-              <a:t>Click to edit Master text styles</a:t>
-            </a:r>
-          </a:p>
-        </p:txBody>
-      </p:sp>
-      <p:sp>
-        <p:nvSpPr>
-          <p:cNvPr id="6" name="Content Placeholder 5"/>
-          <p:cNvSpPr>
-            <a:spLocks noGrp="1"/>
-          </p:cNvSpPr>
-          <p:nvPr>
-            <p:ph sz="quarter" idx="4"/>
-          </p:nvPr>
-        </p:nvSpPr>
-        <p:spPr>
-          <a:xfrm>
-            <a:off x="4645025" y="2174875"/>
-            <a:ext cx="4041775" cy="3951288"/>
-          </a:xfrm>
-        </p:spPr>
-        <p:txBody>
-          <a:bodyPr/>
-          <a:lstStyle>
-            <a:lvl1pPr>
-              <a:defRPr sz="2400"/>
-            </a:lvl1pPr>
-            <a:lvl2pPr>
-              <a:defRPr sz="2000"/>
-            </a:lvl2pPr>
-            <a:lvl3pPr>
-              <a:defRPr sz="1800"/>
-            </a:lvl3pPr>
-            <a:lvl4pPr>
-              <a:defRPr sz="1600"/>
-            </a:lvl4pPr>
-            <a:lvl5pPr>
-              <a:defRPr sz="1600"/>
-            </a:lvl5pPr>
-            <a:lvl6pPr>
-              <a:defRPr sz="1600"/>
-            </a:lvl6pPr>
-            <a:lvl7pPr>
-              <a:defRPr sz="1600"/>
-            </a:lvl7pPr>
-            <a:lvl8pPr>
-              <a:defRPr sz="1600"/>
-            </a:lvl8pPr>
-            <a:lvl9pPr>
-              <a:defRPr sz="1600"/>
-            </a:lvl9pPr>
-          </a:lstStyle>
-          <a:p>
-            <a:pPr lvl="0"/>
-            <a:r>
-              <a:rPr lang="en-US" smtClean="0"/>
-              <a:t>Click to edit Master text styles</a:t>
-            </a:r>
-          </a:p>
-          <a:p>
-            <a:pPr lvl="1"/>
-            <a:r>
-              <a:rPr lang="en-US" smtClean="0"/>
-              <a:t>Second level</a:t>
-            </a:r>
-          </a:p>
-          <a:p>
-            <a:pPr lvl="2"/>
-            <a:r>
-              <a:rPr lang="en-US" smtClean="0"/>
-              <a:t>Third level</a:t>
-            </a:r>
-          </a:p>
-          <a:p>
-            <a:pPr lvl="3"/>
-            <a:r>
-              <a:rPr lang="en-US" smtClean="0"/>
-              <a:t>Fourth level</a:t>
-            </a:r>
-          </a:p>
-          <a:p>
-            <a:pPr lvl="4"/>
-            <a:r>
-              <a:rPr lang="en-US" smtClean="0"/>
-              <a:t>Fifth level</a:t>
-            </a:r>
-            <a:endParaRPr lang="en-US"/>
-          </a:p>
-        </p:txBody>
-      </p:sp>
-      <p:sp>
-        <p:nvSpPr>
-          <p:cNvPr id="7" name="Date Placeholder 6"/>
-          <p:cNvSpPr>
-            <a:spLocks noGrp="1"/>
-          </p:cNvSpPr>
-          <p:nvPr>
-            <p:ph type="dt" sz="half" idx="10"/>
-          </p:nvPr>
-        </p:nvSpPr>
-        <p:spPr/>
-        <p:txBody>
-          <a:bodyPr/>
-          <a:lstStyle/>
-          <a:p>
-            <a:fld id="{241EB5C9-1307-BA42-ABA2-0BC069CD8E7F}" type="datetimeFigureOut">
-              <a:rPr lang="en-US" smtClean="0"/>
-              <a:t>4/5/2019</a:t>
-            </a:fld>
-            <a:endParaRPr lang="en-US"/>
-          </a:p>
-        </p:txBody>
-      </p:sp>
-      <p:sp>
-        <p:nvSpPr>
-          <p:cNvPr id="8" name="Footer Placeholder 7"/>
-          <p:cNvSpPr>
-            <a:spLocks noGrp="1"/>
-          </p:cNvSpPr>
-          <p:nvPr>
-            <p:ph type="ftr" sz="quarter" idx="11"/>
-          </p:nvPr>
-        </p:nvSpPr>
-        <p:spPr/>
-        <p:txBody>
-          <a:bodyPr/>
-          <a:lstStyle/>
-          <a:p>
-            <a:endParaRPr lang="en-US"/>
-          </a:p>
-        </p:txBody>
-      </p:sp>
-      <p:sp>
-        <p:nvSpPr>
-          <p:cNvPr id="9" name="Slide Number Placeholder 8"/>
-          <p:cNvSpPr>
-            <a:spLocks noGrp="1"/>
-          </p:cNvSpPr>
-          <p:nvPr>
-            <p:ph type="sldNum" sz="quarter" idx="12"/>
-          </p:nvPr>
-        </p:nvSpPr>
-        <p:spPr/>
-        <p:txBody>
-          <a:bodyPr/>
-          <a:lstStyle/>
-          <a:p>
-            <a:fld id="{C5EF2332-01BF-834F-8236-50238282D533}" type="slidenum">
-              <a:rPr lang="en-US" smtClean="0"/>
-              <a:t>‹#›</a:t>
-            </a:fld>
-            <a:endParaRPr lang="en-US"/>
-          </a:p>
-        </p:txBody>
-      </p:sp>
-    </p:spTree>
-    <p:extLst>
-      <p:ext uri="{BB962C8B-B14F-4D97-AF65-F5344CB8AC3E}">
-        <p14:creationId xmlns:p14="http://schemas.microsoft.com/office/powerpoint/2010/main" val="2535793967"/>
-      </p:ext>
-    </p:extLst>
-  </p:cSld>
-  <p:clrMapOvr>
-    <a:masterClrMapping/>
-  </p:clrMapOvr>
-</p:sldLayout>
-</file>
-
-<file path=ppt/slideLayouts/slideLayout6.xml><?xml version="1.0" encoding="utf-8"?>
-<p:sldLayout xmlns:a="http://schemas.openxmlformats.org/drawingml/2006/main" xmlns:r="http://schemas.openxmlformats.org/officeDocument/2006/relationships" xmlns:p="http://schemas.openxmlformats.org/presentationml/2006/main" type="titleOnly" preserve="1">
-  <p:cSld name="Title Only">
-    <p:spTree>
-      <p:nvGrpSpPr>
-        <p:cNvPr id="1" name=""/>
-        <p:cNvGrpSpPr/>
-        <p:nvPr/>
-      </p:nvGrpSpPr>
-      <p:grpSpPr>
-        <a:xfrm>
-          <a:off x="0" y="0"/>
-          <a:ext cx="0" cy="0"/>
-          <a:chOff x="0" y="0"/>
-          <a:chExt cx="0" cy="0"/>
-        </a:xfrm>
-      </p:grpSpPr>
-      <p:sp>
-        <p:nvSpPr>
-          <p:cNvPr id="2" name="Title 1"/>
-          <p:cNvSpPr>
-            <a:spLocks noGrp="1"/>
-          </p:cNvSpPr>
-          <p:nvPr>
-            <p:ph type="title"/>
-          </p:nvPr>
-        </p:nvSpPr>
-        <p:spPr/>
-        <p:txBody>
-          <a:bodyPr/>
-          <a:lstStyle/>
-          <a:p>
-            <a:r>
-              <a:rPr lang="en-US" smtClean="0"/>
-              <a:t>Click to edit Master title style</a:t>
-            </a:r>
-            <a:endParaRPr lang="en-US"/>
-          </a:p>
-        </p:txBody>
-      </p:sp>
-      <p:sp>
-        <p:nvSpPr>
-          <p:cNvPr id="3" name="Date Placeholder 2"/>
-          <p:cNvSpPr>
-            <a:spLocks noGrp="1"/>
-          </p:cNvSpPr>
-          <p:nvPr>
-            <p:ph type="dt" sz="half" idx="10"/>
-          </p:nvPr>
-        </p:nvSpPr>
-        <p:spPr/>
-        <p:txBody>
-          <a:bodyPr/>
-          <a:lstStyle/>
-          <a:p>
-            <a:fld id="{241EB5C9-1307-BA42-ABA2-0BC069CD8E7F}" type="datetimeFigureOut">
-              <a:rPr lang="en-US" smtClean="0"/>
-              <a:t>4/5/2019</a:t>
-            </a:fld>
-            <a:endParaRPr lang="en-US"/>
-          </a:p>
-        </p:txBody>
-      </p:sp>
-      <p:sp>
-        <p:nvSpPr>
-          <p:cNvPr id="4" name="Footer Placeholder 3"/>
-          <p:cNvSpPr>
-            <a:spLocks noGrp="1"/>
-          </p:cNvSpPr>
-          <p:nvPr>
-            <p:ph type="ftr" sz="quarter" idx="11"/>
-          </p:nvPr>
-        </p:nvSpPr>
-        <p:spPr/>
-        <p:txBody>
-          <a:bodyPr/>
-          <a:lstStyle/>
-          <a:p>
-            <a:endParaRPr lang="en-US"/>
-          </a:p>
-        </p:txBody>
-      </p:sp>
-      <p:sp>
-        <p:nvSpPr>
-          <p:cNvPr id="5" name="Slide Number Placeholder 4"/>
-          <p:cNvSpPr>
-            <a:spLocks noGrp="1"/>
-          </p:cNvSpPr>
-          <p:nvPr>
-            <p:ph type="sldNum" sz="quarter" idx="12"/>
-          </p:nvPr>
-        </p:nvSpPr>
-        <p:spPr/>
-        <p:txBody>
-          <a:bodyPr/>
-          <a:lstStyle/>
-          <a:p>
-            <a:fld id="{C5EF2332-01BF-834F-8236-50238282D533}" type="slidenum">
-              <a:rPr lang="en-US" smtClean="0"/>
-              <a:t>‹#›</a:t>
-            </a:fld>
-            <a:endParaRPr lang="en-US"/>
-          </a:p>
-        </p:txBody>
-      </p:sp>
-    </p:spTree>
-    <p:extLst>
-      <p:ext uri="{BB962C8B-B14F-4D97-AF65-F5344CB8AC3E}">
-        <p14:creationId xmlns:p14="http://schemas.microsoft.com/office/powerpoint/2010/main" val="3472721253"/>
-      </p:ext>
-    </p:extLst>
-  </p:cSld>
-  <p:clrMapOvr>
-    <a:masterClrMapping/>
-  </p:clrMapOvr>
-</p:sldLayout>
-</file>
-
-<file path=ppt/slideLayouts/slideLayout7.xml><?xml version="1.0" encoding="utf-8"?>
-<p:sldLayout xmlns:a="http://schemas.openxmlformats.org/drawingml/2006/main" xmlns:r="http://schemas.openxmlformats.org/officeDocument/2006/relationships" xmlns:p="http://schemas.openxmlformats.org/presentationml/2006/main" type="blank" preserve="1">
-  <p:cSld name="Blank">
-    <p:spTree>
-      <p:nvGrpSpPr>
-        <p:cNvPr id="1" name=""/>
-        <p:cNvGrpSpPr/>
-        <p:nvPr/>
-      </p:nvGrpSpPr>
-      <p:grpSpPr>
-        <a:xfrm>
-          <a:off x="0" y="0"/>
-          <a:ext cx="0" cy="0"/>
-          <a:chOff x="0" y="0"/>
-          <a:chExt cx="0" cy="0"/>
-        </a:xfrm>
-      </p:grpSpPr>
-      <p:sp>
-        <p:nvSpPr>
-          <p:cNvPr id="2" name="Date Placeholder 1"/>
-          <p:cNvSpPr>
-            <a:spLocks noGrp="1"/>
-          </p:cNvSpPr>
-          <p:nvPr>
-            <p:ph type="dt" sz="half" idx="10"/>
-          </p:nvPr>
-        </p:nvSpPr>
-        <p:spPr/>
-        <p:txBody>
-          <a:bodyPr/>
-          <a:lstStyle/>
-          <a:p>
-            <a:fld id="{241EB5C9-1307-BA42-ABA2-0BC069CD8E7F}" type="datetimeFigureOut">
-              <a:rPr lang="en-US" smtClean="0"/>
-              <a:t>4/5/2019</a:t>
-            </a:fld>
-            <a:endParaRPr lang="en-US"/>
-          </a:p>
-        </p:txBody>
-      </p:sp>
-      <p:sp>
-        <p:nvSpPr>
-          <p:cNvPr id="3" name="Footer Placeholder 2"/>
-          <p:cNvSpPr>
-            <a:spLocks noGrp="1"/>
-          </p:cNvSpPr>
-          <p:nvPr>
-            <p:ph type="ftr" sz="quarter" idx="11"/>
-          </p:nvPr>
-        </p:nvSpPr>
-        <p:spPr/>
-        <p:txBody>
-          <a:bodyPr/>
-          <a:lstStyle/>
-          <a:p>
-            <a:endParaRPr lang="en-US"/>
-          </a:p>
-        </p:txBody>
-      </p:sp>
-      <p:sp>
-        <p:nvSpPr>
-          <p:cNvPr id="4" name="Slide Number Placeholder 3"/>
-          <p:cNvSpPr>
-            <a:spLocks noGrp="1"/>
-          </p:cNvSpPr>
-          <p:nvPr>
-            <p:ph type="sldNum" sz="quarter" idx="12"/>
-          </p:nvPr>
-        </p:nvSpPr>
-        <p:spPr/>
-        <p:txBody>
-          <a:bodyPr/>
-          <a:lstStyle/>
-          <a:p>
-            <a:fld id="{C5EF2332-01BF-834F-8236-50238282D533}" type="slidenum">
-              <a:rPr lang="en-US" smtClean="0"/>
-              <a:t>‹#›</a:t>
-            </a:fld>
-            <a:endParaRPr lang="en-US"/>
-          </a:p>
-        </p:txBody>
-      </p:sp>
-    </p:spTree>
-    <p:extLst>
-      <p:ext uri="{BB962C8B-B14F-4D97-AF65-F5344CB8AC3E}">
-        <p14:creationId xmlns:p14="http://schemas.microsoft.com/office/powerpoint/2010/main" val="2130901097"/>
-      </p:ext>
-    </p:extLst>
-  </p:cSld>
-  <p:clrMapOvr>
-    <a:masterClrMapping/>
-  </p:clrMapOvr>
-</p:sldLayout>
-</file>
-
-<file path=ppt/slideLayouts/slideLayout8.xml><?xml version="1.0" encoding="utf-8"?>
-<p:sldLayout xmlns:a="http://schemas.openxmlformats.org/drawingml/2006/main" xmlns:r="http://schemas.openxmlformats.org/officeDocument/2006/relationships" xmlns:p="http://schemas.openxmlformats.org/presentationml/2006/main" type="objTx" preserve="1">
-  <p:cSld name="Content with Caption">
-    <p:spTree>
-      <p:nvGrpSpPr>
-        <p:cNvPr id="1" name=""/>
-        <p:cNvGrpSpPr/>
-        <p:nvPr/>
-      </p:nvGrpSpPr>
-      <p:grpSpPr>
-        <a:xfrm>
-          <a:off x="0" y="0"/>
-          <a:ext cx="0" cy="0"/>
-          <a:chOff x="0" y="0"/>
-          <a:chExt cx="0" cy="0"/>
-        </a:xfrm>
-      </p:grpSpPr>
-      <p:sp>
-        <p:nvSpPr>
-          <p:cNvPr id="2" name="Title 1"/>
-          <p:cNvSpPr>
-            <a:spLocks noGrp="1"/>
-          </p:cNvSpPr>
-          <p:nvPr>
-            <p:ph type="title"/>
-          </p:nvPr>
-        </p:nvSpPr>
-        <p:spPr>
-          <a:xfrm>
-            <a:off x="457200" y="273050"/>
-            <a:ext cx="3008313" cy="1162050"/>
-          </a:xfrm>
-        </p:spPr>
-        <p:txBody>
-          <a:bodyPr anchor="b"/>
-          <a:lstStyle>
-            <a:lvl1pPr algn="l">
-              <a:defRPr sz="2000" b="1"/>
-            </a:lvl1pPr>
-          </a:lstStyle>
-          <a:p>
-            <a:r>
-              <a:rPr lang="en-US" smtClean="0"/>
-              <a:t>Click to edit Master title style</a:t>
-            </a:r>
-            <a:endParaRPr lang="en-US"/>
-          </a:p>
-        </p:txBody>
-      </p:sp>
-      <p:sp>
-        <p:nvSpPr>
-          <p:cNvPr id="3" name="Content Placeholder 2"/>
-          <p:cNvSpPr>
-            <a:spLocks noGrp="1"/>
-          </p:cNvSpPr>
-          <p:nvPr>
-            <p:ph idx="1"/>
-          </p:nvPr>
-        </p:nvSpPr>
-        <p:spPr>
-          <a:xfrm>
-            <a:off x="3575050" y="273050"/>
-            <a:ext cx="5111750" cy="5853113"/>
-          </a:xfrm>
-        </p:spPr>
-        <p:txBody>
-          <a:bodyPr/>
-          <a:lstStyle>
-            <a:lvl1pPr>
-              <a:defRPr sz="3200"/>
-            </a:lvl1pPr>
-            <a:lvl2pPr>
-              <a:defRPr sz="2800"/>
-            </a:lvl2pPr>
-            <a:lvl3pPr>
-              <a:defRPr sz="2400"/>
-            </a:lvl3pPr>
-            <a:lvl4pPr>
-              <a:defRPr sz="2000"/>
-            </a:lvl4pPr>
-            <a:lvl5pPr>
-              <a:defRPr sz="2000"/>
-            </a:lvl5pPr>
-            <a:lvl6pPr>
-              <a:defRPr sz="2000"/>
-            </a:lvl6pPr>
-            <a:lvl7pPr>
-              <a:defRPr sz="2000"/>
-            </a:lvl7pPr>
-            <a:lvl8pPr>
-              <a:defRPr sz="2000"/>
-            </a:lvl8pPr>
-            <a:lvl9pPr>
-              <a:defRPr sz="2000"/>
-            </a:lvl9pPr>
-          </a:lstStyle>
-          <a:p>
-            <a:pPr lvl="0"/>
-            <a:r>
-              <a:rPr lang="en-US" smtClean="0"/>
-              <a:t>Click to edit Master text styles</a:t>
-            </a:r>
-          </a:p>
-          <a:p>
-            <a:pPr lvl="1"/>
-            <a:r>
-              <a:rPr lang="en-US" smtClean="0"/>
-              <a:t>Second level</a:t>
-            </a:r>
-          </a:p>
-          <a:p>
-            <a:pPr lvl="2"/>
-            <a:r>
-              <a:rPr lang="en-US" smtClean="0"/>
-              <a:t>Third level</a:t>
-            </a:r>
-          </a:p>
-          <a:p>
-            <a:pPr lvl="3"/>
-            <a:r>
-              <a:rPr lang="en-US" smtClean="0"/>
-              <a:t>Fourth level</a:t>
-            </a:r>
-          </a:p>
-          <a:p>
-            <a:pPr lvl="4"/>
-            <a:r>
-              <a:rPr lang="en-US" smtClean="0"/>
-              <a:t>Fifth level</a:t>
-            </a:r>
-            <a:endParaRPr lang="en-US"/>
-          </a:p>
-        </p:txBody>
-      </p:sp>
-      <p:sp>
-        <p:nvSpPr>
-          <p:cNvPr id="4" name="Text Placeholder 3"/>
-          <p:cNvSpPr>
-            <a:spLocks noGrp="1"/>
-          </p:cNvSpPr>
-          <p:nvPr>
-            <p:ph type="body" sz="half" idx="2"/>
-          </p:nvPr>
-        </p:nvSpPr>
-        <p:spPr>
-          <a:xfrm>
-            <a:off x="457200" y="1435100"/>
-            <a:ext cx="3008313" cy="4691063"/>
-          </a:xfrm>
-        </p:spPr>
-        <p:txBody>
-          <a:bodyPr/>
-          <a:lstStyle>
-            <a:lvl1pPr marL="0" indent="0">
-              <a:buNone/>
-              <a:defRPr sz="1400"/>
-            </a:lvl1pPr>
-            <a:lvl2pPr marL="457200" indent="0">
-              <a:buNone/>
-              <a:defRPr sz="1200"/>
-            </a:lvl2pPr>
-            <a:lvl3pPr marL="914400" indent="0">
-              <a:buNone/>
-              <a:defRPr sz="1000"/>
-            </a:lvl3pPr>
-            <a:lvl4pPr marL="1371600" indent="0">
-              <a:buNone/>
-              <a:defRPr sz="900"/>
-            </a:lvl4pPr>
-            <a:lvl5pPr marL="1828800" indent="0">
-              <a:buNone/>
-              <a:defRPr sz="900"/>
-            </a:lvl5pPr>
-            <a:lvl6pPr marL="2286000" indent="0">
-              <a:buNone/>
-              <a:defRPr sz="900"/>
-            </a:lvl6pPr>
-            <a:lvl7pPr marL="2743200" indent="0">
-              <a:buNone/>
-              <a:defRPr sz="900"/>
-            </a:lvl7pPr>
-            <a:lvl8pPr marL="3200400" indent="0">
-              <a:buNone/>
-              <a:defRPr sz="900"/>
-            </a:lvl8pPr>
-            <a:lvl9pPr marL="3657600" indent="0">
-              <a:buNone/>
-              <a:defRPr sz="900"/>
-            </a:lvl9pPr>
-          </a:lstStyle>
-          <a:p>
-            <a:pPr lvl="0"/>
-            <a:r>
-              <a:rPr lang="en-US" smtClean="0"/>
-              <a:t>Click to edit Master text styles</a:t>
-            </a:r>
-          </a:p>
-        </p:txBody>
-      </p:sp>
-      <p:sp>
-        <p:nvSpPr>
-          <p:cNvPr id="5" name="Date Placeholder 4"/>
-          <p:cNvSpPr>
-            <a:spLocks noGrp="1"/>
-          </p:cNvSpPr>
-          <p:nvPr>
-            <p:ph type="dt" sz="half" idx="10"/>
-          </p:nvPr>
-        </p:nvSpPr>
-        <p:spPr/>
-        <p:txBody>
-          <a:bodyPr/>
-          <a:lstStyle/>
-          <a:p>
-            <a:fld id="{241EB5C9-1307-BA42-ABA2-0BC069CD8E7F}" type="datetimeFigureOut">
-              <a:rPr lang="en-US" smtClean="0"/>
-              <a:t>4/5/2019</a:t>
-            </a:fld>
-            <a:endParaRPr lang="en-US"/>
-          </a:p>
-        </p:txBody>
-      </p:sp>
-      <p:sp>
-        <p:nvSpPr>
-          <p:cNvPr id="6" name="Footer Placeholder 5"/>
-          <p:cNvSpPr>
-            <a:spLocks noGrp="1"/>
-          </p:cNvSpPr>
-          <p:nvPr>
-            <p:ph type="ftr" sz="quarter" idx="11"/>
-          </p:nvPr>
-        </p:nvSpPr>
-        <p:spPr/>
-        <p:txBody>
-          <a:bodyPr/>
-          <a:lstStyle/>
-          <a:p>
-            <a:endParaRPr lang="en-US"/>
-          </a:p>
-        </p:txBody>
-      </p:sp>
-      <p:sp>
-        <p:nvSpPr>
-          <p:cNvPr id="7" name="Slide Number Placeholder 6"/>
-          <p:cNvSpPr>
-            <a:spLocks noGrp="1"/>
-          </p:cNvSpPr>
-          <p:nvPr>
-            <p:ph type="sldNum" sz="quarter" idx="12"/>
-          </p:nvPr>
-        </p:nvSpPr>
-        <p:spPr/>
-        <p:txBody>
-          <a:bodyPr/>
-          <a:lstStyle/>
-          <a:p>
-            <a:fld id="{C5EF2332-01BF-834F-8236-50238282D533}" type="slidenum">
-              <a:rPr lang="en-US" smtClean="0"/>
-              <a:t>‹#›</a:t>
-            </a:fld>
-            <a:endParaRPr lang="en-US"/>
-          </a:p>
-        </p:txBody>
-      </p:sp>
-    </p:spTree>
-    <p:extLst>
-      <p:ext uri="{BB962C8B-B14F-4D97-AF65-F5344CB8AC3E}">
-        <p14:creationId xmlns:p14="http://schemas.microsoft.com/office/powerpoint/2010/main" val="3540895647"/>
-      </p:ext>
-    </p:extLst>
-  </p:cSld>
-  <p:clrMapOvr>
-    <a:masterClrMapping/>
-  </p:clrMapOvr>
-</p:sldLayout>
-</file>
-
-<file path=ppt/slideLayouts/slideLayout9.xml><?xml version="1.0" encoding="utf-8"?>
-<p:sldLayout xmlns:a="http://schemas.openxmlformats.org/drawingml/2006/main" xmlns:r="http://schemas.openxmlformats.org/officeDocument/2006/relationships" xmlns:p="http://schemas.openxmlformats.org/presentationml/2006/main" type="picTx" preserve="1">
-  <p:cSld name="Picture with Caption">
-    <p:spTree>
-      <p:nvGrpSpPr>
-        <p:cNvPr id="1" name=""/>
-        <p:cNvGrpSpPr/>
-        <p:nvPr/>
-      </p:nvGrpSpPr>
-      <p:grpSpPr>
-        <a:xfrm>
-          <a:off x="0" y="0"/>
-          <a:ext cx="0" cy="0"/>
-          <a:chOff x="0" y="0"/>
-          <a:chExt cx="0" cy="0"/>
-        </a:xfrm>
-      </p:grpSpPr>
-      <p:sp>
-        <p:nvSpPr>
-          <p:cNvPr id="2" name="Title 1"/>
-          <p:cNvSpPr>
-            <a:spLocks noGrp="1"/>
-          </p:cNvSpPr>
-          <p:nvPr>
-            <p:ph type="title"/>
-          </p:nvPr>
-        </p:nvSpPr>
-        <p:spPr>
-          <a:xfrm>
-            <a:off x="1792288" y="4800600"/>
-            <a:ext cx="5486400" cy="566738"/>
-          </a:xfrm>
-        </p:spPr>
-        <p:txBody>
-          <a:bodyPr anchor="b"/>
-          <a:lstStyle>
-            <a:lvl1pPr algn="l">
-              <a:defRPr sz="2000" b="1"/>
-            </a:lvl1pPr>
-          </a:lstStyle>
-          <a:p>
-            <a:r>
-              <a:rPr lang="en-US" smtClean="0"/>
-              <a:t>Click to edit Master title style</a:t>
-            </a:r>
-            <a:endParaRPr lang="en-US"/>
-          </a:p>
-        </p:txBody>
-      </p:sp>
-      <p:sp>
-        <p:nvSpPr>
-          <p:cNvPr id="3" name="Picture Placeholder 2"/>
-          <p:cNvSpPr>
-            <a:spLocks noGrp="1"/>
-          </p:cNvSpPr>
-          <p:nvPr>
-            <p:ph type="pic" idx="1"/>
-          </p:nvPr>
-        </p:nvSpPr>
-        <p:spPr>
-          <a:xfrm>
-            <a:off x="1792288" y="612775"/>
-            <a:ext cx="5486400" cy="4114800"/>
-          </a:xfrm>
-        </p:spPr>
-        <p:txBody>
-          <a:bodyPr/>
-          <a:lstStyle>
-            <a:lvl1pPr marL="0" indent="0">
-              <a:buNone/>
-              <a:defRPr sz="3200"/>
-            </a:lvl1pPr>
-            <a:lvl2pPr marL="457200" indent="0">
-              <a:buNone/>
-              <a:defRPr sz="2800"/>
-            </a:lvl2pPr>
-            <a:lvl3pPr marL="914400" indent="0">
-              <a:buNone/>
-              <a:defRPr sz="2400"/>
-            </a:lvl3pPr>
-            <a:lvl4pPr marL="1371600" indent="0">
-              <a:buNone/>
-              <a:defRPr sz="2000"/>
-            </a:lvl4pPr>
-            <a:lvl5pPr marL="1828800" indent="0">
-              <a:buNone/>
-              <a:defRPr sz="2000"/>
-            </a:lvl5pPr>
-            <a:lvl6pPr marL="2286000" indent="0">
-              <a:buNone/>
-              <a:defRPr sz="2000"/>
-            </a:lvl6pPr>
-            <a:lvl7pPr marL="2743200" indent="0">
-              <a:buNone/>
-              <a:defRPr sz="2000"/>
-            </a:lvl7pPr>
-            <a:lvl8pPr marL="3200400" indent="0">
-              <a:buNone/>
-              <a:defRPr sz="2000"/>
-            </a:lvl8pPr>
-            <a:lvl9pPr marL="3657600" indent="0">
-              <a:buNone/>
-              <a:defRPr sz="2000"/>
-            </a:lvl9pPr>
-          </a:lstStyle>
-          <a:p>
-            <a:endParaRPr lang="en-US"/>
-          </a:p>
-        </p:txBody>
-      </p:sp>
-      <p:sp>
-        <p:nvSpPr>
-          <p:cNvPr id="4" name="Text Placeholder 3"/>
-          <p:cNvSpPr>
-            <a:spLocks noGrp="1"/>
-          </p:cNvSpPr>
-          <p:nvPr>
-            <p:ph type="body" sz="half" idx="2"/>
-          </p:nvPr>
-        </p:nvSpPr>
-        <p:spPr>
-          <a:xfrm>
-            <a:off x="1792288" y="5367338"/>
-            <a:ext cx="5486400" cy="804862"/>
-          </a:xfrm>
-        </p:spPr>
-        <p:txBody>
-          <a:bodyPr/>
-          <a:lstStyle>
-            <a:lvl1pPr marL="0" indent="0">
-              <a:buNone/>
-              <a:defRPr sz="1400"/>
-            </a:lvl1pPr>
-            <a:lvl2pPr marL="457200" indent="0">
-              <a:buNone/>
-              <a:defRPr sz="1200"/>
-            </a:lvl2pPr>
-            <a:lvl3pPr marL="914400" indent="0">
-              <a:buNone/>
-              <a:defRPr sz="1000"/>
-            </a:lvl3pPr>
-            <a:lvl4pPr marL="1371600" indent="0">
-              <a:buNone/>
-              <a:defRPr sz="900"/>
-            </a:lvl4pPr>
-            <a:lvl5pPr marL="1828800" indent="0">
-              <a:buNone/>
-              <a:defRPr sz="900"/>
-            </a:lvl5pPr>
-            <a:lvl6pPr marL="2286000" indent="0">
-              <a:buNone/>
-              <a:defRPr sz="900"/>
-            </a:lvl6pPr>
-            <a:lvl7pPr marL="2743200" indent="0">
-              <a:buNone/>
-              <a:defRPr sz="900"/>
-            </a:lvl7pPr>
-            <a:lvl8pPr marL="3200400" indent="0">
-              <a:buNone/>
-              <a:defRPr sz="900"/>
-            </a:lvl8pPr>
-            <a:lvl9pPr marL="3657600" indent="0">
-              <a:buNone/>
-              <a:defRPr sz="900"/>
-            </a:lvl9pPr>
-          </a:lstStyle>
-          <a:p>
-            <a:pPr lvl="0"/>
-            <a:r>
-              <a:rPr lang="en-US" smtClean="0"/>
-              <a:t>Click to edit Master text styles</a:t>
-            </a:r>
-          </a:p>
-        </p:txBody>
-      </p:sp>
-      <p:sp>
-        <p:nvSpPr>
-          <p:cNvPr id="5" name="Date Placeholder 4"/>
-          <p:cNvSpPr>
-            <a:spLocks noGrp="1"/>
-          </p:cNvSpPr>
-          <p:nvPr>
-            <p:ph type="dt" sz="half" idx="10"/>
-          </p:nvPr>
-        </p:nvSpPr>
-        <p:spPr/>
-        <p:txBody>
-          <a:bodyPr/>
-          <a:lstStyle/>
-          <a:p>
-            <a:fld id="{241EB5C9-1307-BA42-ABA2-0BC069CD8E7F}" type="datetimeFigureOut">
-              <a:rPr lang="en-US" smtClean="0"/>
-              <a:t>4/5/2019</a:t>
-            </a:fld>
-            <a:endParaRPr lang="en-US"/>
-          </a:p>
-        </p:txBody>
-      </p:sp>
-      <p:sp>
-        <p:nvSpPr>
-          <p:cNvPr id="6" name="Footer Placeholder 5"/>
-          <p:cNvSpPr>
-            <a:spLocks noGrp="1"/>
-          </p:cNvSpPr>
-          <p:nvPr>
-            <p:ph type="ftr" sz="quarter" idx="11"/>
-          </p:nvPr>
-        </p:nvSpPr>
-        <p:spPr/>
-        <p:txBody>
-          <a:bodyPr/>
-          <a:lstStyle/>
-          <a:p>
-            <a:endParaRPr lang="en-US"/>
-          </a:p>
-        </p:txBody>
-      </p:sp>
-      <p:sp>
-        <p:nvSpPr>
-          <p:cNvPr id="7" name="Slide Number Placeholder 6"/>
-          <p:cNvSpPr>
-            <a:spLocks noGrp="1"/>
-          </p:cNvSpPr>
-          <p:nvPr>
-            <p:ph type="sldNum" sz="quarter" idx="12"/>
-          </p:nvPr>
-        </p:nvSpPr>
-        <p:spPr/>
-        <p:txBody>
-          <a:bodyPr/>
-          <a:lstStyle/>
-          <a:p>
-            <a:fld id="{C5EF2332-01BF-834F-8236-50238282D533}" type="slidenum">
-              <a:rPr lang="en-US" smtClean="0"/>
-              <a:t>‹#›</a:t>
-            </a:fld>
-            <a:endParaRPr lang="en-US"/>
-          </a:p>
-        </p:txBody>
-      </p:sp>
-    </p:spTree>
-    <p:extLst>
-      <p:ext uri="{BB962C8B-B14F-4D97-AF65-F5344CB8AC3E}">
-        <p14:creationId xmlns:p14="http://schemas.microsoft.com/office/powerpoint/2010/main" val="3566899855"/>
-      </p:ext>
-    </p:extLst>
-  </p:cSld>
-  <p:clrMapOvr>
-    <a:masterClrMapping/>
-  </p:clrMapOvr>
-</p:sldLayout>
-</file>
-
 <file path=ppt/slideMasters/slideMaster1.xml><?xml version="1.0" encoding="utf-8"?>
 <p:sldMaster xmlns:a="http://schemas.openxmlformats.org/drawingml/2006/main" xmlns:r="http://schemas.openxmlformats.org/officeDocument/2006/relationships" xmlns:p="http://schemas.openxmlformats.org/presentationml/2006/main">
   <p:cSld>
@@ -3187,7 +1674,7 @@
           <a:p>
             <a:fld id="{5EF76A7A-0506-6C4D-8382-BFC753915B9A}" type="datetime4">
               <a:rPr lang="en-US" smtClean="0"/>
-              <a:t>January 7, 2021</a:t>
+              <a:t>February 22, 2021</a:t>
             </a:fld>
             <a:endParaRPr lang="en-US" dirty="0"/>
           </a:p>
@@ -3641,28 +2128,11 @@
           <a:bodyPr/>
           <a:lstStyle/>
           <a:p>
-            <a:pPr lvl="0" marL="0" indent="0">
+            <a:pPr marL="0" lvl="0" indent="0">
               <a:buNone/>
             </a:pPr>
             <a:r>
-              <a:rPr/>
-              <a:t>Sample_PPT</a:t>
-            </a:r>
-            <a:r>
-              <a:rPr/>
-              <a:t> </a:t>
-            </a:r>
-            <a:r>
-              <a:rPr/>
-              <a:t>(PERSI</a:t>
-            </a:r>
-            <a:r>
-              <a:rPr/>
-              <a:t> </a:t>
-            </a:r>
-            <a:r>
-              <a:rPr/>
-              <a:t>graphs)</a:t>
+              <a:t>Sample_PPT (PERSI graphs)</a:t>
             </a:r>
           </a:p>
         </p:txBody>
@@ -3687,46 +2157,13 @@
           <a:bodyPr/>
           <a:lstStyle/>
           <a:p>
-            <a:pPr lvl="0" marL="0" indent="0">
+            <a:pPr marL="0" lvl="0" indent="0">
               <a:buNone/>
             </a:pPr>
             <a:br/>
             <a:br/>
             <a:r>
-              <a:rPr/>
-              <a:t>Anil,</a:t>
-            </a:r>
-            <a:r>
-              <a:rPr/>
-              <a:t> </a:t>
-            </a:r>
-            <a:r>
-              <a:rPr/>
-              <a:t>Swaroop,</a:t>
-            </a:r>
-            <a:r>
-              <a:rPr/>
-              <a:t> </a:t>
-            </a:r>
-            <a:r>
-              <a:rPr/>
-              <a:t>Jen</a:t>
-            </a:r>
-            <a:r>
-              <a:rPr/>
-              <a:t> </a:t>
-            </a:r>
-            <a:r>
-              <a:rPr/>
-              <a:t>&amp;</a:t>
-            </a:r>
-            <a:r>
-              <a:rPr/>
-              <a:t> </a:t>
-            </a:r>
-            <a:r>
-              <a:rPr/>
-              <a:t>Jordan</a:t>
+              <a:t>Anil, Swaroop, Jen &amp; Jordan</a:t>
             </a:r>
           </a:p>
         </p:txBody>
@@ -3746,11 +2183,10 @@
           <a:bodyPr/>
           <a:lstStyle/>
           <a:p>
-            <a:pPr lvl="0" marL="0" indent="0">
+            <a:pPr marL="0" lvl="0" indent="0">
               <a:buNone/>
             </a:pPr>
             <a:r>
-              <a:rPr/>
               <a:t>01/05/2021</a:t>
             </a:r>
           </a:p>
@@ -3758,6 +2194,9 @@
       </p:sp>
     </p:spTree>
   </p:cSld>
+  <p:clrMapOvr>
+    <a:masterClrMapping/>
+  </p:clrMapOvr>
 </p:sld>
 </file>
 
@@ -3801,59 +2240,18 @@
           <a:bodyPr/>
           <a:lstStyle/>
           <a:p>
-            <a:pPr lvl="0" marL="0" indent="0">
+            <a:pPr marL="0" lvl="0" indent="0">
               <a:buNone/>
             </a:pPr>
             <a:r>
-              <a:rPr/>
-              <a:t>Negative</a:t>
-            </a:r>
-            <a:r>
-              <a:rPr/>
-              <a:t> </a:t>
-            </a:r>
-            <a:r>
-              <a:rPr/>
-              <a:t>Amortization</a:t>
-            </a:r>
-            <a:r>
-              <a:rPr/>
-              <a:t> </a:t>
-            </a:r>
-            <a:r>
-              <a:rPr/>
-              <a:t>Growth</a:t>
-            </a:r>
-            <a:r>
-              <a:rPr/>
-              <a:t> </a:t>
-            </a:r>
-            <a:r>
-              <a:rPr/>
-              <a:t>w/</a:t>
-            </a:r>
-            <a:r>
-              <a:rPr/>
-              <a:t> </a:t>
-            </a:r>
-            <a:r>
-              <a:rPr/>
-              <a:t>R</a:t>
-            </a:r>
-            <a:r>
-              <a:rPr/>
-              <a:t> </a:t>
-            </a:r>
-            <a:r>
-              <a:rPr/>
-              <a:t>(custom)</a:t>
+              <a:t>Negative Amortization Growth w/ R (custom)</a:t>
             </a:r>
           </a:p>
         </p:txBody>
       </p:sp>
       <p:pic>
         <p:nvPicPr>
-          <p:cNvPr descr="SamplePPT_files/figure-pptx/neg.amo-1.png" id="0" name="Picture 1"/>
+          <p:cNvPr id="3" name="Picture 1" descr="SamplePPT_files/figure-pptx/neg.amo-1.png"/>
           <p:cNvPicPr>
             <a:picLocks noGrp="1" noChangeAspect="1"/>
           </p:cNvPicPr>
@@ -3883,6 +2281,9 @@
       </p:pic>
     </p:spTree>
   </p:cSld>
+  <p:clrMapOvr>
+    <a:masterClrMapping/>
+  </p:clrMapOvr>
 </p:sld>
 </file>
 
@@ -3926,11 +2327,184 @@
           <a:bodyPr/>
           <a:lstStyle/>
           <a:p>
-            <a:pPr lvl="0" marL="0" indent="0">
+            <a:pPr marL="0" lvl="0" indent="0">
               <a:buNone/>
             </a:pPr>
             <a:r>
-              <a:rPr/>
+              <a:t>Actual Change in Payroll vs. Assumption (2001-2020) w/ R (linePlot())</a:t>
+            </a:r>
+          </a:p>
+        </p:txBody>
+      </p:sp>
+      <p:pic>
+        <p:nvPicPr>
+          <p:cNvPr id="3" name="Picture 1" descr="SamplePPT_files/figure-pptx/payroll-1.png"/>
+          <p:cNvPicPr>
+            <a:picLocks noGrp="1" noChangeAspect="1"/>
+          </p:cNvPicPr>
+          <p:nvPr/>
+        </p:nvPicPr>
+        <p:blipFill>
+          <a:blip r:embed="rId2"/>
+          <a:stretch>
+            <a:fillRect/>
+          </a:stretch>
+        </p:blipFill>
+        <p:spPr bwMode="auto">
+          <a:xfrm>
+            <a:off x="673100" y="1600200"/>
+            <a:ext cx="7797800" cy="4876800"/>
+          </a:xfrm>
+          <a:prstGeom prst="rect">
+            <a:avLst/>
+          </a:prstGeom>
+          <a:noFill/>
+          <a:ln w="9525">
+            <a:noFill/>
+            <a:headEnd/>
+            <a:tailEnd/>
+          </a:ln>
+        </p:spPr>
+      </p:pic>
+    </p:spTree>
+  </p:cSld>
+  <p:clrMapOvr>
+    <a:masterClrMapping/>
+  </p:clrMapOvr>
+</p:sld>
+</file>
+
+<file path=ppt/slides/slide12.xml><?xml version="1.0" encoding="utf-8"?>
+<p:sld xmlns:a="http://schemas.openxmlformats.org/drawingml/2006/main" xmlns:r="http://schemas.openxmlformats.org/officeDocument/2006/relationships" xmlns:p="http://schemas.openxmlformats.org/presentationml/2006/main">
+  <p:cSld>
+    <p:spTree>
+      <p:nvGrpSpPr>
+        <p:cNvPr id="1" name=""/>
+        <p:cNvGrpSpPr/>
+        <p:nvPr/>
+      </p:nvGrpSpPr>
+      <p:grpSpPr>
+        <a:xfrm>
+          <a:off x="0" y="0"/>
+          <a:ext cx="0" cy="0"/>
+          <a:chOff x="0" y="0"/>
+          <a:chExt cx="0" cy="0"/>
+        </a:xfrm>
+      </p:grpSpPr>
+      <p:sp>
+        <p:nvSpPr>
+          <p:cNvPr id="2" name="Title 1"/>
+          <p:cNvSpPr>
+            <a:spLocks noGrp="1"/>
+          </p:cNvSpPr>
+          <p:nvPr>
+            <p:ph type="title" hasCustomPrompt="1"/>
+          </p:nvPr>
+        </p:nvSpPr>
+        <p:spPr>
+          <a:xfrm>
+            <a:off x="457200" y="533400"/>
+            <a:ext cx="7864475" cy="990600"/>
+          </a:xfrm>
+          <a:prstGeom prst="rect">
+            <a:avLst/>
+          </a:prstGeom>
+        </p:spPr>
+        <p:txBody>
+          <a:bodyPr/>
+          <a:lstStyle/>
+          <a:p>
+            <a:pPr marL="0" lvl="0" indent="0">
+              <a:buNone/>
+            </a:pPr>
+            <a:r>
+              <a:t>Actual Inflation vs. Assumption (2001-2020) w/ R (linePlot())</a:t>
+            </a:r>
+          </a:p>
+        </p:txBody>
+      </p:sp>
+      <p:pic>
+        <p:nvPicPr>
+          <p:cNvPr id="3" name="Picture 1" descr="SamplePPT_files/figure-pptx/inflation-1.png"/>
+          <p:cNvPicPr>
+            <a:picLocks noGrp="1" noChangeAspect="1"/>
+          </p:cNvPicPr>
+          <p:nvPr/>
+        </p:nvPicPr>
+        <p:blipFill>
+          <a:blip r:embed="rId2"/>
+          <a:stretch>
+            <a:fillRect/>
+          </a:stretch>
+        </p:blipFill>
+        <p:spPr bwMode="auto">
+          <a:xfrm>
+            <a:off x="673100" y="1600200"/>
+            <a:ext cx="7797800" cy="4876800"/>
+          </a:xfrm>
+          <a:prstGeom prst="rect">
+            <a:avLst/>
+          </a:prstGeom>
+          <a:noFill/>
+          <a:ln w="9525">
+            <a:noFill/>
+            <a:headEnd/>
+            <a:tailEnd/>
+          </a:ln>
+        </p:spPr>
+      </p:pic>
+    </p:spTree>
+  </p:cSld>
+  <p:clrMapOvr>
+    <a:masterClrMapping/>
+  </p:clrMapOvr>
+</p:sld>
+</file>
+
+<file path=ppt/slides/slide13.xml><?xml version="1.0" encoding="utf-8"?>
+<p:sld xmlns:a="http://schemas.openxmlformats.org/drawingml/2006/main" xmlns:r="http://schemas.openxmlformats.org/officeDocument/2006/relationships" xmlns:p="http://schemas.openxmlformats.org/presentationml/2006/main">
+  <p:cSld>
+    <p:spTree>
+      <p:nvGrpSpPr>
+        <p:cNvPr id="1" name=""/>
+        <p:cNvGrpSpPr/>
+        <p:nvPr/>
+      </p:nvGrpSpPr>
+      <p:grpSpPr>
+        <a:xfrm>
+          <a:off x="0" y="0"/>
+          <a:ext cx="0" cy="0"/>
+          <a:chOff x="0" y="0"/>
+          <a:chExt cx="0" cy="0"/>
+        </a:xfrm>
+      </p:grpSpPr>
+      <p:sp>
+        <p:nvSpPr>
+          <p:cNvPr id="2" name="Title 1"/>
+          <p:cNvSpPr>
+            <a:spLocks noGrp="1"/>
+          </p:cNvSpPr>
+          <p:nvPr>
+            <p:ph type="title" hasCustomPrompt="1"/>
+          </p:nvPr>
+        </p:nvSpPr>
+        <p:spPr>
+          <a:xfrm>
+            <a:off x="457200" y="533400"/>
+            <a:ext cx="7864475" cy="990600"/>
+          </a:xfrm>
+          <a:prstGeom prst="rect">
+            <a:avLst/>
+          </a:prstGeom>
+        </p:spPr>
+        <p:txBody>
+          <a:bodyPr/>
+          <a:lstStyle/>
+          <a:p>
+            <a:pPr marL="0" lvl="0" indent="0">
+              <a:buNone/>
+            </a:pPr>
+            <a:r>
               <a:t>References</a:t>
             </a:r>
           </a:p>
@@ -3981,6 +2555,9 @@
       </p:sp>
     </p:spTree>
   </p:cSld>
+  <p:clrMapOvr>
+    <a:masterClrMapping/>
+  </p:clrMapOvr>
 </p:sld>
 </file>
 
@@ -4024,44 +2601,11 @@
           <a:bodyPr/>
           <a:lstStyle/>
           <a:p>
-            <a:pPr lvl="0" marL="0" indent="0">
+            <a:pPr marL="0" lvl="0" indent="0">
               <a:buNone/>
             </a:pPr>
             <a:r>
-              <a:rPr/>
-              <a:t>About</a:t>
-            </a:r>
-            <a:r>
-              <a:rPr/>
-              <a:t> </a:t>
-            </a:r>
-            <a:r>
-              <a:rPr/>
-              <a:t>the</a:t>
-            </a:r>
-            <a:r>
-              <a:rPr/>
-              <a:t> </a:t>
-            </a:r>
-            <a:r>
-              <a:rPr/>
-              <a:t>Pension</a:t>
-            </a:r>
-            <a:r>
-              <a:rPr/>
-              <a:t> </a:t>
-            </a:r>
-            <a:r>
-              <a:rPr/>
-              <a:t>Integrity</a:t>
-            </a:r>
-            <a:r>
-              <a:rPr/>
-              <a:t> </a:t>
-            </a:r>
-            <a:r>
-              <a:rPr/>
-              <a:t>Project</a:t>
+              <a:t>About the Pension Integrity Project</a:t>
             </a:r>
           </a:p>
         </p:txBody>
@@ -4081,60 +2625,52 @@
           <a:bodyPr/>
           <a:lstStyle/>
           <a:p>
-            <a:pPr lvl="0" marL="0" indent="0">
+            <a:pPr marL="0" lvl="0" indent="0">
               <a:buNone/>
             </a:pPr>
             <a:r>
-              <a:rPr/>
               <a:t>We offer pro-bono technical assistance to public officials to help them design and implement pension reforms that improve plan solvency and promote retirement security, including:</a:t>
             </a:r>
           </a:p>
           <a:p>
             <a:pPr lvl="1"/>
             <a:r>
-              <a:rPr/>
               <a:t>Customized analysis of pension system design, trends</a:t>
             </a:r>
           </a:p>
           <a:p>
             <a:pPr lvl="1"/>
             <a:r>
-              <a:rPr/>
               <a:t>Independent actuarial modeling of reform scenarios</a:t>
             </a:r>
           </a:p>
           <a:p>
             <a:pPr lvl="1"/>
             <a:r>
-              <a:rPr/>
               <a:t>Consultation and modeling around custom policy designs</a:t>
             </a:r>
           </a:p>
           <a:p>
             <a:pPr lvl="1"/>
             <a:r>
-              <a:rPr/>
               <a:t>Latest pension reform research and case studies</a:t>
             </a:r>
           </a:p>
           <a:p>
             <a:pPr lvl="1"/>
             <a:r>
-              <a:rPr/>
               <a:t>Peer-to-peer mentoring from state and local officials who have successfully enacted pension reforms</a:t>
             </a:r>
           </a:p>
           <a:p>
             <a:pPr lvl="1"/>
             <a:r>
-              <a:rPr/>
               <a:t>Assistance with stakeholder outreach, engagement and relationship management</a:t>
             </a:r>
           </a:p>
           <a:p>
             <a:pPr lvl="1"/>
             <a:r>
-              <a:rPr/>
               <a:t>Design and execution of public education programs and media campaigns</a:t>
             </a:r>
           </a:p>
@@ -4142,6 +2678,9 @@
       </p:sp>
     </p:spTree>
   </p:cSld>
+  <p:clrMapOvr>
+    <a:masterClrMapping/>
+  </p:clrMapOvr>
 </p:sld>
 </file>
 
@@ -4185,83 +2724,18 @@
           <a:bodyPr/>
           <a:lstStyle/>
           <a:p>
-            <a:pPr lvl="0" marL="0" indent="0">
+            <a:pPr marL="0" lvl="0" indent="0">
               <a:buNone/>
             </a:pPr>
             <a:r>
-              <a:rPr/>
-              <a:t>A</a:t>
-            </a:r>
-            <a:r>
-              <a:rPr/>
-              <a:t> </a:t>
-            </a:r>
-            <a:r>
-              <a:rPr/>
-              <a:t>History</a:t>
-            </a:r>
-            <a:r>
-              <a:rPr/>
-              <a:t> </a:t>
-            </a:r>
-            <a:r>
-              <a:rPr/>
-              <a:t>of</a:t>
-            </a:r>
-            <a:r>
-              <a:rPr/>
-              <a:t> </a:t>
-            </a:r>
-            <a:r>
-              <a:rPr/>
-              <a:t>Weakening</a:t>
-            </a:r>
-            <a:r>
-              <a:rPr/>
-              <a:t> </a:t>
-            </a:r>
-            <a:r>
-              <a:rPr/>
-              <a:t>Solvency</a:t>
-            </a:r>
-            <a:r>
-              <a:rPr/>
-              <a:t> </a:t>
-            </a:r>
-            <a:r>
-              <a:rPr/>
-              <a:t>(2001-2019)</a:t>
-            </a:r>
-            <a:r>
-              <a:rPr/>
-              <a:t> </a:t>
-            </a:r>
-            <a:r>
-              <a:rPr/>
-              <a:t>w/</a:t>
-            </a:r>
-            <a:r>
-              <a:rPr/>
-              <a:t> </a:t>
-            </a:r>
-            <a:r>
-              <a:rPr/>
-              <a:t>R</a:t>
-            </a:r>
-            <a:r>
-              <a:rPr/>
-              <a:t> </a:t>
-            </a:r>
-            <a:r>
-              <a:rPr/>
-              <a:t>(areaPlot())</a:t>
+              <a:t>A History of Weakening Solvency (2001-2020) w/ R (areaPlot())</a:t>
             </a:r>
           </a:p>
         </p:txBody>
       </p:sp>
       <p:pic>
         <p:nvPicPr>
-          <p:cNvPr descr="SamplePPT_files/figure-pptx/debt-1.png" id="0" name="Picture 1"/>
+          <p:cNvPr id="3" name="Picture 1" descr="SamplePPT_files/figure-pptx/debt-1.png"/>
           <p:cNvPicPr>
             <a:picLocks noGrp="1" noChangeAspect="1"/>
           </p:cNvPicPr>
@@ -4291,6 +2765,9 @@
       </p:pic>
     </p:spTree>
   </p:cSld>
+  <p:clrMapOvr>
+    <a:masterClrMapping/>
+  </p:clrMapOvr>
 </p:sld>
 </file>
 
@@ -4334,83 +2811,18 @@
           <a:bodyPr/>
           <a:lstStyle/>
           <a:p>
-            <a:pPr lvl="0" marL="0" indent="0">
+            <a:pPr marL="0" lvl="0" indent="0">
               <a:buNone/>
             </a:pPr>
             <a:r>
-              <a:rPr/>
-              <a:t>Causes</a:t>
-            </a:r>
-            <a:r>
-              <a:rPr/>
-              <a:t> </a:t>
-            </a:r>
-            <a:r>
-              <a:rPr/>
-              <a:t>of</a:t>
-            </a:r>
-            <a:r>
-              <a:rPr/>
-              <a:t> </a:t>
-            </a:r>
-            <a:r>
-              <a:rPr/>
-              <a:t>Pension</a:t>
-            </a:r>
-            <a:r>
-              <a:rPr/>
-              <a:t> </a:t>
-            </a:r>
-            <a:r>
-              <a:rPr/>
-              <a:t>Debt</a:t>
-            </a:r>
-            <a:r>
-              <a:rPr/>
-              <a:t> </a:t>
-            </a:r>
-            <a:r>
-              <a:rPr/>
-              <a:t>(2001-2019)</a:t>
-            </a:r>
-            <a:r>
-              <a:rPr/>
-              <a:t> </a:t>
-            </a:r>
-            <a:r>
-              <a:rPr/>
-              <a:t>w/</a:t>
-            </a:r>
-            <a:r>
-              <a:rPr/>
-              <a:t> </a:t>
-            </a:r>
-            <a:r>
-              <a:rPr/>
-              <a:t>R</a:t>
-            </a:r>
-            <a:r>
-              <a:rPr/>
-              <a:t> </a:t>
-            </a:r>
-            <a:r>
-              <a:rPr/>
-              <a:t>(custom</a:t>
-            </a:r>
-            <a:r>
-              <a:rPr/>
-              <a:t> </a:t>
-            </a:r>
-            <a:r>
-              <a:rPr/>
-              <a:t>Plotly-Image)</a:t>
+              <a:t>Causes of Pension Debt (2001-2019) w/ R (custom Plotly-Image)</a:t>
             </a:r>
           </a:p>
         </p:txBody>
       </p:sp>
       <p:pic>
         <p:nvPicPr>
-          <p:cNvPr descr="GainLoss.png" id="0" name="Picture 1"/>
+          <p:cNvPr id="3" name="Picture 1" descr="GainLoss.png"/>
           <p:cNvPicPr>
             <a:picLocks noGrp="1" noChangeAspect="1"/>
           </p:cNvPicPr>
@@ -4424,8 +2836,8 @@
         </p:blipFill>
         <p:spPr bwMode="auto">
           <a:xfrm>
-            <a:off x="774700" y="1600200"/>
-            <a:ext cx="7581900" cy="4876800"/>
+            <a:off x="457200" y="1689100"/>
+            <a:ext cx="8229600" cy="4699000"/>
           </a:xfrm>
           <a:prstGeom prst="rect">
             <a:avLst/>
@@ -4440,6 +2852,9 @@
       </p:pic>
     </p:spTree>
   </p:cSld>
+  <p:clrMapOvr>
+    <a:masterClrMapping/>
+  </p:clrMapOvr>
 </p:sld>
 </file>
 
@@ -4483,68 +2898,11 @@
           <a:bodyPr/>
           <a:lstStyle/>
           <a:p>
-            <a:pPr lvl="0" marL="0" indent="0">
+            <a:pPr marL="0" lvl="0" indent="0">
               <a:buNone/>
             </a:pPr>
             <a:r>
-              <a:rPr/>
-              <a:t>Make</a:t>
-            </a:r>
-            <a:r>
-              <a:rPr/>
-              <a:t> </a:t>
-            </a:r>
-            <a:r>
-              <a:rPr/>
-              <a:t>up</a:t>
-            </a:r>
-            <a:r>
-              <a:rPr/>
-              <a:t> </a:t>
-            </a:r>
-            <a:r>
-              <a:rPr/>
-              <a:t>of</a:t>
-            </a:r>
-            <a:r>
-              <a:rPr/>
-              <a:t> </a:t>
-            </a:r>
-            <a:r>
-              <a:rPr/>
-              <a:t>Pension</a:t>
-            </a:r>
-            <a:r>
-              <a:rPr/>
-              <a:t> </a:t>
-            </a:r>
-            <a:r>
-              <a:rPr/>
-              <a:t>Contributions</a:t>
-            </a:r>
-            <a:r>
-              <a:rPr/>
-              <a:t> </a:t>
-            </a:r>
-            <a:r>
-              <a:rPr/>
-              <a:t>w/</a:t>
-            </a:r>
-            <a:r>
-              <a:rPr/>
-              <a:t> </a:t>
-            </a:r>
-            <a:r>
-              <a:rPr/>
-              <a:t>R</a:t>
-            </a:r>
-            <a:r>
-              <a:rPr/>
-              <a:t> </a:t>
-            </a:r>
-            <a:r>
-              <a:rPr/>
-              <a:t>(custom)</a:t>
+              <a:t>Make up of Pension Contributions w/ R (custom)</a:t>
             </a:r>
           </a:p>
         </p:txBody>
@@ -4570,9 +2928,27 @@
                 <a:tableStyleId>{5C22544A-7EE6-4342-B048-85BDC9FD1C3A}</a:tableStyleId>
               </a:tblPr>
               <a:tblGrid>
-                <a:gridCol w="2743200"/>
-                <a:gridCol w="2743200"/>
-                <a:gridCol w="2743200"/>
+                <a:gridCol w="2743200">
+                  <a:extLst>
+                    <a:ext uri="{9D8B030D-6E8A-4147-A177-3AD203B41FA5}">
+                      <a16:colId xmlns:a16="http://schemas.microsoft.com/office/drawing/2014/main" val="20000"/>
+                    </a:ext>
+                  </a:extLst>
+                </a:gridCol>
+                <a:gridCol w="2743200">
+                  <a:extLst>
+                    <a:ext uri="{9D8B030D-6E8A-4147-A177-3AD203B41FA5}">
+                      <a16:colId xmlns:a16="http://schemas.microsoft.com/office/drawing/2014/main" val="20001"/>
+                    </a:ext>
+                  </a:extLst>
+                </a:gridCol>
+                <a:gridCol w="2743200">
+                  <a:extLst>
+                    <a:ext uri="{9D8B030D-6E8A-4147-A177-3AD203B41FA5}">
+                      <a16:colId xmlns:a16="http://schemas.microsoft.com/office/drawing/2014/main" val="20002"/>
+                    </a:ext>
+                  </a:extLst>
+                </a:gridCol>
               </a:tblGrid>
               <a:tr h="0">
                 <a:tc>
@@ -4590,28 +2966,11 @@
                     <a:bodyPr/>
                     <a:lstStyle/>
                     <a:p>
-                      <a:pPr lvl="0" marL="0" indent="0" algn="l">
+                      <a:pPr marL="0" lvl="0" indent="0" algn="l">
                         <a:buNone/>
                       </a:pPr>
                       <a:r>
-                        <a:rPr/>
-                        <a:t>%</a:t>
-                      </a:r>
-                      <a:r>
-                        <a:rPr/>
-                        <a:t> </a:t>
-                      </a:r>
-                      <a:r>
-                        <a:rPr/>
-                        <a:t>of</a:t>
-                      </a:r>
-                      <a:r>
-                        <a:rPr/>
-                        <a:t> </a:t>
-                      </a:r>
-                      <a:r>
-                        <a:rPr/>
-                        <a:t>Payroll</a:t>
+                        <a:t>% of Payroll</a:t>
                       </a:r>
                     </a:p>
                   </a:txBody>
@@ -4622,25 +2981,21 @@
                     <a:bodyPr/>
                     <a:lstStyle/>
                     <a:p>
-                      <a:pPr lvl="0" marL="0" indent="0" algn="l">
+                      <a:pPr marL="0" lvl="0" indent="0" algn="l">
                         <a:buNone/>
                       </a:pPr>
                       <a:r>
-                        <a:rPr/>
-                        <a:t>$</a:t>
-                      </a:r>
-                      <a:r>
-                        <a:rPr/>
-                        <a:t> </a:t>
-                      </a:r>
-                      <a:r>
-                        <a:rPr/>
-                        <a:t>Value</a:t>
+                        <a:t>$ Value</a:t>
                       </a:r>
                     </a:p>
                   </a:txBody>
                   <a:tcPr/>
                 </a:tc>
+                <a:extLst>
+                  <a:ext uri="{0D108BD9-81ED-4DB2-BD59-A6C34878D82A}">
+                    <a16:rowId xmlns:a16="http://schemas.microsoft.com/office/drawing/2014/main" val="10000"/>
+                  </a:ext>
+                </a:extLst>
               </a:tr>
               <a:tr h="0">
                 <a:tc>
@@ -4648,54 +3003,51 @@
                     <a:bodyPr/>
                     <a:lstStyle/>
                     <a:p>
-                      <a:pPr lvl="0" marL="0" indent="0" algn="l">
+                      <a:pPr marL="0" lvl="0" indent="0" algn="l">
                         <a:buNone/>
                       </a:pPr>
                       <a:r>
-                        <a:rPr/>
-                        <a:t>Total</a:t>
-                      </a:r>
-                      <a:r>
-                        <a:rPr/>
-                        <a:t> </a:t>
-                      </a:r>
-                      <a:r>
-                        <a:rPr/>
-                        <a:t>Employee</a:t>
+                        <a:t>Total Employee</a:t>
                       </a:r>
                     </a:p>
                   </a:txBody>
+                  <a:tcPr/>
                 </a:tc>
                 <a:tc>
                   <a:txBody>
                     <a:bodyPr/>
                     <a:lstStyle/>
                     <a:p>
-                      <a:pPr lvl="0" marL="0" indent="0" algn="l">
+                      <a:pPr marL="0" lvl="0" indent="0" algn="l">
                         <a:buNone/>
                       </a:pPr>
                       <a:r>
-                        <a:rPr/>
                         <a:t>7.4%</a:t>
                       </a:r>
                     </a:p>
                   </a:txBody>
+                  <a:tcPr/>
                 </a:tc>
                 <a:tc>
                   <a:txBody>
                     <a:bodyPr/>
                     <a:lstStyle/>
                     <a:p>
-                      <a:pPr lvl="0" marL="0" indent="0" algn="l">
+                      <a:pPr marL="0" lvl="0" indent="0" algn="l">
                         <a:buNone/>
                       </a:pPr>
                       <a:r>
-                        <a:rPr/>
                         <a:t>$257,060,520</a:t>
                       </a:r>
                     </a:p>
                   </a:txBody>
+                  <a:tcPr/>
                 </a:tc>
+                <a:extLst>
+                  <a:ext uri="{0D108BD9-81ED-4DB2-BD59-A6C34878D82A}">
+                    <a16:rowId xmlns:a16="http://schemas.microsoft.com/office/drawing/2014/main" val="10001"/>
+                  </a:ext>
+                </a:extLst>
               </a:tr>
               <a:tr h="0">
                 <a:tc>
@@ -4703,62 +3055,51 @@
                     <a:bodyPr/>
                     <a:lstStyle/>
                     <a:p>
-                      <a:pPr lvl="0" marL="0" indent="0" algn="l">
+                      <a:pPr marL="0" lvl="0" indent="0" algn="l">
                         <a:buNone/>
                       </a:pPr>
                       <a:r>
-                        <a:rPr/>
-                        <a:t>Employer</a:t>
-                      </a:r>
-                      <a:r>
-                        <a:rPr/>
-                        <a:t> </a:t>
-                      </a:r>
-                      <a:r>
-                        <a:rPr/>
-                        <a:t>(Normal</a:t>
-                      </a:r>
-                      <a:r>
-                        <a:rPr/>
-                        <a:t> </a:t>
-                      </a:r>
-                      <a:r>
-                        <a:rPr/>
-                        <a:t>Cost)</a:t>
+                        <a:t>Employer (Normal Cost)</a:t>
                       </a:r>
                     </a:p>
                   </a:txBody>
+                  <a:tcPr/>
                 </a:tc>
                 <a:tc>
                   <a:txBody>
                     <a:bodyPr/>
                     <a:lstStyle/>
                     <a:p>
-                      <a:pPr lvl="0" marL="0" indent="0" algn="l">
+                      <a:pPr marL="0" lvl="0" indent="0" algn="l">
                         <a:buNone/>
                       </a:pPr>
                       <a:r>
-                        <a:rPr/>
                         <a:t>7.5%</a:t>
                       </a:r>
                     </a:p>
                   </a:txBody>
+                  <a:tcPr/>
                 </a:tc>
                 <a:tc>
                   <a:txBody>
                     <a:bodyPr/>
                     <a:lstStyle/>
                     <a:p>
-                      <a:pPr lvl="0" marL="0" indent="0" algn="l">
+                      <a:pPr marL="0" lvl="0" indent="0" algn="l">
                         <a:buNone/>
                       </a:pPr>
                       <a:r>
-                        <a:rPr/>
                         <a:t>$252,981,080</a:t>
                       </a:r>
                     </a:p>
                   </a:txBody>
+                  <a:tcPr/>
                 </a:tc>
+                <a:extLst>
+                  <a:ext uri="{0D108BD9-81ED-4DB2-BD59-A6C34878D82A}">
+                    <a16:rowId xmlns:a16="http://schemas.microsoft.com/office/drawing/2014/main" val="10002"/>
+                  </a:ext>
+                </a:extLst>
               </a:tr>
               <a:tr h="0">
                 <a:tc>
@@ -4766,62 +3107,51 @@
                     <a:bodyPr/>
                     <a:lstStyle/>
                     <a:p>
-                      <a:pPr lvl="0" marL="0" indent="0" algn="l">
+                      <a:pPr marL="0" lvl="0" indent="0" algn="l">
                         <a:buNone/>
                       </a:pPr>
                       <a:r>
-                        <a:rPr/>
-                        <a:t>Employer</a:t>
-                      </a:r>
-                      <a:r>
-                        <a:rPr/>
-                        <a:t> </a:t>
-                      </a:r>
-                      <a:r>
-                        <a:rPr/>
-                        <a:t>(Debt</a:t>
-                      </a:r>
-                      <a:r>
-                        <a:rPr/>
-                        <a:t> </a:t>
-                      </a:r>
-                      <a:r>
-                        <a:rPr/>
-                        <a:t>Amortization)</a:t>
+                        <a:t>Employer (Debt Amortization)</a:t>
                       </a:r>
                     </a:p>
                   </a:txBody>
+                  <a:tcPr/>
                 </a:tc>
                 <a:tc>
                   <a:txBody>
                     <a:bodyPr/>
                     <a:lstStyle/>
                     <a:p>
-                      <a:pPr lvl="0" marL="0" indent="0" algn="l">
+                      <a:pPr marL="0" lvl="0" indent="0" algn="l">
                         <a:buNone/>
                       </a:pPr>
                       <a:r>
-                        <a:rPr/>
                         <a:t>4.5%</a:t>
                       </a:r>
                     </a:p>
                   </a:txBody>
+                  <a:tcPr/>
                 </a:tc>
                 <a:tc>
                   <a:txBody>
                     <a:bodyPr/>
                     <a:lstStyle/>
                     <a:p>
-                      <a:pPr lvl="0" marL="0" indent="0" algn="l">
+                      <a:pPr marL="0" lvl="0" indent="0" algn="l">
                         <a:buNone/>
                       </a:pPr>
                       <a:r>
-                        <a:rPr/>
                         <a:t>$152,532,710</a:t>
                       </a:r>
                     </a:p>
                   </a:txBody>
+                  <a:tcPr/>
                 </a:tc>
+                <a:extLst>
+                  <a:ext uri="{0D108BD9-81ED-4DB2-BD59-A6C34878D82A}">
+                    <a16:rowId xmlns:a16="http://schemas.microsoft.com/office/drawing/2014/main" val="10003"/>
+                  </a:ext>
+                </a:extLst>
               </a:tr>
               <a:tr h="0">
                 <a:tc>
@@ -4829,54 +3159,51 @@
                     <a:bodyPr/>
                     <a:lstStyle/>
                     <a:p>
-                      <a:pPr lvl="0" marL="0" indent="0" algn="l">
+                      <a:pPr marL="0" lvl="0" indent="0" algn="l">
                         <a:buNone/>
                       </a:pPr>
                       <a:r>
-                        <a:rPr/>
-                        <a:t>Total</a:t>
-                      </a:r>
-                      <a:r>
-                        <a:rPr/>
-                        <a:t> </a:t>
-                      </a:r>
-                      <a:r>
-                        <a:rPr/>
-                        <a:t>Employer</a:t>
+                        <a:t>Total Employer</a:t>
                       </a:r>
                     </a:p>
                   </a:txBody>
+                  <a:tcPr/>
                 </a:tc>
                 <a:tc>
                   <a:txBody>
                     <a:bodyPr/>
                     <a:lstStyle/>
                     <a:p>
-                      <a:pPr lvl="0" marL="0" indent="0" algn="l">
+                      <a:pPr marL="0" lvl="0" indent="0" algn="l">
                         <a:buNone/>
                       </a:pPr>
                       <a:r>
-                        <a:rPr/>
                         <a:t>12.0%</a:t>
                       </a:r>
                     </a:p>
                   </a:txBody>
+                  <a:tcPr/>
                 </a:tc>
                 <a:tc>
                   <a:txBody>
                     <a:bodyPr/>
                     <a:lstStyle/>
                     <a:p>
-                      <a:pPr lvl="0" marL="0" indent="0" algn="l">
+                      <a:pPr marL="0" lvl="0" indent="0" algn="l">
                         <a:buNone/>
                       </a:pPr>
                       <a:r>
-                        <a:rPr/>
                         <a:t>$405,513,790</a:t>
                       </a:r>
                     </a:p>
                   </a:txBody>
+                  <a:tcPr/>
                 </a:tc>
+                <a:extLst>
+                  <a:ext uri="{0D108BD9-81ED-4DB2-BD59-A6C34878D82A}">
+                    <a16:rowId xmlns:a16="http://schemas.microsoft.com/office/drawing/2014/main" val="10004"/>
+                  </a:ext>
+                </a:extLst>
               </a:tr>
               <a:tr h="0">
                 <a:tc>
@@ -4884,62 +3211,51 @@
                     <a:bodyPr/>
                     <a:lstStyle/>
                     <a:p>
-                      <a:pPr lvl="0" marL="0" indent="0" algn="l">
+                      <a:pPr marL="0" lvl="0" indent="0" algn="l">
                         <a:buNone/>
                       </a:pPr>
                       <a:r>
-                        <a:rPr/>
-                        <a:t>Total</a:t>
-                      </a:r>
-                      <a:r>
-                        <a:rPr/>
-                        <a:t> </a:t>
-                      </a:r>
-                      <a:r>
-                        <a:rPr/>
-                        <a:t>PERSI</a:t>
-                      </a:r>
-                      <a:r>
-                        <a:rPr/>
-                        <a:t> </a:t>
-                      </a:r>
-                      <a:r>
-                        <a:rPr/>
-                        <a:t>Contributions</a:t>
+                        <a:t>Total PERSI Contributions</a:t>
                       </a:r>
                     </a:p>
                   </a:txBody>
+                  <a:tcPr/>
                 </a:tc>
                 <a:tc>
                   <a:txBody>
                     <a:bodyPr/>
                     <a:lstStyle/>
                     <a:p>
-                      <a:pPr lvl="0" marL="0" indent="0" algn="l">
+                      <a:pPr marL="0" lvl="0" indent="0" algn="l">
                         <a:buNone/>
                       </a:pPr>
                       <a:r>
-                        <a:rPr/>
                         <a:t>19.4%</a:t>
                       </a:r>
                     </a:p>
                   </a:txBody>
+                  <a:tcPr/>
                 </a:tc>
                 <a:tc>
                   <a:txBody>
                     <a:bodyPr/>
                     <a:lstStyle/>
                     <a:p>
-                      <a:pPr lvl="0" marL="0" indent="0" algn="l">
+                      <a:pPr marL="0" lvl="0" indent="0" algn="l">
                         <a:buNone/>
                       </a:pPr>
                       <a:r>
-                        <a:rPr/>
                         <a:t>$647,141,440</a:t>
                       </a:r>
                     </a:p>
                   </a:txBody>
+                  <a:tcPr/>
                 </a:tc>
+                <a:extLst>
+                  <a:ext uri="{0D108BD9-81ED-4DB2-BD59-A6C34878D82A}">
+                    <a16:rowId xmlns:a16="http://schemas.microsoft.com/office/drawing/2014/main" val="10005"/>
+                  </a:ext>
+                </a:extLst>
               </a:tr>
             </a:tbl>
           </a:graphicData>
@@ -4947,7 +3263,7 @@
       </p:graphicFrame>
       <p:sp>
         <p:nvSpPr>
-          <p:cNvPr id="1" name="TextBox 3"/>
+          <p:cNvPr id="3" name="TextBox 3"/>
           <p:cNvSpPr txBox="1"/>
           <p:nvPr/>
         </p:nvSpPr>
@@ -4965,50 +3281,20 @@
           <a:bodyPr/>
           <a:lstStyle/>
           <a:p>
-            <a:pPr lvl="0" marL="0" indent="0" algn="ctr">
+            <a:pPr marL="0" lvl="0" indent="0" algn="ctr">
               <a:buNone/>
             </a:pPr>
             <a:r>
-              <a:rPr/>
-              <a:t>Pension</a:t>
-            </a:r>
-            <a:r>
-              <a:rPr/>
-              <a:t> </a:t>
-            </a:r>
-            <a:r>
-              <a:rPr/>
-              <a:t>Integrity</a:t>
-            </a:r>
-            <a:r>
-              <a:rPr/>
-              <a:t> </a:t>
-            </a:r>
-            <a:r>
-              <a:rPr/>
-              <a:t>Project</a:t>
-            </a:r>
-            <a:r>
-              <a:rPr/>
-              <a:t> </a:t>
-            </a:r>
-            <a:r>
-              <a:rPr/>
-              <a:t>pension</a:t>
-            </a:r>
-            <a:r>
-              <a:rPr/>
-              <a:t> </a:t>
-            </a:r>
-            <a:r>
-              <a:rPr/>
-              <a:t>database.</a:t>
+              <a:t>Pension Integrity Project pension database.</a:t>
             </a:r>
           </a:p>
         </p:txBody>
       </p:sp>
     </p:spTree>
   </p:cSld>
+  <p:clrMapOvr>
+    <a:masterClrMapping/>
+  </p:clrMapOvr>
 </p:sld>
 </file>
 
@@ -5052,83 +3338,18 @@
           <a:bodyPr/>
           <a:lstStyle/>
           <a:p>
-            <a:pPr lvl="0" marL="0" indent="0">
+            <a:pPr marL="0" lvl="0" indent="0">
               <a:buNone/>
             </a:pPr>
             <a:r>
-              <a:rPr/>
-              <a:t>A</a:t>
-            </a:r>
-            <a:r>
-              <a:rPr/>
-              <a:t> </a:t>
-            </a:r>
-            <a:r>
-              <a:rPr/>
-              <a:t>History</a:t>
-            </a:r>
-            <a:r>
-              <a:rPr/>
-              <a:t> </a:t>
-            </a:r>
-            <a:r>
-              <a:rPr/>
-              <a:t>of</a:t>
-            </a:r>
-            <a:r>
-              <a:rPr/>
-              <a:t> </a:t>
-            </a:r>
-            <a:r>
-              <a:rPr/>
-              <a:t>Investment</a:t>
-            </a:r>
-            <a:r>
-              <a:rPr/>
-              <a:t> </a:t>
-            </a:r>
-            <a:r>
-              <a:rPr/>
-              <a:t>Returns</a:t>
-            </a:r>
-            <a:r>
-              <a:rPr/>
-              <a:t> </a:t>
-            </a:r>
-            <a:r>
-              <a:rPr/>
-              <a:t>(2001-2020)</a:t>
-            </a:r>
-            <a:r>
-              <a:rPr/>
-              <a:t> </a:t>
-            </a:r>
-            <a:r>
-              <a:rPr/>
-              <a:t>w/</a:t>
-            </a:r>
-            <a:r>
-              <a:rPr/>
-              <a:t> </a:t>
-            </a:r>
-            <a:r>
-              <a:rPr/>
-              <a:t>R</a:t>
-            </a:r>
-            <a:r>
-              <a:rPr/>
-              <a:t> </a:t>
-            </a:r>
-            <a:r>
-              <a:rPr/>
-              <a:t>(linePlot())</a:t>
+              <a:t>A History of Investment Returns (2001-2020) w/ R (linePlot())</a:t>
             </a:r>
           </a:p>
         </p:txBody>
       </p:sp>
       <p:pic>
         <p:nvPicPr>
-          <p:cNvPr descr="SamplePPT_files/figure-pptx/graph-1.png" id="0" name="Picture 1"/>
+          <p:cNvPr id="3" name="Picture 1" descr="SamplePPT_files/figure-pptx/graph-1.png"/>
           <p:cNvPicPr>
             <a:picLocks noGrp="1" noChangeAspect="1"/>
           </p:cNvPicPr>
@@ -5158,6 +3379,9 @@
       </p:pic>
     </p:spTree>
   </p:cSld>
+  <p:clrMapOvr>
+    <a:masterClrMapping/>
+  </p:clrMapOvr>
 </p:sld>
 </file>
 
@@ -5201,67 +3425,18 @@
           <a:bodyPr/>
           <a:lstStyle/>
           <a:p>
-            <a:pPr lvl="0" marL="0" indent="0">
+            <a:pPr marL="0" lvl="0" indent="0">
               <a:buNone/>
             </a:pPr>
             <a:r>
-              <a:rPr/>
-              <a:t>S&amp;P500</a:t>
-            </a:r>
-            <a:r>
-              <a:rPr/>
-              <a:t> </a:t>
-            </a:r>
-            <a:r>
-              <a:rPr/>
-              <a:t>vs. Funded</a:t>
-            </a:r>
-            <a:r>
-              <a:rPr/>
-              <a:t> </a:t>
-            </a:r>
-            <a:r>
-              <a:rPr/>
-              <a:t>Ratio</a:t>
-            </a:r>
-            <a:r>
-              <a:rPr/>
-              <a:t> </a:t>
-            </a:r>
-            <a:r>
-              <a:rPr/>
-              <a:t>(2001-2019)</a:t>
-            </a:r>
-            <a:r>
-              <a:rPr/>
-              <a:t> </a:t>
-            </a:r>
-            <a:r>
-              <a:rPr/>
-              <a:t>w/</a:t>
-            </a:r>
-            <a:r>
-              <a:rPr/>
-              <a:t> </a:t>
-            </a:r>
-            <a:r>
-              <a:rPr/>
-              <a:t>R</a:t>
-            </a:r>
-            <a:r>
-              <a:rPr/>
-              <a:t> </a:t>
-            </a:r>
-            <a:r>
-              <a:rPr/>
-              <a:t>(areaPlot())</a:t>
+              <a:t>S&amp;P500 vs. Funded Ratio (2001-2019) w/ R (areaPlot())</a:t>
             </a:r>
           </a:p>
         </p:txBody>
       </p:sp>
       <p:pic>
         <p:nvPicPr>
-          <p:cNvPr descr="SamplePPT_files/figure-pptx/sp500-1.png" id="0" name="Picture 1"/>
+          <p:cNvPr id="3" name="Picture 1" descr="SamplePPT_files/figure-pptx/sp500-1.png"/>
           <p:cNvPicPr>
             <a:picLocks noGrp="1" noChangeAspect="1"/>
           </p:cNvPicPr>
@@ -5291,6 +3466,9 @@
       </p:pic>
     </p:spTree>
   </p:cSld>
+  <p:clrMapOvr>
+    <a:masterClrMapping/>
+  </p:clrMapOvr>
 </p:sld>
 </file>
 
@@ -5334,59 +3512,18 @@
           <a:bodyPr/>
           <a:lstStyle/>
           <a:p>
-            <a:pPr lvl="0" marL="0" indent="0">
+            <a:pPr marL="0" lvl="0" indent="0">
               <a:buNone/>
             </a:pPr>
             <a:r>
-              <a:rPr/>
-              <a:t>Asset</a:t>
-            </a:r>
-            <a:r>
-              <a:rPr/>
-              <a:t> </a:t>
-            </a:r>
-            <a:r>
-              <a:rPr/>
-              <a:t>Allocation</a:t>
-            </a:r>
-            <a:r>
-              <a:rPr/>
-              <a:t> </a:t>
-            </a:r>
-            <a:r>
-              <a:rPr/>
-              <a:t>(2001-2019)</a:t>
-            </a:r>
-            <a:r>
-              <a:rPr/>
-              <a:t> </a:t>
-            </a:r>
-            <a:r>
-              <a:rPr/>
-              <a:t>w/</a:t>
-            </a:r>
-            <a:r>
-              <a:rPr/>
-              <a:t> </a:t>
-            </a:r>
-            <a:r>
-              <a:rPr/>
-              <a:t>R</a:t>
-            </a:r>
-            <a:r>
-              <a:rPr/>
-              <a:t> </a:t>
-            </a:r>
-            <a:r>
-              <a:rPr/>
-              <a:t>(custom)</a:t>
+              <a:t>Asset Allocation (2001-2019) w/ R (custom)</a:t>
             </a:r>
           </a:p>
         </p:txBody>
       </p:sp>
       <p:pic>
         <p:nvPicPr>
-          <p:cNvPr descr="SamplePPT_files/figure-pptx/assets-1.png" id="0" name="Picture 1"/>
+          <p:cNvPr id="3" name="Picture 1" descr="SamplePPT_files/figure-pptx/assets-1.png"/>
           <p:cNvPicPr>
             <a:picLocks noGrp="1" noChangeAspect="1"/>
           </p:cNvPicPr>
@@ -5416,6 +3553,9 @@
       </p:pic>
     </p:spTree>
   </p:cSld>
+  <p:clrMapOvr>
+    <a:masterClrMapping/>
+  </p:clrMapOvr>
 </p:sld>
 </file>
 
@@ -5459,91 +3599,18 @@
           <a:bodyPr/>
           <a:lstStyle/>
           <a:p>
-            <a:pPr lvl="0" marL="0" indent="0">
+            <a:pPr marL="0" lvl="0" indent="0">
               <a:buNone/>
             </a:pPr>
             <a:r>
-              <a:rPr/>
-              <a:t>Change</a:t>
-            </a:r>
-            <a:r>
-              <a:rPr/>
-              <a:t> </a:t>
-            </a:r>
-            <a:r>
-              <a:rPr/>
-              <a:t>in</a:t>
-            </a:r>
-            <a:r>
-              <a:rPr/>
-              <a:t> </a:t>
-            </a:r>
-            <a:r>
-              <a:rPr/>
-              <a:t>Risk-Free</a:t>
-            </a:r>
-            <a:r>
-              <a:rPr/>
-              <a:t> </a:t>
-            </a:r>
-            <a:r>
-              <a:rPr/>
-              <a:t>Rate</a:t>
-            </a:r>
-            <a:r>
-              <a:rPr/>
-              <a:t> </a:t>
-            </a:r>
-            <a:r>
-              <a:rPr/>
-              <a:t>vs. Discount</a:t>
-            </a:r>
-            <a:r>
-              <a:rPr/>
-              <a:t> </a:t>
-            </a:r>
-            <a:r>
-              <a:rPr/>
-              <a:t>Rate</a:t>
-            </a:r>
-            <a:r>
-              <a:rPr/>
-              <a:t> </a:t>
-            </a:r>
-            <a:r>
-              <a:rPr/>
-              <a:t>(2001-2019)</a:t>
-            </a:r>
-            <a:r>
-              <a:rPr/>
-              <a:t> </a:t>
-            </a:r>
-            <a:r>
-              <a:rPr/>
-              <a:t>w/</a:t>
-            </a:r>
-            <a:r>
-              <a:rPr/>
-              <a:t> </a:t>
-            </a:r>
-            <a:r>
-              <a:rPr/>
-              <a:t>R</a:t>
-            </a:r>
-            <a:r>
-              <a:rPr/>
-              <a:t> </a:t>
-            </a:r>
-            <a:r>
-              <a:rPr/>
-              <a:t>(linePlot())</a:t>
+              <a:t>Change in Risk-Free Rate vs. Discount Rate (2001-2019) w/ R (linePlot())</a:t>
             </a:r>
           </a:p>
         </p:txBody>
       </p:sp>
       <p:pic>
         <p:nvPicPr>
-          <p:cNvPr descr="SamplePPT_files/figure-pptx/treasury-1.png" id="0" name="Picture 1"/>
+          <p:cNvPr id="3" name="Picture 1" descr="SamplePPT_files/figure-pptx/treasury-1.png"/>
           <p:cNvPicPr>
             <a:picLocks noGrp="1" noChangeAspect="1"/>
           </p:cNvPicPr>
@@ -5573,6 +3640,9 @@
       </p:pic>
     </p:spTree>
   </p:cSld>
+  <p:clrMapOvr>
+    <a:masterClrMapping/>
+  </p:clrMapOvr>
 </p:sld>
 </file>
 

--- a/DeckUpdate/SamplePPT.pptx
+++ b/DeckUpdate/SamplePPT.pptx
@@ -18,6 +18,7 @@
     <p:sldId id="266" r:id="rId12"/>
     <p:sldId id="267" r:id="rId13"/>
     <p:sldId id="268" r:id="rId14"/>
+    <p:sldId id="269" r:id="rId15"/>
   </p:sldIdLst>
   <p:sldSz cx="9144000" cy="6858000" type="screen4x3"/>
   <p:notesSz cx="6858000" cy="9144000"/>
@@ -367,7 +368,7 @@
           <a:p>
             <a:fld id="{10302D39-B686-2742-A69B-CE6D46FC9A4E}" type="datetime4">
               <a:rPr lang="en-US" smtClean="0"/>
-              <a:t>February 22, 2021</a:t>
+              <a:t>February 25, 2021</a:t>
             </a:fld>
             <a:endParaRPr lang="en-US" dirty="0"/>
           </a:p>
@@ -688,7 +689,7 @@
           <a:p>
             <a:fld id="{585AD263-A788-3145-8D38-AEBC1D444AEE}" type="datetime4">
               <a:rPr lang="en-US" smtClean="0"/>
-              <a:t>February 22, 2021</a:t>
+              <a:t>February 25, 2021</a:t>
             </a:fld>
             <a:endParaRPr lang="en-US" dirty="0"/>
           </a:p>
@@ -978,7 +979,7 @@
           <a:p>
             <a:fld id="{B606C5D1-9323-1B45-8355-7D55EA8EE66A}" type="datetime4">
               <a:rPr lang="en-US" smtClean="0"/>
-              <a:t>February 22, 2021</a:t>
+              <a:t>February 25, 2021</a:t>
             </a:fld>
             <a:endParaRPr lang="en-US" dirty="0"/>
           </a:p>
@@ -1226,7 +1227,7 @@
           <a:p>
             <a:fld id="{A4108F21-3CFE-3045-9ABB-E1E1413BA1A1}" type="datetime4">
               <a:rPr lang="en-US" smtClean="0"/>
-              <a:t>February 22, 2021</a:t>
+              <a:t>February 25, 2021</a:t>
             </a:fld>
             <a:endParaRPr lang="en-US" dirty="0"/>
           </a:p>
@@ -1674,7 +1675,7 @@
           <a:p>
             <a:fld id="{5EF76A7A-0506-6C4D-8382-BFC753915B9A}" type="datetime4">
               <a:rPr lang="en-US" smtClean="0"/>
-              <a:t>February 22, 2021</a:t>
+              <a:t>February 25, 2021</a:t>
             </a:fld>
             <a:endParaRPr lang="en-US" dirty="0"/>
           </a:p>
@@ -2324,7 +2325,9 @@
           </a:prstGeom>
         </p:spPr>
         <p:txBody>
-          <a:bodyPr/>
+          <a:bodyPr>
+            <a:normAutofit fontScale="90000"/>
+          </a:bodyPr>
           <a:lstStyle/>
           <a:p>
             <a:pPr marL="0" lvl="0" indent="0">
@@ -2411,7 +2414,9 @@
           </a:prstGeom>
         </p:spPr>
         <p:txBody>
-          <a:bodyPr/>
+          <a:bodyPr>
+            <a:normAutofit fontScale="90000"/>
+          </a:bodyPr>
           <a:lstStyle/>
           <a:p>
             <a:pPr marL="0" lvl="0" indent="0">
@@ -2498,6 +2503,95 @@
           </a:prstGeom>
         </p:spPr>
         <p:txBody>
+          <a:bodyPr>
+            <a:normAutofit fontScale="90000"/>
+          </a:bodyPr>
+          <a:lstStyle/>
+          <a:p>
+            <a:pPr marL="0" lvl="0" indent="0">
+              <a:buNone/>
+            </a:pPr>
+            <a:r>
+              <a:t>Current Contributions Are Actuarially Insufficient (2001-2019) w/ R (linePlot())</a:t>
+            </a:r>
+          </a:p>
+        </p:txBody>
+      </p:sp>
+      <p:pic>
+        <p:nvPicPr>
+          <p:cNvPr id="3" name="Picture 1" descr="SamplePPT_files/figure-pptx/crises-1.png"/>
+          <p:cNvPicPr>
+            <a:picLocks noGrp="1" noChangeAspect="1"/>
+          </p:cNvPicPr>
+          <p:nvPr/>
+        </p:nvPicPr>
+        <p:blipFill>
+          <a:blip r:embed="rId2"/>
+          <a:stretch>
+            <a:fillRect/>
+          </a:stretch>
+        </p:blipFill>
+        <p:spPr bwMode="auto">
+          <a:xfrm>
+            <a:off x="673100" y="1600200"/>
+            <a:ext cx="7797800" cy="4876800"/>
+          </a:xfrm>
+          <a:prstGeom prst="rect">
+            <a:avLst/>
+          </a:prstGeom>
+          <a:noFill/>
+          <a:ln w="9525">
+            <a:noFill/>
+            <a:headEnd/>
+            <a:tailEnd/>
+          </a:ln>
+        </p:spPr>
+      </p:pic>
+    </p:spTree>
+  </p:cSld>
+  <p:clrMapOvr>
+    <a:masterClrMapping/>
+  </p:clrMapOvr>
+</p:sld>
+</file>
+
+<file path=ppt/slides/slide14.xml><?xml version="1.0" encoding="utf-8"?>
+<p:sld xmlns:a="http://schemas.openxmlformats.org/drawingml/2006/main" xmlns:r="http://schemas.openxmlformats.org/officeDocument/2006/relationships" xmlns:p="http://schemas.openxmlformats.org/presentationml/2006/main">
+  <p:cSld>
+    <p:spTree>
+      <p:nvGrpSpPr>
+        <p:cNvPr id="1" name=""/>
+        <p:cNvGrpSpPr/>
+        <p:nvPr/>
+      </p:nvGrpSpPr>
+      <p:grpSpPr>
+        <a:xfrm>
+          <a:off x="0" y="0"/>
+          <a:ext cx="0" cy="0"/>
+          <a:chOff x="0" y="0"/>
+          <a:chExt cx="0" cy="0"/>
+        </a:xfrm>
+      </p:grpSpPr>
+      <p:sp>
+        <p:nvSpPr>
+          <p:cNvPr id="2" name="Title 1"/>
+          <p:cNvSpPr>
+            <a:spLocks noGrp="1"/>
+          </p:cNvSpPr>
+          <p:nvPr>
+            <p:ph type="title" hasCustomPrompt="1"/>
+          </p:nvPr>
+        </p:nvSpPr>
+        <p:spPr>
+          <a:xfrm>
+            <a:off x="457200" y="533400"/>
+            <a:ext cx="7864475" cy="990600"/>
+          </a:xfrm>
+          <a:prstGeom prst="rect">
+            <a:avLst/>
+          </a:prstGeom>
+        </p:spPr>
+        <p:txBody>
           <a:bodyPr/>
           <a:lstStyle/>
           <a:p>
@@ -2622,7 +2716,9 @@
         </p:nvSpPr>
         <p:spPr/>
         <p:txBody>
-          <a:bodyPr/>
+          <a:bodyPr>
+            <a:normAutofit lnSpcReduction="10000"/>
+          </a:bodyPr>
           <a:lstStyle/>
           <a:p>
             <a:pPr marL="0" lvl="0" indent="0">
@@ -2721,7 +2817,9 @@
           </a:prstGeom>
         </p:spPr>
         <p:txBody>
-          <a:bodyPr/>
+          <a:bodyPr>
+            <a:normAutofit fontScale="90000"/>
+          </a:bodyPr>
           <a:lstStyle/>
           <a:p>
             <a:pPr marL="0" lvl="0" indent="0">
@@ -2808,21 +2906,37 @@
           </a:prstGeom>
         </p:spPr>
         <p:txBody>
-          <a:bodyPr/>
+          <a:bodyPr>
+            <a:normAutofit fontScale="90000"/>
+          </a:bodyPr>
           <a:lstStyle/>
           <a:p>
             <a:pPr marL="0" lvl="0" indent="0">
               <a:buNone/>
             </a:pPr>
             <a:r>
-              <a:t>Causes of Pension Debt (2001-2019) w/ R (custom Plotly-Image)</a:t>
+              <a:rPr dirty="0"/>
+              <a:t>Causes of Pension Debt (2001-2019) w/ R (custom </a:t>
+            </a:r>
+            <a:r>
+              <a:rPr dirty="0" err="1"/>
+              <a:t>Plotly</a:t>
+            </a:r>
+            <a:r>
+              <a:t>-Image)</a:t>
             </a:r>
           </a:p>
         </p:txBody>
       </p:sp>
       <p:pic>
         <p:nvPicPr>
-          <p:cNvPr id="3" name="Picture 1" descr="GainLoss.png"/>
+          <p:cNvPr id="4" name="Picture 1" descr="DPFP.GainLoss.png">
+            <a:extLst>
+              <a:ext uri="{FF2B5EF4-FFF2-40B4-BE49-F238E27FC236}">
+                <a16:creationId xmlns:a16="http://schemas.microsoft.com/office/drawing/2014/main" id="{622D1AE5-0470-8A48-B401-E9B6432C32C5}"/>
+              </a:ext>
+            </a:extLst>
+          </p:cNvPr>
           <p:cNvPicPr>
             <a:picLocks noGrp="1" noChangeAspect="1"/>
           </p:cNvPicPr>
@@ -2836,8 +2950,8 @@
         </p:blipFill>
         <p:spPr bwMode="auto">
           <a:xfrm>
-            <a:off x="457200" y="1689100"/>
-            <a:ext cx="8229600" cy="4699000"/>
+            <a:off x="584200" y="1600200"/>
+            <a:ext cx="7975600" cy="4876800"/>
           </a:xfrm>
           <a:prstGeom prst="rect">
             <a:avLst/>
@@ -2895,7 +3009,9 @@
           </a:prstGeom>
         </p:spPr>
         <p:txBody>
-          <a:bodyPr/>
+          <a:bodyPr>
+            <a:normAutofit fontScale="90000"/>
+          </a:bodyPr>
           <a:lstStyle/>
           <a:p>
             <a:pPr marL="0" lvl="0" indent="0">
@@ -3335,7 +3451,9 @@
           </a:prstGeom>
         </p:spPr>
         <p:txBody>
-          <a:bodyPr/>
+          <a:bodyPr>
+            <a:normAutofit fontScale="90000"/>
+          </a:bodyPr>
           <a:lstStyle/>
           <a:p>
             <a:pPr marL="0" lvl="0" indent="0">
@@ -3422,7 +3540,9 @@
           </a:prstGeom>
         </p:spPr>
         <p:txBody>
-          <a:bodyPr/>
+          <a:bodyPr>
+            <a:normAutofit fontScale="90000"/>
+          </a:bodyPr>
           <a:lstStyle/>
           <a:p>
             <a:pPr marL="0" lvl="0" indent="0">
@@ -3596,7 +3716,9 @@
           </a:prstGeom>
         </p:spPr>
         <p:txBody>
-          <a:bodyPr/>
+          <a:bodyPr>
+            <a:normAutofit fontScale="90000"/>
+          </a:bodyPr>
           <a:lstStyle/>
           <a:p>
             <a:pPr marL="0" lvl="0" indent="0">
